--- a/Entrega_2/00.REPORTE/Reporte_Grupo5.pptx
+++ b/Entrega_2/00.REPORTE/Reporte_Grupo5.pptx
@@ -5,65 +5,63 @@
     <p:sldMasterId id="2147483665" r:id="rId1"/>
   </p:sldMasterIdLst>
   <p:notesMasterIdLst>
-    <p:notesMasterId r:id="rId22"/>
+    <p:notesMasterId r:id="rId20"/>
   </p:notesMasterIdLst>
   <p:sldIdLst>
     <p:sldId id="285" r:id="rId2"/>
     <p:sldId id="270" r:id="rId3"/>
-    <p:sldId id="271" r:id="rId4"/>
-    <p:sldId id="272" r:id="rId5"/>
-    <p:sldId id="273" r:id="rId6"/>
-    <p:sldId id="274" r:id="rId7"/>
-    <p:sldId id="275" r:id="rId8"/>
-    <p:sldId id="291" r:id="rId9"/>
-    <p:sldId id="277" r:id="rId10"/>
-    <p:sldId id="278" r:id="rId11"/>
-    <p:sldId id="279" r:id="rId12"/>
-    <p:sldId id="280" r:id="rId13"/>
-    <p:sldId id="281" r:id="rId14"/>
-    <p:sldId id="292" r:id="rId15"/>
-    <p:sldId id="293" r:id="rId16"/>
-    <p:sldId id="294" r:id="rId17"/>
-    <p:sldId id="296" r:id="rId18"/>
-    <p:sldId id="295" r:id="rId19"/>
-    <p:sldId id="297" r:id="rId20"/>
-    <p:sldId id="298" r:id="rId21"/>
+    <p:sldId id="272" r:id="rId4"/>
+    <p:sldId id="275" r:id="rId5"/>
+    <p:sldId id="291" r:id="rId6"/>
+    <p:sldId id="277" r:id="rId7"/>
+    <p:sldId id="278" r:id="rId8"/>
+    <p:sldId id="279" r:id="rId9"/>
+    <p:sldId id="280" r:id="rId10"/>
+    <p:sldId id="281" r:id="rId11"/>
+    <p:sldId id="292" r:id="rId12"/>
+    <p:sldId id="293" r:id="rId13"/>
+    <p:sldId id="299" r:id="rId14"/>
+    <p:sldId id="294" r:id="rId15"/>
+    <p:sldId id="296" r:id="rId16"/>
+    <p:sldId id="295" r:id="rId17"/>
+    <p:sldId id="297" r:id="rId18"/>
+    <p:sldId id="298" r:id="rId19"/>
   </p:sldIdLst>
   <p:sldSz cx="9144000" cy="5143500" type="screen16x9"/>
   <p:notesSz cx="6858000" cy="9144000"/>
   <p:embeddedFontLst>
     <p:embeddedFont>
       <p:font typeface="Arial Black" panose="020B0A04020102020204" pitchFamily="34" charset="0"/>
-      <p:bold r:id="rId23"/>
+      <p:bold r:id="rId21"/>
     </p:embeddedFont>
     <p:embeddedFont>
       <p:font typeface="Arial Rounded MT Bold" panose="020F0704030504030204" pitchFamily="34" charset="0"/>
-      <p:regular r:id="rId24"/>
+      <p:regular r:id="rId22"/>
     </p:embeddedFont>
     <p:embeddedFont>
       <p:font typeface="Didact Gothic" panose="00000500000000000000" pitchFamily="2" charset="0"/>
-      <p:regular r:id="rId25"/>
+      <p:regular r:id="rId23"/>
     </p:embeddedFont>
     <p:embeddedFont>
       <p:font typeface="Libre Franklin" pitchFamily="2" charset="0"/>
-      <p:regular r:id="rId26"/>
-      <p:bold r:id="rId27"/>
-      <p:italic r:id="rId28"/>
-      <p:boldItalic r:id="rId29"/>
+      <p:regular r:id="rId24"/>
+      <p:bold r:id="rId25"/>
+      <p:italic r:id="rId26"/>
+      <p:boldItalic r:id="rId27"/>
     </p:embeddedFont>
     <p:embeddedFont>
       <p:font typeface="Poppins" panose="00000500000000000000" pitchFamily="2" charset="0"/>
-      <p:regular r:id="rId30"/>
-      <p:bold r:id="rId31"/>
-      <p:italic r:id="rId32"/>
-      <p:boldItalic r:id="rId33"/>
+      <p:regular r:id="rId28"/>
+      <p:bold r:id="rId29"/>
+      <p:italic r:id="rId30"/>
+      <p:boldItalic r:id="rId31"/>
     </p:embeddedFont>
     <p:embeddedFont>
       <p:font typeface="Raleway" pitchFamily="2" charset="0"/>
-      <p:regular r:id="rId34"/>
-      <p:bold r:id="rId35"/>
-      <p:italic r:id="rId36"/>
-      <p:boldItalic r:id="rId37"/>
+      <p:regular r:id="rId32"/>
+      <p:bold r:id="rId33"/>
+      <p:italic r:id="rId34"/>
+      <p:boldItalic r:id="rId35"/>
     </p:embeddedFont>
   </p:embeddedFontLst>
   <p:defaultTextStyle>
@@ -319,80 +317,139 @@
 <pc:chgInfo xmlns:a="http://schemas.openxmlformats.org/drawingml/2006/main" xmlns:r="http://schemas.openxmlformats.org/officeDocument/2006/relationships" xmlns:ac="http://schemas.microsoft.com/office/drawing/2013/main/command" xmlns:pc="http://schemas.microsoft.com/office/powerpoint/2013/main/command">
   <pc:docChgLst>
     <pc:chgData name="Mario Aragón Valderrama" userId="ab42593c9091a3c7" providerId="LiveId" clId="{A94EC9C8-FC2E-45B4-829C-AEB6B286F687}"/>
-    <pc:docChg chg="custSel delSld modSld">
-      <pc:chgData name="Mario Aragón Valderrama" userId="ab42593c9091a3c7" providerId="LiveId" clId="{A94EC9C8-FC2E-45B4-829C-AEB6B286F687}" dt="2025-11-11T08:11:25.234" v="70" actId="20577"/>
+    <pc:docChg chg="undo custSel addSld delSld modSld">
+      <pc:chgData name="Mario Aragón Valderrama" userId="ab42593c9091a3c7" providerId="LiveId" clId="{A94EC9C8-FC2E-45B4-829C-AEB6B286F687}" dt="2025-12-14T09:38:10.997" v="748" actId="1076"/>
       <pc:docMkLst>
         <pc:docMk/>
       </pc:docMkLst>
-      <pc:sldChg chg="addSp delSp modSp mod">
-        <pc:chgData name="Mario Aragón Valderrama" userId="ab42593c9091a3c7" providerId="LiveId" clId="{A94EC9C8-FC2E-45B4-829C-AEB6B286F687}" dt="2025-11-11T08:11:25.234" v="70" actId="20577"/>
+      <pc:sldChg chg="del">
+        <pc:chgData name="Mario Aragón Valderrama" userId="ab42593c9091a3c7" providerId="LiveId" clId="{A94EC9C8-FC2E-45B4-829C-AEB6B286F687}" dt="2025-12-14T08:31:34.874" v="75" actId="47"/>
         <pc:sldMkLst>
           <pc:docMk/>
-          <pc:sldMk cId="804811583" sldId="284"/>
+          <pc:sldMk cId="1878690447" sldId="271"/>
         </pc:sldMkLst>
-        <pc:spChg chg="del">
-          <ac:chgData name="Mario Aragón Valderrama" userId="ab42593c9091a3c7" providerId="LiveId" clId="{A94EC9C8-FC2E-45B4-829C-AEB6B286F687}" dt="2025-11-10T20:35:09.027" v="35" actId="478"/>
+      </pc:sldChg>
+      <pc:sldChg chg="del">
+        <pc:chgData name="Mario Aragón Valderrama" userId="ab42593c9091a3c7" providerId="LiveId" clId="{A94EC9C8-FC2E-45B4-829C-AEB6B286F687}" dt="2025-12-14T08:32:21.939" v="76" actId="47"/>
+        <pc:sldMkLst>
+          <pc:docMk/>
+          <pc:sldMk cId="1332014249" sldId="273"/>
+        </pc:sldMkLst>
+      </pc:sldChg>
+      <pc:sldChg chg="del">
+        <pc:chgData name="Mario Aragón Valderrama" userId="ab42593c9091a3c7" providerId="LiveId" clId="{A94EC9C8-FC2E-45B4-829C-AEB6B286F687}" dt="2025-12-14T08:32:24.164" v="77" actId="47"/>
+        <pc:sldMkLst>
+          <pc:docMk/>
+          <pc:sldMk cId="1461310694" sldId="274"/>
+        </pc:sldMkLst>
+      </pc:sldChg>
+      <pc:sldChg chg="addSp delSp modSp mod">
+        <pc:chgData name="Mario Aragón Valderrama" userId="ab42593c9091a3c7" providerId="LiveId" clId="{A94EC9C8-FC2E-45B4-829C-AEB6B286F687}" dt="2025-12-14T09:37:09.327" v="731" actId="20577"/>
+        <pc:sldMkLst>
+          <pc:docMk/>
+          <pc:sldMk cId="2224626977" sldId="293"/>
+        </pc:sldMkLst>
+        <pc:spChg chg="add">
+          <ac:chgData name="Mario Aragón Valderrama" userId="ab42593c9091a3c7" providerId="LiveId" clId="{A94EC9C8-FC2E-45B4-829C-AEB6B286F687}" dt="2025-12-14T09:12:28.896" v="440"/>
           <ac:spMkLst>
             <pc:docMk/>
-            <pc:sldMk cId="804811583" sldId="284"/>
-            <ac:spMk id="3" creationId="{CBB543AC-28C6-CB87-2130-192D13526D85}"/>
+            <pc:sldMk cId="2224626977" sldId="293"/>
+            <ac:spMk id="6" creationId="{CC78E7FE-6C76-53DE-FA92-7178444A00CE}"/>
           </ac:spMkLst>
         </pc:spChg>
+        <pc:graphicFrameChg chg="add del mod modGraphic">
+          <ac:chgData name="Mario Aragón Valderrama" userId="ab42593c9091a3c7" providerId="LiveId" clId="{A94EC9C8-FC2E-45B4-829C-AEB6B286F687}" dt="2025-12-14T08:53:56.795" v="252" actId="478"/>
+          <ac:graphicFrameMkLst>
+            <pc:docMk/>
+            <pc:sldMk cId="2224626977" sldId="293"/>
+            <ac:graphicFrameMk id="3" creationId="{0AAA468F-B6F2-EA20-010D-C277B4816D77}"/>
+          </ac:graphicFrameMkLst>
+        </pc:graphicFrameChg>
+        <pc:graphicFrameChg chg="add del mod modGraphic">
+          <ac:chgData name="Mario Aragón Valderrama" userId="ab42593c9091a3c7" providerId="LiveId" clId="{A94EC9C8-FC2E-45B4-829C-AEB6B286F687}" dt="2025-12-14T08:50:52.528" v="202" actId="14100"/>
+          <ac:graphicFrameMkLst>
+            <pc:docMk/>
+            <pc:sldMk cId="2224626977" sldId="293"/>
+            <ac:graphicFrameMk id="4" creationId="{14CC6DFB-B718-A275-C02B-719FB5D483A8}"/>
+          </ac:graphicFrameMkLst>
+        </pc:graphicFrameChg>
+        <pc:graphicFrameChg chg="add mod modGraphic">
+          <ac:chgData name="Mario Aragón Valderrama" userId="ab42593c9091a3c7" providerId="LiveId" clId="{A94EC9C8-FC2E-45B4-829C-AEB6B286F687}" dt="2025-12-14T09:37:09.327" v="731" actId="20577"/>
+          <ac:graphicFrameMkLst>
+            <pc:docMk/>
+            <pc:sldMk cId="2224626977" sldId="293"/>
+            <ac:graphicFrameMk id="5" creationId="{91C0E36A-D0DD-E8B8-21D5-10146D353935}"/>
+          </ac:graphicFrameMkLst>
+        </pc:graphicFrameChg>
+        <pc:graphicFrameChg chg="add mod modGraphic">
+          <ac:chgData name="Mario Aragón Valderrama" userId="ab42593c9091a3c7" providerId="LiveId" clId="{A94EC9C8-FC2E-45B4-829C-AEB6B286F687}" dt="2025-12-14T09:35:58.297" v="727" actId="14100"/>
+          <ac:graphicFrameMkLst>
+            <pc:docMk/>
+            <pc:sldMk cId="2224626977" sldId="293"/>
+            <ac:graphicFrameMk id="7" creationId="{E27B1CD2-7EFB-AA7A-3361-090E6CE5F737}"/>
+          </ac:graphicFrameMkLst>
+        </pc:graphicFrameChg>
+      </pc:sldChg>
+      <pc:sldChg chg="modSp mod">
+        <pc:chgData name="Mario Aragón Valderrama" userId="ab42593c9091a3c7" providerId="LiveId" clId="{A94EC9C8-FC2E-45B4-829C-AEB6B286F687}" dt="2025-12-14T08:30:23.569" v="74" actId="20577"/>
+        <pc:sldMkLst>
+          <pc:docMk/>
+          <pc:sldMk cId="440027871" sldId="296"/>
+        </pc:sldMkLst>
         <pc:spChg chg="mod">
-          <ac:chgData name="Mario Aragón Valderrama" userId="ab42593c9091a3c7" providerId="LiveId" clId="{A94EC9C8-FC2E-45B4-829C-AEB6B286F687}" dt="2025-11-11T08:11:25.234" v="70" actId="20577"/>
+          <ac:chgData name="Mario Aragón Valderrama" userId="ab42593c9091a3c7" providerId="LiveId" clId="{A94EC9C8-FC2E-45B4-829C-AEB6B286F687}" dt="2025-12-14T08:30:23.569" v="74" actId="20577"/>
           <ac:spMkLst>
             <pc:docMk/>
-            <pc:sldMk cId="804811583" sldId="284"/>
-            <ac:spMk id="4" creationId="{CE81DE5E-6259-79DC-5572-F796569C1956}"/>
+            <pc:sldMk cId="440027871" sldId="296"/>
+            <ac:spMk id="2" creationId="{CA35A133-552C-F60D-3767-71D9B2556565}"/>
           </ac:spMkLst>
         </pc:spChg>
-        <pc:spChg chg="del">
-          <ac:chgData name="Mario Aragón Valderrama" userId="ab42593c9091a3c7" providerId="LiveId" clId="{A94EC9C8-FC2E-45B4-829C-AEB6B286F687}" dt="2025-11-10T20:35:11.658" v="36" actId="478"/>
-          <ac:spMkLst>
-            <pc:docMk/>
-            <pc:sldMk cId="804811583" sldId="284"/>
-            <ac:spMk id="5" creationId="{1B72F570-8C4E-D03D-19B6-735E5B05BD2C}"/>
-          </ac:spMkLst>
-        </pc:spChg>
-        <pc:spChg chg="add mod">
-          <ac:chgData name="Mario Aragón Valderrama" userId="ab42593c9091a3c7" providerId="LiveId" clId="{A94EC9C8-FC2E-45B4-829C-AEB6B286F687}" dt="2025-11-10T20:39:46.927" v="62" actId="207"/>
-          <ac:spMkLst>
-            <pc:docMk/>
-            <pc:sldMk cId="804811583" sldId="284"/>
-            <ac:spMk id="6" creationId="{AC91448B-C5FD-2F6A-EAA6-A234D728F93C}"/>
-          </ac:spMkLst>
-        </pc:spChg>
-        <pc:spChg chg="mod">
-          <ac:chgData name="Mario Aragón Valderrama" userId="ab42593c9091a3c7" providerId="LiveId" clId="{A94EC9C8-FC2E-45B4-829C-AEB6B286F687}" dt="2025-11-10T20:35:49.956" v="52" actId="1076"/>
-          <ac:spMkLst>
-            <pc:docMk/>
-            <pc:sldMk cId="804811583" sldId="284"/>
-            <ac:spMk id="7" creationId="{DD0C6F00-4574-F599-71F8-148D1AC02A0D}"/>
-          </ac:spMkLst>
-        </pc:spChg>
-        <pc:picChg chg="del">
-          <ac:chgData name="Mario Aragón Valderrama" userId="ab42593c9091a3c7" providerId="LiveId" clId="{A94EC9C8-FC2E-45B4-829C-AEB6B286F687}" dt="2025-11-10T20:34:58.769" v="34" actId="478"/>
+      </pc:sldChg>
+      <pc:sldChg chg="new del">
+        <pc:chgData name="Mario Aragón Valderrama" userId="ab42593c9091a3c7" providerId="LiveId" clId="{A94EC9C8-FC2E-45B4-829C-AEB6B286F687}" dt="2025-12-14T08:53:19.515" v="244" actId="680"/>
+        <pc:sldMkLst>
+          <pc:docMk/>
+          <pc:sldMk cId="780464591" sldId="299"/>
+        </pc:sldMkLst>
+      </pc:sldChg>
+      <pc:sldChg chg="addSp delSp modSp new mod">
+        <pc:chgData name="Mario Aragón Valderrama" userId="ab42593c9091a3c7" providerId="LiveId" clId="{A94EC9C8-FC2E-45B4-829C-AEB6B286F687}" dt="2025-12-14T09:38:10.997" v="748" actId="1076"/>
+        <pc:sldMkLst>
+          <pc:docMk/>
+          <pc:sldMk cId="2697498994" sldId="299"/>
+        </pc:sldMkLst>
+        <pc:picChg chg="add mod">
+          <ac:chgData name="Mario Aragón Valderrama" userId="ab42593c9091a3c7" providerId="LiveId" clId="{A94EC9C8-FC2E-45B4-829C-AEB6B286F687}" dt="2025-12-14T09:15:35.476" v="450" actId="1076"/>
           <ac:picMkLst>
             <pc:docMk/>
-            <pc:sldMk cId="804811583" sldId="284"/>
-            <ac:picMk id="2" creationId="{633856C8-457E-85C9-545D-9133F826B174}"/>
+            <pc:sldMk cId="2697498994" sldId="299"/>
+            <ac:picMk id="4" creationId="{4DEB307C-6BB4-A6BC-DBA1-DF9FCF41BCAA}"/>
+          </ac:picMkLst>
+        </pc:picChg>
+        <pc:picChg chg="add del mod">
+          <ac:chgData name="Mario Aragón Valderrama" userId="ab42593c9091a3c7" providerId="LiveId" clId="{A94EC9C8-FC2E-45B4-829C-AEB6B286F687}" dt="2025-12-14T09:37:40.207" v="732" actId="478"/>
+          <ac:picMkLst>
+            <pc:docMk/>
+            <pc:sldMk cId="2697498994" sldId="299"/>
+            <ac:picMk id="6" creationId="{0DDF654E-31AC-4CDD-248B-EB433D1A8350}"/>
+          </ac:picMkLst>
+        </pc:picChg>
+        <pc:picChg chg="add del mod">
+          <ac:chgData name="Mario Aragón Valderrama" userId="ab42593c9091a3c7" providerId="LiveId" clId="{A94EC9C8-FC2E-45B4-829C-AEB6B286F687}" dt="2025-12-14T09:38:00.277" v="739" actId="478"/>
+          <ac:picMkLst>
+            <pc:docMk/>
+            <pc:sldMk cId="2697498994" sldId="299"/>
+            <ac:picMk id="8" creationId="{69D05035-F0E9-8D14-67F5-FCA4790DED6C}"/>
           </ac:picMkLst>
         </pc:picChg>
         <pc:picChg chg="add mod">
-          <ac:chgData name="Mario Aragón Valderrama" userId="ab42593c9091a3c7" providerId="LiveId" clId="{A94EC9C8-FC2E-45B4-829C-AEB6B286F687}" dt="2025-11-10T20:36:18.515" v="59" actId="1440"/>
+          <ac:chgData name="Mario Aragón Valderrama" userId="ab42593c9091a3c7" providerId="LiveId" clId="{A94EC9C8-FC2E-45B4-829C-AEB6B286F687}" dt="2025-12-14T09:38:10.997" v="748" actId="1076"/>
           <ac:picMkLst>
             <pc:docMk/>
-            <pc:sldMk cId="804811583" sldId="284"/>
-            <ac:picMk id="9" creationId="{DFE34DB1-1DCE-BDDB-C2E6-909DAA0FE4D2}"/>
+            <pc:sldMk cId="2697498994" sldId="299"/>
+            <ac:picMk id="10" creationId="{6722969D-1499-5A0C-8BA0-9DEA6C499B77}"/>
           </ac:picMkLst>
         </pc:picChg>
-      </pc:sldChg>
-      <pc:sldChg chg="del">
-        <pc:chgData name="Mario Aragón Valderrama" userId="ab42593c9091a3c7" providerId="LiveId" clId="{A94EC9C8-FC2E-45B4-829C-AEB6B286F687}" dt="2025-11-10T20:45:57.536" v="63" actId="47"/>
-        <pc:sldMkLst>
-          <pc:docMk/>
-          <pc:sldMk cId="1794189217" sldId="290"/>
-        </pc:sldMkLst>
       </pc:sldChg>
     </pc:docChg>
   </pc:docChgLst>
@@ -9197,6 +9254,826 @@
         <p:cNvPr id="1" name="Shape 617">
           <a:extLst>
             <a:ext uri="{FF2B5EF4-FFF2-40B4-BE49-F238E27FC236}">
+              <a16:creationId xmlns:a16="http://schemas.microsoft.com/office/drawing/2014/main" id="{7FB33C63-1A5C-C0F6-91D7-501B73FFFBD1}"/>
+            </a:ext>
+          </a:extLst>
+        </p:cNvPr>
+        <p:cNvGrpSpPr/>
+        <p:nvPr/>
+      </p:nvGrpSpPr>
+      <p:grpSpPr>
+        <a:xfrm>
+          <a:off x="0" y="0"/>
+          <a:ext cx="0" cy="0"/>
+          <a:chOff x="0" y="0"/>
+          <a:chExt cx="0" cy="0"/>
+        </a:xfrm>
+      </p:grpSpPr>
+      <p:sp>
+        <p:nvSpPr>
+          <p:cNvPr id="618" name="Google Shape;618;g2b1022eedc3_0_48:notes">
+            <a:extLst>
+              <a:ext uri="{FF2B5EF4-FFF2-40B4-BE49-F238E27FC236}">
+                <a16:creationId xmlns:a16="http://schemas.microsoft.com/office/drawing/2014/main" id="{A048CA35-E7A9-3E8B-3DEF-5D6CAA6BF134}"/>
+              </a:ext>
+            </a:extLst>
+          </p:cNvPr>
+          <p:cNvSpPr>
+            <a:spLocks noGrp="1" noRot="1" noChangeAspect="1"/>
+          </p:cNvSpPr>
+          <p:nvPr>
+            <p:ph type="sldImg" idx="2"/>
+          </p:nvPr>
+        </p:nvSpPr>
+        <p:spPr>
+          <a:xfrm>
+            <a:off x="381000" y="685800"/>
+            <a:ext cx="6096000" cy="3429000"/>
+          </a:xfrm>
+          <a:custGeom>
+            <a:avLst/>
+            <a:gdLst/>
+            <a:ahLst/>
+            <a:cxnLst/>
+            <a:rect l="l" t="t" r="r" b="b"/>
+            <a:pathLst>
+              <a:path w="120000" h="120000" extrusionOk="0">
+                <a:moveTo>
+                  <a:pt x="0" y="0"/>
+                </a:moveTo>
+                <a:lnTo>
+                  <a:pt x="120000" y="0"/>
+                </a:lnTo>
+                <a:lnTo>
+                  <a:pt x="120000" y="120000"/>
+                </a:lnTo>
+                <a:lnTo>
+                  <a:pt x="0" y="120000"/>
+                </a:lnTo>
+                <a:close/>
+              </a:path>
+            </a:pathLst>
+          </a:custGeom>
+        </p:spPr>
+      </p:sp>
+      <p:sp>
+        <p:nvSpPr>
+          <p:cNvPr id="619" name="Google Shape;619;g2b1022eedc3_0_48:notes">
+            <a:extLst>
+              <a:ext uri="{FF2B5EF4-FFF2-40B4-BE49-F238E27FC236}">
+                <a16:creationId xmlns:a16="http://schemas.microsoft.com/office/drawing/2014/main" id="{93F1EFDE-20CB-955A-9875-81497B1F0917}"/>
+              </a:ext>
+            </a:extLst>
+          </p:cNvPr>
+          <p:cNvSpPr txBox="1">
+            <a:spLocks noGrp="1"/>
+          </p:cNvSpPr>
+          <p:nvPr>
+            <p:ph type="body" idx="1"/>
+          </p:nvPr>
+        </p:nvSpPr>
+        <p:spPr>
+          <a:xfrm>
+            <a:off x="685800" y="4343400"/>
+            <a:ext cx="5486400" cy="4114800"/>
+          </a:xfrm>
+          <a:prstGeom prst="rect">
+            <a:avLst/>
+          </a:prstGeom>
+        </p:spPr>
+        <p:txBody>
+          <a:bodyPr spcFirstLastPara="1" wrap="square" lIns="91425" tIns="91425" rIns="91425" bIns="91425" anchor="t" anchorCtr="0">
+            <a:noAutofit/>
+          </a:bodyPr>
+          <a:lstStyle/>
+          <a:p>
+            <a:pPr marL="0" lvl="0" indent="0" algn="l" rtl="0">
+              <a:spcBef>
+                <a:spcPts val="0"/>
+              </a:spcBef>
+              <a:spcAft>
+                <a:spcPts val="0"/>
+              </a:spcAft>
+              <a:buNone/>
+            </a:pPr>
+            <a:endParaRPr/>
+          </a:p>
+        </p:txBody>
+      </p:sp>
+    </p:spTree>
+    <p:extLst>
+      <p:ext uri="{BB962C8B-B14F-4D97-AF65-F5344CB8AC3E}">
+        <p14:creationId xmlns:p14="http://schemas.microsoft.com/office/powerpoint/2010/main" val="827029212"/>
+      </p:ext>
+    </p:extLst>
+  </p:cSld>
+  <p:clrMapOvr>
+    <a:masterClrMapping/>
+  </p:clrMapOvr>
+</p:notes>
+</file>
+
+<file path=ppt/notesSlides/notesSlide11.xml><?xml version="1.0" encoding="utf-8"?>
+<p:notes xmlns:a="http://schemas.openxmlformats.org/drawingml/2006/main" xmlns:r="http://schemas.openxmlformats.org/officeDocument/2006/relationships" xmlns:p="http://schemas.openxmlformats.org/presentationml/2006/main" showMasterSp="0" showMasterPhAnim="0">
+  <p:cSld>
+    <p:spTree>
+      <p:nvGrpSpPr>
+        <p:cNvPr id="1" name="Shape 617"/>
+        <p:cNvGrpSpPr/>
+        <p:nvPr/>
+      </p:nvGrpSpPr>
+      <p:grpSpPr>
+        <a:xfrm>
+          <a:off x="0" y="0"/>
+          <a:ext cx="0" cy="0"/>
+          <a:chOff x="0" y="0"/>
+          <a:chExt cx="0" cy="0"/>
+        </a:xfrm>
+      </p:grpSpPr>
+      <p:sp>
+        <p:nvSpPr>
+          <p:cNvPr id="618" name="Google Shape;618;g2b1022eedc3_0_48:notes"/>
+          <p:cNvSpPr>
+            <a:spLocks noGrp="1" noRot="1" noChangeAspect="1"/>
+          </p:cNvSpPr>
+          <p:nvPr>
+            <p:ph type="sldImg" idx="2"/>
+          </p:nvPr>
+        </p:nvSpPr>
+        <p:spPr>
+          <a:xfrm>
+            <a:off x="381000" y="685800"/>
+            <a:ext cx="6096000" cy="3429000"/>
+          </a:xfrm>
+          <a:custGeom>
+            <a:avLst/>
+            <a:gdLst/>
+            <a:ahLst/>
+            <a:cxnLst/>
+            <a:rect l="l" t="t" r="r" b="b"/>
+            <a:pathLst>
+              <a:path w="120000" h="120000" extrusionOk="0">
+                <a:moveTo>
+                  <a:pt x="0" y="0"/>
+                </a:moveTo>
+                <a:lnTo>
+                  <a:pt x="120000" y="0"/>
+                </a:lnTo>
+                <a:lnTo>
+                  <a:pt x="120000" y="120000"/>
+                </a:lnTo>
+                <a:lnTo>
+                  <a:pt x="0" y="120000"/>
+                </a:lnTo>
+                <a:close/>
+              </a:path>
+            </a:pathLst>
+          </a:custGeom>
+        </p:spPr>
+      </p:sp>
+      <p:sp>
+        <p:nvSpPr>
+          <p:cNvPr id="619" name="Google Shape;619;g2b1022eedc3_0_48:notes"/>
+          <p:cNvSpPr txBox="1">
+            <a:spLocks noGrp="1"/>
+          </p:cNvSpPr>
+          <p:nvPr>
+            <p:ph type="body" idx="1"/>
+          </p:nvPr>
+        </p:nvSpPr>
+        <p:spPr>
+          <a:xfrm>
+            <a:off x="685800" y="4343400"/>
+            <a:ext cx="5486400" cy="4114800"/>
+          </a:xfrm>
+          <a:prstGeom prst="rect">
+            <a:avLst/>
+          </a:prstGeom>
+        </p:spPr>
+        <p:txBody>
+          <a:bodyPr spcFirstLastPara="1" wrap="square" lIns="91425" tIns="91425" rIns="91425" bIns="91425" anchor="t" anchorCtr="0">
+            <a:noAutofit/>
+          </a:bodyPr>
+          <a:lstStyle/>
+          <a:p>
+            <a:pPr marL="0" lvl="0" indent="0" algn="l" rtl="0">
+              <a:spcBef>
+                <a:spcPts val="0"/>
+              </a:spcBef>
+              <a:spcAft>
+                <a:spcPts val="0"/>
+              </a:spcAft>
+              <a:buNone/>
+            </a:pPr>
+            <a:endParaRPr/>
+          </a:p>
+        </p:txBody>
+      </p:sp>
+    </p:spTree>
+  </p:cSld>
+  <p:clrMapOvr>
+    <a:masterClrMapping/>
+  </p:clrMapOvr>
+</p:notes>
+</file>
+
+<file path=ppt/notesSlides/notesSlide2.xml><?xml version="1.0" encoding="utf-8"?>
+<p:notes xmlns:a="http://schemas.openxmlformats.org/drawingml/2006/main" xmlns:r="http://schemas.openxmlformats.org/officeDocument/2006/relationships" xmlns:p="http://schemas.openxmlformats.org/presentationml/2006/main" showMasterSp="0" showMasterPhAnim="0">
+  <p:cSld>
+    <p:spTree>
+      <p:nvGrpSpPr>
+        <p:cNvPr id="1" name="Shape 617"/>
+        <p:cNvGrpSpPr/>
+        <p:nvPr/>
+      </p:nvGrpSpPr>
+      <p:grpSpPr>
+        <a:xfrm>
+          <a:off x="0" y="0"/>
+          <a:ext cx="0" cy="0"/>
+          <a:chOff x="0" y="0"/>
+          <a:chExt cx="0" cy="0"/>
+        </a:xfrm>
+      </p:grpSpPr>
+      <p:sp>
+        <p:nvSpPr>
+          <p:cNvPr id="618" name="Google Shape;618;g2b1022eedc3_0_48:notes"/>
+          <p:cNvSpPr>
+            <a:spLocks noGrp="1" noRot="1" noChangeAspect="1"/>
+          </p:cNvSpPr>
+          <p:nvPr>
+            <p:ph type="sldImg" idx="2"/>
+          </p:nvPr>
+        </p:nvSpPr>
+        <p:spPr>
+          <a:xfrm>
+            <a:off x="381000" y="685800"/>
+            <a:ext cx="6096000" cy="3429000"/>
+          </a:xfrm>
+          <a:custGeom>
+            <a:avLst/>
+            <a:gdLst/>
+            <a:ahLst/>
+            <a:cxnLst/>
+            <a:rect l="l" t="t" r="r" b="b"/>
+            <a:pathLst>
+              <a:path w="120000" h="120000" extrusionOk="0">
+                <a:moveTo>
+                  <a:pt x="0" y="0"/>
+                </a:moveTo>
+                <a:lnTo>
+                  <a:pt x="120000" y="0"/>
+                </a:lnTo>
+                <a:lnTo>
+                  <a:pt x="120000" y="120000"/>
+                </a:lnTo>
+                <a:lnTo>
+                  <a:pt x="0" y="120000"/>
+                </a:lnTo>
+                <a:close/>
+              </a:path>
+            </a:pathLst>
+          </a:custGeom>
+        </p:spPr>
+      </p:sp>
+      <p:sp>
+        <p:nvSpPr>
+          <p:cNvPr id="619" name="Google Shape;619;g2b1022eedc3_0_48:notes"/>
+          <p:cNvSpPr txBox="1">
+            <a:spLocks noGrp="1"/>
+          </p:cNvSpPr>
+          <p:nvPr>
+            <p:ph type="body" idx="1"/>
+          </p:nvPr>
+        </p:nvSpPr>
+        <p:spPr>
+          <a:xfrm>
+            <a:off x="685800" y="4343400"/>
+            <a:ext cx="5486400" cy="4114800"/>
+          </a:xfrm>
+          <a:prstGeom prst="rect">
+            <a:avLst/>
+          </a:prstGeom>
+        </p:spPr>
+        <p:txBody>
+          <a:bodyPr spcFirstLastPara="1" wrap="square" lIns="91425" tIns="91425" rIns="91425" bIns="91425" anchor="t" anchorCtr="0">
+            <a:noAutofit/>
+          </a:bodyPr>
+          <a:lstStyle/>
+          <a:p>
+            <a:pPr marL="0" lvl="0" indent="0" algn="l" rtl="0">
+              <a:spcBef>
+                <a:spcPts val="0"/>
+              </a:spcBef>
+              <a:spcAft>
+                <a:spcPts val="0"/>
+              </a:spcAft>
+              <a:buNone/>
+            </a:pPr>
+            <a:endParaRPr/>
+          </a:p>
+        </p:txBody>
+      </p:sp>
+    </p:spTree>
+  </p:cSld>
+  <p:clrMapOvr>
+    <a:masterClrMapping/>
+  </p:clrMapOvr>
+</p:notes>
+</file>
+
+<file path=ppt/notesSlides/notesSlide3.xml><?xml version="1.0" encoding="utf-8"?>
+<p:notes xmlns:a="http://schemas.openxmlformats.org/drawingml/2006/main" xmlns:r="http://schemas.openxmlformats.org/officeDocument/2006/relationships" xmlns:p="http://schemas.openxmlformats.org/presentationml/2006/main" showMasterSp="0" showMasterPhAnim="0">
+  <p:cSld>
+    <p:spTree>
+      <p:nvGrpSpPr>
+        <p:cNvPr id="1" name="Shape 617">
+          <a:extLst>
+            <a:ext uri="{FF2B5EF4-FFF2-40B4-BE49-F238E27FC236}">
+              <a16:creationId xmlns:a16="http://schemas.microsoft.com/office/drawing/2014/main" id="{AFAE2499-CEA9-C50F-7E2C-06B6B87A96CF}"/>
+            </a:ext>
+          </a:extLst>
+        </p:cNvPr>
+        <p:cNvGrpSpPr/>
+        <p:nvPr/>
+      </p:nvGrpSpPr>
+      <p:grpSpPr>
+        <a:xfrm>
+          <a:off x="0" y="0"/>
+          <a:ext cx="0" cy="0"/>
+          <a:chOff x="0" y="0"/>
+          <a:chExt cx="0" cy="0"/>
+        </a:xfrm>
+      </p:grpSpPr>
+      <p:sp>
+        <p:nvSpPr>
+          <p:cNvPr id="618" name="Google Shape;618;g2b1022eedc3_0_48:notes">
+            <a:extLst>
+              <a:ext uri="{FF2B5EF4-FFF2-40B4-BE49-F238E27FC236}">
+                <a16:creationId xmlns:a16="http://schemas.microsoft.com/office/drawing/2014/main" id="{6381296F-49E2-EE6C-3B09-49888440DA92}"/>
+              </a:ext>
+            </a:extLst>
+          </p:cNvPr>
+          <p:cNvSpPr>
+            <a:spLocks noGrp="1" noRot="1" noChangeAspect="1"/>
+          </p:cNvSpPr>
+          <p:nvPr>
+            <p:ph type="sldImg" idx="2"/>
+          </p:nvPr>
+        </p:nvSpPr>
+        <p:spPr>
+          <a:xfrm>
+            <a:off x="381000" y="685800"/>
+            <a:ext cx="6096000" cy="3429000"/>
+          </a:xfrm>
+          <a:custGeom>
+            <a:avLst/>
+            <a:gdLst/>
+            <a:ahLst/>
+            <a:cxnLst/>
+            <a:rect l="l" t="t" r="r" b="b"/>
+            <a:pathLst>
+              <a:path w="120000" h="120000" extrusionOk="0">
+                <a:moveTo>
+                  <a:pt x="0" y="0"/>
+                </a:moveTo>
+                <a:lnTo>
+                  <a:pt x="120000" y="0"/>
+                </a:lnTo>
+                <a:lnTo>
+                  <a:pt x="120000" y="120000"/>
+                </a:lnTo>
+                <a:lnTo>
+                  <a:pt x="0" y="120000"/>
+                </a:lnTo>
+                <a:close/>
+              </a:path>
+            </a:pathLst>
+          </a:custGeom>
+        </p:spPr>
+      </p:sp>
+      <p:sp>
+        <p:nvSpPr>
+          <p:cNvPr id="619" name="Google Shape;619;g2b1022eedc3_0_48:notes">
+            <a:extLst>
+              <a:ext uri="{FF2B5EF4-FFF2-40B4-BE49-F238E27FC236}">
+                <a16:creationId xmlns:a16="http://schemas.microsoft.com/office/drawing/2014/main" id="{D2C2C34E-F03D-18C8-1847-DE6DBC220B18}"/>
+              </a:ext>
+            </a:extLst>
+          </p:cNvPr>
+          <p:cNvSpPr txBox="1">
+            <a:spLocks noGrp="1"/>
+          </p:cNvSpPr>
+          <p:nvPr>
+            <p:ph type="body" idx="1"/>
+          </p:nvPr>
+        </p:nvSpPr>
+        <p:spPr>
+          <a:xfrm>
+            <a:off x="685800" y="4343400"/>
+            <a:ext cx="5486400" cy="4114800"/>
+          </a:xfrm>
+          <a:prstGeom prst="rect">
+            <a:avLst/>
+          </a:prstGeom>
+        </p:spPr>
+        <p:txBody>
+          <a:bodyPr spcFirstLastPara="1" wrap="square" lIns="91425" tIns="91425" rIns="91425" bIns="91425" anchor="t" anchorCtr="0">
+            <a:noAutofit/>
+          </a:bodyPr>
+          <a:lstStyle/>
+          <a:p>
+            <a:pPr marL="0" lvl="0" indent="0" algn="l" rtl="0">
+              <a:spcBef>
+                <a:spcPts val="0"/>
+              </a:spcBef>
+              <a:spcAft>
+                <a:spcPts val="0"/>
+              </a:spcAft>
+              <a:buNone/>
+            </a:pPr>
+            <a:endParaRPr/>
+          </a:p>
+        </p:txBody>
+      </p:sp>
+    </p:spTree>
+    <p:extLst>
+      <p:ext uri="{BB962C8B-B14F-4D97-AF65-F5344CB8AC3E}">
+        <p14:creationId xmlns:p14="http://schemas.microsoft.com/office/powerpoint/2010/main" val="3961836224"/>
+      </p:ext>
+    </p:extLst>
+  </p:cSld>
+  <p:clrMapOvr>
+    <a:masterClrMapping/>
+  </p:clrMapOvr>
+</p:notes>
+</file>
+
+<file path=ppt/notesSlides/notesSlide4.xml><?xml version="1.0" encoding="utf-8"?>
+<p:notes xmlns:a="http://schemas.openxmlformats.org/drawingml/2006/main" xmlns:r="http://schemas.openxmlformats.org/officeDocument/2006/relationships" xmlns:p="http://schemas.openxmlformats.org/presentationml/2006/main" showMasterSp="0" showMasterPhAnim="0">
+  <p:cSld>
+    <p:spTree>
+      <p:nvGrpSpPr>
+        <p:cNvPr id="1" name="Shape 617"/>
+        <p:cNvGrpSpPr/>
+        <p:nvPr/>
+      </p:nvGrpSpPr>
+      <p:grpSpPr>
+        <a:xfrm>
+          <a:off x="0" y="0"/>
+          <a:ext cx="0" cy="0"/>
+          <a:chOff x="0" y="0"/>
+          <a:chExt cx="0" cy="0"/>
+        </a:xfrm>
+      </p:grpSpPr>
+      <p:sp>
+        <p:nvSpPr>
+          <p:cNvPr id="618" name="Google Shape;618;g2b1022eedc3_0_48:notes"/>
+          <p:cNvSpPr>
+            <a:spLocks noGrp="1" noRot="1" noChangeAspect="1"/>
+          </p:cNvSpPr>
+          <p:nvPr>
+            <p:ph type="sldImg" idx="2"/>
+          </p:nvPr>
+        </p:nvSpPr>
+        <p:spPr>
+          <a:xfrm>
+            <a:off x="381000" y="685800"/>
+            <a:ext cx="6096000" cy="3429000"/>
+          </a:xfrm>
+          <a:custGeom>
+            <a:avLst/>
+            <a:gdLst/>
+            <a:ahLst/>
+            <a:cxnLst/>
+            <a:rect l="l" t="t" r="r" b="b"/>
+            <a:pathLst>
+              <a:path w="120000" h="120000" extrusionOk="0">
+                <a:moveTo>
+                  <a:pt x="0" y="0"/>
+                </a:moveTo>
+                <a:lnTo>
+                  <a:pt x="120000" y="0"/>
+                </a:lnTo>
+                <a:lnTo>
+                  <a:pt x="120000" y="120000"/>
+                </a:lnTo>
+                <a:lnTo>
+                  <a:pt x="0" y="120000"/>
+                </a:lnTo>
+                <a:close/>
+              </a:path>
+            </a:pathLst>
+          </a:custGeom>
+        </p:spPr>
+      </p:sp>
+      <p:sp>
+        <p:nvSpPr>
+          <p:cNvPr id="619" name="Google Shape;619;g2b1022eedc3_0_48:notes"/>
+          <p:cNvSpPr txBox="1">
+            <a:spLocks noGrp="1"/>
+          </p:cNvSpPr>
+          <p:nvPr>
+            <p:ph type="body" idx="1"/>
+          </p:nvPr>
+        </p:nvSpPr>
+        <p:spPr>
+          <a:xfrm>
+            <a:off x="685800" y="4343400"/>
+            <a:ext cx="5486400" cy="4114800"/>
+          </a:xfrm>
+          <a:prstGeom prst="rect">
+            <a:avLst/>
+          </a:prstGeom>
+        </p:spPr>
+        <p:txBody>
+          <a:bodyPr spcFirstLastPara="1" wrap="square" lIns="91425" tIns="91425" rIns="91425" bIns="91425" anchor="t" anchorCtr="0">
+            <a:noAutofit/>
+          </a:bodyPr>
+          <a:lstStyle/>
+          <a:p>
+            <a:pPr marL="0" lvl="0" indent="0" algn="l" rtl="0">
+              <a:spcBef>
+                <a:spcPts val="0"/>
+              </a:spcBef>
+              <a:spcAft>
+                <a:spcPts val="0"/>
+              </a:spcAft>
+              <a:buNone/>
+            </a:pPr>
+            <a:endParaRPr/>
+          </a:p>
+        </p:txBody>
+      </p:sp>
+    </p:spTree>
+  </p:cSld>
+  <p:clrMapOvr>
+    <a:masterClrMapping/>
+  </p:clrMapOvr>
+</p:notes>
+</file>
+
+<file path=ppt/notesSlides/notesSlide5.xml><?xml version="1.0" encoding="utf-8"?>
+<p:notes xmlns:a="http://schemas.openxmlformats.org/drawingml/2006/main" xmlns:r="http://schemas.openxmlformats.org/officeDocument/2006/relationships" xmlns:p="http://schemas.openxmlformats.org/presentationml/2006/main" showMasterSp="0" showMasterPhAnim="0">
+  <p:cSld>
+    <p:spTree>
+      <p:nvGrpSpPr>
+        <p:cNvPr id="1" name="Shape 617">
+          <a:extLst>
+            <a:ext uri="{FF2B5EF4-FFF2-40B4-BE49-F238E27FC236}">
+              <a16:creationId xmlns:a16="http://schemas.microsoft.com/office/drawing/2014/main" id="{AE712297-7568-3729-6473-F9FC483D3C0A}"/>
+            </a:ext>
+          </a:extLst>
+        </p:cNvPr>
+        <p:cNvGrpSpPr/>
+        <p:nvPr/>
+      </p:nvGrpSpPr>
+      <p:grpSpPr>
+        <a:xfrm>
+          <a:off x="0" y="0"/>
+          <a:ext cx="0" cy="0"/>
+          <a:chOff x="0" y="0"/>
+          <a:chExt cx="0" cy="0"/>
+        </a:xfrm>
+      </p:grpSpPr>
+      <p:sp>
+        <p:nvSpPr>
+          <p:cNvPr id="618" name="Google Shape;618;g2b1022eedc3_0_48:notes">
+            <a:extLst>
+              <a:ext uri="{FF2B5EF4-FFF2-40B4-BE49-F238E27FC236}">
+                <a16:creationId xmlns:a16="http://schemas.microsoft.com/office/drawing/2014/main" id="{33E3917D-884B-6864-A41F-BA0A081BB751}"/>
+              </a:ext>
+            </a:extLst>
+          </p:cNvPr>
+          <p:cNvSpPr>
+            <a:spLocks noGrp="1" noRot="1" noChangeAspect="1"/>
+          </p:cNvSpPr>
+          <p:nvPr>
+            <p:ph type="sldImg" idx="2"/>
+          </p:nvPr>
+        </p:nvSpPr>
+        <p:spPr>
+          <a:xfrm>
+            <a:off x="381000" y="685800"/>
+            <a:ext cx="6096000" cy="3429000"/>
+          </a:xfrm>
+          <a:custGeom>
+            <a:avLst/>
+            <a:gdLst/>
+            <a:ahLst/>
+            <a:cxnLst/>
+            <a:rect l="l" t="t" r="r" b="b"/>
+            <a:pathLst>
+              <a:path w="120000" h="120000" extrusionOk="0">
+                <a:moveTo>
+                  <a:pt x="0" y="0"/>
+                </a:moveTo>
+                <a:lnTo>
+                  <a:pt x="120000" y="0"/>
+                </a:lnTo>
+                <a:lnTo>
+                  <a:pt x="120000" y="120000"/>
+                </a:lnTo>
+                <a:lnTo>
+                  <a:pt x="0" y="120000"/>
+                </a:lnTo>
+                <a:close/>
+              </a:path>
+            </a:pathLst>
+          </a:custGeom>
+        </p:spPr>
+      </p:sp>
+      <p:sp>
+        <p:nvSpPr>
+          <p:cNvPr id="619" name="Google Shape;619;g2b1022eedc3_0_48:notes">
+            <a:extLst>
+              <a:ext uri="{FF2B5EF4-FFF2-40B4-BE49-F238E27FC236}">
+                <a16:creationId xmlns:a16="http://schemas.microsoft.com/office/drawing/2014/main" id="{B14A1270-1F1A-8795-C7F7-2B597898F0AE}"/>
+              </a:ext>
+            </a:extLst>
+          </p:cNvPr>
+          <p:cNvSpPr txBox="1">
+            <a:spLocks noGrp="1"/>
+          </p:cNvSpPr>
+          <p:nvPr>
+            <p:ph type="body" idx="1"/>
+          </p:nvPr>
+        </p:nvSpPr>
+        <p:spPr>
+          <a:xfrm>
+            <a:off x="685800" y="4343400"/>
+            <a:ext cx="5486400" cy="4114800"/>
+          </a:xfrm>
+          <a:prstGeom prst="rect">
+            <a:avLst/>
+          </a:prstGeom>
+        </p:spPr>
+        <p:txBody>
+          <a:bodyPr spcFirstLastPara="1" wrap="square" lIns="91425" tIns="91425" rIns="91425" bIns="91425" anchor="t" anchorCtr="0">
+            <a:noAutofit/>
+          </a:bodyPr>
+          <a:lstStyle/>
+          <a:p>
+            <a:pPr marL="0" lvl="0" indent="0" algn="l" rtl="0">
+              <a:spcBef>
+                <a:spcPts val="0"/>
+              </a:spcBef>
+              <a:spcAft>
+                <a:spcPts val="0"/>
+              </a:spcAft>
+              <a:buNone/>
+            </a:pPr>
+            <a:endParaRPr/>
+          </a:p>
+        </p:txBody>
+      </p:sp>
+    </p:spTree>
+    <p:extLst>
+      <p:ext uri="{BB962C8B-B14F-4D97-AF65-F5344CB8AC3E}">
+        <p14:creationId xmlns:p14="http://schemas.microsoft.com/office/powerpoint/2010/main" val="3461925888"/>
+      </p:ext>
+    </p:extLst>
+  </p:cSld>
+  <p:clrMapOvr>
+    <a:masterClrMapping/>
+  </p:clrMapOvr>
+</p:notes>
+</file>
+
+<file path=ppt/notesSlides/notesSlide6.xml><?xml version="1.0" encoding="utf-8"?>
+<p:notes xmlns:a="http://schemas.openxmlformats.org/drawingml/2006/main" xmlns:r="http://schemas.openxmlformats.org/officeDocument/2006/relationships" xmlns:p="http://schemas.openxmlformats.org/presentationml/2006/main" showMasterSp="0" showMasterPhAnim="0">
+  <p:cSld>
+    <p:spTree>
+      <p:nvGrpSpPr>
+        <p:cNvPr id="1" name="Shape 617">
+          <a:extLst>
+            <a:ext uri="{FF2B5EF4-FFF2-40B4-BE49-F238E27FC236}">
+              <a16:creationId xmlns:a16="http://schemas.microsoft.com/office/drawing/2014/main" id="{F9D095C8-0226-BB72-3FBD-4A88C0CA70E0}"/>
+            </a:ext>
+          </a:extLst>
+        </p:cNvPr>
+        <p:cNvGrpSpPr/>
+        <p:nvPr/>
+      </p:nvGrpSpPr>
+      <p:grpSpPr>
+        <a:xfrm>
+          <a:off x="0" y="0"/>
+          <a:ext cx="0" cy="0"/>
+          <a:chOff x="0" y="0"/>
+          <a:chExt cx="0" cy="0"/>
+        </a:xfrm>
+      </p:grpSpPr>
+      <p:sp>
+        <p:nvSpPr>
+          <p:cNvPr id="618" name="Google Shape;618;g2b1022eedc3_0_48:notes">
+            <a:extLst>
+              <a:ext uri="{FF2B5EF4-FFF2-40B4-BE49-F238E27FC236}">
+                <a16:creationId xmlns:a16="http://schemas.microsoft.com/office/drawing/2014/main" id="{F3697108-8F75-1B30-720A-F59CA12EB94E}"/>
+              </a:ext>
+            </a:extLst>
+          </p:cNvPr>
+          <p:cNvSpPr>
+            <a:spLocks noGrp="1" noRot="1" noChangeAspect="1"/>
+          </p:cNvSpPr>
+          <p:nvPr>
+            <p:ph type="sldImg" idx="2"/>
+          </p:nvPr>
+        </p:nvSpPr>
+        <p:spPr>
+          <a:xfrm>
+            <a:off x="381000" y="685800"/>
+            <a:ext cx="6096000" cy="3429000"/>
+          </a:xfrm>
+          <a:custGeom>
+            <a:avLst/>
+            <a:gdLst/>
+            <a:ahLst/>
+            <a:cxnLst/>
+            <a:rect l="l" t="t" r="r" b="b"/>
+            <a:pathLst>
+              <a:path w="120000" h="120000" extrusionOk="0">
+                <a:moveTo>
+                  <a:pt x="0" y="0"/>
+                </a:moveTo>
+                <a:lnTo>
+                  <a:pt x="120000" y="0"/>
+                </a:lnTo>
+                <a:lnTo>
+                  <a:pt x="120000" y="120000"/>
+                </a:lnTo>
+                <a:lnTo>
+                  <a:pt x="0" y="120000"/>
+                </a:lnTo>
+                <a:close/>
+              </a:path>
+            </a:pathLst>
+          </a:custGeom>
+        </p:spPr>
+      </p:sp>
+      <p:sp>
+        <p:nvSpPr>
+          <p:cNvPr id="619" name="Google Shape;619;g2b1022eedc3_0_48:notes">
+            <a:extLst>
+              <a:ext uri="{FF2B5EF4-FFF2-40B4-BE49-F238E27FC236}">
+                <a16:creationId xmlns:a16="http://schemas.microsoft.com/office/drawing/2014/main" id="{87F9B2AB-71BC-76D2-6C4F-C7B524AF4628}"/>
+              </a:ext>
+            </a:extLst>
+          </p:cNvPr>
+          <p:cNvSpPr txBox="1">
+            <a:spLocks noGrp="1"/>
+          </p:cNvSpPr>
+          <p:nvPr>
+            <p:ph type="body" idx="1"/>
+          </p:nvPr>
+        </p:nvSpPr>
+        <p:spPr>
+          <a:xfrm>
+            <a:off x="685800" y="4343400"/>
+            <a:ext cx="5486400" cy="4114800"/>
+          </a:xfrm>
+          <a:prstGeom prst="rect">
+            <a:avLst/>
+          </a:prstGeom>
+        </p:spPr>
+        <p:txBody>
+          <a:bodyPr spcFirstLastPara="1" wrap="square" lIns="91425" tIns="91425" rIns="91425" bIns="91425" anchor="t" anchorCtr="0">
+            <a:noAutofit/>
+          </a:bodyPr>
+          <a:lstStyle/>
+          <a:p>
+            <a:pPr marL="0" lvl="0" indent="0" algn="l" rtl="0">
+              <a:spcBef>
+                <a:spcPts val="0"/>
+              </a:spcBef>
+              <a:spcAft>
+                <a:spcPts val="0"/>
+              </a:spcAft>
+              <a:buNone/>
+            </a:pPr>
+            <a:endParaRPr/>
+          </a:p>
+        </p:txBody>
+      </p:sp>
+    </p:spTree>
+    <p:extLst>
+      <p:ext uri="{BB962C8B-B14F-4D97-AF65-F5344CB8AC3E}">
+        <p14:creationId xmlns:p14="http://schemas.microsoft.com/office/powerpoint/2010/main" val="1853502467"/>
+      </p:ext>
+    </p:extLst>
+  </p:cSld>
+  <p:clrMapOvr>
+    <a:masterClrMapping/>
+  </p:clrMapOvr>
+</p:notes>
+</file>
+
+<file path=ppt/notesSlides/notesSlide7.xml><?xml version="1.0" encoding="utf-8"?>
+<p:notes xmlns:a="http://schemas.openxmlformats.org/drawingml/2006/main" xmlns:r="http://schemas.openxmlformats.org/officeDocument/2006/relationships" xmlns:p="http://schemas.openxmlformats.org/presentationml/2006/main" showMasterSp="0" showMasterPhAnim="0">
+  <p:cSld>
+    <p:spTree>
+      <p:nvGrpSpPr>
+        <p:cNvPr id="1" name="Shape 617">
+          <a:extLst>
+            <a:ext uri="{FF2B5EF4-FFF2-40B4-BE49-F238E27FC236}">
               <a16:creationId xmlns:a16="http://schemas.microsoft.com/office/drawing/2014/main" id="{A68FCBE4-F2E5-AA70-0ABE-AD515DDC4075}"/>
             </a:ext>
           </a:extLst>
@@ -9316,7 +10193,7 @@
 </p:notes>
 </file>
 
-<file path=ppt/notesSlides/notesSlide11.xml><?xml version="1.0" encoding="utf-8"?>
+<file path=ppt/notesSlides/notesSlide8.xml><?xml version="1.0" encoding="utf-8"?>
 <p:notes xmlns:a="http://schemas.openxmlformats.org/drawingml/2006/main" xmlns:r="http://schemas.openxmlformats.org/officeDocument/2006/relationships" xmlns:p="http://schemas.openxmlformats.org/presentationml/2006/main" showMasterSp="0" showMasterPhAnim="0">
   <p:cSld>
     <p:spTree>
@@ -9443,7 +10320,7 @@
 </p:notes>
 </file>
 
-<file path=ppt/notesSlides/notesSlide12.xml><?xml version="1.0" encoding="utf-8"?>
+<file path=ppt/notesSlides/notesSlide9.xml><?xml version="1.0" encoding="utf-8"?>
 <p:notes xmlns:a="http://schemas.openxmlformats.org/drawingml/2006/main" xmlns:r="http://schemas.openxmlformats.org/officeDocument/2006/relationships" xmlns:p="http://schemas.openxmlformats.org/presentationml/2006/main" showMasterSp="0" showMasterPhAnim="0">
   <p:cSld>
     <p:spTree>
@@ -9561,1207 +10438,6 @@
     <p:extLst>
       <p:ext uri="{BB962C8B-B14F-4D97-AF65-F5344CB8AC3E}">
         <p14:creationId xmlns:p14="http://schemas.microsoft.com/office/powerpoint/2010/main" val="3785539810"/>
-      </p:ext>
-    </p:extLst>
-  </p:cSld>
-  <p:clrMapOvr>
-    <a:masterClrMapping/>
-  </p:clrMapOvr>
-</p:notes>
-</file>
-
-<file path=ppt/notesSlides/notesSlide13.xml><?xml version="1.0" encoding="utf-8"?>
-<p:notes xmlns:a="http://schemas.openxmlformats.org/drawingml/2006/main" xmlns:r="http://schemas.openxmlformats.org/officeDocument/2006/relationships" xmlns:p="http://schemas.openxmlformats.org/presentationml/2006/main" showMasterSp="0" showMasterPhAnim="0">
-  <p:cSld>
-    <p:spTree>
-      <p:nvGrpSpPr>
-        <p:cNvPr id="1" name="Shape 617">
-          <a:extLst>
-            <a:ext uri="{FF2B5EF4-FFF2-40B4-BE49-F238E27FC236}">
-              <a16:creationId xmlns:a16="http://schemas.microsoft.com/office/drawing/2014/main" id="{7FB33C63-1A5C-C0F6-91D7-501B73FFFBD1}"/>
-            </a:ext>
-          </a:extLst>
-        </p:cNvPr>
-        <p:cNvGrpSpPr/>
-        <p:nvPr/>
-      </p:nvGrpSpPr>
-      <p:grpSpPr>
-        <a:xfrm>
-          <a:off x="0" y="0"/>
-          <a:ext cx="0" cy="0"/>
-          <a:chOff x="0" y="0"/>
-          <a:chExt cx="0" cy="0"/>
-        </a:xfrm>
-      </p:grpSpPr>
-      <p:sp>
-        <p:nvSpPr>
-          <p:cNvPr id="618" name="Google Shape;618;g2b1022eedc3_0_48:notes">
-            <a:extLst>
-              <a:ext uri="{FF2B5EF4-FFF2-40B4-BE49-F238E27FC236}">
-                <a16:creationId xmlns:a16="http://schemas.microsoft.com/office/drawing/2014/main" id="{A048CA35-E7A9-3E8B-3DEF-5D6CAA6BF134}"/>
-              </a:ext>
-            </a:extLst>
-          </p:cNvPr>
-          <p:cNvSpPr>
-            <a:spLocks noGrp="1" noRot="1" noChangeAspect="1"/>
-          </p:cNvSpPr>
-          <p:nvPr>
-            <p:ph type="sldImg" idx="2"/>
-          </p:nvPr>
-        </p:nvSpPr>
-        <p:spPr>
-          <a:xfrm>
-            <a:off x="381000" y="685800"/>
-            <a:ext cx="6096000" cy="3429000"/>
-          </a:xfrm>
-          <a:custGeom>
-            <a:avLst/>
-            <a:gdLst/>
-            <a:ahLst/>
-            <a:cxnLst/>
-            <a:rect l="l" t="t" r="r" b="b"/>
-            <a:pathLst>
-              <a:path w="120000" h="120000" extrusionOk="0">
-                <a:moveTo>
-                  <a:pt x="0" y="0"/>
-                </a:moveTo>
-                <a:lnTo>
-                  <a:pt x="120000" y="0"/>
-                </a:lnTo>
-                <a:lnTo>
-                  <a:pt x="120000" y="120000"/>
-                </a:lnTo>
-                <a:lnTo>
-                  <a:pt x="0" y="120000"/>
-                </a:lnTo>
-                <a:close/>
-              </a:path>
-            </a:pathLst>
-          </a:custGeom>
-        </p:spPr>
-      </p:sp>
-      <p:sp>
-        <p:nvSpPr>
-          <p:cNvPr id="619" name="Google Shape;619;g2b1022eedc3_0_48:notes">
-            <a:extLst>
-              <a:ext uri="{FF2B5EF4-FFF2-40B4-BE49-F238E27FC236}">
-                <a16:creationId xmlns:a16="http://schemas.microsoft.com/office/drawing/2014/main" id="{93F1EFDE-20CB-955A-9875-81497B1F0917}"/>
-              </a:ext>
-            </a:extLst>
-          </p:cNvPr>
-          <p:cNvSpPr txBox="1">
-            <a:spLocks noGrp="1"/>
-          </p:cNvSpPr>
-          <p:nvPr>
-            <p:ph type="body" idx="1"/>
-          </p:nvPr>
-        </p:nvSpPr>
-        <p:spPr>
-          <a:xfrm>
-            <a:off x="685800" y="4343400"/>
-            <a:ext cx="5486400" cy="4114800"/>
-          </a:xfrm>
-          <a:prstGeom prst="rect">
-            <a:avLst/>
-          </a:prstGeom>
-        </p:spPr>
-        <p:txBody>
-          <a:bodyPr spcFirstLastPara="1" wrap="square" lIns="91425" tIns="91425" rIns="91425" bIns="91425" anchor="t" anchorCtr="0">
-            <a:noAutofit/>
-          </a:bodyPr>
-          <a:lstStyle/>
-          <a:p>
-            <a:pPr marL="0" lvl="0" indent="0" algn="l" rtl="0">
-              <a:spcBef>
-                <a:spcPts val="0"/>
-              </a:spcBef>
-              <a:spcAft>
-                <a:spcPts val="0"/>
-              </a:spcAft>
-              <a:buNone/>
-            </a:pPr>
-            <a:endParaRPr/>
-          </a:p>
-        </p:txBody>
-      </p:sp>
-    </p:spTree>
-    <p:extLst>
-      <p:ext uri="{BB962C8B-B14F-4D97-AF65-F5344CB8AC3E}">
-        <p14:creationId xmlns:p14="http://schemas.microsoft.com/office/powerpoint/2010/main" val="827029212"/>
-      </p:ext>
-    </p:extLst>
-  </p:cSld>
-  <p:clrMapOvr>
-    <a:masterClrMapping/>
-  </p:clrMapOvr>
-</p:notes>
-</file>
-
-<file path=ppt/notesSlides/notesSlide14.xml><?xml version="1.0" encoding="utf-8"?>
-<p:notes xmlns:a="http://schemas.openxmlformats.org/drawingml/2006/main" xmlns:r="http://schemas.openxmlformats.org/officeDocument/2006/relationships" xmlns:p="http://schemas.openxmlformats.org/presentationml/2006/main" showMasterSp="0" showMasterPhAnim="0">
-  <p:cSld>
-    <p:spTree>
-      <p:nvGrpSpPr>
-        <p:cNvPr id="1" name="Shape 617"/>
-        <p:cNvGrpSpPr/>
-        <p:nvPr/>
-      </p:nvGrpSpPr>
-      <p:grpSpPr>
-        <a:xfrm>
-          <a:off x="0" y="0"/>
-          <a:ext cx="0" cy="0"/>
-          <a:chOff x="0" y="0"/>
-          <a:chExt cx="0" cy="0"/>
-        </a:xfrm>
-      </p:grpSpPr>
-      <p:sp>
-        <p:nvSpPr>
-          <p:cNvPr id="618" name="Google Shape;618;g2b1022eedc3_0_48:notes"/>
-          <p:cNvSpPr>
-            <a:spLocks noGrp="1" noRot="1" noChangeAspect="1"/>
-          </p:cNvSpPr>
-          <p:nvPr>
-            <p:ph type="sldImg" idx="2"/>
-          </p:nvPr>
-        </p:nvSpPr>
-        <p:spPr>
-          <a:xfrm>
-            <a:off x="381000" y="685800"/>
-            <a:ext cx="6096000" cy="3429000"/>
-          </a:xfrm>
-          <a:custGeom>
-            <a:avLst/>
-            <a:gdLst/>
-            <a:ahLst/>
-            <a:cxnLst/>
-            <a:rect l="l" t="t" r="r" b="b"/>
-            <a:pathLst>
-              <a:path w="120000" h="120000" extrusionOk="0">
-                <a:moveTo>
-                  <a:pt x="0" y="0"/>
-                </a:moveTo>
-                <a:lnTo>
-                  <a:pt x="120000" y="0"/>
-                </a:lnTo>
-                <a:lnTo>
-                  <a:pt x="120000" y="120000"/>
-                </a:lnTo>
-                <a:lnTo>
-                  <a:pt x="0" y="120000"/>
-                </a:lnTo>
-                <a:close/>
-              </a:path>
-            </a:pathLst>
-          </a:custGeom>
-        </p:spPr>
-      </p:sp>
-      <p:sp>
-        <p:nvSpPr>
-          <p:cNvPr id="619" name="Google Shape;619;g2b1022eedc3_0_48:notes"/>
-          <p:cNvSpPr txBox="1">
-            <a:spLocks noGrp="1"/>
-          </p:cNvSpPr>
-          <p:nvPr>
-            <p:ph type="body" idx="1"/>
-          </p:nvPr>
-        </p:nvSpPr>
-        <p:spPr>
-          <a:xfrm>
-            <a:off x="685800" y="4343400"/>
-            <a:ext cx="5486400" cy="4114800"/>
-          </a:xfrm>
-          <a:prstGeom prst="rect">
-            <a:avLst/>
-          </a:prstGeom>
-        </p:spPr>
-        <p:txBody>
-          <a:bodyPr spcFirstLastPara="1" wrap="square" lIns="91425" tIns="91425" rIns="91425" bIns="91425" anchor="t" anchorCtr="0">
-            <a:noAutofit/>
-          </a:bodyPr>
-          <a:lstStyle/>
-          <a:p>
-            <a:pPr marL="0" lvl="0" indent="0" algn="l" rtl="0">
-              <a:spcBef>
-                <a:spcPts val="0"/>
-              </a:spcBef>
-              <a:spcAft>
-                <a:spcPts val="0"/>
-              </a:spcAft>
-              <a:buNone/>
-            </a:pPr>
-            <a:endParaRPr/>
-          </a:p>
-        </p:txBody>
-      </p:sp>
-    </p:spTree>
-  </p:cSld>
-  <p:clrMapOvr>
-    <a:masterClrMapping/>
-  </p:clrMapOvr>
-</p:notes>
-</file>
-
-<file path=ppt/notesSlides/notesSlide2.xml><?xml version="1.0" encoding="utf-8"?>
-<p:notes xmlns:a="http://schemas.openxmlformats.org/drawingml/2006/main" xmlns:r="http://schemas.openxmlformats.org/officeDocument/2006/relationships" xmlns:p="http://schemas.openxmlformats.org/presentationml/2006/main" showMasterSp="0" showMasterPhAnim="0">
-  <p:cSld>
-    <p:spTree>
-      <p:nvGrpSpPr>
-        <p:cNvPr id="1" name="Shape 617"/>
-        <p:cNvGrpSpPr/>
-        <p:nvPr/>
-      </p:nvGrpSpPr>
-      <p:grpSpPr>
-        <a:xfrm>
-          <a:off x="0" y="0"/>
-          <a:ext cx="0" cy="0"/>
-          <a:chOff x="0" y="0"/>
-          <a:chExt cx="0" cy="0"/>
-        </a:xfrm>
-      </p:grpSpPr>
-      <p:sp>
-        <p:nvSpPr>
-          <p:cNvPr id="618" name="Google Shape;618;g2b1022eedc3_0_48:notes"/>
-          <p:cNvSpPr>
-            <a:spLocks noGrp="1" noRot="1" noChangeAspect="1"/>
-          </p:cNvSpPr>
-          <p:nvPr>
-            <p:ph type="sldImg" idx="2"/>
-          </p:nvPr>
-        </p:nvSpPr>
-        <p:spPr>
-          <a:xfrm>
-            <a:off x="381000" y="685800"/>
-            <a:ext cx="6096000" cy="3429000"/>
-          </a:xfrm>
-          <a:custGeom>
-            <a:avLst/>
-            <a:gdLst/>
-            <a:ahLst/>
-            <a:cxnLst/>
-            <a:rect l="l" t="t" r="r" b="b"/>
-            <a:pathLst>
-              <a:path w="120000" h="120000" extrusionOk="0">
-                <a:moveTo>
-                  <a:pt x="0" y="0"/>
-                </a:moveTo>
-                <a:lnTo>
-                  <a:pt x="120000" y="0"/>
-                </a:lnTo>
-                <a:lnTo>
-                  <a:pt x="120000" y="120000"/>
-                </a:lnTo>
-                <a:lnTo>
-                  <a:pt x="0" y="120000"/>
-                </a:lnTo>
-                <a:close/>
-              </a:path>
-            </a:pathLst>
-          </a:custGeom>
-        </p:spPr>
-      </p:sp>
-      <p:sp>
-        <p:nvSpPr>
-          <p:cNvPr id="619" name="Google Shape;619;g2b1022eedc3_0_48:notes"/>
-          <p:cNvSpPr txBox="1">
-            <a:spLocks noGrp="1"/>
-          </p:cNvSpPr>
-          <p:nvPr>
-            <p:ph type="body" idx="1"/>
-          </p:nvPr>
-        </p:nvSpPr>
-        <p:spPr>
-          <a:xfrm>
-            <a:off x="685800" y="4343400"/>
-            <a:ext cx="5486400" cy="4114800"/>
-          </a:xfrm>
-          <a:prstGeom prst="rect">
-            <a:avLst/>
-          </a:prstGeom>
-        </p:spPr>
-        <p:txBody>
-          <a:bodyPr spcFirstLastPara="1" wrap="square" lIns="91425" tIns="91425" rIns="91425" bIns="91425" anchor="t" anchorCtr="0">
-            <a:noAutofit/>
-          </a:bodyPr>
-          <a:lstStyle/>
-          <a:p>
-            <a:pPr marL="0" lvl="0" indent="0" algn="l" rtl="0">
-              <a:spcBef>
-                <a:spcPts val="0"/>
-              </a:spcBef>
-              <a:spcAft>
-                <a:spcPts val="0"/>
-              </a:spcAft>
-              <a:buNone/>
-            </a:pPr>
-            <a:endParaRPr/>
-          </a:p>
-        </p:txBody>
-      </p:sp>
-    </p:spTree>
-  </p:cSld>
-  <p:clrMapOvr>
-    <a:masterClrMapping/>
-  </p:clrMapOvr>
-</p:notes>
-</file>
-
-<file path=ppt/notesSlides/notesSlide3.xml><?xml version="1.0" encoding="utf-8"?>
-<p:notes xmlns:a="http://schemas.openxmlformats.org/drawingml/2006/main" xmlns:r="http://schemas.openxmlformats.org/officeDocument/2006/relationships" xmlns:p="http://schemas.openxmlformats.org/presentationml/2006/main" showMasterSp="0" showMasterPhAnim="0">
-  <p:cSld>
-    <p:spTree>
-      <p:nvGrpSpPr>
-        <p:cNvPr id="1" name="Shape 617">
-          <a:extLst>
-            <a:ext uri="{FF2B5EF4-FFF2-40B4-BE49-F238E27FC236}">
-              <a16:creationId xmlns:a16="http://schemas.microsoft.com/office/drawing/2014/main" id="{A8028E81-57C6-1593-64D2-2F9447AD23EC}"/>
-            </a:ext>
-          </a:extLst>
-        </p:cNvPr>
-        <p:cNvGrpSpPr/>
-        <p:nvPr/>
-      </p:nvGrpSpPr>
-      <p:grpSpPr>
-        <a:xfrm>
-          <a:off x="0" y="0"/>
-          <a:ext cx="0" cy="0"/>
-          <a:chOff x="0" y="0"/>
-          <a:chExt cx="0" cy="0"/>
-        </a:xfrm>
-      </p:grpSpPr>
-      <p:sp>
-        <p:nvSpPr>
-          <p:cNvPr id="618" name="Google Shape;618;g2b1022eedc3_0_48:notes">
-            <a:extLst>
-              <a:ext uri="{FF2B5EF4-FFF2-40B4-BE49-F238E27FC236}">
-                <a16:creationId xmlns:a16="http://schemas.microsoft.com/office/drawing/2014/main" id="{8C822796-AAF9-416D-5813-7287F66C1EA0}"/>
-              </a:ext>
-            </a:extLst>
-          </p:cNvPr>
-          <p:cNvSpPr>
-            <a:spLocks noGrp="1" noRot="1" noChangeAspect="1"/>
-          </p:cNvSpPr>
-          <p:nvPr>
-            <p:ph type="sldImg" idx="2"/>
-          </p:nvPr>
-        </p:nvSpPr>
-        <p:spPr>
-          <a:xfrm>
-            <a:off x="381000" y="685800"/>
-            <a:ext cx="6096000" cy="3429000"/>
-          </a:xfrm>
-          <a:custGeom>
-            <a:avLst/>
-            <a:gdLst/>
-            <a:ahLst/>
-            <a:cxnLst/>
-            <a:rect l="l" t="t" r="r" b="b"/>
-            <a:pathLst>
-              <a:path w="120000" h="120000" extrusionOk="0">
-                <a:moveTo>
-                  <a:pt x="0" y="0"/>
-                </a:moveTo>
-                <a:lnTo>
-                  <a:pt x="120000" y="0"/>
-                </a:lnTo>
-                <a:lnTo>
-                  <a:pt x="120000" y="120000"/>
-                </a:lnTo>
-                <a:lnTo>
-                  <a:pt x="0" y="120000"/>
-                </a:lnTo>
-                <a:close/>
-              </a:path>
-            </a:pathLst>
-          </a:custGeom>
-        </p:spPr>
-      </p:sp>
-      <p:sp>
-        <p:nvSpPr>
-          <p:cNvPr id="619" name="Google Shape;619;g2b1022eedc3_0_48:notes">
-            <a:extLst>
-              <a:ext uri="{FF2B5EF4-FFF2-40B4-BE49-F238E27FC236}">
-                <a16:creationId xmlns:a16="http://schemas.microsoft.com/office/drawing/2014/main" id="{F7386DF6-5036-A24C-2C47-0359D52DBAD3}"/>
-              </a:ext>
-            </a:extLst>
-          </p:cNvPr>
-          <p:cNvSpPr txBox="1">
-            <a:spLocks noGrp="1"/>
-          </p:cNvSpPr>
-          <p:nvPr>
-            <p:ph type="body" idx="1"/>
-          </p:nvPr>
-        </p:nvSpPr>
-        <p:spPr>
-          <a:xfrm>
-            <a:off x="685800" y="4343400"/>
-            <a:ext cx="5486400" cy="4114800"/>
-          </a:xfrm>
-          <a:prstGeom prst="rect">
-            <a:avLst/>
-          </a:prstGeom>
-        </p:spPr>
-        <p:txBody>
-          <a:bodyPr spcFirstLastPara="1" wrap="square" lIns="91425" tIns="91425" rIns="91425" bIns="91425" anchor="t" anchorCtr="0">
-            <a:noAutofit/>
-          </a:bodyPr>
-          <a:lstStyle/>
-          <a:p>
-            <a:pPr marL="0" lvl="0" indent="0" algn="l" rtl="0">
-              <a:spcBef>
-                <a:spcPts val="0"/>
-              </a:spcBef>
-              <a:spcAft>
-                <a:spcPts val="0"/>
-              </a:spcAft>
-              <a:buNone/>
-            </a:pPr>
-            <a:endParaRPr/>
-          </a:p>
-        </p:txBody>
-      </p:sp>
-    </p:spTree>
-    <p:extLst>
-      <p:ext uri="{BB962C8B-B14F-4D97-AF65-F5344CB8AC3E}">
-        <p14:creationId xmlns:p14="http://schemas.microsoft.com/office/powerpoint/2010/main" val="3278139489"/>
-      </p:ext>
-    </p:extLst>
-  </p:cSld>
-  <p:clrMapOvr>
-    <a:masterClrMapping/>
-  </p:clrMapOvr>
-</p:notes>
-</file>
-
-<file path=ppt/notesSlides/notesSlide4.xml><?xml version="1.0" encoding="utf-8"?>
-<p:notes xmlns:a="http://schemas.openxmlformats.org/drawingml/2006/main" xmlns:r="http://schemas.openxmlformats.org/officeDocument/2006/relationships" xmlns:p="http://schemas.openxmlformats.org/presentationml/2006/main" showMasterSp="0" showMasterPhAnim="0">
-  <p:cSld>
-    <p:spTree>
-      <p:nvGrpSpPr>
-        <p:cNvPr id="1" name="Shape 617">
-          <a:extLst>
-            <a:ext uri="{FF2B5EF4-FFF2-40B4-BE49-F238E27FC236}">
-              <a16:creationId xmlns:a16="http://schemas.microsoft.com/office/drawing/2014/main" id="{AFAE2499-CEA9-C50F-7E2C-06B6B87A96CF}"/>
-            </a:ext>
-          </a:extLst>
-        </p:cNvPr>
-        <p:cNvGrpSpPr/>
-        <p:nvPr/>
-      </p:nvGrpSpPr>
-      <p:grpSpPr>
-        <a:xfrm>
-          <a:off x="0" y="0"/>
-          <a:ext cx="0" cy="0"/>
-          <a:chOff x="0" y="0"/>
-          <a:chExt cx="0" cy="0"/>
-        </a:xfrm>
-      </p:grpSpPr>
-      <p:sp>
-        <p:nvSpPr>
-          <p:cNvPr id="618" name="Google Shape;618;g2b1022eedc3_0_48:notes">
-            <a:extLst>
-              <a:ext uri="{FF2B5EF4-FFF2-40B4-BE49-F238E27FC236}">
-                <a16:creationId xmlns:a16="http://schemas.microsoft.com/office/drawing/2014/main" id="{6381296F-49E2-EE6C-3B09-49888440DA92}"/>
-              </a:ext>
-            </a:extLst>
-          </p:cNvPr>
-          <p:cNvSpPr>
-            <a:spLocks noGrp="1" noRot="1" noChangeAspect="1"/>
-          </p:cNvSpPr>
-          <p:nvPr>
-            <p:ph type="sldImg" idx="2"/>
-          </p:nvPr>
-        </p:nvSpPr>
-        <p:spPr>
-          <a:xfrm>
-            <a:off x="381000" y="685800"/>
-            <a:ext cx="6096000" cy="3429000"/>
-          </a:xfrm>
-          <a:custGeom>
-            <a:avLst/>
-            <a:gdLst/>
-            <a:ahLst/>
-            <a:cxnLst/>
-            <a:rect l="l" t="t" r="r" b="b"/>
-            <a:pathLst>
-              <a:path w="120000" h="120000" extrusionOk="0">
-                <a:moveTo>
-                  <a:pt x="0" y="0"/>
-                </a:moveTo>
-                <a:lnTo>
-                  <a:pt x="120000" y="0"/>
-                </a:lnTo>
-                <a:lnTo>
-                  <a:pt x="120000" y="120000"/>
-                </a:lnTo>
-                <a:lnTo>
-                  <a:pt x="0" y="120000"/>
-                </a:lnTo>
-                <a:close/>
-              </a:path>
-            </a:pathLst>
-          </a:custGeom>
-        </p:spPr>
-      </p:sp>
-      <p:sp>
-        <p:nvSpPr>
-          <p:cNvPr id="619" name="Google Shape;619;g2b1022eedc3_0_48:notes">
-            <a:extLst>
-              <a:ext uri="{FF2B5EF4-FFF2-40B4-BE49-F238E27FC236}">
-                <a16:creationId xmlns:a16="http://schemas.microsoft.com/office/drawing/2014/main" id="{D2C2C34E-F03D-18C8-1847-DE6DBC220B18}"/>
-              </a:ext>
-            </a:extLst>
-          </p:cNvPr>
-          <p:cNvSpPr txBox="1">
-            <a:spLocks noGrp="1"/>
-          </p:cNvSpPr>
-          <p:nvPr>
-            <p:ph type="body" idx="1"/>
-          </p:nvPr>
-        </p:nvSpPr>
-        <p:spPr>
-          <a:xfrm>
-            <a:off x="685800" y="4343400"/>
-            <a:ext cx="5486400" cy="4114800"/>
-          </a:xfrm>
-          <a:prstGeom prst="rect">
-            <a:avLst/>
-          </a:prstGeom>
-        </p:spPr>
-        <p:txBody>
-          <a:bodyPr spcFirstLastPara="1" wrap="square" lIns="91425" tIns="91425" rIns="91425" bIns="91425" anchor="t" anchorCtr="0">
-            <a:noAutofit/>
-          </a:bodyPr>
-          <a:lstStyle/>
-          <a:p>
-            <a:pPr marL="0" lvl="0" indent="0" algn="l" rtl="0">
-              <a:spcBef>
-                <a:spcPts val="0"/>
-              </a:spcBef>
-              <a:spcAft>
-                <a:spcPts val="0"/>
-              </a:spcAft>
-              <a:buNone/>
-            </a:pPr>
-            <a:endParaRPr/>
-          </a:p>
-        </p:txBody>
-      </p:sp>
-    </p:spTree>
-    <p:extLst>
-      <p:ext uri="{BB962C8B-B14F-4D97-AF65-F5344CB8AC3E}">
-        <p14:creationId xmlns:p14="http://schemas.microsoft.com/office/powerpoint/2010/main" val="3961836224"/>
-      </p:ext>
-    </p:extLst>
-  </p:cSld>
-  <p:clrMapOvr>
-    <a:masterClrMapping/>
-  </p:clrMapOvr>
-</p:notes>
-</file>
-
-<file path=ppt/notesSlides/notesSlide5.xml><?xml version="1.0" encoding="utf-8"?>
-<p:notes xmlns:a="http://schemas.openxmlformats.org/drawingml/2006/main" xmlns:r="http://schemas.openxmlformats.org/officeDocument/2006/relationships" xmlns:p="http://schemas.openxmlformats.org/presentationml/2006/main" showMasterSp="0" showMasterPhAnim="0">
-  <p:cSld>
-    <p:spTree>
-      <p:nvGrpSpPr>
-        <p:cNvPr id="1" name="Shape 617">
-          <a:extLst>
-            <a:ext uri="{FF2B5EF4-FFF2-40B4-BE49-F238E27FC236}">
-              <a16:creationId xmlns:a16="http://schemas.microsoft.com/office/drawing/2014/main" id="{98B8C9B7-18DD-2BF4-511B-900F390F3255}"/>
-            </a:ext>
-          </a:extLst>
-        </p:cNvPr>
-        <p:cNvGrpSpPr/>
-        <p:nvPr/>
-      </p:nvGrpSpPr>
-      <p:grpSpPr>
-        <a:xfrm>
-          <a:off x="0" y="0"/>
-          <a:ext cx="0" cy="0"/>
-          <a:chOff x="0" y="0"/>
-          <a:chExt cx="0" cy="0"/>
-        </a:xfrm>
-      </p:grpSpPr>
-      <p:sp>
-        <p:nvSpPr>
-          <p:cNvPr id="618" name="Google Shape;618;g2b1022eedc3_0_48:notes">
-            <a:extLst>
-              <a:ext uri="{FF2B5EF4-FFF2-40B4-BE49-F238E27FC236}">
-                <a16:creationId xmlns:a16="http://schemas.microsoft.com/office/drawing/2014/main" id="{F9B241DD-A987-248E-17DC-E7330DC68EF4}"/>
-              </a:ext>
-            </a:extLst>
-          </p:cNvPr>
-          <p:cNvSpPr>
-            <a:spLocks noGrp="1" noRot="1" noChangeAspect="1"/>
-          </p:cNvSpPr>
-          <p:nvPr>
-            <p:ph type="sldImg" idx="2"/>
-          </p:nvPr>
-        </p:nvSpPr>
-        <p:spPr>
-          <a:xfrm>
-            <a:off x="381000" y="685800"/>
-            <a:ext cx="6096000" cy="3429000"/>
-          </a:xfrm>
-          <a:custGeom>
-            <a:avLst/>
-            <a:gdLst/>
-            <a:ahLst/>
-            <a:cxnLst/>
-            <a:rect l="l" t="t" r="r" b="b"/>
-            <a:pathLst>
-              <a:path w="120000" h="120000" extrusionOk="0">
-                <a:moveTo>
-                  <a:pt x="0" y="0"/>
-                </a:moveTo>
-                <a:lnTo>
-                  <a:pt x="120000" y="0"/>
-                </a:lnTo>
-                <a:lnTo>
-                  <a:pt x="120000" y="120000"/>
-                </a:lnTo>
-                <a:lnTo>
-                  <a:pt x="0" y="120000"/>
-                </a:lnTo>
-                <a:close/>
-              </a:path>
-            </a:pathLst>
-          </a:custGeom>
-        </p:spPr>
-      </p:sp>
-      <p:sp>
-        <p:nvSpPr>
-          <p:cNvPr id="619" name="Google Shape;619;g2b1022eedc3_0_48:notes">
-            <a:extLst>
-              <a:ext uri="{FF2B5EF4-FFF2-40B4-BE49-F238E27FC236}">
-                <a16:creationId xmlns:a16="http://schemas.microsoft.com/office/drawing/2014/main" id="{2D2273CD-E9BA-18FA-CB69-57EED9CB8AD1}"/>
-              </a:ext>
-            </a:extLst>
-          </p:cNvPr>
-          <p:cNvSpPr txBox="1">
-            <a:spLocks noGrp="1"/>
-          </p:cNvSpPr>
-          <p:nvPr>
-            <p:ph type="body" idx="1"/>
-          </p:nvPr>
-        </p:nvSpPr>
-        <p:spPr>
-          <a:xfrm>
-            <a:off x="685800" y="4343400"/>
-            <a:ext cx="5486400" cy="4114800"/>
-          </a:xfrm>
-          <a:prstGeom prst="rect">
-            <a:avLst/>
-          </a:prstGeom>
-        </p:spPr>
-        <p:txBody>
-          <a:bodyPr spcFirstLastPara="1" wrap="square" lIns="91425" tIns="91425" rIns="91425" bIns="91425" anchor="t" anchorCtr="0">
-            <a:noAutofit/>
-          </a:bodyPr>
-          <a:lstStyle/>
-          <a:p>
-            <a:pPr marL="0" lvl="0" indent="0" algn="l" rtl="0">
-              <a:spcBef>
-                <a:spcPts val="0"/>
-              </a:spcBef>
-              <a:spcAft>
-                <a:spcPts val="0"/>
-              </a:spcAft>
-              <a:buNone/>
-            </a:pPr>
-            <a:endParaRPr/>
-          </a:p>
-        </p:txBody>
-      </p:sp>
-    </p:spTree>
-    <p:extLst>
-      <p:ext uri="{BB962C8B-B14F-4D97-AF65-F5344CB8AC3E}">
-        <p14:creationId xmlns:p14="http://schemas.microsoft.com/office/powerpoint/2010/main" val="2186367529"/>
-      </p:ext>
-    </p:extLst>
-  </p:cSld>
-  <p:clrMapOvr>
-    <a:masterClrMapping/>
-  </p:clrMapOvr>
-</p:notes>
-</file>
-
-<file path=ppt/notesSlides/notesSlide6.xml><?xml version="1.0" encoding="utf-8"?>
-<p:notes xmlns:a="http://schemas.openxmlformats.org/drawingml/2006/main" xmlns:r="http://schemas.openxmlformats.org/officeDocument/2006/relationships" xmlns:p="http://schemas.openxmlformats.org/presentationml/2006/main" showMasterSp="0" showMasterPhAnim="0">
-  <p:cSld>
-    <p:spTree>
-      <p:nvGrpSpPr>
-        <p:cNvPr id="1" name="Shape 617">
-          <a:extLst>
-            <a:ext uri="{FF2B5EF4-FFF2-40B4-BE49-F238E27FC236}">
-              <a16:creationId xmlns:a16="http://schemas.microsoft.com/office/drawing/2014/main" id="{EB3F05F5-AFD5-4819-92DF-C01A028C6B4D}"/>
-            </a:ext>
-          </a:extLst>
-        </p:cNvPr>
-        <p:cNvGrpSpPr/>
-        <p:nvPr/>
-      </p:nvGrpSpPr>
-      <p:grpSpPr>
-        <a:xfrm>
-          <a:off x="0" y="0"/>
-          <a:ext cx="0" cy="0"/>
-          <a:chOff x="0" y="0"/>
-          <a:chExt cx="0" cy="0"/>
-        </a:xfrm>
-      </p:grpSpPr>
-      <p:sp>
-        <p:nvSpPr>
-          <p:cNvPr id="618" name="Google Shape;618;g2b1022eedc3_0_48:notes">
-            <a:extLst>
-              <a:ext uri="{FF2B5EF4-FFF2-40B4-BE49-F238E27FC236}">
-                <a16:creationId xmlns:a16="http://schemas.microsoft.com/office/drawing/2014/main" id="{973B723A-2D58-5398-7EF2-65EBE7AED1F0}"/>
-              </a:ext>
-            </a:extLst>
-          </p:cNvPr>
-          <p:cNvSpPr>
-            <a:spLocks noGrp="1" noRot="1" noChangeAspect="1"/>
-          </p:cNvSpPr>
-          <p:nvPr>
-            <p:ph type="sldImg" idx="2"/>
-          </p:nvPr>
-        </p:nvSpPr>
-        <p:spPr>
-          <a:xfrm>
-            <a:off x="381000" y="685800"/>
-            <a:ext cx="6096000" cy="3429000"/>
-          </a:xfrm>
-          <a:custGeom>
-            <a:avLst/>
-            <a:gdLst/>
-            <a:ahLst/>
-            <a:cxnLst/>
-            <a:rect l="l" t="t" r="r" b="b"/>
-            <a:pathLst>
-              <a:path w="120000" h="120000" extrusionOk="0">
-                <a:moveTo>
-                  <a:pt x="0" y="0"/>
-                </a:moveTo>
-                <a:lnTo>
-                  <a:pt x="120000" y="0"/>
-                </a:lnTo>
-                <a:lnTo>
-                  <a:pt x="120000" y="120000"/>
-                </a:lnTo>
-                <a:lnTo>
-                  <a:pt x="0" y="120000"/>
-                </a:lnTo>
-                <a:close/>
-              </a:path>
-            </a:pathLst>
-          </a:custGeom>
-        </p:spPr>
-      </p:sp>
-      <p:sp>
-        <p:nvSpPr>
-          <p:cNvPr id="619" name="Google Shape;619;g2b1022eedc3_0_48:notes">
-            <a:extLst>
-              <a:ext uri="{FF2B5EF4-FFF2-40B4-BE49-F238E27FC236}">
-                <a16:creationId xmlns:a16="http://schemas.microsoft.com/office/drawing/2014/main" id="{B2654BD5-B16D-A160-4C56-0DFAE8F6A33E}"/>
-              </a:ext>
-            </a:extLst>
-          </p:cNvPr>
-          <p:cNvSpPr txBox="1">
-            <a:spLocks noGrp="1"/>
-          </p:cNvSpPr>
-          <p:nvPr>
-            <p:ph type="body" idx="1"/>
-          </p:nvPr>
-        </p:nvSpPr>
-        <p:spPr>
-          <a:xfrm>
-            <a:off x="685800" y="4343400"/>
-            <a:ext cx="5486400" cy="4114800"/>
-          </a:xfrm>
-          <a:prstGeom prst="rect">
-            <a:avLst/>
-          </a:prstGeom>
-        </p:spPr>
-        <p:txBody>
-          <a:bodyPr spcFirstLastPara="1" wrap="square" lIns="91425" tIns="91425" rIns="91425" bIns="91425" anchor="t" anchorCtr="0">
-            <a:noAutofit/>
-          </a:bodyPr>
-          <a:lstStyle/>
-          <a:p>
-            <a:pPr marL="0" lvl="0" indent="0" algn="l" rtl="0">
-              <a:spcBef>
-                <a:spcPts val="0"/>
-              </a:spcBef>
-              <a:spcAft>
-                <a:spcPts val="0"/>
-              </a:spcAft>
-              <a:buNone/>
-            </a:pPr>
-            <a:endParaRPr/>
-          </a:p>
-        </p:txBody>
-      </p:sp>
-    </p:spTree>
-    <p:extLst>
-      <p:ext uri="{BB962C8B-B14F-4D97-AF65-F5344CB8AC3E}">
-        <p14:creationId xmlns:p14="http://schemas.microsoft.com/office/powerpoint/2010/main" val="510825415"/>
-      </p:ext>
-    </p:extLst>
-  </p:cSld>
-  <p:clrMapOvr>
-    <a:masterClrMapping/>
-  </p:clrMapOvr>
-</p:notes>
-</file>
-
-<file path=ppt/notesSlides/notesSlide7.xml><?xml version="1.0" encoding="utf-8"?>
-<p:notes xmlns:a="http://schemas.openxmlformats.org/drawingml/2006/main" xmlns:r="http://schemas.openxmlformats.org/officeDocument/2006/relationships" xmlns:p="http://schemas.openxmlformats.org/presentationml/2006/main" showMasterSp="0" showMasterPhAnim="0">
-  <p:cSld>
-    <p:spTree>
-      <p:nvGrpSpPr>
-        <p:cNvPr id="1" name="Shape 617"/>
-        <p:cNvGrpSpPr/>
-        <p:nvPr/>
-      </p:nvGrpSpPr>
-      <p:grpSpPr>
-        <a:xfrm>
-          <a:off x="0" y="0"/>
-          <a:ext cx="0" cy="0"/>
-          <a:chOff x="0" y="0"/>
-          <a:chExt cx="0" cy="0"/>
-        </a:xfrm>
-      </p:grpSpPr>
-      <p:sp>
-        <p:nvSpPr>
-          <p:cNvPr id="618" name="Google Shape;618;g2b1022eedc3_0_48:notes"/>
-          <p:cNvSpPr>
-            <a:spLocks noGrp="1" noRot="1" noChangeAspect="1"/>
-          </p:cNvSpPr>
-          <p:nvPr>
-            <p:ph type="sldImg" idx="2"/>
-          </p:nvPr>
-        </p:nvSpPr>
-        <p:spPr>
-          <a:xfrm>
-            <a:off x="381000" y="685800"/>
-            <a:ext cx="6096000" cy="3429000"/>
-          </a:xfrm>
-          <a:custGeom>
-            <a:avLst/>
-            <a:gdLst/>
-            <a:ahLst/>
-            <a:cxnLst/>
-            <a:rect l="l" t="t" r="r" b="b"/>
-            <a:pathLst>
-              <a:path w="120000" h="120000" extrusionOk="0">
-                <a:moveTo>
-                  <a:pt x="0" y="0"/>
-                </a:moveTo>
-                <a:lnTo>
-                  <a:pt x="120000" y="0"/>
-                </a:lnTo>
-                <a:lnTo>
-                  <a:pt x="120000" y="120000"/>
-                </a:lnTo>
-                <a:lnTo>
-                  <a:pt x="0" y="120000"/>
-                </a:lnTo>
-                <a:close/>
-              </a:path>
-            </a:pathLst>
-          </a:custGeom>
-        </p:spPr>
-      </p:sp>
-      <p:sp>
-        <p:nvSpPr>
-          <p:cNvPr id="619" name="Google Shape;619;g2b1022eedc3_0_48:notes"/>
-          <p:cNvSpPr txBox="1">
-            <a:spLocks noGrp="1"/>
-          </p:cNvSpPr>
-          <p:nvPr>
-            <p:ph type="body" idx="1"/>
-          </p:nvPr>
-        </p:nvSpPr>
-        <p:spPr>
-          <a:xfrm>
-            <a:off x="685800" y="4343400"/>
-            <a:ext cx="5486400" cy="4114800"/>
-          </a:xfrm>
-          <a:prstGeom prst="rect">
-            <a:avLst/>
-          </a:prstGeom>
-        </p:spPr>
-        <p:txBody>
-          <a:bodyPr spcFirstLastPara="1" wrap="square" lIns="91425" tIns="91425" rIns="91425" bIns="91425" anchor="t" anchorCtr="0">
-            <a:noAutofit/>
-          </a:bodyPr>
-          <a:lstStyle/>
-          <a:p>
-            <a:pPr marL="0" lvl="0" indent="0" algn="l" rtl="0">
-              <a:spcBef>
-                <a:spcPts val="0"/>
-              </a:spcBef>
-              <a:spcAft>
-                <a:spcPts val="0"/>
-              </a:spcAft>
-              <a:buNone/>
-            </a:pPr>
-            <a:endParaRPr/>
-          </a:p>
-        </p:txBody>
-      </p:sp>
-    </p:spTree>
-  </p:cSld>
-  <p:clrMapOvr>
-    <a:masterClrMapping/>
-  </p:clrMapOvr>
-</p:notes>
-</file>
-
-<file path=ppt/notesSlides/notesSlide8.xml><?xml version="1.0" encoding="utf-8"?>
-<p:notes xmlns:a="http://schemas.openxmlformats.org/drawingml/2006/main" xmlns:r="http://schemas.openxmlformats.org/officeDocument/2006/relationships" xmlns:p="http://schemas.openxmlformats.org/presentationml/2006/main" showMasterSp="0" showMasterPhAnim="0">
-  <p:cSld>
-    <p:spTree>
-      <p:nvGrpSpPr>
-        <p:cNvPr id="1" name="Shape 617">
-          <a:extLst>
-            <a:ext uri="{FF2B5EF4-FFF2-40B4-BE49-F238E27FC236}">
-              <a16:creationId xmlns:a16="http://schemas.microsoft.com/office/drawing/2014/main" id="{AE712297-7568-3729-6473-F9FC483D3C0A}"/>
-            </a:ext>
-          </a:extLst>
-        </p:cNvPr>
-        <p:cNvGrpSpPr/>
-        <p:nvPr/>
-      </p:nvGrpSpPr>
-      <p:grpSpPr>
-        <a:xfrm>
-          <a:off x="0" y="0"/>
-          <a:ext cx="0" cy="0"/>
-          <a:chOff x="0" y="0"/>
-          <a:chExt cx="0" cy="0"/>
-        </a:xfrm>
-      </p:grpSpPr>
-      <p:sp>
-        <p:nvSpPr>
-          <p:cNvPr id="618" name="Google Shape;618;g2b1022eedc3_0_48:notes">
-            <a:extLst>
-              <a:ext uri="{FF2B5EF4-FFF2-40B4-BE49-F238E27FC236}">
-                <a16:creationId xmlns:a16="http://schemas.microsoft.com/office/drawing/2014/main" id="{33E3917D-884B-6864-A41F-BA0A081BB751}"/>
-              </a:ext>
-            </a:extLst>
-          </p:cNvPr>
-          <p:cNvSpPr>
-            <a:spLocks noGrp="1" noRot="1" noChangeAspect="1"/>
-          </p:cNvSpPr>
-          <p:nvPr>
-            <p:ph type="sldImg" idx="2"/>
-          </p:nvPr>
-        </p:nvSpPr>
-        <p:spPr>
-          <a:xfrm>
-            <a:off x="381000" y="685800"/>
-            <a:ext cx="6096000" cy="3429000"/>
-          </a:xfrm>
-          <a:custGeom>
-            <a:avLst/>
-            <a:gdLst/>
-            <a:ahLst/>
-            <a:cxnLst/>
-            <a:rect l="l" t="t" r="r" b="b"/>
-            <a:pathLst>
-              <a:path w="120000" h="120000" extrusionOk="0">
-                <a:moveTo>
-                  <a:pt x="0" y="0"/>
-                </a:moveTo>
-                <a:lnTo>
-                  <a:pt x="120000" y="0"/>
-                </a:lnTo>
-                <a:lnTo>
-                  <a:pt x="120000" y="120000"/>
-                </a:lnTo>
-                <a:lnTo>
-                  <a:pt x="0" y="120000"/>
-                </a:lnTo>
-                <a:close/>
-              </a:path>
-            </a:pathLst>
-          </a:custGeom>
-        </p:spPr>
-      </p:sp>
-      <p:sp>
-        <p:nvSpPr>
-          <p:cNvPr id="619" name="Google Shape;619;g2b1022eedc3_0_48:notes">
-            <a:extLst>
-              <a:ext uri="{FF2B5EF4-FFF2-40B4-BE49-F238E27FC236}">
-                <a16:creationId xmlns:a16="http://schemas.microsoft.com/office/drawing/2014/main" id="{B14A1270-1F1A-8795-C7F7-2B597898F0AE}"/>
-              </a:ext>
-            </a:extLst>
-          </p:cNvPr>
-          <p:cNvSpPr txBox="1">
-            <a:spLocks noGrp="1"/>
-          </p:cNvSpPr>
-          <p:nvPr>
-            <p:ph type="body" idx="1"/>
-          </p:nvPr>
-        </p:nvSpPr>
-        <p:spPr>
-          <a:xfrm>
-            <a:off x="685800" y="4343400"/>
-            <a:ext cx="5486400" cy="4114800"/>
-          </a:xfrm>
-          <a:prstGeom prst="rect">
-            <a:avLst/>
-          </a:prstGeom>
-        </p:spPr>
-        <p:txBody>
-          <a:bodyPr spcFirstLastPara="1" wrap="square" lIns="91425" tIns="91425" rIns="91425" bIns="91425" anchor="t" anchorCtr="0">
-            <a:noAutofit/>
-          </a:bodyPr>
-          <a:lstStyle/>
-          <a:p>
-            <a:pPr marL="0" lvl="0" indent="0" algn="l" rtl="0">
-              <a:spcBef>
-                <a:spcPts val="0"/>
-              </a:spcBef>
-              <a:spcAft>
-                <a:spcPts val="0"/>
-              </a:spcAft>
-              <a:buNone/>
-            </a:pPr>
-            <a:endParaRPr/>
-          </a:p>
-        </p:txBody>
-      </p:sp>
-    </p:spTree>
-    <p:extLst>
-      <p:ext uri="{BB962C8B-B14F-4D97-AF65-F5344CB8AC3E}">
-        <p14:creationId xmlns:p14="http://schemas.microsoft.com/office/powerpoint/2010/main" val="3461925888"/>
-      </p:ext>
-    </p:extLst>
-  </p:cSld>
-  <p:clrMapOvr>
-    <a:masterClrMapping/>
-  </p:clrMapOvr>
-</p:notes>
-</file>
-
-<file path=ppt/notesSlides/notesSlide9.xml><?xml version="1.0" encoding="utf-8"?>
-<p:notes xmlns:a="http://schemas.openxmlformats.org/drawingml/2006/main" xmlns:r="http://schemas.openxmlformats.org/officeDocument/2006/relationships" xmlns:p="http://schemas.openxmlformats.org/presentationml/2006/main" showMasterSp="0" showMasterPhAnim="0">
-  <p:cSld>
-    <p:spTree>
-      <p:nvGrpSpPr>
-        <p:cNvPr id="1" name="Shape 617">
-          <a:extLst>
-            <a:ext uri="{FF2B5EF4-FFF2-40B4-BE49-F238E27FC236}">
-              <a16:creationId xmlns:a16="http://schemas.microsoft.com/office/drawing/2014/main" id="{F9D095C8-0226-BB72-3FBD-4A88C0CA70E0}"/>
-            </a:ext>
-          </a:extLst>
-        </p:cNvPr>
-        <p:cNvGrpSpPr/>
-        <p:nvPr/>
-      </p:nvGrpSpPr>
-      <p:grpSpPr>
-        <a:xfrm>
-          <a:off x="0" y="0"/>
-          <a:ext cx="0" cy="0"/>
-          <a:chOff x="0" y="0"/>
-          <a:chExt cx="0" cy="0"/>
-        </a:xfrm>
-      </p:grpSpPr>
-      <p:sp>
-        <p:nvSpPr>
-          <p:cNvPr id="618" name="Google Shape;618;g2b1022eedc3_0_48:notes">
-            <a:extLst>
-              <a:ext uri="{FF2B5EF4-FFF2-40B4-BE49-F238E27FC236}">
-                <a16:creationId xmlns:a16="http://schemas.microsoft.com/office/drawing/2014/main" id="{F3697108-8F75-1B30-720A-F59CA12EB94E}"/>
-              </a:ext>
-            </a:extLst>
-          </p:cNvPr>
-          <p:cNvSpPr>
-            <a:spLocks noGrp="1" noRot="1" noChangeAspect="1"/>
-          </p:cNvSpPr>
-          <p:nvPr>
-            <p:ph type="sldImg" idx="2"/>
-          </p:nvPr>
-        </p:nvSpPr>
-        <p:spPr>
-          <a:xfrm>
-            <a:off x="381000" y="685800"/>
-            <a:ext cx="6096000" cy="3429000"/>
-          </a:xfrm>
-          <a:custGeom>
-            <a:avLst/>
-            <a:gdLst/>
-            <a:ahLst/>
-            <a:cxnLst/>
-            <a:rect l="l" t="t" r="r" b="b"/>
-            <a:pathLst>
-              <a:path w="120000" h="120000" extrusionOk="0">
-                <a:moveTo>
-                  <a:pt x="0" y="0"/>
-                </a:moveTo>
-                <a:lnTo>
-                  <a:pt x="120000" y="0"/>
-                </a:lnTo>
-                <a:lnTo>
-                  <a:pt x="120000" y="120000"/>
-                </a:lnTo>
-                <a:lnTo>
-                  <a:pt x="0" y="120000"/>
-                </a:lnTo>
-                <a:close/>
-              </a:path>
-            </a:pathLst>
-          </a:custGeom>
-        </p:spPr>
-      </p:sp>
-      <p:sp>
-        <p:nvSpPr>
-          <p:cNvPr id="619" name="Google Shape;619;g2b1022eedc3_0_48:notes">
-            <a:extLst>
-              <a:ext uri="{FF2B5EF4-FFF2-40B4-BE49-F238E27FC236}">
-                <a16:creationId xmlns:a16="http://schemas.microsoft.com/office/drawing/2014/main" id="{87F9B2AB-71BC-76D2-6C4F-C7B524AF4628}"/>
-              </a:ext>
-            </a:extLst>
-          </p:cNvPr>
-          <p:cNvSpPr txBox="1">
-            <a:spLocks noGrp="1"/>
-          </p:cNvSpPr>
-          <p:nvPr>
-            <p:ph type="body" idx="1"/>
-          </p:nvPr>
-        </p:nvSpPr>
-        <p:spPr>
-          <a:xfrm>
-            <a:off x="685800" y="4343400"/>
-            <a:ext cx="5486400" cy="4114800"/>
-          </a:xfrm>
-          <a:prstGeom prst="rect">
-            <a:avLst/>
-          </a:prstGeom>
-        </p:spPr>
-        <p:txBody>
-          <a:bodyPr spcFirstLastPara="1" wrap="square" lIns="91425" tIns="91425" rIns="91425" bIns="91425" anchor="t" anchorCtr="0">
-            <a:noAutofit/>
-          </a:bodyPr>
-          <a:lstStyle/>
-          <a:p>
-            <a:pPr marL="0" lvl="0" indent="0" algn="l" rtl="0">
-              <a:spcBef>
-                <a:spcPts val="0"/>
-              </a:spcBef>
-              <a:spcAft>
-                <a:spcPts val="0"/>
-              </a:spcAft>
-              <a:buNone/>
-            </a:pPr>
-            <a:endParaRPr/>
-          </a:p>
-        </p:txBody>
-      </p:sp>
-    </p:spTree>
-    <p:extLst>
-      <p:ext uri="{BB962C8B-B14F-4D97-AF65-F5344CB8AC3E}">
-        <p14:creationId xmlns:p14="http://schemas.microsoft.com/office/powerpoint/2010/main" val="1853502467"/>
       </p:ext>
     </p:extLst>
   </p:cSld>
@@ -16360,1840 +16036,6 @@
         <p:cNvPr id="1" name="Shape 620">
           <a:extLst>
             <a:ext uri="{FF2B5EF4-FFF2-40B4-BE49-F238E27FC236}">
-              <a16:creationId xmlns:a16="http://schemas.microsoft.com/office/drawing/2014/main" id="{8F746EDE-812E-12F3-8943-6A28A8B3A8D9}"/>
-            </a:ext>
-          </a:extLst>
-        </p:cNvPr>
-        <p:cNvGrpSpPr/>
-        <p:nvPr/>
-      </p:nvGrpSpPr>
-      <p:grpSpPr>
-        <a:xfrm>
-          <a:off x="0" y="0"/>
-          <a:ext cx="0" cy="0"/>
-          <a:chOff x="0" y="0"/>
-          <a:chExt cx="0" cy="0"/>
-        </a:xfrm>
-      </p:grpSpPr>
-      <p:sp>
-        <p:nvSpPr>
-          <p:cNvPr id="2" name="Google Shape;633;p34">
-            <a:extLst>
-              <a:ext uri="{FF2B5EF4-FFF2-40B4-BE49-F238E27FC236}">
-                <a16:creationId xmlns:a16="http://schemas.microsoft.com/office/drawing/2014/main" id="{D604109C-7A83-7410-C1FE-F6FB65CB1BAD}"/>
-              </a:ext>
-            </a:extLst>
-          </p:cNvPr>
-          <p:cNvSpPr txBox="1">
-            <a:spLocks noGrp="1"/>
-          </p:cNvSpPr>
-          <p:nvPr>
-            <p:ph type="title"/>
-          </p:nvPr>
-        </p:nvSpPr>
-        <p:spPr>
-          <a:xfrm>
-            <a:off x="720725" y="428526"/>
-            <a:ext cx="7702550" cy="573088"/>
-          </a:xfrm>
-          <a:prstGeom prst="rect">
-            <a:avLst/>
-          </a:prstGeom>
-        </p:spPr>
-        <p:txBody>
-          <a:bodyPr spcFirstLastPara="1" wrap="square" lIns="91425" tIns="91425" rIns="91425" bIns="91425" anchor="t" anchorCtr="0">
-            <a:noAutofit/>
-          </a:bodyPr>
-          <a:lstStyle/>
-          <a:p>
-            <a:pPr lvl="0"/>
-            <a:r>
-              <a:rPr lang="es-ES" sz="2400" dirty="0"/>
-              <a:t>Ingeniería de Variables 2/2: selección</a:t>
-            </a:r>
-            <a:endParaRPr sz="2400" dirty="0"/>
-          </a:p>
-        </p:txBody>
-      </p:sp>
-      <p:sp>
-        <p:nvSpPr>
-          <p:cNvPr id="3" name="CuadroTexto 2">
-            <a:extLst>
-              <a:ext uri="{FF2B5EF4-FFF2-40B4-BE49-F238E27FC236}">
-                <a16:creationId xmlns:a16="http://schemas.microsoft.com/office/drawing/2014/main" id="{3F0E4919-B4FB-64E2-AEFB-C557656BB033}"/>
-              </a:ext>
-            </a:extLst>
-          </p:cNvPr>
-          <p:cNvSpPr txBox="1"/>
-          <p:nvPr/>
-        </p:nvSpPr>
-        <p:spPr>
-          <a:xfrm>
-            <a:off x="2117102" y="1253058"/>
-            <a:ext cx="7702550" cy="1384995"/>
-          </a:xfrm>
-          <a:prstGeom prst="rect">
-            <a:avLst/>
-          </a:prstGeom>
-          <a:noFill/>
-        </p:spPr>
-        <p:txBody>
-          <a:bodyPr wrap="square" rtlCol="0">
-            <a:spAutoFit/>
-          </a:bodyPr>
-          <a:lstStyle/>
-          <a:p>
-            <a:endParaRPr lang="es-ES" sz="1200" dirty="0"/>
-          </a:p>
-          <a:p>
-            <a:endParaRPr lang="es-ES" sz="1200" dirty="0"/>
-          </a:p>
-          <a:p>
-            <a:pPr marL="171450" indent="-171450">
-              <a:buFont typeface="Arial" panose="020B0604020202020204" pitchFamily="34" charset="0"/>
-              <a:buChar char="•"/>
-            </a:pPr>
-            <a:r>
-              <a:rPr lang="es-ES" sz="1200" dirty="0"/>
-              <a:t>Variables numéricas: Test de mediana</a:t>
-            </a:r>
-          </a:p>
-          <a:p>
-            <a:pPr marL="171450" indent="-171450">
-              <a:buFont typeface="Arial" panose="020B0604020202020204" pitchFamily="34" charset="0"/>
-              <a:buChar char="•"/>
-            </a:pPr>
-            <a:r>
-              <a:rPr lang="es-ES" sz="1200" dirty="0"/>
-              <a:t>Variables categóricas: Test de Chi-cuadrado</a:t>
-            </a:r>
-          </a:p>
-          <a:p>
-            <a:endParaRPr lang="es-ES" sz="1200" dirty="0"/>
-          </a:p>
-          <a:p>
-            <a:r>
-              <a:rPr lang="es-ES" sz="1200" dirty="0"/>
-              <a:t>Las variables con un p-valor inferior a 0.05 han sido las siguientes:</a:t>
-            </a:r>
-          </a:p>
-          <a:p>
-            <a:endParaRPr lang="es-ES" sz="1200" dirty="0"/>
-          </a:p>
-        </p:txBody>
-      </p:sp>
-      <p:pic>
-        <p:nvPicPr>
-          <p:cNvPr id="7" name="Imagen 6">
-            <a:extLst>
-              <a:ext uri="{FF2B5EF4-FFF2-40B4-BE49-F238E27FC236}">
-                <a16:creationId xmlns:a16="http://schemas.microsoft.com/office/drawing/2014/main" id="{9B9E24F2-CFA5-8337-CB06-8FA0C27089D4}"/>
-              </a:ext>
-            </a:extLst>
-          </p:cNvPr>
-          <p:cNvPicPr>
-            <a:picLocks noChangeAspect="1"/>
-          </p:cNvPicPr>
-          <p:nvPr/>
-        </p:nvPicPr>
-        <p:blipFill>
-          <a:blip r:embed="rId3"/>
-          <a:stretch>
-            <a:fillRect/>
-          </a:stretch>
-        </p:blipFill>
-        <p:spPr>
-          <a:xfrm>
-            <a:off x="2119997" y="2510828"/>
-            <a:ext cx="4594061" cy="1418710"/>
-          </a:xfrm>
-          <a:prstGeom prst="rect">
-            <a:avLst/>
-          </a:prstGeom>
-        </p:spPr>
-      </p:pic>
-      <p:sp>
-        <p:nvSpPr>
-          <p:cNvPr id="8" name="CuadroTexto 7">
-            <a:extLst>
-              <a:ext uri="{FF2B5EF4-FFF2-40B4-BE49-F238E27FC236}">
-                <a16:creationId xmlns:a16="http://schemas.microsoft.com/office/drawing/2014/main" id="{D0841C18-B399-C215-D4D4-8610F482EDA2}"/>
-              </a:ext>
-            </a:extLst>
-          </p:cNvPr>
-          <p:cNvSpPr txBox="1"/>
-          <p:nvPr/>
-        </p:nvSpPr>
-        <p:spPr>
-          <a:xfrm>
-            <a:off x="408790" y="4046018"/>
-            <a:ext cx="8178017" cy="461665"/>
-          </a:xfrm>
-          <a:prstGeom prst="rect">
-            <a:avLst/>
-          </a:prstGeom>
-          <a:noFill/>
-        </p:spPr>
-        <p:txBody>
-          <a:bodyPr wrap="square" rtlCol="0">
-            <a:spAutoFit/>
-          </a:bodyPr>
-          <a:lstStyle/>
-          <a:p>
-            <a:pPr marL="171450" indent="-171450">
-              <a:buFont typeface="Arial" panose="020B0604020202020204" pitchFamily="34" charset="0"/>
-              <a:buChar char="•"/>
-              <a:defRPr sz="1600">
-                <a:latin typeface="Arial"/>
-              </a:defRPr>
-            </a:pPr>
-            <a:r>
-              <a:rPr lang="en-GB" sz="1200" dirty="0"/>
-              <a:t>Las variables </a:t>
-            </a:r>
-            <a:r>
-              <a:rPr lang="en-GB" sz="1200" b="1" dirty="0" err="1"/>
-              <a:t>EstimatedSalary</a:t>
-            </a:r>
-            <a:r>
-              <a:rPr lang="en-GB" sz="1200" b="1" dirty="0"/>
-              <a:t> y </a:t>
-            </a:r>
-            <a:r>
-              <a:rPr lang="en-GB" sz="1200" b="1" dirty="0" err="1"/>
-              <a:t>CreditScore</a:t>
-            </a:r>
-            <a:r>
-              <a:rPr lang="en-GB" sz="1200" b="1" dirty="0"/>
-              <a:t>         </a:t>
-            </a:r>
-            <a:r>
-              <a:rPr lang="en-GB" sz="1200" dirty="0"/>
-              <a:t>p-</a:t>
-            </a:r>
-            <a:r>
-              <a:rPr lang="en-GB" sz="1200" dirty="0" err="1"/>
-              <a:t>valores</a:t>
-            </a:r>
-            <a:r>
-              <a:rPr lang="en-GB" sz="1200" dirty="0"/>
-              <a:t> </a:t>
-            </a:r>
-            <a:r>
-              <a:rPr lang="en-GB" sz="1200" dirty="0" err="1"/>
-              <a:t>cercanos</a:t>
-            </a:r>
-            <a:r>
-              <a:rPr lang="en-GB" sz="1200" dirty="0"/>
-              <a:t> a 0.05 antes de la </a:t>
-            </a:r>
-            <a:r>
-              <a:rPr lang="en-GB" sz="1200" dirty="0" err="1"/>
-              <a:t>imputación</a:t>
-            </a:r>
-            <a:r>
-              <a:rPr lang="en-GB" sz="1200" dirty="0"/>
-              <a:t> de NA.</a:t>
-            </a:r>
-          </a:p>
-          <a:p>
-            <a:pPr marL="171450" indent="-171450">
-              <a:buFont typeface="Arial" panose="020B0604020202020204" pitchFamily="34" charset="0"/>
-              <a:buChar char="•"/>
-              <a:defRPr sz="1600">
-                <a:latin typeface="Arial"/>
-              </a:defRPr>
-            </a:pPr>
-            <a:r>
-              <a:rPr lang="en-GB" sz="1200" dirty="0"/>
-              <a:t>Se </a:t>
-            </a:r>
-            <a:r>
-              <a:rPr lang="en-GB" sz="1200" dirty="0" err="1"/>
-              <a:t>probará</a:t>
-            </a:r>
-            <a:r>
-              <a:rPr lang="en-GB" sz="1200" dirty="0"/>
-              <a:t> </a:t>
-            </a:r>
-            <a:r>
-              <a:rPr lang="en-GB" sz="1200" dirty="0" err="1"/>
-              <a:t>el</a:t>
-            </a:r>
-            <a:r>
-              <a:rPr lang="en-GB" sz="1200" dirty="0"/>
-              <a:t> </a:t>
-            </a:r>
-            <a:r>
-              <a:rPr lang="en-GB" sz="1200" dirty="0" err="1"/>
-              <a:t>modelo</a:t>
-            </a:r>
-            <a:r>
-              <a:rPr lang="en-GB" sz="1200" dirty="0"/>
-              <a:t> con y sin </a:t>
-            </a:r>
-            <a:r>
-              <a:rPr lang="en-GB" sz="1200" dirty="0" err="1"/>
-              <a:t>estas</a:t>
-            </a:r>
-            <a:r>
-              <a:rPr lang="en-GB" sz="1200" dirty="0"/>
-              <a:t> dos variables para </a:t>
-            </a:r>
-            <a:r>
-              <a:rPr lang="en-GB" sz="1200" dirty="0" err="1"/>
-              <a:t>verificar</a:t>
-            </a:r>
-            <a:r>
-              <a:rPr lang="en-GB" sz="1200" dirty="0"/>
-              <a:t> </a:t>
-            </a:r>
-            <a:r>
-              <a:rPr lang="en-GB" sz="1200" b="1" dirty="0" err="1"/>
-              <a:t>diferencias</a:t>
-            </a:r>
-            <a:r>
-              <a:rPr lang="en-GB" sz="1200" b="1" dirty="0"/>
-              <a:t> </a:t>
-            </a:r>
-            <a:r>
-              <a:rPr lang="en-GB" sz="1200" b="1" dirty="0" err="1"/>
-              <a:t>en</a:t>
-            </a:r>
-            <a:r>
-              <a:rPr lang="en-GB" sz="1200" b="1" dirty="0"/>
-              <a:t> </a:t>
-            </a:r>
-            <a:r>
-              <a:rPr lang="en-GB" sz="1200" b="1" dirty="0" err="1"/>
-              <a:t>los</a:t>
-            </a:r>
-            <a:r>
-              <a:rPr lang="en-GB" sz="1200" b="1" dirty="0"/>
-              <a:t> </a:t>
-            </a:r>
-            <a:r>
-              <a:rPr lang="en-GB" sz="1200" b="1" dirty="0" err="1"/>
-              <a:t>resultados</a:t>
-            </a:r>
-            <a:r>
-              <a:rPr lang="en-GB" sz="1200" b="1" dirty="0"/>
-              <a:t>.</a:t>
-            </a:r>
-          </a:p>
-        </p:txBody>
-      </p:sp>
-      <p:sp>
-        <p:nvSpPr>
-          <p:cNvPr id="4" name="Rounded Rectangle 3">
-            <a:extLst>
-              <a:ext uri="{FF2B5EF4-FFF2-40B4-BE49-F238E27FC236}">
-                <a16:creationId xmlns:a16="http://schemas.microsoft.com/office/drawing/2014/main" id="{03BE575D-59C2-5DAF-AF57-D94F96FCACDD}"/>
-              </a:ext>
-            </a:extLst>
-          </p:cNvPr>
-          <p:cNvSpPr/>
-          <p:nvPr/>
-        </p:nvSpPr>
-        <p:spPr>
-          <a:xfrm>
-            <a:off x="817297" y="964666"/>
-            <a:ext cx="7025864" cy="433465"/>
-          </a:xfrm>
-          <a:prstGeom prst="roundRect">
-            <a:avLst/>
-          </a:prstGeom>
-        </p:spPr>
-        <p:style>
-          <a:lnRef idx="2">
-            <a:schemeClr val="accent1">
-              <a:shade val="15000"/>
-            </a:schemeClr>
-          </a:lnRef>
-          <a:fillRef idx="1">
-            <a:schemeClr val="accent1"/>
-          </a:fillRef>
-          <a:effectRef idx="0">
-            <a:schemeClr val="accent1"/>
-          </a:effectRef>
-          <a:fontRef idx="minor">
-            <a:schemeClr val="lt1"/>
-          </a:fontRef>
-        </p:style>
-        <p:txBody>
-          <a:bodyPr rtlCol="0" anchor="ctr"/>
-          <a:lstStyle/>
-          <a:p>
-            <a:pPr algn="ctr"/>
-            <a:r>
-              <a:rPr lang="es-ES" sz="1100" dirty="0"/>
-              <a:t>Sobre la base de datos imputada y transformada se realizaron </a:t>
-            </a:r>
-            <a:r>
-              <a:rPr lang="es-ES" sz="1100" dirty="0" err="1"/>
-              <a:t>tests</a:t>
-            </a:r>
-            <a:r>
-              <a:rPr lang="es-ES" sz="1100" dirty="0"/>
-              <a:t> de significancia para determinar qué variables son importantes para describir el comportamiento de la variable </a:t>
-            </a:r>
-            <a:r>
-              <a:rPr lang="es-ES" sz="1100" dirty="0" err="1"/>
-              <a:t>Exited</a:t>
-            </a:r>
-            <a:endParaRPr lang="en-ES" sz="1100" dirty="0"/>
-          </a:p>
-        </p:txBody>
-      </p:sp>
-      <p:cxnSp>
-        <p:nvCxnSpPr>
-          <p:cNvPr id="6" name="Straight Arrow Connector 5">
-            <a:extLst>
-              <a:ext uri="{FF2B5EF4-FFF2-40B4-BE49-F238E27FC236}">
-                <a16:creationId xmlns:a16="http://schemas.microsoft.com/office/drawing/2014/main" id="{17579261-50D2-BE0C-93D4-173148A6DD48}"/>
-              </a:ext>
-            </a:extLst>
-          </p:cNvPr>
-          <p:cNvCxnSpPr/>
-          <p:nvPr/>
-        </p:nvCxnSpPr>
-        <p:spPr>
-          <a:xfrm>
-            <a:off x="3876085" y="4046018"/>
-            <a:ext cx="210393" cy="0"/>
-          </a:xfrm>
-          <a:prstGeom prst="straightConnector1">
-            <a:avLst/>
-          </a:prstGeom>
-          <a:ln>
-            <a:tailEnd type="triangle"/>
-          </a:ln>
-        </p:spPr>
-        <p:style>
-          <a:lnRef idx="1">
-            <a:schemeClr val="accent1"/>
-          </a:lnRef>
-          <a:fillRef idx="0">
-            <a:schemeClr val="accent1"/>
-          </a:fillRef>
-          <a:effectRef idx="0">
-            <a:schemeClr val="accent1"/>
-          </a:effectRef>
-          <a:fontRef idx="minor">
-            <a:schemeClr val="tx1"/>
-          </a:fontRef>
-        </p:style>
-      </p:cxnSp>
-    </p:spTree>
-    <p:extLst>
-      <p:ext uri="{BB962C8B-B14F-4D97-AF65-F5344CB8AC3E}">
-        <p14:creationId xmlns:p14="http://schemas.microsoft.com/office/powerpoint/2010/main" val="2665368765"/>
-      </p:ext>
-    </p:extLst>
-  </p:cSld>
-  <p:clrMapOvr>
-    <a:masterClrMapping/>
-  </p:clrMapOvr>
-</p:sld>
-</file>
-
-<file path=ppt/slides/slide11.xml><?xml version="1.0" encoding="utf-8"?>
-<p:sld xmlns:a="http://schemas.openxmlformats.org/drawingml/2006/main" xmlns:r="http://schemas.openxmlformats.org/officeDocument/2006/relationships" xmlns:p="http://schemas.openxmlformats.org/presentationml/2006/main">
-  <p:cSld>
-    <p:spTree>
-      <p:nvGrpSpPr>
-        <p:cNvPr id="1" name="Shape 620">
-          <a:extLst>
-            <a:ext uri="{FF2B5EF4-FFF2-40B4-BE49-F238E27FC236}">
-              <a16:creationId xmlns:a16="http://schemas.microsoft.com/office/drawing/2014/main" id="{0BBD54E0-DDDD-7885-85BC-9F30C765443E}"/>
-            </a:ext>
-          </a:extLst>
-        </p:cNvPr>
-        <p:cNvGrpSpPr/>
-        <p:nvPr/>
-      </p:nvGrpSpPr>
-      <p:grpSpPr>
-        <a:xfrm>
-          <a:off x="0" y="0"/>
-          <a:ext cx="0" cy="0"/>
-          <a:chOff x="0" y="0"/>
-          <a:chExt cx="0" cy="0"/>
-        </a:xfrm>
-      </p:grpSpPr>
-      <p:sp>
-        <p:nvSpPr>
-          <p:cNvPr id="633" name="Google Shape;633;p34">
-            <a:extLst>
-              <a:ext uri="{FF2B5EF4-FFF2-40B4-BE49-F238E27FC236}">
-                <a16:creationId xmlns:a16="http://schemas.microsoft.com/office/drawing/2014/main" id="{88BF07B4-089D-2999-03B1-E61BC35ADFED}"/>
-              </a:ext>
-            </a:extLst>
-          </p:cNvPr>
-          <p:cNvSpPr txBox="1">
-            <a:spLocks noGrp="1"/>
-          </p:cNvSpPr>
-          <p:nvPr>
-            <p:ph type="title"/>
-          </p:nvPr>
-        </p:nvSpPr>
-        <p:spPr>
-          <a:xfrm>
-            <a:off x="666211" y="283022"/>
-            <a:ext cx="7704000" cy="572700"/>
-          </a:xfrm>
-          <a:prstGeom prst="rect">
-            <a:avLst/>
-          </a:prstGeom>
-        </p:spPr>
-        <p:txBody>
-          <a:bodyPr spcFirstLastPara="1" wrap="square" lIns="91425" tIns="91425" rIns="91425" bIns="91425" anchor="t" anchorCtr="0">
-            <a:noAutofit/>
-          </a:bodyPr>
-          <a:lstStyle/>
-          <a:p>
-            <a:pPr marL="0" lvl="0" indent="0" algn="ctr" rtl="0">
-              <a:spcBef>
-                <a:spcPts val="0"/>
-              </a:spcBef>
-              <a:spcAft>
-                <a:spcPts val="0"/>
-              </a:spcAft>
-              <a:buNone/>
-            </a:pPr>
-            <a:r>
-              <a:rPr lang="es-ES" dirty="0" err="1"/>
-              <a:t>Association</a:t>
-            </a:r>
-            <a:r>
-              <a:rPr lang="es-ES" dirty="0"/>
-              <a:t> Rules 1/2</a:t>
-            </a:r>
-            <a:endParaRPr dirty="0"/>
-          </a:p>
-        </p:txBody>
-      </p:sp>
-      <p:sp>
-        <p:nvSpPr>
-          <p:cNvPr id="2" name="CuadroTexto 1">
-            <a:extLst>
-              <a:ext uri="{FF2B5EF4-FFF2-40B4-BE49-F238E27FC236}">
-                <a16:creationId xmlns:a16="http://schemas.microsoft.com/office/drawing/2014/main" id="{A3CCF44F-B8BF-18DD-610B-AC1D8BFF48EF}"/>
-              </a:ext>
-            </a:extLst>
-          </p:cNvPr>
-          <p:cNvSpPr txBox="1"/>
-          <p:nvPr/>
-        </p:nvSpPr>
-        <p:spPr>
-          <a:xfrm>
-            <a:off x="419547" y="890160"/>
-            <a:ext cx="8197327" cy="3754874"/>
-          </a:xfrm>
-          <a:prstGeom prst="rect">
-            <a:avLst/>
-          </a:prstGeom>
-          <a:noFill/>
-        </p:spPr>
-        <p:txBody>
-          <a:bodyPr wrap="square" rtlCol="0">
-            <a:spAutoFit/>
-          </a:bodyPr>
-          <a:lstStyle/>
-          <a:p>
-            <a:r>
-              <a:rPr lang="es-ES" b="1" dirty="0"/>
-              <a:t>Sobre la preparación de los datos: </a:t>
-            </a:r>
-          </a:p>
-          <a:p>
-            <a:pPr marL="285750" indent="-285750">
-              <a:buFontTx/>
-              <a:buChar char="-"/>
-            </a:pPr>
-            <a:r>
-              <a:rPr lang="es-ES" dirty="0"/>
-              <a:t>Se categorizó las variables numéricas aplicando cortes lógicos ajustados a cada variable.</a:t>
-            </a:r>
-          </a:p>
-          <a:p>
-            <a:pPr marL="285750" indent="-285750">
-              <a:buFontTx/>
-              <a:buChar char="-"/>
-            </a:pPr>
-            <a:r>
-              <a:rPr lang="es-ES" dirty="0"/>
-              <a:t>Se trabajó únicamente con los datos Train debido a los NA para </a:t>
-            </a:r>
-            <a:r>
-              <a:rPr lang="es-ES" dirty="0" err="1"/>
-              <a:t>Exited</a:t>
-            </a:r>
-            <a:r>
-              <a:rPr lang="es-ES" dirty="0"/>
-              <a:t> en los datos test.</a:t>
-            </a:r>
-          </a:p>
-          <a:p>
-            <a:pPr marL="285750" indent="-285750">
-              <a:buFontTx/>
-              <a:buChar char="-"/>
-            </a:pPr>
-            <a:r>
-              <a:rPr lang="es-ES" dirty="0"/>
-              <a:t>La base de datos transaccional se compuso de 7000 filas y 73 ítems.</a:t>
-            </a:r>
-          </a:p>
-          <a:p>
-            <a:pPr marL="285750" indent="-285750">
-              <a:buFontTx/>
-              <a:buChar char="-"/>
-            </a:pPr>
-            <a:endParaRPr lang="es-ES" dirty="0"/>
-          </a:p>
-          <a:p>
-            <a:r>
-              <a:rPr lang="es-ES" b="1" dirty="0"/>
-              <a:t>Sobre la parametrización</a:t>
-            </a:r>
-          </a:p>
-          <a:p>
-            <a:r>
-              <a:rPr lang="es-ES" dirty="0"/>
-              <a:t>Se pretendía encontrar reglas asociativas donde </a:t>
-            </a:r>
-            <a:r>
-              <a:rPr lang="es-ES" dirty="0" err="1"/>
-              <a:t>Exited</a:t>
-            </a:r>
-            <a:r>
-              <a:rPr lang="es-ES" dirty="0"/>
-              <a:t> fuera el consecuente, y </a:t>
-            </a:r>
-            <a:r>
-              <a:rPr lang="es-ES" dirty="0" err="1"/>
-              <a:t>Exited</a:t>
-            </a:r>
-            <a:r>
-              <a:rPr lang="es-ES" dirty="0"/>
-              <a:t> es una variable claramente desbalanceada para las 7000 observaciones (20% </a:t>
-            </a:r>
-            <a:r>
-              <a:rPr lang="es-ES" dirty="0" err="1"/>
-              <a:t>Exited</a:t>
-            </a:r>
-            <a:r>
-              <a:rPr lang="es-ES" dirty="0"/>
-              <a:t>=1, 80% </a:t>
-            </a:r>
-            <a:r>
-              <a:rPr lang="es-ES" dirty="0" err="1"/>
-              <a:t>Exited</a:t>
-            </a:r>
-            <a:r>
-              <a:rPr lang="es-ES" dirty="0"/>
-              <a:t>=0).</a:t>
-            </a:r>
-          </a:p>
-          <a:p>
-            <a:endParaRPr lang="es-ES" dirty="0"/>
-          </a:p>
-          <a:p>
-            <a:pPr algn="just"/>
-            <a:r>
-              <a:rPr lang="es-ES" dirty="0"/>
-              <a:t>Esta circunstancia derivó en la elección de un soporte mínimo extremadamente bajo, de modo que se pudiera obtener reglas significativas asociadas al abandono del banco. En los valores LIFT se podrá ver que el hecho de reducir el soporte no impide obtener reglas muy significativas que expliquen tendencias dentro de ese 20% de la muestra. </a:t>
-            </a:r>
-            <a:r>
-              <a:rPr lang="es-ES" b="1" i="1" dirty="0"/>
-              <a:t>El soporte mínimo elegido fue de 0.0125. </a:t>
-            </a:r>
-            <a:r>
-              <a:rPr lang="es-ES" dirty="0"/>
-              <a:t>Esto supone que solo se considerarán reglas que ocurran en al menos el 1.25% de las transacciones.</a:t>
-            </a:r>
-            <a:endParaRPr lang="es-ES" b="1" i="1" dirty="0"/>
-          </a:p>
-          <a:p>
-            <a:pPr algn="just"/>
-            <a:endParaRPr lang="es-ES" dirty="0"/>
-          </a:p>
-          <a:p>
-            <a:pPr algn="just"/>
-            <a:r>
-              <a:rPr lang="es-ES" dirty="0"/>
-              <a:t>Esto también afecta a la elección de la confianza: Se ha escogido </a:t>
-            </a:r>
-            <a:r>
-              <a:rPr lang="es-ES" b="1" dirty="0"/>
-              <a:t>confianza=0.6</a:t>
-            </a:r>
-            <a:r>
-              <a:rPr lang="es-ES" dirty="0"/>
-              <a:t>, lo que significa que cuando se da la condición del antecedente, en el 60% de los casos se cumple el consecuente.</a:t>
-            </a:r>
-          </a:p>
-        </p:txBody>
-      </p:sp>
-    </p:spTree>
-    <p:extLst>
-      <p:ext uri="{BB962C8B-B14F-4D97-AF65-F5344CB8AC3E}">
-        <p14:creationId xmlns:p14="http://schemas.microsoft.com/office/powerpoint/2010/main" val="192883723"/>
-      </p:ext>
-    </p:extLst>
-  </p:cSld>
-  <p:clrMapOvr>
-    <a:masterClrMapping/>
-  </p:clrMapOvr>
-</p:sld>
-</file>
-
-<file path=ppt/slides/slide12.xml><?xml version="1.0" encoding="utf-8"?>
-<p:sld xmlns:a="http://schemas.openxmlformats.org/drawingml/2006/main" xmlns:r="http://schemas.openxmlformats.org/officeDocument/2006/relationships" xmlns:p="http://schemas.openxmlformats.org/presentationml/2006/main">
-  <p:cSld>
-    <p:spTree>
-      <p:nvGrpSpPr>
-        <p:cNvPr id="1" name="Shape 620">
-          <a:extLst>
-            <a:ext uri="{FF2B5EF4-FFF2-40B4-BE49-F238E27FC236}">
-              <a16:creationId xmlns:a16="http://schemas.microsoft.com/office/drawing/2014/main" id="{55C995D2-E420-AAEA-4FF1-82F41E8CE557}"/>
-            </a:ext>
-          </a:extLst>
-        </p:cNvPr>
-        <p:cNvGrpSpPr/>
-        <p:nvPr/>
-      </p:nvGrpSpPr>
-      <p:grpSpPr>
-        <a:xfrm>
-          <a:off x="0" y="0"/>
-          <a:ext cx="0" cy="0"/>
-          <a:chOff x="0" y="0"/>
-          <a:chExt cx="0" cy="0"/>
-        </a:xfrm>
-      </p:grpSpPr>
-      <p:sp>
-        <p:nvSpPr>
-          <p:cNvPr id="633" name="Google Shape;633;p34">
-            <a:extLst>
-              <a:ext uri="{FF2B5EF4-FFF2-40B4-BE49-F238E27FC236}">
-                <a16:creationId xmlns:a16="http://schemas.microsoft.com/office/drawing/2014/main" id="{F6C12439-9695-5DCC-5484-455797F0DD0A}"/>
-              </a:ext>
-            </a:extLst>
-          </p:cNvPr>
-          <p:cNvSpPr txBox="1">
-            <a:spLocks noGrp="1"/>
-          </p:cNvSpPr>
-          <p:nvPr>
-            <p:ph type="title"/>
-          </p:nvPr>
-        </p:nvSpPr>
-        <p:spPr>
-          <a:xfrm>
-            <a:off x="720000" y="236566"/>
-            <a:ext cx="7704000" cy="572700"/>
-          </a:xfrm>
-          <a:prstGeom prst="rect">
-            <a:avLst/>
-          </a:prstGeom>
-        </p:spPr>
-        <p:txBody>
-          <a:bodyPr spcFirstLastPara="1" wrap="square" lIns="91425" tIns="91425" rIns="91425" bIns="91425" anchor="t" anchorCtr="0">
-            <a:noAutofit/>
-          </a:bodyPr>
-          <a:lstStyle/>
-          <a:p>
-            <a:pPr marL="0" lvl="0" indent="0" algn="ctr" rtl="0">
-              <a:spcBef>
-                <a:spcPts val="0"/>
-              </a:spcBef>
-              <a:spcAft>
-                <a:spcPts val="0"/>
-              </a:spcAft>
-              <a:buNone/>
-            </a:pPr>
-            <a:r>
-              <a:rPr lang="es-ES" sz="2400" dirty="0" err="1"/>
-              <a:t>Association</a:t>
-            </a:r>
-            <a:r>
-              <a:rPr lang="es-ES" sz="2400" dirty="0"/>
-              <a:t> Rules 2/2: resultados</a:t>
-            </a:r>
-            <a:endParaRPr sz="2400" dirty="0"/>
-          </a:p>
-        </p:txBody>
-      </p:sp>
-      <p:grpSp>
-        <p:nvGrpSpPr>
-          <p:cNvPr id="616" name="Google Shape;894;p25">
-            <a:extLst>
-              <a:ext uri="{FF2B5EF4-FFF2-40B4-BE49-F238E27FC236}">
-                <a16:creationId xmlns:a16="http://schemas.microsoft.com/office/drawing/2014/main" id="{211B4FB1-DED4-BE7B-08DF-63276B9D3A7C}"/>
-              </a:ext>
-            </a:extLst>
-          </p:cNvPr>
-          <p:cNvGrpSpPr/>
-          <p:nvPr/>
-        </p:nvGrpSpPr>
-        <p:grpSpPr>
-          <a:xfrm>
-            <a:off x="1263704" y="2892821"/>
-            <a:ext cx="362991" cy="290018"/>
-            <a:chOff x="3049653" y="2321468"/>
-            <a:chExt cx="362991" cy="290018"/>
-          </a:xfrm>
-        </p:grpSpPr>
-        <p:sp>
-          <p:nvSpPr>
-            <p:cNvPr id="617" name="Google Shape;895;p25">
-              <a:extLst>
-                <a:ext uri="{FF2B5EF4-FFF2-40B4-BE49-F238E27FC236}">
-                  <a16:creationId xmlns:a16="http://schemas.microsoft.com/office/drawing/2014/main" id="{1B597574-2DCB-212D-0771-E5B500E26B64}"/>
-                </a:ext>
-              </a:extLst>
-            </p:cNvPr>
-            <p:cNvSpPr/>
-            <p:nvPr/>
-          </p:nvSpPr>
-          <p:spPr>
-            <a:xfrm>
-              <a:off x="3280290" y="2429690"/>
-              <a:ext cx="29913" cy="73957"/>
-            </a:xfrm>
-            <a:custGeom>
-              <a:avLst/>
-              <a:gdLst/>
-              <a:ahLst/>
-              <a:cxnLst/>
-              <a:rect l="l" t="t" r="r" b="b"/>
-              <a:pathLst>
-                <a:path w="942" h="2329" extrusionOk="0">
-                  <a:moveTo>
-                    <a:pt x="200" y="1"/>
-                  </a:moveTo>
-                  <a:cubicBezTo>
-                    <a:pt x="158" y="1"/>
-                    <a:pt x="114" y="16"/>
-                    <a:pt x="72" y="45"/>
-                  </a:cubicBezTo>
-                  <a:cubicBezTo>
-                    <a:pt x="13" y="93"/>
-                    <a:pt x="13" y="200"/>
-                    <a:pt x="72" y="283"/>
-                  </a:cubicBezTo>
-                  <a:cubicBezTo>
-                    <a:pt x="572" y="772"/>
-                    <a:pt x="572" y="1569"/>
-                    <a:pt x="72" y="2046"/>
-                  </a:cubicBezTo>
-                  <a:cubicBezTo>
-                    <a:pt x="1" y="2129"/>
-                    <a:pt x="1" y="2224"/>
-                    <a:pt x="72" y="2284"/>
-                  </a:cubicBezTo>
-                  <a:cubicBezTo>
-                    <a:pt x="102" y="2313"/>
-                    <a:pt x="144" y="2328"/>
-                    <a:pt x="187" y="2328"/>
-                  </a:cubicBezTo>
-                  <a:cubicBezTo>
-                    <a:pt x="230" y="2328"/>
-                    <a:pt x="275" y="2313"/>
-                    <a:pt x="310" y="2284"/>
-                  </a:cubicBezTo>
-                  <a:cubicBezTo>
-                    <a:pt x="941" y="1665"/>
-                    <a:pt x="941" y="664"/>
-                    <a:pt x="310" y="45"/>
-                  </a:cubicBezTo>
-                  <a:cubicBezTo>
-                    <a:pt x="280" y="16"/>
-                    <a:pt x="242" y="1"/>
-                    <a:pt x="200" y="1"/>
-                  </a:cubicBezTo>
-                  <a:close/>
-                </a:path>
-              </a:pathLst>
-            </a:custGeom>
-            <a:solidFill>
-              <a:schemeClr val="accent4"/>
-            </a:solidFill>
-            <a:ln>
-              <a:noFill/>
-            </a:ln>
-          </p:spPr>
-          <p:txBody>
-            <a:bodyPr spcFirstLastPara="1" wrap="square" lIns="91425" tIns="91425" rIns="91425" bIns="91425" anchor="ctr" anchorCtr="0">
-              <a:noAutofit/>
-            </a:bodyPr>
-            <a:lstStyle/>
-            <a:p>
-              <a:pPr marL="0" lvl="0" indent="0" algn="l" rtl="0">
-                <a:spcBef>
-                  <a:spcPts val="0"/>
-                </a:spcBef>
-                <a:spcAft>
-                  <a:spcPts val="0"/>
-                </a:spcAft>
-                <a:buNone/>
-              </a:pPr>
-              <a:endParaRPr/>
-            </a:p>
-          </p:txBody>
-        </p:sp>
-        <p:sp>
-          <p:nvSpPr>
-            <p:cNvPr id="618" name="Google Shape;896;p25">
-              <a:extLst>
-                <a:ext uri="{FF2B5EF4-FFF2-40B4-BE49-F238E27FC236}">
-                  <a16:creationId xmlns:a16="http://schemas.microsoft.com/office/drawing/2014/main" id="{DF9980C2-B859-8AF2-BBF6-9114FC1C9DC3}"/>
-                </a:ext>
-              </a:extLst>
-            </p:cNvPr>
-            <p:cNvSpPr/>
-            <p:nvPr/>
-          </p:nvSpPr>
-          <p:spPr>
-            <a:xfrm>
-              <a:off x="3317729" y="2392250"/>
-              <a:ext cx="49570" cy="148836"/>
-            </a:xfrm>
-            <a:custGeom>
-              <a:avLst/>
-              <a:gdLst/>
-              <a:ahLst/>
-              <a:cxnLst/>
-              <a:rect l="l" t="t" r="r" b="b"/>
-              <a:pathLst>
-                <a:path w="1561" h="4687" extrusionOk="0">
-                  <a:moveTo>
-                    <a:pt x="183" y="1"/>
-                  </a:moveTo>
-                  <a:cubicBezTo>
-                    <a:pt x="140" y="1"/>
-                    <a:pt x="96" y="16"/>
-                    <a:pt x="60" y="46"/>
-                  </a:cubicBezTo>
-                  <a:cubicBezTo>
-                    <a:pt x="0" y="105"/>
-                    <a:pt x="0" y="212"/>
-                    <a:pt x="60" y="284"/>
-                  </a:cubicBezTo>
-                  <a:cubicBezTo>
-                    <a:pt x="1191" y="1415"/>
-                    <a:pt x="1191" y="3272"/>
-                    <a:pt x="60" y="4403"/>
-                  </a:cubicBezTo>
-                  <a:cubicBezTo>
-                    <a:pt x="0" y="4475"/>
-                    <a:pt x="0" y="4582"/>
-                    <a:pt x="60" y="4641"/>
-                  </a:cubicBezTo>
-                  <a:cubicBezTo>
-                    <a:pt x="90" y="4671"/>
-                    <a:pt x="131" y="4686"/>
-                    <a:pt x="175" y="4686"/>
-                  </a:cubicBezTo>
-                  <a:cubicBezTo>
-                    <a:pt x="218" y="4686"/>
-                    <a:pt x="262" y="4671"/>
-                    <a:pt x="298" y="4641"/>
-                  </a:cubicBezTo>
-                  <a:cubicBezTo>
-                    <a:pt x="1560" y="3379"/>
-                    <a:pt x="1560" y="1308"/>
-                    <a:pt x="298" y="46"/>
-                  </a:cubicBezTo>
-                  <a:cubicBezTo>
-                    <a:pt x="268" y="16"/>
-                    <a:pt x="227" y="1"/>
-                    <a:pt x="183" y="1"/>
-                  </a:cubicBezTo>
-                  <a:close/>
-                </a:path>
-              </a:pathLst>
-            </a:custGeom>
-            <a:solidFill>
-              <a:schemeClr val="accent4"/>
-            </a:solidFill>
-            <a:ln>
-              <a:noFill/>
-            </a:ln>
-          </p:spPr>
-          <p:txBody>
-            <a:bodyPr spcFirstLastPara="1" wrap="square" lIns="91425" tIns="91425" rIns="91425" bIns="91425" anchor="ctr" anchorCtr="0">
-              <a:noAutofit/>
-            </a:bodyPr>
-            <a:lstStyle/>
-            <a:p>
-              <a:pPr marL="0" lvl="0" indent="0" algn="l" rtl="0">
-                <a:spcBef>
-                  <a:spcPts val="0"/>
-                </a:spcBef>
-                <a:spcAft>
-                  <a:spcPts val="0"/>
-                </a:spcAft>
-                <a:buNone/>
-              </a:pPr>
-              <a:endParaRPr/>
-            </a:p>
-          </p:txBody>
-        </p:sp>
-        <p:sp>
-          <p:nvSpPr>
-            <p:cNvPr id="619" name="Google Shape;897;p25">
-              <a:extLst>
-                <a:ext uri="{FF2B5EF4-FFF2-40B4-BE49-F238E27FC236}">
-                  <a16:creationId xmlns:a16="http://schemas.microsoft.com/office/drawing/2014/main" id="{AB150971-3AFF-C959-ACCF-A54E6949A937}"/>
-                </a:ext>
-              </a:extLst>
-            </p:cNvPr>
-            <p:cNvSpPr/>
-            <p:nvPr/>
-          </p:nvSpPr>
-          <p:spPr>
-            <a:xfrm>
-              <a:off x="3354406" y="2355954"/>
-              <a:ext cx="58239" cy="222317"/>
-            </a:xfrm>
-            <a:custGeom>
-              <a:avLst/>
-              <a:gdLst/>
-              <a:ahLst/>
-              <a:cxnLst/>
-              <a:rect l="l" t="t" r="r" b="b"/>
-              <a:pathLst>
-                <a:path w="1834" h="7001" extrusionOk="0">
-                  <a:moveTo>
-                    <a:pt x="174" y="1"/>
-                  </a:moveTo>
-                  <a:cubicBezTo>
-                    <a:pt x="131" y="1"/>
-                    <a:pt x="90" y="16"/>
-                    <a:pt x="60" y="46"/>
-                  </a:cubicBezTo>
-                  <a:cubicBezTo>
-                    <a:pt x="0" y="105"/>
-                    <a:pt x="0" y="200"/>
-                    <a:pt x="60" y="284"/>
-                  </a:cubicBezTo>
-                  <a:cubicBezTo>
-                    <a:pt x="1834" y="2046"/>
-                    <a:pt x="1834" y="4939"/>
-                    <a:pt x="60" y="6713"/>
-                  </a:cubicBezTo>
-                  <a:cubicBezTo>
-                    <a:pt x="0" y="6773"/>
-                    <a:pt x="0" y="6868"/>
-                    <a:pt x="60" y="6951"/>
-                  </a:cubicBezTo>
-                  <a:cubicBezTo>
-                    <a:pt x="88" y="6985"/>
-                    <a:pt x="128" y="7000"/>
-                    <a:pt x="169" y="7000"/>
-                  </a:cubicBezTo>
-                  <a:cubicBezTo>
-                    <a:pt x="214" y="7000"/>
-                    <a:pt x="261" y="6982"/>
-                    <a:pt x="298" y="6951"/>
-                  </a:cubicBezTo>
-                  <a:cubicBezTo>
-                    <a:pt x="1227" y="6023"/>
-                    <a:pt x="1727" y="4808"/>
-                    <a:pt x="1727" y="3498"/>
-                  </a:cubicBezTo>
-                  <a:cubicBezTo>
-                    <a:pt x="1727" y="2189"/>
-                    <a:pt x="1227" y="962"/>
-                    <a:pt x="298" y="46"/>
-                  </a:cubicBezTo>
-                  <a:cubicBezTo>
-                    <a:pt x="262" y="16"/>
-                    <a:pt x="218" y="1"/>
-                    <a:pt x="174" y="1"/>
-                  </a:cubicBezTo>
-                  <a:close/>
-                </a:path>
-              </a:pathLst>
-            </a:custGeom>
-            <a:solidFill>
-              <a:schemeClr val="accent4"/>
-            </a:solidFill>
-            <a:ln>
-              <a:noFill/>
-            </a:ln>
-          </p:spPr>
-          <p:txBody>
-            <a:bodyPr spcFirstLastPara="1" wrap="square" lIns="91425" tIns="91425" rIns="91425" bIns="91425" anchor="ctr" anchorCtr="0">
-              <a:noAutofit/>
-            </a:bodyPr>
-            <a:lstStyle/>
-            <a:p>
-              <a:pPr marL="0" lvl="0" indent="0" algn="l" rtl="0">
-                <a:spcBef>
-                  <a:spcPts val="0"/>
-                </a:spcBef>
-                <a:spcAft>
-                  <a:spcPts val="0"/>
-                </a:spcAft>
-                <a:buNone/>
-              </a:pPr>
-              <a:endParaRPr/>
-            </a:p>
-          </p:txBody>
-        </p:sp>
-        <p:sp>
-          <p:nvSpPr>
-            <p:cNvPr id="620" name="Google Shape;898;p25">
-              <a:extLst>
-                <a:ext uri="{FF2B5EF4-FFF2-40B4-BE49-F238E27FC236}">
-                  <a16:creationId xmlns:a16="http://schemas.microsoft.com/office/drawing/2014/main" id="{14AF9887-6176-DAB6-B988-A356E370C220}"/>
-                </a:ext>
-              </a:extLst>
-            </p:cNvPr>
-            <p:cNvSpPr/>
-            <p:nvPr/>
-          </p:nvSpPr>
-          <p:spPr>
-            <a:xfrm>
-              <a:off x="3049653" y="2321468"/>
-              <a:ext cx="210250" cy="290018"/>
-            </a:xfrm>
-            <a:custGeom>
-              <a:avLst/>
-              <a:gdLst/>
-              <a:ahLst/>
-              <a:cxnLst/>
-              <a:rect l="l" t="t" r="r" b="b"/>
-              <a:pathLst>
-                <a:path w="6621" h="9133" extrusionOk="0">
-                  <a:moveTo>
-                    <a:pt x="5216" y="1072"/>
-                  </a:moveTo>
-                  <a:lnTo>
-                    <a:pt x="5216" y="8097"/>
-                  </a:lnTo>
-                  <a:cubicBezTo>
-                    <a:pt x="4156" y="7751"/>
-                    <a:pt x="3287" y="7037"/>
-                    <a:pt x="2739" y="6061"/>
-                  </a:cubicBezTo>
-                  <a:lnTo>
-                    <a:pt x="2739" y="3084"/>
-                  </a:lnTo>
-                  <a:cubicBezTo>
-                    <a:pt x="3275" y="2120"/>
-                    <a:pt x="4156" y="1405"/>
-                    <a:pt x="5216" y="1072"/>
-                  </a:cubicBezTo>
-                  <a:close/>
-                  <a:moveTo>
-                    <a:pt x="5716" y="0"/>
-                  </a:moveTo>
-                  <a:cubicBezTo>
-                    <a:pt x="5430" y="0"/>
-                    <a:pt x="5216" y="215"/>
-                    <a:pt x="5216" y="501"/>
-                  </a:cubicBezTo>
-                  <a:lnTo>
-                    <a:pt x="5216" y="691"/>
-                  </a:lnTo>
-                  <a:cubicBezTo>
-                    <a:pt x="4049" y="1048"/>
-                    <a:pt x="3096" y="1810"/>
-                    <a:pt x="2489" y="2858"/>
-                  </a:cubicBezTo>
-                  <a:lnTo>
-                    <a:pt x="1227" y="2858"/>
-                  </a:lnTo>
-                  <a:cubicBezTo>
-                    <a:pt x="549" y="2858"/>
-                    <a:pt x="13" y="3394"/>
-                    <a:pt x="13" y="4061"/>
-                  </a:cubicBezTo>
-                  <a:lnTo>
-                    <a:pt x="13" y="5037"/>
-                  </a:lnTo>
-                  <a:cubicBezTo>
-                    <a:pt x="1" y="5692"/>
-                    <a:pt x="489" y="6227"/>
-                    <a:pt x="1120" y="6275"/>
-                  </a:cubicBezTo>
-                  <a:cubicBezTo>
-                    <a:pt x="1203" y="6275"/>
-                    <a:pt x="1287" y="6216"/>
-                    <a:pt x="1299" y="6132"/>
-                  </a:cubicBezTo>
-                  <a:cubicBezTo>
-                    <a:pt x="1299" y="6037"/>
-                    <a:pt x="1239" y="5966"/>
-                    <a:pt x="1144" y="5954"/>
-                  </a:cubicBezTo>
-                  <a:cubicBezTo>
-                    <a:pt x="703" y="5918"/>
-                    <a:pt x="346" y="5537"/>
-                    <a:pt x="346" y="5073"/>
-                  </a:cubicBezTo>
-                  <a:lnTo>
-                    <a:pt x="346" y="4084"/>
-                  </a:lnTo>
-                  <a:cubicBezTo>
-                    <a:pt x="346" y="3608"/>
-                    <a:pt x="727" y="3215"/>
-                    <a:pt x="1227" y="3215"/>
-                  </a:cubicBezTo>
-                  <a:lnTo>
-                    <a:pt x="2418" y="3215"/>
-                  </a:lnTo>
-                  <a:lnTo>
-                    <a:pt x="2418" y="5954"/>
-                  </a:lnTo>
-                  <a:lnTo>
-                    <a:pt x="1918" y="5954"/>
-                  </a:lnTo>
-                  <a:cubicBezTo>
-                    <a:pt x="1834" y="5954"/>
-                    <a:pt x="1763" y="6025"/>
-                    <a:pt x="1763" y="6108"/>
-                  </a:cubicBezTo>
-                  <a:cubicBezTo>
-                    <a:pt x="1763" y="6204"/>
-                    <a:pt x="1834" y="6275"/>
-                    <a:pt x="1918" y="6275"/>
-                  </a:cubicBezTo>
-                  <a:lnTo>
-                    <a:pt x="2489" y="6275"/>
-                  </a:lnTo>
-                  <a:cubicBezTo>
-                    <a:pt x="3096" y="7323"/>
-                    <a:pt x="4049" y="8097"/>
-                    <a:pt x="5216" y="8430"/>
-                  </a:cubicBezTo>
-                  <a:lnTo>
-                    <a:pt x="5216" y="8633"/>
-                  </a:lnTo>
-                  <a:cubicBezTo>
-                    <a:pt x="5216" y="8906"/>
-                    <a:pt x="5430" y="9133"/>
-                    <a:pt x="5716" y="9133"/>
-                  </a:cubicBezTo>
-                  <a:lnTo>
-                    <a:pt x="6121" y="9133"/>
-                  </a:lnTo>
-                  <a:cubicBezTo>
-                    <a:pt x="6406" y="9133"/>
-                    <a:pt x="6621" y="8906"/>
-                    <a:pt x="6621" y="8633"/>
-                  </a:cubicBezTo>
-                  <a:lnTo>
-                    <a:pt x="6621" y="4953"/>
-                  </a:lnTo>
-                  <a:cubicBezTo>
-                    <a:pt x="6621" y="4858"/>
-                    <a:pt x="6549" y="4787"/>
-                    <a:pt x="6466" y="4787"/>
-                  </a:cubicBezTo>
-                  <a:cubicBezTo>
-                    <a:pt x="6371" y="4787"/>
-                    <a:pt x="6299" y="4858"/>
-                    <a:pt x="6299" y="4953"/>
-                  </a:cubicBezTo>
-                  <a:lnTo>
-                    <a:pt x="6299" y="8633"/>
-                  </a:lnTo>
-                  <a:cubicBezTo>
-                    <a:pt x="6299" y="8728"/>
-                    <a:pt x="6228" y="8811"/>
-                    <a:pt x="6121" y="8811"/>
-                  </a:cubicBezTo>
-                  <a:lnTo>
-                    <a:pt x="5716" y="8811"/>
-                  </a:lnTo>
-                  <a:cubicBezTo>
-                    <a:pt x="5609" y="8811"/>
-                    <a:pt x="5537" y="8728"/>
-                    <a:pt x="5537" y="8633"/>
-                  </a:cubicBezTo>
-                  <a:lnTo>
-                    <a:pt x="5537" y="501"/>
-                  </a:lnTo>
-                  <a:cubicBezTo>
-                    <a:pt x="5537" y="393"/>
-                    <a:pt x="5609" y="322"/>
-                    <a:pt x="5716" y="322"/>
-                  </a:cubicBezTo>
-                  <a:lnTo>
-                    <a:pt x="6121" y="322"/>
-                  </a:lnTo>
-                  <a:cubicBezTo>
-                    <a:pt x="6228" y="322"/>
-                    <a:pt x="6299" y="393"/>
-                    <a:pt x="6299" y="501"/>
-                  </a:cubicBezTo>
-                  <a:lnTo>
-                    <a:pt x="6299" y="4180"/>
-                  </a:lnTo>
-                  <a:cubicBezTo>
-                    <a:pt x="6299" y="4263"/>
-                    <a:pt x="6371" y="4346"/>
-                    <a:pt x="6466" y="4346"/>
-                  </a:cubicBezTo>
-                  <a:cubicBezTo>
-                    <a:pt x="6549" y="4346"/>
-                    <a:pt x="6621" y="4263"/>
-                    <a:pt x="6621" y="4180"/>
-                  </a:cubicBezTo>
-                  <a:lnTo>
-                    <a:pt x="6621" y="501"/>
-                  </a:lnTo>
-                  <a:cubicBezTo>
-                    <a:pt x="6621" y="215"/>
-                    <a:pt x="6406" y="0"/>
-                    <a:pt x="6121" y="0"/>
-                  </a:cubicBezTo>
-                  <a:close/>
-                </a:path>
-              </a:pathLst>
-            </a:custGeom>
-            <a:solidFill>
-              <a:schemeClr val="accent4"/>
-            </a:solidFill>
-            <a:ln>
-              <a:noFill/>
-            </a:ln>
-          </p:spPr>
-          <p:txBody>
-            <a:bodyPr spcFirstLastPara="1" wrap="square" lIns="91425" tIns="91425" rIns="91425" bIns="91425" anchor="ctr" anchorCtr="0">
-              <a:noAutofit/>
-            </a:bodyPr>
-            <a:lstStyle/>
-            <a:p>
-              <a:pPr marL="0" lvl="0" indent="0" algn="l" rtl="0">
-                <a:spcBef>
-                  <a:spcPts val="0"/>
-                </a:spcBef>
-                <a:spcAft>
-                  <a:spcPts val="0"/>
-                </a:spcAft>
-                <a:buNone/>
-              </a:pPr>
-              <a:endParaRPr/>
-            </a:p>
-          </p:txBody>
-        </p:sp>
-      </p:grpSp>
-      <p:pic>
-        <p:nvPicPr>
-          <p:cNvPr id="628" name="Imagen 627">
-            <a:extLst>
-              <a:ext uri="{FF2B5EF4-FFF2-40B4-BE49-F238E27FC236}">
-                <a16:creationId xmlns:a16="http://schemas.microsoft.com/office/drawing/2014/main" id="{0049D36F-5CE6-EB69-3EFF-B0FC9696B8D3}"/>
-              </a:ext>
-            </a:extLst>
-          </p:cNvPr>
-          <p:cNvPicPr>
-            <a:picLocks noChangeAspect="1"/>
-          </p:cNvPicPr>
-          <p:nvPr/>
-        </p:nvPicPr>
-        <p:blipFill>
-          <a:blip r:embed="rId3"/>
-          <a:stretch>
-            <a:fillRect/>
-          </a:stretch>
-        </p:blipFill>
-        <p:spPr>
-          <a:xfrm>
-            <a:off x="221950" y="970344"/>
-            <a:ext cx="3952017" cy="2329037"/>
-          </a:xfrm>
-          <a:prstGeom prst="rect">
-            <a:avLst/>
-          </a:prstGeom>
-        </p:spPr>
-      </p:pic>
-      <p:sp>
-        <p:nvSpPr>
-          <p:cNvPr id="59" name="Google Shape;849;p25">
-            <a:extLst>
-              <a:ext uri="{FF2B5EF4-FFF2-40B4-BE49-F238E27FC236}">
-                <a16:creationId xmlns:a16="http://schemas.microsoft.com/office/drawing/2014/main" id="{272A9B48-06CD-BA0E-9761-7A83F9A0C7F5}"/>
-              </a:ext>
-            </a:extLst>
-          </p:cNvPr>
-          <p:cNvSpPr/>
-          <p:nvPr/>
-        </p:nvSpPr>
-        <p:spPr>
-          <a:xfrm>
-            <a:off x="221951" y="884749"/>
-            <a:ext cx="4101022" cy="2441196"/>
-          </a:xfrm>
-          <a:prstGeom prst="roundRect">
-            <a:avLst>
-              <a:gd name="adj" fmla="val 5989"/>
-            </a:avLst>
-          </a:prstGeom>
-          <a:noFill/>
-          <a:ln w="9525" cap="flat" cmpd="sng">
-            <a:solidFill>
-              <a:srgbClr val="00B050"/>
-            </a:solidFill>
-            <a:prstDash val="solid"/>
-            <a:round/>
-            <a:headEnd type="none" w="sm" len="sm"/>
-            <a:tailEnd type="none" w="sm" len="sm"/>
-          </a:ln>
-        </p:spPr>
-        <p:txBody>
-          <a:bodyPr spcFirstLastPara="1" wrap="square" lIns="91425" tIns="91425" rIns="91425" bIns="91425" anchor="ctr" anchorCtr="0">
-            <a:noAutofit/>
-          </a:bodyPr>
-          <a:lstStyle/>
-          <a:p>
-            <a:pPr marL="0" lvl="0" indent="0" algn="l" rtl="0">
-              <a:spcBef>
-                <a:spcPts val="0"/>
-              </a:spcBef>
-              <a:spcAft>
-                <a:spcPts val="0"/>
-              </a:spcAft>
-              <a:buNone/>
-            </a:pPr>
-            <a:endParaRPr dirty="0">
-              <a:highlight>
-                <a:srgbClr val="000080"/>
-              </a:highlight>
-            </a:endParaRPr>
-          </a:p>
-        </p:txBody>
-      </p:sp>
-      <p:sp>
-        <p:nvSpPr>
-          <p:cNvPr id="63" name="Google Shape;853;p25">
-            <a:extLst>
-              <a:ext uri="{FF2B5EF4-FFF2-40B4-BE49-F238E27FC236}">
-                <a16:creationId xmlns:a16="http://schemas.microsoft.com/office/drawing/2014/main" id="{DAAC3287-95C6-BA1F-9A87-A2ACA773479C}"/>
-              </a:ext>
-            </a:extLst>
-          </p:cNvPr>
-          <p:cNvSpPr/>
-          <p:nvPr/>
-        </p:nvSpPr>
-        <p:spPr>
-          <a:xfrm>
-            <a:off x="147827" y="741395"/>
-            <a:ext cx="4026138" cy="275159"/>
-          </a:xfrm>
-          <a:prstGeom prst="roundRect">
-            <a:avLst>
-              <a:gd name="adj" fmla="val 16667"/>
-            </a:avLst>
-          </a:prstGeom>
-          <a:ln>
-            <a:headEnd type="none" w="sm" len="sm"/>
-            <a:tailEnd type="none" w="sm" len="sm"/>
-          </a:ln>
-        </p:spPr>
-        <p:style>
-          <a:lnRef idx="1">
-            <a:schemeClr val="accent1"/>
-          </a:lnRef>
-          <a:fillRef idx="2">
-            <a:schemeClr val="accent1"/>
-          </a:fillRef>
-          <a:effectRef idx="1">
-            <a:schemeClr val="accent1"/>
-          </a:effectRef>
-          <a:fontRef idx="minor">
-            <a:schemeClr val="dk1"/>
-          </a:fontRef>
-        </p:style>
-        <p:txBody>
-          <a:bodyPr spcFirstLastPara="1" wrap="square" lIns="91425" tIns="91425" rIns="91425" bIns="91425" anchor="ctr" anchorCtr="0">
-            <a:noAutofit/>
-          </a:bodyPr>
-          <a:lstStyle/>
-          <a:p>
-            <a:pPr marL="0" lvl="0" indent="0" algn="l" rtl="0">
-              <a:spcBef>
-                <a:spcPts val="0"/>
-              </a:spcBef>
-              <a:spcAft>
-                <a:spcPts val="0"/>
-              </a:spcAft>
-              <a:buNone/>
-            </a:pPr>
-            <a:r>
-              <a:rPr lang="es-ES" dirty="0">
-                <a:latin typeface="Arial Rounded MT Bold" panose="020F0704030504030204" pitchFamily="34" charset="0"/>
-              </a:rPr>
-              <a:t>Consecuente: </a:t>
-            </a:r>
-            <a:r>
-              <a:rPr lang="es-ES" dirty="0" err="1">
-                <a:latin typeface="Arial Rounded MT Bold" panose="020F0704030504030204" pitchFamily="34" charset="0"/>
-              </a:rPr>
-              <a:t>Exited</a:t>
-            </a:r>
-            <a:r>
-              <a:rPr lang="es-ES" dirty="0">
-                <a:latin typeface="Arial Rounded MT Bold" panose="020F0704030504030204" pitchFamily="34" charset="0"/>
-              </a:rPr>
-              <a:t>=0 (el cliente se queda)</a:t>
-            </a:r>
-            <a:endParaRPr dirty="0">
-              <a:latin typeface="Arial Rounded MT Bold" panose="020F0704030504030204" pitchFamily="34" charset="0"/>
-            </a:endParaRPr>
-          </a:p>
-        </p:txBody>
-      </p:sp>
-      <p:pic>
-        <p:nvPicPr>
-          <p:cNvPr id="630" name="Imagen 629">
-            <a:extLst>
-              <a:ext uri="{FF2B5EF4-FFF2-40B4-BE49-F238E27FC236}">
-                <a16:creationId xmlns:a16="http://schemas.microsoft.com/office/drawing/2014/main" id="{D6958A06-027A-312F-9B3B-4479111747AE}"/>
-              </a:ext>
-            </a:extLst>
-          </p:cNvPr>
-          <p:cNvPicPr>
-            <a:picLocks noChangeAspect="1"/>
-          </p:cNvPicPr>
-          <p:nvPr/>
-        </p:nvPicPr>
-        <p:blipFill>
-          <a:blip r:embed="rId4"/>
-          <a:stretch>
-            <a:fillRect/>
-          </a:stretch>
-        </p:blipFill>
-        <p:spPr>
-          <a:xfrm>
-            <a:off x="4649663" y="1051342"/>
-            <a:ext cx="4101022" cy="2248039"/>
-          </a:xfrm>
-          <a:prstGeom prst="rect">
-            <a:avLst/>
-          </a:prstGeom>
-        </p:spPr>
-      </p:pic>
-      <p:sp>
-        <p:nvSpPr>
-          <p:cNvPr id="631" name="CuadroTexto 630">
-            <a:extLst>
-              <a:ext uri="{FF2B5EF4-FFF2-40B4-BE49-F238E27FC236}">
-                <a16:creationId xmlns:a16="http://schemas.microsoft.com/office/drawing/2014/main" id="{7AA7058E-9BE2-849D-0A76-2B2D241AFF6D}"/>
-              </a:ext>
-            </a:extLst>
-          </p:cNvPr>
-          <p:cNvSpPr txBox="1"/>
-          <p:nvPr/>
-        </p:nvSpPr>
-        <p:spPr>
-          <a:xfrm>
-            <a:off x="147827" y="3350032"/>
-            <a:ext cx="4249270" cy="1107996"/>
-          </a:xfrm>
-          <a:prstGeom prst="rect">
-            <a:avLst/>
-          </a:prstGeom>
-          <a:noFill/>
-        </p:spPr>
-        <p:txBody>
-          <a:bodyPr wrap="square" rtlCol="0">
-            <a:spAutoFit/>
-          </a:bodyPr>
-          <a:lstStyle/>
-          <a:p>
-            <a:r>
-              <a:rPr lang="es-ES" sz="1100" dirty="0"/>
-              <a:t>Confianza de 1 o ~1: </a:t>
-            </a:r>
-            <a:r>
-              <a:rPr lang="es-ES" sz="1100" b="1" dirty="0"/>
-              <a:t>siempre que ha sucedido el antecedente se da el consecuente</a:t>
-            </a:r>
-            <a:endParaRPr lang="es-ES" sz="1100" dirty="0"/>
-          </a:p>
-          <a:p>
-            <a:endParaRPr lang="es-ES" sz="1100" dirty="0"/>
-          </a:p>
-          <a:p>
-            <a:r>
-              <a:rPr lang="es-ES" sz="1100" dirty="0"/>
-              <a:t>Diversas reglas refuerzan la tesis de que clientes de entre 18-35 años, con 2 productos y casados o con solvencia para pedir préstamos es prácticamente seguro que se quedarán en el banco</a:t>
-            </a:r>
-          </a:p>
-        </p:txBody>
-      </p:sp>
-      <p:sp>
-        <p:nvSpPr>
-          <p:cNvPr id="632" name="CuadroTexto 631">
-            <a:extLst>
-              <a:ext uri="{FF2B5EF4-FFF2-40B4-BE49-F238E27FC236}">
-                <a16:creationId xmlns:a16="http://schemas.microsoft.com/office/drawing/2014/main" id="{710A3BEA-2604-24E5-30E8-C13F32D4BE4C}"/>
-              </a:ext>
-            </a:extLst>
-          </p:cNvPr>
-          <p:cNvSpPr txBox="1"/>
-          <p:nvPr/>
-        </p:nvSpPr>
-        <p:spPr>
-          <a:xfrm>
-            <a:off x="4649663" y="3336128"/>
-            <a:ext cx="4431491" cy="1277273"/>
-          </a:xfrm>
-          <a:prstGeom prst="rect">
-            <a:avLst/>
-          </a:prstGeom>
-          <a:noFill/>
-        </p:spPr>
-        <p:txBody>
-          <a:bodyPr wrap="square" rtlCol="0">
-            <a:spAutoFit/>
-          </a:bodyPr>
-          <a:lstStyle/>
-          <a:p>
-            <a:pPr algn="just"/>
-            <a:r>
-              <a:rPr lang="es-ES" sz="1100" dirty="0" err="1"/>
-              <a:t>Lift</a:t>
-            </a:r>
-            <a:r>
-              <a:rPr lang="es-ES" sz="1100" dirty="0"/>
-              <a:t> de ~3 el consecuente es </a:t>
-            </a:r>
-            <a:r>
-              <a:rPr lang="es-ES" sz="1100" b="1" dirty="0"/>
-              <a:t>3 veces más probable cuando ocurre el antecedente</a:t>
-            </a:r>
-            <a:r>
-              <a:rPr lang="es-ES" sz="1100" dirty="0"/>
-              <a:t> que si fueran independientes</a:t>
-            </a:r>
-          </a:p>
-          <a:p>
-            <a:pPr algn="just"/>
-            <a:endParaRPr lang="es-ES" sz="1100" dirty="0"/>
-          </a:p>
-          <a:p>
-            <a:pPr algn="just"/>
-            <a:r>
-              <a:rPr lang="es-ES" sz="1100" dirty="0"/>
-              <a:t>Preocupante segmento de edad 46-55 años en mujeres y nacionalidad alemana.</a:t>
-            </a:r>
-          </a:p>
-          <a:p>
-            <a:pPr algn="just"/>
-            <a:r>
-              <a:rPr lang="es-ES" sz="1100" dirty="0"/>
-              <a:t>Revisar las condiciones que ofrece el banco a clientes con 3 productos o más.</a:t>
-            </a:r>
-          </a:p>
-        </p:txBody>
-      </p:sp>
-      <p:sp>
-        <p:nvSpPr>
-          <p:cNvPr id="583" name="Google Shape;861;p25">
-            <a:extLst>
-              <a:ext uri="{FF2B5EF4-FFF2-40B4-BE49-F238E27FC236}">
-                <a16:creationId xmlns:a16="http://schemas.microsoft.com/office/drawing/2014/main" id="{160C52B2-04F8-173B-FD6B-C29FC57BF3F5}"/>
-              </a:ext>
-            </a:extLst>
-          </p:cNvPr>
-          <p:cNvSpPr/>
-          <p:nvPr/>
-        </p:nvSpPr>
-        <p:spPr>
-          <a:xfrm>
-            <a:off x="4649663" y="878974"/>
-            <a:ext cx="4397517" cy="2441196"/>
-          </a:xfrm>
-          <a:prstGeom prst="roundRect">
-            <a:avLst>
-              <a:gd name="adj" fmla="val 5989"/>
-            </a:avLst>
-          </a:prstGeom>
-          <a:noFill/>
-          <a:ln w="9525" cap="flat" cmpd="sng">
-            <a:solidFill>
-              <a:srgbClr val="FF0000"/>
-            </a:solidFill>
-            <a:prstDash val="solid"/>
-            <a:round/>
-            <a:headEnd type="none" w="sm" len="sm"/>
-            <a:tailEnd type="none" w="sm" len="sm"/>
-          </a:ln>
-        </p:spPr>
-        <p:txBody>
-          <a:bodyPr spcFirstLastPara="1" wrap="square" lIns="91425" tIns="91425" rIns="91425" bIns="91425" anchor="ctr" anchorCtr="0">
-            <a:noAutofit/>
-          </a:bodyPr>
-          <a:lstStyle/>
-          <a:p>
-            <a:pPr marL="0" lvl="0" indent="0" algn="l" rtl="0">
-              <a:spcBef>
-                <a:spcPts val="0"/>
-              </a:spcBef>
-              <a:spcAft>
-                <a:spcPts val="0"/>
-              </a:spcAft>
-              <a:buNone/>
-            </a:pPr>
-            <a:endParaRPr/>
-          </a:p>
-        </p:txBody>
-      </p:sp>
-      <p:sp>
-        <p:nvSpPr>
-          <p:cNvPr id="587" name="Google Shape;865;p25">
-            <a:extLst>
-              <a:ext uri="{FF2B5EF4-FFF2-40B4-BE49-F238E27FC236}">
-                <a16:creationId xmlns:a16="http://schemas.microsoft.com/office/drawing/2014/main" id="{F5FADC25-6962-68E7-217A-0BA156D5F24E}"/>
-              </a:ext>
-            </a:extLst>
-          </p:cNvPr>
-          <p:cNvSpPr/>
-          <p:nvPr/>
-        </p:nvSpPr>
-        <p:spPr>
-          <a:xfrm>
-            <a:off x="4582757" y="730815"/>
-            <a:ext cx="3774337" cy="264401"/>
-          </a:xfrm>
-          <a:prstGeom prst="roundRect">
-            <a:avLst>
-              <a:gd name="adj" fmla="val 16667"/>
-            </a:avLst>
-          </a:prstGeom>
-          <a:ln>
-            <a:headEnd type="none" w="sm" len="sm"/>
-            <a:tailEnd type="none" w="sm" len="sm"/>
-          </a:ln>
-        </p:spPr>
-        <p:style>
-          <a:lnRef idx="1">
-            <a:schemeClr val="accent1"/>
-          </a:lnRef>
-          <a:fillRef idx="2">
-            <a:schemeClr val="accent1"/>
-          </a:fillRef>
-          <a:effectRef idx="1">
-            <a:schemeClr val="accent1"/>
-          </a:effectRef>
-          <a:fontRef idx="minor">
-            <a:schemeClr val="dk1"/>
-          </a:fontRef>
-        </p:style>
-        <p:txBody>
-          <a:bodyPr spcFirstLastPara="1" wrap="square" lIns="91425" tIns="91425" rIns="91425" bIns="91425" anchor="ctr" anchorCtr="0">
-            <a:noAutofit/>
-          </a:bodyPr>
-          <a:lstStyle/>
-          <a:p>
-            <a:pPr lvl="0"/>
-            <a:r>
-              <a:rPr lang="es-ES" dirty="0">
-                <a:latin typeface="Arial Rounded MT Bold" panose="020F0704030504030204" pitchFamily="34" charset="0"/>
-              </a:rPr>
-              <a:t>Consecuente: </a:t>
-            </a:r>
-            <a:r>
-              <a:rPr lang="es-ES" dirty="0" err="1">
-                <a:latin typeface="Arial Rounded MT Bold" panose="020F0704030504030204" pitchFamily="34" charset="0"/>
-              </a:rPr>
-              <a:t>Exited</a:t>
-            </a:r>
-            <a:r>
-              <a:rPr lang="es-ES" dirty="0">
-                <a:latin typeface="Arial Rounded MT Bold" panose="020F0704030504030204" pitchFamily="34" charset="0"/>
-              </a:rPr>
-              <a:t>=1 (el cliente se va)</a:t>
-            </a:r>
-          </a:p>
-        </p:txBody>
-      </p:sp>
-      <p:sp>
-        <p:nvSpPr>
-          <p:cNvPr id="634" name="CuadroTexto 633">
-            <a:extLst>
-              <a:ext uri="{FF2B5EF4-FFF2-40B4-BE49-F238E27FC236}">
-                <a16:creationId xmlns:a16="http://schemas.microsoft.com/office/drawing/2014/main" id="{51011016-44F2-FE07-8AF0-A81903637A7B}"/>
-              </a:ext>
-            </a:extLst>
-          </p:cNvPr>
-          <p:cNvSpPr txBox="1"/>
-          <p:nvPr/>
-        </p:nvSpPr>
-        <p:spPr>
-          <a:xfrm>
-            <a:off x="118335" y="4594319"/>
-            <a:ext cx="8928845" cy="461665"/>
-          </a:xfrm>
-          <a:prstGeom prst="rect">
-            <a:avLst/>
-          </a:prstGeom>
-        </p:spPr>
-        <p:style>
-          <a:lnRef idx="3">
-            <a:schemeClr val="lt1"/>
-          </a:lnRef>
-          <a:fillRef idx="1">
-            <a:schemeClr val="accent2"/>
-          </a:fillRef>
-          <a:effectRef idx="1">
-            <a:schemeClr val="accent2"/>
-          </a:effectRef>
-          <a:fontRef idx="minor">
-            <a:schemeClr val="lt1"/>
-          </a:fontRef>
-        </p:style>
-        <p:txBody>
-          <a:bodyPr wrap="square" rtlCol="0">
-            <a:spAutoFit/>
-          </a:bodyPr>
-          <a:lstStyle/>
-          <a:p>
-            <a:r>
-              <a:rPr lang="es-ES" sz="1200" b="1" i="1" dirty="0">
-                <a:solidFill>
-                  <a:schemeClr val="tx1"/>
-                </a:solidFill>
-              </a:rPr>
-              <a:t>Variables declaradas previamente como significativas concuerdan con las que aparecen en las reglas más informativas: </a:t>
-            </a:r>
-            <a:r>
-              <a:rPr lang="es-ES" sz="1200" b="1" i="1" u="sng" dirty="0">
-                <a:solidFill>
-                  <a:schemeClr val="tx1"/>
-                </a:solidFill>
-              </a:rPr>
-              <a:t>Validación de la significancia</a:t>
-            </a:r>
-          </a:p>
-        </p:txBody>
-      </p:sp>
-    </p:spTree>
-    <p:extLst>
-      <p:ext uri="{BB962C8B-B14F-4D97-AF65-F5344CB8AC3E}">
-        <p14:creationId xmlns:p14="http://schemas.microsoft.com/office/powerpoint/2010/main" val="3729417740"/>
-      </p:ext>
-    </p:extLst>
-  </p:cSld>
-  <p:clrMapOvr>
-    <a:masterClrMapping/>
-  </p:clrMapOvr>
-</p:sld>
-</file>
-
-<file path=ppt/slides/slide13.xml><?xml version="1.0" encoding="utf-8"?>
-<p:sld xmlns:a="http://schemas.openxmlformats.org/drawingml/2006/main" xmlns:r="http://schemas.openxmlformats.org/officeDocument/2006/relationships" xmlns:p="http://schemas.openxmlformats.org/presentationml/2006/main">
-  <p:cSld>
-    <p:spTree>
-      <p:nvGrpSpPr>
-        <p:cNvPr id="1" name="Shape 620">
-          <a:extLst>
-            <a:ext uri="{FF2B5EF4-FFF2-40B4-BE49-F238E27FC236}">
               <a16:creationId xmlns:a16="http://schemas.microsoft.com/office/drawing/2014/main" id="{113A20AF-FC6D-9F73-F5DC-B1B6F2ADABDB}"/>
             </a:ext>
           </a:extLst>
@@ -19015,7 +16857,7 @@
 </p:sld>
 </file>
 
-<file path=ppt/slides/slide14.xml><?xml version="1.0" encoding="utf-8"?>
+<file path=ppt/slides/slide11.xml><?xml version="1.0" encoding="utf-8"?>
 <p:sld xmlns:a="http://schemas.openxmlformats.org/drawingml/2006/main" xmlns:r="http://schemas.openxmlformats.org/officeDocument/2006/relationships" xmlns:p="http://schemas.openxmlformats.org/presentationml/2006/main">
   <p:cSld>
     <p:spTree>
@@ -20667,7 +18509,7 @@
 </p:sld>
 </file>
 
-<file path=ppt/slides/slide15.xml><?xml version="1.0" encoding="utf-8"?>
+<file path=ppt/slides/slide12.xml><?xml version="1.0" encoding="utf-8"?>
 <p:sld xmlns:a="http://schemas.openxmlformats.org/drawingml/2006/main" xmlns:r="http://schemas.openxmlformats.org/officeDocument/2006/relationships" xmlns:p="http://schemas.openxmlformats.org/presentationml/2006/main">
   <p:cSld>
     <p:spTree>
@@ -20717,6 +18559,921 @@
           </a:p>
         </p:txBody>
       </p:sp>
+      <p:graphicFrame>
+        <p:nvGraphicFramePr>
+          <p:cNvPr id="5" name="Tabla 4">
+            <a:extLst>
+              <a:ext uri="{FF2B5EF4-FFF2-40B4-BE49-F238E27FC236}">
+                <a16:creationId xmlns:a16="http://schemas.microsoft.com/office/drawing/2014/main" id="{91C0E36A-D0DD-E8B8-21D5-10146D353935}"/>
+              </a:ext>
+            </a:extLst>
+          </p:cNvPr>
+          <p:cNvGraphicFramePr>
+            <a:graphicFrameLocks noGrp="1"/>
+          </p:cNvGraphicFramePr>
+          <p:nvPr>
+            <p:extLst>
+              <p:ext uri="{D42A27DB-BD31-4B8C-83A1-F6EECF244321}">
+                <p14:modId xmlns:p14="http://schemas.microsoft.com/office/powerpoint/2010/main" val="2933068741"/>
+              </p:ext>
+            </p:extLst>
+          </p:nvPr>
+        </p:nvGraphicFramePr>
+        <p:xfrm>
+          <a:off x="720000" y="1590563"/>
+          <a:ext cx="4427034" cy="2758440"/>
+        </p:xfrm>
+        <a:graphic>
+          <a:graphicData uri="http://schemas.openxmlformats.org/drawingml/2006/table">
+            <a:tbl>
+              <a:tblPr firstRow="1" bandRow="1">
+                <a:tableStyleId>{69012ECD-51FC-41F1-AA8D-1B2483CD663E}</a:tableStyleId>
+              </a:tblPr>
+              <a:tblGrid>
+                <a:gridCol w="2213517">
+                  <a:extLst>
+                    <a:ext uri="{9D8B030D-6E8A-4147-A177-3AD203B41FA5}">
+                      <a16:colId xmlns:a16="http://schemas.microsoft.com/office/drawing/2014/main" val="126442759"/>
+                    </a:ext>
+                  </a:extLst>
+                </a:gridCol>
+                <a:gridCol w="2213517">
+                  <a:extLst>
+                    <a:ext uri="{9D8B030D-6E8A-4147-A177-3AD203B41FA5}">
+                      <a16:colId xmlns:a16="http://schemas.microsoft.com/office/drawing/2014/main" val="37233113"/>
+                    </a:ext>
+                  </a:extLst>
+                </a:gridCol>
+              </a:tblGrid>
+              <a:tr h="212904">
+                <a:tc>
+                  <a:txBody>
+                    <a:bodyPr/>
+                    <a:lstStyle/>
+                    <a:p>
+                      <a:r>
+                        <a:rPr lang="ca-ES" sz="1100" dirty="0"/>
+                        <a:t>Característica</a:t>
+                      </a:r>
+                    </a:p>
+                  </a:txBody>
+                  <a:tcPr/>
+                </a:tc>
+                <a:tc>
+                  <a:txBody>
+                    <a:bodyPr/>
+                    <a:lstStyle/>
+                    <a:p>
+                      <a:r>
+                        <a:rPr lang="ca-ES" sz="1100" dirty="0"/>
+                        <a:t>Valor</a:t>
+                      </a:r>
+                    </a:p>
+                  </a:txBody>
+                  <a:tcPr/>
+                </a:tc>
+                <a:extLst>
+                  <a:ext uri="{0D108BD9-81ED-4DB2-BD59-A6C34878D82A}">
+                    <a16:rowId xmlns:a16="http://schemas.microsoft.com/office/drawing/2014/main" val="3200554047"/>
+                  </a:ext>
+                </a:extLst>
+              </a:tr>
+              <a:tr h="212904">
+                <a:tc>
+                  <a:txBody>
+                    <a:bodyPr/>
+                    <a:lstStyle/>
+                    <a:p>
+                      <a:r>
+                        <a:rPr lang="ca-ES" sz="1100" dirty="0" err="1"/>
+                        <a:t>Balanceo</a:t>
+                      </a:r>
+                      <a:endParaRPr lang="ca-ES" sz="1100" dirty="0"/>
+                    </a:p>
+                  </a:txBody>
+                  <a:tcPr/>
+                </a:tc>
+                <a:tc>
+                  <a:txBody>
+                    <a:bodyPr/>
+                    <a:lstStyle/>
+                    <a:p>
+                      <a:r>
+                        <a:rPr lang="ca-ES" sz="1100" dirty="0"/>
+                        <a:t>Sí (ROSE: 43-57)</a:t>
+                      </a:r>
+                    </a:p>
+                  </a:txBody>
+                  <a:tcPr/>
+                </a:tc>
+                <a:extLst>
+                  <a:ext uri="{0D108BD9-81ED-4DB2-BD59-A6C34878D82A}">
+                    <a16:rowId xmlns:a16="http://schemas.microsoft.com/office/drawing/2014/main" val="3638994520"/>
+                  </a:ext>
+                </a:extLst>
+              </a:tr>
+              <a:tr h="212904">
+                <a:tc>
+                  <a:txBody>
+                    <a:bodyPr/>
+                    <a:lstStyle/>
+                    <a:p>
+                      <a:r>
+                        <a:rPr lang="ca-ES" sz="1100" dirty="0"/>
+                        <a:t>Umbral de </a:t>
+                      </a:r>
+                      <a:r>
+                        <a:rPr lang="ca-ES" sz="1100" dirty="0" err="1"/>
+                        <a:t>discriminación</a:t>
+                      </a:r>
+                      <a:endParaRPr lang="ca-ES" sz="1100" dirty="0"/>
+                    </a:p>
+                  </a:txBody>
+                  <a:tcPr/>
+                </a:tc>
+                <a:tc>
+                  <a:txBody>
+                    <a:bodyPr/>
+                    <a:lstStyle/>
+                    <a:p>
+                      <a:r>
+                        <a:rPr lang="ca-ES" sz="1100" dirty="0"/>
+                        <a:t>0.43</a:t>
+                      </a:r>
+                    </a:p>
+                  </a:txBody>
+                  <a:tcPr/>
+                </a:tc>
+                <a:extLst>
+                  <a:ext uri="{0D108BD9-81ED-4DB2-BD59-A6C34878D82A}">
+                    <a16:rowId xmlns:a16="http://schemas.microsoft.com/office/drawing/2014/main" val="1847208886"/>
+                  </a:ext>
+                </a:extLst>
+              </a:tr>
+              <a:tr h="212904">
+                <a:tc>
+                  <a:txBody>
+                    <a:bodyPr/>
+                    <a:lstStyle/>
+                    <a:p>
+                      <a:r>
+                        <a:rPr lang="ca-ES" sz="1100" dirty="0" err="1"/>
+                        <a:t>Escalado</a:t>
+                      </a:r>
+                      <a:r>
+                        <a:rPr lang="ca-ES" sz="1100" dirty="0"/>
+                        <a:t> de </a:t>
+                      </a:r>
+                      <a:r>
+                        <a:rPr lang="ca-ES" sz="1100" dirty="0" err="1"/>
+                        <a:t>numéricas</a:t>
+                      </a:r>
+                      <a:endParaRPr lang="ca-ES" sz="1100" dirty="0"/>
+                    </a:p>
+                  </a:txBody>
+                  <a:tcPr/>
+                </a:tc>
+                <a:tc>
+                  <a:txBody>
+                    <a:bodyPr/>
+                    <a:lstStyle/>
+                    <a:p>
+                      <a:r>
+                        <a:rPr lang="ca-ES" sz="1100" dirty="0"/>
+                        <a:t>Sí</a:t>
+                      </a:r>
+                    </a:p>
+                  </a:txBody>
+                  <a:tcPr/>
+                </a:tc>
+                <a:extLst>
+                  <a:ext uri="{0D108BD9-81ED-4DB2-BD59-A6C34878D82A}">
+                    <a16:rowId xmlns:a16="http://schemas.microsoft.com/office/drawing/2014/main" val="267009526"/>
+                  </a:ext>
+                </a:extLst>
+              </a:tr>
+              <a:tr h="212904">
+                <a:tc>
+                  <a:txBody>
+                    <a:bodyPr/>
+                    <a:lstStyle/>
+                    <a:p>
+                      <a:r>
+                        <a:rPr lang="ca-ES" sz="1100" dirty="0"/>
+                        <a:t>Cross </a:t>
+                      </a:r>
+                      <a:r>
+                        <a:rPr lang="ca-ES" sz="1100" dirty="0" err="1"/>
+                        <a:t>Validation</a:t>
+                      </a:r>
+                      <a:endParaRPr lang="ca-ES" sz="1100" dirty="0"/>
+                    </a:p>
+                  </a:txBody>
+                  <a:tcPr/>
+                </a:tc>
+                <a:tc>
+                  <a:txBody>
+                    <a:bodyPr/>
+                    <a:lstStyle/>
+                    <a:p>
+                      <a:r>
+                        <a:rPr lang="ca-ES" sz="1100" dirty="0"/>
+                        <a:t>Sí (10 </a:t>
+                      </a:r>
+                      <a:r>
+                        <a:rPr lang="ca-ES" sz="1100" dirty="0" err="1"/>
+                        <a:t>folds</a:t>
+                      </a:r>
+                      <a:r>
+                        <a:rPr lang="ca-ES" sz="1100" dirty="0"/>
+                        <a:t>)</a:t>
+                      </a:r>
+                    </a:p>
+                  </a:txBody>
+                  <a:tcPr/>
+                </a:tc>
+                <a:extLst>
+                  <a:ext uri="{0D108BD9-81ED-4DB2-BD59-A6C34878D82A}">
+                    <a16:rowId xmlns:a16="http://schemas.microsoft.com/office/drawing/2014/main" val="3713442765"/>
+                  </a:ext>
+                </a:extLst>
+              </a:tr>
+              <a:tr h="212904">
+                <a:tc>
+                  <a:txBody>
+                    <a:bodyPr/>
+                    <a:lstStyle/>
+                    <a:p>
+                      <a:r>
+                        <a:rPr lang="ca-ES" sz="1100" dirty="0" err="1"/>
+                        <a:t>Criterio</a:t>
+                      </a:r>
+                      <a:r>
+                        <a:rPr lang="ca-ES" sz="1100" dirty="0"/>
+                        <a:t> para dividir </a:t>
+                      </a:r>
+                      <a:r>
+                        <a:rPr lang="ca-ES" sz="1100" dirty="0" err="1"/>
+                        <a:t>nodos</a:t>
+                      </a:r>
+                      <a:endParaRPr lang="ca-ES" sz="1100" dirty="0"/>
+                    </a:p>
+                  </a:txBody>
+                  <a:tcPr/>
+                </a:tc>
+                <a:tc>
+                  <a:txBody>
+                    <a:bodyPr/>
+                    <a:lstStyle/>
+                    <a:p>
+                      <a:r>
+                        <a:rPr lang="ca-ES" sz="1100" dirty="0" err="1"/>
+                        <a:t>Índice</a:t>
+                      </a:r>
+                      <a:r>
+                        <a:rPr lang="ca-ES" sz="1100" dirty="0"/>
+                        <a:t> de </a:t>
+                      </a:r>
+                      <a:r>
+                        <a:rPr lang="ca-ES" sz="1100" dirty="0" err="1"/>
+                        <a:t>Gini</a:t>
+                      </a:r>
+                      <a:endParaRPr lang="ca-ES" sz="1100" dirty="0"/>
+                    </a:p>
+                  </a:txBody>
+                  <a:tcPr/>
+                </a:tc>
+                <a:extLst>
+                  <a:ext uri="{0D108BD9-81ED-4DB2-BD59-A6C34878D82A}">
+                    <a16:rowId xmlns:a16="http://schemas.microsoft.com/office/drawing/2014/main" val="3762920500"/>
+                  </a:ext>
+                </a:extLst>
+              </a:tr>
+              <a:tr h="361936">
+                <a:tc>
+                  <a:txBody>
+                    <a:bodyPr/>
+                    <a:lstStyle/>
+                    <a:p>
+                      <a:r>
+                        <a:rPr lang="ca-ES" sz="1100" dirty="0" err="1"/>
+                        <a:t>Parámetro</a:t>
+                      </a:r>
+                      <a:r>
+                        <a:rPr lang="ca-ES" sz="1100" dirty="0"/>
+                        <a:t> de </a:t>
+                      </a:r>
+                      <a:r>
+                        <a:rPr lang="ca-ES" sz="1100" dirty="0" err="1"/>
+                        <a:t>complejidad</a:t>
+                      </a:r>
+                      <a:r>
+                        <a:rPr lang="ca-ES" sz="1100" dirty="0"/>
+                        <a:t> </a:t>
+                      </a:r>
+                      <a:r>
+                        <a:rPr lang="ca-ES" sz="1100" dirty="0" err="1"/>
+                        <a:t>Cp</a:t>
+                      </a:r>
+                      <a:endParaRPr lang="ca-ES" sz="1100" dirty="0"/>
+                    </a:p>
+                  </a:txBody>
+                  <a:tcPr/>
+                </a:tc>
+                <a:tc>
+                  <a:txBody>
+                    <a:bodyPr/>
+                    <a:lstStyle/>
+                    <a:p>
+                      <a:r>
+                        <a:rPr lang="ca-ES" sz="1100" dirty="0" err="1"/>
+                        <a:t>Optimizado</a:t>
+                      </a:r>
+                      <a:r>
+                        <a:rPr lang="ca-ES" sz="1100" dirty="0"/>
+                        <a:t> </a:t>
+                      </a:r>
+                      <a:r>
+                        <a:rPr lang="ca-ES" sz="1100" dirty="0" err="1"/>
+                        <a:t>vía</a:t>
+                      </a:r>
+                      <a:r>
+                        <a:rPr lang="ca-ES" sz="1100" dirty="0"/>
+                        <a:t> CV=&gt; </a:t>
+                      </a:r>
+                      <a:r>
+                        <a:rPr lang="es-ES" sz="1100" dirty="0"/>
+                        <a:t>0.004039924</a:t>
+                      </a:r>
+                      <a:endParaRPr lang="ca-ES" sz="1100" dirty="0"/>
+                    </a:p>
+                  </a:txBody>
+                  <a:tcPr/>
+                </a:tc>
+                <a:extLst>
+                  <a:ext uri="{0D108BD9-81ED-4DB2-BD59-A6C34878D82A}">
+                    <a16:rowId xmlns:a16="http://schemas.microsoft.com/office/drawing/2014/main" val="1666499219"/>
+                  </a:ext>
+                </a:extLst>
+              </a:tr>
+              <a:tr h="212904">
+                <a:tc>
+                  <a:txBody>
+                    <a:bodyPr/>
+                    <a:lstStyle/>
+                    <a:p>
+                      <a:r>
+                        <a:rPr lang="ca-ES" sz="1100" dirty="0"/>
+                        <a:t>Número total de </a:t>
+                      </a:r>
+                      <a:r>
+                        <a:rPr lang="ca-ES" sz="1100" dirty="0" err="1"/>
+                        <a:t>nodos</a:t>
+                      </a:r>
+                      <a:endParaRPr lang="ca-ES" sz="1100" dirty="0"/>
+                    </a:p>
+                  </a:txBody>
+                  <a:tcPr/>
+                </a:tc>
+                <a:tc>
+                  <a:txBody>
+                    <a:bodyPr/>
+                    <a:lstStyle/>
+                    <a:p>
+                      <a:r>
+                        <a:rPr lang="ca-ES" sz="1100" dirty="0"/>
+                        <a:t>27</a:t>
+                      </a:r>
+                    </a:p>
+                  </a:txBody>
+                  <a:tcPr/>
+                </a:tc>
+                <a:extLst>
+                  <a:ext uri="{0D108BD9-81ED-4DB2-BD59-A6C34878D82A}">
+                    <a16:rowId xmlns:a16="http://schemas.microsoft.com/office/drawing/2014/main" val="1559705293"/>
+                  </a:ext>
+                </a:extLst>
+              </a:tr>
+              <a:tr h="212904">
+                <a:tc>
+                  <a:txBody>
+                    <a:bodyPr/>
+                    <a:lstStyle/>
+                    <a:p>
+                      <a:r>
+                        <a:rPr lang="ca-ES" sz="1100" dirty="0"/>
+                        <a:t>Número de </a:t>
+                      </a:r>
+                      <a:r>
+                        <a:rPr lang="ca-ES" sz="1100" dirty="0" err="1"/>
+                        <a:t>hojas</a:t>
+                      </a:r>
+                      <a:endParaRPr lang="ca-ES" sz="1100" dirty="0"/>
+                    </a:p>
+                  </a:txBody>
+                  <a:tcPr/>
+                </a:tc>
+                <a:tc>
+                  <a:txBody>
+                    <a:bodyPr/>
+                    <a:lstStyle/>
+                    <a:p>
+                      <a:r>
+                        <a:rPr lang="ca-ES" sz="1100" dirty="0"/>
+                        <a:t>14</a:t>
+                      </a:r>
+                    </a:p>
+                  </a:txBody>
+                  <a:tcPr/>
+                </a:tc>
+                <a:extLst>
+                  <a:ext uri="{0D108BD9-81ED-4DB2-BD59-A6C34878D82A}">
+                    <a16:rowId xmlns:a16="http://schemas.microsoft.com/office/drawing/2014/main" val="1272187103"/>
+                  </a:ext>
+                </a:extLst>
+              </a:tr>
+              <a:tr h="212904">
+                <a:tc>
+                  <a:txBody>
+                    <a:bodyPr/>
+                    <a:lstStyle/>
+                    <a:p>
+                      <a:r>
+                        <a:rPr lang="ca-ES" sz="1100" dirty="0" err="1"/>
+                        <a:t>Tamáño</a:t>
+                      </a:r>
+                      <a:r>
+                        <a:rPr lang="ca-ES" sz="1100" dirty="0"/>
+                        <a:t> </a:t>
+                      </a:r>
+                      <a:r>
+                        <a:rPr lang="ca-ES" sz="1100" dirty="0" err="1"/>
+                        <a:t>mínimo</a:t>
+                      </a:r>
+                      <a:r>
+                        <a:rPr lang="ca-ES" sz="1100" dirty="0"/>
+                        <a:t> de </a:t>
+                      </a:r>
+                      <a:r>
+                        <a:rPr lang="ca-ES" sz="1100" dirty="0" err="1"/>
+                        <a:t>hoja</a:t>
+                      </a:r>
+                      <a:endParaRPr lang="ca-ES" sz="1100" dirty="0"/>
+                    </a:p>
+                  </a:txBody>
+                  <a:tcPr/>
+                </a:tc>
+                <a:tc>
+                  <a:txBody>
+                    <a:bodyPr/>
+                    <a:lstStyle/>
+                    <a:p>
+                      <a:r>
+                        <a:rPr lang="ca-ES" sz="1100" dirty="0"/>
+                        <a:t>15</a:t>
+                      </a:r>
+                    </a:p>
+                  </a:txBody>
+                  <a:tcPr/>
+                </a:tc>
+                <a:extLst>
+                  <a:ext uri="{0D108BD9-81ED-4DB2-BD59-A6C34878D82A}">
+                    <a16:rowId xmlns:a16="http://schemas.microsoft.com/office/drawing/2014/main" val="4167062354"/>
+                  </a:ext>
+                </a:extLst>
+              </a:tr>
+            </a:tbl>
+          </a:graphicData>
+        </a:graphic>
+      </p:graphicFrame>
+      <p:sp>
+        <p:nvSpPr>
+          <p:cNvPr id="6" name="AutoShape 2">
+            <a:extLst>
+              <a:ext uri="{FF2B5EF4-FFF2-40B4-BE49-F238E27FC236}">
+                <a16:creationId xmlns:a16="http://schemas.microsoft.com/office/drawing/2014/main" id="{CC78E7FE-6C76-53DE-FA92-7178444A00CE}"/>
+              </a:ext>
+            </a:extLst>
+          </p:cNvPr>
+          <p:cNvSpPr>
+            <a:spLocks noChangeAspect="1" noChangeArrowheads="1"/>
+          </p:cNvSpPr>
+          <p:nvPr/>
+        </p:nvSpPr>
+        <p:spPr bwMode="auto">
+          <a:xfrm>
+            <a:off x="4419600" y="2419350"/>
+            <a:ext cx="304800" cy="304800"/>
+          </a:xfrm>
+          <a:prstGeom prst="rect">
+            <a:avLst/>
+          </a:prstGeom>
+          <a:noFill/>
+          <a:extLst>
+            <a:ext uri="{909E8E84-426E-40DD-AFC4-6F175D3DCCD1}">
+              <a14:hiddenFill xmlns:a14="http://schemas.microsoft.com/office/drawing/2010/main">
+                <a:solidFill>
+                  <a:srgbClr val="FFFFFF"/>
+                </a:solidFill>
+              </a14:hiddenFill>
+            </a:ext>
+          </a:extLst>
+        </p:spPr>
+        <p:txBody>
+          <a:bodyPr vert="horz" wrap="square" lIns="91440" tIns="45720" rIns="91440" bIns="45720" numCol="1" anchor="t" anchorCtr="0" compatLnSpc="1">
+            <a:prstTxWarp prst="textNoShape">
+              <a:avLst/>
+            </a:prstTxWarp>
+          </a:bodyPr>
+          <a:lstStyle/>
+          <a:p>
+            <a:endParaRPr lang="ca-ES"/>
+          </a:p>
+        </p:txBody>
+      </p:sp>
+      <p:graphicFrame>
+        <p:nvGraphicFramePr>
+          <p:cNvPr id="7" name="Tabla 6">
+            <a:extLst>
+              <a:ext uri="{FF2B5EF4-FFF2-40B4-BE49-F238E27FC236}">
+                <a16:creationId xmlns:a16="http://schemas.microsoft.com/office/drawing/2014/main" id="{E27B1CD2-7EFB-AA7A-3361-090E6CE5F737}"/>
+              </a:ext>
+            </a:extLst>
+          </p:cNvPr>
+          <p:cNvGraphicFramePr>
+            <a:graphicFrameLocks noGrp="1"/>
+          </p:cNvGraphicFramePr>
+          <p:nvPr>
+            <p:extLst>
+              <p:ext uri="{D42A27DB-BD31-4B8C-83A1-F6EECF244321}">
+                <p14:modId xmlns:p14="http://schemas.microsoft.com/office/powerpoint/2010/main" val="3985396187"/>
+              </p:ext>
+            </p:extLst>
+          </p:nvPr>
+        </p:nvGraphicFramePr>
+        <p:xfrm>
+          <a:off x="5293793" y="1590562"/>
+          <a:ext cx="3552842" cy="2758444"/>
+        </p:xfrm>
+        <a:graphic>
+          <a:graphicData uri="http://schemas.openxmlformats.org/drawingml/2006/table">
+            <a:tbl>
+              <a:tblPr firstRow="1" bandRow="1">
+                <a:tableStyleId>{69012ECD-51FC-41F1-AA8D-1B2483CD663E}</a:tableStyleId>
+              </a:tblPr>
+              <a:tblGrid>
+                <a:gridCol w="1776421">
+                  <a:extLst>
+                    <a:ext uri="{9D8B030D-6E8A-4147-A177-3AD203B41FA5}">
+                      <a16:colId xmlns:a16="http://schemas.microsoft.com/office/drawing/2014/main" val="126442759"/>
+                    </a:ext>
+                  </a:extLst>
+                </a:gridCol>
+                <a:gridCol w="1776421">
+                  <a:extLst>
+                    <a:ext uri="{9D8B030D-6E8A-4147-A177-3AD203B41FA5}">
+                      <a16:colId xmlns:a16="http://schemas.microsoft.com/office/drawing/2014/main" val="37233113"/>
+                    </a:ext>
+                  </a:extLst>
+                </a:gridCol>
+              </a:tblGrid>
+              <a:tr h="293545">
+                <a:tc>
+                  <a:txBody>
+                    <a:bodyPr/>
+                    <a:lstStyle/>
+                    <a:p>
+                      <a:r>
+                        <a:rPr lang="ca-ES" sz="1100" dirty="0"/>
+                        <a:t>KPI</a:t>
+                      </a:r>
+                    </a:p>
+                  </a:txBody>
+                  <a:tcPr/>
+                </a:tc>
+                <a:tc>
+                  <a:txBody>
+                    <a:bodyPr/>
+                    <a:lstStyle/>
+                    <a:p>
+                      <a:r>
+                        <a:rPr lang="ca-ES" sz="1100" dirty="0"/>
+                        <a:t>Valor</a:t>
+                      </a:r>
+                    </a:p>
+                  </a:txBody>
+                  <a:tcPr/>
+                </a:tc>
+                <a:extLst>
+                  <a:ext uri="{0D108BD9-81ED-4DB2-BD59-A6C34878D82A}">
+                    <a16:rowId xmlns:a16="http://schemas.microsoft.com/office/drawing/2014/main" val="3200554047"/>
+                  </a:ext>
+                </a:extLst>
+              </a:tr>
+              <a:tr h="293545">
+                <a:tc>
+                  <a:txBody>
+                    <a:bodyPr/>
+                    <a:lstStyle/>
+                    <a:p>
+                      <a:r>
+                        <a:rPr lang="ca-ES" sz="1100" dirty="0"/>
+                        <a:t>F1 </a:t>
+                      </a:r>
+                      <a:r>
+                        <a:rPr lang="ca-ES" sz="1100" dirty="0" err="1"/>
+                        <a:t>train</a:t>
+                      </a:r>
+                      <a:endParaRPr lang="ca-ES" sz="1100" dirty="0"/>
+                    </a:p>
+                  </a:txBody>
+                  <a:tcPr/>
+                </a:tc>
+                <a:tc>
+                  <a:txBody>
+                    <a:bodyPr/>
+                    <a:lstStyle/>
+                    <a:p>
+                      <a:r>
+                        <a:rPr lang="ca-ES" sz="1100" dirty="0"/>
+                        <a:t>0.4870878</a:t>
+                      </a:r>
+                    </a:p>
+                  </a:txBody>
+                  <a:tcPr/>
+                </a:tc>
+                <a:extLst>
+                  <a:ext uri="{0D108BD9-81ED-4DB2-BD59-A6C34878D82A}">
+                    <a16:rowId xmlns:a16="http://schemas.microsoft.com/office/drawing/2014/main" val="3638994520"/>
+                  </a:ext>
+                </a:extLst>
+              </a:tr>
+              <a:tr h="293545">
+                <a:tc>
+                  <a:txBody>
+                    <a:bodyPr/>
+                    <a:lstStyle/>
+                    <a:p>
+                      <a:r>
+                        <a:rPr lang="ca-ES" sz="1100" dirty="0"/>
+                        <a:t>F1 test</a:t>
+                      </a:r>
+                    </a:p>
+                  </a:txBody>
+                  <a:tcPr/>
+                </a:tc>
+                <a:tc>
+                  <a:txBody>
+                    <a:bodyPr/>
+                    <a:lstStyle/>
+                    <a:p>
+                      <a:r>
+                        <a:rPr lang="ca-ES" sz="1100" dirty="0"/>
+                        <a:t>0.4990826</a:t>
+                      </a:r>
+                    </a:p>
+                  </a:txBody>
+                  <a:tcPr/>
+                </a:tc>
+                <a:extLst>
+                  <a:ext uri="{0D108BD9-81ED-4DB2-BD59-A6C34878D82A}">
+                    <a16:rowId xmlns:a16="http://schemas.microsoft.com/office/drawing/2014/main" val="1847208886"/>
+                  </a:ext>
+                </a:extLst>
+              </a:tr>
+              <a:tr h="293545">
+                <a:tc>
+                  <a:txBody>
+                    <a:bodyPr/>
+                    <a:lstStyle/>
+                    <a:p>
+                      <a:r>
+                        <a:rPr lang="ca-ES" sz="1100" dirty="0" err="1"/>
+                        <a:t>Recall</a:t>
+                      </a:r>
+                      <a:r>
+                        <a:rPr lang="ca-ES" sz="1100" dirty="0"/>
+                        <a:t> </a:t>
+                      </a:r>
+                      <a:r>
+                        <a:rPr lang="ca-ES" sz="1100" dirty="0" err="1"/>
+                        <a:t>train</a:t>
+                      </a:r>
+                      <a:endParaRPr lang="ca-ES" sz="1100" dirty="0"/>
+                    </a:p>
+                  </a:txBody>
+                  <a:tcPr/>
+                </a:tc>
+                <a:tc>
+                  <a:txBody>
+                    <a:bodyPr/>
+                    <a:lstStyle/>
+                    <a:p>
+                      <a:r>
+                        <a:rPr lang="ca-ES" sz="1100" dirty="0"/>
+                        <a:t>0.607</a:t>
+                      </a:r>
+                    </a:p>
+                  </a:txBody>
+                  <a:tcPr/>
+                </a:tc>
+                <a:extLst>
+                  <a:ext uri="{0D108BD9-81ED-4DB2-BD59-A6C34878D82A}">
+                    <a16:rowId xmlns:a16="http://schemas.microsoft.com/office/drawing/2014/main" val="267009526"/>
+                  </a:ext>
+                </a:extLst>
+              </a:tr>
+              <a:tr h="293545">
+                <a:tc>
+                  <a:txBody>
+                    <a:bodyPr/>
+                    <a:lstStyle/>
+                    <a:p>
+                      <a:r>
+                        <a:rPr lang="ca-ES" sz="1100" dirty="0" err="1"/>
+                        <a:t>Recall</a:t>
+                      </a:r>
+                      <a:r>
+                        <a:rPr lang="ca-ES" sz="1100" dirty="0"/>
+                        <a:t> test</a:t>
+                      </a:r>
+                    </a:p>
+                  </a:txBody>
+                  <a:tcPr/>
+                </a:tc>
+                <a:tc>
+                  <a:txBody>
+                    <a:bodyPr/>
+                    <a:lstStyle/>
+                    <a:p>
+                      <a:r>
+                        <a:rPr lang="ca-ES" sz="1100" dirty="0"/>
+                        <a:t>0.61678</a:t>
+                      </a:r>
+                    </a:p>
+                  </a:txBody>
+                  <a:tcPr/>
+                </a:tc>
+                <a:extLst>
+                  <a:ext uri="{0D108BD9-81ED-4DB2-BD59-A6C34878D82A}">
+                    <a16:rowId xmlns:a16="http://schemas.microsoft.com/office/drawing/2014/main" val="3713442765"/>
+                  </a:ext>
+                </a:extLst>
+              </a:tr>
+              <a:tr h="293545">
+                <a:tc>
+                  <a:txBody>
+                    <a:bodyPr/>
+                    <a:lstStyle/>
+                    <a:p>
+                      <a:r>
+                        <a:rPr lang="ca-ES" sz="1100" dirty="0" err="1"/>
+                        <a:t>Sprecificity_train</a:t>
+                      </a:r>
+                      <a:endParaRPr lang="ca-ES" sz="1100" dirty="0"/>
+                    </a:p>
+                  </a:txBody>
+                  <a:tcPr/>
+                </a:tc>
+                <a:tc>
+                  <a:txBody>
+                    <a:bodyPr/>
+                    <a:lstStyle/>
+                    <a:p>
+                      <a:r>
+                        <a:rPr lang="ca-ES" sz="1100" dirty="0"/>
+                        <a:t>0.769982</a:t>
+                      </a:r>
+                    </a:p>
+                  </a:txBody>
+                  <a:tcPr/>
+                </a:tc>
+                <a:extLst>
+                  <a:ext uri="{0D108BD9-81ED-4DB2-BD59-A6C34878D82A}">
+                    <a16:rowId xmlns:a16="http://schemas.microsoft.com/office/drawing/2014/main" val="3762920500"/>
+                  </a:ext>
+                </a:extLst>
+              </a:tr>
+              <a:tr h="410084">
+                <a:tc>
+                  <a:txBody>
+                    <a:bodyPr/>
+                    <a:lstStyle/>
+                    <a:p>
+                      <a:r>
+                        <a:rPr lang="ca-ES" sz="1100" dirty="0" err="1"/>
+                        <a:t>Specificity</a:t>
+                      </a:r>
+                      <a:r>
+                        <a:rPr lang="ca-ES" sz="1100" dirty="0"/>
+                        <a:t> test</a:t>
+                      </a:r>
+                    </a:p>
+                  </a:txBody>
+                  <a:tcPr/>
+                </a:tc>
+                <a:tc>
+                  <a:txBody>
+                    <a:bodyPr/>
+                    <a:lstStyle/>
+                    <a:p>
+                      <a:r>
+                        <a:rPr lang="ca-ES" sz="1100" dirty="0"/>
+                        <a:t>0.7727</a:t>
+                      </a:r>
+                    </a:p>
+                  </a:txBody>
+                  <a:tcPr/>
+                </a:tc>
+                <a:extLst>
+                  <a:ext uri="{0D108BD9-81ED-4DB2-BD59-A6C34878D82A}">
+                    <a16:rowId xmlns:a16="http://schemas.microsoft.com/office/drawing/2014/main" val="1666499219"/>
+                  </a:ext>
+                </a:extLst>
+              </a:tr>
+              <a:tr h="293545">
+                <a:tc>
+                  <a:txBody>
+                    <a:bodyPr/>
+                    <a:lstStyle/>
+                    <a:p>
+                      <a:r>
+                        <a:rPr lang="ca-ES" sz="1100" dirty="0" err="1"/>
+                        <a:t>Accuracy</a:t>
+                      </a:r>
+                      <a:r>
+                        <a:rPr lang="ca-ES" sz="1100" dirty="0"/>
+                        <a:t> </a:t>
+                      </a:r>
+                      <a:r>
+                        <a:rPr lang="ca-ES" sz="1100" dirty="0" err="1"/>
+                        <a:t>train</a:t>
+                      </a:r>
+                      <a:endParaRPr lang="ca-ES" sz="1100" dirty="0"/>
+                    </a:p>
+                  </a:txBody>
+                  <a:tcPr/>
+                </a:tc>
+                <a:tc>
+                  <a:txBody>
+                    <a:bodyPr/>
+                    <a:lstStyle/>
+                    <a:p>
+                      <a:r>
+                        <a:rPr lang="ca-ES" sz="1100" dirty="0"/>
+                        <a:t>0.7365306</a:t>
+                      </a:r>
+                    </a:p>
+                  </a:txBody>
+                  <a:tcPr/>
+                </a:tc>
+                <a:extLst>
+                  <a:ext uri="{0D108BD9-81ED-4DB2-BD59-A6C34878D82A}">
+                    <a16:rowId xmlns:a16="http://schemas.microsoft.com/office/drawing/2014/main" val="1559705293"/>
+                  </a:ext>
+                </a:extLst>
+              </a:tr>
+              <a:tr h="293545">
+                <a:tc>
+                  <a:txBody>
+                    <a:bodyPr/>
+                    <a:lstStyle/>
+                    <a:p>
+                      <a:r>
+                        <a:rPr lang="ca-ES" sz="1100" dirty="0" err="1"/>
+                        <a:t>Accuracy</a:t>
+                      </a:r>
+                      <a:r>
+                        <a:rPr lang="ca-ES" sz="1100" dirty="0"/>
+                        <a:t> test</a:t>
+                      </a:r>
+                    </a:p>
+                  </a:txBody>
+                  <a:tcPr/>
+                </a:tc>
+                <a:tc>
+                  <a:txBody>
+                    <a:bodyPr/>
+                    <a:lstStyle/>
+                    <a:p>
+                      <a:r>
+                        <a:rPr lang="ca-ES" sz="1100" dirty="0"/>
+                        <a:t>0.74</a:t>
+                      </a:r>
+                    </a:p>
+                  </a:txBody>
+                  <a:tcPr/>
+                </a:tc>
+                <a:extLst>
+                  <a:ext uri="{0D108BD9-81ED-4DB2-BD59-A6C34878D82A}">
+                    <a16:rowId xmlns:a16="http://schemas.microsoft.com/office/drawing/2014/main" val="1272187103"/>
+                  </a:ext>
+                </a:extLst>
+              </a:tr>
+            </a:tbl>
+          </a:graphicData>
+        </a:graphic>
+      </p:graphicFrame>
     </p:spTree>
     <p:extLst>
       <p:ext uri="{BB962C8B-B14F-4D97-AF65-F5344CB8AC3E}">
@@ -20730,7 +19487,122 @@
 </p:sld>
 </file>
 
-<file path=ppt/slides/slide16.xml><?xml version="1.0" encoding="utf-8"?>
+<file path=ppt/slides/slide13.xml><?xml version="1.0" encoding="utf-8"?>
+<p:sld xmlns:a="http://schemas.openxmlformats.org/drawingml/2006/main" xmlns:r="http://schemas.openxmlformats.org/officeDocument/2006/relationships" xmlns:p="http://schemas.openxmlformats.org/presentationml/2006/main">
+  <p:cSld>
+    <p:spTree>
+      <p:nvGrpSpPr>
+        <p:cNvPr id="1" name=""/>
+        <p:cNvGrpSpPr/>
+        <p:nvPr/>
+      </p:nvGrpSpPr>
+      <p:grpSpPr>
+        <a:xfrm>
+          <a:off x="0" y="0"/>
+          <a:ext cx="0" cy="0"/>
+          <a:chOff x="0" y="0"/>
+          <a:chExt cx="0" cy="0"/>
+        </a:xfrm>
+      </p:grpSpPr>
+      <p:sp>
+        <p:nvSpPr>
+          <p:cNvPr id="2" name="Título 1">
+            <a:extLst>
+              <a:ext uri="{FF2B5EF4-FFF2-40B4-BE49-F238E27FC236}">
+                <a16:creationId xmlns:a16="http://schemas.microsoft.com/office/drawing/2014/main" id="{D29474DF-3B1E-B7EB-C47A-C4029B9CA6E2}"/>
+              </a:ext>
+            </a:extLst>
+          </p:cNvPr>
+          <p:cNvSpPr>
+            <a:spLocks noGrp="1"/>
+          </p:cNvSpPr>
+          <p:nvPr>
+            <p:ph type="title"/>
+          </p:nvPr>
+        </p:nvSpPr>
+        <p:spPr/>
+        <p:txBody>
+          <a:bodyPr/>
+          <a:lstStyle/>
+          <a:p>
+            <a:endParaRPr lang="ca-ES"/>
+          </a:p>
+        </p:txBody>
+      </p:sp>
+      <p:pic>
+        <p:nvPicPr>
+          <p:cNvPr id="4" name="Imagen 3" descr="Diagrama">
+            <a:extLst>
+              <a:ext uri="{FF2B5EF4-FFF2-40B4-BE49-F238E27FC236}">
+                <a16:creationId xmlns:a16="http://schemas.microsoft.com/office/drawing/2014/main" id="{4DEB307C-6BB4-A6BC-DBA1-DF9FCF41BCAA}"/>
+              </a:ext>
+            </a:extLst>
+          </p:cNvPr>
+          <p:cNvPicPr>
+            <a:picLocks noChangeAspect="1"/>
+          </p:cNvPicPr>
+          <p:nvPr/>
+        </p:nvPicPr>
+        <p:blipFill>
+          <a:blip r:embed="rId2"/>
+          <a:stretch>
+            <a:fillRect/>
+          </a:stretch>
+        </p:blipFill>
+        <p:spPr>
+          <a:xfrm>
+            <a:off x="0" y="745295"/>
+            <a:ext cx="7289822" cy="4103648"/>
+          </a:xfrm>
+          <a:prstGeom prst="rect">
+            <a:avLst/>
+          </a:prstGeom>
+        </p:spPr>
+      </p:pic>
+      <p:pic>
+        <p:nvPicPr>
+          <p:cNvPr id="10" name="Imagen 9" descr="Tabla&#10;&#10;El contenido generado por IA puede ser incorrecto.">
+            <a:extLst>
+              <a:ext uri="{FF2B5EF4-FFF2-40B4-BE49-F238E27FC236}">
+                <a16:creationId xmlns:a16="http://schemas.microsoft.com/office/drawing/2014/main" id="{6722969D-1499-5A0C-8BA0-9DEA6C499B77}"/>
+              </a:ext>
+            </a:extLst>
+          </p:cNvPr>
+          <p:cNvPicPr>
+            <a:picLocks noChangeAspect="1"/>
+          </p:cNvPicPr>
+          <p:nvPr/>
+        </p:nvPicPr>
+        <p:blipFill>
+          <a:blip r:embed="rId3"/>
+          <a:stretch>
+            <a:fillRect/>
+          </a:stretch>
+        </p:blipFill>
+        <p:spPr>
+          <a:xfrm>
+            <a:off x="7078382" y="2152297"/>
+            <a:ext cx="2065618" cy="2103181"/>
+          </a:xfrm>
+          <a:prstGeom prst="rect">
+            <a:avLst/>
+          </a:prstGeom>
+        </p:spPr>
+      </p:pic>
+    </p:spTree>
+    <p:extLst>
+      <p:ext uri="{BB962C8B-B14F-4D97-AF65-F5344CB8AC3E}">
+        <p14:creationId xmlns:p14="http://schemas.microsoft.com/office/powerpoint/2010/main" val="2697498994"/>
+      </p:ext>
+    </p:extLst>
+  </p:cSld>
+  <p:clrMapOvr>
+    <a:masterClrMapping/>
+  </p:clrMapOvr>
+</p:sld>
+</file>
+
+<file path=ppt/slides/slide14.xml><?xml version="1.0" encoding="utf-8"?>
 <p:sld xmlns:a="http://schemas.openxmlformats.org/drawingml/2006/main" xmlns:r="http://schemas.openxmlformats.org/officeDocument/2006/relationships" xmlns:p="http://schemas.openxmlformats.org/presentationml/2006/main">
   <p:cSld>
     <p:spTree>
@@ -20792,7 +19664,7 @@
 </p:sld>
 </file>
 
-<file path=ppt/slides/slide17.xml><?xml version="1.0" encoding="utf-8"?>
+<file path=ppt/slides/slide15.xml><?xml version="1.0" encoding="utf-8"?>
 <p:sld xmlns:a="http://schemas.openxmlformats.org/drawingml/2006/main" xmlns:r="http://schemas.openxmlformats.org/officeDocument/2006/relationships" xmlns:p="http://schemas.openxmlformats.org/presentationml/2006/main">
   <p:cSld>
     <p:spTree>
@@ -20832,7 +19704,7 @@
           <a:p>
             <a:r>
               <a:rPr lang="es-ES" dirty="0" err="1"/>
-              <a:t>XGBoots</a:t>
+              <a:t>XGBoost</a:t>
             </a:r>
             <a:endParaRPr lang="es-ES" dirty="0"/>
           </a:p>
@@ -20851,7 +19723,7 @@
 </p:sld>
 </file>
 
-<file path=ppt/slides/slide18.xml><?xml version="1.0" encoding="utf-8"?>
+<file path=ppt/slides/slide16.xml><?xml version="1.0" encoding="utf-8"?>
 <p:sld xmlns:a="http://schemas.openxmlformats.org/drawingml/2006/main" xmlns:r="http://schemas.openxmlformats.org/officeDocument/2006/relationships" xmlns:p="http://schemas.openxmlformats.org/presentationml/2006/main">
   <p:cSld>
     <p:spTree>
@@ -20909,7 +19781,7 @@
 </p:sld>
 </file>
 
-<file path=ppt/slides/slide19.xml><?xml version="1.0" encoding="utf-8"?>
+<file path=ppt/slides/slide17.xml><?xml version="1.0" encoding="utf-8"?>
 <p:sld xmlns:a="http://schemas.openxmlformats.org/drawingml/2006/main" xmlns:r="http://schemas.openxmlformats.org/officeDocument/2006/relationships" xmlns:p="http://schemas.openxmlformats.org/presentationml/2006/main">
   <p:cSld>
     <p:spTree>
@@ -20958,6 +19830,70 @@
     <p:extLst>
       <p:ext uri="{BB962C8B-B14F-4D97-AF65-F5344CB8AC3E}">
         <p14:creationId xmlns:p14="http://schemas.microsoft.com/office/powerpoint/2010/main" val="751034999"/>
+      </p:ext>
+    </p:extLst>
+  </p:cSld>
+  <p:clrMapOvr>
+    <a:masterClrMapping/>
+  </p:clrMapOvr>
+</p:sld>
+</file>
+
+<file path=ppt/slides/slide18.xml><?xml version="1.0" encoding="utf-8"?>
+<p:sld xmlns:a="http://schemas.openxmlformats.org/drawingml/2006/main" xmlns:r="http://schemas.openxmlformats.org/officeDocument/2006/relationships" xmlns:p="http://schemas.openxmlformats.org/presentationml/2006/main">
+  <p:cSld>
+    <p:spTree>
+      <p:nvGrpSpPr>
+        <p:cNvPr id="1" name="">
+          <a:extLst>
+            <a:ext uri="{FF2B5EF4-FFF2-40B4-BE49-F238E27FC236}">
+              <a16:creationId xmlns:a16="http://schemas.microsoft.com/office/drawing/2014/main" id="{AA99CF6E-112B-D9C4-F76D-9DBE2EFB2277}"/>
+            </a:ext>
+          </a:extLst>
+        </p:cNvPr>
+        <p:cNvGrpSpPr/>
+        <p:nvPr/>
+      </p:nvGrpSpPr>
+      <p:grpSpPr>
+        <a:xfrm>
+          <a:off x="0" y="0"/>
+          <a:ext cx="0" cy="0"/>
+          <a:chOff x="0" y="0"/>
+          <a:chExt cx="0" cy="0"/>
+        </a:xfrm>
+      </p:grpSpPr>
+      <p:sp>
+        <p:nvSpPr>
+          <p:cNvPr id="2" name="Título 1">
+            <a:extLst>
+              <a:ext uri="{FF2B5EF4-FFF2-40B4-BE49-F238E27FC236}">
+                <a16:creationId xmlns:a16="http://schemas.microsoft.com/office/drawing/2014/main" id="{5B861A1F-D8C8-E3EE-FB99-A420783A8454}"/>
+              </a:ext>
+            </a:extLst>
+          </p:cNvPr>
+          <p:cNvSpPr>
+            <a:spLocks noGrp="1"/>
+          </p:cNvSpPr>
+          <p:nvPr>
+            <p:ph type="title"/>
+          </p:nvPr>
+        </p:nvSpPr>
+        <p:spPr/>
+        <p:txBody>
+          <a:bodyPr/>
+          <a:lstStyle/>
+          <a:p>
+            <a:r>
+              <a:rPr lang="es-ES" dirty="0"/>
+              <a:t>Mejores modelos i métodos</a:t>
+            </a:r>
+          </a:p>
+        </p:txBody>
+      </p:sp>
+    </p:spTree>
+    <p:extLst>
+      <p:ext uri="{BB962C8B-B14F-4D97-AF65-F5344CB8AC3E}">
+        <p14:creationId xmlns:p14="http://schemas.microsoft.com/office/powerpoint/2010/main" val="1303636660"/>
       </p:ext>
     </p:extLst>
   </p:cSld>
@@ -21776,381 +20712,7 @@
 </p:sld>
 </file>
 
-<file path=ppt/slides/slide20.xml><?xml version="1.0" encoding="utf-8"?>
-<p:sld xmlns:a="http://schemas.openxmlformats.org/drawingml/2006/main" xmlns:r="http://schemas.openxmlformats.org/officeDocument/2006/relationships" xmlns:p="http://schemas.openxmlformats.org/presentationml/2006/main">
-  <p:cSld>
-    <p:spTree>
-      <p:nvGrpSpPr>
-        <p:cNvPr id="1" name="">
-          <a:extLst>
-            <a:ext uri="{FF2B5EF4-FFF2-40B4-BE49-F238E27FC236}">
-              <a16:creationId xmlns:a16="http://schemas.microsoft.com/office/drawing/2014/main" id="{AA99CF6E-112B-D9C4-F76D-9DBE2EFB2277}"/>
-            </a:ext>
-          </a:extLst>
-        </p:cNvPr>
-        <p:cNvGrpSpPr/>
-        <p:nvPr/>
-      </p:nvGrpSpPr>
-      <p:grpSpPr>
-        <a:xfrm>
-          <a:off x="0" y="0"/>
-          <a:ext cx="0" cy="0"/>
-          <a:chOff x="0" y="0"/>
-          <a:chExt cx="0" cy="0"/>
-        </a:xfrm>
-      </p:grpSpPr>
-      <p:sp>
-        <p:nvSpPr>
-          <p:cNvPr id="2" name="Título 1">
-            <a:extLst>
-              <a:ext uri="{FF2B5EF4-FFF2-40B4-BE49-F238E27FC236}">
-                <a16:creationId xmlns:a16="http://schemas.microsoft.com/office/drawing/2014/main" id="{5B861A1F-D8C8-E3EE-FB99-A420783A8454}"/>
-              </a:ext>
-            </a:extLst>
-          </p:cNvPr>
-          <p:cNvSpPr>
-            <a:spLocks noGrp="1"/>
-          </p:cNvSpPr>
-          <p:nvPr>
-            <p:ph type="title"/>
-          </p:nvPr>
-        </p:nvSpPr>
-        <p:spPr/>
-        <p:txBody>
-          <a:bodyPr/>
-          <a:lstStyle/>
-          <a:p>
-            <a:r>
-              <a:rPr lang="es-ES" dirty="0"/>
-              <a:t>Mejores modelos i métodos</a:t>
-            </a:r>
-          </a:p>
-        </p:txBody>
-      </p:sp>
-    </p:spTree>
-    <p:extLst>
-      <p:ext uri="{BB962C8B-B14F-4D97-AF65-F5344CB8AC3E}">
-        <p14:creationId xmlns:p14="http://schemas.microsoft.com/office/powerpoint/2010/main" val="1303636660"/>
-      </p:ext>
-    </p:extLst>
-  </p:cSld>
-  <p:clrMapOvr>
-    <a:masterClrMapping/>
-  </p:clrMapOvr>
-</p:sld>
-</file>
-
 <file path=ppt/slides/slide3.xml><?xml version="1.0" encoding="utf-8"?>
-<p:sld xmlns:a="http://schemas.openxmlformats.org/drawingml/2006/main" xmlns:r="http://schemas.openxmlformats.org/officeDocument/2006/relationships" xmlns:p="http://schemas.openxmlformats.org/presentationml/2006/main">
-  <p:cSld>
-    <p:spTree>
-      <p:nvGrpSpPr>
-        <p:cNvPr id="1" name="Shape 620">
-          <a:extLst>
-            <a:ext uri="{FF2B5EF4-FFF2-40B4-BE49-F238E27FC236}">
-              <a16:creationId xmlns:a16="http://schemas.microsoft.com/office/drawing/2014/main" id="{129D671E-736D-BBE5-2753-B44018DB6EB4}"/>
-            </a:ext>
-          </a:extLst>
-        </p:cNvPr>
-        <p:cNvGrpSpPr/>
-        <p:nvPr/>
-      </p:nvGrpSpPr>
-      <p:grpSpPr>
-        <a:xfrm>
-          <a:off x="0" y="0"/>
-          <a:ext cx="0" cy="0"/>
-          <a:chOff x="0" y="0"/>
-          <a:chExt cx="0" cy="0"/>
-        </a:xfrm>
-      </p:grpSpPr>
-      <p:sp>
-        <p:nvSpPr>
-          <p:cNvPr id="633" name="Google Shape;633;p34">
-            <a:extLst>
-              <a:ext uri="{FF2B5EF4-FFF2-40B4-BE49-F238E27FC236}">
-                <a16:creationId xmlns:a16="http://schemas.microsoft.com/office/drawing/2014/main" id="{F160F062-DB37-F0CE-0930-D313103DAB13}"/>
-              </a:ext>
-            </a:extLst>
-          </p:cNvPr>
-          <p:cNvSpPr txBox="1">
-            <a:spLocks noGrp="1"/>
-          </p:cNvSpPr>
-          <p:nvPr>
-            <p:ph type="title"/>
-          </p:nvPr>
-        </p:nvSpPr>
-        <p:spPr>
-          <a:xfrm>
-            <a:off x="720000" y="539500"/>
-            <a:ext cx="7704000" cy="572700"/>
-          </a:xfrm>
-          <a:prstGeom prst="rect">
-            <a:avLst/>
-          </a:prstGeom>
-        </p:spPr>
-        <p:txBody>
-          <a:bodyPr spcFirstLastPara="1" wrap="square" lIns="91425" tIns="91425" rIns="91425" bIns="91425" anchor="t" anchorCtr="0">
-            <a:noAutofit/>
-          </a:bodyPr>
-          <a:lstStyle/>
-          <a:p>
-            <a:pPr lvl="0"/>
-            <a:r>
-              <a:rPr lang="es-ES" dirty="0"/>
-              <a:t>ENTENDIMIENTO DE DATOS</a:t>
-            </a:r>
-            <a:endParaRPr dirty="0"/>
-          </a:p>
-        </p:txBody>
-      </p:sp>
-      <p:sp>
-        <p:nvSpPr>
-          <p:cNvPr id="7" name="CuadroTexto 6">
-            <a:extLst>
-              <a:ext uri="{FF2B5EF4-FFF2-40B4-BE49-F238E27FC236}">
-                <a16:creationId xmlns:a16="http://schemas.microsoft.com/office/drawing/2014/main" id="{47FF6C25-282A-B6CB-A67C-33E161E8763F}"/>
-              </a:ext>
-            </a:extLst>
-          </p:cNvPr>
-          <p:cNvSpPr txBox="1"/>
-          <p:nvPr/>
-        </p:nvSpPr>
-        <p:spPr>
-          <a:xfrm>
-            <a:off x="720000" y="1269402"/>
-            <a:ext cx="7154598" cy="2462213"/>
-          </a:xfrm>
-          <a:prstGeom prst="rect">
-            <a:avLst/>
-          </a:prstGeom>
-          <a:noFill/>
-        </p:spPr>
-        <p:txBody>
-          <a:bodyPr wrap="square" rtlCol="0">
-            <a:spAutoFit/>
-          </a:bodyPr>
-          <a:lstStyle/>
-          <a:p>
-            <a:r>
-              <a:rPr lang="es-ES" dirty="0"/>
-              <a:t>La base de datos cuenta inicialmente con </a:t>
-            </a:r>
-            <a:r>
-              <a:rPr lang="es-ES" b="1" dirty="0"/>
-              <a:t>23 variables</a:t>
-            </a:r>
-            <a:r>
-              <a:rPr lang="es-ES" dirty="0"/>
-              <a:t>:</a:t>
-            </a:r>
-          </a:p>
-          <a:p>
-            <a:pPr marL="285750" indent="-285750">
-              <a:buFontTx/>
-              <a:buChar char="-"/>
-            </a:pPr>
-            <a:r>
-              <a:rPr lang="es-ES" b="1" dirty="0"/>
-              <a:t>12 numéricas</a:t>
-            </a:r>
-          </a:p>
-          <a:p>
-            <a:pPr marL="285750" indent="-285750">
-              <a:buFontTx/>
-              <a:buChar char="-"/>
-            </a:pPr>
-            <a:r>
-              <a:rPr lang="es-ES" b="1" dirty="0"/>
-              <a:t>11 categóricas</a:t>
-            </a:r>
-            <a:r>
-              <a:rPr lang="es-ES" dirty="0"/>
-              <a:t>, de las cuales:	</a:t>
-            </a:r>
-          </a:p>
-          <a:p>
-            <a:pPr lvl="1"/>
-            <a:r>
-              <a:rPr lang="es-ES" dirty="0"/>
-              <a:t>	- </a:t>
-            </a:r>
-            <a:r>
-              <a:rPr lang="es-ES" b="1" dirty="0"/>
-              <a:t>5 binarias</a:t>
-            </a:r>
-          </a:p>
-          <a:p>
-            <a:pPr lvl="1"/>
-            <a:r>
-              <a:rPr lang="es-ES" dirty="0"/>
-              <a:t>		- Una de ellas es la variable a predecir (</a:t>
-            </a:r>
-            <a:r>
-              <a:rPr lang="es-ES" dirty="0" err="1"/>
-              <a:t>Exited</a:t>
-            </a:r>
-            <a:r>
-              <a:rPr lang="es-ES" dirty="0"/>
-              <a:t>)</a:t>
-            </a:r>
-          </a:p>
-          <a:p>
-            <a:pPr lvl="1"/>
-            <a:r>
-              <a:rPr lang="es-ES" dirty="0"/>
-              <a:t>	- </a:t>
-            </a:r>
-            <a:r>
-              <a:rPr lang="es-ES" b="1" dirty="0"/>
-              <a:t>2 identificadoras </a:t>
-            </a:r>
-            <a:r>
-              <a:rPr lang="es-ES" dirty="0"/>
-              <a:t>(ID, </a:t>
-            </a:r>
-            <a:r>
-              <a:rPr lang="es-ES" dirty="0" err="1"/>
-              <a:t>Surname</a:t>
-            </a:r>
-            <a:r>
-              <a:rPr lang="es-ES" dirty="0"/>
-              <a:t>)</a:t>
-            </a:r>
-          </a:p>
-          <a:p>
-            <a:pPr lvl="1"/>
-            <a:endParaRPr lang="es-ES" dirty="0"/>
-          </a:p>
-          <a:p>
-            <a:pPr lvl="1"/>
-            <a:r>
-              <a:rPr lang="es-ES" dirty="0"/>
-              <a:t>En el siguiente enlace se incluye un </a:t>
-            </a:r>
-            <a:r>
-              <a:rPr lang="es-ES" dirty="0" err="1"/>
-              <a:t>Metadata</a:t>
-            </a:r>
-            <a:r>
-              <a:rPr lang="es-ES" dirty="0"/>
-              <a:t> más extenso donde se incluye información específica para cada variable (Nombre, tipología, rango, </a:t>
-            </a:r>
-            <a:r>
-              <a:rPr lang="es-ES" dirty="0" err="1"/>
-              <a:t>business</a:t>
-            </a:r>
-            <a:r>
-              <a:rPr lang="es-ES" dirty="0"/>
-              <a:t> </a:t>
-            </a:r>
-            <a:r>
-              <a:rPr lang="es-ES" dirty="0" err="1"/>
-              <a:t>category</a:t>
-            </a:r>
-            <a:r>
-              <a:rPr lang="es-ES" dirty="0"/>
-              <a:t> y una pequeña descripción de su significado)</a:t>
-            </a:r>
-            <a:r>
-              <a:rPr lang="es-ES" dirty="0">
-                <a:solidFill>
-                  <a:srgbClr val="0070C0"/>
-                </a:solidFill>
-              </a:rPr>
-              <a:t>: </a:t>
-            </a:r>
-            <a:r>
-              <a:rPr lang="es-ES" dirty="0" err="1">
-                <a:solidFill>
-                  <a:srgbClr val="0070C0"/>
-                </a:solidFill>
-                <a:hlinkClick r:id="rId3">
-                  <a:extLst>
-                    <a:ext uri="{A12FA001-AC4F-418D-AE19-62706E023703}">
-                      <ahyp:hlinkClr xmlns:ahyp="http://schemas.microsoft.com/office/drawing/2018/hyperlinkcolor" val="tx"/>
-                    </a:ext>
-                  </a:extLst>
-                </a:hlinkClick>
-              </a:rPr>
-              <a:t>Metadata</a:t>
-            </a:r>
-            <a:endParaRPr lang="es-ES" dirty="0">
-              <a:solidFill>
-                <a:srgbClr val="0070C0"/>
-              </a:solidFill>
-            </a:endParaRPr>
-          </a:p>
-          <a:p>
-            <a:pPr lvl="1"/>
-            <a:endParaRPr lang="es-ES" dirty="0"/>
-          </a:p>
-        </p:txBody>
-      </p:sp>
-      <p:sp>
-        <p:nvSpPr>
-          <p:cNvPr id="8" name="CuadroTexto 7">
-            <a:extLst>
-              <a:ext uri="{FF2B5EF4-FFF2-40B4-BE49-F238E27FC236}">
-                <a16:creationId xmlns:a16="http://schemas.microsoft.com/office/drawing/2014/main" id="{1007598B-E9E1-3C48-B750-DD200F51AA4F}"/>
-              </a:ext>
-            </a:extLst>
-          </p:cNvPr>
-          <p:cNvSpPr txBox="1"/>
-          <p:nvPr/>
-        </p:nvSpPr>
-        <p:spPr>
-          <a:xfrm>
-            <a:off x="817581" y="3861995"/>
-            <a:ext cx="6970955" cy="738664"/>
-          </a:xfrm>
-          <a:prstGeom prst="rect">
-            <a:avLst/>
-          </a:prstGeom>
-          <a:noFill/>
-        </p:spPr>
-        <p:txBody>
-          <a:bodyPr wrap="square" rtlCol="0">
-            <a:spAutoFit/>
-          </a:bodyPr>
-          <a:lstStyle/>
-          <a:p>
-            <a:pPr marL="285750" indent="-285750">
-              <a:buFont typeface="Wingdings" panose="05000000000000000000" pitchFamily="2" charset="2"/>
-              <a:buChar char="q"/>
-            </a:pPr>
-            <a:r>
-              <a:rPr lang="es-ES" b="1" i="1" dirty="0"/>
-              <a:t>Importante</a:t>
-            </a:r>
-            <a:r>
-              <a:rPr lang="es-ES" dirty="0"/>
-              <a:t>: Este es el </a:t>
-            </a:r>
-            <a:r>
-              <a:rPr lang="es-ES" dirty="0" err="1"/>
-              <a:t>Metadata</a:t>
-            </a:r>
-            <a:r>
-              <a:rPr lang="es-ES" dirty="0"/>
-              <a:t> propio del entendimiento de los datos. Es susceptible a cambios en etapas futuras del proyecto como en ingeniería de variables.</a:t>
-            </a:r>
-          </a:p>
-        </p:txBody>
-      </p:sp>
-    </p:spTree>
-    <p:extLst>
-      <p:ext uri="{BB962C8B-B14F-4D97-AF65-F5344CB8AC3E}">
-        <p14:creationId xmlns:p14="http://schemas.microsoft.com/office/powerpoint/2010/main" val="1878690447"/>
-      </p:ext>
-    </p:extLst>
-  </p:cSld>
-  <p:clrMapOvr>
-    <a:masterClrMapping/>
-  </p:clrMapOvr>
-</p:sld>
-</file>
-
-<file path=ppt/slides/slide4.xml><?xml version="1.0" encoding="utf-8"?>
 <p:sld xmlns:a="http://schemas.openxmlformats.org/drawingml/2006/main" xmlns:r="http://schemas.openxmlformats.org/officeDocument/2006/relationships" xmlns:p="http://schemas.openxmlformats.org/presentationml/2006/main">
   <p:cSld>
     <p:spTree>
@@ -22416,1448 +20978,7 @@
 </p:sld>
 </file>
 
-<file path=ppt/slides/slide5.xml><?xml version="1.0" encoding="utf-8"?>
-<p:sld xmlns:a="http://schemas.openxmlformats.org/drawingml/2006/main" xmlns:r="http://schemas.openxmlformats.org/officeDocument/2006/relationships" xmlns:p="http://schemas.openxmlformats.org/presentationml/2006/main">
-  <p:cSld>
-    <p:spTree>
-      <p:nvGrpSpPr>
-        <p:cNvPr id="1" name="Shape 620">
-          <a:extLst>
-            <a:ext uri="{FF2B5EF4-FFF2-40B4-BE49-F238E27FC236}">
-              <a16:creationId xmlns:a16="http://schemas.microsoft.com/office/drawing/2014/main" id="{1F0A1012-ECEC-8BC8-0063-D473929D3D2D}"/>
-            </a:ext>
-          </a:extLst>
-        </p:cNvPr>
-        <p:cNvGrpSpPr/>
-        <p:nvPr/>
-      </p:nvGrpSpPr>
-      <p:grpSpPr>
-        <a:xfrm>
-          <a:off x="0" y="0"/>
-          <a:ext cx="0" cy="0"/>
-          <a:chOff x="0" y="0"/>
-          <a:chExt cx="0" cy="0"/>
-        </a:xfrm>
-      </p:grpSpPr>
-      <p:sp>
-        <p:nvSpPr>
-          <p:cNvPr id="633" name="Google Shape;633;p34">
-            <a:extLst>
-              <a:ext uri="{FF2B5EF4-FFF2-40B4-BE49-F238E27FC236}">
-                <a16:creationId xmlns:a16="http://schemas.microsoft.com/office/drawing/2014/main" id="{7946C38A-D74B-A3C1-5985-7F4666994364}"/>
-              </a:ext>
-            </a:extLst>
-          </p:cNvPr>
-          <p:cNvSpPr txBox="1">
-            <a:spLocks noGrp="1"/>
-          </p:cNvSpPr>
-          <p:nvPr>
-            <p:ph type="title"/>
-          </p:nvPr>
-        </p:nvSpPr>
-        <p:spPr>
-          <a:xfrm>
-            <a:off x="720000" y="539500"/>
-            <a:ext cx="7704000" cy="572700"/>
-          </a:xfrm>
-          <a:prstGeom prst="rect">
-            <a:avLst/>
-          </a:prstGeom>
-        </p:spPr>
-        <p:txBody>
-          <a:bodyPr spcFirstLastPara="1" wrap="square" lIns="91425" tIns="91425" rIns="91425" bIns="91425" anchor="t" anchorCtr="0">
-            <a:noAutofit/>
-          </a:bodyPr>
-          <a:lstStyle/>
-          <a:p>
-            <a:pPr lvl="0"/>
-            <a:r>
-              <a:rPr lang="es-ES" dirty="0" err="1"/>
-              <a:t>Exploratory</a:t>
-            </a:r>
-            <a:r>
-              <a:rPr lang="es-ES" dirty="0"/>
-              <a:t> Data </a:t>
-            </a:r>
-            <a:r>
-              <a:rPr lang="es-ES" dirty="0" err="1"/>
-              <a:t>Analysis</a:t>
-            </a:r>
-            <a:r>
-              <a:rPr lang="es-ES" dirty="0"/>
-              <a:t> (EDA) 1/2</a:t>
-            </a:r>
-            <a:endParaRPr dirty="0"/>
-          </a:p>
-        </p:txBody>
-      </p:sp>
-      <p:pic>
-        <p:nvPicPr>
-          <p:cNvPr id="3" name="Imagen 2">
-            <a:extLst>
-              <a:ext uri="{FF2B5EF4-FFF2-40B4-BE49-F238E27FC236}">
-                <a16:creationId xmlns:a16="http://schemas.microsoft.com/office/drawing/2014/main" id="{1D516515-DA42-9655-BB01-518323B33C34}"/>
-              </a:ext>
-            </a:extLst>
-          </p:cNvPr>
-          <p:cNvPicPr>
-            <a:picLocks noChangeAspect="1"/>
-          </p:cNvPicPr>
-          <p:nvPr/>
-        </p:nvPicPr>
-        <p:blipFill>
-          <a:blip r:embed="rId3"/>
-          <a:stretch>
-            <a:fillRect/>
-          </a:stretch>
-        </p:blipFill>
-        <p:spPr>
-          <a:xfrm>
-            <a:off x="720000" y="1209851"/>
-            <a:ext cx="3369761" cy="1745784"/>
-          </a:xfrm>
-          <a:prstGeom prst="rect">
-            <a:avLst/>
-          </a:prstGeom>
-        </p:spPr>
-      </p:pic>
-      <p:sp>
-        <p:nvSpPr>
-          <p:cNvPr id="4" name="CuadroTexto 3">
-            <a:extLst>
-              <a:ext uri="{FF2B5EF4-FFF2-40B4-BE49-F238E27FC236}">
-                <a16:creationId xmlns:a16="http://schemas.microsoft.com/office/drawing/2014/main" id="{3A063028-BC82-FA0D-BF4A-CD1689F34D4C}"/>
-              </a:ext>
-            </a:extLst>
-          </p:cNvPr>
-          <p:cNvSpPr txBox="1"/>
-          <p:nvPr/>
-        </p:nvSpPr>
-        <p:spPr>
-          <a:xfrm>
-            <a:off x="4572000" y="1370384"/>
-            <a:ext cx="4227755" cy="1031051"/>
-          </a:xfrm>
-          <a:prstGeom prst="rect">
-            <a:avLst/>
-          </a:prstGeom>
-          <a:noFill/>
-        </p:spPr>
-        <p:txBody>
-          <a:bodyPr wrap="square" rtlCol="0">
-            <a:spAutoFit/>
-          </a:bodyPr>
-          <a:lstStyle/>
-          <a:p>
-            <a:r>
-              <a:rPr lang="en-GB" sz="1100" dirty="0"/>
-              <a:t>Entre las variables </a:t>
-            </a:r>
-            <a:r>
-              <a:rPr lang="en-GB" sz="1100" dirty="0" err="1"/>
-              <a:t>numéricas</a:t>
-            </a:r>
-            <a:r>
-              <a:rPr lang="en-GB" sz="1100" dirty="0"/>
-              <a:t> se </a:t>
-            </a:r>
-            <a:r>
-              <a:rPr lang="en-GB" sz="1100" dirty="0" err="1"/>
-              <a:t>han</a:t>
-            </a:r>
-            <a:r>
-              <a:rPr lang="en-GB" sz="1100" dirty="0"/>
-              <a:t> </a:t>
-            </a:r>
-            <a:r>
-              <a:rPr lang="en-GB" sz="1100" dirty="0" err="1"/>
-              <a:t>identificado</a:t>
-            </a:r>
-            <a:r>
-              <a:rPr lang="en-GB" sz="1100" dirty="0"/>
-              <a:t> </a:t>
-            </a:r>
-            <a:r>
-              <a:rPr lang="en-GB" sz="1100" dirty="0" err="1"/>
-              <a:t>correlaciones</a:t>
-            </a:r>
-            <a:r>
-              <a:rPr lang="en-GB" sz="1100" dirty="0"/>
-              <a:t> </a:t>
-            </a:r>
-            <a:r>
-              <a:rPr lang="en-GB" sz="1100" dirty="0" err="1"/>
-              <a:t>significativas</a:t>
-            </a:r>
-            <a:r>
-              <a:rPr lang="en-GB" sz="1100" dirty="0"/>
-              <a:t> entre</a:t>
-            </a:r>
-          </a:p>
-          <a:p>
-            <a:endParaRPr lang="en-GB" sz="1100" dirty="0"/>
-          </a:p>
-          <a:p>
-            <a:r>
-              <a:rPr lang="es-ES" b="1" dirty="0">
-                <a:solidFill>
-                  <a:srgbClr val="0070C0"/>
-                </a:solidFill>
-              </a:rPr>
-              <a:t>número de quejas – satisfacción (</a:t>
-            </a:r>
-            <a:r>
-              <a:rPr lang="en-GB" b="1" dirty="0">
-                <a:solidFill>
-                  <a:srgbClr val="0070C0"/>
-                </a:solidFill>
-              </a:rPr>
-              <a:t>r = -0.31)</a:t>
-            </a:r>
-            <a:endParaRPr lang="es-ES" b="1" dirty="0">
-              <a:solidFill>
-                <a:srgbClr val="0070C0"/>
-              </a:solidFill>
-            </a:endParaRPr>
-          </a:p>
-          <a:p>
-            <a:r>
-              <a:rPr lang="es-ES" b="1" dirty="0">
-                <a:solidFill>
-                  <a:srgbClr val="00B050"/>
-                </a:solidFill>
-              </a:rPr>
-              <a:t>número de productos – balance (r = -0.69)</a:t>
-            </a:r>
-            <a:endParaRPr lang="es-ES" dirty="0"/>
-          </a:p>
-        </p:txBody>
-      </p:sp>
-      <p:sp>
-        <p:nvSpPr>
-          <p:cNvPr id="9" name="CuadroTexto 8">
-            <a:extLst>
-              <a:ext uri="{FF2B5EF4-FFF2-40B4-BE49-F238E27FC236}">
-                <a16:creationId xmlns:a16="http://schemas.microsoft.com/office/drawing/2014/main" id="{DF775A01-8C66-64FB-3CC2-F9073BE005FF}"/>
-              </a:ext>
-            </a:extLst>
-          </p:cNvPr>
-          <p:cNvSpPr txBox="1"/>
-          <p:nvPr/>
-        </p:nvSpPr>
-        <p:spPr>
-          <a:xfrm>
-            <a:off x="4356845" y="3077091"/>
-            <a:ext cx="4628648" cy="1938992"/>
-          </a:xfrm>
-          <a:prstGeom prst="rect">
-            <a:avLst/>
-          </a:prstGeom>
-          <a:noFill/>
-        </p:spPr>
-        <p:txBody>
-          <a:bodyPr wrap="square" rtlCol="0">
-            <a:spAutoFit/>
-          </a:bodyPr>
-          <a:lstStyle/>
-          <a:p>
-            <a:r>
-              <a:rPr lang="es-ES" sz="1200" b="1" dirty="0"/>
-              <a:t>Respecto a un análisis bivariante, (</a:t>
-            </a:r>
-            <a:r>
-              <a:rPr lang="es-ES" sz="1200" b="1" dirty="0" err="1"/>
-              <a:t>Exited</a:t>
-            </a:r>
-            <a:r>
-              <a:rPr lang="es-ES" sz="1200" b="1" dirty="0"/>
-              <a:t> vs </a:t>
-            </a:r>
-            <a:r>
-              <a:rPr lang="es-ES" sz="1200" b="1" dirty="0" err="1"/>
-              <a:t>var.categóricas</a:t>
-            </a:r>
-            <a:r>
-              <a:rPr lang="es-ES" sz="1200" b="1" dirty="0"/>
-              <a:t>) </a:t>
-            </a:r>
-          </a:p>
-          <a:p>
-            <a:r>
-              <a:rPr lang="en-GB" sz="1200" dirty="0"/>
-              <a:t>Se </a:t>
-            </a:r>
-            <a:r>
-              <a:rPr lang="en-GB" sz="1200" dirty="0" err="1"/>
-              <a:t>han</a:t>
-            </a:r>
-            <a:r>
-              <a:rPr lang="en-GB" sz="1200" dirty="0"/>
-              <a:t> </a:t>
-            </a:r>
-            <a:r>
-              <a:rPr lang="en-GB" sz="1200" dirty="0" err="1"/>
-              <a:t>detectado</a:t>
-            </a:r>
-            <a:r>
-              <a:rPr lang="en-GB" sz="1200" dirty="0"/>
-              <a:t> </a:t>
-            </a:r>
-            <a:r>
-              <a:rPr lang="en-GB" sz="1200" dirty="0" err="1"/>
-              <a:t>diferencias</a:t>
-            </a:r>
-            <a:r>
-              <a:rPr lang="en-GB" sz="1200" dirty="0"/>
-              <a:t> </a:t>
-            </a:r>
-            <a:r>
-              <a:rPr lang="en-GB" sz="1200" dirty="0" err="1"/>
-              <a:t>proporcionales</a:t>
-            </a:r>
-            <a:r>
-              <a:rPr lang="en-GB" sz="1200" dirty="0"/>
-              <a:t>: </a:t>
-            </a:r>
-          </a:p>
-          <a:p>
-            <a:pPr marL="171450" indent="-171450">
-              <a:buFont typeface="Arial" panose="020B0604020202020204" pitchFamily="34" charset="0"/>
-              <a:buChar char="•"/>
-            </a:pPr>
-            <a:r>
-              <a:rPr lang="en-ES" altLang="en-ES" sz="1200" dirty="0">
-                <a:solidFill>
-                  <a:schemeClr val="tx1"/>
-                </a:solidFill>
-                <a:latin typeface="Arial" panose="020B0604020202020204" pitchFamily="34" charset="0"/>
-              </a:rPr>
-              <a:t>Geography </a:t>
-            </a:r>
-          </a:p>
-          <a:p>
-            <a:pPr marL="171450" indent="-171450">
-              <a:buFont typeface="Arial" panose="020B0604020202020204" pitchFamily="34" charset="0"/>
-              <a:buChar char="•"/>
-            </a:pPr>
-            <a:r>
-              <a:rPr lang="es-ES" sz="1200" dirty="0" err="1"/>
-              <a:t>Gender</a:t>
-            </a:r>
-            <a:endParaRPr lang="es-ES" sz="1200" dirty="0"/>
-          </a:p>
-          <a:p>
-            <a:pPr marL="171450" indent="-171450">
-              <a:buFont typeface="Arial" panose="020B0604020202020204" pitchFamily="34" charset="0"/>
-              <a:buChar char="•"/>
-            </a:pPr>
-            <a:r>
-              <a:rPr lang="es-ES" sz="1200" dirty="0" err="1"/>
-              <a:t>IsActiveMemeber</a:t>
-            </a:r>
-            <a:r>
-              <a:rPr lang="es-ES" sz="1200" dirty="0"/>
-              <a:t>         </a:t>
-            </a:r>
-          </a:p>
-          <a:p>
-            <a:r>
-              <a:rPr lang="es-ES" sz="1200" dirty="0"/>
-              <a:t> </a:t>
-            </a:r>
-          </a:p>
-          <a:p>
-            <a:r>
-              <a:rPr lang="es-ES" sz="1200" dirty="0"/>
-              <a:t>                 </a:t>
-            </a:r>
-            <a:r>
-              <a:rPr lang="es-ES" sz="1200" dirty="0" err="1"/>
-              <a:t>Corrovorar</a:t>
-            </a:r>
-            <a:r>
-              <a:rPr lang="es-ES" sz="1200" dirty="0"/>
-              <a:t> </a:t>
-            </a:r>
-            <a:r>
-              <a:rPr lang="es-ES" sz="1200" dirty="0" err="1"/>
-              <a:t>via</a:t>
-            </a:r>
-            <a:r>
-              <a:rPr lang="es-ES" sz="1200" dirty="0"/>
-              <a:t> </a:t>
-            </a:r>
-            <a:r>
-              <a:rPr lang="es-ES" sz="1200" b="1" i="1" dirty="0"/>
-              <a:t>Test estadísticos adecuados</a:t>
-            </a:r>
-          </a:p>
-          <a:p>
-            <a:endParaRPr lang="es-ES" sz="1200" dirty="0"/>
-          </a:p>
-          <a:p>
-            <a:endParaRPr lang="es-ES" sz="1200" dirty="0"/>
-          </a:p>
-          <a:p>
-            <a:endParaRPr lang="es-ES" sz="1200" dirty="0"/>
-          </a:p>
-        </p:txBody>
-      </p:sp>
-      <p:cxnSp>
-        <p:nvCxnSpPr>
-          <p:cNvPr id="5" name="Curved Connector 4">
-            <a:extLst>
-              <a:ext uri="{FF2B5EF4-FFF2-40B4-BE49-F238E27FC236}">
-                <a16:creationId xmlns:a16="http://schemas.microsoft.com/office/drawing/2014/main" id="{ACB4AEF4-7734-6E9C-EF8D-E044C2E4D183}"/>
-              </a:ext>
-            </a:extLst>
-          </p:cNvPr>
-          <p:cNvCxnSpPr/>
-          <p:nvPr/>
-        </p:nvCxnSpPr>
-        <p:spPr>
-          <a:xfrm>
-            <a:off x="2750288" y="1885507"/>
-            <a:ext cx="1906772" cy="155944"/>
-          </a:xfrm>
-          <a:prstGeom prst="curvedConnector3">
-            <a:avLst/>
-          </a:prstGeom>
-          <a:ln>
-            <a:tailEnd type="triangle"/>
-          </a:ln>
-        </p:spPr>
-        <p:style>
-          <a:lnRef idx="1">
-            <a:schemeClr val="accent1"/>
-          </a:lnRef>
-          <a:fillRef idx="0">
-            <a:schemeClr val="accent1"/>
-          </a:fillRef>
-          <a:effectRef idx="0">
-            <a:schemeClr val="accent1"/>
-          </a:effectRef>
-          <a:fontRef idx="minor">
-            <a:schemeClr val="tx1"/>
-          </a:fontRef>
-        </p:style>
-      </p:cxnSp>
-      <p:cxnSp>
-        <p:nvCxnSpPr>
-          <p:cNvPr id="10" name="Curved Connector 9">
-            <a:extLst>
-              <a:ext uri="{FF2B5EF4-FFF2-40B4-BE49-F238E27FC236}">
-                <a16:creationId xmlns:a16="http://schemas.microsoft.com/office/drawing/2014/main" id="{F7245195-70DF-C069-823F-B48FE94A48BB}"/>
-              </a:ext>
-            </a:extLst>
-          </p:cNvPr>
-          <p:cNvCxnSpPr/>
-          <p:nvPr/>
-        </p:nvCxnSpPr>
-        <p:spPr>
-          <a:xfrm flipV="1">
-            <a:off x="3629247" y="2232837"/>
-            <a:ext cx="1027813" cy="168598"/>
-          </a:xfrm>
-          <a:prstGeom prst="curvedConnector3">
-            <a:avLst/>
-          </a:prstGeom>
-          <a:ln>
-            <a:tailEnd type="triangle"/>
-          </a:ln>
-        </p:spPr>
-        <p:style>
-          <a:lnRef idx="1">
-            <a:schemeClr val="accent1"/>
-          </a:lnRef>
-          <a:fillRef idx="0">
-            <a:schemeClr val="accent1"/>
-          </a:fillRef>
-          <a:effectRef idx="0">
-            <a:schemeClr val="accent1"/>
-          </a:effectRef>
-          <a:fontRef idx="minor">
-            <a:schemeClr val="tx1"/>
-          </a:fontRef>
-        </p:style>
-      </p:cxnSp>
-      <p:pic>
-        <p:nvPicPr>
-          <p:cNvPr id="2" name="Imagen 4">
-            <a:extLst>
-              <a:ext uri="{FF2B5EF4-FFF2-40B4-BE49-F238E27FC236}">
-                <a16:creationId xmlns:a16="http://schemas.microsoft.com/office/drawing/2014/main" id="{B1173316-6AF7-67D0-107C-20CBA466E19B}"/>
-              </a:ext>
-            </a:extLst>
-          </p:cNvPr>
-          <p:cNvPicPr>
-            <a:picLocks noChangeAspect="1"/>
-          </p:cNvPicPr>
-          <p:nvPr/>
-        </p:nvPicPr>
-        <p:blipFill>
-          <a:blip r:embed="rId4"/>
-          <a:stretch>
-            <a:fillRect/>
-          </a:stretch>
-        </p:blipFill>
-        <p:spPr>
-          <a:xfrm>
-            <a:off x="341107" y="3174886"/>
-            <a:ext cx="1804845" cy="964034"/>
-          </a:xfrm>
-          <a:prstGeom prst="rect">
-            <a:avLst/>
-          </a:prstGeom>
-        </p:spPr>
-      </p:pic>
-      <p:pic>
-        <p:nvPicPr>
-          <p:cNvPr id="7" name="Imagen 9">
-            <a:extLst>
-              <a:ext uri="{FF2B5EF4-FFF2-40B4-BE49-F238E27FC236}">
-                <a16:creationId xmlns:a16="http://schemas.microsoft.com/office/drawing/2014/main" id="{E0ACC5E0-C09A-511E-E3EE-39E091D80290}"/>
-              </a:ext>
-            </a:extLst>
-          </p:cNvPr>
-          <p:cNvPicPr>
-            <a:picLocks noChangeAspect="1"/>
-          </p:cNvPicPr>
-          <p:nvPr/>
-        </p:nvPicPr>
-        <p:blipFill>
-          <a:blip r:embed="rId5"/>
-          <a:stretch>
-            <a:fillRect/>
-          </a:stretch>
-        </p:blipFill>
-        <p:spPr>
-          <a:xfrm>
-            <a:off x="2145952" y="3174886"/>
-            <a:ext cx="1853088" cy="964034"/>
-          </a:xfrm>
-          <a:prstGeom prst="rect">
-            <a:avLst/>
-          </a:prstGeom>
-        </p:spPr>
-      </p:pic>
-      <p:pic>
-        <p:nvPicPr>
-          <p:cNvPr id="12" name="Imagen 13">
-            <a:extLst>
-              <a:ext uri="{FF2B5EF4-FFF2-40B4-BE49-F238E27FC236}">
-                <a16:creationId xmlns:a16="http://schemas.microsoft.com/office/drawing/2014/main" id="{3C5C6799-154C-7AEC-6A8B-086B5E1D4CFB}"/>
-              </a:ext>
-            </a:extLst>
-          </p:cNvPr>
-          <p:cNvPicPr>
-            <a:picLocks noChangeAspect="1"/>
-          </p:cNvPicPr>
-          <p:nvPr/>
-        </p:nvPicPr>
-        <p:blipFill>
-          <a:blip r:embed="rId6"/>
-          <a:stretch>
-            <a:fillRect/>
-          </a:stretch>
-        </p:blipFill>
-        <p:spPr>
-          <a:xfrm>
-            <a:off x="1273962" y="4036329"/>
-            <a:ext cx="1857544" cy="981992"/>
-          </a:xfrm>
-          <a:prstGeom prst="rect">
-            <a:avLst/>
-          </a:prstGeom>
-        </p:spPr>
-      </p:pic>
-      <p:sp>
-        <p:nvSpPr>
-          <p:cNvPr id="15" name="Right Arrow 14">
-            <a:extLst>
-              <a:ext uri="{FF2B5EF4-FFF2-40B4-BE49-F238E27FC236}">
-                <a16:creationId xmlns:a16="http://schemas.microsoft.com/office/drawing/2014/main" id="{B4E95F88-065C-E7E8-A4BC-B72B44F1B180}"/>
-              </a:ext>
-            </a:extLst>
-          </p:cNvPr>
-          <p:cNvSpPr/>
-          <p:nvPr/>
-        </p:nvSpPr>
-        <p:spPr>
-          <a:xfrm>
-            <a:off x="4633632" y="4218586"/>
-            <a:ext cx="482009" cy="199435"/>
-          </a:xfrm>
-          <a:prstGeom prst="rightArrow">
-            <a:avLst/>
-          </a:prstGeom>
-        </p:spPr>
-        <p:style>
-          <a:lnRef idx="2">
-            <a:schemeClr val="accent1">
-              <a:shade val="15000"/>
-            </a:schemeClr>
-          </a:lnRef>
-          <a:fillRef idx="1">
-            <a:schemeClr val="accent1"/>
-          </a:fillRef>
-          <a:effectRef idx="0">
-            <a:schemeClr val="accent1"/>
-          </a:effectRef>
-          <a:fontRef idx="minor">
-            <a:schemeClr val="lt1"/>
-          </a:fontRef>
-        </p:style>
-        <p:txBody>
-          <a:bodyPr rtlCol="0" anchor="ctr"/>
-          <a:lstStyle/>
-          <a:p>
-            <a:pPr algn="ctr"/>
-            <a:endParaRPr lang="en-ES"/>
-          </a:p>
-        </p:txBody>
-      </p:sp>
-    </p:spTree>
-    <p:extLst>
-      <p:ext uri="{BB962C8B-B14F-4D97-AF65-F5344CB8AC3E}">
-        <p14:creationId xmlns:p14="http://schemas.microsoft.com/office/powerpoint/2010/main" val="1332014249"/>
-      </p:ext>
-    </p:extLst>
-  </p:cSld>
-  <p:clrMapOvr>
-    <a:masterClrMapping/>
-  </p:clrMapOvr>
-</p:sld>
-</file>
-
-<file path=ppt/slides/slide6.xml><?xml version="1.0" encoding="utf-8"?>
-<p:sld xmlns:a="http://schemas.openxmlformats.org/drawingml/2006/main" xmlns:r="http://schemas.openxmlformats.org/officeDocument/2006/relationships" xmlns:p="http://schemas.openxmlformats.org/presentationml/2006/main">
-  <p:cSld>
-    <p:spTree>
-      <p:nvGrpSpPr>
-        <p:cNvPr id="1" name="Shape 620">
-          <a:extLst>
-            <a:ext uri="{FF2B5EF4-FFF2-40B4-BE49-F238E27FC236}">
-              <a16:creationId xmlns:a16="http://schemas.microsoft.com/office/drawing/2014/main" id="{028C3B4C-E20E-20D4-B769-65E63C51F2F3}"/>
-            </a:ext>
-          </a:extLst>
-        </p:cNvPr>
-        <p:cNvGrpSpPr/>
-        <p:nvPr/>
-      </p:nvGrpSpPr>
-      <p:grpSpPr>
-        <a:xfrm>
-          <a:off x="0" y="0"/>
-          <a:ext cx="0" cy="0"/>
-          <a:chOff x="0" y="0"/>
-          <a:chExt cx="0" cy="0"/>
-        </a:xfrm>
-      </p:grpSpPr>
-      <p:sp>
-        <p:nvSpPr>
-          <p:cNvPr id="633" name="Google Shape;633;p34">
-            <a:extLst>
-              <a:ext uri="{FF2B5EF4-FFF2-40B4-BE49-F238E27FC236}">
-                <a16:creationId xmlns:a16="http://schemas.microsoft.com/office/drawing/2014/main" id="{356984D3-ED96-A90B-DBCF-B2F56FDAE2B4}"/>
-              </a:ext>
-            </a:extLst>
-          </p:cNvPr>
-          <p:cNvSpPr txBox="1">
-            <a:spLocks noGrp="1"/>
-          </p:cNvSpPr>
-          <p:nvPr>
-            <p:ph type="title"/>
-          </p:nvPr>
-        </p:nvSpPr>
-        <p:spPr>
-          <a:xfrm>
-            <a:off x="720000" y="539500"/>
-            <a:ext cx="7704000" cy="572700"/>
-          </a:xfrm>
-          <a:prstGeom prst="rect">
-            <a:avLst/>
-          </a:prstGeom>
-        </p:spPr>
-        <p:txBody>
-          <a:bodyPr spcFirstLastPara="1" wrap="square" lIns="91425" tIns="91425" rIns="91425" bIns="91425" anchor="t" anchorCtr="0">
-            <a:noAutofit/>
-          </a:bodyPr>
-          <a:lstStyle/>
-          <a:p>
-            <a:r>
-              <a:rPr lang="en-GB" dirty="0" err="1"/>
-              <a:t>Resultados</a:t>
-            </a:r>
-            <a:r>
-              <a:rPr lang="en-GB" dirty="0"/>
-              <a:t> Clave </a:t>
-            </a:r>
-            <a:r>
-              <a:rPr lang="es-ES" dirty="0"/>
-              <a:t>(EDA) 2/2</a:t>
-            </a:r>
-            <a:endParaRPr dirty="0"/>
-          </a:p>
-        </p:txBody>
-      </p:sp>
-      <p:pic>
-        <p:nvPicPr>
-          <p:cNvPr id="3" name="Imagen 2">
-            <a:extLst>
-              <a:ext uri="{FF2B5EF4-FFF2-40B4-BE49-F238E27FC236}">
-                <a16:creationId xmlns:a16="http://schemas.microsoft.com/office/drawing/2014/main" id="{F8B308B3-606D-5693-7118-602F333524E5}"/>
-              </a:ext>
-            </a:extLst>
-          </p:cNvPr>
-          <p:cNvPicPr>
-            <a:picLocks noChangeAspect="1"/>
-          </p:cNvPicPr>
-          <p:nvPr/>
-        </p:nvPicPr>
-        <p:blipFill>
-          <a:blip r:embed="rId3"/>
-          <a:stretch>
-            <a:fillRect/>
-          </a:stretch>
-        </p:blipFill>
-        <p:spPr>
-          <a:xfrm>
-            <a:off x="364108" y="1380864"/>
-            <a:ext cx="2045586" cy="1414690"/>
-          </a:xfrm>
-          <a:prstGeom prst="rect">
-            <a:avLst/>
-          </a:prstGeom>
-        </p:spPr>
-      </p:pic>
-      <p:pic>
-        <p:nvPicPr>
-          <p:cNvPr id="5" name="Imagen 4">
-            <a:extLst>
-              <a:ext uri="{FF2B5EF4-FFF2-40B4-BE49-F238E27FC236}">
-                <a16:creationId xmlns:a16="http://schemas.microsoft.com/office/drawing/2014/main" id="{178624F4-D358-A55A-7284-21B1DCA028A0}"/>
-              </a:ext>
-            </a:extLst>
-          </p:cNvPr>
-          <p:cNvPicPr>
-            <a:picLocks noChangeAspect="1"/>
-          </p:cNvPicPr>
-          <p:nvPr/>
-        </p:nvPicPr>
-        <p:blipFill>
-          <a:blip r:embed="rId4"/>
-          <a:stretch>
-            <a:fillRect/>
-          </a:stretch>
-        </p:blipFill>
-        <p:spPr>
-          <a:xfrm>
-            <a:off x="3734585" y="1441794"/>
-            <a:ext cx="2100969" cy="1414690"/>
-          </a:xfrm>
-          <a:prstGeom prst="rect">
-            <a:avLst/>
-          </a:prstGeom>
-        </p:spPr>
-      </p:pic>
-      <p:sp>
-        <p:nvSpPr>
-          <p:cNvPr id="6" name="CuadroTexto 5">
-            <a:extLst>
-              <a:ext uri="{FF2B5EF4-FFF2-40B4-BE49-F238E27FC236}">
-                <a16:creationId xmlns:a16="http://schemas.microsoft.com/office/drawing/2014/main" id="{BD19327A-FEC8-2546-D5CE-E67AF2C8E686}"/>
-              </a:ext>
-            </a:extLst>
-          </p:cNvPr>
-          <p:cNvSpPr txBox="1"/>
-          <p:nvPr/>
-        </p:nvSpPr>
-        <p:spPr>
-          <a:xfrm>
-            <a:off x="5865497" y="1044845"/>
-            <a:ext cx="2689411" cy="2462213"/>
-          </a:xfrm>
-          <a:prstGeom prst="rect">
-            <a:avLst/>
-          </a:prstGeom>
-          <a:solidFill>
-            <a:schemeClr val="lt1"/>
-          </a:solidFill>
-        </p:spPr>
-        <p:txBody>
-          <a:bodyPr wrap="square" lIns="90000" rtlCol="0">
-            <a:spAutoFit/>
-          </a:bodyPr>
-          <a:lstStyle/>
-          <a:p>
-            <a:r>
-              <a:rPr lang="en-GB" sz="1000" b="1" dirty="0" err="1"/>
-              <a:t>Segmentación</a:t>
-            </a:r>
-            <a:r>
-              <a:rPr lang="en-GB" sz="1000" b="1" dirty="0"/>
-              <a:t> </a:t>
-            </a:r>
-            <a:r>
-              <a:rPr lang="en-GB" sz="1000" b="1" dirty="0" err="1"/>
-              <a:t>Detectada</a:t>
-            </a:r>
-            <a:endParaRPr lang="en-GB" sz="1000" b="1" dirty="0"/>
-          </a:p>
-          <a:p>
-            <a:pPr marL="171450" indent="-171450">
-              <a:buFontTx/>
-              <a:buChar char="-"/>
-            </a:pPr>
-            <a:r>
-              <a:rPr lang="en-GB" sz="1000" dirty="0" err="1"/>
-              <a:t>Muestran</a:t>
-            </a:r>
-            <a:r>
-              <a:rPr lang="en-GB" sz="1000" dirty="0"/>
-              <a:t> </a:t>
-            </a:r>
-            <a:r>
-              <a:rPr lang="en-GB" sz="1000" dirty="0" err="1"/>
-              <a:t>patrones</a:t>
-            </a:r>
-            <a:r>
-              <a:rPr lang="en-GB" sz="1000" dirty="0"/>
-              <a:t> </a:t>
-            </a:r>
-            <a:r>
-              <a:rPr lang="en-GB" sz="1000" dirty="0" err="1"/>
-              <a:t>diferenciados</a:t>
-            </a:r>
-            <a:r>
-              <a:rPr lang="en-GB" sz="1000" dirty="0"/>
-              <a:t> </a:t>
-            </a:r>
-            <a:r>
-              <a:rPr lang="en-GB" sz="1000" dirty="0" err="1"/>
-              <a:t>según</a:t>
-            </a:r>
-            <a:r>
-              <a:rPr lang="en-GB" sz="1000" dirty="0"/>
-              <a:t> </a:t>
-            </a:r>
-            <a:r>
-              <a:rPr lang="en-GB" sz="1000" b="1" dirty="0"/>
-              <a:t>Exited</a:t>
-            </a:r>
-            <a:r>
-              <a:rPr lang="en-GB" sz="1000" dirty="0"/>
-              <a:t> → </a:t>
-            </a:r>
-            <a:r>
-              <a:rPr lang="en-GB" sz="1000" dirty="0" err="1"/>
-              <a:t>alta</a:t>
-            </a:r>
-            <a:r>
-              <a:rPr lang="en-GB" sz="1000" dirty="0"/>
-              <a:t> </a:t>
-            </a:r>
-            <a:r>
-              <a:rPr lang="en-GB" sz="1000" dirty="0" err="1"/>
-              <a:t>capacidad</a:t>
-            </a:r>
-            <a:r>
-              <a:rPr lang="en-GB" sz="1000" dirty="0"/>
-              <a:t> predictive</a:t>
-            </a:r>
-          </a:p>
-          <a:p>
-            <a:endParaRPr lang="en-GB" sz="1000" dirty="0"/>
-          </a:p>
-          <a:p>
-            <a:r>
-              <a:rPr lang="es-ES" sz="1000" b="1" dirty="0"/>
-              <a:t>Conclusión respecto bivariante</a:t>
-            </a:r>
-            <a:endParaRPr lang="es-ES" sz="1000" dirty="0"/>
-          </a:p>
-          <a:p>
-            <a:pPr marL="285750" indent="-285750">
-              <a:buFontTx/>
-              <a:buChar char="-"/>
-            </a:pPr>
-            <a:r>
-              <a:rPr lang="es-ES" sz="1000" dirty="0"/>
-              <a:t>Balance</a:t>
-            </a:r>
-          </a:p>
-          <a:p>
-            <a:pPr marL="285750" indent="-285750">
-              <a:buFontTx/>
-              <a:buChar char="-"/>
-            </a:pPr>
-            <a:r>
-              <a:rPr lang="es-ES" sz="1000" dirty="0"/>
-              <a:t>Age </a:t>
-            </a:r>
-          </a:p>
-          <a:p>
-            <a:pPr marL="285750" indent="-285750">
-              <a:buFontTx/>
-              <a:buChar char="-"/>
-            </a:pPr>
-            <a:r>
-              <a:rPr lang="es-ES" sz="1000" dirty="0" err="1"/>
-              <a:t>NumOfProducts</a:t>
-            </a:r>
-            <a:endParaRPr lang="es-ES" sz="1000" dirty="0"/>
-          </a:p>
-          <a:p>
-            <a:pPr marL="285750" indent="-285750">
-              <a:buFontTx/>
-              <a:buChar char="-"/>
-            </a:pPr>
-            <a:r>
-              <a:rPr lang="es-ES" sz="1000" dirty="0" err="1"/>
-              <a:t>CreditScore</a:t>
-            </a:r>
-            <a:endParaRPr lang="es-ES" sz="1000" dirty="0"/>
-          </a:p>
-          <a:p>
-            <a:endParaRPr lang="es-ES" sz="1000" dirty="0"/>
-          </a:p>
-          <a:p>
-            <a:r>
-              <a:rPr lang="es-ES" sz="1000" dirty="0"/>
-              <a:t>               </a:t>
-            </a:r>
-            <a:r>
-              <a:rPr lang="es-ES" sz="1000" b="1" i="1" dirty="0"/>
-              <a:t>Test estadísticos adecuados</a:t>
-            </a:r>
-            <a:endParaRPr lang="es-ES" sz="1000" dirty="0"/>
-          </a:p>
-          <a:p>
-            <a:endParaRPr lang="en-GB" sz="1000" dirty="0"/>
-          </a:p>
-          <a:p>
-            <a:endParaRPr lang="en-GB" sz="1000" dirty="0"/>
-          </a:p>
-          <a:p>
-            <a:endParaRPr lang="es-ES" dirty="0"/>
-          </a:p>
-        </p:txBody>
-      </p:sp>
-      <p:pic>
-        <p:nvPicPr>
-          <p:cNvPr id="8" name="Imagen 7">
-            <a:extLst>
-              <a:ext uri="{FF2B5EF4-FFF2-40B4-BE49-F238E27FC236}">
-                <a16:creationId xmlns:a16="http://schemas.microsoft.com/office/drawing/2014/main" id="{9914B39E-79EB-753D-3011-BFAAE635B912}"/>
-              </a:ext>
-            </a:extLst>
-          </p:cNvPr>
-          <p:cNvPicPr>
-            <a:picLocks noChangeAspect="1"/>
-          </p:cNvPicPr>
-          <p:nvPr/>
-        </p:nvPicPr>
-        <p:blipFill>
-          <a:blip r:embed="rId5"/>
-          <a:stretch>
-            <a:fillRect/>
-          </a:stretch>
-        </p:blipFill>
-        <p:spPr>
-          <a:xfrm>
-            <a:off x="519100" y="3398329"/>
-            <a:ext cx="1576073" cy="957106"/>
-          </a:xfrm>
-          <a:prstGeom prst="rect">
-            <a:avLst/>
-          </a:prstGeom>
-        </p:spPr>
-      </p:pic>
-      <p:pic>
-        <p:nvPicPr>
-          <p:cNvPr id="10" name="Imagen 9">
-            <a:extLst>
-              <a:ext uri="{FF2B5EF4-FFF2-40B4-BE49-F238E27FC236}">
-                <a16:creationId xmlns:a16="http://schemas.microsoft.com/office/drawing/2014/main" id="{7ADEFD04-076B-92BF-D182-BF801606BBEF}"/>
-              </a:ext>
-            </a:extLst>
-          </p:cNvPr>
-          <p:cNvPicPr>
-            <a:picLocks noChangeAspect="1"/>
-          </p:cNvPicPr>
-          <p:nvPr/>
-        </p:nvPicPr>
-        <p:blipFill>
-          <a:blip r:embed="rId6"/>
-          <a:stretch>
-            <a:fillRect/>
-          </a:stretch>
-        </p:blipFill>
-        <p:spPr>
-          <a:xfrm>
-            <a:off x="3958413" y="3398329"/>
-            <a:ext cx="1653314" cy="957106"/>
-          </a:xfrm>
-          <a:prstGeom prst="rect">
-            <a:avLst/>
-          </a:prstGeom>
-        </p:spPr>
-      </p:pic>
-      <p:sp>
-        <p:nvSpPr>
-          <p:cNvPr id="11" name="CuadroTexto 10">
-            <a:extLst>
-              <a:ext uri="{FF2B5EF4-FFF2-40B4-BE49-F238E27FC236}">
-                <a16:creationId xmlns:a16="http://schemas.microsoft.com/office/drawing/2014/main" id="{94A685DF-E20C-512D-21F4-4547D83672C6}"/>
-              </a:ext>
-            </a:extLst>
-          </p:cNvPr>
-          <p:cNvSpPr txBox="1"/>
-          <p:nvPr/>
-        </p:nvSpPr>
-        <p:spPr>
-          <a:xfrm>
-            <a:off x="5698820" y="3255768"/>
-            <a:ext cx="2926080" cy="1169551"/>
-          </a:xfrm>
-          <a:prstGeom prst="rect">
-            <a:avLst/>
-          </a:prstGeom>
-          <a:solidFill>
-            <a:schemeClr val="accent2"/>
-          </a:solidFill>
-        </p:spPr>
-        <p:txBody>
-          <a:bodyPr wrap="square" rtlCol="0">
-            <a:spAutoFit/>
-          </a:bodyPr>
-          <a:lstStyle/>
-          <a:p>
-            <a:r>
-              <a:rPr lang="en-GB" dirty="0" err="1"/>
-              <a:t>Algunas</a:t>
-            </a:r>
-            <a:r>
-              <a:rPr lang="en-GB" dirty="0"/>
-              <a:t> variables </a:t>
-            </a:r>
-            <a:r>
-              <a:rPr lang="en-GB" dirty="0" err="1"/>
-              <a:t>están</a:t>
-            </a:r>
-            <a:r>
-              <a:rPr lang="en-GB" dirty="0"/>
-              <a:t> </a:t>
-            </a:r>
-            <a:r>
-              <a:rPr lang="en-GB" dirty="0" err="1"/>
-              <a:t>relacionadas</a:t>
-            </a:r>
-            <a:r>
-              <a:rPr lang="en-GB" dirty="0"/>
-              <a:t> de forma artificial, </a:t>
-            </a:r>
-            <a:r>
-              <a:rPr lang="en-GB" dirty="0" err="1"/>
-              <a:t>ya</a:t>
-            </a:r>
-            <a:r>
-              <a:rPr lang="en-GB" dirty="0"/>
-              <a:t> </a:t>
-            </a:r>
-            <a:r>
-              <a:rPr lang="en-GB" dirty="0" err="1"/>
-              <a:t>que</a:t>
-            </a:r>
-            <a:r>
-              <a:rPr lang="en-GB" dirty="0"/>
-              <a:t> </a:t>
-            </a:r>
-            <a:r>
-              <a:rPr lang="en-GB" dirty="0" err="1"/>
-              <a:t>una</a:t>
-            </a:r>
-            <a:r>
-              <a:rPr lang="en-GB" dirty="0"/>
-              <a:t> </a:t>
-            </a:r>
-            <a:r>
-              <a:rPr lang="en-GB" dirty="0" err="1"/>
-              <a:t>deriva</a:t>
-            </a:r>
-            <a:r>
-              <a:rPr lang="en-GB" dirty="0"/>
-              <a:t> de </a:t>
-            </a:r>
-            <a:r>
-              <a:rPr lang="en-GB" dirty="0" err="1"/>
-              <a:t>otra</a:t>
-            </a:r>
-            <a:r>
-              <a:rPr lang="en-GB" dirty="0"/>
-              <a:t>; </a:t>
-            </a:r>
-            <a:r>
-              <a:rPr lang="en-GB" dirty="0" err="1"/>
-              <a:t>por</a:t>
-            </a:r>
-            <a:r>
-              <a:rPr lang="en-GB" dirty="0"/>
-              <a:t> </a:t>
-            </a:r>
-            <a:r>
-              <a:rPr lang="en-GB" dirty="0" err="1"/>
-              <a:t>ello</a:t>
-            </a:r>
-            <a:r>
-              <a:rPr lang="en-GB" dirty="0"/>
-              <a:t>, no </a:t>
-            </a:r>
-            <a:r>
-              <a:rPr lang="en-GB" dirty="0" err="1"/>
-              <a:t>pueden</a:t>
-            </a:r>
-            <a:r>
-              <a:rPr lang="en-GB" dirty="0"/>
-              <a:t> ser </a:t>
-            </a:r>
-            <a:r>
-              <a:rPr lang="en-GB" dirty="0" err="1"/>
-              <a:t>significativas</a:t>
-            </a:r>
-            <a:r>
-              <a:rPr lang="en-GB" dirty="0"/>
-              <a:t> al </a:t>
-            </a:r>
-            <a:r>
-              <a:rPr lang="en-GB" dirty="0" err="1"/>
-              <a:t>mismo</a:t>
-            </a:r>
-            <a:r>
-              <a:rPr lang="en-GB" dirty="0"/>
-              <a:t> </a:t>
-            </a:r>
-            <a:r>
-              <a:rPr lang="en-GB" dirty="0" err="1"/>
-              <a:t>tiempo</a:t>
-            </a:r>
-            <a:r>
-              <a:rPr lang="en-GB" dirty="0"/>
-              <a:t>.</a:t>
-            </a:r>
-            <a:endParaRPr lang="es-ES" dirty="0"/>
-          </a:p>
-        </p:txBody>
-      </p:sp>
-      <p:pic>
-        <p:nvPicPr>
-          <p:cNvPr id="13" name="Imagen 12">
-            <a:extLst>
-              <a:ext uri="{FF2B5EF4-FFF2-40B4-BE49-F238E27FC236}">
-                <a16:creationId xmlns:a16="http://schemas.microsoft.com/office/drawing/2014/main" id="{7AA491D9-67AC-2F66-8CF6-52562D3A93F9}"/>
-              </a:ext>
-            </a:extLst>
-          </p:cNvPr>
-          <p:cNvPicPr>
-            <a:picLocks noChangeAspect="1"/>
-          </p:cNvPicPr>
-          <p:nvPr/>
-        </p:nvPicPr>
-        <p:blipFill>
-          <a:blip r:embed="rId7"/>
-          <a:stretch>
-            <a:fillRect/>
-          </a:stretch>
-        </p:blipFill>
-        <p:spPr>
-          <a:xfrm>
-            <a:off x="2296072" y="3398329"/>
-            <a:ext cx="1531433" cy="905696"/>
-          </a:xfrm>
-          <a:prstGeom prst="rect">
-            <a:avLst/>
-          </a:prstGeom>
-        </p:spPr>
-      </p:pic>
-      <p:pic>
-        <p:nvPicPr>
-          <p:cNvPr id="4" name="Picture 3" descr="A black and white balance scale&#10;&#10;AI-generated content may be incorrect.">
-            <a:extLst>
-              <a:ext uri="{FF2B5EF4-FFF2-40B4-BE49-F238E27FC236}">
-                <a16:creationId xmlns:a16="http://schemas.microsoft.com/office/drawing/2014/main" id="{13D621EE-205B-D93E-166E-144881D0EA80}"/>
-              </a:ext>
-            </a:extLst>
-          </p:cNvPr>
-          <p:cNvPicPr>
-            <a:picLocks noChangeAspect="1"/>
-          </p:cNvPicPr>
-          <p:nvPr/>
-        </p:nvPicPr>
-        <p:blipFill>
-          <a:blip r:embed="rId8"/>
-          <a:stretch>
-            <a:fillRect/>
-          </a:stretch>
-        </p:blipFill>
-        <p:spPr>
-          <a:xfrm>
-            <a:off x="2632832" y="1622382"/>
-            <a:ext cx="933999" cy="905696"/>
-          </a:xfrm>
-          <a:prstGeom prst="rect">
-            <a:avLst/>
-          </a:prstGeom>
-        </p:spPr>
-      </p:pic>
-      <p:sp>
-        <p:nvSpPr>
-          <p:cNvPr id="7" name="TextBox 6">
-            <a:extLst>
-              <a:ext uri="{FF2B5EF4-FFF2-40B4-BE49-F238E27FC236}">
-                <a16:creationId xmlns:a16="http://schemas.microsoft.com/office/drawing/2014/main" id="{A655FD26-B982-87C5-DF06-3F532B7F2DC6}"/>
-              </a:ext>
-            </a:extLst>
-          </p:cNvPr>
-          <p:cNvSpPr txBox="1"/>
-          <p:nvPr/>
-        </p:nvSpPr>
-        <p:spPr>
-          <a:xfrm>
-            <a:off x="1907838" y="1138533"/>
-            <a:ext cx="2383986" cy="307777"/>
-          </a:xfrm>
-          <a:prstGeom prst="rect">
-            <a:avLst/>
-          </a:prstGeom>
-          <a:noFill/>
-        </p:spPr>
-        <p:txBody>
-          <a:bodyPr wrap="none" rtlCol="0">
-            <a:spAutoFit/>
-          </a:bodyPr>
-          <a:lstStyle/>
-          <a:p>
-            <a:r>
-              <a:rPr lang="en-GB" dirty="0"/>
-              <a:t>S</a:t>
-            </a:r>
-            <a:r>
-              <a:rPr lang="en-ES" dirty="0"/>
-              <a:t>eparación clara por Exited</a:t>
-            </a:r>
-          </a:p>
-        </p:txBody>
-      </p:sp>
-      <p:sp>
-        <p:nvSpPr>
-          <p:cNvPr id="9" name="TextBox 8">
-            <a:extLst>
-              <a:ext uri="{FF2B5EF4-FFF2-40B4-BE49-F238E27FC236}">
-                <a16:creationId xmlns:a16="http://schemas.microsoft.com/office/drawing/2014/main" id="{735269EF-2EBE-642D-98FA-E563E16D6C06}"/>
-              </a:ext>
-            </a:extLst>
-          </p:cNvPr>
-          <p:cNvSpPr txBox="1"/>
-          <p:nvPr/>
-        </p:nvSpPr>
-        <p:spPr>
-          <a:xfrm>
-            <a:off x="400911" y="4355435"/>
-            <a:ext cx="2908168" cy="307777"/>
-          </a:xfrm>
-          <a:prstGeom prst="rect">
-            <a:avLst/>
-          </a:prstGeom>
-          <a:noFill/>
-        </p:spPr>
-        <p:txBody>
-          <a:bodyPr wrap="none" rtlCol="0">
-            <a:spAutoFit/>
-          </a:bodyPr>
-          <a:lstStyle/>
-          <a:p>
-            <a:r>
-              <a:rPr lang="en-GB" b="1" dirty="0" err="1"/>
-              <a:t>MaritalStatus</a:t>
-            </a:r>
-            <a:r>
-              <a:rPr lang="en-GB" b="1" dirty="0"/>
-              <a:t> ↔ </a:t>
-            </a:r>
-            <a:r>
-              <a:rPr lang="en-GB" b="1" dirty="0" err="1"/>
-              <a:t>EducationLevel</a:t>
-            </a:r>
-            <a:endParaRPr lang="en-ES" dirty="0"/>
-          </a:p>
-        </p:txBody>
-      </p:sp>
-      <p:sp>
-        <p:nvSpPr>
-          <p:cNvPr id="12" name="TextBox 11">
-            <a:extLst>
-              <a:ext uri="{FF2B5EF4-FFF2-40B4-BE49-F238E27FC236}">
-                <a16:creationId xmlns:a16="http://schemas.microsoft.com/office/drawing/2014/main" id="{F60F9C31-DEE4-81DA-F297-2F845810FE30}"/>
-              </a:ext>
-            </a:extLst>
-          </p:cNvPr>
-          <p:cNvSpPr txBox="1"/>
-          <p:nvPr/>
-        </p:nvSpPr>
-        <p:spPr>
-          <a:xfrm>
-            <a:off x="379179" y="4691981"/>
-            <a:ext cx="3355406" cy="307777"/>
-          </a:xfrm>
-          <a:prstGeom prst="rect">
-            <a:avLst/>
-          </a:prstGeom>
-          <a:noFill/>
-        </p:spPr>
-        <p:txBody>
-          <a:bodyPr wrap="none" rtlCol="0">
-            <a:spAutoFit/>
-          </a:bodyPr>
-          <a:lstStyle/>
-          <a:p>
-            <a:r>
-              <a:rPr lang="en-GB" b="1" dirty="0" err="1"/>
-              <a:t>SavingsAccountFlag</a:t>
-            </a:r>
-            <a:r>
-              <a:rPr lang="en-GB" b="1" dirty="0"/>
-              <a:t> ↔ </a:t>
-            </a:r>
-            <a:r>
-              <a:rPr lang="en-GB" b="1" dirty="0" err="1"/>
-              <a:t>MaritalStatus</a:t>
-            </a:r>
-            <a:endParaRPr lang="en-ES" dirty="0"/>
-          </a:p>
-        </p:txBody>
-      </p:sp>
-      <p:sp>
-        <p:nvSpPr>
-          <p:cNvPr id="15" name="TextBox 14">
-            <a:extLst>
-              <a:ext uri="{FF2B5EF4-FFF2-40B4-BE49-F238E27FC236}">
-                <a16:creationId xmlns:a16="http://schemas.microsoft.com/office/drawing/2014/main" id="{77B2D105-8F00-228B-B13E-967360E901C0}"/>
-              </a:ext>
-            </a:extLst>
-          </p:cNvPr>
-          <p:cNvSpPr txBox="1"/>
-          <p:nvPr/>
-        </p:nvSpPr>
-        <p:spPr>
-          <a:xfrm>
-            <a:off x="3734585" y="4465408"/>
-            <a:ext cx="4572000" cy="307777"/>
-          </a:xfrm>
-          <a:prstGeom prst="rect">
-            <a:avLst/>
-          </a:prstGeom>
-          <a:noFill/>
-        </p:spPr>
-        <p:txBody>
-          <a:bodyPr wrap="square">
-            <a:spAutoFit/>
-          </a:bodyPr>
-          <a:lstStyle/>
-          <a:p>
-            <a:r>
-              <a:rPr lang="en-GB" b="1" i="0" dirty="0" err="1">
-                <a:solidFill>
-                  <a:srgbClr val="030712"/>
-                </a:solidFill>
-                <a:effectLst/>
-                <a:latin typeface="ui-sans-serif"/>
-              </a:rPr>
-              <a:t>MaritalStatus</a:t>
-            </a:r>
-            <a:r>
-              <a:rPr lang="en-GB" b="1" i="0" dirty="0">
-                <a:solidFill>
-                  <a:srgbClr val="030712"/>
-                </a:solidFill>
-                <a:effectLst/>
-                <a:latin typeface="ui-sans-serif"/>
-              </a:rPr>
-              <a:t> ↔ </a:t>
-            </a:r>
-            <a:r>
-              <a:rPr lang="en-GB" b="1" i="0" dirty="0" err="1">
-                <a:solidFill>
-                  <a:srgbClr val="030712"/>
-                </a:solidFill>
-                <a:effectLst/>
-                <a:latin typeface="ui-sans-serif"/>
-              </a:rPr>
-              <a:t>CustomerSegment</a:t>
-            </a:r>
-            <a:endParaRPr lang="en-ES" dirty="0"/>
-          </a:p>
-        </p:txBody>
-      </p:sp>
-      <p:sp>
-        <p:nvSpPr>
-          <p:cNvPr id="2" name="Right Arrow 1">
-            <a:extLst>
-              <a:ext uri="{FF2B5EF4-FFF2-40B4-BE49-F238E27FC236}">
-                <a16:creationId xmlns:a16="http://schemas.microsoft.com/office/drawing/2014/main" id="{ECF9AD90-B841-1332-2A25-B79D688CC163}"/>
-              </a:ext>
-            </a:extLst>
-          </p:cNvPr>
-          <p:cNvSpPr/>
-          <p:nvPr/>
-        </p:nvSpPr>
-        <p:spPr>
-          <a:xfrm>
-            <a:off x="5865497" y="2909338"/>
-            <a:ext cx="482009" cy="199435"/>
-          </a:xfrm>
-          <a:prstGeom prst="rightArrow">
-            <a:avLst/>
-          </a:prstGeom>
-        </p:spPr>
-        <p:style>
-          <a:lnRef idx="2">
-            <a:schemeClr val="accent1">
-              <a:shade val="15000"/>
-            </a:schemeClr>
-          </a:lnRef>
-          <a:fillRef idx="1">
-            <a:schemeClr val="accent1"/>
-          </a:fillRef>
-          <a:effectRef idx="0">
-            <a:schemeClr val="accent1"/>
-          </a:effectRef>
-          <a:fontRef idx="minor">
-            <a:schemeClr val="lt1"/>
-          </a:fontRef>
-        </p:style>
-        <p:txBody>
-          <a:bodyPr rtlCol="0" anchor="ctr"/>
-          <a:lstStyle/>
-          <a:p>
-            <a:pPr algn="ctr"/>
-            <a:endParaRPr lang="en-ES"/>
-          </a:p>
-        </p:txBody>
-      </p:sp>
-    </p:spTree>
-    <p:extLst>
-      <p:ext uri="{BB962C8B-B14F-4D97-AF65-F5344CB8AC3E}">
-        <p14:creationId xmlns:p14="http://schemas.microsoft.com/office/powerpoint/2010/main" val="1461310694"/>
-      </p:ext>
-    </p:extLst>
-  </p:cSld>
-  <p:clrMapOvr>
-    <a:masterClrMapping/>
-  </p:clrMapOvr>
-</p:sld>
-</file>
-
-<file path=ppt/slides/slide7.xml><?xml version="1.0" encoding="utf-8"?>
+<file path=ppt/slides/slide4.xml><?xml version="1.0" encoding="utf-8"?>
 <p:sld xmlns:a="http://schemas.openxmlformats.org/drawingml/2006/main" xmlns:r="http://schemas.openxmlformats.org/officeDocument/2006/relationships" xmlns:p="http://schemas.openxmlformats.org/presentationml/2006/main">
   <p:cSld>
     <p:spTree>
@@ -24714,7 +21835,7 @@
 </p:sld>
 </file>
 
-<file path=ppt/slides/slide8.xml><?xml version="1.0" encoding="utf-8"?>
+<file path=ppt/slides/slide5.xml><?xml version="1.0" encoding="utf-8"?>
 <p:sld xmlns:a="http://schemas.openxmlformats.org/drawingml/2006/main" xmlns:r="http://schemas.openxmlformats.org/officeDocument/2006/relationships" xmlns:p="http://schemas.openxmlformats.org/presentationml/2006/main">
   <p:cSld>
     <p:spTree>
@@ -25804,7 +22925,7 @@
 </p:sld>
 </file>
 
-<file path=ppt/slides/slide9.xml><?xml version="1.0" encoding="utf-8"?>
+<file path=ppt/slides/slide6.xml><?xml version="1.0" encoding="utf-8"?>
 <p:sld xmlns:a="http://schemas.openxmlformats.org/drawingml/2006/main" xmlns:r="http://schemas.openxmlformats.org/officeDocument/2006/relationships" xmlns:p="http://schemas.openxmlformats.org/presentationml/2006/main">
   <p:cSld>
     <p:spTree>
@@ -26439,6 +23560,1840 @@
     <p:extLst>
       <p:ext uri="{BB962C8B-B14F-4D97-AF65-F5344CB8AC3E}">
         <p14:creationId xmlns:p14="http://schemas.microsoft.com/office/powerpoint/2010/main" val="96848898"/>
+      </p:ext>
+    </p:extLst>
+  </p:cSld>
+  <p:clrMapOvr>
+    <a:masterClrMapping/>
+  </p:clrMapOvr>
+</p:sld>
+</file>
+
+<file path=ppt/slides/slide7.xml><?xml version="1.0" encoding="utf-8"?>
+<p:sld xmlns:a="http://schemas.openxmlformats.org/drawingml/2006/main" xmlns:r="http://schemas.openxmlformats.org/officeDocument/2006/relationships" xmlns:p="http://schemas.openxmlformats.org/presentationml/2006/main">
+  <p:cSld>
+    <p:spTree>
+      <p:nvGrpSpPr>
+        <p:cNvPr id="1" name="Shape 620">
+          <a:extLst>
+            <a:ext uri="{FF2B5EF4-FFF2-40B4-BE49-F238E27FC236}">
+              <a16:creationId xmlns:a16="http://schemas.microsoft.com/office/drawing/2014/main" id="{8F746EDE-812E-12F3-8943-6A28A8B3A8D9}"/>
+            </a:ext>
+          </a:extLst>
+        </p:cNvPr>
+        <p:cNvGrpSpPr/>
+        <p:nvPr/>
+      </p:nvGrpSpPr>
+      <p:grpSpPr>
+        <a:xfrm>
+          <a:off x="0" y="0"/>
+          <a:ext cx="0" cy="0"/>
+          <a:chOff x="0" y="0"/>
+          <a:chExt cx="0" cy="0"/>
+        </a:xfrm>
+      </p:grpSpPr>
+      <p:sp>
+        <p:nvSpPr>
+          <p:cNvPr id="2" name="Google Shape;633;p34">
+            <a:extLst>
+              <a:ext uri="{FF2B5EF4-FFF2-40B4-BE49-F238E27FC236}">
+                <a16:creationId xmlns:a16="http://schemas.microsoft.com/office/drawing/2014/main" id="{D604109C-7A83-7410-C1FE-F6FB65CB1BAD}"/>
+              </a:ext>
+            </a:extLst>
+          </p:cNvPr>
+          <p:cNvSpPr txBox="1">
+            <a:spLocks noGrp="1"/>
+          </p:cNvSpPr>
+          <p:nvPr>
+            <p:ph type="title"/>
+          </p:nvPr>
+        </p:nvSpPr>
+        <p:spPr>
+          <a:xfrm>
+            <a:off x="720725" y="428526"/>
+            <a:ext cx="7702550" cy="573088"/>
+          </a:xfrm>
+          <a:prstGeom prst="rect">
+            <a:avLst/>
+          </a:prstGeom>
+        </p:spPr>
+        <p:txBody>
+          <a:bodyPr spcFirstLastPara="1" wrap="square" lIns="91425" tIns="91425" rIns="91425" bIns="91425" anchor="t" anchorCtr="0">
+            <a:noAutofit/>
+          </a:bodyPr>
+          <a:lstStyle/>
+          <a:p>
+            <a:pPr lvl="0"/>
+            <a:r>
+              <a:rPr lang="es-ES" sz="2400" dirty="0"/>
+              <a:t>Ingeniería de Variables 2/2: selección</a:t>
+            </a:r>
+            <a:endParaRPr sz="2400" dirty="0"/>
+          </a:p>
+        </p:txBody>
+      </p:sp>
+      <p:sp>
+        <p:nvSpPr>
+          <p:cNvPr id="3" name="CuadroTexto 2">
+            <a:extLst>
+              <a:ext uri="{FF2B5EF4-FFF2-40B4-BE49-F238E27FC236}">
+                <a16:creationId xmlns:a16="http://schemas.microsoft.com/office/drawing/2014/main" id="{3F0E4919-B4FB-64E2-AEFB-C557656BB033}"/>
+              </a:ext>
+            </a:extLst>
+          </p:cNvPr>
+          <p:cNvSpPr txBox="1"/>
+          <p:nvPr/>
+        </p:nvSpPr>
+        <p:spPr>
+          <a:xfrm>
+            <a:off x="2117102" y="1253058"/>
+            <a:ext cx="7702550" cy="1384995"/>
+          </a:xfrm>
+          <a:prstGeom prst="rect">
+            <a:avLst/>
+          </a:prstGeom>
+          <a:noFill/>
+        </p:spPr>
+        <p:txBody>
+          <a:bodyPr wrap="square" rtlCol="0">
+            <a:spAutoFit/>
+          </a:bodyPr>
+          <a:lstStyle/>
+          <a:p>
+            <a:endParaRPr lang="es-ES" sz="1200" dirty="0"/>
+          </a:p>
+          <a:p>
+            <a:endParaRPr lang="es-ES" sz="1200" dirty="0"/>
+          </a:p>
+          <a:p>
+            <a:pPr marL="171450" indent="-171450">
+              <a:buFont typeface="Arial" panose="020B0604020202020204" pitchFamily="34" charset="0"/>
+              <a:buChar char="•"/>
+            </a:pPr>
+            <a:r>
+              <a:rPr lang="es-ES" sz="1200" dirty="0"/>
+              <a:t>Variables numéricas: Test de mediana</a:t>
+            </a:r>
+          </a:p>
+          <a:p>
+            <a:pPr marL="171450" indent="-171450">
+              <a:buFont typeface="Arial" panose="020B0604020202020204" pitchFamily="34" charset="0"/>
+              <a:buChar char="•"/>
+            </a:pPr>
+            <a:r>
+              <a:rPr lang="es-ES" sz="1200" dirty="0"/>
+              <a:t>Variables categóricas: Test de Chi-cuadrado</a:t>
+            </a:r>
+          </a:p>
+          <a:p>
+            <a:endParaRPr lang="es-ES" sz="1200" dirty="0"/>
+          </a:p>
+          <a:p>
+            <a:r>
+              <a:rPr lang="es-ES" sz="1200" dirty="0"/>
+              <a:t>Las variables con un p-valor inferior a 0.05 han sido las siguientes:</a:t>
+            </a:r>
+          </a:p>
+          <a:p>
+            <a:endParaRPr lang="es-ES" sz="1200" dirty="0"/>
+          </a:p>
+        </p:txBody>
+      </p:sp>
+      <p:pic>
+        <p:nvPicPr>
+          <p:cNvPr id="7" name="Imagen 6">
+            <a:extLst>
+              <a:ext uri="{FF2B5EF4-FFF2-40B4-BE49-F238E27FC236}">
+                <a16:creationId xmlns:a16="http://schemas.microsoft.com/office/drawing/2014/main" id="{9B9E24F2-CFA5-8337-CB06-8FA0C27089D4}"/>
+              </a:ext>
+            </a:extLst>
+          </p:cNvPr>
+          <p:cNvPicPr>
+            <a:picLocks noChangeAspect="1"/>
+          </p:cNvPicPr>
+          <p:nvPr/>
+        </p:nvPicPr>
+        <p:blipFill>
+          <a:blip r:embed="rId3"/>
+          <a:stretch>
+            <a:fillRect/>
+          </a:stretch>
+        </p:blipFill>
+        <p:spPr>
+          <a:xfrm>
+            <a:off x="2119997" y="2510828"/>
+            <a:ext cx="4594061" cy="1418710"/>
+          </a:xfrm>
+          <a:prstGeom prst="rect">
+            <a:avLst/>
+          </a:prstGeom>
+        </p:spPr>
+      </p:pic>
+      <p:sp>
+        <p:nvSpPr>
+          <p:cNvPr id="8" name="CuadroTexto 7">
+            <a:extLst>
+              <a:ext uri="{FF2B5EF4-FFF2-40B4-BE49-F238E27FC236}">
+                <a16:creationId xmlns:a16="http://schemas.microsoft.com/office/drawing/2014/main" id="{D0841C18-B399-C215-D4D4-8610F482EDA2}"/>
+              </a:ext>
+            </a:extLst>
+          </p:cNvPr>
+          <p:cNvSpPr txBox="1"/>
+          <p:nvPr/>
+        </p:nvSpPr>
+        <p:spPr>
+          <a:xfrm>
+            <a:off x="408790" y="4046018"/>
+            <a:ext cx="8178017" cy="461665"/>
+          </a:xfrm>
+          <a:prstGeom prst="rect">
+            <a:avLst/>
+          </a:prstGeom>
+          <a:noFill/>
+        </p:spPr>
+        <p:txBody>
+          <a:bodyPr wrap="square" rtlCol="0">
+            <a:spAutoFit/>
+          </a:bodyPr>
+          <a:lstStyle/>
+          <a:p>
+            <a:pPr marL="171450" indent="-171450">
+              <a:buFont typeface="Arial" panose="020B0604020202020204" pitchFamily="34" charset="0"/>
+              <a:buChar char="•"/>
+              <a:defRPr sz="1600">
+                <a:latin typeface="Arial"/>
+              </a:defRPr>
+            </a:pPr>
+            <a:r>
+              <a:rPr lang="en-GB" sz="1200" dirty="0"/>
+              <a:t>Las variables </a:t>
+            </a:r>
+            <a:r>
+              <a:rPr lang="en-GB" sz="1200" b="1" dirty="0" err="1"/>
+              <a:t>EstimatedSalary</a:t>
+            </a:r>
+            <a:r>
+              <a:rPr lang="en-GB" sz="1200" b="1" dirty="0"/>
+              <a:t> y </a:t>
+            </a:r>
+            <a:r>
+              <a:rPr lang="en-GB" sz="1200" b="1" dirty="0" err="1"/>
+              <a:t>CreditScore</a:t>
+            </a:r>
+            <a:r>
+              <a:rPr lang="en-GB" sz="1200" b="1" dirty="0"/>
+              <a:t>         </a:t>
+            </a:r>
+            <a:r>
+              <a:rPr lang="en-GB" sz="1200" dirty="0"/>
+              <a:t>p-</a:t>
+            </a:r>
+            <a:r>
+              <a:rPr lang="en-GB" sz="1200" dirty="0" err="1"/>
+              <a:t>valores</a:t>
+            </a:r>
+            <a:r>
+              <a:rPr lang="en-GB" sz="1200" dirty="0"/>
+              <a:t> </a:t>
+            </a:r>
+            <a:r>
+              <a:rPr lang="en-GB" sz="1200" dirty="0" err="1"/>
+              <a:t>cercanos</a:t>
+            </a:r>
+            <a:r>
+              <a:rPr lang="en-GB" sz="1200" dirty="0"/>
+              <a:t> a 0.05 antes de la </a:t>
+            </a:r>
+            <a:r>
+              <a:rPr lang="en-GB" sz="1200" dirty="0" err="1"/>
+              <a:t>imputación</a:t>
+            </a:r>
+            <a:r>
+              <a:rPr lang="en-GB" sz="1200" dirty="0"/>
+              <a:t> de NA.</a:t>
+            </a:r>
+          </a:p>
+          <a:p>
+            <a:pPr marL="171450" indent="-171450">
+              <a:buFont typeface="Arial" panose="020B0604020202020204" pitchFamily="34" charset="0"/>
+              <a:buChar char="•"/>
+              <a:defRPr sz="1600">
+                <a:latin typeface="Arial"/>
+              </a:defRPr>
+            </a:pPr>
+            <a:r>
+              <a:rPr lang="en-GB" sz="1200" dirty="0"/>
+              <a:t>Se </a:t>
+            </a:r>
+            <a:r>
+              <a:rPr lang="en-GB" sz="1200" dirty="0" err="1"/>
+              <a:t>probará</a:t>
+            </a:r>
+            <a:r>
+              <a:rPr lang="en-GB" sz="1200" dirty="0"/>
+              <a:t> </a:t>
+            </a:r>
+            <a:r>
+              <a:rPr lang="en-GB" sz="1200" dirty="0" err="1"/>
+              <a:t>el</a:t>
+            </a:r>
+            <a:r>
+              <a:rPr lang="en-GB" sz="1200" dirty="0"/>
+              <a:t> </a:t>
+            </a:r>
+            <a:r>
+              <a:rPr lang="en-GB" sz="1200" dirty="0" err="1"/>
+              <a:t>modelo</a:t>
+            </a:r>
+            <a:r>
+              <a:rPr lang="en-GB" sz="1200" dirty="0"/>
+              <a:t> con y sin </a:t>
+            </a:r>
+            <a:r>
+              <a:rPr lang="en-GB" sz="1200" dirty="0" err="1"/>
+              <a:t>estas</a:t>
+            </a:r>
+            <a:r>
+              <a:rPr lang="en-GB" sz="1200" dirty="0"/>
+              <a:t> dos variables para </a:t>
+            </a:r>
+            <a:r>
+              <a:rPr lang="en-GB" sz="1200" dirty="0" err="1"/>
+              <a:t>verificar</a:t>
+            </a:r>
+            <a:r>
+              <a:rPr lang="en-GB" sz="1200" dirty="0"/>
+              <a:t> </a:t>
+            </a:r>
+            <a:r>
+              <a:rPr lang="en-GB" sz="1200" b="1" dirty="0" err="1"/>
+              <a:t>diferencias</a:t>
+            </a:r>
+            <a:r>
+              <a:rPr lang="en-GB" sz="1200" b="1" dirty="0"/>
+              <a:t> </a:t>
+            </a:r>
+            <a:r>
+              <a:rPr lang="en-GB" sz="1200" b="1" dirty="0" err="1"/>
+              <a:t>en</a:t>
+            </a:r>
+            <a:r>
+              <a:rPr lang="en-GB" sz="1200" b="1" dirty="0"/>
+              <a:t> </a:t>
+            </a:r>
+            <a:r>
+              <a:rPr lang="en-GB" sz="1200" b="1" dirty="0" err="1"/>
+              <a:t>los</a:t>
+            </a:r>
+            <a:r>
+              <a:rPr lang="en-GB" sz="1200" b="1" dirty="0"/>
+              <a:t> </a:t>
+            </a:r>
+            <a:r>
+              <a:rPr lang="en-GB" sz="1200" b="1" dirty="0" err="1"/>
+              <a:t>resultados</a:t>
+            </a:r>
+            <a:r>
+              <a:rPr lang="en-GB" sz="1200" b="1" dirty="0"/>
+              <a:t>.</a:t>
+            </a:r>
+          </a:p>
+        </p:txBody>
+      </p:sp>
+      <p:sp>
+        <p:nvSpPr>
+          <p:cNvPr id="4" name="Rounded Rectangle 3">
+            <a:extLst>
+              <a:ext uri="{FF2B5EF4-FFF2-40B4-BE49-F238E27FC236}">
+                <a16:creationId xmlns:a16="http://schemas.microsoft.com/office/drawing/2014/main" id="{03BE575D-59C2-5DAF-AF57-D94F96FCACDD}"/>
+              </a:ext>
+            </a:extLst>
+          </p:cNvPr>
+          <p:cNvSpPr/>
+          <p:nvPr/>
+        </p:nvSpPr>
+        <p:spPr>
+          <a:xfrm>
+            <a:off x="817297" y="964666"/>
+            <a:ext cx="7025864" cy="433465"/>
+          </a:xfrm>
+          <a:prstGeom prst="roundRect">
+            <a:avLst/>
+          </a:prstGeom>
+        </p:spPr>
+        <p:style>
+          <a:lnRef idx="2">
+            <a:schemeClr val="accent1">
+              <a:shade val="15000"/>
+            </a:schemeClr>
+          </a:lnRef>
+          <a:fillRef idx="1">
+            <a:schemeClr val="accent1"/>
+          </a:fillRef>
+          <a:effectRef idx="0">
+            <a:schemeClr val="accent1"/>
+          </a:effectRef>
+          <a:fontRef idx="minor">
+            <a:schemeClr val="lt1"/>
+          </a:fontRef>
+        </p:style>
+        <p:txBody>
+          <a:bodyPr rtlCol="0" anchor="ctr"/>
+          <a:lstStyle/>
+          <a:p>
+            <a:pPr algn="ctr"/>
+            <a:r>
+              <a:rPr lang="es-ES" sz="1100" dirty="0"/>
+              <a:t>Sobre la base de datos imputada y transformada se realizaron </a:t>
+            </a:r>
+            <a:r>
+              <a:rPr lang="es-ES" sz="1100" dirty="0" err="1"/>
+              <a:t>tests</a:t>
+            </a:r>
+            <a:r>
+              <a:rPr lang="es-ES" sz="1100" dirty="0"/>
+              <a:t> de significancia para determinar qué variables son importantes para describir el comportamiento de la variable </a:t>
+            </a:r>
+            <a:r>
+              <a:rPr lang="es-ES" sz="1100" dirty="0" err="1"/>
+              <a:t>Exited</a:t>
+            </a:r>
+            <a:endParaRPr lang="en-ES" sz="1100" dirty="0"/>
+          </a:p>
+        </p:txBody>
+      </p:sp>
+      <p:cxnSp>
+        <p:nvCxnSpPr>
+          <p:cNvPr id="6" name="Straight Arrow Connector 5">
+            <a:extLst>
+              <a:ext uri="{FF2B5EF4-FFF2-40B4-BE49-F238E27FC236}">
+                <a16:creationId xmlns:a16="http://schemas.microsoft.com/office/drawing/2014/main" id="{17579261-50D2-BE0C-93D4-173148A6DD48}"/>
+              </a:ext>
+            </a:extLst>
+          </p:cNvPr>
+          <p:cNvCxnSpPr/>
+          <p:nvPr/>
+        </p:nvCxnSpPr>
+        <p:spPr>
+          <a:xfrm>
+            <a:off x="3876085" y="4046018"/>
+            <a:ext cx="210393" cy="0"/>
+          </a:xfrm>
+          <a:prstGeom prst="straightConnector1">
+            <a:avLst/>
+          </a:prstGeom>
+          <a:ln>
+            <a:tailEnd type="triangle"/>
+          </a:ln>
+        </p:spPr>
+        <p:style>
+          <a:lnRef idx="1">
+            <a:schemeClr val="accent1"/>
+          </a:lnRef>
+          <a:fillRef idx="0">
+            <a:schemeClr val="accent1"/>
+          </a:fillRef>
+          <a:effectRef idx="0">
+            <a:schemeClr val="accent1"/>
+          </a:effectRef>
+          <a:fontRef idx="minor">
+            <a:schemeClr val="tx1"/>
+          </a:fontRef>
+        </p:style>
+      </p:cxnSp>
+    </p:spTree>
+    <p:extLst>
+      <p:ext uri="{BB962C8B-B14F-4D97-AF65-F5344CB8AC3E}">
+        <p14:creationId xmlns:p14="http://schemas.microsoft.com/office/powerpoint/2010/main" val="2665368765"/>
+      </p:ext>
+    </p:extLst>
+  </p:cSld>
+  <p:clrMapOvr>
+    <a:masterClrMapping/>
+  </p:clrMapOvr>
+</p:sld>
+</file>
+
+<file path=ppt/slides/slide8.xml><?xml version="1.0" encoding="utf-8"?>
+<p:sld xmlns:a="http://schemas.openxmlformats.org/drawingml/2006/main" xmlns:r="http://schemas.openxmlformats.org/officeDocument/2006/relationships" xmlns:p="http://schemas.openxmlformats.org/presentationml/2006/main">
+  <p:cSld>
+    <p:spTree>
+      <p:nvGrpSpPr>
+        <p:cNvPr id="1" name="Shape 620">
+          <a:extLst>
+            <a:ext uri="{FF2B5EF4-FFF2-40B4-BE49-F238E27FC236}">
+              <a16:creationId xmlns:a16="http://schemas.microsoft.com/office/drawing/2014/main" id="{0BBD54E0-DDDD-7885-85BC-9F30C765443E}"/>
+            </a:ext>
+          </a:extLst>
+        </p:cNvPr>
+        <p:cNvGrpSpPr/>
+        <p:nvPr/>
+      </p:nvGrpSpPr>
+      <p:grpSpPr>
+        <a:xfrm>
+          <a:off x="0" y="0"/>
+          <a:ext cx="0" cy="0"/>
+          <a:chOff x="0" y="0"/>
+          <a:chExt cx="0" cy="0"/>
+        </a:xfrm>
+      </p:grpSpPr>
+      <p:sp>
+        <p:nvSpPr>
+          <p:cNvPr id="633" name="Google Shape;633;p34">
+            <a:extLst>
+              <a:ext uri="{FF2B5EF4-FFF2-40B4-BE49-F238E27FC236}">
+                <a16:creationId xmlns:a16="http://schemas.microsoft.com/office/drawing/2014/main" id="{88BF07B4-089D-2999-03B1-E61BC35ADFED}"/>
+              </a:ext>
+            </a:extLst>
+          </p:cNvPr>
+          <p:cNvSpPr txBox="1">
+            <a:spLocks noGrp="1"/>
+          </p:cNvSpPr>
+          <p:nvPr>
+            <p:ph type="title"/>
+          </p:nvPr>
+        </p:nvSpPr>
+        <p:spPr>
+          <a:xfrm>
+            <a:off x="666211" y="283022"/>
+            <a:ext cx="7704000" cy="572700"/>
+          </a:xfrm>
+          <a:prstGeom prst="rect">
+            <a:avLst/>
+          </a:prstGeom>
+        </p:spPr>
+        <p:txBody>
+          <a:bodyPr spcFirstLastPara="1" wrap="square" lIns="91425" tIns="91425" rIns="91425" bIns="91425" anchor="t" anchorCtr="0">
+            <a:noAutofit/>
+          </a:bodyPr>
+          <a:lstStyle/>
+          <a:p>
+            <a:pPr marL="0" lvl="0" indent="0" algn="ctr" rtl="0">
+              <a:spcBef>
+                <a:spcPts val="0"/>
+              </a:spcBef>
+              <a:spcAft>
+                <a:spcPts val="0"/>
+              </a:spcAft>
+              <a:buNone/>
+            </a:pPr>
+            <a:r>
+              <a:rPr lang="es-ES" dirty="0" err="1"/>
+              <a:t>Association</a:t>
+            </a:r>
+            <a:r>
+              <a:rPr lang="es-ES" dirty="0"/>
+              <a:t> Rules 1/2</a:t>
+            </a:r>
+            <a:endParaRPr dirty="0"/>
+          </a:p>
+        </p:txBody>
+      </p:sp>
+      <p:sp>
+        <p:nvSpPr>
+          <p:cNvPr id="2" name="CuadroTexto 1">
+            <a:extLst>
+              <a:ext uri="{FF2B5EF4-FFF2-40B4-BE49-F238E27FC236}">
+                <a16:creationId xmlns:a16="http://schemas.microsoft.com/office/drawing/2014/main" id="{A3CCF44F-B8BF-18DD-610B-AC1D8BFF48EF}"/>
+              </a:ext>
+            </a:extLst>
+          </p:cNvPr>
+          <p:cNvSpPr txBox="1"/>
+          <p:nvPr/>
+        </p:nvSpPr>
+        <p:spPr>
+          <a:xfrm>
+            <a:off x="419547" y="890160"/>
+            <a:ext cx="8197327" cy="3754874"/>
+          </a:xfrm>
+          <a:prstGeom prst="rect">
+            <a:avLst/>
+          </a:prstGeom>
+          <a:noFill/>
+        </p:spPr>
+        <p:txBody>
+          <a:bodyPr wrap="square" rtlCol="0">
+            <a:spAutoFit/>
+          </a:bodyPr>
+          <a:lstStyle/>
+          <a:p>
+            <a:r>
+              <a:rPr lang="es-ES" b="1" dirty="0"/>
+              <a:t>Sobre la preparación de los datos: </a:t>
+            </a:r>
+          </a:p>
+          <a:p>
+            <a:pPr marL="285750" indent="-285750">
+              <a:buFontTx/>
+              <a:buChar char="-"/>
+            </a:pPr>
+            <a:r>
+              <a:rPr lang="es-ES" dirty="0"/>
+              <a:t>Se categorizó las variables numéricas aplicando cortes lógicos ajustados a cada variable.</a:t>
+            </a:r>
+          </a:p>
+          <a:p>
+            <a:pPr marL="285750" indent="-285750">
+              <a:buFontTx/>
+              <a:buChar char="-"/>
+            </a:pPr>
+            <a:r>
+              <a:rPr lang="es-ES" dirty="0"/>
+              <a:t>Se trabajó únicamente con los datos Train debido a los NA para </a:t>
+            </a:r>
+            <a:r>
+              <a:rPr lang="es-ES" dirty="0" err="1"/>
+              <a:t>Exited</a:t>
+            </a:r>
+            <a:r>
+              <a:rPr lang="es-ES" dirty="0"/>
+              <a:t> en los datos test.</a:t>
+            </a:r>
+          </a:p>
+          <a:p>
+            <a:pPr marL="285750" indent="-285750">
+              <a:buFontTx/>
+              <a:buChar char="-"/>
+            </a:pPr>
+            <a:r>
+              <a:rPr lang="es-ES" dirty="0"/>
+              <a:t>La base de datos transaccional se compuso de 7000 filas y 73 ítems.</a:t>
+            </a:r>
+          </a:p>
+          <a:p>
+            <a:pPr marL="285750" indent="-285750">
+              <a:buFontTx/>
+              <a:buChar char="-"/>
+            </a:pPr>
+            <a:endParaRPr lang="es-ES" dirty="0"/>
+          </a:p>
+          <a:p>
+            <a:r>
+              <a:rPr lang="es-ES" b="1" dirty="0"/>
+              <a:t>Sobre la parametrización</a:t>
+            </a:r>
+          </a:p>
+          <a:p>
+            <a:r>
+              <a:rPr lang="es-ES" dirty="0"/>
+              <a:t>Se pretendía encontrar reglas asociativas donde </a:t>
+            </a:r>
+            <a:r>
+              <a:rPr lang="es-ES" dirty="0" err="1"/>
+              <a:t>Exited</a:t>
+            </a:r>
+            <a:r>
+              <a:rPr lang="es-ES" dirty="0"/>
+              <a:t> fuera el consecuente, y </a:t>
+            </a:r>
+            <a:r>
+              <a:rPr lang="es-ES" dirty="0" err="1"/>
+              <a:t>Exited</a:t>
+            </a:r>
+            <a:r>
+              <a:rPr lang="es-ES" dirty="0"/>
+              <a:t> es una variable claramente desbalanceada para las 7000 observaciones (20% </a:t>
+            </a:r>
+            <a:r>
+              <a:rPr lang="es-ES" dirty="0" err="1"/>
+              <a:t>Exited</a:t>
+            </a:r>
+            <a:r>
+              <a:rPr lang="es-ES" dirty="0"/>
+              <a:t>=1, 80% </a:t>
+            </a:r>
+            <a:r>
+              <a:rPr lang="es-ES" dirty="0" err="1"/>
+              <a:t>Exited</a:t>
+            </a:r>
+            <a:r>
+              <a:rPr lang="es-ES" dirty="0"/>
+              <a:t>=0).</a:t>
+            </a:r>
+          </a:p>
+          <a:p>
+            <a:endParaRPr lang="es-ES" dirty="0"/>
+          </a:p>
+          <a:p>
+            <a:pPr algn="just"/>
+            <a:r>
+              <a:rPr lang="es-ES" dirty="0"/>
+              <a:t>Esta circunstancia derivó en la elección de un soporte mínimo extremadamente bajo, de modo que se pudiera obtener reglas significativas asociadas al abandono del banco. En los valores LIFT se podrá ver que el hecho de reducir el soporte no impide obtener reglas muy significativas que expliquen tendencias dentro de ese 20% de la muestra. </a:t>
+            </a:r>
+            <a:r>
+              <a:rPr lang="es-ES" b="1" i="1" dirty="0"/>
+              <a:t>El soporte mínimo elegido fue de 0.0125. </a:t>
+            </a:r>
+            <a:r>
+              <a:rPr lang="es-ES" dirty="0"/>
+              <a:t>Esto supone que solo se considerarán reglas que ocurran en al menos el 1.25% de las transacciones.</a:t>
+            </a:r>
+            <a:endParaRPr lang="es-ES" b="1" i="1" dirty="0"/>
+          </a:p>
+          <a:p>
+            <a:pPr algn="just"/>
+            <a:endParaRPr lang="es-ES" dirty="0"/>
+          </a:p>
+          <a:p>
+            <a:pPr algn="just"/>
+            <a:r>
+              <a:rPr lang="es-ES" dirty="0"/>
+              <a:t>Esto también afecta a la elección de la confianza: Se ha escogido </a:t>
+            </a:r>
+            <a:r>
+              <a:rPr lang="es-ES" b="1" dirty="0"/>
+              <a:t>confianza=0.6</a:t>
+            </a:r>
+            <a:r>
+              <a:rPr lang="es-ES" dirty="0"/>
+              <a:t>, lo que significa que cuando se da la condición del antecedente, en el 60% de los casos se cumple el consecuente.</a:t>
+            </a:r>
+          </a:p>
+        </p:txBody>
+      </p:sp>
+    </p:spTree>
+    <p:extLst>
+      <p:ext uri="{BB962C8B-B14F-4D97-AF65-F5344CB8AC3E}">
+        <p14:creationId xmlns:p14="http://schemas.microsoft.com/office/powerpoint/2010/main" val="192883723"/>
+      </p:ext>
+    </p:extLst>
+  </p:cSld>
+  <p:clrMapOvr>
+    <a:masterClrMapping/>
+  </p:clrMapOvr>
+</p:sld>
+</file>
+
+<file path=ppt/slides/slide9.xml><?xml version="1.0" encoding="utf-8"?>
+<p:sld xmlns:a="http://schemas.openxmlformats.org/drawingml/2006/main" xmlns:r="http://schemas.openxmlformats.org/officeDocument/2006/relationships" xmlns:p="http://schemas.openxmlformats.org/presentationml/2006/main">
+  <p:cSld>
+    <p:spTree>
+      <p:nvGrpSpPr>
+        <p:cNvPr id="1" name="Shape 620">
+          <a:extLst>
+            <a:ext uri="{FF2B5EF4-FFF2-40B4-BE49-F238E27FC236}">
+              <a16:creationId xmlns:a16="http://schemas.microsoft.com/office/drawing/2014/main" id="{55C995D2-E420-AAEA-4FF1-82F41E8CE557}"/>
+            </a:ext>
+          </a:extLst>
+        </p:cNvPr>
+        <p:cNvGrpSpPr/>
+        <p:nvPr/>
+      </p:nvGrpSpPr>
+      <p:grpSpPr>
+        <a:xfrm>
+          <a:off x="0" y="0"/>
+          <a:ext cx="0" cy="0"/>
+          <a:chOff x="0" y="0"/>
+          <a:chExt cx="0" cy="0"/>
+        </a:xfrm>
+      </p:grpSpPr>
+      <p:sp>
+        <p:nvSpPr>
+          <p:cNvPr id="633" name="Google Shape;633;p34">
+            <a:extLst>
+              <a:ext uri="{FF2B5EF4-FFF2-40B4-BE49-F238E27FC236}">
+                <a16:creationId xmlns:a16="http://schemas.microsoft.com/office/drawing/2014/main" id="{F6C12439-9695-5DCC-5484-455797F0DD0A}"/>
+              </a:ext>
+            </a:extLst>
+          </p:cNvPr>
+          <p:cNvSpPr txBox="1">
+            <a:spLocks noGrp="1"/>
+          </p:cNvSpPr>
+          <p:nvPr>
+            <p:ph type="title"/>
+          </p:nvPr>
+        </p:nvSpPr>
+        <p:spPr>
+          <a:xfrm>
+            <a:off x="720000" y="236566"/>
+            <a:ext cx="7704000" cy="572700"/>
+          </a:xfrm>
+          <a:prstGeom prst="rect">
+            <a:avLst/>
+          </a:prstGeom>
+        </p:spPr>
+        <p:txBody>
+          <a:bodyPr spcFirstLastPara="1" wrap="square" lIns="91425" tIns="91425" rIns="91425" bIns="91425" anchor="t" anchorCtr="0">
+            <a:noAutofit/>
+          </a:bodyPr>
+          <a:lstStyle/>
+          <a:p>
+            <a:pPr marL="0" lvl="0" indent="0" algn="ctr" rtl="0">
+              <a:spcBef>
+                <a:spcPts val="0"/>
+              </a:spcBef>
+              <a:spcAft>
+                <a:spcPts val="0"/>
+              </a:spcAft>
+              <a:buNone/>
+            </a:pPr>
+            <a:r>
+              <a:rPr lang="es-ES" sz="2400" dirty="0" err="1"/>
+              <a:t>Association</a:t>
+            </a:r>
+            <a:r>
+              <a:rPr lang="es-ES" sz="2400" dirty="0"/>
+              <a:t> Rules 2/2: resultados</a:t>
+            </a:r>
+            <a:endParaRPr sz="2400" dirty="0"/>
+          </a:p>
+        </p:txBody>
+      </p:sp>
+      <p:grpSp>
+        <p:nvGrpSpPr>
+          <p:cNvPr id="616" name="Google Shape;894;p25">
+            <a:extLst>
+              <a:ext uri="{FF2B5EF4-FFF2-40B4-BE49-F238E27FC236}">
+                <a16:creationId xmlns:a16="http://schemas.microsoft.com/office/drawing/2014/main" id="{211B4FB1-DED4-BE7B-08DF-63276B9D3A7C}"/>
+              </a:ext>
+            </a:extLst>
+          </p:cNvPr>
+          <p:cNvGrpSpPr/>
+          <p:nvPr/>
+        </p:nvGrpSpPr>
+        <p:grpSpPr>
+          <a:xfrm>
+            <a:off x="1263704" y="2892821"/>
+            <a:ext cx="362991" cy="290018"/>
+            <a:chOff x="3049653" y="2321468"/>
+            <a:chExt cx="362991" cy="290018"/>
+          </a:xfrm>
+        </p:grpSpPr>
+        <p:sp>
+          <p:nvSpPr>
+            <p:cNvPr id="617" name="Google Shape;895;p25">
+              <a:extLst>
+                <a:ext uri="{FF2B5EF4-FFF2-40B4-BE49-F238E27FC236}">
+                  <a16:creationId xmlns:a16="http://schemas.microsoft.com/office/drawing/2014/main" id="{1B597574-2DCB-212D-0771-E5B500E26B64}"/>
+                </a:ext>
+              </a:extLst>
+            </p:cNvPr>
+            <p:cNvSpPr/>
+            <p:nvPr/>
+          </p:nvSpPr>
+          <p:spPr>
+            <a:xfrm>
+              <a:off x="3280290" y="2429690"/>
+              <a:ext cx="29913" cy="73957"/>
+            </a:xfrm>
+            <a:custGeom>
+              <a:avLst/>
+              <a:gdLst/>
+              <a:ahLst/>
+              <a:cxnLst/>
+              <a:rect l="l" t="t" r="r" b="b"/>
+              <a:pathLst>
+                <a:path w="942" h="2329" extrusionOk="0">
+                  <a:moveTo>
+                    <a:pt x="200" y="1"/>
+                  </a:moveTo>
+                  <a:cubicBezTo>
+                    <a:pt x="158" y="1"/>
+                    <a:pt x="114" y="16"/>
+                    <a:pt x="72" y="45"/>
+                  </a:cubicBezTo>
+                  <a:cubicBezTo>
+                    <a:pt x="13" y="93"/>
+                    <a:pt x="13" y="200"/>
+                    <a:pt x="72" y="283"/>
+                  </a:cubicBezTo>
+                  <a:cubicBezTo>
+                    <a:pt x="572" y="772"/>
+                    <a:pt x="572" y="1569"/>
+                    <a:pt x="72" y="2046"/>
+                  </a:cubicBezTo>
+                  <a:cubicBezTo>
+                    <a:pt x="1" y="2129"/>
+                    <a:pt x="1" y="2224"/>
+                    <a:pt x="72" y="2284"/>
+                  </a:cubicBezTo>
+                  <a:cubicBezTo>
+                    <a:pt x="102" y="2313"/>
+                    <a:pt x="144" y="2328"/>
+                    <a:pt x="187" y="2328"/>
+                  </a:cubicBezTo>
+                  <a:cubicBezTo>
+                    <a:pt x="230" y="2328"/>
+                    <a:pt x="275" y="2313"/>
+                    <a:pt x="310" y="2284"/>
+                  </a:cubicBezTo>
+                  <a:cubicBezTo>
+                    <a:pt x="941" y="1665"/>
+                    <a:pt x="941" y="664"/>
+                    <a:pt x="310" y="45"/>
+                  </a:cubicBezTo>
+                  <a:cubicBezTo>
+                    <a:pt x="280" y="16"/>
+                    <a:pt x="242" y="1"/>
+                    <a:pt x="200" y="1"/>
+                  </a:cubicBezTo>
+                  <a:close/>
+                </a:path>
+              </a:pathLst>
+            </a:custGeom>
+            <a:solidFill>
+              <a:schemeClr val="accent4"/>
+            </a:solidFill>
+            <a:ln>
+              <a:noFill/>
+            </a:ln>
+          </p:spPr>
+          <p:txBody>
+            <a:bodyPr spcFirstLastPara="1" wrap="square" lIns="91425" tIns="91425" rIns="91425" bIns="91425" anchor="ctr" anchorCtr="0">
+              <a:noAutofit/>
+            </a:bodyPr>
+            <a:lstStyle/>
+            <a:p>
+              <a:pPr marL="0" lvl="0" indent="0" algn="l" rtl="0">
+                <a:spcBef>
+                  <a:spcPts val="0"/>
+                </a:spcBef>
+                <a:spcAft>
+                  <a:spcPts val="0"/>
+                </a:spcAft>
+                <a:buNone/>
+              </a:pPr>
+              <a:endParaRPr/>
+            </a:p>
+          </p:txBody>
+        </p:sp>
+        <p:sp>
+          <p:nvSpPr>
+            <p:cNvPr id="618" name="Google Shape;896;p25">
+              <a:extLst>
+                <a:ext uri="{FF2B5EF4-FFF2-40B4-BE49-F238E27FC236}">
+                  <a16:creationId xmlns:a16="http://schemas.microsoft.com/office/drawing/2014/main" id="{DF9980C2-B859-8AF2-BBF6-9114FC1C9DC3}"/>
+                </a:ext>
+              </a:extLst>
+            </p:cNvPr>
+            <p:cNvSpPr/>
+            <p:nvPr/>
+          </p:nvSpPr>
+          <p:spPr>
+            <a:xfrm>
+              <a:off x="3317729" y="2392250"/>
+              <a:ext cx="49570" cy="148836"/>
+            </a:xfrm>
+            <a:custGeom>
+              <a:avLst/>
+              <a:gdLst/>
+              <a:ahLst/>
+              <a:cxnLst/>
+              <a:rect l="l" t="t" r="r" b="b"/>
+              <a:pathLst>
+                <a:path w="1561" h="4687" extrusionOk="0">
+                  <a:moveTo>
+                    <a:pt x="183" y="1"/>
+                  </a:moveTo>
+                  <a:cubicBezTo>
+                    <a:pt x="140" y="1"/>
+                    <a:pt x="96" y="16"/>
+                    <a:pt x="60" y="46"/>
+                  </a:cubicBezTo>
+                  <a:cubicBezTo>
+                    <a:pt x="0" y="105"/>
+                    <a:pt x="0" y="212"/>
+                    <a:pt x="60" y="284"/>
+                  </a:cubicBezTo>
+                  <a:cubicBezTo>
+                    <a:pt x="1191" y="1415"/>
+                    <a:pt x="1191" y="3272"/>
+                    <a:pt x="60" y="4403"/>
+                  </a:cubicBezTo>
+                  <a:cubicBezTo>
+                    <a:pt x="0" y="4475"/>
+                    <a:pt x="0" y="4582"/>
+                    <a:pt x="60" y="4641"/>
+                  </a:cubicBezTo>
+                  <a:cubicBezTo>
+                    <a:pt x="90" y="4671"/>
+                    <a:pt x="131" y="4686"/>
+                    <a:pt x="175" y="4686"/>
+                  </a:cubicBezTo>
+                  <a:cubicBezTo>
+                    <a:pt x="218" y="4686"/>
+                    <a:pt x="262" y="4671"/>
+                    <a:pt x="298" y="4641"/>
+                  </a:cubicBezTo>
+                  <a:cubicBezTo>
+                    <a:pt x="1560" y="3379"/>
+                    <a:pt x="1560" y="1308"/>
+                    <a:pt x="298" y="46"/>
+                  </a:cubicBezTo>
+                  <a:cubicBezTo>
+                    <a:pt x="268" y="16"/>
+                    <a:pt x="227" y="1"/>
+                    <a:pt x="183" y="1"/>
+                  </a:cubicBezTo>
+                  <a:close/>
+                </a:path>
+              </a:pathLst>
+            </a:custGeom>
+            <a:solidFill>
+              <a:schemeClr val="accent4"/>
+            </a:solidFill>
+            <a:ln>
+              <a:noFill/>
+            </a:ln>
+          </p:spPr>
+          <p:txBody>
+            <a:bodyPr spcFirstLastPara="1" wrap="square" lIns="91425" tIns="91425" rIns="91425" bIns="91425" anchor="ctr" anchorCtr="0">
+              <a:noAutofit/>
+            </a:bodyPr>
+            <a:lstStyle/>
+            <a:p>
+              <a:pPr marL="0" lvl="0" indent="0" algn="l" rtl="0">
+                <a:spcBef>
+                  <a:spcPts val="0"/>
+                </a:spcBef>
+                <a:spcAft>
+                  <a:spcPts val="0"/>
+                </a:spcAft>
+                <a:buNone/>
+              </a:pPr>
+              <a:endParaRPr/>
+            </a:p>
+          </p:txBody>
+        </p:sp>
+        <p:sp>
+          <p:nvSpPr>
+            <p:cNvPr id="619" name="Google Shape;897;p25">
+              <a:extLst>
+                <a:ext uri="{FF2B5EF4-FFF2-40B4-BE49-F238E27FC236}">
+                  <a16:creationId xmlns:a16="http://schemas.microsoft.com/office/drawing/2014/main" id="{AB150971-3AFF-C959-ACCF-A54E6949A937}"/>
+                </a:ext>
+              </a:extLst>
+            </p:cNvPr>
+            <p:cNvSpPr/>
+            <p:nvPr/>
+          </p:nvSpPr>
+          <p:spPr>
+            <a:xfrm>
+              <a:off x="3354406" y="2355954"/>
+              <a:ext cx="58239" cy="222317"/>
+            </a:xfrm>
+            <a:custGeom>
+              <a:avLst/>
+              <a:gdLst/>
+              <a:ahLst/>
+              <a:cxnLst/>
+              <a:rect l="l" t="t" r="r" b="b"/>
+              <a:pathLst>
+                <a:path w="1834" h="7001" extrusionOk="0">
+                  <a:moveTo>
+                    <a:pt x="174" y="1"/>
+                  </a:moveTo>
+                  <a:cubicBezTo>
+                    <a:pt x="131" y="1"/>
+                    <a:pt x="90" y="16"/>
+                    <a:pt x="60" y="46"/>
+                  </a:cubicBezTo>
+                  <a:cubicBezTo>
+                    <a:pt x="0" y="105"/>
+                    <a:pt x="0" y="200"/>
+                    <a:pt x="60" y="284"/>
+                  </a:cubicBezTo>
+                  <a:cubicBezTo>
+                    <a:pt x="1834" y="2046"/>
+                    <a:pt x="1834" y="4939"/>
+                    <a:pt x="60" y="6713"/>
+                  </a:cubicBezTo>
+                  <a:cubicBezTo>
+                    <a:pt x="0" y="6773"/>
+                    <a:pt x="0" y="6868"/>
+                    <a:pt x="60" y="6951"/>
+                  </a:cubicBezTo>
+                  <a:cubicBezTo>
+                    <a:pt x="88" y="6985"/>
+                    <a:pt x="128" y="7000"/>
+                    <a:pt x="169" y="7000"/>
+                  </a:cubicBezTo>
+                  <a:cubicBezTo>
+                    <a:pt x="214" y="7000"/>
+                    <a:pt x="261" y="6982"/>
+                    <a:pt x="298" y="6951"/>
+                  </a:cubicBezTo>
+                  <a:cubicBezTo>
+                    <a:pt x="1227" y="6023"/>
+                    <a:pt x="1727" y="4808"/>
+                    <a:pt x="1727" y="3498"/>
+                  </a:cubicBezTo>
+                  <a:cubicBezTo>
+                    <a:pt x="1727" y="2189"/>
+                    <a:pt x="1227" y="962"/>
+                    <a:pt x="298" y="46"/>
+                  </a:cubicBezTo>
+                  <a:cubicBezTo>
+                    <a:pt x="262" y="16"/>
+                    <a:pt x="218" y="1"/>
+                    <a:pt x="174" y="1"/>
+                  </a:cubicBezTo>
+                  <a:close/>
+                </a:path>
+              </a:pathLst>
+            </a:custGeom>
+            <a:solidFill>
+              <a:schemeClr val="accent4"/>
+            </a:solidFill>
+            <a:ln>
+              <a:noFill/>
+            </a:ln>
+          </p:spPr>
+          <p:txBody>
+            <a:bodyPr spcFirstLastPara="1" wrap="square" lIns="91425" tIns="91425" rIns="91425" bIns="91425" anchor="ctr" anchorCtr="0">
+              <a:noAutofit/>
+            </a:bodyPr>
+            <a:lstStyle/>
+            <a:p>
+              <a:pPr marL="0" lvl="0" indent="0" algn="l" rtl="0">
+                <a:spcBef>
+                  <a:spcPts val="0"/>
+                </a:spcBef>
+                <a:spcAft>
+                  <a:spcPts val="0"/>
+                </a:spcAft>
+                <a:buNone/>
+              </a:pPr>
+              <a:endParaRPr/>
+            </a:p>
+          </p:txBody>
+        </p:sp>
+        <p:sp>
+          <p:nvSpPr>
+            <p:cNvPr id="620" name="Google Shape;898;p25">
+              <a:extLst>
+                <a:ext uri="{FF2B5EF4-FFF2-40B4-BE49-F238E27FC236}">
+                  <a16:creationId xmlns:a16="http://schemas.microsoft.com/office/drawing/2014/main" id="{14AF9887-6176-DAB6-B988-A356E370C220}"/>
+                </a:ext>
+              </a:extLst>
+            </p:cNvPr>
+            <p:cNvSpPr/>
+            <p:nvPr/>
+          </p:nvSpPr>
+          <p:spPr>
+            <a:xfrm>
+              <a:off x="3049653" y="2321468"/>
+              <a:ext cx="210250" cy="290018"/>
+            </a:xfrm>
+            <a:custGeom>
+              <a:avLst/>
+              <a:gdLst/>
+              <a:ahLst/>
+              <a:cxnLst/>
+              <a:rect l="l" t="t" r="r" b="b"/>
+              <a:pathLst>
+                <a:path w="6621" h="9133" extrusionOk="0">
+                  <a:moveTo>
+                    <a:pt x="5216" y="1072"/>
+                  </a:moveTo>
+                  <a:lnTo>
+                    <a:pt x="5216" y="8097"/>
+                  </a:lnTo>
+                  <a:cubicBezTo>
+                    <a:pt x="4156" y="7751"/>
+                    <a:pt x="3287" y="7037"/>
+                    <a:pt x="2739" y="6061"/>
+                  </a:cubicBezTo>
+                  <a:lnTo>
+                    <a:pt x="2739" y="3084"/>
+                  </a:lnTo>
+                  <a:cubicBezTo>
+                    <a:pt x="3275" y="2120"/>
+                    <a:pt x="4156" y="1405"/>
+                    <a:pt x="5216" y="1072"/>
+                  </a:cubicBezTo>
+                  <a:close/>
+                  <a:moveTo>
+                    <a:pt x="5716" y="0"/>
+                  </a:moveTo>
+                  <a:cubicBezTo>
+                    <a:pt x="5430" y="0"/>
+                    <a:pt x="5216" y="215"/>
+                    <a:pt x="5216" y="501"/>
+                  </a:cubicBezTo>
+                  <a:lnTo>
+                    <a:pt x="5216" y="691"/>
+                  </a:lnTo>
+                  <a:cubicBezTo>
+                    <a:pt x="4049" y="1048"/>
+                    <a:pt x="3096" y="1810"/>
+                    <a:pt x="2489" y="2858"/>
+                  </a:cubicBezTo>
+                  <a:lnTo>
+                    <a:pt x="1227" y="2858"/>
+                  </a:lnTo>
+                  <a:cubicBezTo>
+                    <a:pt x="549" y="2858"/>
+                    <a:pt x="13" y="3394"/>
+                    <a:pt x="13" y="4061"/>
+                  </a:cubicBezTo>
+                  <a:lnTo>
+                    <a:pt x="13" y="5037"/>
+                  </a:lnTo>
+                  <a:cubicBezTo>
+                    <a:pt x="1" y="5692"/>
+                    <a:pt x="489" y="6227"/>
+                    <a:pt x="1120" y="6275"/>
+                  </a:cubicBezTo>
+                  <a:cubicBezTo>
+                    <a:pt x="1203" y="6275"/>
+                    <a:pt x="1287" y="6216"/>
+                    <a:pt x="1299" y="6132"/>
+                  </a:cubicBezTo>
+                  <a:cubicBezTo>
+                    <a:pt x="1299" y="6037"/>
+                    <a:pt x="1239" y="5966"/>
+                    <a:pt x="1144" y="5954"/>
+                  </a:cubicBezTo>
+                  <a:cubicBezTo>
+                    <a:pt x="703" y="5918"/>
+                    <a:pt x="346" y="5537"/>
+                    <a:pt x="346" y="5073"/>
+                  </a:cubicBezTo>
+                  <a:lnTo>
+                    <a:pt x="346" y="4084"/>
+                  </a:lnTo>
+                  <a:cubicBezTo>
+                    <a:pt x="346" y="3608"/>
+                    <a:pt x="727" y="3215"/>
+                    <a:pt x="1227" y="3215"/>
+                  </a:cubicBezTo>
+                  <a:lnTo>
+                    <a:pt x="2418" y="3215"/>
+                  </a:lnTo>
+                  <a:lnTo>
+                    <a:pt x="2418" y="5954"/>
+                  </a:lnTo>
+                  <a:lnTo>
+                    <a:pt x="1918" y="5954"/>
+                  </a:lnTo>
+                  <a:cubicBezTo>
+                    <a:pt x="1834" y="5954"/>
+                    <a:pt x="1763" y="6025"/>
+                    <a:pt x="1763" y="6108"/>
+                  </a:cubicBezTo>
+                  <a:cubicBezTo>
+                    <a:pt x="1763" y="6204"/>
+                    <a:pt x="1834" y="6275"/>
+                    <a:pt x="1918" y="6275"/>
+                  </a:cubicBezTo>
+                  <a:lnTo>
+                    <a:pt x="2489" y="6275"/>
+                  </a:lnTo>
+                  <a:cubicBezTo>
+                    <a:pt x="3096" y="7323"/>
+                    <a:pt x="4049" y="8097"/>
+                    <a:pt x="5216" y="8430"/>
+                  </a:cubicBezTo>
+                  <a:lnTo>
+                    <a:pt x="5216" y="8633"/>
+                  </a:lnTo>
+                  <a:cubicBezTo>
+                    <a:pt x="5216" y="8906"/>
+                    <a:pt x="5430" y="9133"/>
+                    <a:pt x="5716" y="9133"/>
+                  </a:cubicBezTo>
+                  <a:lnTo>
+                    <a:pt x="6121" y="9133"/>
+                  </a:lnTo>
+                  <a:cubicBezTo>
+                    <a:pt x="6406" y="9133"/>
+                    <a:pt x="6621" y="8906"/>
+                    <a:pt x="6621" y="8633"/>
+                  </a:cubicBezTo>
+                  <a:lnTo>
+                    <a:pt x="6621" y="4953"/>
+                  </a:lnTo>
+                  <a:cubicBezTo>
+                    <a:pt x="6621" y="4858"/>
+                    <a:pt x="6549" y="4787"/>
+                    <a:pt x="6466" y="4787"/>
+                  </a:cubicBezTo>
+                  <a:cubicBezTo>
+                    <a:pt x="6371" y="4787"/>
+                    <a:pt x="6299" y="4858"/>
+                    <a:pt x="6299" y="4953"/>
+                  </a:cubicBezTo>
+                  <a:lnTo>
+                    <a:pt x="6299" y="8633"/>
+                  </a:lnTo>
+                  <a:cubicBezTo>
+                    <a:pt x="6299" y="8728"/>
+                    <a:pt x="6228" y="8811"/>
+                    <a:pt x="6121" y="8811"/>
+                  </a:cubicBezTo>
+                  <a:lnTo>
+                    <a:pt x="5716" y="8811"/>
+                  </a:lnTo>
+                  <a:cubicBezTo>
+                    <a:pt x="5609" y="8811"/>
+                    <a:pt x="5537" y="8728"/>
+                    <a:pt x="5537" y="8633"/>
+                  </a:cubicBezTo>
+                  <a:lnTo>
+                    <a:pt x="5537" y="501"/>
+                  </a:lnTo>
+                  <a:cubicBezTo>
+                    <a:pt x="5537" y="393"/>
+                    <a:pt x="5609" y="322"/>
+                    <a:pt x="5716" y="322"/>
+                  </a:cubicBezTo>
+                  <a:lnTo>
+                    <a:pt x="6121" y="322"/>
+                  </a:lnTo>
+                  <a:cubicBezTo>
+                    <a:pt x="6228" y="322"/>
+                    <a:pt x="6299" y="393"/>
+                    <a:pt x="6299" y="501"/>
+                  </a:cubicBezTo>
+                  <a:lnTo>
+                    <a:pt x="6299" y="4180"/>
+                  </a:lnTo>
+                  <a:cubicBezTo>
+                    <a:pt x="6299" y="4263"/>
+                    <a:pt x="6371" y="4346"/>
+                    <a:pt x="6466" y="4346"/>
+                  </a:cubicBezTo>
+                  <a:cubicBezTo>
+                    <a:pt x="6549" y="4346"/>
+                    <a:pt x="6621" y="4263"/>
+                    <a:pt x="6621" y="4180"/>
+                  </a:cubicBezTo>
+                  <a:lnTo>
+                    <a:pt x="6621" y="501"/>
+                  </a:lnTo>
+                  <a:cubicBezTo>
+                    <a:pt x="6621" y="215"/>
+                    <a:pt x="6406" y="0"/>
+                    <a:pt x="6121" y="0"/>
+                  </a:cubicBezTo>
+                  <a:close/>
+                </a:path>
+              </a:pathLst>
+            </a:custGeom>
+            <a:solidFill>
+              <a:schemeClr val="accent4"/>
+            </a:solidFill>
+            <a:ln>
+              <a:noFill/>
+            </a:ln>
+          </p:spPr>
+          <p:txBody>
+            <a:bodyPr spcFirstLastPara="1" wrap="square" lIns="91425" tIns="91425" rIns="91425" bIns="91425" anchor="ctr" anchorCtr="0">
+              <a:noAutofit/>
+            </a:bodyPr>
+            <a:lstStyle/>
+            <a:p>
+              <a:pPr marL="0" lvl="0" indent="0" algn="l" rtl="0">
+                <a:spcBef>
+                  <a:spcPts val="0"/>
+                </a:spcBef>
+                <a:spcAft>
+                  <a:spcPts val="0"/>
+                </a:spcAft>
+                <a:buNone/>
+              </a:pPr>
+              <a:endParaRPr/>
+            </a:p>
+          </p:txBody>
+        </p:sp>
+      </p:grpSp>
+      <p:pic>
+        <p:nvPicPr>
+          <p:cNvPr id="628" name="Imagen 627">
+            <a:extLst>
+              <a:ext uri="{FF2B5EF4-FFF2-40B4-BE49-F238E27FC236}">
+                <a16:creationId xmlns:a16="http://schemas.microsoft.com/office/drawing/2014/main" id="{0049D36F-5CE6-EB69-3EFF-B0FC9696B8D3}"/>
+              </a:ext>
+            </a:extLst>
+          </p:cNvPr>
+          <p:cNvPicPr>
+            <a:picLocks noChangeAspect="1"/>
+          </p:cNvPicPr>
+          <p:nvPr/>
+        </p:nvPicPr>
+        <p:blipFill>
+          <a:blip r:embed="rId3"/>
+          <a:stretch>
+            <a:fillRect/>
+          </a:stretch>
+        </p:blipFill>
+        <p:spPr>
+          <a:xfrm>
+            <a:off x="221950" y="970344"/>
+            <a:ext cx="3952017" cy="2329037"/>
+          </a:xfrm>
+          <a:prstGeom prst="rect">
+            <a:avLst/>
+          </a:prstGeom>
+        </p:spPr>
+      </p:pic>
+      <p:sp>
+        <p:nvSpPr>
+          <p:cNvPr id="59" name="Google Shape;849;p25">
+            <a:extLst>
+              <a:ext uri="{FF2B5EF4-FFF2-40B4-BE49-F238E27FC236}">
+                <a16:creationId xmlns:a16="http://schemas.microsoft.com/office/drawing/2014/main" id="{272A9B48-06CD-BA0E-9761-7A83F9A0C7F5}"/>
+              </a:ext>
+            </a:extLst>
+          </p:cNvPr>
+          <p:cNvSpPr/>
+          <p:nvPr/>
+        </p:nvSpPr>
+        <p:spPr>
+          <a:xfrm>
+            <a:off x="221951" y="884749"/>
+            <a:ext cx="4101022" cy="2441196"/>
+          </a:xfrm>
+          <a:prstGeom prst="roundRect">
+            <a:avLst>
+              <a:gd name="adj" fmla="val 5989"/>
+            </a:avLst>
+          </a:prstGeom>
+          <a:noFill/>
+          <a:ln w="9525" cap="flat" cmpd="sng">
+            <a:solidFill>
+              <a:srgbClr val="00B050"/>
+            </a:solidFill>
+            <a:prstDash val="solid"/>
+            <a:round/>
+            <a:headEnd type="none" w="sm" len="sm"/>
+            <a:tailEnd type="none" w="sm" len="sm"/>
+          </a:ln>
+        </p:spPr>
+        <p:txBody>
+          <a:bodyPr spcFirstLastPara="1" wrap="square" lIns="91425" tIns="91425" rIns="91425" bIns="91425" anchor="ctr" anchorCtr="0">
+            <a:noAutofit/>
+          </a:bodyPr>
+          <a:lstStyle/>
+          <a:p>
+            <a:pPr marL="0" lvl="0" indent="0" algn="l" rtl="0">
+              <a:spcBef>
+                <a:spcPts val="0"/>
+              </a:spcBef>
+              <a:spcAft>
+                <a:spcPts val="0"/>
+              </a:spcAft>
+              <a:buNone/>
+            </a:pPr>
+            <a:endParaRPr dirty="0">
+              <a:highlight>
+                <a:srgbClr val="000080"/>
+              </a:highlight>
+            </a:endParaRPr>
+          </a:p>
+        </p:txBody>
+      </p:sp>
+      <p:sp>
+        <p:nvSpPr>
+          <p:cNvPr id="63" name="Google Shape;853;p25">
+            <a:extLst>
+              <a:ext uri="{FF2B5EF4-FFF2-40B4-BE49-F238E27FC236}">
+                <a16:creationId xmlns:a16="http://schemas.microsoft.com/office/drawing/2014/main" id="{DAAC3287-95C6-BA1F-9A87-A2ACA773479C}"/>
+              </a:ext>
+            </a:extLst>
+          </p:cNvPr>
+          <p:cNvSpPr/>
+          <p:nvPr/>
+        </p:nvSpPr>
+        <p:spPr>
+          <a:xfrm>
+            <a:off x="147827" y="741395"/>
+            <a:ext cx="4026138" cy="275159"/>
+          </a:xfrm>
+          <a:prstGeom prst="roundRect">
+            <a:avLst>
+              <a:gd name="adj" fmla="val 16667"/>
+            </a:avLst>
+          </a:prstGeom>
+          <a:ln>
+            <a:headEnd type="none" w="sm" len="sm"/>
+            <a:tailEnd type="none" w="sm" len="sm"/>
+          </a:ln>
+        </p:spPr>
+        <p:style>
+          <a:lnRef idx="1">
+            <a:schemeClr val="accent1"/>
+          </a:lnRef>
+          <a:fillRef idx="2">
+            <a:schemeClr val="accent1"/>
+          </a:fillRef>
+          <a:effectRef idx="1">
+            <a:schemeClr val="accent1"/>
+          </a:effectRef>
+          <a:fontRef idx="minor">
+            <a:schemeClr val="dk1"/>
+          </a:fontRef>
+        </p:style>
+        <p:txBody>
+          <a:bodyPr spcFirstLastPara="1" wrap="square" lIns="91425" tIns="91425" rIns="91425" bIns="91425" anchor="ctr" anchorCtr="0">
+            <a:noAutofit/>
+          </a:bodyPr>
+          <a:lstStyle/>
+          <a:p>
+            <a:pPr marL="0" lvl="0" indent="0" algn="l" rtl="0">
+              <a:spcBef>
+                <a:spcPts val="0"/>
+              </a:spcBef>
+              <a:spcAft>
+                <a:spcPts val="0"/>
+              </a:spcAft>
+              <a:buNone/>
+            </a:pPr>
+            <a:r>
+              <a:rPr lang="es-ES" dirty="0">
+                <a:latin typeface="Arial Rounded MT Bold" panose="020F0704030504030204" pitchFamily="34" charset="0"/>
+              </a:rPr>
+              <a:t>Consecuente: </a:t>
+            </a:r>
+            <a:r>
+              <a:rPr lang="es-ES" dirty="0" err="1">
+                <a:latin typeface="Arial Rounded MT Bold" panose="020F0704030504030204" pitchFamily="34" charset="0"/>
+              </a:rPr>
+              <a:t>Exited</a:t>
+            </a:r>
+            <a:r>
+              <a:rPr lang="es-ES" dirty="0">
+                <a:latin typeface="Arial Rounded MT Bold" panose="020F0704030504030204" pitchFamily="34" charset="0"/>
+              </a:rPr>
+              <a:t>=0 (el cliente se queda)</a:t>
+            </a:r>
+            <a:endParaRPr dirty="0">
+              <a:latin typeface="Arial Rounded MT Bold" panose="020F0704030504030204" pitchFamily="34" charset="0"/>
+            </a:endParaRPr>
+          </a:p>
+        </p:txBody>
+      </p:sp>
+      <p:pic>
+        <p:nvPicPr>
+          <p:cNvPr id="630" name="Imagen 629">
+            <a:extLst>
+              <a:ext uri="{FF2B5EF4-FFF2-40B4-BE49-F238E27FC236}">
+                <a16:creationId xmlns:a16="http://schemas.microsoft.com/office/drawing/2014/main" id="{D6958A06-027A-312F-9B3B-4479111747AE}"/>
+              </a:ext>
+            </a:extLst>
+          </p:cNvPr>
+          <p:cNvPicPr>
+            <a:picLocks noChangeAspect="1"/>
+          </p:cNvPicPr>
+          <p:nvPr/>
+        </p:nvPicPr>
+        <p:blipFill>
+          <a:blip r:embed="rId4"/>
+          <a:stretch>
+            <a:fillRect/>
+          </a:stretch>
+        </p:blipFill>
+        <p:spPr>
+          <a:xfrm>
+            <a:off x="4649663" y="1051342"/>
+            <a:ext cx="4101022" cy="2248039"/>
+          </a:xfrm>
+          <a:prstGeom prst="rect">
+            <a:avLst/>
+          </a:prstGeom>
+        </p:spPr>
+      </p:pic>
+      <p:sp>
+        <p:nvSpPr>
+          <p:cNvPr id="631" name="CuadroTexto 630">
+            <a:extLst>
+              <a:ext uri="{FF2B5EF4-FFF2-40B4-BE49-F238E27FC236}">
+                <a16:creationId xmlns:a16="http://schemas.microsoft.com/office/drawing/2014/main" id="{7AA7058E-9BE2-849D-0A76-2B2D241AFF6D}"/>
+              </a:ext>
+            </a:extLst>
+          </p:cNvPr>
+          <p:cNvSpPr txBox="1"/>
+          <p:nvPr/>
+        </p:nvSpPr>
+        <p:spPr>
+          <a:xfrm>
+            <a:off x="147827" y="3350032"/>
+            <a:ext cx="4249270" cy="1107996"/>
+          </a:xfrm>
+          <a:prstGeom prst="rect">
+            <a:avLst/>
+          </a:prstGeom>
+          <a:noFill/>
+        </p:spPr>
+        <p:txBody>
+          <a:bodyPr wrap="square" rtlCol="0">
+            <a:spAutoFit/>
+          </a:bodyPr>
+          <a:lstStyle/>
+          <a:p>
+            <a:r>
+              <a:rPr lang="es-ES" sz="1100" dirty="0"/>
+              <a:t>Confianza de 1 o ~1: </a:t>
+            </a:r>
+            <a:r>
+              <a:rPr lang="es-ES" sz="1100" b="1" dirty="0"/>
+              <a:t>siempre que ha sucedido el antecedente se da el consecuente</a:t>
+            </a:r>
+            <a:endParaRPr lang="es-ES" sz="1100" dirty="0"/>
+          </a:p>
+          <a:p>
+            <a:endParaRPr lang="es-ES" sz="1100" dirty="0"/>
+          </a:p>
+          <a:p>
+            <a:r>
+              <a:rPr lang="es-ES" sz="1100" dirty="0"/>
+              <a:t>Diversas reglas refuerzan la tesis de que clientes de entre 18-35 años, con 2 productos y casados o con solvencia para pedir préstamos es prácticamente seguro que se quedarán en el banco</a:t>
+            </a:r>
+          </a:p>
+        </p:txBody>
+      </p:sp>
+      <p:sp>
+        <p:nvSpPr>
+          <p:cNvPr id="632" name="CuadroTexto 631">
+            <a:extLst>
+              <a:ext uri="{FF2B5EF4-FFF2-40B4-BE49-F238E27FC236}">
+                <a16:creationId xmlns:a16="http://schemas.microsoft.com/office/drawing/2014/main" id="{710A3BEA-2604-24E5-30E8-C13F32D4BE4C}"/>
+              </a:ext>
+            </a:extLst>
+          </p:cNvPr>
+          <p:cNvSpPr txBox="1"/>
+          <p:nvPr/>
+        </p:nvSpPr>
+        <p:spPr>
+          <a:xfrm>
+            <a:off x="4649663" y="3336128"/>
+            <a:ext cx="4431491" cy="1277273"/>
+          </a:xfrm>
+          <a:prstGeom prst="rect">
+            <a:avLst/>
+          </a:prstGeom>
+          <a:noFill/>
+        </p:spPr>
+        <p:txBody>
+          <a:bodyPr wrap="square" rtlCol="0">
+            <a:spAutoFit/>
+          </a:bodyPr>
+          <a:lstStyle/>
+          <a:p>
+            <a:pPr algn="just"/>
+            <a:r>
+              <a:rPr lang="es-ES" sz="1100" dirty="0" err="1"/>
+              <a:t>Lift</a:t>
+            </a:r>
+            <a:r>
+              <a:rPr lang="es-ES" sz="1100" dirty="0"/>
+              <a:t> de ~3 el consecuente es </a:t>
+            </a:r>
+            <a:r>
+              <a:rPr lang="es-ES" sz="1100" b="1" dirty="0"/>
+              <a:t>3 veces más probable cuando ocurre el antecedente</a:t>
+            </a:r>
+            <a:r>
+              <a:rPr lang="es-ES" sz="1100" dirty="0"/>
+              <a:t> que si fueran independientes</a:t>
+            </a:r>
+          </a:p>
+          <a:p>
+            <a:pPr algn="just"/>
+            <a:endParaRPr lang="es-ES" sz="1100" dirty="0"/>
+          </a:p>
+          <a:p>
+            <a:pPr algn="just"/>
+            <a:r>
+              <a:rPr lang="es-ES" sz="1100" dirty="0"/>
+              <a:t>Preocupante segmento de edad 46-55 años en mujeres y nacionalidad alemana.</a:t>
+            </a:r>
+          </a:p>
+          <a:p>
+            <a:pPr algn="just"/>
+            <a:r>
+              <a:rPr lang="es-ES" sz="1100" dirty="0"/>
+              <a:t>Revisar las condiciones que ofrece el banco a clientes con 3 productos o más.</a:t>
+            </a:r>
+          </a:p>
+        </p:txBody>
+      </p:sp>
+      <p:sp>
+        <p:nvSpPr>
+          <p:cNvPr id="583" name="Google Shape;861;p25">
+            <a:extLst>
+              <a:ext uri="{FF2B5EF4-FFF2-40B4-BE49-F238E27FC236}">
+                <a16:creationId xmlns:a16="http://schemas.microsoft.com/office/drawing/2014/main" id="{160C52B2-04F8-173B-FD6B-C29FC57BF3F5}"/>
+              </a:ext>
+            </a:extLst>
+          </p:cNvPr>
+          <p:cNvSpPr/>
+          <p:nvPr/>
+        </p:nvSpPr>
+        <p:spPr>
+          <a:xfrm>
+            <a:off x="4649663" y="878974"/>
+            <a:ext cx="4397517" cy="2441196"/>
+          </a:xfrm>
+          <a:prstGeom prst="roundRect">
+            <a:avLst>
+              <a:gd name="adj" fmla="val 5989"/>
+            </a:avLst>
+          </a:prstGeom>
+          <a:noFill/>
+          <a:ln w="9525" cap="flat" cmpd="sng">
+            <a:solidFill>
+              <a:srgbClr val="FF0000"/>
+            </a:solidFill>
+            <a:prstDash val="solid"/>
+            <a:round/>
+            <a:headEnd type="none" w="sm" len="sm"/>
+            <a:tailEnd type="none" w="sm" len="sm"/>
+          </a:ln>
+        </p:spPr>
+        <p:txBody>
+          <a:bodyPr spcFirstLastPara="1" wrap="square" lIns="91425" tIns="91425" rIns="91425" bIns="91425" anchor="ctr" anchorCtr="0">
+            <a:noAutofit/>
+          </a:bodyPr>
+          <a:lstStyle/>
+          <a:p>
+            <a:pPr marL="0" lvl="0" indent="0" algn="l" rtl="0">
+              <a:spcBef>
+                <a:spcPts val="0"/>
+              </a:spcBef>
+              <a:spcAft>
+                <a:spcPts val="0"/>
+              </a:spcAft>
+              <a:buNone/>
+            </a:pPr>
+            <a:endParaRPr/>
+          </a:p>
+        </p:txBody>
+      </p:sp>
+      <p:sp>
+        <p:nvSpPr>
+          <p:cNvPr id="587" name="Google Shape;865;p25">
+            <a:extLst>
+              <a:ext uri="{FF2B5EF4-FFF2-40B4-BE49-F238E27FC236}">
+                <a16:creationId xmlns:a16="http://schemas.microsoft.com/office/drawing/2014/main" id="{F5FADC25-6962-68E7-217A-0BA156D5F24E}"/>
+              </a:ext>
+            </a:extLst>
+          </p:cNvPr>
+          <p:cNvSpPr/>
+          <p:nvPr/>
+        </p:nvSpPr>
+        <p:spPr>
+          <a:xfrm>
+            <a:off x="4582757" y="730815"/>
+            <a:ext cx="3774337" cy="264401"/>
+          </a:xfrm>
+          <a:prstGeom prst="roundRect">
+            <a:avLst>
+              <a:gd name="adj" fmla="val 16667"/>
+            </a:avLst>
+          </a:prstGeom>
+          <a:ln>
+            <a:headEnd type="none" w="sm" len="sm"/>
+            <a:tailEnd type="none" w="sm" len="sm"/>
+          </a:ln>
+        </p:spPr>
+        <p:style>
+          <a:lnRef idx="1">
+            <a:schemeClr val="accent1"/>
+          </a:lnRef>
+          <a:fillRef idx="2">
+            <a:schemeClr val="accent1"/>
+          </a:fillRef>
+          <a:effectRef idx="1">
+            <a:schemeClr val="accent1"/>
+          </a:effectRef>
+          <a:fontRef idx="minor">
+            <a:schemeClr val="dk1"/>
+          </a:fontRef>
+        </p:style>
+        <p:txBody>
+          <a:bodyPr spcFirstLastPara="1" wrap="square" lIns="91425" tIns="91425" rIns="91425" bIns="91425" anchor="ctr" anchorCtr="0">
+            <a:noAutofit/>
+          </a:bodyPr>
+          <a:lstStyle/>
+          <a:p>
+            <a:pPr lvl="0"/>
+            <a:r>
+              <a:rPr lang="es-ES" dirty="0">
+                <a:latin typeface="Arial Rounded MT Bold" panose="020F0704030504030204" pitchFamily="34" charset="0"/>
+              </a:rPr>
+              <a:t>Consecuente: </a:t>
+            </a:r>
+            <a:r>
+              <a:rPr lang="es-ES" dirty="0" err="1">
+                <a:latin typeface="Arial Rounded MT Bold" panose="020F0704030504030204" pitchFamily="34" charset="0"/>
+              </a:rPr>
+              <a:t>Exited</a:t>
+            </a:r>
+            <a:r>
+              <a:rPr lang="es-ES" dirty="0">
+                <a:latin typeface="Arial Rounded MT Bold" panose="020F0704030504030204" pitchFamily="34" charset="0"/>
+              </a:rPr>
+              <a:t>=1 (el cliente se va)</a:t>
+            </a:r>
+          </a:p>
+        </p:txBody>
+      </p:sp>
+      <p:sp>
+        <p:nvSpPr>
+          <p:cNvPr id="634" name="CuadroTexto 633">
+            <a:extLst>
+              <a:ext uri="{FF2B5EF4-FFF2-40B4-BE49-F238E27FC236}">
+                <a16:creationId xmlns:a16="http://schemas.microsoft.com/office/drawing/2014/main" id="{51011016-44F2-FE07-8AF0-A81903637A7B}"/>
+              </a:ext>
+            </a:extLst>
+          </p:cNvPr>
+          <p:cNvSpPr txBox="1"/>
+          <p:nvPr/>
+        </p:nvSpPr>
+        <p:spPr>
+          <a:xfrm>
+            <a:off x="118335" y="4594319"/>
+            <a:ext cx="8928845" cy="461665"/>
+          </a:xfrm>
+          <a:prstGeom prst="rect">
+            <a:avLst/>
+          </a:prstGeom>
+        </p:spPr>
+        <p:style>
+          <a:lnRef idx="3">
+            <a:schemeClr val="lt1"/>
+          </a:lnRef>
+          <a:fillRef idx="1">
+            <a:schemeClr val="accent2"/>
+          </a:fillRef>
+          <a:effectRef idx="1">
+            <a:schemeClr val="accent2"/>
+          </a:effectRef>
+          <a:fontRef idx="minor">
+            <a:schemeClr val="lt1"/>
+          </a:fontRef>
+        </p:style>
+        <p:txBody>
+          <a:bodyPr wrap="square" rtlCol="0">
+            <a:spAutoFit/>
+          </a:bodyPr>
+          <a:lstStyle/>
+          <a:p>
+            <a:r>
+              <a:rPr lang="es-ES" sz="1200" b="1" i="1" dirty="0">
+                <a:solidFill>
+                  <a:schemeClr val="tx1"/>
+                </a:solidFill>
+              </a:rPr>
+              <a:t>Variables declaradas previamente como significativas concuerdan con las que aparecen en las reglas más informativas: </a:t>
+            </a:r>
+            <a:r>
+              <a:rPr lang="es-ES" sz="1200" b="1" i="1" u="sng" dirty="0">
+                <a:solidFill>
+                  <a:schemeClr val="tx1"/>
+                </a:solidFill>
+              </a:rPr>
+              <a:t>Validación de la significancia</a:t>
+            </a:r>
+          </a:p>
+        </p:txBody>
+      </p:sp>
+    </p:spTree>
+    <p:extLst>
+      <p:ext uri="{BB962C8B-B14F-4D97-AF65-F5344CB8AC3E}">
+        <p14:creationId xmlns:p14="http://schemas.microsoft.com/office/powerpoint/2010/main" val="3729417740"/>
       </p:ext>
     </p:extLst>
   </p:cSld>

--- a/Entrega_2/00.REPORTE/Reporte_Grupo5.pptx
+++ b/Entrega_2/00.REPORTE/Reporte_Grupo5.pptx
@@ -5,50 +5,50 @@
     <p:sldMasterId id="2147483648" r:id="rId1"/>
   </p:sldMasterIdLst>
   <p:notesMasterIdLst>
-    <p:notesMasterId r:id="rId4"/>
+    <p:notesMasterId r:id="rId20"/>
   </p:notesMasterIdLst>
   <p:sldIdLst>
-    <p:sldId id="285" r:id="rId3"/>
-    <p:sldId id="270" r:id="rId5"/>
-    <p:sldId id="272" r:id="rId6"/>
-    <p:sldId id="275" r:id="rId7"/>
-    <p:sldId id="291" r:id="rId8"/>
-    <p:sldId id="277" r:id="rId9"/>
-    <p:sldId id="278" r:id="rId10"/>
-    <p:sldId id="279" r:id="rId11"/>
-    <p:sldId id="280" r:id="rId12"/>
-    <p:sldId id="281" r:id="rId13"/>
-    <p:sldId id="292" r:id="rId14"/>
-    <p:sldId id="293" r:id="rId15"/>
-    <p:sldId id="299" r:id="rId16"/>
-    <p:sldId id="294" r:id="rId17"/>
-    <p:sldId id="296" r:id="rId18"/>
-    <p:sldId id="295" r:id="rId19"/>
-    <p:sldId id="297" r:id="rId20"/>
-    <p:sldId id="298" r:id="rId21"/>
+    <p:sldId id="285" r:id="rId2"/>
+    <p:sldId id="270" r:id="rId3"/>
+    <p:sldId id="272" r:id="rId4"/>
+    <p:sldId id="275" r:id="rId5"/>
+    <p:sldId id="291" r:id="rId6"/>
+    <p:sldId id="277" r:id="rId7"/>
+    <p:sldId id="278" r:id="rId8"/>
+    <p:sldId id="279" r:id="rId9"/>
+    <p:sldId id="280" r:id="rId10"/>
+    <p:sldId id="281" r:id="rId11"/>
+    <p:sldId id="292" r:id="rId12"/>
+    <p:sldId id="293" r:id="rId13"/>
+    <p:sldId id="299" r:id="rId14"/>
+    <p:sldId id="294" r:id="rId15"/>
+    <p:sldId id="296" r:id="rId16"/>
+    <p:sldId id="295" r:id="rId17"/>
+    <p:sldId id="297" r:id="rId18"/>
+    <p:sldId id="298" r:id="rId19"/>
   </p:sldIdLst>
   <p:sldSz cx="9144000" cy="5143500" type="screen16x9"/>
   <p:notesSz cx="6858000" cy="9144000"/>
   <p:embeddedFontLst>
     <p:embeddedFont>
-      <p:font typeface="Poppins" panose="00000500000000000000"/>
-      <p:regular r:id="rId26"/>
-    </p:embeddedFont>
-    <p:embeddedFont>
-      <p:font typeface="Didact Gothic" panose="00000500000000000000"/>
-      <p:regular r:id="rId27"/>
-    </p:embeddedFont>
-    <p:embeddedFont>
-      <p:font typeface="Raleway"/>
-      <p:regular r:id="rId28"/>
-    </p:embeddedFont>
-    <p:embeddedFont>
       <p:font typeface="Arial Black" panose="020B0A04020102020204" pitchFamily="34" charset="0"/>
-      <p:bold r:id="rId29"/>
+      <p:bold r:id="rId21"/>
     </p:embeddedFont>
     <p:embeddedFont>
       <p:font typeface="Arial Rounded MT Bold" panose="020F0704030504030204" pitchFamily="34" charset="0"/>
-      <p:regular r:id="rId30"/>
+      <p:regular r:id="rId22"/>
+    </p:embeddedFont>
+    <p:embeddedFont>
+      <p:font typeface="Didact Gothic" panose="020B0604020202020204" charset="0"/>
+      <p:regular r:id="rId23"/>
+    </p:embeddedFont>
+    <p:embeddedFont>
+      <p:font typeface="Poppins" panose="020B0604020202020204" charset="0"/>
+      <p:regular r:id="rId24"/>
+    </p:embeddedFont>
+    <p:embeddedFont>
+      <p:font typeface="Raleway" panose="020B0604020202020204" charset="0"/>
+      <p:regular r:id="rId25"/>
     </p:embeddedFont>
   </p:embeddedFontLst>
   <p:defaultTextStyle>
@@ -280,6 +280,11 @@
       </a:defRPr>
     </a:lvl9pPr>
   </p:defaultTextStyle>
+  <p:extLst>
+    <p:ext uri="{EFAFB233-063F-42B5-8137-9DF3F51BA10A}">
+      <p15:sldGuideLst xmlns:p15="http://schemas.microsoft.com/office/powerpoint/2012/main"/>
+    </p:ext>
+  </p:extLst>
 </p:presentation>
 </file>
 
@@ -290,7 +295,7 @@
 </file>
 
 <file path=ppt/diagrams/colors1.xml><?xml version="1.0" encoding="utf-8"?>
-<dgm:colorsDef xmlns:dgm="http://schemas.openxmlformats.org/drawingml/2006/diagram" xmlns:a="http://schemas.openxmlformats.org/drawingml/2006/main" uniqueId="urn:microsoft.com/office/officeart/2005/8/colors/accent1_2">
+<dgm:colorsDef xmlns:dgm="http://schemas.openxmlformats.org/drawingml/2006/diagram" xmlns:a="http://schemas.openxmlformats.org/drawingml/2006/main" uniqueId="urn:microsoft.com/office/officeart/2005/8/colors/accent1_2#1">
   <dgm:title val=""/>
   <dgm:desc val=""/>
   <dgm:catLst>
@@ -1037,7 +1042,7 @@
 </file>
 
 <file path=ppt/diagrams/colors2.xml><?xml version="1.0" encoding="utf-8"?>
-<dgm:colorsDef xmlns:dgm="http://schemas.openxmlformats.org/drawingml/2006/diagram" xmlns:a="http://schemas.openxmlformats.org/drawingml/2006/main" uniqueId="urn:microsoft.com/office/officeart/2005/8/colors/accent1_2">
+<dgm:colorsDef xmlns:dgm="http://schemas.openxmlformats.org/drawingml/2006/diagram" xmlns:a="http://schemas.openxmlformats.org/drawingml/2006/main" uniqueId="urn:microsoft.com/office/officeart/2005/8/colors/accent1_2#2">
   <dgm:title val=""/>
   <dgm:desc val=""/>
   <dgm:catLst>
@@ -1784,7 +1789,7 @@
 </file>
 
 <file path=ppt/diagrams/colors3.xml><?xml version="1.0" encoding="utf-8"?>
-<dgm:colorsDef xmlns:dgm="http://schemas.openxmlformats.org/drawingml/2006/diagram" xmlns:a="http://schemas.openxmlformats.org/drawingml/2006/main" uniqueId="urn:microsoft.com/office/officeart/2005/8/colors/accent1_2">
+<dgm:colorsDef xmlns:dgm="http://schemas.openxmlformats.org/drawingml/2006/diagram" xmlns:a="http://schemas.openxmlformats.org/drawingml/2006/main" uniqueId="urn:microsoft.com/office/officeart/2005/8/colors/accent1_2#3">
   <dgm:title val=""/>
   <dgm:desc val=""/>
   <dgm:catLst>
@@ -2534,7 +2539,7 @@
 <dgm:dataModel xmlns:dgm="http://schemas.openxmlformats.org/drawingml/2006/diagram" xmlns:a="http://schemas.openxmlformats.org/drawingml/2006/main">
   <dgm:ptLst>
     <dgm:pt modelId="{E0DBD592-C900-4D5D-A79A-93A58E8DA172}" type="doc">
-      <dgm:prSet loTypeId="urn:microsoft.com/office/officeart/2005/8/layout/vList4" loCatId="list" qsTypeId="urn:microsoft.com/office/officeart/2005/8/quickstyle/simple1" qsCatId="simple" csTypeId="urn:microsoft.com/office/officeart/2005/8/colors/accent1_2" csCatId="accent1" phldr="1"/>
+      <dgm:prSet loTypeId="urn:microsoft.com/office/officeart/2005/8/layout/vList4" loCatId="list" qsTypeId="urn:microsoft.com/office/officeart/2005/8/quickstyle/simple1#1" qsCatId="simple" csTypeId="urn:microsoft.com/office/officeart/2005/8/colors/accent1_2#1" csCatId="accent1" phldr="1"/>
       <dgm:spPr/>
       <dgm:t>
         <a:bodyPr/>
@@ -2582,7 +2587,7 @@
         </a:p>
       </dgm:t>
     </dgm:pt>
-    <dgm:pt modelId="{1C880A37-22BC-4FD9-8955-F47618D81BCC}" cxnId="{2FF3EB71-C7F5-4619-AB74-5943DE39CC10}" type="parTrans">
+    <dgm:pt modelId="{1C880A37-22BC-4FD9-8955-F47618D81BCC}" type="parTrans" cxnId="{2FF3EB71-C7F5-4619-AB74-5943DE39CC10}">
       <dgm:prSet/>
       <dgm:spPr/>
       <dgm:t>
@@ -2593,7 +2598,7 @@
         </a:p>
       </dgm:t>
     </dgm:pt>
-    <dgm:pt modelId="{2ABCB300-CCE9-44E7-999D-3B03628596E1}" cxnId="{2FF3EB71-C7F5-4619-AB74-5943DE39CC10}" type="sibTrans">
+    <dgm:pt modelId="{2ABCB300-CCE9-44E7-999D-3B03628596E1}" type="sibTrans" cxnId="{2FF3EB71-C7F5-4619-AB74-5943DE39CC10}">
       <dgm:prSet/>
       <dgm:spPr/>
       <dgm:t>
@@ -2696,7 +2701,7 @@
         </a:p>
       </dgm:t>
     </dgm:pt>
-    <dgm:pt modelId="{58D673D6-CE1A-45C9-8DE0-8248CFA91FFF}" cxnId="{62EFD2D3-AE51-4D7B-AC9A-B557C95CFE85}" type="parTrans">
+    <dgm:pt modelId="{58D673D6-CE1A-45C9-8DE0-8248CFA91FFF}" type="parTrans" cxnId="{62EFD2D3-AE51-4D7B-AC9A-B557C95CFE85}">
       <dgm:prSet/>
       <dgm:spPr/>
       <dgm:t>
@@ -2707,7 +2712,7 @@
         </a:p>
       </dgm:t>
     </dgm:pt>
-    <dgm:pt modelId="{F068E20D-9182-40E9-81D3-3D2119E9E208}" cxnId="{62EFD2D3-AE51-4D7B-AC9A-B557C95CFE85}" type="sibTrans">
+    <dgm:pt modelId="{F068E20D-9182-40E9-81D3-3D2119E9E208}" type="sibTrans" cxnId="{62EFD2D3-AE51-4D7B-AC9A-B557C95CFE85}">
       <dgm:prSet/>
       <dgm:spPr/>
       <dgm:t>
@@ -2810,12 +2815,12 @@
           </a:r>
           <a:r>
             <a:rPr lang="es-ES" sz="800" dirty="0"/>
-            <a:t> </a:t>
+            <a:t>, Melissa</a:t>
           </a:r>
         </a:p>
       </dgm:t>
     </dgm:pt>
-    <dgm:pt modelId="{9BCB12AF-3FDE-4ECC-9F8F-CED83AED7CCB}" cxnId="{09CD5CFB-F57C-4EA7-9B86-AED2343EDF67}" type="parTrans">
+    <dgm:pt modelId="{9BCB12AF-3FDE-4ECC-9F8F-CED83AED7CCB}" type="parTrans" cxnId="{09CD5CFB-F57C-4EA7-9B86-AED2343EDF67}">
       <dgm:prSet/>
       <dgm:spPr/>
       <dgm:t>
@@ -2826,7 +2831,7 @@
         </a:p>
       </dgm:t>
     </dgm:pt>
-    <dgm:pt modelId="{C16B64A7-40EB-4C86-BE64-8EBACDE653C3}" cxnId="{09CD5CFB-F57C-4EA7-9B86-AED2343EDF67}" type="sibTrans">
+    <dgm:pt modelId="{C16B64A7-40EB-4C86-BE64-8EBACDE653C3}" type="sibTrans" cxnId="{09CD5CFB-F57C-4EA7-9B86-AED2343EDF67}">
       <dgm:prSet/>
       <dgm:spPr/>
       <dgm:t>
@@ -2885,7 +2890,7 @@
         <a:p>
           <a:r>
             <a:rPr lang="es-ES" sz="700" dirty="0"/>
-            <a:t>	KNN – </a:t>
+            <a:t>	KNN - </a:t>
           </a:r>
           <a:r>
             <a:rPr lang="es-ES" sz="700" dirty="0" err="1"/>
@@ -2893,7 +2898,15 @@
           </a:r>
           <a:r>
             <a:rPr lang="es-ES" sz="700" dirty="0"/>
-            <a:t> y Laura</a:t>
+            <a:t>, Laura		SVM - Laura, Mario, </a:t>
+          </a:r>
+          <a:r>
+            <a:rPr lang="es-ES" sz="700" dirty="0" err="1"/>
+            <a:t>Wenjia</a:t>
+          </a:r>
+          <a:r>
+            <a:rPr lang="es-ES" sz="700" dirty="0"/>
+            <a:t>	</a:t>
           </a:r>
         </a:p>
         <a:p>
@@ -2907,26 +2920,69 @@
           </a:r>
           <a:r>
             <a:rPr lang="es-ES" sz="700" dirty="0"/>
-            <a:t> Bayes – Melissa y </a:t>
+            <a:t> Bayes - Melissa, </a:t>
           </a:r>
           <a:r>
             <a:rPr lang="es-ES" sz="700" dirty="0" err="1"/>
             <a:t>Wenjia</a:t>
           </a:r>
-          <a:endParaRPr lang="es-ES" sz="700" dirty="0"/>
+          <a:r>
+            <a:rPr lang="es-ES" sz="700" dirty="0"/>
+            <a:t>	</a:t>
+          </a:r>
+          <a:r>
+            <a:rPr lang="es-ES" sz="700" dirty="0" err="1"/>
+            <a:t>XGBoost</a:t>
+          </a:r>
+          <a:r>
+            <a:rPr lang="es-ES" sz="700" dirty="0"/>
+            <a:t> - </a:t>
+          </a:r>
+          <a:r>
+            <a:rPr lang="es-ES" sz="700" dirty="0" err="1"/>
+            <a:t>Wenjia</a:t>
+          </a:r>
+          <a:r>
+            <a:rPr lang="es-ES" sz="700" dirty="0"/>
+            <a:t>, Melissa, </a:t>
+          </a:r>
+          <a:r>
+            <a:rPr lang="es-ES" sz="700" dirty="0" err="1"/>
+            <a:t>Siling</a:t>
+          </a:r>
+          <a:r>
+            <a:rPr lang="es-ES" sz="700" dirty="0"/>
+            <a:t>, Mario</a:t>
+          </a:r>
         </a:p>
         <a:p>
           <a:r>
             <a:rPr lang="es-ES" sz="700" dirty="0"/>
-            <a:t>               </a:t>
+            <a:t>               GLM - </a:t>
           </a:r>
           <a:r>
             <a:rPr lang="es-ES" sz="700" dirty="0" err="1"/>
-            <a:t>Testing</a:t>
+            <a:t>Wenjia</a:t>
           </a:r>
           <a:r>
             <a:rPr lang="es-ES" sz="700" dirty="0"/>
-            <a:t> múltiples configuraciones de variables</a:t>
+            <a:t>, Melissa		</a:t>
+          </a:r>
+          <a:r>
+            <a:rPr lang="es-ES" sz="700" dirty="0" err="1"/>
+            <a:t>Random</a:t>
+          </a:r>
+          <a:r>
+            <a:rPr lang="es-ES" sz="700" dirty="0"/>
+            <a:t> Forest - </a:t>
+          </a:r>
+          <a:r>
+            <a:rPr lang="es-ES" sz="700" dirty="0" err="1"/>
+            <a:t>Wenjia</a:t>
+          </a:r>
+          <a:r>
+            <a:rPr lang="es-ES" sz="700" dirty="0"/>
+            <a:t>, Melissa, Mario</a:t>
           </a:r>
           <a:endParaRPr lang="es-ES" sz="800" b="1" dirty="0">
             <a:solidFill>
@@ -2936,7 +2992,7 @@
         </a:p>
       </dgm:t>
     </dgm:pt>
-    <dgm:pt modelId="{3A914AC6-6594-4B0A-A5A2-C491F53EF95C}" cxnId="{D2E0ED84-53E3-49A1-A292-3EA003DD3B1F}" type="parTrans">
+    <dgm:pt modelId="{3A914AC6-6594-4B0A-A5A2-C491F53EF95C}" type="parTrans" cxnId="{D2E0ED84-53E3-49A1-A292-3EA003DD3B1F}">
       <dgm:prSet/>
       <dgm:spPr/>
       <dgm:t>
@@ -2947,7 +3003,7 @@
         </a:p>
       </dgm:t>
     </dgm:pt>
-    <dgm:pt modelId="{F982C1E6-BEEF-456A-A8F1-006AD67EDC6F}" cxnId="{D2E0ED84-53E3-49A1-A292-3EA003DD3B1F}" type="sibTrans">
+    <dgm:pt modelId="{F982C1E6-BEEF-456A-A8F1-006AD67EDC6F}" type="sibTrans" cxnId="{D2E0ED84-53E3-49A1-A292-3EA003DD3B1F}">
       <dgm:prSet/>
       <dgm:spPr/>
       <dgm:t>
@@ -2996,7 +3052,7 @@
         </a:p>
       </dgm:t>
     </dgm:pt>
-    <dgm:pt modelId="{5522CECA-745D-4D76-A87A-0DA536D5330D}" cxnId="{A44658AC-B46F-4B08-B962-B06FFFD99B33}" type="parTrans">
+    <dgm:pt modelId="{5522CECA-745D-4D76-A87A-0DA536D5330D}" type="parTrans" cxnId="{A44658AC-B46F-4B08-B962-B06FFFD99B33}">
       <dgm:prSet/>
       <dgm:spPr/>
       <dgm:t>
@@ -3007,7 +3063,7 @@
         </a:p>
       </dgm:t>
     </dgm:pt>
-    <dgm:pt modelId="{1B62F6DE-B574-43AD-B04F-ABDF9E20E863}" cxnId="{A44658AC-B46F-4B08-B962-B06FFFD99B33}" type="sibTrans">
+    <dgm:pt modelId="{1B62F6DE-B574-43AD-B04F-ABDF9E20E863}" type="sibTrans" cxnId="{A44658AC-B46F-4B08-B962-B06FFFD99B33}">
       <dgm:prSet/>
       <dgm:spPr/>
       <dgm:t>
@@ -3230,7 +3286,7 @@
   <dgm:whole/>
   <dgm:extLst>
     <a:ext uri="http://schemas.microsoft.com/office/drawing/2008/diagram">
-      <dsp:dataModelExt xmlns:dsp="http://schemas.microsoft.com/office/drawing/2008/diagram" relId="rId5" minVer="http://schemas.openxmlformats.org/drawingml/2006/diagram"/>
+      <dsp:dataModelExt xmlns:dsp="http://schemas.microsoft.com/office/drawing/2008/diagram" relId="rId7" minVer="http://schemas.openxmlformats.org/drawingml/2006/diagram"/>
     </a:ext>
   </dgm:extLst>
 </dgm:dataModel>
@@ -3240,7 +3296,7 @@
 <dgm:dataModel xmlns:dgm="http://schemas.openxmlformats.org/drawingml/2006/diagram" xmlns:a="http://schemas.openxmlformats.org/drawingml/2006/main">
   <dgm:ptLst>
     <dgm:pt modelId="{9DF0F9E5-841B-FF4D-9CB5-2F1286FB0B81}" type="doc">
-      <dgm:prSet loTypeId="urn:microsoft.com/office/officeart/2005/8/layout/chevron1" loCatId="list" qsTypeId="urn:microsoft.com/office/officeart/2005/8/quickstyle/simple1" qsCatId="simple" csTypeId="urn:microsoft.com/office/officeart/2005/8/colors/accent1_2" csCatId="accent1" phldr="1"/>
+      <dgm:prSet loTypeId="urn:microsoft.com/office/officeart/2005/8/layout/chevron1" loCatId="list" qsTypeId="urn:microsoft.com/office/officeart/2005/8/quickstyle/simple1#2" qsCatId="simple" csTypeId="urn:microsoft.com/office/officeart/2005/8/colors/accent1_2#2" csCatId="accent1" phldr="1"/>
       <dgm:spPr/>
       <dgm:t>
         <a:bodyPr/>
@@ -3265,7 +3321,7 @@
         </a:p>
       </dgm:t>
     </dgm:pt>
-    <dgm:pt modelId="{C262CEBB-7006-A242-ADD3-B9235EF8735C}" cxnId="{702EFC95-8543-6E42-8059-09D9E582B607}" type="parTrans">
+    <dgm:pt modelId="{C262CEBB-7006-A242-ADD3-B9235EF8735C}" type="parTrans" cxnId="{702EFC95-8543-6E42-8059-09D9E582B607}">
       <dgm:prSet/>
       <dgm:spPr/>
       <dgm:t>
@@ -3276,7 +3332,7 @@
         </a:p>
       </dgm:t>
     </dgm:pt>
-    <dgm:pt modelId="{82304106-D479-C64E-9799-69BDAE43ED77}" cxnId="{702EFC95-8543-6E42-8059-09D9E582B607}" type="sibTrans">
+    <dgm:pt modelId="{82304106-D479-C64E-9799-69BDAE43ED77}" type="sibTrans" cxnId="{702EFC95-8543-6E42-8059-09D9E582B607}">
       <dgm:prSet/>
       <dgm:spPr/>
       <dgm:t>
@@ -3318,7 +3374,7 @@
   <dgm:whole/>
   <dgm:extLst>
     <a:ext uri="http://schemas.microsoft.com/office/drawing/2008/diagram">
-      <dsp:dataModelExt xmlns:dsp="http://schemas.microsoft.com/office/drawing/2008/diagram" relId="rId6" minVer="http://schemas.openxmlformats.org/drawingml/2006/diagram"/>
+      <dsp:dataModelExt xmlns:dsp="http://schemas.microsoft.com/office/drawing/2008/diagram" relId="rId8" minVer="http://schemas.openxmlformats.org/drawingml/2006/diagram"/>
     </a:ext>
   </dgm:extLst>
 </dgm:dataModel>
@@ -3328,7 +3384,7 @@
 <dgm:dataModel xmlns:dgm="http://schemas.openxmlformats.org/drawingml/2006/diagram" xmlns:a="http://schemas.openxmlformats.org/drawingml/2006/main">
   <dgm:ptLst>
     <dgm:pt modelId="{06A8F40A-6895-D54A-891B-0666CD46C550}" type="doc">
-      <dgm:prSet loTypeId="urn:microsoft.com/office/officeart/2005/8/layout/lProcess3" loCatId="process" qsTypeId="urn:microsoft.com/office/officeart/2005/8/quickstyle/simple1" qsCatId="simple" csTypeId="urn:microsoft.com/office/officeart/2005/8/colors/accent1_2" csCatId="accent1" phldr="1"/>
+      <dgm:prSet loTypeId="urn:microsoft.com/office/officeart/2005/8/layout/lProcess3#1" loCatId="process" qsTypeId="urn:microsoft.com/office/officeart/2005/8/quickstyle/simple1#3" qsCatId="simple" csTypeId="urn:microsoft.com/office/officeart/2005/8/colors/accent1_2#3" csCatId="accent1" phldr="1"/>
       <dgm:spPr/>
       <dgm:t>
         <a:bodyPr/>
@@ -3357,7 +3413,7 @@
         </a:p>
       </dgm:t>
     </dgm:pt>
-    <dgm:pt modelId="{BFDED490-0320-3A44-AD14-229EFAEF53D6}" cxnId="{67CFEEEF-B575-2949-97D0-9FE1107E538B}" type="parTrans">
+    <dgm:pt modelId="{BFDED490-0320-3A44-AD14-229EFAEF53D6}" type="parTrans" cxnId="{67CFEEEF-B575-2949-97D0-9FE1107E538B}">
       <dgm:prSet/>
       <dgm:spPr/>
       <dgm:t>
@@ -3368,7 +3424,7 @@
         </a:p>
       </dgm:t>
     </dgm:pt>
-    <dgm:pt modelId="{4D310E4D-EC3C-4D47-A9BB-A0B136EAB064}" cxnId="{67CFEEEF-B575-2949-97D0-9FE1107E538B}" type="sibTrans">
+    <dgm:pt modelId="{4D310E4D-EC3C-4D47-A9BB-A0B136EAB064}" type="sibTrans" cxnId="{67CFEEEF-B575-2949-97D0-9FE1107E538B}">
       <dgm:prSet/>
       <dgm:spPr/>
       <dgm:t>
@@ -3400,52 +3456,1175 @@
     </dgm:pt>
   </dgm:ptLst>
   <dgm:cxnLst>
-    <dgm:cxn modelId="{5CCA5F2A-4954-FF43-8687-2DC8E689D82F}" type="presOf" srcId="{06A8F40A-6895-D54A-891B-0666CD46C550}" destId="{801AE17F-C31F-CA43-BC84-69CE827808FD}" srcOrd="0" destOrd="0" presId="urn:microsoft.com/office/officeart/2005/8/layout/lProcess3"/>
-    <dgm:cxn modelId="{556D64A5-CEA6-3040-B2B1-568B85FB8AA7}" type="presOf" srcId="{C1C1743D-B186-F748-A62C-FD5A8898EAD1}" destId="{259A7068-6F6F-9B4D-894D-518C62EBCA00}" srcOrd="0" destOrd="0" presId="urn:microsoft.com/office/officeart/2005/8/layout/lProcess3"/>
+    <dgm:cxn modelId="{5CCA5F2A-4954-FF43-8687-2DC8E689D82F}" type="presOf" srcId="{06A8F40A-6895-D54A-891B-0666CD46C550}" destId="{801AE17F-C31F-CA43-BC84-69CE827808FD}" srcOrd="0" destOrd="0" presId="urn:microsoft.com/office/officeart/2005/8/layout/lProcess3#1"/>
+    <dgm:cxn modelId="{556D64A5-CEA6-3040-B2B1-568B85FB8AA7}" type="presOf" srcId="{C1C1743D-B186-F748-A62C-FD5A8898EAD1}" destId="{259A7068-6F6F-9B4D-894D-518C62EBCA00}" srcOrd="0" destOrd="0" presId="urn:microsoft.com/office/officeart/2005/8/layout/lProcess3#1"/>
     <dgm:cxn modelId="{67CFEEEF-B575-2949-97D0-9FE1107E538B}" srcId="{06A8F40A-6895-D54A-891B-0666CD46C550}" destId="{C1C1743D-B186-F748-A62C-FD5A8898EAD1}" srcOrd="0" destOrd="0" parTransId="{BFDED490-0320-3A44-AD14-229EFAEF53D6}" sibTransId="{4D310E4D-EC3C-4D47-A9BB-A0B136EAB064}"/>
-    <dgm:cxn modelId="{FB2D6210-190A-204E-B71F-517859FDEE68}" type="presParOf" srcId="{801AE17F-C31F-CA43-BC84-69CE827808FD}" destId="{06EE72E4-7873-9447-9BF1-5DC88BD79E5B}" srcOrd="0" destOrd="0" presId="urn:microsoft.com/office/officeart/2005/8/layout/lProcess3"/>
-    <dgm:cxn modelId="{FB235A8D-837A-A841-8A54-20EA48662ADC}" type="presParOf" srcId="{06EE72E4-7873-9447-9BF1-5DC88BD79E5B}" destId="{259A7068-6F6F-9B4D-894D-518C62EBCA00}" srcOrd="0" destOrd="0" presId="urn:microsoft.com/office/officeart/2005/8/layout/lProcess3"/>
+    <dgm:cxn modelId="{FB2D6210-190A-204E-B71F-517859FDEE68}" type="presParOf" srcId="{801AE17F-C31F-CA43-BC84-69CE827808FD}" destId="{06EE72E4-7873-9447-9BF1-5DC88BD79E5B}" srcOrd="0" destOrd="0" presId="urn:microsoft.com/office/officeart/2005/8/layout/lProcess3#1"/>
+    <dgm:cxn modelId="{FB235A8D-837A-A841-8A54-20EA48662ADC}" type="presParOf" srcId="{06EE72E4-7873-9447-9BF1-5DC88BD79E5B}" destId="{259A7068-6F6F-9B4D-894D-518C62EBCA00}" srcOrd="0" destOrd="0" presId="urn:microsoft.com/office/officeart/2005/8/layout/lProcess3#1"/>
   </dgm:cxnLst>
   <dgm:bg/>
   <dgm:whole/>
   <dgm:extLst>
     <a:ext uri="http://schemas.microsoft.com/office/drawing/2008/diagram">
-      <dsp:dataModelExt xmlns:dsp="http://schemas.microsoft.com/office/drawing/2008/diagram" relId="rId11" minVer="http://schemas.openxmlformats.org/drawingml/2006/diagram"/>
+      <dsp:dataModelExt xmlns:dsp="http://schemas.microsoft.com/office/drawing/2008/diagram" relId="rId13" minVer="http://schemas.openxmlformats.org/drawingml/2006/diagram"/>
     </a:ext>
   </dgm:extLst>
 </dgm:dataModel>
 </file>
 
 <file path=ppt/diagrams/drawing1.xml><?xml version="1.0" encoding="utf-8"?>
-<dsp:drawing xmlns:dgm="http://schemas.openxmlformats.org/drawingml/2006/diagram" xmlns:dsp="http://schemas.microsoft.com/office/drawing/2008/diagram" xmlns:a="http://schemas.openxmlformats.org/drawingml/2006/main" xmlns:r="http://schemas.openxmlformats.org/officeDocument/2006/relationships">
+<dsp:drawing xmlns:dgm="http://schemas.openxmlformats.org/drawingml/2006/diagram" xmlns:dsp="http://schemas.microsoft.com/office/drawing/2008/diagram" xmlns:a="http://schemas.openxmlformats.org/drawingml/2006/main">
   <dsp:spTree>
     <dsp:nvGrpSpPr>
-      <dsp:cNvPr id="2" name="组合 1"/>
+      <dsp:cNvPr id="0" name=""/>
       <dsp:cNvGrpSpPr/>
     </dsp:nvGrpSpPr>
-    <dsp:grpSpPr>
-      <a:xfrm>
-        <a:off x="0" y="0"/>
-        <a:ext cx="5013063" cy="3685710"/>
-        <a:chOff x="0" y="0"/>
-        <a:chExt cx="5013063" cy="3685710"/>
-      </a:xfrm>
-    </dsp:grpSpPr>
+    <dsp:grpSpPr/>
     <dsp:sp modelId="{DC08CE2B-3BA2-48DB-B768-70EF00B4488D}">
       <dsp:nvSpPr>
-        <dsp:cNvPr id="3" name="圆角矩形 2"/>
+        <dsp:cNvPr id="0" name=""/>
         <dsp:cNvSpPr/>
       </dsp:nvSpPr>
       <dsp:spPr bwMode="white">
         <a:xfrm>
           <a:off x="0" y="0"/>
-          <a:ext cx="5013063" cy="682539"/>
+          <a:ext cx="5013062" cy="492118"/>
         </a:xfrm>
         <a:prstGeom prst="roundRect">
           <a:avLst>
             <a:gd name="adj" fmla="val 10000"/>
           </a:avLst>
         </a:prstGeom>
+        <a:solidFill>
+          <a:schemeClr val="accent1">
+            <a:hueOff val="0"/>
+            <a:satOff val="0"/>
+            <a:lumOff val="0"/>
+            <a:alphaOff val="0"/>
+          </a:schemeClr>
+        </a:solidFill>
+        <a:ln w="25400" cap="flat" cmpd="sng" algn="ctr">
+          <a:solidFill>
+            <a:schemeClr val="lt1">
+              <a:hueOff val="0"/>
+              <a:satOff val="0"/>
+              <a:lumOff val="0"/>
+              <a:alphaOff val="0"/>
+            </a:schemeClr>
+          </a:solidFill>
+          <a:prstDash val="solid"/>
+        </a:ln>
+        <a:effectLst/>
+      </dsp:spPr>
+      <dsp:style>
+        <a:lnRef idx="2">
+          <a:scrgbClr r="0" g="0" b="0"/>
+        </a:lnRef>
+        <a:fillRef idx="1">
+          <a:scrgbClr r="0" g="0" b="0"/>
+        </a:fillRef>
+        <a:effectRef idx="0">
+          <a:scrgbClr r="0" g="0" b="0"/>
+        </a:effectRef>
+        <a:fontRef idx="minor">
+          <a:schemeClr val="lt1"/>
+        </a:fontRef>
+      </dsp:style>
+      <dsp:txBody>
+        <a:bodyPr spcFirstLastPara="0" vert="horz" wrap="square" lIns="34290" tIns="34290" rIns="34290" bIns="34290" numCol="1" spcCol="1270" anchor="ctr" anchorCtr="0">
+          <a:noAutofit/>
+        </a:bodyPr>
+        <a:lstStyle/>
+        <a:p>
+          <a:pPr marL="0" lvl="0" indent="0" algn="l" defTabSz="400050">
+            <a:lnSpc>
+              <a:spcPct val="90000"/>
+            </a:lnSpc>
+            <a:spcBef>
+              <a:spcPct val="0"/>
+            </a:spcBef>
+            <a:spcAft>
+              <a:spcPct val="35000"/>
+            </a:spcAft>
+            <a:buNone/>
+          </a:pPr>
+          <a:r>
+            <a:rPr lang="es-ES" sz="900" b="1" kern="1200" dirty="0">
+              <a:solidFill>
+                <a:srgbClr val="002060"/>
+              </a:solidFill>
+            </a:rPr>
+            <a:t>	Business </a:t>
+          </a:r>
+          <a:r>
+            <a:rPr lang="es-ES" sz="900" b="1" kern="1200" dirty="0" err="1">
+              <a:solidFill>
+                <a:srgbClr val="002060"/>
+              </a:solidFill>
+            </a:rPr>
+            <a:t>understanding</a:t>
+          </a:r>
+          <a:r>
+            <a:rPr lang="es-ES" sz="900" b="1" kern="1200" dirty="0">
+              <a:solidFill>
+                <a:srgbClr val="002060"/>
+              </a:solidFill>
+            </a:rPr>
+            <a:t> </a:t>
+          </a:r>
+          <a:r>
+            <a:rPr lang="es-ES" sz="900" kern="1200" dirty="0"/>
+            <a:t>– Todo el equipo</a:t>
+          </a:r>
+        </a:p>
+      </dsp:txBody>
+      <dsp:txXfrm>
+        <a:off x="1071719" y="0"/>
+        <a:ext cx="3941343" cy="492118"/>
+      </dsp:txXfrm>
+    </dsp:sp>
+    <dsp:sp modelId="{EF2D8EC3-8FE2-4E7C-B86A-83EDAF07162F}">
+      <dsp:nvSpPr>
+        <dsp:cNvPr id="0" name=""/>
+        <dsp:cNvSpPr/>
+      </dsp:nvSpPr>
+      <dsp:spPr>
+        <a:xfrm>
+          <a:off x="69107" y="53767"/>
+          <a:ext cx="1002612" cy="384583"/>
+        </a:xfrm>
+        <a:prstGeom prst="roundRect">
+          <a:avLst>
+            <a:gd name="adj" fmla="val 10000"/>
+          </a:avLst>
+        </a:prstGeom>
+        <a:blipFill>
+          <a:blip xmlns:r="http://schemas.openxmlformats.org/officeDocument/2006/relationships" r:embed="rId1"/>
+          <a:srcRect/>
+          <a:stretch>
+            <a:fillRect t="-84000" b="-84000"/>
+          </a:stretch>
+        </a:blipFill>
+        <a:ln w="25400" cap="flat" cmpd="sng" algn="ctr">
+          <a:solidFill>
+            <a:schemeClr val="lt1">
+              <a:hueOff val="0"/>
+              <a:satOff val="0"/>
+              <a:lumOff val="0"/>
+              <a:alphaOff val="0"/>
+            </a:schemeClr>
+          </a:solidFill>
+          <a:prstDash val="solid"/>
+        </a:ln>
+        <a:effectLst/>
+      </dsp:spPr>
+      <dsp:style>
+        <a:lnRef idx="2">
+          <a:scrgbClr r="0" g="0" b="0"/>
+        </a:lnRef>
+        <a:fillRef idx="1">
+          <a:scrgbClr r="0" g="0" b="0"/>
+        </a:fillRef>
+        <a:effectRef idx="0">
+          <a:scrgbClr r="0" g="0" b="0"/>
+        </a:effectRef>
+        <a:fontRef idx="minor"/>
+      </dsp:style>
+    </dsp:sp>
+    <dsp:sp modelId="{B12AE6C0-B4ED-4A08-98AA-6732B6DC385E}">
+      <dsp:nvSpPr>
+        <dsp:cNvPr id="0" name=""/>
+        <dsp:cNvSpPr/>
+      </dsp:nvSpPr>
+      <dsp:spPr bwMode="white">
+        <a:xfrm>
+          <a:off x="0" y="561225"/>
+          <a:ext cx="5013062" cy="823604"/>
+        </a:xfrm>
+        <a:prstGeom prst="roundRect">
+          <a:avLst>
+            <a:gd name="adj" fmla="val 10000"/>
+          </a:avLst>
+        </a:prstGeom>
+        <a:solidFill>
+          <a:schemeClr val="accent1">
+            <a:hueOff val="0"/>
+            <a:satOff val="0"/>
+            <a:lumOff val="0"/>
+            <a:alphaOff val="0"/>
+          </a:schemeClr>
+        </a:solidFill>
+        <a:ln w="25400" cap="flat" cmpd="sng" algn="ctr">
+          <a:solidFill>
+            <a:schemeClr val="lt1">
+              <a:hueOff val="0"/>
+              <a:satOff val="0"/>
+              <a:lumOff val="0"/>
+              <a:alphaOff val="0"/>
+            </a:schemeClr>
+          </a:solidFill>
+          <a:prstDash val="solid"/>
+        </a:ln>
+        <a:effectLst/>
+      </dsp:spPr>
+      <dsp:style>
+        <a:lnRef idx="2">
+          <a:scrgbClr r="0" g="0" b="0"/>
+        </a:lnRef>
+        <a:fillRef idx="1">
+          <a:scrgbClr r="0" g="0" b="0"/>
+        </a:fillRef>
+        <a:effectRef idx="0">
+          <a:scrgbClr r="0" g="0" b="0"/>
+        </a:effectRef>
+        <a:fontRef idx="minor">
+          <a:schemeClr val="lt1"/>
+        </a:fontRef>
+      </dsp:style>
+      <dsp:txBody>
+        <a:bodyPr spcFirstLastPara="0" vert="horz" wrap="square" lIns="30480" tIns="30480" rIns="30480" bIns="30480" numCol="1" spcCol="1270" anchor="ctr" anchorCtr="0">
+          <a:noAutofit/>
+        </a:bodyPr>
+        <a:lstStyle/>
+        <a:p>
+          <a:pPr marL="0" lvl="0" indent="0" algn="l" defTabSz="355600">
+            <a:lnSpc>
+              <a:spcPct val="90000"/>
+            </a:lnSpc>
+            <a:spcBef>
+              <a:spcPct val="0"/>
+            </a:spcBef>
+            <a:spcAft>
+              <a:spcPct val="35000"/>
+            </a:spcAft>
+            <a:buNone/>
+          </a:pPr>
+          <a:r>
+            <a:rPr lang="es-ES" sz="800" b="1" kern="1200" dirty="0">
+              <a:solidFill>
+                <a:srgbClr val="002060"/>
+              </a:solidFill>
+            </a:rPr>
+            <a:t>      	Data </a:t>
+          </a:r>
+          <a:r>
+            <a:rPr lang="es-ES" sz="800" b="1" kern="1200" dirty="0" err="1">
+              <a:solidFill>
+                <a:srgbClr val="002060"/>
+              </a:solidFill>
+            </a:rPr>
+            <a:t>understanding</a:t>
+          </a:r>
+          <a:r>
+            <a:rPr lang="es-ES" sz="800" b="1" kern="1200" dirty="0">
+              <a:solidFill>
+                <a:srgbClr val="002060"/>
+              </a:solidFill>
+            </a:rPr>
+            <a:t> </a:t>
+          </a:r>
+          <a:r>
+            <a:rPr lang="es-ES" sz="800" b="1" kern="1200" dirty="0"/>
+            <a:t>-</a:t>
+          </a:r>
+          <a:r>
+            <a:rPr lang="es-ES" sz="800" kern="1200" dirty="0"/>
+            <a:t>  Todo el equipo</a:t>
+          </a:r>
+        </a:p>
+        <a:p>
+          <a:pPr marL="0" lvl="0" indent="0" algn="l" defTabSz="355600">
+            <a:lnSpc>
+              <a:spcPct val="90000"/>
+            </a:lnSpc>
+            <a:spcBef>
+              <a:spcPct val="0"/>
+            </a:spcBef>
+            <a:spcAft>
+              <a:spcPct val="35000"/>
+            </a:spcAft>
+            <a:buNone/>
+          </a:pPr>
+          <a:r>
+            <a:rPr lang="es-ES" sz="800" kern="1200" dirty="0"/>
+            <a:t>  	Diseño del </a:t>
+          </a:r>
+          <a:r>
+            <a:rPr lang="es-ES" sz="800" kern="1200" dirty="0" err="1"/>
+            <a:t>metadata</a:t>
+          </a:r>
+          <a:r>
+            <a:rPr lang="es-ES" sz="800" kern="1200" dirty="0"/>
+            <a:t> – Melissa</a:t>
+          </a:r>
+        </a:p>
+        <a:p>
+          <a:pPr marL="0" lvl="0" indent="0" algn="l" defTabSz="355600">
+            <a:lnSpc>
+              <a:spcPct val="90000"/>
+            </a:lnSpc>
+            <a:spcBef>
+              <a:spcPct val="0"/>
+            </a:spcBef>
+            <a:spcAft>
+              <a:spcPct val="35000"/>
+            </a:spcAft>
+            <a:buNone/>
+          </a:pPr>
+          <a:r>
+            <a:rPr lang="es-ES" sz="800" kern="1200" dirty="0"/>
+            <a:t>     	EDA– </a:t>
+          </a:r>
+          <a:r>
+            <a:rPr lang="es-ES" sz="800" kern="1200" dirty="0" err="1"/>
+            <a:t>Wenjia</a:t>
+          </a:r>
+          <a:r>
+            <a:rPr lang="es-ES" sz="800" kern="1200" dirty="0"/>
+            <a:t> y </a:t>
+          </a:r>
+          <a:r>
+            <a:rPr lang="es-ES" sz="800" kern="1200" dirty="0" err="1"/>
+            <a:t>Siling</a:t>
+          </a:r>
+          <a:endParaRPr lang="es-ES" sz="800" kern="1200" dirty="0"/>
+        </a:p>
+        <a:p>
+          <a:pPr marL="0" lvl="0" indent="0" algn="l" defTabSz="355600">
+            <a:lnSpc>
+              <a:spcPct val="90000"/>
+            </a:lnSpc>
+            <a:spcBef>
+              <a:spcPct val="0"/>
+            </a:spcBef>
+            <a:spcAft>
+              <a:spcPct val="35000"/>
+            </a:spcAft>
+            <a:buNone/>
+          </a:pPr>
+          <a:r>
+            <a:rPr lang="es-ES" sz="800" kern="1200" dirty="0"/>
+            <a:t>     	Análisis de </a:t>
+          </a:r>
+          <a:r>
+            <a:rPr lang="es-ES" sz="800" kern="1200" dirty="0" err="1"/>
+            <a:t>outliers</a:t>
+          </a:r>
+          <a:r>
+            <a:rPr lang="es-ES" sz="800" kern="1200" dirty="0"/>
+            <a:t> (pre-imputación): Mario, Laura y Melissa</a:t>
+          </a:r>
+        </a:p>
+        <a:p>
+          <a:pPr marL="0" lvl="0" indent="0" algn="l" defTabSz="355600">
+            <a:lnSpc>
+              <a:spcPct val="90000"/>
+            </a:lnSpc>
+            <a:spcBef>
+              <a:spcPct val="0"/>
+            </a:spcBef>
+            <a:spcAft>
+              <a:spcPct val="35000"/>
+            </a:spcAft>
+            <a:buNone/>
+          </a:pPr>
+          <a:endParaRPr lang="es-ES" sz="800" kern="1200" dirty="0"/>
+        </a:p>
+      </dsp:txBody>
+      <dsp:txXfrm>
+        <a:off x="1071719" y="561225"/>
+        <a:ext cx="3941343" cy="823604"/>
+      </dsp:txXfrm>
+    </dsp:sp>
+    <dsp:sp modelId="{C9E8AD8B-B134-4129-BD9A-C060E9DACAFC}">
+      <dsp:nvSpPr>
+        <dsp:cNvPr id="0" name=""/>
+        <dsp:cNvSpPr/>
+      </dsp:nvSpPr>
+      <dsp:spPr>
+        <a:xfrm>
+          <a:off x="69107" y="639735"/>
+          <a:ext cx="1002612" cy="666584"/>
+        </a:xfrm>
+        <a:prstGeom prst="roundRect">
+          <a:avLst>
+            <a:gd name="adj" fmla="val 10000"/>
+          </a:avLst>
+        </a:prstGeom>
+        <a:blipFill>
+          <a:blip xmlns:r="http://schemas.openxmlformats.org/officeDocument/2006/relationships" r:embed="rId2"/>
+          <a:srcRect/>
+          <a:stretch>
+            <a:fillRect l="-9000" r="-9000"/>
+          </a:stretch>
+        </a:blipFill>
+        <a:ln w="25400" cap="flat" cmpd="sng" algn="ctr">
+          <a:solidFill>
+            <a:schemeClr val="lt1">
+              <a:hueOff val="0"/>
+              <a:satOff val="0"/>
+              <a:lumOff val="0"/>
+              <a:alphaOff val="0"/>
+            </a:schemeClr>
+          </a:solidFill>
+          <a:prstDash val="solid"/>
+        </a:ln>
+        <a:effectLst/>
+      </dsp:spPr>
+      <dsp:style>
+        <a:lnRef idx="2">
+          <a:scrgbClr r="0" g="0" b="0"/>
+        </a:lnRef>
+        <a:fillRef idx="1">
+          <a:scrgbClr r="0" g="0" b="0"/>
+        </a:fillRef>
+        <a:effectRef idx="0">
+          <a:scrgbClr r="0" g="0" b="0"/>
+        </a:effectRef>
+        <a:fontRef idx="minor"/>
+      </dsp:style>
+    </dsp:sp>
+    <dsp:sp modelId="{C6452C4A-60F5-47BC-8505-428BC48A03CB}">
+      <dsp:nvSpPr>
+        <dsp:cNvPr id="0" name=""/>
+        <dsp:cNvSpPr/>
+      </dsp:nvSpPr>
+      <dsp:spPr bwMode="white">
+        <a:xfrm>
+          <a:off x="0" y="1453936"/>
+          <a:ext cx="5013062" cy="904673"/>
+        </a:xfrm>
+        <a:prstGeom prst="roundRect">
+          <a:avLst>
+            <a:gd name="adj" fmla="val 10000"/>
+          </a:avLst>
+        </a:prstGeom>
+        <a:solidFill>
+          <a:schemeClr val="accent1">
+            <a:hueOff val="0"/>
+            <a:satOff val="0"/>
+            <a:lumOff val="0"/>
+            <a:alphaOff val="0"/>
+          </a:schemeClr>
+        </a:solidFill>
+        <a:ln w="25400" cap="flat" cmpd="sng" algn="ctr">
+          <a:solidFill>
+            <a:schemeClr val="lt1">
+              <a:hueOff val="0"/>
+              <a:satOff val="0"/>
+              <a:lumOff val="0"/>
+              <a:alphaOff val="0"/>
+            </a:schemeClr>
+          </a:solidFill>
+          <a:prstDash val="solid"/>
+        </a:ln>
+        <a:effectLst/>
+      </dsp:spPr>
+      <dsp:style>
+        <a:lnRef idx="2">
+          <a:scrgbClr r="0" g="0" b="0"/>
+        </a:lnRef>
+        <a:fillRef idx="1">
+          <a:scrgbClr r="0" g="0" b="0"/>
+        </a:fillRef>
+        <a:effectRef idx="0">
+          <a:scrgbClr r="0" g="0" b="0"/>
+        </a:effectRef>
+        <a:fontRef idx="minor">
+          <a:schemeClr val="lt1"/>
+        </a:fontRef>
+      </dsp:style>
+      <dsp:txBody>
+        <a:bodyPr spcFirstLastPara="0" vert="horz" wrap="square" lIns="30480" tIns="30480" rIns="30480" bIns="30480" numCol="1" spcCol="1270" anchor="ctr" anchorCtr="0">
+          <a:noAutofit/>
+        </a:bodyPr>
+        <a:lstStyle/>
+        <a:p>
+          <a:pPr marL="0" lvl="0" indent="0" algn="l" defTabSz="355600">
+            <a:lnSpc>
+              <a:spcPct val="90000"/>
+            </a:lnSpc>
+            <a:spcBef>
+              <a:spcPct val="0"/>
+            </a:spcBef>
+            <a:spcAft>
+              <a:spcPct val="35000"/>
+            </a:spcAft>
+            <a:buNone/>
+          </a:pPr>
+          <a:r>
+            <a:rPr lang="es-ES" sz="800" b="1" kern="1200" dirty="0">
+              <a:solidFill>
+                <a:srgbClr val="002060"/>
+              </a:solidFill>
+            </a:rPr>
+            <a:t> 	Data </a:t>
+          </a:r>
+          <a:r>
+            <a:rPr lang="es-ES" sz="800" b="1" kern="1200" dirty="0" err="1">
+              <a:solidFill>
+                <a:srgbClr val="002060"/>
+              </a:solidFill>
+            </a:rPr>
+            <a:t>preparation</a:t>
+          </a:r>
+          <a:endParaRPr lang="es-ES" sz="800" b="1" kern="1200" dirty="0">
+            <a:solidFill>
+              <a:srgbClr val="002060"/>
+            </a:solidFill>
+          </a:endParaRPr>
+        </a:p>
+        <a:p>
+          <a:pPr marL="0" lvl="0" indent="0" algn="l" defTabSz="355600">
+            <a:lnSpc>
+              <a:spcPct val="90000"/>
+            </a:lnSpc>
+            <a:spcBef>
+              <a:spcPct val="0"/>
+            </a:spcBef>
+            <a:spcAft>
+              <a:spcPct val="35000"/>
+            </a:spcAft>
+            <a:buNone/>
+          </a:pPr>
+          <a:r>
+            <a:rPr lang="es-ES" sz="800" kern="1200" dirty="0"/>
+            <a:t>	Imputación </a:t>
+          </a:r>
+          <a:r>
+            <a:rPr lang="es-ES" sz="800" kern="1200" dirty="0" err="1"/>
+            <a:t>missings</a:t>
+          </a:r>
+          <a:r>
+            <a:rPr lang="es-ES" sz="800" kern="1200" dirty="0"/>
+            <a:t> – Mario y Laura</a:t>
+          </a:r>
+        </a:p>
+        <a:p>
+          <a:pPr marL="0" lvl="0" indent="0" algn="l" defTabSz="355600">
+            <a:lnSpc>
+              <a:spcPct val="90000"/>
+            </a:lnSpc>
+            <a:spcBef>
+              <a:spcPct val="0"/>
+            </a:spcBef>
+            <a:spcAft>
+              <a:spcPct val="35000"/>
+            </a:spcAft>
+            <a:buNone/>
+          </a:pPr>
+          <a:r>
+            <a:rPr lang="es-ES" sz="800" kern="1200" dirty="0"/>
+            <a:t>	</a:t>
+          </a:r>
+          <a:r>
+            <a:rPr lang="es-ES" sz="800" kern="1200" dirty="0" err="1"/>
+            <a:t>Tratatamiento</a:t>
+          </a:r>
+          <a:r>
+            <a:rPr lang="es-ES" sz="800" kern="1200" dirty="0"/>
+            <a:t> </a:t>
+          </a:r>
+          <a:r>
+            <a:rPr lang="es-ES" sz="800" kern="1200" dirty="0" err="1"/>
+            <a:t>Outliers</a:t>
+          </a:r>
+          <a:r>
+            <a:rPr lang="es-ES" sz="800" kern="1200" dirty="0"/>
+            <a:t> – Mario, Laura y Melissa</a:t>
+          </a:r>
+        </a:p>
+        <a:p>
+          <a:pPr marL="0" lvl="0" indent="0" algn="l" defTabSz="355600">
+            <a:lnSpc>
+              <a:spcPct val="90000"/>
+            </a:lnSpc>
+            <a:spcBef>
+              <a:spcPct val="0"/>
+            </a:spcBef>
+            <a:spcAft>
+              <a:spcPct val="35000"/>
+            </a:spcAft>
+            <a:buNone/>
+          </a:pPr>
+          <a:r>
+            <a:rPr lang="es-ES" sz="800" kern="1200" dirty="0"/>
+            <a:t>	</a:t>
+          </a:r>
+          <a:r>
+            <a:rPr lang="es-ES" sz="800" kern="1200" dirty="0" err="1"/>
+            <a:t>Feature</a:t>
+          </a:r>
+          <a:r>
+            <a:rPr lang="es-ES" sz="800" kern="1200" dirty="0"/>
+            <a:t> </a:t>
+          </a:r>
+          <a:r>
+            <a:rPr lang="es-ES" sz="800" kern="1200" dirty="0" err="1"/>
+            <a:t>Engineering</a:t>
+          </a:r>
+          <a:r>
+            <a:rPr lang="es-ES" sz="800" kern="1200" dirty="0"/>
+            <a:t>– </a:t>
+          </a:r>
+          <a:r>
+            <a:rPr lang="es-ES" sz="800" kern="1200" dirty="0" err="1"/>
+            <a:t>Wenjia</a:t>
+          </a:r>
+          <a:r>
+            <a:rPr lang="es-ES" sz="800" kern="1200" dirty="0"/>
+            <a:t>, Melissa</a:t>
+          </a:r>
+        </a:p>
+      </dsp:txBody>
+      <dsp:txXfrm>
+        <a:off x="1071719" y="1453936"/>
+        <a:ext cx="3941343" cy="904673"/>
+      </dsp:txXfrm>
+    </dsp:sp>
+    <dsp:sp modelId="{D306C488-315E-46F7-B989-FFF5212BF6E2}">
+      <dsp:nvSpPr>
+        <dsp:cNvPr id="0" name=""/>
+        <dsp:cNvSpPr/>
+      </dsp:nvSpPr>
+      <dsp:spPr>
+        <a:xfrm>
+          <a:off x="69107" y="1577210"/>
+          <a:ext cx="1002612" cy="658125"/>
+        </a:xfrm>
+        <a:prstGeom prst="roundRect">
+          <a:avLst>
+            <a:gd name="adj" fmla="val 10000"/>
+          </a:avLst>
+        </a:prstGeom>
+        <a:blipFill>
+          <a:blip xmlns:r="http://schemas.openxmlformats.org/officeDocument/2006/relationships" r:embed="rId3"/>
+          <a:srcRect/>
+          <a:stretch>
+            <a:fillRect t="-8000" b="-8000"/>
+          </a:stretch>
+        </a:blipFill>
+        <a:ln w="25400" cap="flat" cmpd="sng" algn="ctr">
+          <a:solidFill>
+            <a:schemeClr val="lt1">
+              <a:hueOff val="0"/>
+              <a:satOff val="0"/>
+              <a:lumOff val="0"/>
+              <a:alphaOff val="0"/>
+            </a:schemeClr>
+          </a:solidFill>
+          <a:prstDash val="solid"/>
+        </a:ln>
+        <a:effectLst/>
+      </dsp:spPr>
+      <dsp:style>
+        <a:lnRef idx="2">
+          <a:scrgbClr r="0" g="0" b="0"/>
+        </a:lnRef>
+        <a:fillRef idx="1">
+          <a:scrgbClr r="0" g="0" b="0"/>
+        </a:fillRef>
+        <a:effectRef idx="0">
+          <a:scrgbClr r="0" g="0" b="0"/>
+        </a:effectRef>
+        <a:fontRef idx="minor"/>
+      </dsp:style>
+    </dsp:sp>
+    <dsp:sp modelId="{9368D843-76C1-42B0-834B-2DA28FCB0771}">
+      <dsp:nvSpPr>
+        <dsp:cNvPr id="0" name=""/>
+        <dsp:cNvSpPr/>
+      </dsp:nvSpPr>
+      <dsp:spPr bwMode="white">
+        <a:xfrm>
+          <a:off x="0" y="2427717"/>
+          <a:ext cx="5013062" cy="691070"/>
+        </a:xfrm>
+        <a:prstGeom prst="roundRect">
+          <a:avLst>
+            <a:gd name="adj" fmla="val 10000"/>
+          </a:avLst>
+        </a:prstGeom>
+        <a:solidFill>
+          <a:schemeClr val="accent1">
+            <a:hueOff val="0"/>
+            <a:satOff val="0"/>
+            <a:lumOff val="0"/>
+            <a:alphaOff val="0"/>
+          </a:schemeClr>
+        </a:solidFill>
+        <a:ln w="25400" cap="flat" cmpd="sng" algn="ctr">
+          <a:solidFill>
+            <a:schemeClr val="lt1">
+              <a:hueOff val="0"/>
+              <a:satOff val="0"/>
+              <a:lumOff val="0"/>
+              <a:alphaOff val="0"/>
+            </a:schemeClr>
+          </a:solidFill>
+          <a:prstDash val="solid"/>
+        </a:ln>
+        <a:effectLst/>
+      </dsp:spPr>
+      <dsp:style>
+        <a:lnRef idx="2">
+          <a:scrgbClr r="0" g="0" b="0"/>
+        </a:lnRef>
+        <a:fillRef idx="1">
+          <a:scrgbClr r="0" g="0" b="0"/>
+        </a:fillRef>
+        <a:effectRef idx="0">
+          <a:scrgbClr r="0" g="0" b="0"/>
+        </a:effectRef>
+        <a:fontRef idx="minor">
+          <a:schemeClr val="lt1"/>
+        </a:fontRef>
+      </dsp:style>
+      <dsp:txBody>
+        <a:bodyPr spcFirstLastPara="0" vert="horz" wrap="square" lIns="30480" tIns="30480" rIns="30480" bIns="30480" numCol="1" spcCol="1270" anchor="ctr" anchorCtr="0">
+          <a:noAutofit/>
+        </a:bodyPr>
+        <a:lstStyle/>
+        <a:p>
+          <a:pPr marL="0" lvl="0" indent="0" algn="l" defTabSz="355600">
+            <a:lnSpc>
+              <a:spcPct val="90000"/>
+            </a:lnSpc>
+            <a:spcBef>
+              <a:spcPct val="0"/>
+            </a:spcBef>
+            <a:spcAft>
+              <a:spcPct val="35000"/>
+            </a:spcAft>
+            <a:buNone/>
+          </a:pPr>
+          <a:r>
+            <a:rPr lang="es-ES" sz="800" b="1" kern="1200" dirty="0">
+              <a:solidFill>
+                <a:srgbClr val="002060"/>
+              </a:solidFill>
+            </a:rPr>
+            <a:t>            	</a:t>
+          </a:r>
+          <a:r>
+            <a:rPr lang="es-ES" sz="800" b="1" kern="1200" dirty="0" err="1">
+              <a:solidFill>
+                <a:srgbClr val="002060"/>
+              </a:solidFill>
+            </a:rPr>
+            <a:t>Modeling</a:t>
+          </a:r>
+          <a:r>
+            <a:rPr lang="es-ES" sz="800" b="1" kern="1200" dirty="0">
+              <a:solidFill>
+                <a:srgbClr val="002060"/>
+              </a:solidFill>
+            </a:rPr>
+            <a:t> &amp; </a:t>
+          </a:r>
+          <a:r>
+            <a:rPr lang="es-ES" sz="800" b="1" kern="1200" dirty="0" err="1">
+              <a:solidFill>
+                <a:srgbClr val="002060"/>
+              </a:solidFill>
+            </a:rPr>
+            <a:t>Evaluation</a:t>
+          </a:r>
+          <a:endParaRPr lang="es-ES" sz="800" b="1" kern="1200" dirty="0">
+            <a:solidFill>
+              <a:srgbClr val="002060"/>
+            </a:solidFill>
+          </a:endParaRPr>
+        </a:p>
+        <a:p>
+          <a:pPr marL="0" lvl="0" indent="0" algn="l" defTabSz="355600">
+            <a:lnSpc>
+              <a:spcPct val="90000"/>
+            </a:lnSpc>
+            <a:spcBef>
+              <a:spcPct val="0"/>
+            </a:spcBef>
+            <a:spcAft>
+              <a:spcPct val="35000"/>
+            </a:spcAft>
+            <a:buNone/>
+          </a:pPr>
+          <a:r>
+            <a:rPr lang="es-ES" sz="700" kern="1200" dirty="0"/>
+            <a:t>	KNN - </a:t>
+          </a:r>
+          <a:r>
+            <a:rPr lang="es-ES" sz="700" kern="1200" dirty="0" err="1"/>
+            <a:t>Siling</a:t>
+          </a:r>
+          <a:r>
+            <a:rPr lang="es-ES" sz="700" kern="1200" dirty="0"/>
+            <a:t>, Laura		SVM - Laura, Mario, </a:t>
+          </a:r>
+          <a:r>
+            <a:rPr lang="es-ES" sz="700" kern="1200" dirty="0" err="1"/>
+            <a:t>Wenjia</a:t>
+          </a:r>
+          <a:r>
+            <a:rPr lang="es-ES" sz="700" kern="1200" dirty="0"/>
+            <a:t>	</a:t>
+          </a:r>
+        </a:p>
+        <a:p>
+          <a:pPr marL="0" lvl="0" indent="0" algn="l" defTabSz="355600">
+            <a:lnSpc>
+              <a:spcPct val="90000"/>
+            </a:lnSpc>
+            <a:spcBef>
+              <a:spcPct val="0"/>
+            </a:spcBef>
+            <a:spcAft>
+              <a:spcPct val="35000"/>
+            </a:spcAft>
+            <a:buNone/>
+          </a:pPr>
+          <a:r>
+            <a:rPr lang="es-ES" sz="700" kern="1200" dirty="0"/>
+            <a:t>               </a:t>
+          </a:r>
+          <a:r>
+            <a:rPr lang="es-ES" sz="700" kern="1200" dirty="0" err="1"/>
+            <a:t>Naive</a:t>
+          </a:r>
+          <a:r>
+            <a:rPr lang="es-ES" sz="700" kern="1200" dirty="0"/>
+            <a:t> Bayes - Melissa, </a:t>
+          </a:r>
+          <a:r>
+            <a:rPr lang="es-ES" sz="700" kern="1200" dirty="0" err="1"/>
+            <a:t>Wenjia</a:t>
+          </a:r>
+          <a:r>
+            <a:rPr lang="es-ES" sz="700" kern="1200" dirty="0"/>
+            <a:t>	</a:t>
+          </a:r>
+          <a:r>
+            <a:rPr lang="es-ES" sz="700" kern="1200" dirty="0" err="1"/>
+            <a:t>XGBoost</a:t>
+          </a:r>
+          <a:r>
+            <a:rPr lang="es-ES" sz="700" kern="1200" dirty="0"/>
+            <a:t> - </a:t>
+          </a:r>
+          <a:r>
+            <a:rPr lang="es-ES" sz="700" kern="1200" dirty="0" err="1"/>
+            <a:t>Wenjia</a:t>
+          </a:r>
+          <a:r>
+            <a:rPr lang="es-ES" sz="700" kern="1200" dirty="0"/>
+            <a:t>, Melissa, </a:t>
+          </a:r>
+          <a:r>
+            <a:rPr lang="es-ES" sz="700" kern="1200" dirty="0" err="1"/>
+            <a:t>Siling</a:t>
+          </a:r>
+          <a:r>
+            <a:rPr lang="es-ES" sz="700" kern="1200" dirty="0"/>
+            <a:t>, Mario</a:t>
+          </a:r>
+        </a:p>
+        <a:p>
+          <a:pPr marL="0" lvl="0" indent="0" algn="l" defTabSz="355600">
+            <a:lnSpc>
+              <a:spcPct val="90000"/>
+            </a:lnSpc>
+            <a:spcBef>
+              <a:spcPct val="0"/>
+            </a:spcBef>
+            <a:spcAft>
+              <a:spcPct val="35000"/>
+            </a:spcAft>
+            <a:buNone/>
+          </a:pPr>
+          <a:r>
+            <a:rPr lang="es-ES" sz="700" kern="1200" dirty="0"/>
+            <a:t>               GLM - </a:t>
+          </a:r>
+          <a:r>
+            <a:rPr lang="es-ES" sz="700" kern="1200" dirty="0" err="1"/>
+            <a:t>Wenjia</a:t>
+          </a:r>
+          <a:r>
+            <a:rPr lang="es-ES" sz="700" kern="1200" dirty="0"/>
+            <a:t>, Melissa		</a:t>
+          </a:r>
+          <a:r>
+            <a:rPr lang="es-ES" sz="700" kern="1200" dirty="0" err="1"/>
+            <a:t>Random</a:t>
+          </a:r>
+          <a:r>
+            <a:rPr lang="es-ES" sz="700" kern="1200" dirty="0"/>
+            <a:t> Forest - </a:t>
+          </a:r>
+          <a:r>
+            <a:rPr lang="es-ES" sz="700" kern="1200" dirty="0" err="1"/>
+            <a:t>Wenjia</a:t>
+          </a:r>
+          <a:r>
+            <a:rPr lang="es-ES" sz="700" kern="1200" dirty="0"/>
+            <a:t>, Melissa, Mario</a:t>
+          </a:r>
+          <a:endParaRPr lang="es-ES" sz="800" b="1" kern="1200" dirty="0">
+            <a:solidFill>
+              <a:srgbClr val="002060"/>
+            </a:solidFill>
+          </a:endParaRPr>
+        </a:p>
+      </dsp:txBody>
+      <dsp:txXfrm>
+        <a:off x="1071719" y="2427717"/>
+        <a:ext cx="3941343" cy="691070"/>
+      </dsp:txXfrm>
+    </dsp:sp>
+    <dsp:sp modelId="{D58F51A8-C9AC-49A7-BF07-49E56398E46B}">
+      <dsp:nvSpPr>
+        <dsp:cNvPr id="0" name=""/>
+        <dsp:cNvSpPr/>
+      </dsp:nvSpPr>
+      <dsp:spPr>
+        <a:xfrm>
+          <a:off x="69107" y="2496824"/>
+          <a:ext cx="1002612" cy="552856"/>
+        </a:xfrm>
+        <a:prstGeom prst="roundRect">
+          <a:avLst>
+            <a:gd name="adj" fmla="val 10000"/>
+          </a:avLst>
+        </a:prstGeom>
+        <a:blipFill>
+          <a:blip xmlns:r="http://schemas.openxmlformats.org/officeDocument/2006/relationships" r:embed="rId4"/>
+          <a:srcRect/>
+          <a:stretch>
+            <a:fillRect l="-3000" r="-3000"/>
+          </a:stretch>
+        </a:blipFill>
+        <a:ln w="25400" cap="flat" cmpd="sng" algn="ctr">
+          <a:solidFill>
+            <a:schemeClr val="lt1">
+              <a:hueOff val="0"/>
+              <a:satOff val="0"/>
+              <a:lumOff val="0"/>
+              <a:alphaOff val="0"/>
+            </a:schemeClr>
+          </a:solidFill>
+          <a:prstDash val="solid"/>
+        </a:ln>
+        <a:effectLst/>
+      </dsp:spPr>
+      <dsp:style>
+        <a:lnRef idx="2">
+          <a:scrgbClr r="0" g="0" b="0"/>
+        </a:lnRef>
+        <a:fillRef idx="1">
+          <a:scrgbClr r="0" g="0" b="0"/>
+        </a:fillRef>
+        <a:effectRef idx="0">
+          <a:scrgbClr r="0" g="0" b="0"/>
+        </a:effectRef>
+        <a:fontRef idx="minor"/>
+      </dsp:style>
+    </dsp:sp>
+    <dsp:sp modelId="{34B88185-A619-4D08-836A-F611598437A8}">
+      <dsp:nvSpPr>
+        <dsp:cNvPr id="0" name=""/>
+        <dsp:cNvSpPr/>
+      </dsp:nvSpPr>
+      <dsp:spPr bwMode="white">
+        <a:xfrm>
+          <a:off x="0" y="3188498"/>
+          <a:ext cx="5013062" cy="497211"/>
+        </a:xfrm>
+        <a:prstGeom prst="roundRect">
+          <a:avLst>
+            <a:gd name="adj" fmla="val 10000"/>
+          </a:avLst>
+        </a:prstGeom>
+        <a:solidFill>
+          <a:schemeClr val="accent1">
+            <a:hueOff val="0"/>
+            <a:satOff val="0"/>
+            <a:lumOff val="0"/>
+            <a:alphaOff val="0"/>
+          </a:schemeClr>
+        </a:solidFill>
+        <a:ln w="25400" cap="flat" cmpd="sng" algn="ctr">
+          <a:solidFill>
+            <a:schemeClr val="lt1">
+              <a:hueOff val="0"/>
+              <a:satOff val="0"/>
+              <a:lumOff val="0"/>
+              <a:alphaOff val="0"/>
+            </a:schemeClr>
+          </a:solidFill>
+          <a:prstDash val="solid"/>
+        </a:ln>
+        <a:effectLst/>
+      </dsp:spPr>
+      <dsp:style>
+        <a:lnRef idx="2">
+          <a:scrgbClr r="0" g="0" b="0"/>
+        </a:lnRef>
+        <a:fillRef idx="1">
+          <a:scrgbClr r="0" g="0" b="0"/>
+        </a:fillRef>
+        <a:effectRef idx="0">
+          <a:scrgbClr r="0" g="0" b="0"/>
+        </a:effectRef>
+        <a:fontRef idx="minor">
+          <a:schemeClr val="lt1"/>
+        </a:fontRef>
+      </dsp:style>
+      <dsp:txBody>
+        <a:bodyPr spcFirstLastPara="0" vert="horz" wrap="square" lIns="30480" tIns="30480" rIns="30480" bIns="30480" numCol="1" spcCol="1270" anchor="ctr" anchorCtr="0">
+          <a:noAutofit/>
+        </a:bodyPr>
+        <a:lstStyle/>
+        <a:p>
+          <a:pPr marL="0" lvl="0" indent="0" algn="l" defTabSz="355600">
+            <a:lnSpc>
+              <a:spcPct val="90000"/>
+            </a:lnSpc>
+            <a:spcBef>
+              <a:spcPct val="0"/>
+            </a:spcBef>
+            <a:spcAft>
+              <a:spcPct val="35000"/>
+            </a:spcAft>
+            <a:buNone/>
+          </a:pPr>
+          <a:r>
+            <a:rPr lang="es-ES" sz="800" b="1" kern="1200" dirty="0">
+              <a:solidFill>
+                <a:srgbClr val="002060"/>
+              </a:solidFill>
+            </a:rPr>
+            <a:t>            	</a:t>
+          </a:r>
+          <a:r>
+            <a:rPr lang="es-ES" sz="800" b="1" kern="1200" dirty="0" err="1">
+              <a:solidFill>
+                <a:srgbClr val="002060"/>
+              </a:solidFill>
+            </a:rPr>
+            <a:t>Association</a:t>
+          </a:r>
+          <a:r>
+            <a:rPr lang="es-ES" sz="800" b="1" kern="1200" dirty="0">
+              <a:solidFill>
+                <a:srgbClr val="002060"/>
+              </a:solidFill>
+            </a:rPr>
+            <a:t> Rules </a:t>
+          </a:r>
+          <a:r>
+            <a:rPr lang="es-ES" sz="800" kern="1200" dirty="0"/>
+            <a:t>- Mario</a:t>
+          </a:r>
+        </a:p>
+      </dsp:txBody>
+      <dsp:txXfrm>
+        <a:off x="1071719" y="3188498"/>
+        <a:ext cx="3941343" cy="497211"/>
+      </dsp:txXfrm>
+    </dsp:sp>
+    <dsp:sp modelId="{F2ED9228-CFBA-4661-8996-A0E7EA7BA1F7}">
+      <dsp:nvSpPr>
+        <dsp:cNvPr id="0" name=""/>
+        <dsp:cNvSpPr/>
+      </dsp:nvSpPr>
+      <dsp:spPr>
+        <a:xfrm rot="10800000" flipV="1">
+          <a:off x="69107" y="3247680"/>
+          <a:ext cx="1002612" cy="377639"/>
+        </a:xfrm>
+        <a:prstGeom prst="roundRect">
+          <a:avLst>
+            <a:gd name="adj" fmla="val 10000"/>
+          </a:avLst>
+        </a:prstGeom>
+        <a:blipFill>
+          <a:blip xmlns:r="http://schemas.openxmlformats.org/officeDocument/2006/relationships" r:embed="rId5"/>
+          <a:srcRect/>
+          <a:stretch>
+            <a:fillRect t="-17000" b="-17000"/>
+          </a:stretch>
+        </a:blipFill>
+        <a:ln w="25400" cap="flat" cmpd="sng" algn="ctr">
+          <a:solidFill>
+            <a:schemeClr val="lt1">
+              <a:hueOff val="0"/>
+              <a:satOff val="0"/>
+              <a:lumOff val="0"/>
+              <a:alphaOff val="0"/>
+            </a:schemeClr>
+          </a:solidFill>
+          <a:prstDash val="solid"/>
+        </a:ln>
+        <a:effectLst/>
+      </dsp:spPr>
+      <dsp:style>
+        <a:lnRef idx="2">
+          <a:scrgbClr r="0" g="0" b="0"/>
+        </a:lnRef>
+        <a:fillRef idx="1">
+          <a:scrgbClr r="0" g="0" b="0"/>
+        </a:fillRef>
+        <a:effectRef idx="0">
+          <a:scrgbClr r="0" g="0" b="0"/>
+        </a:effectRef>
+        <a:fontRef idx="minor"/>
+      </dsp:style>
+    </dsp:sp>
+  </dsp:spTree>
+</dsp:drawing>
+</file>
+
+<file path=ppt/diagrams/drawing2.xml><?xml version="1.0" encoding="utf-8"?>
+<dsp:drawing xmlns:dgm="http://schemas.openxmlformats.org/drawingml/2006/diagram" xmlns:dsp="http://schemas.microsoft.com/office/drawing/2008/diagram" xmlns:a="http://schemas.openxmlformats.org/drawingml/2006/main">
+  <dsp:spTree>
+    <dsp:nvGrpSpPr>
+      <dsp:cNvPr id="0" name=""/>
+      <dsp:cNvGrpSpPr/>
+    </dsp:nvGrpSpPr>
+    <dsp:grpSpPr/>
+    <dsp:sp modelId="{73A4D826-B1A8-D24F-BF3E-D0DBA84542CC}">
+      <dsp:nvSpPr>
+        <dsp:cNvPr id="0" name=""/>
+        <dsp:cNvSpPr/>
+      </dsp:nvSpPr>
+      <dsp:spPr bwMode="white">
+        <a:xfrm>
+          <a:off x="0" y="0"/>
+          <a:ext cx="1617045" cy="572700"/>
+        </a:xfrm>
+        <a:prstGeom prst="chevron">
+          <a:avLst/>
+        </a:prstGeom>
+        <a:solidFill>
+          <a:schemeClr val="accent1">
+            <a:hueOff val="0"/>
+            <a:satOff val="0"/>
+            <a:lumOff val="0"/>
+            <a:alphaOff val="0"/>
+          </a:schemeClr>
+        </a:solidFill>
+        <a:ln w="25400" cap="flat" cmpd="sng" algn="ctr">
+          <a:solidFill>
+            <a:schemeClr val="lt1">
+              <a:hueOff val="0"/>
+              <a:satOff val="0"/>
+              <a:lumOff val="0"/>
+              <a:alphaOff val="0"/>
+            </a:schemeClr>
+          </a:solidFill>
+          <a:prstDash val="solid"/>
+        </a:ln>
+        <a:effectLst/>
       </dsp:spPr>
       <dsp:style>
         <a:lnRef idx="2">
@@ -3462,40 +4641,14 @@
         </a:fontRef>
       </dsp:style>
       <dsp:txBody>
-        <a:bodyPr lIns="34290" tIns="34290" rIns="34290" bIns="34290" anchor="ctr"/>
-        <a:lstStyle>
-          <a:lvl1pPr algn="l">
-            <a:defRPr sz="6500"/>
-          </a:lvl1pPr>
-          <a:lvl2pPr marL="285750" indent="-285750" algn="l">
-            <a:defRPr sz="5000"/>
-          </a:lvl2pPr>
-          <a:lvl3pPr marL="571500" indent="-285750" algn="l">
-            <a:defRPr sz="5000"/>
-          </a:lvl3pPr>
-          <a:lvl4pPr marL="857250" indent="-285750" algn="l">
-            <a:defRPr sz="5000"/>
-          </a:lvl4pPr>
-          <a:lvl5pPr marL="1143000" indent="-285750" algn="l">
-            <a:defRPr sz="5000"/>
-          </a:lvl5pPr>
-          <a:lvl6pPr marL="1428750" indent="-285750" algn="l">
-            <a:defRPr sz="5000"/>
-          </a:lvl6pPr>
-          <a:lvl7pPr marL="1714500" indent="-285750" algn="l">
-            <a:defRPr sz="5000"/>
-          </a:lvl7pPr>
-          <a:lvl8pPr marL="2000250" indent="-285750" algn="l">
-            <a:defRPr sz="5000"/>
-          </a:lvl8pPr>
-          <a:lvl9pPr marL="2286000" indent="-285750" algn="l">
-            <a:defRPr sz="5000"/>
-          </a:lvl9pPr>
-        </a:lstStyle>
+        <a:bodyPr spcFirstLastPara="0" vert="horz" wrap="square" lIns="124015" tIns="41338" rIns="41338" bIns="41338" numCol="1" spcCol="1270" anchor="ctr" anchorCtr="0">
+          <a:noAutofit/>
+        </a:bodyPr>
+        <a:lstStyle/>
         <a:p>
-          <a:pPr lvl="0">
+          <a:pPr marL="0" lvl="0" indent="0" algn="ctr" defTabSz="1600200">
             <a:lnSpc>
-              <a:spcPct val="100000"/>
+              <a:spcPct val="90000"/>
             </a:lnSpc>
             <a:spcBef>
               <a:spcPct val="0"/>
@@ -3503,99 +4656,65 @@
             <a:spcAft>
               <a:spcPct val="35000"/>
             </a:spcAft>
+            <a:buNone/>
           </a:pPr>
           <a:r>
-            <a:rPr lang="es-ES" sz="900" b="1" dirty="0">
-              <a:solidFill>
-                <a:srgbClr val="002060"/>
-              </a:solidFill>
-            </a:rPr>
-            <a:t>	Business </a:t>
+            <a:rPr lang="es-ES" sz="3600" b="1" i="0" kern="1200" dirty="0"/>
+            <a:t>9NN</a:t>
           </a:r>
-          <a:r>
-            <a:rPr lang="es-ES" sz="900" b="1" dirty="0" err="1">
-              <a:solidFill>
-                <a:srgbClr val="002060"/>
-              </a:solidFill>
-            </a:rPr>
-            <a:t>understanding</a:t>
-          </a:r>
-          <a:r>
-            <a:rPr lang="es-ES" sz="900" b="1" dirty="0">
-              <a:solidFill>
-                <a:srgbClr val="002060"/>
-              </a:solidFill>
-            </a:rPr>
-            <a:t> </a:t>
-          </a:r>
-          <a:r>
-            <a:rPr lang="es-ES" sz="900" dirty="0"/>
-            <a:t>– Todo el equipo</a:t>
-          </a:r>
+          <a:endParaRPr lang="en-US" sz="3600" kern="1200" dirty="0"/>
         </a:p>
       </dsp:txBody>
       <dsp:txXfrm>
         <a:off x="0" y="0"/>
-        <a:ext cx="5013063" cy="682539"/>
+        <a:ext cx="1617045" cy="572700"/>
       </dsp:txXfrm>
     </dsp:sp>
-    <dsp:sp modelId="{EF2D8EC3-8FE2-4E7C-B86A-83EDAF07162F}">
+  </dsp:spTree>
+</dsp:drawing>
+</file>
+
+<file path=ppt/diagrams/drawing3.xml><?xml version="1.0" encoding="utf-8"?>
+<dsp:drawing xmlns:dgm="http://schemas.openxmlformats.org/drawingml/2006/diagram" xmlns:dsp="http://schemas.microsoft.com/office/drawing/2008/diagram" xmlns:a="http://schemas.openxmlformats.org/drawingml/2006/main">
+  <dsp:spTree>
+    <dsp:nvGrpSpPr>
+      <dsp:cNvPr id="0" name=""/>
+      <dsp:cNvGrpSpPr/>
+    </dsp:nvGrpSpPr>
+    <dsp:grpSpPr/>
+    <dsp:sp modelId="{259A7068-6F6F-9B4D-894D-518C62EBCA00}">
       <dsp:nvSpPr>
-        <dsp:cNvPr id="4" name="圆角矩形 3"/>
+        <dsp:cNvPr id="0" name=""/>
         <dsp:cNvSpPr/>
       </dsp:nvSpPr>
       <dsp:spPr bwMode="white">
         <a:xfrm>
-          <a:off x="68254" y="68254"/>
-          <a:ext cx="1002613" cy="546031"/>
+          <a:off x="789111" y="0"/>
+          <a:ext cx="1327175" cy="530870"/>
         </a:xfrm>
-        <a:prstGeom prst="roundRect">
-          <a:avLst>
-            <a:gd name="adj" fmla="val 10000"/>
-          </a:avLst>
+        <a:prstGeom prst="chevron">
+          <a:avLst/>
         </a:prstGeom>
-        <a:blipFill>
-          <a:blip r:embed="rId1"/>
-          <a:srcRect/>
-          <a:stretch>
-            <a:fillRect t="-84000" b="-84000"/>
-          </a:stretch>
-        </a:blipFill>
-      </dsp:spPr>
-      <dsp:style>
-        <a:lnRef idx="2">
-          <a:schemeClr val="lt1"/>
-        </a:lnRef>
-        <a:fillRef idx="1">
+        <a:solidFill>
           <a:schemeClr val="accent1">
-            <a:tint val="50000"/>
+            <a:hueOff val="0"/>
+            <a:satOff val="0"/>
+            <a:lumOff val="0"/>
+            <a:alphaOff val="0"/>
           </a:schemeClr>
-        </a:fillRef>
-        <a:effectRef idx="0">
-          <a:scrgbClr r="0" g="0" b="0"/>
-        </a:effectRef>
-        <a:fontRef idx="minor"/>
-      </dsp:style>
-      <dsp:txXfrm>
-        <a:off x="68254" y="68254"/>
-        <a:ext cx="1002613" cy="546031"/>
-      </dsp:txXfrm>
-    </dsp:sp>
-    <dsp:sp modelId="{B12AE6C0-B4ED-4A08-98AA-6732B6DC385E}">
-      <dsp:nvSpPr>
-        <dsp:cNvPr id="5" name="圆角矩形 4"/>
-        <dsp:cNvSpPr/>
-      </dsp:nvSpPr>
-      <dsp:spPr bwMode="white">
-        <a:xfrm>
-          <a:off x="0" y="750793"/>
-          <a:ext cx="5013063" cy="682539"/>
-        </a:xfrm>
-        <a:prstGeom prst="roundRect">
-          <a:avLst>
-            <a:gd name="adj" fmla="val 10000"/>
-          </a:avLst>
-        </a:prstGeom>
+        </a:solidFill>
+        <a:ln w="25400" cap="flat" cmpd="sng" algn="ctr">
+          <a:solidFill>
+            <a:schemeClr val="lt1">
+              <a:hueOff val="0"/>
+              <a:satOff val="0"/>
+              <a:lumOff val="0"/>
+              <a:alphaOff val="0"/>
+            </a:schemeClr>
+          </a:solidFill>
+          <a:prstDash val="solid"/>
+        </a:ln>
+        <a:effectLst/>
       </dsp:spPr>
       <dsp:style>
         <a:lnRef idx="2">
@@ -3612,40 +4731,14 @@
         </a:fontRef>
       </dsp:style>
       <dsp:txBody>
-        <a:bodyPr lIns="30480" tIns="30480" rIns="30480" bIns="30480" anchor="ctr"/>
-        <a:lstStyle>
-          <a:lvl1pPr algn="l">
-            <a:defRPr sz="6500"/>
-          </a:lvl1pPr>
-          <a:lvl2pPr marL="285750" indent="-285750" algn="l">
-            <a:defRPr sz="5000"/>
-          </a:lvl2pPr>
-          <a:lvl3pPr marL="571500" indent="-285750" algn="l">
-            <a:defRPr sz="5000"/>
-          </a:lvl3pPr>
-          <a:lvl4pPr marL="857250" indent="-285750" algn="l">
-            <a:defRPr sz="5000"/>
-          </a:lvl4pPr>
-          <a:lvl5pPr marL="1143000" indent="-285750" algn="l">
-            <a:defRPr sz="5000"/>
-          </a:lvl5pPr>
-          <a:lvl6pPr marL="1428750" indent="-285750" algn="l">
-            <a:defRPr sz="5000"/>
-          </a:lvl6pPr>
-          <a:lvl7pPr marL="1714500" indent="-285750" algn="l">
-            <a:defRPr sz="5000"/>
-          </a:lvl7pPr>
-          <a:lvl8pPr marL="2000250" indent="-285750" algn="l">
-            <a:defRPr sz="5000"/>
-          </a:lvl8pPr>
-          <a:lvl9pPr marL="2286000" indent="-285750" algn="l">
-            <a:defRPr sz="5000"/>
-          </a:lvl9pPr>
-        </a:lstStyle>
+        <a:bodyPr spcFirstLastPara="0" vert="horz" wrap="square" lIns="20320" tIns="10160" rIns="0" bIns="10160" numCol="1" spcCol="1270" anchor="ctr" anchorCtr="0">
+          <a:noAutofit/>
+        </a:bodyPr>
+        <a:lstStyle/>
         <a:p>
-          <a:pPr lvl="0">
+          <a:pPr marL="0" lvl="0" indent="0" algn="ctr" defTabSz="1600200">
             <a:lnSpc>
-              <a:spcPct val="100000"/>
+              <a:spcPct val="90000"/>
             </a:lnSpc>
             <a:spcBef>
               <a:spcPct val="0"/>
@@ -3653,1025 +4746,17 @@
             <a:spcAft>
               <a:spcPct val="35000"/>
             </a:spcAft>
+            <a:buNone/>
           </a:pPr>
           <a:r>
-            <a:rPr lang="es-ES" sz="800" b="1" dirty="0">
-              <a:solidFill>
-                <a:srgbClr val="002060"/>
-              </a:solidFill>
-            </a:rPr>
-            <a:t>      	Data </a:t>
-          </a:r>
-          <a:r>
-            <a:rPr lang="es-ES" sz="800" b="1" dirty="0" err="1">
-              <a:solidFill>
-                <a:srgbClr val="002060"/>
-              </a:solidFill>
-            </a:rPr>
-            <a:t>understanding</a:t>
-          </a:r>
-          <a:r>
-            <a:rPr lang="es-ES" sz="800" b="1" dirty="0">
-              <a:solidFill>
-                <a:srgbClr val="002060"/>
-              </a:solidFill>
-            </a:rPr>
-            <a:t> </a:t>
-          </a:r>
-          <a:r>
-            <a:rPr lang="es-ES" sz="800" b="1" dirty="0"/>
-            <a:t>-</a:t>
-          </a:r>
-          <a:r>
-            <a:rPr lang="es-ES" sz="800" dirty="0"/>
-            <a:t>  Todo el equipo</a:t>
-          </a:r>
-          <a:endParaRPr lang="es-ES" sz="800" dirty="0"/>
-        </a:p>
-        <a:p>
-          <a:pPr lvl="0">
-            <a:lnSpc>
-              <a:spcPct val="100000"/>
-            </a:lnSpc>
-            <a:spcBef>
-              <a:spcPct val="0"/>
-            </a:spcBef>
-            <a:spcAft>
-              <a:spcPct val="35000"/>
-            </a:spcAft>
-          </a:pPr>
-          <a:r>
-            <a:rPr lang="es-ES" sz="800" dirty="0"/>
-            <a:t>  	Diseño del </a:t>
-          </a:r>
-          <a:r>
-            <a:rPr lang="es-ES" sz="800" dirty="0" err="1"/>
-            <a:t>metadata</a:t>
-          </a:r>
-          <a:r>
-            <a:rPr lang="es-ES" sz="800" dirty="0"/>
-            <a:t> – Melissa</a:t>
-          </a:r>
-          <a:endParaRPr lang="es-ES" sz="800" dirty="0"/>
-        </a:p>
-        <a:p>
-          <a:pPr lvl="0">
-            <a:lnSpc>
-              <a:spcPct val="100000"/>
-            </a:lnSpc>
-            <a:spcBef>
-              <a:spcPct val="0"/>
-            </a:spcBef>
-            <a:spcAft>
-              <a:spcPct val="35000"/>
-            </a:spcAft>
-          </a:pPr>
-          <a:r>
-            <a:rPr lang="es-ES" sz="800" dirty="0"/>
-            <a:t>     	EDA– </a:t>
-          </a:r>
-          <a:r>
-            <a:rPr lang="es-ES" sz="800" dirty="0" err="1"/>
-            <a:t>Wenjia</a:t>
-          </a:r>
-          <a:r>
-            <a:rPr lang="es-ES" sz="800" dirty="0"/>
-            <a:t> y </a:t>
-          </a:r>
-          <a:r>
-            <a:rPr lang="es-ES" sz="800" dirty="0" err="1"/>
-            <a:t>Siling</a:t>
-          </a:r>
-          <a:endParaRPr lang="es-ES" sz="800" dirty="0"/>
-        </a:p>
-        <a:p>
-          <a:pPr lvl="0">
-            <a:lnSpc>
-              <a:spcPct val="100000"/>
-            </a:lnSpc>
-            <a:spcBef>
-              <a:spcPct val="0"/>
-            </a:spcBef>
-            <a:spcAft>
-              <a:spcPct val="35000"/>
-            </a:spcAft>
-          </a:pPr>
-          <a:r>
-            <a:rPr lang="es-ES" sz="800" dirty="0"/>
-            <a:t>     	Análisis de </a:t>
-          </a:r>
-          <a:r>
-            <a:rPr lang="es-ES" sz="800" dirty="0" err="1"/>
-            <a:t>outliers</a:t>
-          </a:r>
-          <a:r>
-            <a:rPr lang="es-ES" sz="800" dirty="0"/>
-            <a:t> (pre-imputación): Mario, Laura y Melissa</a:t>
-          </a:r>
-          <a:endParaRPr lang="es-ES" sz="800" dirty="0"/>
-        </a:p>
-        <a:p>
-          <a:pPr lvl="0">
-            <a:lnSpc>
-              <a:spcPct val="100000"/>
-            </a:lnSpc>
-            <a:spcBef>
-              <a:spcPct val="0"/>
-            </a:spcBef>
-            <a:spcAft>
-              <a:spcPct val="35000"/>
-            </a:spcAft>
-          </a:pPr>
-          <a:endParaRPr lang="es-ES" sz="800" dirty="0"/>
-        </a:p>
-      </dsp:txBody>
-      <dsp:txXfrm>
-        <a:off x="0" y="750793"/>
-        <a:ext cx="5013063" cy="682539"/>
-      </dsp:txXfrm>
-    </dsp:sp>
-    <dsp:sp modelId="{C9E8AD8B-B134-4129-BD9A-C060E9DACAFC}">
-      <dsp:nvSpPr>
-        <dsp:cNvPr id="6" name="圆角矩形 5"/>
-        <dsp:cNvSpPr/>
-      </dsp:nvSpPr>
-      <dsp:spPr bwMode="white">
-        <a:xfrm>
-          <a:off x="68254" y="819047"/>
-          <a:ext cx="1002613" cy="546031"/>
-        </a:xfrm>
-        <a:prstGeom prst="roundRect">
-          <a:avLst>
-            <a:gd name="adj" fmla="val 10000"/>
-          </a:avLst>
-        </a:prstGeom>
-        <a:blipFill>
-          <a:blip r:embed="rId2"/>
-          <a:srcRect/>
-          <a:stretch>
-            <a:fillRect l="-9000" r="-9000"/>
-          </a:stretch>
-        </a:blipFill>
-      </dsp:spPr>
-      <dsp:style>
-        <a:lnRef idx="2">
-          <a:schemeClr val="lt1"/>
-        </a:lnRef>
-        <a:fillRef idx="1">
-          <a:schemeClr val="accent1">
-            <a:tint val="50000"/>
-          </a:schemeClr>
-        </a:fillRef>
-        <a:effectRef idx="0">
-          <a:scrgbClr r="0" g="0" b="0"/>
-        </a:effectRef>
-        <a:fontRef idx="minor"/>
-      </dsp:style>
-      <dsp:txXfrm>
-        <a:off x="68254" y="819047"/>
-        <a:ext cx="1002613" cy="546031"/>
-      </dsp:txXfrm>
-    </dsp:sp>
-    <dsp:sp modelId="{C6452C4A-60F5-47BC-8505-428BC48A03CB}">
-      <dsp:nvSpPr>
-        <dsp:cNvPr id="7" name="圆角矩形 6"/>
-        <dsp:cNvSpPr/>
-      </dsp:nvSpPr>
-      <dsp:spPr bwMode="white">
-        <a:xfrm>
-          <a:off x="0" y="1501586"/>
-          <a:ext cx="5013063" cy="682539"/>
-        </a:xfrm>
-        <a:prstGeom prst="roundRect">
-          <a:avLst>
-            <a:gd name="adj" fmla="val 10000"/>
-          </a:avLst>
-        </a:prstGeom>
-      </dsp:spPr>
-      <dsp:style>
-        <a:lnRef idx="2">
-          <a:schemeClr val="lt1"/>
-        </a:lnRef>
-        <a:fillRef idx="1">
-          <a:schemeClr val="accent1"/>
-        </a:fillRef>
-        <a:effectRef idx="0">
-          <a:scrgbClr r="0" g="0" b="0"/>
-        </a:effectRef>
-        <a:fontRef idx="minor">
-          <a:schemeClr val="lt1"/>
-        </a:fontRef>
-      </dsp:style>
-      <dsp:txBody>
-        <a:bodyPr lIns="30480" tIns="30480" rIns="30480" bIns="30480" anchor="ctr"/>
-        <a:lstStyle>
-          <a:lvl1pPr algn="l">
-            <a:defRPr sz="6500"/>
-          </a:lvl1pPr>
-          <a:lvl2pPr marL="285750" indent="-285750" algn="l">
-            <a:defRPr sz="5000"/>
-          </a:lvl2pPr>
-          <a:lvl3pPr marL="571500" indent="-285750" algn="l">
-            <a:defRPr sz="5000"/>
-          </a:lvl3pPr>
-          <a:lvl4pPr marL="857250" indent="-285750" algn="l">
-            <a:defRPr sz="5000"/>
-          </a:lvl4pPr>
-          <a:lvl5pPr marL="1143000" indent="-285750" algn="l">
-            <a:defRPr sz="5000"/>
-          </a:lvl5pPr>
-          <a:lvl6pPr marL="1428750" indent="-285750" algn="l">
-            <a:defRPr sz="5000"/>
-          </a:lvl6pPr>
-          <a:lvl7pPr marL="1714500" indent="-285750" algn="l">
-            <a:defRPr sz="5000"/>
-          </a:lvl7pPr>
-          <a:lvl8pPr marL="2000250" indent="-285750" algn="l">
-            <a:defRPr sz="5000"/>
-          </a:lvl8pPr>
-          <a:lvl9pPr marL="2286000" indent="-285750" algn="l">
-            <a:defRPr sz="5000"/>
-          </a:lvl9pPr>
-        </a:lstStyle>
-        <a:p>
-          <a:pPr lvl="0">
-            <a:lnSpc>
-              <a:spcPct val="100000"/>
-            </a:lnSpc>
-            <a:spcBef>
-              <a:spcPct val="0"/>
-            </a:spcBef>
-            <a:spcAft>
-              <a:spcPct val="35000"/>
-            </a:spcAft>
-          </a:pPr>
-          <a:r>
-            <a:rPr lang="es-ES" sz="800" b="1" dirty="0">
-              <a:solidFill>
-                <a:srgbClr val="002060"/>
-              </a:solidFill>
-            </a:rPr>
-            <a:t> 	Data </a:t>
-          </a:r>
-          <a:r>
-            <a:rPr lang="es-ES" sz="800" b="1" dirty="0" err="1">
-              <a:solidFill>
-                <a:srgbClr val="002060"/>
-              </a:solidFill>
-            </a:rPr>
-            <a:t>preparation</a:t>
-          </a:r>
-          <a:endParaRPr lang="es-ES" sz="800" b="1" dirty="0">
-            <a:solidFill>
-              <a:srgbClr val="002060"/>
-            </a:solidFill>
-          </a:endParaRPr>
-        </a:p>
-        <a:p>
-          <a:pPr lvl="0">
-            <a:lnSpc>
-              <a:spcPct val="100000"/>
-            </a:lnSpc>
-            <a:spcBef>
-              <a:spcPct val="0"/>
-            </a:spcBef>
-            <a:spcAft>
-              <a:spcPct val="35000"/>
-            </a:spcAft>
-          </a:pPr>
-          <a:r>
-            <a:rPr lang="es-ES" sz="800" dirty="0"/>
-            <a:t>	Imputación </a:t>
-          </a:r>
-          <a:r>
-            <a:rPr lang="es-ES" sz="800" dirty="0" err="1"/>
-            <a:t>missings</a:t>
-          </a:r>
-          <a:r>
-            <a:rPr lang="es-ES" sz="800" dirty="0"/>
-            <a:t> – Mario y Laura</a:t>
-          </a:r>
-          <a:endParaRPr lang="es-ES" sz="800" dirty="0"/>
-        </a:p>
-        <a:p>
-          <a:pPr lvl="0">
-            <a:lnSpc>
-              <a:spcPct val="100000"/>
-            </a:lnSpc>
-            <a:spcBef>
-              <a:spcPct val="0"/>
-            </a:spcBef>
-            <a:spcAft>
-              <a:spcPct val="35000"/>
-            </a:spcAft>
-          </a:pPr>
-          <a:r>
-            <a:rPr lang="es-ES" sz="800" dirty="0"/>
-            <a:t>	</a:t>
-          </a:r>
-          <a:r>
-            <a:rPr lang="es-ES" sz="800" dirty="0" err="1"/>
-            <a:t>Tratatamiento</a:t>
-          </a:r>
-          <a:r>
-            <a:rPr lang="es-ES" sz="800" dirty="0"/>
-            <a:t> </a:t>
-          </a:r>
-          <a:r>
-            <a:rPr lang="es-ES" sz="800" dirty="0" err="1"/>
-            <a:t>Outliers</a:t>
-          </a:r>
-          <a:r>
-            <a:rPr lang="es-ES" sz="800" dirty="0"/>
-            <a:t> – Mario, Laura y Melissa</a:t>
-          </a:r>
-          <a:endParaRPr lang="es-ES" sz="800" dirty="0"/>
-        </a:p>
-        <a:p>
-          <a:pPr lvl="0">
-            <a:lnSpc>
-              <a:spcPct val="100000"/>
-            </a:lnSpc>
-            <a:spcBef>
-              <a:spcPct val="0"/>
-            </a:spcBef>
-            <a:spcAft>
-              <a:spcPct val="35000"/>
-            </a:spcAft>
-          </a:pPr>
-          <a:r>
-            <a:rPr lang="es-ES" sz="800" dirty="0"/>
-            <a:t>	</a:t>
-          </a:r>
-          <a:r>
-            <a:rPr lang="es-ES" sz="800" dirty="0" err="1"/>
-            <a:t>Feature</a:t>
-          </a:r>
-          <a:r>
-            <a:rPr lang="es-ES" sz="800" dirty="0"/>
-            <a:t> </a:t>
-          </a:r>
-          <a:r>
-            <a:rPr lang="es-ES" sz="800" dirty="0" err="1"/>
-            <a:t>Engineering</a:t>
-          </a:r>
-          <a:r>
-            <a:rPr lang="es-ES" sz="800" dirty="0"/>
-            <a:t>– </a:t>
-          </a:r>
-          <a:r>
-            <a:rPr lang="es-ES" sz="800" dirty="0" err="1"/>
-            <a:t>Wenjia</a:t>
-          </a:r>
-          <a:r>
-            <a:rPr lang="es-ES" sz="800" dirty="0"/>
-            <a:t> </a:t>
-          </a:r>
-        </a:p>
-      </dsp:txBody>
-      <dsp:txXfrm>
-        <a:off x="0" y="1501586"/>
-        <a:ext cx="5013063" cy="682539"/>
-      </dsp:txXfrm>
-    </dsp:sp>
-    <dsp:sp modelId="{D306C488-315E-46F7-B989-FFF5212BF6E2}">
-      <dsp:nvSpPr>
-        <dsp:cNvPr id="8" name="圆角矩形 7"/>
-        <dsp:cNvSpPr/>
-      </dsp:nvSpPr>
-      <dsp:spPr bwMode="white">
-        <a:xfrm>
-          <a:off x="68254" y="1569839"/>
-          <a:ext cx="1002613" cy="546031"/>
-        </a:xfrm>
-        <a:prstGeom prst="roundRect">
-          <a:avLst>
-            <a:gd name="adj" fmla="val 10000"/>
-          </a:avLst>
-        </a:prstGeom>
-        <a:blipFill>
-          <a:blip r:embed="rId3"/>
-          <a:srcRect/>
-          <a:stretch>
-            <a:fillRect t="-8000" b="-8000"/>
-          </a:stretch>
-        </a:blipFill>
-      </dsp:spPr>
-      <dsp:style>
-        <a:lnRef idx="2">
-          <a:schemeClr val="lt1"/>
-        </a:lnRef>
-        <a:fillRef idx="1">
-          <a:schemeClr val="accent1">
-            <a:tint val="50000"/>
-          </a:schemeClr>
-        </a:fillRef>
-        <a:effectRef idx="0">
-          <a:scrgbClr r="0" g="0" b="0"/>
-        </a:effectRef>
-        <a:fontRef idx="minor"/>
-      </dsp:style>
-      <dsp:txXfrm>
-        <a:off x="68254" y="1569839"/>
-        <a:ext cx="1002613" cy="546031"/>
-      </dsp:txXfrm>
-    </dsp:sp>
-    <dsp:sp modelId="{9368D843-76C1-42B0-834B-2DA28FCB0771}">
-      <dsp:nvSpPr>
-        <dsp:cNvPr id="9" name="圆角矩形 8"/>
-        <dsp:cNvSpPr/>
-      </dsp:nvSpPr>
-      <dsp:spPr bwMode="white">
-        <a:xfrm>
-          <a:off x="0" y="2252378"/>
-          <a:ext cx="5013063" cy="682539"/>
-        </a:xfrm>
-        <a:prstGeom prst="roundRect">
-          <a:avLst>
-            <a:gd name="adj" fmla="val 10000"/>
-          </a:avLst>
-        </a:prstGeom>
-      </dsp:spPr>
-      <dsp:style>
-        <a:lnRef idx="2">
-          <a:schemeClr val="lt1"/>
-        </a:lnRef>
-        <a:fillRef idx="1">
-          <a:schemeClr val="accent1"/>
-        </a:fillRef>
-        <a:effectRef idx="0">
-          <a:scrgbClr r="0" g="0" b="0"/>
-        </a:effectRef>
-        <a:fontRef idx="minor">
-          <a:schemeClr val="lt1"/>
-        </a:fontRef>
-      </dsp:style>
-      <dsp:txBody>
-        <a:bodyPr lIns="30480" tIns="30480" rIns="30480" bIns="30480" anchor="ctr"/>
-        <a:lstStyle>
-          <a:lvl1pPr algn="l">
-            <a:defRPr sz="6500"/>
-          </a:lvl1pPr>
-          <a:lvl2pPr marL="285750" indent="-285750" algn="l">
-            <a:defRPr sz="5000"/>
-          </a:lvl2pPr>
-          <a:lvl3pPr marL="571500" indent="-285750" algn="l">
-            <a:defRPr sz="5000"/>
-          </a:lvl3pPr>
-          <a:lvl4pPr marL="857250" indent="-285750" algn="l">
-            <a:defRPr sz="5000"/>
-          </a:lvl4pPr>
-          <a:lvl5pPr marL="1143000" indent="-285750" algn="l">
-            <a:defRPr sz="5000"/>
-          </a:lvl5pPr>
-          <a:lvl6pPr marL="1428750" indent="-285750" algn="l">
-            <a:defRPr sz="5000"/>
-          </a:lvl6pPr>
-          <a:lvl7pPr marL="1714500" indent="-285750" algn="l">
-            <a:defRPr sz="5000"/>
-          </a:lvl7pPr>
-          <a:lvl8pPr marL="2000250" indent="-285750" algn="l">
-            <a:defRPr sz="5000"/>
-          </a:lvl8pPr>
-          <a:lvl9pPr marL="2286000" indent="-285750" algn="l">
-            <a:defRPr sz="5000"/>
-          </a:lvl9pPr>
-        </a:lstStyle>
-        <a:p>
-          <a:pPr lvl="0">
-            <a:lnSpc>
-              <a:spcPct val="100000"/>
-            </a:lnSpc>
-            <a:spcBef>
-              <a:spcPct val="0"/>
-            </a:spcBef>
-            <a:spcAft>
-              <a:spcPct val="35000"/>
-            </a:spcAft>
-          </a:pPr>
-          <a:r>
-            <a:rPr lang="es-ES" sz="800" b="1" dirty="0">
-              <a:solidFill>
-                <a:srgbClr val="002060"/>
-              </a:solidFill>
-            </a:rPr>
-            <a:t>            	</a:t>
-          </a:r>
-          <a:r>
-            <a:rPr lang="es-ES" sz="800" b="1" dirty="0" err="1">
-              <a:solidFill>
-                <a:srgbClr val="002060"/>
-              </a:solidFill>
-            </a:rPr>
-            <a:t>Modeling</a:t>
-          </a:r>
-          <a:r>
-            <a:rPr lang="es-ES" sz="800" b="1" dirty="0">
-              <a:solidFill>
-                <a:srgbClr val="002060"/>
-              </a:solidFill>
-            </a:rPr>
-            <a:t> &amp; </a:t>
-          </a:r>
-          <a:r>
-            <a:rPr lang="es-ES" sz="800" b="1" dirty="0" err="1">
-              <a:solidFill>
-                <a:srgbClr val="002060"/>
-              </a:solidFill>
-            </a:rPr>
-            <a:t>Evaluation</a:t>
-          </a:r>
-          <a:endParaRPr lang="es-ES" sz="800" b="1" dirty="0">
-            <a:solidFill>
-              <a:srgbClr val="002060"/>
-            </a:solidFill>
-          </a:endParaRPr>
-        </a:p>
-        <a:p>
-          <a:pPr lvl="0">
-            <a:lnSpc>
-              <a:spcPct val="100000"/>
-            </a:lnSpc>
-            <a:spcBef>
-              <a:spcPct val="0"/>
-            </a:spcBef>
-            <a:spcAft>
-              <a:spcPct val="35000"/>
-            </a:spcAft>
-          </a:pPr>
-          <a:r>
-            <a:rPr lang="es-ES" sz="700" dirty="0"/>
-            <a:t>	KNN – </a:t>
-          </a:r>
-          <a:r>
-            <a:rPr lang="es-ES" sz="700" dirty="0" err="1"/>
-            <a:t>Siling</a:t>
-          </a:r>
-          <a:r>
-            <a:rPr lang="es-ES" sz="700" dirty="0"/>
-            <a:t> y Laura</a:t>
-          </a:r>
-          <a:endParaRPr lang="es-ES" sz="700" dirty="0"/>
-        </a:p>
-        <a:p>
-          <a:pPr lvl="0">
-            <a:lnSpc>
-              <a:spcPct val="100000"/>
-            </a:lnSpc>
-            <a:spcBef>
-              <a:spcPct val="0"/>
-            </a:spcBef>
-            <a:spcAft>
-              <a:spcPct val="35000"/>
-            </a:spcAft>
-          </a:pPr>
-          <a:r>
-            <a:rPr lang="es-ES" sz="700" dirty="0"/>
-            <a:t>               </a:t>
-          </a:r>
-          <a:r>
-            <a:rPr lang="es-ES" sz="700" dirty="0" err="1"/>
+            <a:rPr lang="es-ES" sz="3600" b="1" i="0" kern="1200" dirty="0" err="1"/>
             <a:t>Naive</a:t>
           </a:r>
           <a:r>
-            <a:rPr lang="es-ES" sz="700" dirty="0"/>
-            <a:t> Bayes – Melissa y </a:t>
-          </a:r>
-          <a:r>
-            <a:rPr lang="es-ES" sz="700" dirty="0" err="1"/>
-            <a:t>Wenjia</a:t>
-          </a:r>
-          <a:endParaRPr lang="es-ES" sz="700" dirty="0"/>
-        </a:p>
-        <a:p>
-          <a:pPr lvl="0">
-            <a:lnSpc>
-              <a:spcPct val="100000"/>
-            </a:lnSpc>
-            <a:spcBef>
-              <a:spcPct val="0"/>
-            </a:spcBef>
-            <a:spcAft>
-              <a:spcPct val="35000"/>
-            </a:spcAft>
-          </a:pPr>
-          <a:r>
-            <a:rPr lang="es-ES" sz="700" dirty="0"/>
-            <a:t>               </a:t>
-          </a:r>
-          <a:r>
-            <a:rPr lang="es-ES" sz="700" dirty="0" err="1"/>
-            <a:t>Testing</a:t>
-          </a:r>
-          <a:r>
-            <a:rPr lang="es-ES" sz="700" dirty="0"/>
-            <a:t> múltiples configuraciones de variables</a:t>
-          </a:r>
-          <a:endParaRPr lang="es-ES" sz="800" b="1" dirty="0">
-            <a:solidFill>
-              <a:srgbClr val="002060"/>
-            </a:solidFill>
-          </a:endParaRPr>
-        </a:p>
-      </dsp:txBody>
-      <dsp:txXfrm>
-        <a:off x="0" y="2252378"/>
-        <a:ext cx="5013063" cy="682539"/>
-      </dsp:txXfrm>
-    </dsp:sp>
-    <dsp:sp modelId="{D58F51A8-C9AC-49A7-BF07-49E56398E46B}">
-      <dsp:nvSpPr>
-        <dsp:cNvPr id="10" name="圆角矩形 9"/>
-        <dsp:cNvSpPr/>
-      </dsp:nvSpPr>
-      <dsp:spPr bwMode="white">
-        <a:xfrm>
-          <a:off x="68254" y="2320632"/>
-          <a:ext cx="1002613" cy="546031"/>
-        </a:xfrm>
-        <a:prstGeom prst="roundRect">
-          <a:avLst>
-            <a:gd name="adj" fmla="val 10000"/>
-          </a:avLst>
-        </a:prstGeom>
-        <a:blipFill>
-          <a:blip r:embed="rId4"/>
-          <a:srcRect/>
-          <a:stretch>
-            <a:fillRect l="-3000" r="-3000"/>
-          </a:stretch>
-        </a:blipFill>
-      </dsp:spPr>
-      <dsp:style>
-        <a:lnRef idx="2">
-          <a:schemeClr val="lt1"/>
-        </a:lnRef>
-        <a:fillRef idx="1">
-          <a:schemeClr val="accent1">
-            <a:tint val="50000"/>
-          </a:schemeClr>
-        </a:fillRef>
-        <a:effectRef idx="0">
-          <a:scrgbClr r="0" g="0" b="0"/>
-        </a:effectRef>
-        <a:fontRef idx="minor"/>
-      </dsp:style>
-      <dsp:txXfrm>
-        <a:off x="68254" y="2320632"/>
-        <a:ext cx="1002613" cy="546031"/>
-      </dsp:txXfrm>
-    </dsp:sp>
-    <dsp:sp modelId="{34B88185-A619-4D08-836A-F611598437A8}">
-      <dsp:nvSpPr>
-        <dsp:cNvPr id="11" name="圆角矩形 10"/>
-        <dsp:cNvSpPr/>
-      </dsp:nvSpPr>
-      <dsp:spPr bwMode="white">
-        <a:xfrm>
-          <a:off x="0" y="3003171"/>
-          <a:ext cx="5013063" cy="682539"/>
-        </a:xfrm>
-        <a:prstGeom prst="roundRect">
-          <a:avLst>
-            <a:gd name="adj" fmla="val 10000"/>
-          </a:avLst>
-        </a:prstGeom>
-      </dsp:spPr>
-      <dsp:style>
-        <a:lnRef idx="2">
-          <a:schemeClr val="lt1"/>
-        </a:lnRef>
-        <a:fillRef idx="1">
-          <a:schemeClr val="accent1"/>
-        </a:fillRef>
-        <a:effectRef idx="0">
-          <a:scrgbClr r="0" g="0" b="0"/>
-        </a:effectRef>
-        <a:fontRef idx="minor">
-          <a:schemeClr val="lt1"/>
-        </a:fontRef>
-      </dsp:style>
-      <dsp:txBody>
-        <a:bodyPr lIns="30480" tIns="30480" rIns="30480" bIns="30480" anchor="ctr"/>
-        <a:lstStyle>
-          <a:lvl1pPr algn="l">
-            <a:defRPr sz="6500"/>
-          </a:lvl1pPr>
-          <a:lvl2pPr marL="285750" indent="-285750" algn="l">
-            <a:defRPr sz="5000"/>
-          </a:lvl2pPr>
-          <a:lvl3pPr marL="571500" indent="-285750" algn="l">
-            <a:defRPr sz="5000"/>
-          </a:lvl3pPr>
-          <a:lvl4pPr marL="857250" indent="-285750" algn="l">
-            <a:defRPr sz="5000"/>
-          </a:lvl4pPr>
-          <a:lvl5pPr marL="1143000" indent="-285750" algn="l">
-            <a:defRPr sz="5000"/>
-          </a:lvl5pPr>
-          <a:lvl6pPr marL="1428750" indent="-285750" algn="l">
-            <a:defRPr sz="5000"/>
-          </a:lvl6pPr>
-          <a:lvl7pPr marL="1714500" indent="-285750" algn="l">
-            <a:defRPr sz="5000"/>
-          </a:lvl7pPr>
-          <a:lvl8pPr marL="2000250" indent="-285750" algn="l">
-            <a:defRPr sz="5000"/>
-          </a:lvl8pPr>
-          <a:lvl9pPr marL="2286000" indent="-285750" algn="l">
-            <a:defRPr sz="5000"/>
-          </a:lvl9pPr>
-        </a:lstStyle>
-        <a:p>
-          <a:pPr lvl="0">
-            <a:lnSpc>
-              <a:spcPct val="100000"/>
-            </a:lnSpc>
-            <a:spcBef>
-              <a:spcPct val="0"/>
-            </a:spcBef>
-            <a:spcAft>
-              <a:spcPct val="35000"/>
-            </a:spcAft>
-          </a:pPr>
-          <a:r>
-            <a:rPr lang="es-ES" sz="800" b="1" dirty="0">
-              <a:solidFill>
-                <a:srgbClr val="002060"/>
-              </a:solidFill>
-            </a:rPr>
-            <a:t>            	</a:t>
-          </a:r>
-          <a:r>
-            <a:rPr lang="es-ES" sz="800" b="1" dirty="0" err="1">
-              <a:solidFill>
-                <a:srgbClr val="002060"/>
-              </a:solidFill>
-            </a:rPr>
-            <a:t>Association</a:t>
-          </a:r>
-          <a:r>
-            <a:rPr lang="es-ES" sz="800" b="1" dirty="0">
-              <a:solidFill>
-                <a:srgbClr val="002060"/>
-              </a:solidFill>
-            </a:rPr>
-            <a:t> Rules </a:t>
-          </a:r>
-          <a:r>
-            <a:rPr lang="es-ES" sz="800" dirty="0"/>
-            <a:t>- Mario</a:t>
-          </a:r>
-        </a:p>
-      </dsp:txBody>
-      <dsp:txXfrm>
-        <a:off x="0" y="3003171"/>
-        <a:ext cx="5013063" cy="682539"/>
-      </dsp:txXfrm>
-    </dsp:sp>
-    <dsp:sp modelId="{F2ED9228-CFBA-4661-8996-A0E7EA7BA1F7}">
-      <dsp:nvSpPr>
-        <dsp:cNvPr id="12" name="圆角矩形 11"/>
-        <dsp:cNvSpPr/>
-      </dsp:nvSpPr>
-      <dsp:spPr bwMode="white">
-        <a:xfrm rot="-10800000" flipV="1">
-          <a:off x="68254" y="3071425"/>
-          <a:ext cx="1002613" cy="546031"/>
-        </a:xfrm>
-        <a:prstGeom prst="roundRect">
-          <a:avLst>
-            <a:gd name="adj" fmla="val 10000"/>
-          </a:avLst>
-        </a:prstGeom>
-        <a:blipFill>
-          <a:blip r:embed="rId5"/>
-          <a:srcRect/>
-          <a:stretch>
-            <a:fillRect t="-17000" b="-17000"/>
-          </a:stretch>
-        </a:blipFill>
-      </dsp:spPr>
-      <dsp:style>
-        <a:lnRef idx="2">
-          <a:schemeClr val="lt1"/>
-        </a:lnRef>
-        <a:fillRef idx="1">
-          <a:schemeClr val="accent1">
-            <a:tint val="50000"/>
-          </a:schemeClr>
-        </a:fillRef>
-        <a:effectRef idx="0">
-          <a:scrgbClr r="0" g="0" b="0"/>
-        </a:effectRef>
-        <a:fontRef idx="minor"/>
-      </dsp:style>
-      <dsp:txXfrm rot="-10800000" flipV="1">
-        <a:off x="68254" y="3071425"/>
-        <a:ext cx="1002613" cy="546031"/>
-      </dsp:txXfrm>
-    </dsp:sp>
-  </dsp:spTree>
-</dsp:drawing>
-</file>
-
-<file path=ppt/diagrams/drawing2.xml><?xml version="1.0" encoding="utf-8"?>
-<dsp:drawing xmlns:dgm="http://schemas.openxmlformats.org/drawingml/2006/diagram" xmlns:dsp="http://schemas.microsoft.com/office/drawing/2008/diagram" xmlns:a="http://schemas.openxmlformats.org/drawingml/2006/main" xmlns:r="http://schemas.openxmlformats.org/officeDocument/2006/relationships">
-  <dsp:spTree>
-    <dsp:nvGrpSpPr>
-      <dsp:cNvPr id="2" name="组合 1"/>
-      <dsp:cNvGrpSpPr/>
-    </dsp:nvGrpSpPr>
-    <dsp:grpSpPr>
-      <a:xfrm>
-        <a:off x="0" y="0"/>
-        <a:ext cx="1617045" cy="572700"/>
-        <a:chOff x="0" y="0"/>
-        <a:chExt cx="1617045" cy="572700"/>
-      </a:xfrm>
-    </dsp:grpSpPr>
-    <dsp:sp modelId="{73A4D826-B1A8-D24F-BF3E-D0DBA84542CC}">
-      <dsp:nvSpPr>
-        <dsp:cNvPr id="3" name="燕尾形 2"/>
-        <dsp:cNvSpPr/>
-      </dsp:nvSpPr>
-      <dsp:spPr bwMode="white">
-        <a:xfrm>
-          <a:off x="0" y="0"/>
-          <a:ext cx="1617045" cy="572700"/>
-        </a:xfrm>
-        <a:prstGeom prst="chevron">
-          <a:avLst/>
-        </a:prstGeom>
-      </dsp:spPr>
-      <dsp:style>
-        <a:lnRef idx="2">
-          <a:schemeClr val="lt1"/>
-        </a:lnRef>
-        <a:fillRef idx="1">
-          <a:schemeClr val="accent1"/>
-        </a:fillRef>
-        <a:effectRef idx="0">
-          <a:scrgbClr r="0" g="0" b="0"/>
-        </a:effectRef>
-        <a:fontRef idx="minor">
-          <a:schemeClr val="lt1"/>
-        </a:fontRef>
-      </dsp:style>
-      <dsp:txBody>
-        <a:bodyPr lIns="124015" tIns="41338" rIns="41338" bIns="41338" anchor="ctr"/>
-        <a:lstStyle>
-          <a:lvl1pPr algn="ctr">
-            <a:defRPr sz="3100"/>
-          </a:lvl1pPr>
-          <a:lvl2pPr marL="228600" indent="-228600" algn="ctr">
-            <a:defRPr sz="2400"/>
-          </a:lvl2pPr>
-          <a:lvl3pPr marL="457200" indent="-228600" algn="ctr">
-            <a:defRPr sz="2400"/>
-          </a:lvl3pPr>
-          <a:lvl4pPr marL="685800" indent="-228600" algn="ctr">
-            <a:defRPr sz="2400"/>
-          </a:lvl4pPr>
-          <a:lvl5pPr marL="914400" indent="-228600" algn="ctr">
-            <a:defRPr sz="2400"/>
-          </a:lvl5pPr>
-          <a:lvl6pPr marL="1143000" indent="-228600" algn="ctr">
-            <a:defRPr sz="2400"/>
-          </a:lvl6pPr>
-          <a:lvl7pPr marL="1371600" indent="-228600" algn="ctr">
-            <a:defRPr sz="2400"/>
-          </a:lvl7pPr>
-          <a:lvl8pPr marL="1600200" indent="-228600" algn="ctr">
-            <a:defRPr sz="2400"/>
-          </a:lvl8pPr>
-          <a:lvl9pPr marL="1828800" indent="-228600" algn="ctr">
-            <a:defRPr sz="2400"/>
-          </a:lvl9pPr>
-        </a:lstStyle>
-        <a:p>
-          <a:pPr lvl="0">
-            <a:lnSpc>
-              <a:spcPct val="100000"/>
-            </a:lnSpc>
-            <a:spcBef>
-              <a:spcPct val="0"/>
-            </a:spcBef>
-            <a:spcAft>
-              <a:spcPct val="35000"/>
-            </a:spcAft>
-          </a:pPr>
-          <a:r>
-            <a:rPr lang="es-ES" b="1" i="0" dirty="0"/>
-            <a:t>9NN</a:t>
-          </a:r>
-          <a:endParaRPr lang="en-US" dirty="0"/>
-        </a:p>
-      </dsp:txBody>
-      <dsp:txXfrm>
-        <a:off x="0" y="0"/>
-        <a:ext cx="1617045" cy="572700"/>
-      </dsp:txXfrm>
-    </dsp:sp>
-  </dsp:spTree>
-</dsp:drawing>
-</file>
-
-<file path=ppt/diagrams/drawing3.xml><?xml version="1.0" encoding="utf-8"?>
-<dsp:drawing xmlns:dgm="http://schemas.openxmlformats.org/drawingml/2006/diagram" xmlns:dsp="http://schemas.microsoft.com/office/drawing/2008/diagram" xmlns:a="http://schemas.openxmlformats.org/drawingml/2006/main" xmlns:r="http://schemas.openxmlformats.org/officeDocument/2006/relationships">
-  <dsp:spTree>
-    <dsp:nvGrpSpPr>
-      <dsp:cNvPr id="2" name="组合 1"/>
-      <dsp:cNvGrpSpPr/>
-    </dsp:nvGrpSpPr>
-    <dsp:grpSpPr>
-      <a:xfrm>
-        <a:off x="0" y="0"/>
-        <a:ext cx="2451603" cy="530870"/>
-        <a:chOff x="0" y="0"/>
-        <a:chExt cx="2451603" cy="530870"/>
-      </a:xfrm>
-    </dsp:grpSpPr>
-    <dsp:sp modelId="{259A7068-6F6F-9B4D-894D-518C62EBCA00}">
-      <dsp:nvSpPr>
-        <dsp:cNvPr id="3" name="燕尾形 2"/>
-        <dsp:cNvSpPr/>
-      </dsp:nvSpPr>
-      <dsp:spPr bwMode="white">
-        <a:xfrm>
-          <a:off x="789111" y="0"/>
-          <a:ext cx="1327175" cy="530870"/>
-        </a:xfrm>
-        <a:prstGeom prst="chevron">
-          <a:avLst/>
-        </a:prstGeom>
-      </dsp:spPr>
-      <dsp:style>
-        <a:lnRef idx="2">
-          <a:schemeClr val="lt1"/>
-        </a:lnRef>
-        <a:fillRef idx="1">
-          <a:schemeClr val="accent1"/>
-        </a:fillRef>
-        <a:effectRef idx="0">
-          <a:scrgbClr r="0" g="0" b="0"/>
-        </a:effectRef>
-        <a:fontRef idx="minor">
-          <a:schemeClr val="lt1"/>
-        </a:fontRef>
-      </dsp:style>
-      <dsp:txBody>
-        <a:bodyPr lIns="20320" tIns="10160" rIns="0" bIns="10160" anchor="ctr"/>
-        <a:lstStyle>
-          <a:lvl1pPr algn="ctr">
-            <a:defRPr sz="1600"/>
-          </a:lvl1pPr>
-          <a:lvl2pPr marL="114300" indent="-114300" algn="ctr">
-            <a:defRPr sz="1200"/>
-          </a:lvl2pPr>
-          <a:lvl3pPr marL="228600" indent="-114300" algn="ctr">
-            <a:defRPr sz="1200"/>
-          </a:lvl3pPr>
-          <a:lvl4pPr marL="342900" indent="-114300" algn="ctr">
-            <a:defRPr sz="1200"/>
-          </a:lvl4pPr>
-          <a:lvl5pPr marL="457200" indent="-114300" algn="ctr">
-            <a:defRPr sz="1200"/>
-          </a:lvl5pPr>
-          <a:lvl6pPr marL="571500" indent="-114300" algn="ctr">
-            <a:defRPr sz="1200"/>
-          </a:lvl6pPr>
-          <a:lvl7pPr marL="685800" indent="-114300" algn="ctr">
-            <a:defRPr sz="1200"/>
-          </a:lvl7pPr>
-          <a:lvl8pPr marL="800100" indent="-114300" algn="ctr">
-            <a:defRPr sz="1200"/>
-          </a:lvl8pPr>
-          <a:lvl9pPr marL="914400" indent="-114300" algn="ctr">
-            <a:defRPr sz="1200"/>
-          </a:lvl9pPr>
-        </a:lstStyle>
-        <a:p>
-          <a:pPr lvl="0">
-            <a:lnSpc>
-              <a:spcPct val="100000"/>
-            </a:lnSpc>
-            <a:spcBef>
-              <a:spcPct val="0"/>
-            </a:spcBef>
-            <a:spcAft>
-              <a:spcPct val="35000"/>
-            </a:spcAft>
-          </a:pPr>
-          <a:r>
-            <a:rPr lang="es-ES" b="1" i="0" dirty="0" err="1"/>
-            <a:t>Naive</a:t>
-          </a:r>
-          <a:r>
-            <a:rPr lang="es-ES" b="1" i="0" dirty="0"/>
+            <a:rPr lang="es-ES" sz="3600" b="1" i="0" kern="1200" dirty="0"/>
             <a:t> Bayes</a:t>
           </a:r>
-          <a:endParaRPr lang="en-US" dirty="0"/>
+          <a:endParaRPr lang="en-US" sz="3600" kern="1200" dirty="0"/>
         </a:p>
       </dsp:txBody>
       <dsp:txXfrm>
@@ -5023,7 +5108,7 @@
                   </dgm:shape>
                 </dgm:if>
                 <dgm:else name="Name12">
-                  <dgm:shape xmlns:r="http://schemas.openxmlformats.org/officeDocument/2006/relationships" type="chevron" r:blip="" rot="180">
+                  <dgm:shape xmlns:r="http://schemas.openxmlformats.org/officeDocument/2006/relationships" rot="180" type="chevron" r:blip="">
                     <dgm:adjLst/>
                   </dgm:shape>
                 </dgm:else>
@@ -5125,7 +5210,7 @@
                 </dgm:shape>
               </dgm:if>
               <dgm:else name="Name24">
-                <dgm:shape xmlns:r="http://schemas.openxmlformats.org/officeDocument/2006/relationships" type="chevron" r:blip="" rot="180">
+                <dgm:shape xmlns:r="http://schemas.openxmlformats.org/officeDocument/2006/relationships" rot="180" type="chevron" r:blip="">
                   <dgm:adjLst/>
                 </dgm:shape>
               </dgm:else>
@@ -5174,7 +5259,7 @@
 </file>
 
 <file path=ppt/diagrams/layout3.xml><?xml version="1.0" encoding="utf-8"?>
-<dgm:layoutDef xmlns:dgm="http://schemas.openxmlformats.org/drawingml/2006/diagram" xmlns:a="http://schemas.openxmlformats.org/drawingml/2006/main" uniqueId="urn:microsoft.com/office/officeart/2005/8/layout/lProcess3">
+<dgm:layoutDef xmlns:dgm="http://schemas.openxmlformats.org/drawingml/2006/diagram" xmlns:a="http://schemas.openxmlformats.org/drawingml/2006/main" uniqueId="urn:microsoft.com/office/officeart/2005/8/layout/lProcess3#1">
   <dgm:title val=""/>
   <dgm:desc val=""/>
   <dgm:catLst>
@@ -5356,7 +5441,7 @@
               </dgm:constrLst>
             </dgm:if>
             <dgm:else name="Name10">
-              <dgm:shape xmlns:r="http://schemas.openxmlformats.org/officeDocument/2006/relationships" type="chevron" r:blip="" rot="180">
+              <dgm:shape xmlns:r="http://schemas.openxmlformats.org/officeDocument/2006/relationships" rot="180" type="chevron" r:blip="">
                 <dgm:adjLst/>
               </dgm:shape>
               <dgm:presOf axis="self"/>
@@ -5405,7 +5490,7 @@
                 </dgm:constrLst>
               </dgm:if>
               <dgm:else name="Name14">
-                <dgm:shape xmlns:r="http://schemas.openxmlformats.org/officeDocument/2006/relationships" type="chevron" r:blip="" rot="180">
+                <dgm:shape xmlns:r="http://schemas.openxmlformats.org/officeDocument/2006/relationships" rot="180" type="chevron" r:blip="">
                   <dgm:adjLst/>
                 </dgm:shape>
                 <dgm:presOf axis="desOrSelf" ptType="node"/>
@@ -5455,7 +5540,7 @@
 </file>
 
 <file path=ppt/diagrams/quickStyle1.xml><?xml version="1.0" encoding="utf-8"?>
-<dgm:styleDef xmlns:dgm="http://schemas.openxmlformats.org/drawingml/2006/diagram" xmlns:a="http://schemas.openxmlformats.org/drawingml/2006/main" uniqueId="urn:microsoft.com/office/officeart/2005/8/quickstyle/simple1">
+<dgm:styleDef xmlns:dgm="http://schemas.openxmlformats.org/drawingml/2006/diagram" xmlns:a="http://schemas.openxmlformats.org/drawingml/2006/main" uniqueId="urn:microsoft.com/office/officeart/2005/8/quickstyle/simple1#1">
   <dgm:title val=""/>
   <dgm:desc val=""/>
   <dgm:catLst>
@@ -5470,6 +5555,7 @@
       <a:camera prst="orthographicFront"/>
       <a:lightRig rig="threePt" dir="t"/>
     </dgm:scene3d>
+    <dgm:sp3d/>
     <dgm:txPr/>
     <dgm:style>
       <a:lnRef idx="2">
@@ -5489,6 +5575,7 @@
       <a:camera prst="orthographicFront"/>
       <a:lightRig rig="threePt" dir="t"/>
     </dgm:scene3d>
+    <dgm:sp3d/>
     <dgm:txPr/>
     <dgm:style>
       <a:lnRef idx="2">
@@ -5508,6 +5595,7 @@
       <a:camera prst="orthographicFront"/>
       <a:lightRig rig="threePt" dir="t"/>
     </dgm:scene3d>
+    <dgm:sp3d/>
     <dgm:txPr/>
     <dgm:style>
       <a:lnRef idx="2">
@@ -5527,6 +5615,7 @@
       <a:camera prst="orthographicFront"/>
       <a:lightRig rig="threePt" dir="t"/>
     </dgm:scene3d>
+    <dgm:sp3d/>
     <dgm:txPr/>
     <dgm:style>
       <a:lnRef idx="2">
@@ -5548,6 +5637,7 @@
       <a:camera prst="orthographicFront"/>
       <a:lightRig rig="threePt" dir="t"/>
     </dgm:scene3d>
+    <dgm:sp3d/>
     <dgm:txPr/>
     <dgm:style>
       <a:lnRef idx="2">
@@ -5569,6 +5659,7 @@
       <a:camera prst="orthographicFront"/>
       <a:lightRig rig="threePt" dir="t"/>
     </dgm:scene3d>
+    <dgm:sp3d/>
     <dgm:txPr/>
     <dgm:style>
       <a:lnRef idx="2">
@@ -5590,6 +5681,7 @@
       <a:camera prst="orthographicFront"/>
       <a:lightRig rig="threePt" dir="t"/>
     </dgm:scene3d>
+    <dgm:sp3d/>
     <dgm:txPr/>
     <dgm:style>
       <a:lnRef idx="2">
@@ -5611,6 +5703,7 @@
       <a:camera prst="orthographicFront"/>
       <a:lightRig rig="threePt" dir="t"/>
     </dgm:scene3d>
+    <dgm:sp3d/>
     <dgm:txPr/>
     <dgm:style>
       <a:lnRef idx="2">
@@ -5632,6 +5725,7 @@
       <a:camera prst="orthographicFront"/>
       <a:lightRig rig="threePt" dir="t"/>
     </dgm:scene3d>
+    <dgm:sp3d/>
     <dgm:txPr/>
     <dgm:style>
       <a:lnRef idx="2">
@@ -5653,6 +5747,7 @@
       <a:camera prst="orthographicFront"/>
       <a:lightRig rig="threePt" dir="t"/>
     </dgm:scene3d>
+    <dgm:sp3d/>
     <dgm:txPr/>
     <dgm:style>
       <a:lnRef idx="2">
@@ -5672,6 +5767,7 @@
       <a:camera prst="orthographicFront"/>
       <a:lightRig rig="threePt" dir="t"/>
     </dgm:scene3d>
+    <dgm:sp3d/>
     <dgm:txPr/>
     <dgm:style>
       <a:lnRef idx="2">
@@ -5691,6 +5787,7 @@
       <a:camera prst="orthographicFront"/>
       <a:lightRig rig="threePt" dir="t"/>
     </dgm:scene3d>
+    <dgm:sp3d/>
     <dgm:txPr/>
     <dgm:style>
       <a:lnRef idx="2">
@@ -5710,6 +5807,7 @@
       <a:camera prst="orthographicFront"/>
       <a:lightRig rig="threePt" dir="t"/>
     </dgm:scene3d>
+    <dgm:sp3d/>
     <dgm:txPr/>
     <dgm:style>
       <a:lnRef idx="0">
@@ -5729,6 +5827,7 @@
       <a:camera prst="orthographicFront"/>
       <a:lightRig rig="threePt" dir="t"/>
     </dgm:scene3d>
+    <dgm:sp3d/>
     <dgm:txPr/>
     <dgm:style>
       <a:lnRef idx="0">
@@ -5750,6 +5849,7 @@
       <a:camera prst="orthographicFront"/>
       <a:lightRig rig="threePt" dir="t"/>
     </dgm:scene3d>
+    <dgm:sp3d/>
     <dgm:txPr/>
     <dgm:style>
       <a:lnRef idx="2">
@@ -5769,6 +5869,7 @@
       <a:camera prst="orthographicFront"/>
       <a:lightRig rig="threePt" dir="t"/>
     </dgm:scene3d>
+    <dgm:sp3d/>
     <dgm:txPr/>
     <dgm:style>
       <a:lnRef idx="2">
@@ -5788,6 +5889,7 @@
       <a:camera prst="orthographicFront"/>
       <a:lightRig rig="threePt" dir="t"/>
     </dgm:scene3d>
+    <dgm:sp3d/>
     <dgm:txPr/>
     <dgm:style>
       <a:lnRef idx="0">
@@ -5807,6 +5909,7 @@
       <a:camera prst="orthographicFront"/>
       <a:lightRig rig="threePt" dir="t"/>
     </dgm:scene3d>
+    <dgm:sp3d/>
     <dgm:txPr/>
     <dgm:style>
       <a:lnRef idx="2">
@@ -5826,6 +5929,7 @@
       <a:camera prst="orthographicFront"/>
       <a:lightRig rig="threePt" dir="t"/>
     </dgm:scene3d>
+    <dgm:sp3d/>
     <dgm:txPr/>
     <dgm:style>
       <a:lnRef idx="2">
@@ -5845,6 +5949,7 @@
       <a:camera prst="orthographicFront"/>
       <a:lightRig rig="threePt" dir="t"/>
     </dgm:scene3d>
+    <dgm:sp3d/>
     <dgm:txPr/>
     <dgm:style>
       <a:lnRef idx="2">
@@ -5864,6 +5969,7 @@
       <a:camera prst="orthographicFront"/>
       <a:lightRig rig="threePt" dir="t"/>
     </dgm:scene3d>
+    <dgm:sp3d/>
     <dgm:txPr/>
     <dgm:style>
       <a:lnRef idx="2">
@@ -5883,6 +5989,7 @@
       <a:camera prst="orthographicFront"/>
       <a:lightRig rig="threePt" dir="t"/>
     </dgm:scene3d>
+    <dgm:sp3d/>
     <dgm:txPr/>
     <dgm:style>
       <a:lnRef idx="2">
@@ -5902,6 +6009,7 @@
       <a:camera prst="orthographicFront"/>
       <a:lightRig rig="threePt" dir="t"/>
     </dgm:scene3d>
+    <dgm:sp3d/>
     <dgm:txPr/>
     <dgm:style>
       <a:lnRef idx="2">
@@ -5921,6 +6029,7 @@
       <a:camera prst="orthographicFront"/>
       <a:lightRig rig="threePt" dir="t"/>
     </dgm:scene3d>
+    <dgm:sp3d/>
     <dgm:txPr/>
     <dgm:style>
       <a:lnRef idx="2">
@@ -5940,6 +6049,7 @@
       <a:camera prst="orthographicFront"/>
       <a:lightRig rig="threePt" dir="t"/>
     </dgm:scene3d>
+    <dgm:sp3d/>
     <dgm:txPr/>
     <dgm:style>
       <a:lnRef idx="2">
@@ -5959,6 +6069,7 @@
       <a:camera prst="orthographicFront"/>
       <a:lightRig rig="threePt" dir="t"/>
     </dgm:scene3d>
+    <dgm:sp3d/>
     <dgm:txPr/>
     <dgm:style>
       <a:lnRef idx="0">
@@ -5980,6 +6091,7 @@
       <a:camera prst="orthographicFront"/>
       <a:lightRig rig="threePt" dir="t"/>
     </dgm:scene3d>
+    <dgm:sp3d/>
     <dgm:txPr/>
     <dgm:style>
       <a:lnRef idx="2">
@@ -6001,6 +6113,7 @@
       <a:camera prst="orthographicFront"/>
       <a:lightRig rig="threePt" dir="t"/>
     </dgm:scene3d>
+    <dgm:sp3d/>
     <dgm:txPr/>
     <dgm:style>
       <a:lnRef idx="2">
@@ -6022,6 +6135,7 @@
       <a:camera prst="orthographicFront"/>
       <a:lightRig rig="threePt" dir="t"/>
     </dgm:scene3d>
+    <dgm:sp3d/>
     <dgm:txPr/>
     <dgm:style>
       <a:lnRef idx="2">
@@ -6043,6 +6157,7 @@
       <a:camera prst="orthographicFront"/>
       <a:lightRig rig="threePt" dir="t"/>
     </dgm:scene3d>
+    <dgm:sp3d/>
     <dgm:txPr/>
     <dgm:style>
       <a:lnRef idx="2">
@@ -6064,6 +6179,7 @@
       <a:camera prst="orthographicFront"/>
       <a:lightRig rig="threePt" dir="t"/>
     </dgm:scene3d>
+    <dgm:sp3d/>
     <dgm:txPr/>
     <dgm:style>
       <a:lnRef idx="2">
@@ -6085,6 +6201,7 @@
       <a:camera prst="orthographicFront"/>
       <a:lightRig rig="threePt" dir="t"/>
     </dgm:scene3d>
+    <dgm:sp3d/>
     <dgm:txPr/>
     <dgm:style>
       <a:lnRef idx="2">
@@ -6106,6 +6223,7 @@
       <a:camera prst="orthographicFront"/>
       <a:lightRig rig="threePt" dir="t"/>
     </dgm:scene3d>
+    <dgm:sp3d/>
     <dgm:txPr/>
     <dgm:style>
       <a:lnRef idx="2">
@@ -6125,6 +6243,7 @@
       <a:camera prst="orthographicFront"/>
       <a:lightRig rig="threePt" dir="t"/>
     </dgm:scene3d>
+    <dgm:sp3d/>
     <dgm:txPr/>
     <dgm:style>
       <a:lnRef idx="2">
@@ -6144,6 +6263,7 @@
       <a:camera prst="orthographicFront"/>
       <a:lightRig rig="threePt" dir="t"/>
     </dgm:scene3d>
+    <dgm:sp3d/>
     <dgm:txPr/>
     <dgm:style>
       <a:lnRef idx="2">
@@ -6163,6 +6283,7 @@
       <a:camera prst="orthographicFront"/>
       <a:lightRig rig="threePt" dir="t"/>
     </dgm:scene3d>
+    <dgm:sp3d/>
     <dgm:txPr/>
     <dgm:style>
       <a:lnRef idx="2">
@@ -6182,6 +6303,7 @@
       <a:camera prst="orthographicFront"/>
       <a:lightRig rig="threePt" dir="t"/>
     </dgm:scene3d>
+    <dgm:sp3d/>
     <dgm:txPr/>
     <dgm:style>
       <a:lnRef idx="2">
@@ -6203,6 +6325,7 @@
       <a:camera prst="orthographicFront"/>
       <a:lightRig rig="threePt" dir="t"/>
     </dgm:scene3d>
+    <dgm:sp3d/>
     <dgm:txPr/>
     <dgm:style>
       <a:lnRef idx="2">
@@ -6224,6 +6347,7 @@
       <a:camera prst="orthographicFront"/>
       <a:lightRig rig="threePt" dir="t"/>
     </dgm:scene3d>
+    <dgm:sp3d/>
     <dgm:txPr/>
     <dgm:style>
       <a:lnRef idx="2">
@@ -6245,6 +6369,7 @@
       <a:camera prst="orthographicFront"/>
       <a:lightRig rig="threePt" dir="t"/>
     </dgm:scene3d>
+    <dgm:sp3d/>
     <dgm:txPr/>
     <dgm:style>
       <a:lnRef idx="2">
@@ -6266,6 +6391,7 @@
       <a:camera prst="orthographicFront"/>
       <a:lightRig rig="threePt" dir="t"/>
     </dgm:scene3d>
+    <dgm:sp3d/>
     <dgm:txPr/>
     <dgm:style>
       <a:lnRef idx="0">
@@ -6285,6 +6411,7 @@
       <a:camera prst="orthographicFront"/>
       <a:lightRig rig="threePt" dir="t"/>
     </dgm:scene3d>
+    <dgm:sp3d/>
     <dgm:txPr/>
     <dgm:style>
       <a:lnRef idx="1">
@@ -6304,6 +6431,7 @@
       <a:camera prst="orthographicFront"/>
       <a:lightRig rig="threePt" dir="t"/>
     </dgm:scene3d>
+    <dgm:sp3d/>
     <dgm:txPr/>
     <dgm:style>
       <a:lnRef idx="0">
@@ -6325,6 +6453,7 @@
       <a:camera prst="orthographicFront"/>
       <a:lightRig rig="threePt" dir="t"/>
     </dgm:scene3d>
+    <dgm:sp3d/>
     <dgm:txPr/>
     <dgm:style>
       <a:lnRef idx="2">
@@ -6344,6 +6473,7 @@
       <a:camera prst="orthographicFront"/>
       <a:lightRig rig="threePt" dir="t"/>
     </dgm:scene3d>
+    <dgm:sp3d/>
     <dgm:txPr/>
     <dgm:style>
       <a:lnRef idx="2">
@@ -6363,6 +6493,7 @@
       <a:camera prst="orthographicFront"/>
       <a:lightRig rig="threePt" dir="t"/>
     </dgm:scene3d>
+    <dgm:sp3d/>
     <dgm:txPr/>
     <dgm:style>
       <a:lnRef idx="2">
@@ -6382,6 +6513,7 @@
       <a:camera prst="orthographicFront"/>
       <a:lightRig rig="threePt" dir="t"/>
     </dgm:scene3d>
+    <dgm:sp3d/>
     <dgm:txPr/>
     <dgm:style>
       <a:lnRef idx="1">
@@ -6401,6 +6533,7 @@
       <a:camera prst="orthographicFront"/>
       <a:lightRig rig="threePt" dir="t"/>
     </dgm:scene3d>
+    <dgm:sp3d/>
     <dgm:txPr/>
     <dgm:style>
       <a:lnRef idx="0">
@@ -6420,6 +6553,7 @@
       <a:camera prst="orthographicFront"/>
       <a:lightRig rig="threePt" dir="t"/>
     </dgm:scene3d>
+    <dgm:sp3d/>
     <dgm:txPr/>
     <dgm:style>
       <a:lnRef idx="2">
@@ -6440,7 +6574,7 @@
 </file>
 
 <file path=ppt/diagrams/quickStyle2.xml><?xml version="1.0" encoding="utf-8"?>
-<dgm:styleDef xmlns:dgm="http://schemas.openxmlformats.org/drawingml/2006/diagram" xmlns:a="http://schemas.openxmlformats.org/drawingml/2006/main" uniqueId="urn:microsoft.com/office/officeart/2005/8/quickstyle/simple1">
+<dgm:styleDef xmlns:dgm="http://schemas.openxmlformats.org/drawingml/2006/diagram" xmlns:a="http://schemas.openxmlformats.org/drawingml/2006/main" uniqueId="urn:microsoft.com/office/officeart/2005/8/quickstyle/simple1#2">
   <dgm:title val=""/>
   <dgm:desc val=""/>
   <dgm:catLst>
@@ -6455,6 +6589,7 @@
       <a:camera prst="orthographicFront"/>
       <a:lightRig rig="threePt" dir="t"/>
     </dgm:scene3d>
+    <dgm:sp3d/>
     <dgm:txPr/>
     <dgm:style>
       <a:lnRef idx="2">
@@ -6474,6 +6609,7 @@
       <a:camera prst="orthographicFront"/>
       <a:lightRig rig="threePt" dir="t"/>
     </dgm:scene3d>
+    <dgm:sp3d/>
     <dgm:txPr/>
     <dgm:style>
       <a:lnRef idx="2">
@@ -6493,6 +6629,7 @@
       <a:camera prst="orthographicFront"/>
       <a:lightRig rig="threePt" dir="t"/>
     </dgm:scene3d>
+    <dgm:sp3d/>
     <dgm:txPr/>
     <dgm:style>
       <a:lnRef idx="2">
@@ -6512,6 +6649,7 @@
       <a:camera prst="orthographicFront"/>
       <a:lightRig rig="threePt" dir="t"/>
     </dgm:scene3d>
+    <dgm:sp3d/>
     <dgm:txPr/>
     <dgm:style>
       <a:lnRef idx="2">
@@ -6533,6 +6671,7 @@
       <a:camera prst="orthographicFront"/>
       <a:lightRig rig="threePt" dir="t"/>
     </dgm:scene3d>
+    <dgm:sp3d/>
     <dgm:txPr/>
     <dgm:style>
       <a:lnRef idx="2">
@@ -6554,6 +6693,7 @@
       <a:camera prst="orthographicFront"/>
       <a:lightRig rig="threePt" dir="t"/>
     </dgm:scene3d>
+    <dgm:sp3d/>
     <dgm:txPr/>
     <dgm:style>
       <a:lnRef idx="2">
@@ -6575,6 +6715,7 @@
       <a:camera prst="orthographicFront"/>
       <a:lightRig rig="threePt" dir="t"/>
     </dgm:scene3d>
+    <dgm:sp3d/>
     <dgm:txPr/>
     <dgm:style>
       <a:lnRef idx="2">
@@ -6596,6 +6737,7 @@
       <a:camera prst="orthographicFront"/>
       <a:lightRig rig="threePt" dir="t"/>
     </dgm:scene3d>
+    <dgm:sp3d/>
     <dgm:txPr/>
     <dgm:style>
       <a:lnRef idx="2">
@@ -6617,6 +6759,7 @@
       <a:camera prst="orthographicFront"/>
       <a:lightRig rig="threePt" dir="t"/>
     </dgm:scene3d>
+    <dgm:sp3d/>
     <dgm:txPr/>
     <dgm:style>
       <a:lnRef idx="2">
@@ -6638,6 +6781,7 @@
       <a:camera prst="orthographicFront"/>
       <a:lightRig rig="threePt" dir="t"/>
     </dgm:scene3d>
+    <dgm:sp3d/>
     <dgm:txPr/>
     <dgm:style>
       <a:lnRef idx="2">
@@ -6657,6 +6801,7 @@
       <a:camera prst="orthographicFront"/>
       <a:lightRig rig="threePt" dir="t"/>
     </dgm:scene3d>
+    <dgm:sp3d/>
     <dgm:txPr/>
     <dgm:style>
       <a:lnRef idx="2">
@@ -6676,6 +6821,7 @@
       <a:camera prst="orthographicFront"/>
       <a:lightRig rig="threePt" dir="t"/>
     </dgm:scene3d>
+    <dgm:sp3d/>
     <dgm:txPr/>
     <dgm:style>
       <a:lnRef idx="2">
@@ -6695,6 +6841,7 @@
       <a:camera prst="orthographicFront"/>
       <a:lightRig rig="threePt" dir="t"/>
     </dgm:scene3d>
+    <dgm:sp3d/>
     <dgm:txPr/>
     <dgm:style>
       <a:lnRef idx="0">
@@ -6714,6 +6861,7 @@
       <a:camera prst="orthographicFront"/>
       <a:lightRig rig="threePt" dir="t"/>
     </dgm:scene3d>
+    <dgm:sp3d/>
     <dgm:txPr/>
     <dgm:style>
       <a:lnRef idx="0">
@@ -6735,6 +6883,7 @@
       <a:camera prst="orthographicFront"/>
       <a:lightRig rig="threePt" dir="t"/>
     </dgm:scene3d>
+    <dgm:sp3d/>
     <dgm:txPr/>
     <dgm:style>
       <a:lnRef idx="2">
@@ -6754,6 +6903,7 @@
       <a:camera prst="orthographicFront"/>
       <a:lightRig rig="threePt" dir="t"/>
     </dgm:scene3d>
+    <dgm:sp3d/>
     <dgm:txPr/>
     <dgm:style>
       <a:lnRef idx="2">
@@ -6773,6 +6923,7 @@
       <a:camera prst="orthographicFront"/>
       <a:lightRig rig="threePt" dir="t"/>
     </dgm:scene3d>
+    <dgm:sp3d/>
     <dgm:txPr/>
     <dgm:style>
       <a:lnRef idx="0">
@@ -6792,6 +6943,7 @@
       <a:camera prst="orthographicFront"/>
       <a:lightRig rig="threePt" dir="t"/>
     </dgm:scene3d>
+    <dgm:sp3d/>
     <dgm:txPr/>
     <dgm:style>
       <a:lnRef idx="2">
@@ -6811,6 +6963,7 @@
       <a:camera prst="orthographicFront"/>
       <a:lightRig rig="threePt" dir="t"/>
     </dgm:scene3d>
+    <dgm:sp3d/>
     <dgm:txPr/>
     <dgm:style>
       <a:lnRef idx="2">
@@ -6830,6 +6983,7 @@
       <a:camera prst="orthographicFront"/>
       <a:lightRig rig="threePt" dir="t"/>
     </dgm:scene3d>
+    <dgm:sp3d/>
     <dgm:txPr/>
     <dgm:style>
       <a:lnRef idx="2">
@@ -6849,6 +7003,7 @@
       <a:camera prst="orthographicFront"/>
       <a:lightRig rig="threePt" dir="t"/>
     </dgm:scene3d>
+    <dgm:sp3d/>
     <dgm:txPr/>
     <dgm:style>
       <a:lnRef idx="2">
@@ -6868,6 +7023,7 @@
       <a:camera prst="orthographicFront"/>
       <a:lightRig rig="threePt" dir="t"/>
     </dgm:scene3d>
+    <dgm:sp3d/>
     <dgm:txPr/>
     <dgm:style>
       <a:lnRef idx="2">
@@ -6887,6 +7043,7 @@
       <a:camera prst="orthographicFront"/>
       <a:lightRig rig="threePt" dir="t"/>
     </dgm:scene3d>
+    <dgm:sp3d/>
     <dgm:txPr/>
     <dgm:style>
       <a:lnRef idx="2">
@@ -6906,6 +7063,7 @@
       <a:camera prst="orthographicFront"/>
       <a:lightRig rig="threePt" dir="t"/>
     </dgm:scene3d>
+    <dgm:sp3d/>
     <dgm:txPr/>
     <dgm:style>
       <a:lnRef idx="2">
@@ -6925,6 +7083,7 @@
       <a:camera prst="orthographicFront"/>
       <a:lightRig rig="threePt" dir="t"/>
     </dgm:scene3d>
+    <dgm:sp3d/>
     <dgm:txPr/>
     <dgm:style>
       <a:lnRef idx="2">
@@ -6944,6 +7103,7 @@
       <a:camera prst="orthographicFront"/>
       <a:lightRig rig="threePt" dir="t"/>
     </dgm:scene3d>
+    <dgm:sp3d/>
     <dgm:txPr/>
     <dgm:style>
       <a:lnRef idx="0">
@@ -6965,6 +7125,7 @@
       <a:camera prst="orthographicFront"/>
       <a:lightRig rig="threePt" dir="t"/>
     </dgm:scene3d>
+    <dgm:sp3d/>
     <dgm:txPr/>
     <dgm:style>
       <a:lnRef idx="2">
@@ -6986,6 +7147,7 @@
       <a:camera prst="orthographicFront"/>
       <a:lightRig rig="threePt" dir="t"/>
     </dgm:scene3d>
+    <dgm:sp3d/>
     <dgm:txPr/>
     <dgm:style>
       <a:lnRef idx="2">
@@ -7007,6 +7169,7 @@
       <a:camera prst="orthographicFront"/>
       <a:lightRig rig="threePt" dir="t"/>
     </dgm:scene3d>
+    <dgm:sp3d/>
     <dgm:txPr/>
     <dgm:style>
       <a:lnRef idx="2">
@@ -7028,6 +7191,7 @@
       <a:camera prst="orthographicFront"/>
       <a:lightRig rig="threePt" dir="t"/>
     </dgm:scene3d>
+    <dgm:sp3d/>
     <dgm:txPr/>
     <dgm:style>
       <a:lnRef idx="2">
@@ -7049,6 +7213,7 @@
       <a:camera prst="orthographicFront"/>
       <a:lightRig rig="threePt" dir="t"/>
     </dgm:scene3d>
+    <dgm:sp3d/>
     <dgm:txPr/>
     <dgm:style>
       <a:lnRef idx="2">
@@ -7070,6 +7235,7 @@
       <a:camera prst="orthographicFront"/>
       <a:lightRig rig="threePt" dir="t"/>
     </dgm:scene3d>
+    <dgm:sp3d/>
     <dgm:txPr/>
     <dgm:style>
       <a:lnRef idx="2">
@@ -7091,6 +7257,7 @@
       <a:camera prst="orthographicFront"/>
       <a:lightRig rig="threePt" dir="t"/>
     </dgm:scene3d>
+    <dgm:sp3d/>
     <dgm:txPr/>
     <dgm:style>
       <a:lnRef idx="2">
@@ -7110,6 +7277,7 @@
       <a:camera prst="orthographicFront"/>
       <a:lightRig rig="threePt" dir="t"/>
     </dgm:scene3d>
+    <dgm:sp3d/>
     <dgm:txPr/>
     <dgm:style>
       <a:lnRef idx="2">
@@ -7129,6 +7297,7 @@
       <a:camera prst="orthographicFront"/>
       <a:lightRig rig="threePt" dir="t"/>
     </dgm:scene3d>
+    <dgm:sp3d/>
     <dgm:txPr/>
     <dgm:style>
       <a:lnRef idx="2">
@@ -7148,6 +7317,7 @@
       <a:camera prst="orthographicFront"/>
       <a:lightRig rig="threePt" dir="t"/>
     </dgm:scene3d>
+    <dgm:sp3d/>
     <dgm:txPr/>
     <dgm:style>
       <a:lnRef idx="2">
@@ -7167,6 +7337,7 @@
       <a:camera prst="orthographicFront"/>
       <a:lightRig rig="threePt" dir="t"/>
     </dgm:scene3d>
+    <dgm:sp3d/>
     <dgm:txPr/>
     <dgm:style>
       <a:lnRef idx="2">
@@ -7188,6 +7359,7 @@
       <a:camera prst="orthographicFront"/>
       <a:lightRig rig="threePt" dir="t"/>
     </dgm:scene3d>
+    <dgm:sp3d/>
     <dgm:txPr/>
     <dgm:style>
       <a:lnRef idx="2">
@@ -7209,6 +7381,7 @@
       <a:camera prst="orthographicFront"/>
       <a:lightRig rig="threePt" dir="t"/>
     </dgm:scene3d>
+    <dgm:sp3d/>
     <dgm:txPr/>
     <dgm:style>
       <a:lnRef idx="2">
@@ -7230,6 +7403,7 @@
       <a:camera prst="orthographicFront"/>
       <a:lightRig rig="threePt" dir="t"/>
     </dgm:scene3d>
+    <dgm:sp3d/>
     <dgm:txPr/>
     <dgm:style>
       <a:lnRef idx="2">
@@ -7251,6 +7425,7 @@
       <a:camera prst="orthographicFront"/>
       <a:lightRig rig="threePt" dir="t"/>
     </dgm:scene3d>
+    <dgm:sp3d/>
     <dgm:txPr/>
     <dgm:style>
       <a:lnRef idx="0">
@@ -7270,6 +7445,7 @@
       <a:camera prst="orthographicFront"/>
       <a:lightRig rig="threePt" dir="t"/>
     </dgm:scene3d>
+    <dgm:sp3d/>
     <dgm:txPr/>
     <dgm:style>
       <a:lnRef idx="1">
@@ -7289,6 +7465,7 @@
       <a:camera prst="orthographicFront"/>
       <a:lightRig rig="threePt" dir="t"/>
     </dgm:scene3d>
+    <dgm:sp3d/>
     <dgm:txPr/>
     <dgm:style>
       <a:lnRef idx="0">
@@ -7310,6 +7487,7 @@
       <a:camera prst="orthographicFront"/>
       <a:lightRig rig="threePt" dir="t"/>
     </dgm:scene3d>
+    <dgm:sp3d/>
     <dgm:txPr/>
     <dgm:style>
       <a:lnRef idx="2">
@@ -7329,6 +7507,7 @@
       <a:camera prst="orthographicFront"/>
       <a:lightRig rig="threePt" dir="t"/>
     </dgm:scene3d>
+    <dgm:sp3d/>
     <dgm:txPr/>
     <dgm:style>
       <a:lnRef idx="2">
@@ -7348,6 +7527,7 @@
       <a:camera prst="orthographicFront"/>
       <a:lightRig rig="threePt" dir="t"/>
     </dgm:scene3d>
+    <dgm:sp3d/>
     <dgm:txPr/>
     <dgm:style>
       <a:lnRef idx="2">
@@ -7367,6 +7547,7 @@
       <a:camera prst="orthographicFront"/>
       <a:lightRig rig="threePt" dir="t"/>
     </dgm:scene3d>
+    <dgm:sp3d/>
     <dgm:txPr/>
     <dgm:style>
       <a:lnRef idx="1">
@@ -7386,6 +7567,7 @@
       <a:camera prst="orthographicFront"/>
       <a:lightRig rig="threePt" dir="t"/>
     </dgm:scene3d>
+    <dgm:sp3d/>
     <dgm:txPr/>
     <dgm:style>
       <a:lnRef idx="0">
@@ -7405,6 +7587,7 @@
       <a:camera prst="orthographicFront"/>
       <a:lightRig rig="threePt" dir="t"/>
     </dgm:scene3d>
+    <dgm:sp3d/>
     <dgm:txPr/>
     <dgm:style>
       <a:lnRef idx="2">
@@ -7425,7 +7608,7 @@
 </file>
 
 <file path=ppt/diagrams/quickStyle3.xml><?xml version="1.0" encoding="utf-8"?>
-<dgm:styleDef xmlns:dgm="http://schemas.openxmlformats.org/drawingml/2006/diagram" xmlns:a="http://schemas.openxmlformats.org/drawingml/2006/main" uniqueId="urn:microsoft.com/office/officeart/2005/8/quickstyle/simple1">
+<dgm:styleDef xmlns:dgm="http://schemas.openxmlformats.org/drawingml/2006/diagram" xmlns:a="http://schemas.openxmlformats.org/drawingml/2006/main" uniqueId="urn:microsoft.com/office/officeart/2005/8/quickstyle/simple1#3">
   <dgm:title val=""/>
   <dgm:desc val=""/>
   <dgm:catLst>
@@ -7440,6 +7623,7 @@
       <a:camera prst="orthographicFront"/>
       <a:lightRig rig="threePt" dir="t"/>
     </dgm:scene3d>
+    <dgm:sp3d/>
     <dgm:txPr/>
     <dgm:style>
       <a:lnRef idx="2">
@@ -7459,6 +7643,7 @@
       <a:camera prst="orthographicFront"/>
       <a:lightRig rig="threePt" dir="t"/>
     </dgm:scene3d>
+    <dgm:sp3d/>
     <dgm:txPr/>
     <dgm:style>
       <a:lnRef idx="2">
@@ -7478,6 +7663,7 @@
       <a:camera prst="orthographicFront"/>
       <a:lightRig rig="threePt" dir="t"/>
     </dgm:scene3d>
+    <dgm:sp3d/>
     <dgm:txPr/>
     <dgm:style>
       <a:lnRef idx="2">
@@ -7497,6 +7683,7 @@
       <a:camera prst="orthographicFront"/>
       <a:lightRig rig="threePt" dir="t"/>
     </dgm:scene3d>
+    <dgm:sp3d/>
     <dgm:txPr/>
     <dgm:style>
       <a:lnRef idx="2">
@@ -7518,6 +7705,7 @@
       <a:camera prst="orthographicFront"/>
       <a:lightRig rig="threePt" dir="t"/>
     </dgm:scene3d>
+    <dgm:sp3d/>
     <dgm:txPr/>
     <dgm:style>
       <a:lnRef idx="2">
@@ -7539,6 +7727,7 @@
       <a:camera prst="orthographicFront"/>
       <a:lightRig rig="threePt" dir="t"/>
     </dgm:scene3d>
+    <dgm:sp3d/>
     <dgm:txPr/>
     <dgm:style>
       <a:lnRef idx="2">
@@ -7560,6 +7749,7 @@
       <a:camera prst="orthographicFront"/>
       <a:lightRig rig="threePt" dir="t"/>
     </dgm:scene3d>
+    <dgm:sp3d/>
     <dgm:txPr/>
     <dgm:style>
       <a:lnRef idx="2">
@@ -7581,6 +7771,7 @@
       <a:camera prst="orthographicFront"/>
       <a:lightRig rig="threePt" dir="t"/>
     </dgm:scene3d>
+    <dgm:sp3d/>
     <dgm:txPr/>
     <dgm:style>
       <a:lnRef idx="2">
@@ -7602,6 +7793,7 @@
       <a:camera prst="orthographicFront"/>
       <a:lightRig rig="threePt" dir="t"/>
     </dgm:scene3d>
+    <dgm:sp3d/>
     <dgm:txPr/>
     <dgm:style>
       <a:lnRef idx="2">
@@ -7623,6 +7815,7 @@
       <a:camera prst="orthographicFront"/>
       <a:lightRig rig="threePt" dir="t"/>
     </dgm:scene3d>
+    <dgm:sp3d/>
     <dgm:txPr/>
     <dgm:style>
       <a:lnRef idx="2">
@@ -7642,6 +7835,7 @@
       <a:camera prst="orthographicFront"/>
       <a:lightRig rig="threePt" dir="t"/>
     </dgm:scene3d>
+    <dgm:sp3d/>
     <dgm:txPr/>
     <dgm:style>
       <a:lnRef idx="2">
@@ -7661,6 +7855,7 @@
       <a:camera prst="orthographicFront"/>
       <a:lightRig rig="threePt" dir="t"/>
     </dgm:scene3d>
+    <dgm:sp3d/>
     <dgm:txPr/>
     <dgm:style>
       <a:lnRef idx="2">
@@ -7680,6 +7875,7 @@
       <a:camera prst="orthographicFront"/>
       <a:lightRig rig="threePt" dir="t"/>
     </dgm:scene3d>
+    <dgm:sp3d/>
     <dgm:txPr/>
     <dgm:style>
       <a:lnRef idx="0">
@@ -7699,6 +7895,7 @@
       <a:camera prst="orthographicFront"/>
       <a:lightRig rig="threePt" dir="t"/>
     </dgm:scene3d>
+    <dgm:sp3d/>
     <dgm:txPr/>
     <dgm:style>
       <a:lnRef idx="0">
@@ -7720,6 +7917,7 @@
       <a:camera prst="orthographicFront"/>
       <a:lightRig rig="threePt" dir="t"/>
     </dgm:scene3d>
+    <dgm:sp3d/>
     <dgm:txPr/>
     <dgm:style>
       <a:lnRef idx="2">
@@ -7739,6 +7937,7 @@
       <a:camera prst="orthographicFront"/>
       <a:lightRig rig="threePt" dir="t"/>
     </dgm:scene3d>
+    <dgm:sp3d/>
     <dgm:txPr/>
     <dgm:style>
       <a:lnRef idx="2">
@@ -7758,6 +7957,7 @@
       <a:camera prst="orthographicFront"/>
       <a:lightRig rig="threePt" dir="t"/>
     </dgm:scene3d>
+    <dgm:sp3d/>
     <dgm:txPr/>
     <dgm:style>
       <a:lnRef idx="0">
@@ -7777,6 +7977,7 @@
       <a:camera prst="orthographicFront"/>
       <a:lightRig rig="threePt" dir="t"/>
     </dgm:scene3d>
+    <dgm:sp3d/>
     <dgm:txPr/>
     <dgm:style>
       <a:lnRef idx="2">
@@ -7796,6 +7997,7 @@
       <a:camera prst="orthographicFront"/>
       <a:lightRig rig="threePt" dir="t"/>
     </dgm:scene3d>
+    <dgm:sp3d/>
     <dgm:txPr/>
     <dgm:style>
       <a:lnRef idx="2">
@@ -7815,6 +8017,7 @@
       <a:camera prst="orthographicFront"/>
       <a:lightRig rig="threePt" dir="t"/>
     </dgm:scene3d>
+    <dgm:sp3d/>
     <dgm:txPr/>
     <dgm:style>
       <a:lnRef idx="2">
@@ -7834,6 +8037,7 @@
       <a:camera prst="orthographicFront"/>
       <a:lightRig rig="threePt" dir="t"/>
     </dgm:scene3d>
+    <dgm:sp3d/>
     <dgm:txPr/>
     <dgm:style>
       <a:lnRef idx="2">
@@ -7853,6 +8057,7 @@
       <a:camera prst="orthographicFront"/>
       <a:lightRig rig="threePt" dir="t"/>
     </dgm:scene3d>
+    <dgm:sp3d/>
     <dgm:txPr/>
     <dgm:style>
       <a:lnRef idx="2">
@@ -7872,6 +8077,7 @@
       <a:camera prst="orthographicFront"/>
       <a:lightRig rig="threePt" dir="t"/>
     </dgm:scene3d>
+    <dgm:sp3d/>
     <dgm:txPr/>
     <dgm:style>
       <a:lnRef idx="2">
@@ -7891,6 +8097,7 @@
       <a:camera prst="orthographicFront"/>
       <a:lightRig rig="threePt" dir="t"/>
     </dgm:scene3d>
+    <dgm:sp3d/>
     <dgm:txPr/>
     <dgm:style>
       <a:lnRef idx="2">
@@ -7910,6 +8117,7 @@
       <a:camera prst="orthographicFront"/>
       <a:lightRig rig="threePt" dir="t"/>
     </dgm:scene3d>
+    <dgm:sp3d/>
     <dgm:txPr/>
     <dgm:style>
       <a:lnRef idx="2">
@@ -7929,6 +8137,7 @@
       <a:camera prst="orthographicFront"/>
       <a:lightRig rig="threePt" dir="t"/>
     </dgm:scene3d>
+    <dgm:sp3d/>
     <dgm:txPr/>
     <dgm:style>
       <a:lnRef idx="0">
@@ -7950,6 +8159,7 @@
       <a:camera prst="orthographicFront"/>
       <a:lightRig rig="threePt" dir="t"/>
     </dgm:scene3d>
+    <dgm:sp3d/>
     <dgm:txPr/>
     <dgm:style>
       <a:lnRef idx="2">
@@ -7971,6 +8181,7 @@
       <a:camera prst="orthographicFront"/>
       <a:lightRig rig="threePt" dir="t"/>
     </dgm:scene3d>
+    <dgm:sp3d/>
     <dgm:txPr/>
     <dgm:style>
       <a:lnRef idx="2">
@@ -7992,6 +8203,7 @@
       <a:camera prst="orthographicFront"/>
       <a:lightRig rig="threePt" dir="t"/>
     </dgm:scene3d>
+    <dgm:sp3d/>
     <dgm:txPr/>
     <dgm:style>
       <a:lnRef idx="2">
@@ -8013,6 +8225,7 @@
       <a:camera prst="orthographicFront"/>
       <a:lightRig rig="threePt" dir="t"/>
     </dgm:scene3d>
+    <dgm:sp3d/>
     <dgm:txPr/>
     <dgm:style>
       <a:lnRef idx="2">
@@ -8034,6 +8247,7 @@
       <a:camera prst="orthographicFront"/>
       <a:lightRig rig="threePt" dir="t"/>
     </dgm:scene3d>
+    <dgm:sp3d/>
     <dgm:txPr/>
     <dgm:style>
       <a:lnRef idx="2">
@@ -8055,6 +8269,7 @@
       <a:camera prst="orthographicFront"/>
       <a:lightRig rig="threePt" dir="t"/>
     </dgm:scene3d>
+    <dgm:sp3d/>
     <dgm:txPr/>
     <dgm:style>
       <a:lnRef idx="2">
@@ -8076,6 +8291,7 @@
       <a:camera prst="orthographicFront"/>
       <a:lightRig rig="threePt" dir="t"/>
     </dgm:scene3d>
+    <dgm:sp3d/>
     <dgm:txPr/>
     <dgm:style>
       <a:lnRef idx="2">
@@ -8095,6 +8311,7 @@
       <a:camera prst="orthographicFront"/>
       <a:lightRig rig="threePt" dir="t"/>
     </dgm:scene3d>
+    <dgm:sp3d/>
     <dgm:txPr/>
     <dgm:style>
       <a:lnRef idx="2">
@@ -8114,6 +8331,7 @@
       <a:camera prst="orthographicFront"/>
       <a:lightRig rig="threePt" dir="t"/>
     </dgm:scene3d>
+    <dgm:sp3d/>
     <dgm:txPr/>
     <dgm:style>
       <a:lnRef idx="2">
@@ -8133,6 +8351,7 @@
       <a:camera prst="orthographicFront"/>
       <a:lightRig rig="threePt" dir="t"/>
     </dgm:scene3d>
+    <dgm:sp3d/>
     <dgm:txPr/>
     <dgm:style>
       <a:lnRef idx="2">
@@ -8152,6 +8371,7 @@
       <a:camera prst="orthographicFront"/>
       <a:lightRig rig="threePt" dir="t"/>
     </dgm:scene3d>
+    <dgm:sp3d/>
     <dgm:txPr/>
     <dgm:style>
       <a:lnRef idx="2">
@@ -8173,6 +8393,7 @@
       <a:camera prst="orthographicFront"/>
       <a:lightRig rig="threePt" dir="t"/>
     </dgm:scene3d>
+    <dgm:sp3d/>
     <dgm:txPr/>
     <dgm:style>
       <a:lnRef idx="2">
@@ -8194,6 +8415,7 @@
       <a:camera prst="orthographicFront"/>
       <a:lightRig rig="threePt" dir="t"/>
     </dgm:scene3d>
+    <dgm:sp3d/>
     <dgm:txPr/>
     <dgm:style>
       <a:lnRef idx="2">
@@ -8215,6 +8437,7 @@
       <a:camera prst="orthographicFront"/>
       <a:lightRig rig="threePt" dir="t"/>
     </dgm:scene3d>
+    <dgm:sp3d/>
     <dgm:txPr/>
     <dgm:style>
       <a:lnRef idx="2">
@@ -8236,6 +8459,7 @@
       <a:camera prst="orthographicFront"/>
       <a:lightRig rig="threePt" dir="t"/>
     </dgm:scene3d>
+    <dgm:sp3d/>
     <dgm:txPr/>
     <dgm:style>
       <a:lnRef idx="0">
@@ -8255,6 +8479,7 @@
       <a:camera prst="orthographicFront"/>
       <a:lightRig rig="threePt" dir="t"/>
     </dgm:scene3d>
+    <dgm:sp3d/>
     <dgm:txPr/>
     <dgm:style>
       <a:lnRef idx="1">
@@ -8274,6 +8499,7 @@
       <a:camera prst="orthographicFront"/>
       <a:lightRig rig="threePt" dir="t"/>
     </dgm:scene3d>
+    <dgm:sp3d/>
     <dgm:txPr/>
     <dgm:style>
       <a:lnRef idx="0">
@@ -8295,6 +8521,7 @@
       <a:camera prst="orthographicFront"/>
       <a:lightRig rig="threePt" dir="t"/>
     </dgm:scene3d>
+    <dgm:sp3d/>
     <dgm:txPr/>
     <dgm:style>
       <a:lnRef idx="2">
@@ -8314,6 +8541,7 @@
       <a:camera prst="orthographicFront"/>
       <a:lightRig rig="threePt" dir="t"/>
     </dgm:scene3d>
+    <dgm:sp3d/>
     <dgm:txPr/>
     <dgm:style>
       <a:lnRef idx="2">
@@ -8333,6 +8561,7 @@
       <a:camera prst="orthographicFront"/>
       <a:lightRig rig="threePt" dir="t"/>
     </dgm:scene3d>
+    <dgm:sp3d/>
     <dgm:txPr/>
     <dgm:style>
       <a:lnRef idx="2">
@@ -8352,6 +8581,7 @@
       <a:camera prst="orthographicFront"/>
       <a:lightRig rig="threePt" dir="t"/>
     </dgm:scene3d>
+    <dgm:sp3d/>
     <dgm:txPr/>
     <dgm:style>
       <a:lnRef idx="1">
@@ -8371,6 +8601,7 @@
       <a:camera prst="orthographicFront"/>
       <a:lightRig rig="threePt" dir="t"/>
     </dgm:scene3d>
+    <dgm:sp3d/>
     <dgm:txPr/>
     <dgm:style>
       <a:lnRef idx="0">
@@ -8390,6 +8621,7 @@
       <a:camera prst="orthographicFront"/>
       <a:lightRig rig="threePt" dir="t"/>
     </dgm:scene3d>
+    <dgm:sp3d/>
     <dgm:txPr/>
     <dgm:style>
       <a:lnRef idx="2">
@@ -8610,7 +8842,9 @@
               <a:defRPr sz="1100"/>
             </a:lvl9pPr>
           </a:lstStyle>
-          <a:p/>
+          <a:p>
+            <a:endParaRPr/>
+          </a:p>
         </p:txBody>
       </p:sp>
     </p:spTree>
@@ -8849,7 +9083,7 @@
 </file>
 
 <file path=ppt/notesSlides/notesSlide1.xml><?xml version="1.0" encoding="utf-8"?>
-<p:notes xmlns:a="http://schemas.openxmlformats.org/drawingml/2006/main" xmlns:r="http://schemas.openxmlformats.org/officeDocument/2006/relationships" xmlns:p="http://schemas.openxmlformats.org/presentationml/2006/main" showMasterPhAnim="0" showMasterSp="0">
+<p:notes xmlns:a="http://schemas.openxmlformats.org/drawingml/2006/main" xmlns:r="http://schemas.openxmlformats.org/officeDocument/2006/relationships" xmlns:p="http://schemas.openxmlformats.org/presentationml/2006/main" showMasterSp="0" showMasterPhAnim="0">
   <p:cSld>
     <p:spTree>
       <p:nvGrpSpPr>
@@ -8940,6 +9174,7 @@
               </a:spcAft>
               <a:buNone/>
             </a:pPr>
+            <a:endParaRPr/>
           </a:p>
         </p:txBody>
       </p:sp>
@@ -8952,7 +9187,7 @@
 </file>
 
 <file path=ppt/notesSlides/notesSlide10.xml><?xml version="1.0" encoding="utf-8"?>
-<p:notes xmlns:a="http://schemas.openxmlformats.org/drawingml/2006/main" xmlns:r="http://schemas.openxmlformats.org/officeDocument/2006/relationships" xmlns:p="http://schemas.openxmlformats.org/presentationml/2006/main" showMasterPhAnim="0" showMasterSp="0">
+<p:notes xmlns:a="http://schemas.openxmlformats.org/drawingml/2006/main" xmlns:r="http://schemas.openxmlformats.org/officeDocument/2006/relationships" xmlns:p="http://schemas.openxmlformats.org/presentationml/2006/main" showMasterSp="0" showMasterPhAnim="0">
   <p:cSld>
     <p:spTree>
       <p:nvGrpSpPr>
@@ -9043,6 +9278,7 @@
               </a:spcAft>
               <a:buNone/>
             </a:pPr>
+            <a:endParaRPr/>
           </a:p>
         </p:txBody>
       </p:sp>
@@ -9055,7 +9291,7 @@
 </file>
 
 <file path=ppt/notesSlides/notesSlide11.xml><?xml version="1.0" encoding="utf-8"?>
-<p:notes xmlns:a="http://schemas.openxmlformats.org/drawingml/2006/main" xmlns:r="http://schemas.openxmlformats.org/officeDocument/2006/relationships" xmlns:p="http://schemas.openxmlformats.org/presentationml/2006/main" showMasterPhAnim="0" showMasterSp="0">
+<p:notes xmlns:a="http://schemas.openxmlformats.org/drawingml/2006/main" xmlns:r="http://schemas.openxmlformats.org/officeDocument/2006/relationships" xmlns:p="http://schemas.openxmlformats.org/presentationml/2006/main" showMasterSp="0" showMasterPhAnim="0">
   <p:cSld>
     <p:spTree>
       <p:nvGrpSpPr>
@@ -9146,6 +9382,7 @@
               </a:spcAft>
               <a:buNone/>
             </a:pPr>
+            <a:endParaRPr/>
           </a:p>
         </p:txBody>
       </p:sp>
@@ -9158,7 +9395,7 @@
 </file>
 
 <file path=ppt/notesSlides/notesSlide2.xml><?xml version="1.0" encoding="utf-8"?>
-<p:notes xmlns:a="http://schemas.openxmlformats.org/drawingml/2006/main" xmlns:r="http://schemas.openxmlformats.org/officeDocument/2006/relationships" xmlns:p="http://schemas.openxmlformats.org/presentationml/2006/main" showMasterPhAnim="0" showMasterSp="0">
+<p:notes xmlns:a="http://schemas.openxmlformats.org/drawingml/2006/main" xmlns:r="http://schemas.openxmlformats.org/officeDocument/2006/relationships" xmlns:p="http://schemas.openxmlformats.org/presentationml/2006/main" showMasterSp="0" showMasterPhAnim="0">
   <p:cSld>
     <p:spTree>
       <p:nvGrpSpPr>
@@ -9249,6 +9486,7 @@
               </a:spcAft>
               <a:buNone/>
             </a:pPr>
+            <a:endParaRPr/>
           </a:p>
         </p:txBody>
       </p:sp>
@@ -9261,7 +9499,7 @@
 </file>
 
 <file path=ppt/notesSlides/notesSlide3.xml><?xml version="1.0" encoding="utf-8"?>
-<p:notes xmlns:a="http://schemas.openxmlformats.org/drawingml/2006/main" xmlns:r="http://schemas.openxmlformats.org/officeDocument/2006/relationships" xmlns:p="http://schemas.openxmlformats.org/presentationml/2006/main" showMasterPhAnim="0" showMasterSp="0">
+<p:notes xmlns:a="http://schemas.openxmlformats.org/drawingml/2006/main" xmlns:r="http://schemas.openxmlformats.org/officeDocument/2006/relationships" xmlns:p="http://schemas.openxmlformats.org/presentationml/2006/main" showMasterSp="0" showMasterPhAnim="0">
   <p:cSld>
     <p:spTree>
       <p:nvGrpSpPr>
@@ -9352,6 +9590,7 @@
               </a:spcAft>
               <a:buNone/>
             </a:pPr>
+            <a:endParaRPr/>
           </a:p>
         </p:txBody>
       </p:sp>
@@ -9364,7 +9603,7 @@
 </file>
 
 <file path=ppt/notesSlides/notesSlide4.xml><?xml version="1.0" encoding="utf-8"?>
-<p:notes xmlns:a="http://schemas.openxmlformats.org/drawingml/2006/main" xmlns:r="http://schemas.openxmlformats.org/officeDocument/2006/relationships" xmlns:p="http://schemas.openxmlformats.org/presentationml/2006/main" showMasterPhAnim="0" showMasterSp="0">
+<p:notes xmlns:a="http://schemas.openxmlformats.org/drawingml/2006/main" xmlns:r="http://schemas.openxmlformats.org/officeDocument/2006/relationships" xmlns:p="http://schemas.openxmlformats.org/presentationml/2006/main" showMasterSp="0" showMasterPhAnim="0">
   <p:cSld>
     <p:spTree>
       <p:nvGrpSpPr>
@@ -9455,6 +9694,7 @@
               </a:spcAft>
               <a:buNone/>
             </a:pPr>
+            <a:endParaRPr/>
           </a:p>
         </p:txBody>
       </p:sp>
@@ -9467,7 +9707,7 @@
 </file>
 
 <file path=ppt/notesSlides/notesSlide5.xml><?xml version="1.0" encoding="utf-8"?>
-<p:notes xmlns:a="http://schemas.openxmlformats.org/drawingml/2006/main" xmlns:r="http://schemas.openxmlformats.org/officeDocument/2006/relationships" xmlns:p="http://schemas.openxmlformats.org/presentationml/2006/main" showMasterPhAnim="0" showMasterSp="0">
+<p:notes xmlns:a="http://schemas.openxmlformats.org/drawingml/2006/main" xmlns:r="http://schemas.openxmlformats.org/officeDocument/2006/relationships" xmlns:p="http://schemas.openxmlformats.org/presentationml/2006/main" showMasterSp="0" showMasterPhAnim="0">
   <p:cSld>
     <p:spTree>
       <p:nvGrpSpPr>
@@ -9558,6 +9798,7 @@
               </a:spcAft>
               <a:buNone/>
             </a:pPr>
+            <a:endParaRPr/>
           </a:p>
         </p:txBody>
       </p:sp>
@@ -9570,7 +9811,7 @@
 </file>
 
 <file path=ppt/notesSlides/notesSlide6.xml><?xml version="1.0" encoding="utf-8"?>
-<p:notes xmlns:a="http://schemas.openxmlformats.org/drawingml/2006/main" xmlns:r="http://schemas.openxmlformats.org/officeDocument/2006/relationships" xmlns:p="http://schemas.openxmlformats.org/presentationml/2006/main" showMasterPhAnim="0" showMasterSp="0">
+<p:notes xmlns:a="http://schemas.openxmlformats.org/drawingml/2006/main" xmlns:r="http://schemas.openxmlformats.org/officeDocument/2006/relationships" xmlns:p="http://schemas.openxmlformats.org/presentationml/2006/main" showMasterSp="0" showMasterPhAnim="0">
   <p:cSld>
     <p:spTree>
       <p:nvGrpSpPr>
@@ -9661,6 +9902,7 @@
               </a:spcAft>
               <a:buNone/>
             </a:pPr>
+            <a:endParaRPr/>
           </a:p>
         </p:txBody>
       </p:sp>
@@ -9673,7 +9915,7 @@
 </file>
 
 <file path=ppt/notesSlides/notesSlide7.xml><?xml version="1.0" encoding="utf-8"?>
-<p:notes xmlns:a="http://schemas.openxmlformats.org/drawingml/2006/main" xmlns:r="http://schemas.openxmlformats.org/officeDocument/2006/relationships" xmlns:p="http://schemas.openxmlformats.org/presentationml/2006/main" showMasterPhAnim="0" showMasterSp="0">
+<p:notes xmlns:a="http://schemas.openxmlformats.org/drawingml/2006/main" xmlns:r="http://schemas.openxmlformats.org/officeDocument/2006/relationships" xmlns:p="http://schemas.openxmlformats.org/presentationml/2006/main" showMasterSp="0" showMasterPhAnim="0">
   <p:cSld>
     <p:spTree>
       <p:nvGrpSpPr>
@@ -9764,6 +10006,7 @@
               </a:spcAft>
               <a:buNone/>
             </a:pPr>
+            <a:endParaRPr/>
           </a:p>
         </p:txBody>
       </p:sp>
@@ -9776,7 +10019,7 @@
 </file>
 
 <file path=ppt/notesSlides/notesSlide8.xml><?xml version="1.0" encoding="utf-8"?>
-<p:notes xmlns:a="http://schemas.openxmlformats.org/drawingml/2006/main" xmlns:r="http://schemas.openxmlformats.org/officeDocument/2006/relationships" xmlns:p="http://schemas.openxmlformats.org/presentationml/2006/main" showMasterPhAnim="0" showMasterSp="0">
+<p:notes xmlns:a="http://schemas.openxmlformats.org/drawingml/2006/main" xmlns:r="http://schemas.openxmlformats.org/officeDocument/2006/relationships" xmlns:p="http://schemas.openxmlformats.org/presentationml/2006/main" showMasterSp="0" showMasterPhAnim="0">
   <p:cSld>
     <p:spTree>
       <p:nvGrpSpPr>
@@ -9867,6 +10110,7 @@
               </a:spcAft>
               <a:buNone/>
             </a:pPr>
+            <a:endParaRPr/>
           </a:p>
         </p:txBody>
       </p:sp>
@@ -9879,7 +10123,7 @@
 </file>
 
 <file path=ppt/notesSlides/notesSlide9.xml><?xml version="1.0" encoding="utf-8"?>
-<p:notes xmlns:a="http://schemas.openxmlformats.org/drawingml/2006/main" xmlns:r="http://schemas.openxmlformats.org/officeDocument/2006/relationships" xmlns:p="http://schemas.openxmlformats.org/presentationml/2006/main" showMasterPhAnim="0" showMasterSp="0">
+<p:notes xmlns:a="http://schemas.openxmlformats.org/drawingml/2006/main" xmlns:r="http://schemas.openxmlformats.org/officeDocument/2006/relationships" xmlns:p="http://schemas.openxmlformats.org/presentationml/2006/main" showMasterSp="0" showMasterPhAnim="0">
   <p:cSld>
     <p:spTree>
       <p:nvGrpSpPr>
@@ -9970,6 +10214,7 @@
               </a:spcAft>
               <a:buNone/>
             </a:pPr>
+            <a:endParaRPr/>
           </a:p>
         </p:txBody>
       </p:sp>
@@ -9982,7 +10227,7 @@
 </file>
 
 <file path=ppt/slideLayouts/slideLayout1.xml><?xml version="1.0" encoding="utf-8"?>
-<p:sldLayout xmlns:a="http://schemas.openxmlformats.org/drawingml/2006/main" xmlns:r="http://schemas.openxmlformats.org/officeDocument/2006/relationships" xmlns:p="http://schemas.openxmlformats.org/presentationml/2006/main" type="title" matchingName="Title slide">
+<p:sldLayout xmlns:a="http://schemas.openxmlformats.org/drawingml/2006/main" xmlns:r="http://schemas.openxmlformats.org/officeDocument/2006/relationships" xmlns:p="http://schemas.openxmlformats.org/presentationml/2006/main" matchingName="Title slide" type="title">
   <p:cSld name="TITLE">
     <p:spTree>
       <p:nvGrpSpPr>
@@ -10181,7 +10426,9 @@
               </a:defRPr>
             </a:lvl9pPr>
           </a:lstStyle>
-          <a:p/>
+          <a:p>
+            <a:endParaRPr/>
+          </a:p>
         </p:txBody>
       </p:sp>
       <p:sp>
@@ -10339,7 +10586,9 @@
               <a:defRPr sz="1800"/>
             </a:lvl9pPr>
           </a:lstStyle>
-          <a:p/>
+          <a:p>
+            <a:endParaRPr/>
+          </a:p>
         </p:txBody>
       </p:sp>
       <p:grpSp>
@@ -10456,7 +10705,7 @@
 </file>
 
 <file path=ppt/slideLayouts/slideLayout2.xml><?xml version="1.0" encoding="utf-8"?>
-<p:sldLayout xmlns:a="http://schemas.openxmlformats.org/drawingml/2006/main" xmlns:r="http://schemas.openxmlformats.org/officeDocument/2006/relationships" xmlns:p="http://schemas.openxmlformats.org/presentationml/2006/main" type="twoColTx" matchingName="Title and two columns">
+<p:sldLayout xmlns:a="http://schemas.openxmlformats.org/drawingml/2006/main" xmlns:r="http://schemas.openxmlformats.org/officeDocument/2006/relationships" xmlns:p="http://schemas.openxmlformats.org/presentationml/2006/main" matchingName="Title and two columns" type="twoColTx">
   <p:cSld name="TITLE_AND_TWO_COLUMNS">
     <p:spTree>
       <p:nvGrpSpPr>
@@ -10596,7 +10845,9 @@
               <a:defRPr/>
             </a:lvl9pPr>
           </a:lstStyle>
-          <a:p/>
+          <a:p>
+            <a:endParaRPr/>
+          </a:p>
         </p:txBody>
       </p:sp>
       <p:sp>
@@ -10750,7 +11001,9 @@
               <a:defRPr/>
             </a:lvl9pPr>
           </a:lstStyle>
-          <a:p/>
+          <a:p>
+            <a:endParaRPr/>
+          </a:p>
         </p:txBody>
       </p:sp>
       <p:sp>
@@ -10904,7 +11157,9 @@
               <a:defRPr/>
             </a:lvl9pPr>
           </a:lstStyle>
-          <a:p/>
+          <a:p>
+            <a:endParaRPr/>
+          </a:p>
         </p:txBody>
       </p:sp>
       <p:sp>
@@ -11115,7 +11370,9 @@
               </a:defRPr>
             </a:lvl9pPr>
           </a:lstStyle>
-          <a:p/>
+          <a:p>
+            <a:endParaRPr/>
+          </a:p>
         </p:txBody>
       </p:sp>
       <p:sp>
@@ -11326,7 +11583,9 @@
               </a:defRPr>
             </a:lvl9pPr>
           </a:lstStyle>
-          <a:p/>
+          <a:p>
+            <a:endParaRPr/>
+          </a:p>
         </p:txBody>
       </p:sp>
       <p:grpSp>
@@ -11443,7 +11702,7 @@
 </file>
 
 <file path=ppt/slideLayouts/slideLayout3.xml><?xml version="1.0" encoding="utf-8"?>
-<p:sldLayout xmlns:a="http://schemas.openxmlformats.org/drawingml/2006/main" xmlns:r="http://schemas.openxmlformats.org/officeDocument/2006/relationships" xmlns:p="http://schemas.openxmlformats.org/presentationml/2006/main" type="titleOnly" matchingName="Title only">
+<p:sldLayout xmlns:a="http://schemas.openxmlformats.org/drawingml/2006/main" xmlns:r="http://schemas.openxmlformats.org/officeDocument/2006/relationships" xmlns:p="http://schemas.openxmlformats.org/presentationml/2006/main" matchingName="Title only" type="titleOnly">
   <p:cSld name="TITLE_ONLY">
     <p:spTree>
       <p:nvGrpSpPr>
@@ -11583,7 +11842,9 @@
               <a:defRPr/>
             </a:lvl9pPr>
           </a:lstStyle>
-          <a:p/>
+          <a:p>
+            <a:endParaRPr/>
+          </a:p>
         </p:txBody>
       </p:sp>
       <p:grpSp>
@@ -11840,7 +12101,9 @@
               <a:defRPr/>
             </a:lvl9pPr>
           </a:lstStyle>
-          <a:p/>
+          <a:p>
+            <a:endParaRPr/>
+          </a:p>
         </p:txBody>
       </p:sp>
       <p:sp>
@@ -11967,7 +12230,9 @@
               <a:defRPr/>
             </a:lvl9pPr>
           </a:lstStyle>
-          <a:p/>
+          <a:p>
+            <a:endParaRPr/>
+          </a:p>
         </p:txBody>
       </p:sp>
       <p:sp>
@@ -12251,7 +12516,9 @@
               <a:defRPr sz="4800"/>
             </a:lvl9pPr>
           </a:lstStyle>
-          <a:p/>
+          <a:p>
+            <a:endParaRPr/>
+          </a:p>
         </p:txBody>
       </p:sp>
       <p:grpSp>
@@ -12508,7 +12775,9 @@
               <a:defRPr/>
             </a:lvl9pPr>
           </a:lstStyle>
-          <a:p/>
+          <a:p>
+            <a:endParaRPr/>
+          </a:p>
         </p:txBody>
       </p:sp>
       <p:sp>
@@ -12662,7 +12931,9 @@
               <a:defRPr/>
             </a:lvl9pPr>
           </a:lstStyle>
-          <a:p/>
+          <a:p>
+            <a:endParaRPr/>
+          </a:p>
         </p:txBody>
       </p:sp>
       <p:grpSp>
@@ -12946,7 +13217,9 @@
               <a:defRPr/>
             </a:lvl9pPr>
           </a:lstStyle>
-          <a:p/>
+          <a:p>
+            <a:endParaRPr/>
+          </a:p>
         </p:txBody>
       </p:sp>
     </p:spTree>
@@ -13256,7 +13529,9 @@
               <a:defRPr sz="1600"/>
             </a:lvl9pPr>
           </a:lstStyle>
-          <a:p/>
+          <a:p>
+            <a:endParaRPr/>
+          </a:p>
         </p:txBody>
       </p:sp>
       <p:grpSp>
@@ -13763,7 +14038,9 @@
               </a:defRPr>
             </a:lvl9pPr>
           </a:lstStyle>
-          <a:p/>
+          <a:p>
+            <a:endParaRPr/>
+          </a:p>
         </p:txBody>
       </p:sp>
       <p:sp>
@@ -14029,7 +14306,9 @@
               </a:defRPr>
             </a:lvl9pPr>
           </a:lstStyle>
-          <a:p/>
+          <a:p>
+            <a:endParaRPr/>
+          </a:p>
         </p:txBody>
       </p:sp>
     </p:spTree>
@@ -15074,7 +15353,7 @@
                 <a:solidFill>
                   <a:schemeClr val="tx1"/>
                 </a:solidFill>
-                <a:hlinkClick r:id="rId1"/>
+                <a:hlinkClick r:id="rId3"/>
               </a:rPr>
               <a:t>maragonvalderrama@gmail.com</a:t>
             </a:r>
@@ -15102,11 +15381,6 @@
               </a:rPr>
               <a:t>)</a:t>
             </a:r>
-            <a:endParaRPr lang="es-ES" dirty="0">
-              <a:solidFill>
-                <a:schemeClr val="tx1"/>
-              </a:solidFill>
-            </a:endParaRPr>
           </a:p>
           <a:p>
             <a:r>
@@ -15122,7 +15396,7 @@
                 <a:solidFill>
                   <a:schemeClr val="tx1"/>
                 </a:solidFill>
-                <a:hlinkClick r:id="rId2"/>
+                <a:hlinkClick r:id="rId4"/>
               </a:rPr>
               <a:t>laura.Belmonte@estudiantat.upc.edu</a:t>
             </a:r>
@@ -15150,11 +15424,6 @@
               </a:rPr>
               <a:t>)</a:t>
             </a:r>
-            <a:endParaRPr lang="es-ES" dirty="0">
-              <a:solidFill>
-                <a:schemeClr val="tx1"/>
-              </a:solidFill>
-            </a:endParaRPr>
           </a:p>
           <a:p>
             <a:r>
@@ -15202,7 +15471,7 @@
                 <a:solidFill>
                   <a:schemeClr val="tx1"/>
                 </a:solidFill>
-                <a:hlinkClick r:id="rId3"/>
+                <a:hlinkClick r:id="rId5"/>
               </a:rPr>
               <a:t>siling.guo@estudiantat.ub.edu</a:t>
             </a:r>
@@ -15230,11 +15499,6 @@
               </a:rPr>
               <a:t>)</a:t>
             </a:r>
-            <a:endParaRPr lang="es-ES" dirty="0">
-              <a:solidFill>
-                <a:schemeClr val="tx1"/>
-              </a:solidFill>
-            </a:endParaRPr>
           </a:p>
           <a:p>
             <a:r>
@@ -15250,7 +15514,7 @@
                 <a:solidFill>
                   <a:schemeClr val="tx1"/>
                 </a:solidFill>
-                <a:hlinkClick r:id="rId4"/>
+                <a:hlinkClick r:id="rId6"/>
               </a:rPr>
               <a:t>melissa.Vargas@estudiantat.upc.edu</a:t>
             </a:r>
@@ -15278,11 +15542,6 @@
               </a:rPr>
               <a:t>)</a:t>
             </a:r>
-            <a:endParaRPr lang="es-ES" dirty="0">
-              <a:solidFill>
-                <a:schemeClr val="tx1"/>
-              </a:solidFill>
-            </a:endParaRPr>
           </a:p>
           <a:p>
             <a:r>
@@ -15314,7 +15573,7 @@
                 <a:solidFill>
                   <a:schemeClr val="tx1"/>
                 </a:solidFill>
-                <a:hlinkClick r:id="rId5"/>
+                <a:hlinkClick r:id="rId7"/>
               </a:rPr>
               <a:t>wenjia.ye@estudiantat.upc.edu</a:t>
             </a:r>
@@ -15326,11 +15585,6 @@
               </a:rPr>
               <a:t>), (G05, wenjiaye03)</a:t>
             </a:r>
-            <a:endParaRPr lang="es-ES" dirty="0">
-              <a:solidFill>
-                <a:schemeClr val="tx1"/>
-              </a:solidFill>
-            </a:endParaRPr>
           </a:p>
           <a:p>
             <a:pPr marL="342900" indent="-342900">
@@ -15352,7 +15606,7 @@
                 <a:highlight>
                   <a:srgbClr val="C0C0C0"/>
                 </a:highlight>
-                <a:hlinkClick r:id="rId6"/>
+                <a:hlinkClick r:id="rId8"/>
               </a:rPr>
               <a:t>Enlace </a:t>
             </a:r>
@@ -15364,7 +15618,7 @@
                 <a:highlight>
                   <a:srgbClr val="C0C0C0"/>
                 </a:highlight>
-                <a:hlinkClick r:id="rId6"/>
+                <a:hlinkClick r:id="rId8"/>
               </a:rPr>
               <a:t>Github</a:t>
             </a:r>
@@ -15395,7 +15649,7 @@
           <p:nvPr/>
         </p:nvPicPr>
         <p:blipFill>
-          <a:blip r:embed="rId7">
+          <a:blip r:embed="rId9">
             <a:extLst>
               <a:ext uri="{28A0092B-C50C-407E-A947-70E740481C1C}">
                 <a14:useLocalDpi xmlns:a14="http://schemas.microsoft.com/office/drawing/2010/main" val="0"/>
@@ -15455,9 +15709,6 @@
               </a:rPr>
               <a:t>Grado en Estadística</a:t>
             </a:r>
-            <a:endParaRPr lang="es-ES" dirty="0">
-              <a:latin typeface="Arial Black" panose="020B0A04020102020204" pitchFamily="34" charset="0"/>
-            </a:endParaRPr>
           </a:p>
         </p:txBody>
       </p:sp>
@@ -15470,7 +15721,7 @@
           <p:nvPr/>
         </p:nvPicPr>
         <p:blipFill>
-          <a:blip r:embed="rId8"/>
+          <a:blip r:embed="rId10"/>
           <a:stretch>
             <a:fillRect/>
           </a:stretch>
@@ -15513,9 +15764,6 @@
               </a:rPr>
               <a:t>Minería de datos</a:t>
             </a:r>
-            <a:endParaRPr lang="es-ES" dirty="0">
-              <a:latin typeface="Arial Black" panose="020B0A04020102020204" pitchFamily="34" charset="0"/>
-            </a:endParaRPr>
           </a:p>
         </p:txBody>
       </p:sp>
@@ -15587,7 +15835,7 @@
           <p:nvPr/>
         </p:nvPicPr>
         <p:blipFill>
-          <a:blip r:embed="rId1">
+          <a:blip r:embed="rId3">
             <a:extLst>
               <a:ext uri="{28A0092B-C50C-407E-A947-70E740481C1C}">
                 <a14:useLocalDpi xmlns:a14="http://schemas.microsoft.com/office/drawing/2010/main" val="0"/>
@@ -15645,7 +15893,6 @@
               <a:rPr lang="en-US" dirty="0"/>
               <a:t>Dataset desbalanceado</a:t>
             </a:r>
-            <a:endParaRPr lang="en-US" dirty="0"/>
           </a:p>
         </p:txBody>
       </p:sp>
@@ -15683,7 +15930,6 @@
               <a:rPr lang="en-US" sz="1100" dirty="0"/>
               <a:t>Modelo sesgado</a:t>
             </a:r>
-            <a:endParaRPr lang="en-US" sz="1100" dirty="0"/>
           </a:p>
         </p:txBody>
       </p:sp>
@@ -15696,7 +15942,7 @@
           <p:nvPr/>
         </p:nvPicPr>
         <p:blipFill>
-          <a:blip r:embed="rId2">
+          <a:blip r:embed="rId4">
             <a:extLst>
               <a:ext uri="{28A0092B-C50C-407E-A947-70E740481C1C}">
                 <a14:useLocalDpi xmlns:a14="http://schemas.microsoft.com/office/drawing/2010/main" val="0"/>
@@ -15787,7 +16033,6 @@
               <a:rPr lang="en-US" dirty="0"/>
               <a:t>Técnicas de balanceo</a:t>
             </a:r>
-            <a:endParaRPr lang="en-US" dirty="0"/>
           </a:p>
         </p:txBody>
       </p:sp>
@@ -15800,7 +16045,7 @@
           <p:nvPr/>
         </p:nvPicPr>
         <p:blipFill>
-          <a:blip r:embed="rId3">
+          <a:blip r:embed="rId5">
             <a:extLst>
               <a:ext uri="{28A0092B-C50C-407E-A947-70E740481C1C}">
                 <a14:useLocalDpi xmlns:a14="http://schemas.microsoft.com/office/drawing/2010/main" val="0"/>
@@ -15858,7 +16103,6 @@
               <a:rPr lang="en-US" dirty="0"/>
               <a:t>Datos balanceados</a:t>
             </a:r>
-            <a:endParaRPr lang="en-US" dirty="0"/>
           </a:p>
         </p:txBody>
       </p:sp>
@@ -15888,7 +16132,6 @@
               <a:rPr lang="en-US" sz="1100" dirty="0"/>
               <a:t>Mejor rendimiento</a:t>
             </a:r>
-            <a:endParaRPr lang="en-US" sz="1100" dirty="0"/>
           </a:p>
         </p:txBody>
       </p:sp>
@@ -15934,7 +16177,7 @@
           <p:nvPr/>
         </p:nvPicPr>
         <p:blipFill>
-          <a:blip r:embed="rId4">
+          <a:blip r:embed="rId6">
             <a:extLst>
               <a:ext uri="{28A0092B-C50C-407E-A947-70E740481C1C}">
                 <a14:useLocalDpi xmlns:a14="http://schemas.microsoft.com/office/drawing/2010/main" val="0"/>
@@ -16018,11 +16261,6 @@
               </a:rPr>
               <a:t>versampling</a:t>
             </a:r>
-            <a:endParaRPr lang="en-US" dirty="0">
-              <a:solidFill>
-                <a:schemeClr val="tx1"/>
-              </a:solidFill>
-            </a:endParaRPr>
           </a:p>
         </p:txBody>
       </p:sp>
@@ -16156,7 +16394,6 @@
               <a:rPr lang="en-US" sz="1100" dirty="0"/>
               <a:t>Todas las técnicas mejoran resultado</a:t>
             </a:r>
-            <a:endParaRPr lang="en-US" sz="1100" dirty="0"/>
           </a:p>
         </p:txBody>
       </p:sp>
@@ -16169,7 +16406,7 @@
           <p:nvPr/>
         </p:nvPicPr>
         <p:blipFill>
-          <a:blip r:embed="rId5"/>
+          <a:blip r:embed="rId7"/>
           <a:stretch>
             <a:fillRect/>
           </a:stretch>
@@ -16314,12 +16551,48 @@
                 <a:tableStyleId>{7FD54D1E-A07F-487E-B709-6B33F1453160}</a:tableStyleId>
               </a:tblPr>
               <a:tblGrid>
-                <a:gridCol w="611319"/>
-                <a:gridCol w="736805"/>
-                <a:gridCol w="736805"/>
-                <a:gridCol w="816153"/>
-                <a:gridCol w="736805"/>
-                <a:gridCol w="736805"/>
+                <a:gridCol w="611319">
+                  <a:extLst>
+                    <a:ext uri="{9D8B030D-6E8A-4147-A177-3AD203B41FA5}">
+                      <a16:colId xmlns:a16="http://schemas.microsoft.com/office/drawing/2014/main" val="20000"/>
+                    </a:ext>
+                  </a:extLst>
+                </a:gridCol>
+                <a:gridCol w="736805">
+                  <a:extLst>
+                    <a:ext uri="{9D8B030D-6E8A-4147-A177-3AD203B41FA5}">
+                      <a16:colId xmlns:a16="http://schemas.microsoft.com/office/drawing/2014/main" val="20001"/>
+                    </a:ext>
+                  </a:extLst>
+                </a:gridCol>
+                <a:gridCol w="736805">
+                  <a:extLst>
+                    <a:ext uri="{9D8B030D-6E8A-4147-A177-3AD203B41FA5}">
+                      <a16:colId xmlns:a16="http://schemas.microsoft.com/office/drawing/2014/main" val="20002"/>
+                    </a:ext>
+                  </a:extLst>
+                </a:gridCol>
+                <a:gridCol w="816153">
+                  <a:extLst>
+                    <a:ext uri="{9D8B030D-6E8A-4147-A177-3AD203B41FA5}">
+                      <a16:colId xmlns:a16="http://schemas.microsoft.com/office/drawing/2014/main" val="20003"/>
+                    </a:ext>
+                  </a:extLst>
+                </a:gridCol>
+                <a:gridCol w="736805">
+                  <a:extLst>
+                    <a:ext uri="{9D8B030D-6E8A-4147-A177-3AD203B41FA5}">
+                      <a16:colId xmlns:a16="http://schemas.microsoft.com/office/drawing/2014/main" val="20004"/>
+                    </a:ext>
+                  </a:extLst>
+                </a:gridCol>
+                <a:gridCol w="736805">
+                  <a:extLst>
+                    <a:ext uri="{9D8B030D-6E8A-4147-A177-3AD203B41FA5}">
+                      <a16:colId xmlns:a16="http://schemas.microsoft.com/office/drawing/2014/main" val="20005"/>
+                    </a:ext>
+                  </a:extLst>
+                </a:gridCol>
               </a:tblGrid>
               <a:tr h="260342">
                 <a:tc>
@@ -16340,13 +16613,6 @@
                         </a:rPr>
                         <a:t>TRAIN</a:t>
                       </a:r>
-                      <a:endParaRPr lang="es-ES" sz="1100" b="1" i="0" u="none" strike="noStrike" dirty="0">
-                        <a:solidFill>
-                          <a:srgbClr val="000000"/>
-                        </a:solidFill>
-                        <a:effectLst/>
-                        <a:latin typeface="+mj-lt"/>
-                      </a:endParaRPr>
                     </a:p>
                   </a:txBody>
                   <a:tcPr marL="7620" marR="7620" marT="7620" marB="0" anchor="ctr"/>
@@ -16481,6 +16747,11 @@
                   </a:txBody>
                   <a:tcPr marL="7620" marR="7620" marT="7620" marB="0" anchor="ctr"/>
                 </a:tc>
+                <a:extLst>
+                  <a:ext uri="{0D108BD9-81ED-4DB2-BD59-A6C34878D82A}">
+                    <a16:rowId xmlns:a16="http://schemas.microsoft.com/office/drawing/2014/main" val="10000"/>
+                  </a:ext>
+                </a:extLst>
               </a:tr>
               <a:tr h="260342">
                 <a:tc>
@@ -16501,13 +16772,6 @@
                         </a:rPr>
                         <a:t>TEST</a:t>
                       </a:r>
-                      <a:endParaRPr lang="es-ES" sz="1100" b="1" i="0" u="none" strike="noStrike" dirty="0">
-                        <a:solidFill>
-                          <a:srgbClr val="000000"/>
-                        </a:solidFill>
-                        <a:effectLst/>
-                        <a:latin typeface="+mj-lt"/>
-                      </a:endParaRPr>
                     </a:p>
                   </a:txBody>
                   <a:tcPr marL="7620" marR="7620" marT="7620" marB="0" anchor="ctr"/>
@@ -16642,6 +16906,11 @@
                   </a:txBody>
                   <a:tcPr marL="7620" marR="7620" marT="7620" marB="0" anchor="ctr"/>
                 </a:tc>
+                <a:extLst>
+                  <a:ext uri="{0D108BD9-81ED-4DB2-BD59-A6C34878D82A}">
+                    <a16:rowId xmlns:a16="http://schemas.microsoft.com/office/drawing/2014/main" val="10001"/>
+                  </a:ext>
+                </a:extLst>
               </a:tr>
             </a:tbl>
           </a:graphicData>
@@ -16666,12 +16935,48 @@
                 <a:tableStyleId>{7FD54D1E-A07F-487E-B709-6B33F1453160}</a:tableStyleId>
               </a:tblPr>
               <a:tblGrid>
-                <a:gridCol w="641276"/>
-                <a:gridCol w="709607"/>
-                <a:gridCol w="730054"/>
-                <a:gridCol w="839275"/>
-                <a:gridCol w="713544"/>
-                <a:gridCol w="748120"/>
+                <a:gridCol w="641276">
+                  <a:extLst>
+                    <a:ext uri="{9D8B030D-6E8A-4147-A177-3AD203B41FA5}">
+                      <a16:colId xmlns:a16="http://schemas.microsoft.com/office/drawing/2014/main" val="20000"/>
+                    </a:ext>
+                  </a:extLst>
+                </a:gridCol>
+                <a:gridCol w="709607">
+                  <a:extLst>
+                    <a:ext uri="{9D8B030D-6E8A-4147-A177-3AD203B41FA5}">
+                      <a16:colId xmlns:a16="http://schemas.microsoft.com/office/drawing/2014/main" val="20001"/>
+                    </a:ext>
+                  </a:extLst>
+                </a:gridCol>
+                <a:gridCol w="730054">
+                  <a:extLst>
+                    <a:ext uri="{9D8B030D-6E8A-4147-A177-3AD203B41FA5}">
+                      <a16:colId xmlns:a16="http://schemas.microsoft.com/office/drawing/2014/main" val="20002"/>
+                    </a:ext>
+                  </a:extLst>
+                </a:gridCol>
+                <a:gridCol w="839275">
+                  <a:extLst>
+                    <a:ext uri="{9D8B030D-6E8A-4147-A177-3AD203B41FA5}">
+                      <a16:colId xmlns:a16="http://schemas.microsoft.com/office/drawing/2014/main" val="20003"/>
+                    </a:ext>
+                  </a:extLst>
+                </a:gridCol>
+                <a:gridCol w="713544">
+                  <a:extLst>
+                    <a:ext uri="{9D8B030D-6E8A-4147-A177-3AD203B41FA5}">
+                      <a16:colId xmlns:a16="http://schemas.microsoft.com/office/drawing/2014/main" val="20004"/>
+                    </a:ext>
+                  </a:extLst>
+                </a:gridCol>
+                <a:gridCol w="748120">
+                  <a:extLst>
+                    <a:ext uri="{9D8B030D-6E8A-4147-A177-3AD203B41FA5}">
+                      <a16:colId xmlns:a16="http://schemas.microsoft.com/office/drawing/2014/main" val="20005"/>
+                    </a:ext>
+                  </a:extLst>
+                </a:gridCol>
               </a:tblGrid>
               <a:tr h="329827">
                 <a:tc>
@@ -16692,13 +16997,6 @@
                         </a:rPr>
                         <a:t>Split</a:t>
                       </a:r>
-                      <a:endParaRPr lang="en-US" altLang="es-ES" sz="1100" b="1" i="0" u="none" strike="noStrike" dirty="0">
-                        <a:solidFill>
-                          <a:srgbClr val="7030A0"/>
-                        </a:solidFill>
-                        <a:effectLst/>
-                        <a:latin typeface="+mj-lt"/>
-                      </a:endParaRPr>
                     </a:p>
                   </a:txBody>
                   <a:tcPr marL="7620" marR="7620" marT="7620" marB="0" anchor="ctr"/>
@@ -16752,13 +17050,6 @@
                         </a:rPr>
                         <a:t>Precision</a:t>
                       </a:r>
-                      <a:endParaRPr lang="en-US" altLang="zh-CN" sz="1100" b="1" i="0" u="none" strike="noStrike" dirty="0">
-                        <a:solidFill>
-                          <a:srgbClr val="7030A0"/>
-                        </a:solidFill>
-                        <a:effectLst/>
-                        <a:latin typeface="+mj-lt"/>
-                      </a:endParaRPr>
                     </a:p>
                   </a:txBody>
                   <a:tcPr marL="7620" marR="7620" marT="7620" marB="0" anchor="ctr"/>
@@ -16812,13 +17103,6 @@
                         </a:rPr>
                         <a:t>Specificity</a:t>
                       </a:r>
-                      <a:endParaRPr lang="en-US" altLang="es-ES" sz="1100" b="1" i="0" u="none" strike="noStrike" dirty="0">
-                        <a:solidFill>
-                          <a:srgbClr val="7030A0"/>
-                        </a:solidFill>
-                        <a:effectLst/>
-                        <a:latin typeface="+mj-lt"/>
-                      </a:endParaRPr>
                     </a:p>
                   </a:txBody>
                   <a:tcPr marL="7620" marR="7620" marT="7620" marB="0" anchor="ctr"/>
@@ -16841,17 +17125,15 @@
                         </a:rPr>
                         <a:t>F1-Score</a:t>
                       </a:r>
-                      <a:endParaRPr lang="en-US" altLang="es-ES" sz="1100" b="1" i="0" u="none" strike="noStrike" dirty="0">
-                        <a:solidFill>
-                          <a:srgbClr val="7030A0"/>
-                        </a:solidFill>
-                        <a:effectLst/>
-                        <a:latin typeface="+mj-lt"/>
-                      </a:endParaRPr>
                     </a:p>
                   </a:txBody>
                   <a:tcPr marL="7620" marR="7620" marT="7620" marB="0" anchor="ctr"/>
                 </a:tc>
+                <a:extLst>
+                  <a:ext uri="{0D108BD9-81ED-4DB2-BD59-A6C34878D82A}">
+                    <a16:rowId xmlns:a16="http://schemas.microsoft.com/office/drawing/2014/main" val="10000"/>
+                  </a:ext>
+                </a:extLst>
               </a:tr>
               <a:tr h="244469">
                 <a:tc>
@@ -16871,12 +17153,6 @@
                         </a:rPr>
                         <a:t>TRAIN</a:t>
                       </a:r>
-                      <a:endParaRPr lang="es-ES" sz="1100" b="1" i="0" u="none" strike="noStrike" dirty="0">
-                        <a:solidFill>
-                          <a:srgbClr val="000000"/>
-                        </a:solidFill>
-                        <a:effectLst/>
-                      </a:endParaRPr>
                     </a:p>
                   </a:txBody>
                   <a:tcPr marL="7620" marR="7620" marT="7620" marB="0" anchor="ctr"/>
@@ -16896,12 +17172,6 @@
                         </a:rPr>
                         <a:t>0.7708163</a:t>
                       </a:r>
-                      <a:endParaRPr lang="es-ES" sz="1100" b="1" i="0" dirty="0">
-                        <a:solidFill>
-                          <a:srgbClr val="000000"/>
-                        </a:solidFill>
-                        <a:effectLst/>
-                      </a:endParaRPr>
                     </a:p>
                   </a:txBody>
                   <a:tcPr marL="9842" marR="9842" marT="9842" marB="0" anchor="ctr"/>
@@ -16920,9 +17190,6 @@
                         </a:rPr>
                         <a:t>0.4686241</a:t>
                       </a:r>
-                      <a:endParaRPr lang="es-ES" sz="1100" b="1" u="none" strike="noStrike" dirty="0">
-                        <a:effectLst/>
-                      </a:endParaRPr>
                     </a:p>
                   </a:txBody>
                   <a:tcPr marL="7620" marR="7620" marT="7620" marB="0" anchor="ctr"/>
@@ -16942,12 +17209,6 @@
                         </a:rPr>
                         <a:t>0.8027613</a:t>
                       </a:r>
-                      <a:endParaRPr lang="es-ES" sz="1100" b="1" i="0" dirty="0">
-                        <a:solidFill>
-                          <a:srgbClr val="000000"/>
-                        </a:solidFill>
-                        <a:effectLst/>
-                      </a:endParaRPr>
                     </a:p>
                   </a:txBody>
                   <a:tcPr marL="9842" marR="9842" marT="9842" marB="0" anchor="ctr"/>
@@ -16967,12 +17228,6 @@
                         </a:rPr>
                         <a:t>0.7624807</a:t>
                       </a:r>
-                      <a:endParaRPr lang="es-ES" sz="1100" b="1" i="0" dirty="0">
-                        <a:solidFill>
-                          <a:srgbClr val="000000"/>
-                        </a:solidFill>
-                        <a:effectLst/>
-                      </a:endParaRPr>
                     </a:p>
                   </a:txBody>
                   <a:tcPr marL="9842" marR="9842" marT="9842" marB="0" anchor="ctr"/>
@@ -16992,16 +17247,15 @@
                         </a:rPr>
                         <a:t>0.5917848</a:t>
                       </a:r>
-                      <a:endParaRPr lang="es-ES" sz="1100" b="1" i="0" dirty="0">
-                        <a:solidFill>
-                          <a:srgbClr val="000000"/>
-                        </a:solidFill>
-                        <a:effectLst/>
-                      </a:endParaRPr>
                     </a:p>
                   </a:txBody>
                   <a:tcPr marL="9842" marR="9842" marT="9842" marB="0" anchor="ctr"/>
                 </a:tc>
+                <a:extLst>
+                  <a:ext uri="{0D108BD9-81ED-4DB2-BD59-A6C34878D82A}">
+                    <a16:rowId xmlns:a16="http://schemas.microsoft.com/office/drawing/2014/main" val="10001"/>
+                  </a:ext>
+                </a:extLst>
               </a:tr>
               <a:tr h="204546">
                 <a:tc>
@@ -17021,12 +17275,6 @@
                         </a:rPr>
                         <a:t>TEST</a:t>
                       </a:r>
-                      <a:endParaRPr lang="es-ES" sz="1100" b="1" i="0" u="none" strike="noStrike" dirty="0">
-                        <a:solidFill>
-                          <a:srgbClr val="000000"/>
-                        </a:solidFill>
-                        <a:effectLst/>
-                      </a:endParaRPr>
                     </a:p>
                   </a:txBody>
                   <a:tcPr marL="7620" marR="7620" marT="7620" marB="0" anchor="ctr"/>
@@ -17046,12 +17294,6 @@
                         </a:rPr>
                         <a:t>0.6790476</a:t>
                       </a:r>
-                      <a:endParaRPr lang="es-ES" sz="1100" b="1" i="0" dirty="0">
-                        <a:solidFill>
-                          <a:srgbClr val="000000"/>
-                        </a:solidFill>
-                        <a:effectLst/>
-                      </a:endParaRPr>
                     </a:p>
                   </a:txBody>
                   <a:tcPr marL="9842" marR="9842" marT="9842" marB="0" anchor="b"/>
@@ -17071,12 +17313,6 @@
                         </a:rPr>
                         <a:t>0.3342618</a:t>
                       </a:r>
-                      <a:endParaRPr lang="es-ES" sz="1100" b="1" i="0" dirty="0">
-                        <a:solidFill>
-                          <a:srgbClr val="000000"/>
-                        </a:solidFill>
-                        <a:effectLst/>
-                      </a:endParaRPr>
                     </a:p>
                   </a:txBody>
                   <a:tcPr marL="9842" marR="9842" marT="9842" marB="0" anchor="b"/>
@@ -17096,12 +17332,6 @@
                         </a:rPr>
                         <a:t>0.5504587</a:t>
                       </a:r>
-                      <a:endParaRPr lang="es-ES" sz="1100" b="1" i="0" dirty="0">
-                        <a:solidFill>
-                          <a:srgbClr val="000000"/>
-                        </a:solidFill>
-                        <a:effectLst/>
-                      </a:endParaRPr>
                     </a:p>
                   </a:txBody>
                   <a:tcPr marL="9842" marR="9842" marT="9842" marB="0" anchor="b"/>
@@ -17121,12 +17351,6 @@
                         </a:rPr>
                         <a:t>0.7127404</a:t>
                       </a:r>
-                      <a:endParaRPr lang="es-ES" sz="1100" b="1" i="0" dirty="0">
-                        <a:solidFill>
-                          <a:srgbClr val="000000"/>
-                        </a:solidFill>
-                        <a:effectLst/>
-                      </a:endParaRPr>
                     </a:p>
                   </a:txBody>
                   <a:tcPr marL="9842" marR="9842" marT="9842" marB="0" anchor="b"/>
@@ -17146,16 +17370,15 @@
                         </a:rPr>
                         <a:t>0.4159445</a:t>
                       </a:r>
-                      <a:endParaRPr lang="es-ES" sz="1100" b="1" i="0" dirty="0">
-                        <a:solidFill>
-                          <a:srgbClr val="000000"/>
-                        </a:solidFill>
-                        <a:effectLst/>
-                      </a:endParaRPr>
                     </a:p>
                   </a:txBody>
                   <a:tcPr marL="9842" marR="9842" marT="9842" marB="0" anchor="b"/>
                 </a:tc>
+                <a:extLst>
+                  <a:ext uri="{0D108BD9-81ED-4DB2-BD59-A6C34878D82A}">
+                    <a16:rowId xmlns:a16="http://schemas.microsoft.com/office/drawing/2014/main" val="10002"/>
+                  </a:ext>
+                </a:extLst>
               </a:tr>
             </a:tbl>
           </a:graphicData>
@@ -17191,6 +17414,88 @@
               <a:rPr lang="en-GB" sz="1300" dirty="0"/>
               <a:t> </a:t>
             </a:r>
+          </a:p>
+          <a:p>
+            <a:pPr marL="285750" indent="-285750">
+              <a:buFont typeface="Arial" panose="020B0604020202020204" pitchFamily="34" charset="0"/>
+              <a:buChar char="•"/>
+            </a:pPr>
+            <a:r>
+              <a:rPr lang="en-GB" sz="1300" dirty="0"/>
+              <a:t>Se </a:t>
+            </a:r>
+            <a:r>
+              <a:rPr lang="en-GB" sz="1300" dirty="0" err="1"/>
+              <a:t>aplicó</a:t>
+            </a:r>
+            <a:r>
+              <a:rPr lang="en-GB" sz="1300" dirty="0"/>
+              <a:t> </a:t>
+            </a:r>
+            <a:r>
+              <a:rPr lang="en-GB" sz="1300" dirty="0" err="1"/>
+              <a:t>el</a:t>
+            </a:r>
+            <a:r>
+              <a:rPr lang="en-GB" sz="1300" dirty="0"/>
+              <a:t> </a:t>
+            </a:r>
+            <a:r>
+              <a:rPr lang="en-GB" sz="1300" dirty="0">
+                <a:solidFill>
+                  <a:srgbClr val="FF0000"/>
+                </a:solidFill>
+              </a:rPr>
+              <a:t>FAMD</a:t>
+            </a:r>
+            <a:r>
+              <a:rPr lang="en-GB" sz="1300" dirty="0"/>
+              <a:t>, </a:t>
+            </a:r>
+            <a:r>
+              <a:rPr lang="en-GB" sz="1300" dirty="0" err="1"/>
+              <a:t>obteniendo</a:t>
+            </a:r>
+            <a:r>
+              <a:rPr lang="en-GB" sz="1300" dirty="0"/>
+              <a:t> </a:t>
+            </a:r>
+            <a:r>
+              <a:rPr lang="en-GB" sz="1300" dirty="0" err="1"/>
+              <a:t>una</a:t>
+            </a:r>
+            <a:r>
+              <a:rPr lang="en-GB" sz="1300" dirty="0"/>
+              <a:t> </a:t>
+            </a:r>
+            <a:r>
+              <a:rPr lang="en-GB" sz="1300" dirty="0" err="1"/>
+              <a:t>leve</a:t>
+            </a:r>
+            <a:r>
+              <a:rPr lang="en-GB" sz="1300" dirty="0"/>
+              <a:t> </a:t>
+            </a:r>
+            <a:r>
+              <a:rPr lang="en-GB" sz="1300" dirty="0" err="1"/>
+              <a:t>mejora</a:t>
+            </a:r>
+            <a:r>
+              <a:rPr lang="en-GB" sz="1300" dirty="0"/>
+              <a:t> general </a:t>
+            </a:r>
+            <a:r>
+              <a:rPr lang="en-GB" sz="1300" dirty="0" err="1"/>
+              <a:t>en</a:t>
+            </a:r>
+            <a:r>
+              <a:rPr lang="en-GB" sz="1300" dirty="0"/>
+              <a:t> las </a:t>
+            </a:r>
+            <a:r>
+              <a:rPr lang="en-GB" sz="1300" dirty="0" err="1"/>
+              <a:t>métricas</a:t>
+            </a:r>
             <a:endParaRPr lang="en-GB" sz="1300" dirty="0"/>
           </a:p>
           <a:p>
@@ -17200,11 +17505,11 @@
             </a:pPr>
             <a:r>
               <a:rPr lang="en-GB" sz="1300" dirty="0"/>
-              <a:t>Se </a:t>
+              <a:t>No se ha </a:t>
             </a:r>
             <a:r>
               <a:rPr lang="en-GB" sz="1300" dirty="0" err="1"/>
-              <a:t>aplicó</a:t>
+              <a:t>detectado</a:t>
             </a:r>
             <a:r>
               <a:rPr lang="en-GB" sz="1300" dirty="0"/>
@@ -17212,67 +17517,7 @@
             </a:r>
             <a:r>
               <a:rPr lang="en-GB" sz="1300" dirty="0" err="1"/>
-              <a:t>el</a:t>
-            </a:r>
-            <a:r>
-              <a:rPr lang="en-GB" sz="1300" dirty="0"/>
-              <a:t> </a:t>
-            </a:r>
-            <a:r>
-              <a:rPr lang="en-GB" sz="1300" dirty="0">
-                <a:solidFill>
-                  <a:srgbClr val="FF0000"/>
-                </a:solidFill>
-              </a:rPr>
-              <a:t>FAMD</a:t>
-            </a:r>
-            <a:r>
-              <a:rPr lang="en-GB" sz="1300" dirty="0"/>
-              <a:t>, </a:t>
-            </a:r>
-            <a:r>
-              <a:rPr lang="en-GB" sz="1300" dirty="0" err="1"/>
-              <a:t>obteniendo</a:t>
-            </a:r>
-            <a:r>
-              <a:rPr lang="en-GB" sz="1300" dirty="0"/>
-              <a:t> </a:t>
-            </a:r>
-            <a:r>
-              <a:rPr lang="en-GB" sz="1300" dirty="0" err="1"/>
-              <a:t>una</a:t>
-            </a:r>
-            <a:r>
-              <a:rPr lang="en-GB" sz="1300" dirty="0"/>
-              <a:t> </a:t>
-            </a:r>
-            <a:r>
-              <a:rPr lang="en-GB" sz="1300" dirty="0" err="1"/>
-              <a:t>leve</a:t>
-            </a:r>
-            <a:r>
-              <a:rPr lang="en-GB" sz="1300" dirty="0"/>
-              <a:t> </a:t>
-            </a:r>
-            <a:r>
-              <a:rPr lang="en-GB" sz="1300" dirty="0" err="1"/>
-              <a:t>mejora</a:t>
-            </a:r>
-            <a:r>
-              <a:rPr lang="en-GB" sz="1300" dirty="0"/>
-              <a:t> general </a:t>
-            </a:r>
-            <a:r>
-              <a:rPr lang="en-GB" sz="1300" dirty="0" err="1"/>
-              <a:t>en</a:t>
-            </a:r>
-            <a:r>
-              <a:rPr lang="en-GB" sz="1300" dirty="0"/>
-              <a:t> las </a:t>
-            </a:r>
-            <a:r>
-              <a:rPr lang="en-GB" sz="1300" dirty="0" err="1"/>
-              <a:t>métricas</a:t>
+              <a:t>sobreajuste</a:t>
             </a:r>
             <a:endParaRPr lang="en-GB" sz="1300" dirty="0"/>
           </a:p>
@@ -17283,21 +17528,35 @@
             </a:pPr>
             <a:r>
               <a:rPr lang="en-GB" sz="1300" dirty="0"/>
-              <a:t>No se ha </a:t>
+              <a:t>No hay </a:t>
             </a:r>
             <a:r>
               <a:rPr lang="en-GB" sz="1300" dirty="0" err="1"/>
-              <a:t>detectado</a:t>
+              <a:t>diferencia</a:t>
             </a:r>
             <a:r>
               <a:rPr lang="en-GB" sz="1300" dirty="0"/>
-              <a:t> </a:t>
+              <a:t> entre </a:t>
             </a:r>
             <a:r>
               <a:rPr lang="en-GB" sz="1300" dirty="0" err="1"/>
-              <a:t>sobreajuste</a:t>
+              <a:t>métodos</a:t>
+            </a:r>
+            <a:r>
+              <a:rPr lang="en-GB" sz="1300" dirty="0"/>
+              <a:t> de </a:t>
+            </a:r>
+            <a:r>
+              <a:rPr lang="en-GB" sz="1300" dirty="0" err="1"/>
+              <a:t>balanceo</a:t>
             </a:r>
             <a:endParaRPr lang="en-GB" sz="1300" dirty="0"/>
+          </a:p>
+          <a:p>
+            <a:r>
+              <a:rPr lang="en-GB" sz="1300" b="1" dirty="0"/>
+              <a:t>KNN (9NN)</a:t>
+            </a:r>
           </a:p>
           <a:p>
             <a:pPr marL="285750" indent="-285750">
@@ -17306,44 +17565,6 @@
             </a:pPr>
             <a:r>
               <a:rPr lang="en-GB" sz="1300" dirty="0"/>
-              <a:t>No hay </a:t>
-            </a:r>
-            <a:r>
-              <a:rPr lang="en-GB" sz="1300" dirty="0" err="1"/>
-              <a:t>diferencia</a:t>
-            </a:r>
-            <a:r>
-              <a:rPr lang="en-GB" sz="1300" dirty="0"/>
-              <a:t> entre </a:t>
-            </a:r>
-            <a:r>
-              <a:rPr lang="en-GB" sz="1300" dirty="0" err="1"/>
-              <a:t>métodos</a:t>
-            </a:r>
-            <a:r>
-              <a:rPr lang="en-GB" sz="1300" dirty="0"/>
-              <a:t> de </a:t>
-            </a:r>
-            <a:r>
-              <a:rPr lang="en-GB" sz="1300" dirty="0" err="1"/>
-              <a:t>balanceo</a:t>
-            </a:r>
-            <a:endParaRPr lang="en-GB" sz="1300" dirty="0"/>
-          </a:p>
-          <a:p>
-            <a:r>
-              <a:rPr lang="en-GB" sz="1300" b="1" dirty="0"/>
-              <a:t>KNN (9NN)</a:t>
-            </a:r>
-            <a:endParaRPr lang="en-GB" sz="1300" b="1" dirty="0"/>
-          </a:p>
-          <a:p>
-            <a:pPr marL="285750" indent="-285750">
-              <a:buFont typeface="Arial" panose="020B0604020202020204" pitchFamily="34" charset="0"/>
-              <a:buChar char="•"/>
-            </a:pPr>
-            <a:r>
-              <a:rPr lang="en-GB" sz="1300" dirty="0"/>
               <a:t>Entre </a:t>
             </a:r>
             <a:r>
@@ -17430,7 +17651,6 @@
               <a:rPr lang="en-GB" sz="1300" dirty="0"/>
               <a:t>)</a:t>
             </a:r>
-            <a:endParaRPr lang="en-GB" sz="1300" dirty="0"/>
           </a:p>
           <a:p>
             <a:pPr marL="285750" indent="-285750">
@@ -17635,7 +17855,6 @@
               <a:rPr lang="en-GB" sz="1200" i="1" dirty="0"/>
               <a:t>. </a:t>
             </a:r>
-            <a:endParaRPr lang="en-GB" sz="1200" i="1" dirty="0"/>
           </a:p>
           <a:p>
             <a:r>
@@ -17690,7 +17909,6 @@
               <a:rPr lang="en-GB" sz="1200" i="1" dirty="0"/>
               <a:t>. </a:t>
             </a:r>
-            <a:endParaRPr lang="en-GB" sz="1200" i="1" dirty="0"/>
           </a:p>
           <a:p>
             <a:pPr lvl="5"/>
@@ -17708,7 +17926,7 @@
             </a:r>
             <a:r>
               <a:rPr lang="es-ES" sz="1200" i="1" dirty="0">
-                <a:hlinkClick r:id="rId1"/>
+                <a:hlinkClick r:id="rId3"/>
               </a:rPr>
               <a:t>Github</a:t>
             </a:r>
@@ -17786,11 +18004,6 @@
               </a:rPr>
               <a:t> F1&lt;0,5</a:t>
             </a:r>
-            <a:endParaRPr lang="ca-ES" sz="1200" dirty="0">
-              <a:solidFill>
-                <a:srgbClr val="FF0000"/>
-              </a:solidFill>
-            </a:endParaRPr>
           </a:p>
         </p:txBody>
       </p:sp>
@@ -17806,7 +18019,7 @@
         </p:xfrm>
         <a:graphic>
           <a:graphicData uri="http://schemas.openxmlformats.org/drawingml/2006/diagram">
-            <dgm:relIds xmlns:dgm="http://schemas.openxmlformats.org/drawingml/2006/diagram" xmlns:r="http://schemas.openxmlformats.org/officeDocument/2006/relationships" r:dm="rId2" r:lo="rId3" r:qs="rId4" r:cs="rId5"/>
+            <dgm:relIds xmlns:dgm="http://schemas.openxmlformats.org/drawingml/2006/diagram" xmlns:r="http://schemas.openxmlformats.org/officeDocument/2006/relationships" r:dm="rId4" r:lo="rId5" r:qs="rId6" r:cs="rId7"/>
           </a:graphicData>
         </a:graphic>
       </p:graphicFrame>
@@ -17822,7 +18035,7 @@
         </p:xfrm>
         <a:graphic>
           <a:graphicData uri="http://schemas.openxmlformats.org/drawingml/2006/diagram">
-            <dgm:relIds xmlns:dgm="http://schemas.openxmlformats.org/drawingml/2006/diagram" xmlns:r="http://schemas.openxmlformats.org/officeDocument/2006/relationships" r:dm="rId7" r:lo="rId8" r:qs="rId9" r:cs="rId10"/>
+            <dgm:relIds xmlns:dgm="http://schemas.openxmlformats.org/drawingml/2006/diagram" xmlns:r="http://schemas.openxmlformats.org/officeDocument/2006/relationships" r:dm="rId9" r:lo="rId10" r:qs="rId11" r:cs="rId12"/>
           </a:graphicData>
         </a:graphic>
       </p:graphicFrame>
@@ -17866,7 +18079,6 @@
               <a:rPr lang="en-US" dirty="0"/>
               <a:t>Cross Validation</a:t>
             </a:r>
-            <a:endParaRPr lang="en-US" dirty="0"/>
           </a:p>
         </p:txBody>
       </p:sp>
@@ -17942,8 +18154,20 @@
                 <a:tableStyleId>{69012ECD-51FC-41F1-AA8D-1B2483CD663E}</a:tableStyleId>
               </a:tblPr>
               <a:tblGrid>
-                <a:gridCol w="2213517"/>
-                <a:gridCol w="2213517"/>
+                <a:gridCol w="2213517">
+                  <a:extLst>
+                    <a:ext uri="{9D8B030D-6E8A-4147-A177-3AD203B41FA5}">
+                      <a16:colId xmlns:a16="http://schemas.microsoft.com/office/drawing/2014/main" val="20000"/>
+                    </a:ext>
+                  </a:extLst>
+                </a:gridCol>
+                <a:gridCol w="2213517">
+                  <a:extLst>
+                    <a:ext uri="{9D8B030D-6E8A-4147-A177-3AD203B41FA5}">
+                      <a16:colId xmlns:a16="http://schemas.microsoft.com/office/drawing/2014/main" val="20001"/>
+                    </a:ext>
+                  </a:extLst>
+                </a:gridCol>
               </a:tblGrid>
               <a:tr h="212904">
                 <a:tc>
@@ -17955,7 +18179,6 @@
                         <a:rPr lang="ca-ES" sz="1100" dirty="0"/>
                         <a:t>Característica</a:t>
                       </a:r>
-                      <a:endParaRPr lang="ca-ES" sz="1100" dirty="0"/>
                     </a:p>
                   </a:txBody>
                   <a:tcPr/>
@@ -17969,11 +18192,15 @@
                         <a:rPr lang="ca-ES" sz="1100" dirty="0"/>
                         <a:t>Valor</a:t>
                       </a:r>
-                      <a:endParaRPr lang="ca-ES" sz="1100" dirty="0"/>
                     </a:p>
                   </a:txBody>
                   <a:tcPr/>
                 </a:tc>
+                <a:extLst>
+                  <a:ext uri="{0D108BD9-81ED-4DB2-BD59-A6C34878D82A}">
+                    <a16:rowId xmlns:a16="http://schemas.microsoft.com/office/drawing/2014/main" val="10000"/>
+                  </a:ext>
+                </a:extLst>
               </a:tr>
               <a:tr h="212904">
                 <a:tc>
@@ -17999,11 +18226,15 @@
                         <a:rPr lang="ca-ES" sz="1100" dirty="0"/>
                         <a:t>Sí (ROSE: 43-57)</a:t>
                       </a:r>
-                      <a:endParaRPr lang="ca-ES" sz="1100" dirty="0"/>
                     </a:p>
                   </a:txBody>
                   <a:tcPr/>
                 </a:tc>
+                <a:extLst>
+                  <a:ext uri="{0D108BD9-81ED-4DB2-BD59-A6C34878D82A}">
+                    <a16:rowId xmlns:a16="http://schemas.microsoft.com/office/drawing/2014/main" val="10001"/>
+                  </a:ext>
+                </a:extLst>
               </a:tr>
               <a:tr h="212904">
                 <a:tc>
@@ -18033,11 +18264,15 @@
                         <a:rPr lang="ca-ES" sz="1100" dirty="0"/>
                         <a:t>0.43</a:t>
                       </a:r>
-                      <a:endParaRPr lang="ca-ES" sz="1100" dirty="0"/>
                     </a:p>
                   </a:txBody>
                   <a:tcPr/>
                 </a:tc>
+                <a:extLst>
+                  <a:ext uri="{0D108BD9-81ED-4DB2-BD59-A6C34878D82A}">
+                    <a16:rowId xmlns:a16="http://schemas.microsoft.com/office/drawing/2014/main" val="10002"/>
+                  </a:ext>
+                </a:extLst>
               </a:tr>
               <a:tr h="212904">
                 <a:tc>
@@ -18071,11 +18306,15 @@
                         <a:rPr lang="ca-ES" sz="1100" dirty="0"/>
                         <a:t>Sí</a:t>
                       </a:r>
-                      <a:endParaRPr lang="ca-ES" sz="1100" dirty="0"/>
                     </a:p>
                   </a:txBody>
                   <a:tcPr/>
                 </a:tc>
+                <a:extLst>
+                  <a:ext uri="{0D108BD9-81ED-4DB2-BD59-A6C34878D82A}">
+                    <a16:rowId xmlns:a16="http://schemas.microsoft.com/office/drawing/2014/main" val="10003"/>
+                  </a:ext>
+                </a:extLst>
               </a:tr>
               <a:tr h="212904">
                 <a:tc>
@@ -18113,11 +18352,15 @@
                         <a:rPr lang="ca-ES" sz="1100" dirty="0"/>
                         <a:t>)</a:t>
                       </a:r>
-                      <a:endParaRPr lang="ca-ES" sz="1100" dirty="0"/>
                     </a:p>
                   </a:txBody>
                   <a:tcPr/>
                 </a:tc>
+                <a:extLst>
+                  <a:ext uri="{0D108BD9-81ED-4DB2-BD59-A6C34878D82A}">
+                    <a16:rowId xmlns:a16="http://schemas.microsoft.com/office/drawing/2014/main" val="10004"/>
+                  </a:ext>
+                </a:extLst>
               </a:tr>
               <a:tr h="212904">
                 <a:tc>
@@ -18164,6 +18407,11 @@
                   </a:txBody>
                   <a:tcPr/>
                 </a:tc>
+                <a:extLst>
+                  <a:ext uri="{0D108BD9-81ED-4DB2-BD59-A6C34878D82A}">
+                    <a16:rowId xmlns:a16="http://schemas.microsoft.com/office/drawing/2014/main" val="10005"/>
+                  </a:ext>
+                </a:extLst>
               </a:tr>
               <a:tr h="361936">
                 <a:tc>
@@ -18226,6 +18474,11 @@
                   </a:txBody>
                   <a:tcPr/>
                 </a:tc>
+                <a:extLst>
+                  <a:ext uri="{0D108BD9-81ED-4DB2-BD59-A6C34878D82A}">
+                    <a16:rowId xmlns:a16="http://schemas.microsoft.com/office/drawing/2014/main" val="10006"/>
+                  </a:ext>
+                </a:extLst>
               </a:tr>
               <a:tr h="212904">
                 <a:tc>
@@ -18255,11 +18508,15 @@
                         <a:rPr lang="ca-ES" sz="1100" dirty="0"/>
                         <a:t>27</a:t>
                       </a:r>
-                      <a:endParaRPr lang="ca-ES" sz="1100" dirty="0"/>
                     </a:p>
                   </a:txBody>
                   <a:tcPr/>
                 </a:tc>
+                <a:extLst>
+                  <a:ext uri="{0D108BD9-81ED-4DB2-BD59-A6C34878D82A}">
+                    <a16:rowId xmlns:a16="http://schemas.microsoft.com/office/drawing/2014/main" val="10007"/>
+                  </a:ext>
+                </a:extLst>
               </a:tr>
               <a:tr h="212904">
                 <a:tc>
@@ -18289,11 +18546,15 @@
                         <a:rPr lang="ca-ES" sz="1100" dirty="0"/>
                         <a:t>14</a:t>
                       </a:r>
-                      <a:endParaRPr lang="ca-ES" sz="1100" dirty="0"/>
                     </a:p>
                   </a:txBody>
                   <a:tcPr/>
                 </a:tc>
+                <a:extLst>
+                  <a:ext uri="{0D108BD9-81ED-4DB2-BD59-A6C34878D82A}">
+                    <a16:rowId xmlns:a16="http://schemas.microsoft.com/office/drawing/2014/main" val="10008"/>
+                  </a:ext>
+                </a:extLst>
               </a:tr>
               <a:tr h="212904">
                 <a:tc>
@@ -18335,11 +18596,15 @@
                         <a:rPr lang="ca-ES" sz="1100" dirty="0"/>
                         <a:t>15</a:t>
                       </a:r>
-                      <a:endParaRPr lang="ca-ES" sz="1100" dirty="0"/>
                     </a:p>
                   </a:txBody>
                   <a:tcPr/>
                 </a:tc>
+                <a:extLst>
+                  <a:ext uri="{0D108BD9-81ED-4DB2-BD59-A6C34878D82A}">
+                    <a16:rowId xmlns:a16="http://schemas.microsoft.com/office/drawing/2014/main" val="10009"/>
+                  </a:ext>
+                </a:extLst>
               </a:tr>
             </a:tbl>
           </a:graphicData>
@@ -18399,8 +18664,20 @@
                 <a:tableStyleId>{69012ECD-51FC-41F1-AA8D-1B2483CD663E}</a:tableStyleId>
               </a:tblPr>
               <a:tblGrid>
-                <a:gridCol w="1776421"/>
-                <a:gridCol w="1776421"/>
+                <a:gridCol w="1776421">
+                  <a:extLst>
+                    <a:ext uri="{9D8B030D-6E8A-4147-A177-3AD203B41FA5}">
+                      <a16:colId xmlns:a16="http://schemas.microsoft.com/office/drawing/2014/main" val="20000"/>
+                    </a:ext>
+                  </a:extLst>
+                </a:gridCol>
+                <a:gridCol w="1776421">
+                  <a:extLst>
+                    <a:ext uri="{9D8B030D-6E8A-4147-A177-3AD203B41FA5}">
+                      <a16:colId xmlns:a16="http://schemas.microsoft.com/office/drawing/2014/main" val="20001"/>
+                    </a:ext>
+                  </a:extLst>
+                </a:gridCol>
               </a:tblGrid>
               <a:tr h="293545">
                 <a:tc>
@@ -18412,7 +18689,6 @@
                         <a:rPr lang="ca-ES" sz="1100" dirty="0"/>
                         <a:t>KPI</a:t>
                       </a:r>
-                      <a:endParaRPr lang="ca-ES" sz="1100" dirty="0"/>
                     </a:p>
                   </a:txBody>
                   <a:tcPr/>
@@ -18426,11 +18702,15 @@
                         <a:rPr lang="ca-ES" sz="1100" dirty="0"/>
                         <a:t>Valor</a:t>
                       </a:r>
-                      <a:endParaRPr lang="ca-ES" sz="1100" dirty="0"/>
                     </a:p>
                   </a:txBody>
                   <a:tcPr/>
                 </a:tc>
+                <a:extLst>
+                  <a:ext uri="{0D108BD9-81ED-4DB2-BD59-A6C34878D82A}">
+                    <a16:rowId xmlns:a16="http://schemas.microsoft.com/office/drawing/2014/main" val="10000"/>
+                  </a:ext>
+                </a:extLst>
               </a:tr>
               <a:tr h="293545">
                 <a:tc>
@@ -18460,11 +18740,15 @@
                         <a:rPr lang="ca-ES" sz="1100" dirty="0"/>
                         <a:t>0.4870878</a:t>
                       </a:r>
-                      <a:endParaRPr lang="ca-ES" sz="1100" dirty="0"/>
                     </a:p>
                   </a:txBody>
                   <a:tcPr/>
                 </a:tc>
+                <a:extLst>
+                  <a:ext uri="{0D108BD9-81ED-4DB2-BD59-A6C34878D82A}">
+                    <a16:rowId xmlns:a16="http://schemas.microsoft.com/office/drawing/2014/main" val="10001"/>
+                  </a:ext>
+                </a:extLst>
               </a:tr>
               <a:tr h="293545">
                 <a:tc>
@@ -18476,7 +18760,6 @@
                         <a:rPr lang="ca-ES" sz="1100" dirty="0"/>
                         <a:t>F1 test</a:t>
                       </a:r>
-                      <a:endParaRPr lang="ca-ES" sz="1100" dirty="0"/>
                     </a:p>
                   </a:txBody>
                   <a:tcPr/>
@@ -18490,11 +18773,15 @@
                         <a:rPr lang="ca-ES" sz="1100" dirty="0"/>
                         <a:t>0.4990826</a:t>
                       </a:r>
-                      <a:endParaRPr lang="ca-ES" sz="1100" dirty="0"/>
                     </a:p>
                   </a:txBody>
                   <a:tcPr/>
                 </a:tc>
+                <a:extLst>
+                  <a:ext uri="{0D108BD9-81ED-4DB2-BD59-A6C34878D82A}">
+                    <a16:rowId xmlns:a16="http://schemas.microsoft.com/office/drawing/2014/main" val="10002"/>
+                  </a:ext>
+                </a:extLst>
               </a:tr>
               <a:tr h="293545">
                 <a:tc>
@@ -18528,11 +18815,15 @@
                         <a:rPr lang="ca-ES" sz="1100" dirty="0"/>
                         <a:t>0.607</a:t>
                       </a:r>
-                      <a:endParaRPr lang="ca-ES" sz="1100" dirty="0"/>
                     </a:p>
                   </a:txBody>
                   <a:tcPr/>
                 </a:tc>
+                <a:extLst>
+                  <a:ext uri="{0D108BD9-81ED-4DB2-BD59-A6C34878D82A}">
+                    <a16:rowId xmlns:a16="http://schemas.microsoft.com/office/drawing/2014/main" val="10003"/>
+                  </a:ext>
+                </a:extLst>
               </a:tr>
               <a:tr h="293545">
                 <a:tc>
@@ -18548,7 +18839,6 @@
                         <a:rPr lang="ca-ES" sz="1100" dirty="0"/>
                         <a:t> test</a:t>
                       </a:r>
-                      <a:endParaRPr lang="ca-ES" sz="1100" dirty="0"/>
                     </a:p>
                   </a:txBody>
                   <a:tcPr/>
@@ -18562,11 +18852,15 @@
                         <a:rPr lang="ca-ES" sz="1100" dirty="0"/>
                         <a:t>0.61678</a:t>
                       </a:r>
-                      <a:endParaRPr lang="ca-ES" sz="1100" dirty="0"/>
                     </a:p>
                   </a:txBody>
                   <a:tcPr/>
                 </a:tc>
+                <a:extLst>
+                  <a:ext uri="{0D108BD9-81ED-4DB2-BD59-A6C34878D82A}">
+                    <a16:rowId xmlns:a16="http://schemas.microsoft.com/office/drawing/2014/main" val="10004"/>
+                  </a:ext>
+                </a:extLst>
               </a:tr>
               <a:tr h="293545">
                 <a:tc>
@@ -18592,11 +18886,15 @@
                         <a:rPr lang="ca-ES" sz="1100" dirty="0"/>
                         <a:t>0.769982</a:t>
                       </a:r>
-                      <a:endParaRPr lang="ca-ES" sz="1100" dirty="0"/>
                     </a:p>
                   </a:txBody>
                   <a:tcPr/>
                 </a:tc>
+                <a:extLst>
+                  <a:ext uri="{0D108BD9-81ED-4DB2-BD59-A6C34878D82A}">
+                    <a16:rowId xmlns:a16="http://schemas.microsoft.com/office/drawing/2014/main" val="10005"/>
+                  </a:ext>
+                </a:extLst>
               </a:tr>
               <a:tr h="410084">
                 <a:tc>
@@ -18612,7 +18910,6 @@
                         <a:rPr lang="ca-ES" sz="1100" dirty="0"/>
                         <a:t> test</a:t>
                       </a:r>
-                      <a:endParaRPr lang="ca-ES" sz="1100" dirty="0"/>
                     </a:p>
                   </a:txBody>
                   <a:tcPr/>
@@ -18626,11 +18923,15 @@
                         <a:rPr lang="ca-ES" sz="1100" dirty="0"/>
                         <a:t>0.7727</a:t>
                       </a:r>
-                      <a:endParaRPr lang="ca-ES" sz="1100" dirty="0"/>
                     </a:p>
                   </a:txBody>
                   <a:tcPr/>
                 </a:tc>
+                <a:extLst>
+                  <a:ext uri="{0D108BD9-81ED-4DB2-BD59-A6C34878D82A}">
+                    <a16:rowId xmlns:a16="http://schemas.microsoft.com/office/drawing/2014/main" val="10006"/>
+                  </a:ext>
+                </a:extLst>
               </a:tr>
               <a:tr h="293545">
                 <a:tc>
@@ -18664,11 +18965,15 @@
                         <a:rPr lang="ca-ES" sz="1100" dirty="0"/>
                         <a:t>0.7365306</a:t>
                       </a:r>
-                      <a:endParaRPr lang="ca-ES" sz="1100" dirty="0"/>
                     </a:p>
                   </a:txBody>
                   <a:tcPr/>
                 </a:tc>
+                <a:extLst>
+                  <a:ext uri="{0D108BD9-81ED-4DB2-BD59-A6C34878D82A}">
+                    <a16:rowId xmlns:a16="http://schemas.microsoft.com/office/drawing/2014/main" val="10007"/>
+                  </a:ext>
+                </a:extLst>
               </a:tr>
               <a:tr h="293545">
                 <a:tc>
@@ -18684,7 +18989,6 @@
                         <a:rPr lang="ca-ES" sz="1100" dirty="0"/>
                         <a:t> test</a:t>
                       </a:r>
-                      <a:endParaRPr lang="ca-ES" sz="1100" dirty="0"/>
                     </a:p>
                   </a:txBody>
                   <a:tcPr/>
@@ -18698,11 +19002,15 @@
                         <a:rPr lang="ca-ES" sz="1100" dirty="0"/>
                         <a:t>0.74</a:t>
                       </a:r>
-                      <a:endParaRPr lang="ca-ES" sz="1100" dirty="0"/>
                     </a:p>
                   </a:txBody>
                   <a:tcPr/>
                 </a:tc>
+                <a:extLst>
+                  <a:ext uri="{0D108BD9-81ED-4DB2-BD59-A6C34878D82A}">
+                    <a16:rowId xmlns:a16="http://schemas.microsoft.com/office/drawing/2014/main" val="10008"/>
+                  </a:ext>
+                </a:extLst>
               </a:tr>
             </a:tbl>
           </a:graphicData>
@@ -18742,7 +19050,7 @@
           <p:nvPr/>
         </p:nvPicPr>
         <p:blipFill>
-          <a:blip r:embed="rId1"/>
+          <a:blip r:embed="rId2"/>
           <a:stretch>
             <a:fillRect/>
           </a:stretch>
@@ -18766,7 +19074,7 @@
           <p:nvPr/>
         </p:nvPicPr>
         <p:blipFill>
-          <a:blip r:embed="rId2"/>
+          <a:blip r:embed="rId3"/>
           <a:stretch>
             <a:fillRect/>
           </a:stretch>
@@ -18829,7 +19137,6 @@
               <a:rPr lang="es-ES" dirty="0"/>
               <a:t> Forest</a:t>
             </a:r>
-            <a:endParaRPr lang="es-ES" dirty="0"/>
           </a:p>
         </p:txBody>
       </p:sp>
@@ -18916,7 +19223,12 @@
             <p:ph type="title"/>
           </p:nvPr>
         </p:nvSpPr>
-        <p:spPr/>
+        <p:spPr>
+          <a:xfrm>
+            <a:off x="720000" y="431777"/>
+            <a:ext cx="7704000" cy="572700"/>
+          </a:xfrm>
+        </p:spPr>
         <p:txBody>
           <a:bodyPr/>
           <a:lstStyle/>
@@ -18924,6 +19236,168 @@
             <a:r>
               <a:rPr lang="es-ES" dirty="0"/>
               <a:t>GLM</a:t>
+            </a:r>
+          </a:p>
+        </p:txBody>
+      </p:sp>
+      <p:pic>
+        <p:nvPicPr>
+          <p:cNvPr id="4" name="Imatge 3">
+            <a:extLst>
+              <a:ext uri="{FF2B5EF4-FFF2-40B4-BE49-F238E27FC236}">
+                <a16:creationId xmlns:a16="http://schemas.microsoft.com/office/drawing/2014/main" id="{FD18AD5A-A558-46E8-B520-4851F6DA7AC5}"/>
+              </a:ext>
+            </a:extLst>
+          </p:cNvPr>
+          <p:cNvPicPr>
+            <a:picLocks noChangeAspect="1"/>
+          </p:cNvPicPr>
+          <p:nvPr/>
+        </p:nvPicPr>
+        <p:blipFill>
+          <a:blip r:embed="rId2"/>
+          <a:stretch>
+            <a:fillRect/>
+          </a:stretch>
+        </p:blipFill>
+        <p:spPr>
+          <a:xfrm>
+            <a:off x="1149530" y="1945191"/>
+            <a:ext cx="2664823" cy="1253117"/>
+          </a:xfrm>
+          <a:prstGeom prst="rect">
+            <a:avLst/>
+          </a:prstGeom>
+        </p:spPr>
+      </p:pic>
+      <p:sp>
+        <p:nvSpPr>
+          <p:cNvPr id="5" name="CuadroTexto 1">
+            <a:extLst>
+              <a:ext uri="{FF2B5EF4-FFF2-40B4-BE49-F238E27FC236}">
+                <a16:creationId xmlns:a16="http://schemas.microsoft.com/office/drawing/2014/main" id="{0E5ACF7D-A8A8-4ECF-A0B3-997DFB48CE1F}"/>
+              </a:ext>
+            </a:extLst>
+          </p:cNvPr>
+          <p:cNvSpPr txBox="1"/>
+          <p:nvPr/>
+        </p:nvSpPr>
+        <p:spPr>
+          <a:xfrm>
+            <a:off x="6537922" y="1066032"/>
+            <a:ext cx="1404295" cy="307777"/>
+          </a:xfrm>
+          <a:prstGeom prst="rect">
+            <a:avLst/>
+          </a:prstGeom>
+          <a:noFill/>
+        </p:spPr>
+        <p:txBody>
+          <a:bodyPr wrap="square" rtlCol="0">
+            <a:spAutoFit/>
+          </a:bodyPr>
+          <a:lstStyle/>
+          <a:p>
+            <a:pPr algn="just"/>
+            <a:r>
+              <a:rPr lang="es-ES" b="1" dirty="0"/>
+              <a:t>GLM </a:t>
+            </a:r>
+            <a:r>
+              <a:rPr lang="es-ES" b="1" dirty="0" err="1"/>
+              <a:t>Boostrap</a:t>
+            </a:r>
+            <a:endParaRPr lang="es-ES" b="1" dirty="0"/>
+          </a:p>
+        </p:txBody>
+      </p:sp>
+      <p:sp>
+        <p:nvSpPr>
+          <p:cNvPr id="6" name="CuadroTexto 1">
+            <a:extLst>
+              <a:ext uri="{FF2B5EF4-FFF2-40B4-BE49-F238E27FC236}">
+                <a16:creationId xmlns:a16="http://schemas.microsoft.com/office/drawing/2014/main" id="{0F507262-0434-4F81-B071-7689150C6818}"/>
+              </a:ext>
+            </a:extLst>
+          </p:cNvPr>
+          <p:cNvSpPr txBox="1"/>
+          <p:nvPr/>
+        </p:nvSpPr>
+        <p:spPr>
+          <a:xfrm>
+            <a:off x="113211" y="1004477"/>
+            <a:ext cx="4737463" cy="738664"/>
+          </a:xfrm>
+          <a:prstGeom prst="rect">
+            <a:avLst/>
+          </a:prstGeom>
+          <a:noFill/>
+        </p:spPr>
+        <p:txBody>
+          <a:bodyPr wrap="square" rtlCol="0">
+            <a:spAutoFit/>
+          </a:bodyPr>
+          <a:lstStyle/>
+          <a:p>
+            <a:pPr algn="ctr"/>
+            <a:r>
+              <a:rPr lang="es-ES" b="1" dirty="0"/>
+              <a:t>GLM </a:t>
+            </a:r>
+            <a:r>
+              <a:rPr lang="es-ES" b="1" dirty="0" err="1"/>
+              <a:t>feat</a:t>
+            </a:r>
+            <a:r>
+              <a:rPr lang="es-ES" b="1" dirty="0"/>
+              <a:t>. </a:t>
+            </a:r>
+            <a:r>
+              <a:rPr lang="es-ES" b="1" dirty="0" err="1"/>
+              <a:t>Engineering</a:t>
+            </a:r>
+            <a:r>
+              <a:rPr lang="es-ES" b="1" dirty="0"/>
+              <a:t>:</a:t>
+            </a:r>
+          </a:p>
+          <a:p>
+            <a:pPr algn="just"/>
+            <a:r>
+              <a:rPr lang="es-ES" dirty="0" err="1"/>
+              <a:t>Exited</a:t>
+            </a:r>
+            <a:r>
+              <a:rPr lang="es-ES" dirty="0"/>
+              <a:t> ~ </a:t>
+            </a:r>
+            <a:r>
+              <a:rPr lang="es-ES" dirty="0" err="1"/>
+              <a:t>Gender</a:t>
+            </a:r>
+            <a:r>
+              <a:rPr lang="es-ES" dirty="0"/>
+              <a:t> + Age^2 + Balance + </a:t>
+            </a:r>
+            <a:r>
+              <a:rPr lang="es-ES" dirty="0" err="1"/>
+              <a:t>NumOfProd</a:t>
+            </a:r>
+            <a:r>
+              <a:rPr lang="es-ES" dirty="0"/>
+              <a:t> + </a:t>
+            </a:r>
+            <a:r>
+              <a:rPr lang="es-ES" dirty="0" err="1"/>
+              <a:t>Geography</a:t>
+            </a:r>
+            <a:r>
+              <a:rPr lang="es-ES" dirty="0"/>
+              <a:t> + </a:t>
+            </a:r>
+            <a:r>
+              <a:rPr lang="es-ES" dirty="0" err="1"/>
+              <a:t>Geography:Gender</a:t>
             </a:r>
             <a:endParaRPr lang="es-ES" dirty="0"/>
           </a:p>
@@ -18973,7 +19447,6 @@
               <a:rPr lang="es-ES" dirty="0"/>
               <a:t>SVM</a:t>
             </a:r>
-            <a:endParaRPr lang="es-ES" dirty="0"/>
           </a:p>
         </p:txBody>
       </p:sp>
@@ -19021,7 +19494,6 @@
               <a:rPr lang="es-ES" dirty="0"/>
               <a:t>Mejores modelos i métodos</a:t>
             </a:r>
-            <a:endParaRPr lang="es-ES" dirty="0"/>
           </a:p>
         </p:txBody>
       </p:sp>
@@ -19090,7 +19562,13 @@
           <p:cNvGraphicFramePr>
             <a:graphicFrameLocks noGrp="1"/>
           </p:cNvGraphicFramePr>
-          <p:nvPr/>
+          <p:nvPr>
+            <p:extLst>
+              <p:ext uri="{D42A27DB-BD31-4B8C-83A1-F6EECF244321}">
+                <p14:modId xmlns:p14="http://schemas.microsoft.com/office/powerpoint/2010/main" val="34348510"/>
+              </p:ext>
+            </p:extLst>
+          </p:nvPr>
         </p:nvGraphicFramePr>
         <p:xfrm>
           <a:off x="170035" y="914400"/>
@@ -19103,8 +19581,20 @@
                 <a:tableStyleId>{5C22544A-7EE6-4342-B048-85BDC9FD1C3A}</a:tableStyleId>
               </a:tblPr>
               <a:tblGrid>
-                <a:gridCol w="2172643"/>
-                <a:gridCol w="5146335"/>
+                <a:gridCol w="2172643">
+                  <a:extLst>
+                    <a:ext uri="{9D8B030D-6E8A-4147-A177-3AD203B41FA5}">
+                      <a16:colId xmlns:a16="http://schemas.microsoft.com/office/drawing/2014/main" val="20000"/>
+                    </a:ext>
+                  </a:extLst>
+                </a:gridCol>
+                <a:gridCol w="5146335">
+                  <a:extLst>
+                    <a:ext uri="{9D8B030D-6E8A-4147-A177-3AD203B41FA5}">
+                      <a16:colId xmlns:a16="http://schemas.microsoft.com/office/drawing/2014/main" val="20001"/>
+                    </a:ext>
+                  </a:extLst>
+                </a:gridCol>
               </a:tblGrid>
               <a:tr h="554796">
                 <a:tc>
@@ -19281,6 +19771,11 @@
                   </a:txBody>
                   <a:tcPr/>
                 </a:tc>
+                <a:extLst>
+                  <a:ext uri="{0D108BD9-81ED-4DB2-BD59-A6C34878D82A}">
+                    <a16:rowId xmlns:a16="http://schemas.microsoft.com/office/drawing/2014/main" val="10000"/>
+                  </a:ext>
+                </a:extLst>
               </a:tr>
               <a:tr h="554796">
                 <a:tc>
@@ -19373,6 +19868,11 @@
                   </a:txBody>
                   <a:tcPr/>
                 </a:tc>
+                <a:extLst>
+                  <a:ext uri="{0D108BD9-81ED-4DB2-BD59-A6C34878D82A}">
+                    <a16:rowId xmlns:a16="http://schemas.microsoft.com/office/drawing/2014/main" val="10001"/>
+                  </a:ext>
+                </a:extLst>
               </a:tr>
               <a:tr h="554796">
                 <a:tc>
@@ -19450,11 +19950,15 @@
                         <a:rPr dirty="0"/>
                         <a:t>.</a:t>
                       </a:r>
-                      <a:endParaRPr dirty="0"/>
                     </a:p>
                   </a:txBody>
                   <a:tcPr/>
                 </a:tc>
+                <a:extLst>
+                  <a:ext uri="{0D108BD9-81ED-4DB2-BD59-A6C34878D82A}">
+                    <a16:rowId xmlns:a16="http://schemas.microsoft.com/office/drawing/2014/main" val="10002"/>
+                  </a:ext>
+                </a:extLst>
               </a:tr>
               <a:tr h="612776">
                 <a:tc>
@@ -19590,11 +20094,15 @@
                         <a:rPr dirty="0"/>
                         <a:t>.</a:t>
                       </a:r>
-                      <a:endParaRPr dirty="0"/>
                     </a:p>
                   </a:txBody>
                   <a:tcPr/>
                 </a:tc>
+                <a:extLst>
+                  <a:ext uri="{0D108BD9-81ED-4DB2-BD59-A6C34878D82A}">
+                    <a16:rowId xmlns:a16="http://schemas.microsoft.com/office/drawing/2014/main" val="10003"/>
+                  </a:ext>
+                </a:extLst>
               </a:tr>
               <a:tr h="787855">
                 <a:tc>
@@ -19633,14 +20141,26 @@
                       </a:br>
                       <a:r>
                         <a:rPr dirty="0"/>
-                        <a:t>• Precision / Recall</a:t>
+                        <a:t>• Precision</a:t>
                       </a:r>
                       <a:br>
                         <a:rPr dirty="0"/>
                       </a:br>
                       <a:r>
                         <a:rPr dirty="0"/>
-                        <a:t>• F1-Score</a:t>
+                        <a:t>• </a:t>
+                      </a:r>
+                      <a:r>
+                        <a:rPr lang="ca-ES" dirty="0" err="1"/>
+                        <a:t>Recall</a:t>
+                      </a:r>
+                      <a:r>
+                        <a:rPr lang="ca-ES" dirty="0"/>
+                        <a:t> / </a:t>
+                      </a:r>
+                      <a:r>
+                        <a:rPr dirty="0"/>
+                        <a:t>F1-Score</a:t>
                       </a:r>
                       <a:br>
                         <a:rPr dirty="0"/>
@@ -19649,11 +20169,15 @@
                         <a:rPr dirty="0"/>
                         <a:t>• AUC-ROC</a:t>
                       </a:r>
-                      <a:endParaRPr dirty="0"/>
                     </a:p>
                   </a:txBody>
                   <a:tcPr/>
                 </a:tc>
+                <a:extLst>
+                  <a:ext uri="{0D108BD9-81ED-4DB2-BD59-A6C34878D82A}">
+                    <a16:rowId xmlns:a16="http://schemas.microsoft.com/office/drawing/2014/main" val="10004"/>
+                  </a:ext>
+                </a:extLst>
               </a:tr>
               <a:tr h="554796">
                 <a:tc>
@@ -19703,11 +20227,15 @@
                         <a:rPr dirty="0"/>
                         <a:t>.</a:t>
                       </a:r>
-                      <a:endParaRPr dirty="0"/>
                     </a:p>
                   </a:txBody>
                   <a:tcPr/>
                 </a:tc>
+                <a:extLst>
+                  <a:ext uri="{0D108BD9-81ED-4DB2-BD59-A6C34878D82A}">
+                    <a16:rowId xmlns:a16="http://schemas.microsoft.com/office/drawing/2014/main" val="10005"/>
+                  </a:ext>
+                </a:extLst>
               </a:tr>
             </a:tbl>
           </a:graphicData>
@@ -19755,7 +20283,7 @@
           <p:nvPr/>
         </p:nvPicPr>
         <p:blipFill>
-          <a:blip r:embed="rId1"/>
+          <a:blip r:embed="rId3"/>
           <a:stretch>
             <a:fillRect/>
           </a:stretch>
@@ -19833,7 +20361,13 @@
         <p:nvGraphicFramePr>
           <p:cNvPr id="2" name="Diagrama 1"/>
           <p:cNvGraphicFramePr/>
-          <p:nvPr/>
+          <p:nvPr>
+            <p:extLst>
+              <p:ext uri="{D42A27DB-BD31-4B8C-83A1-F6EECF244321}">
+                <p14:modId xmlns:p14="http://schemas.microsoft.com/office/powerpoint/2010/main" val="2165948479"/>
+              </p:ext>
+            </p:extLst>
+          </p:nvPr>
         </p:nvGraphicFramePr>
         <p:xfrm>
           <a:off x="3571539" y="1112201"/>
@@ -19841,7 +20375,7 @@
         </p:xfrm>
         <a:graphic>
           <a:graphicData uri="http://schemas.openxmlformats.org/drawingml/2006/diagram">
-            <dgm:relIds xmlns:dgm="http://schemas.openxmlformats.org/drawingml/2006/diagram" xmlns:r="http://schemas.openxmlformats.org/officeDocument/2006/relationships" r:dm="rId1" r:lo="rId2" r:qs="rId3" r:cs="rId4"/>
+            <dgm:relIds xmlns:dgm="http://schemas.openxmlformats.org/drawingml/2006/diagram" xmlns:r="http://schemas.openxmlformats.org/officeDocument/2006/relationships" r:dm="rId3" r:lo="rId4" r:qs="rId5" r:cs="rId6"/>
           </a:graphicData>
         </a:graphic>
       </p:graphicFrame>
@@ -19879,7 +20413,6 @@
               <a:rPr lang="en-GB" sz="1200" dirty="0"/>
               <a:t>: CRISP-DM (Cross Industry Standard Process for Data Mining)</a:t>
             </a:r>
-            <a:endParaRPr lang="en-GB" sz="1200" dirty="0"/>
           </a:p>
           <a:p>
             <a:pPr marL="285750" indent="-285750">
@@ -19958,7 +20491,7 @@
           <p:nvPr/>
         </p:nvPicPr>
         <p:blipFill>
-          <a:blip r:embed="rId6"/>
+          <a:blip r:embed="rId8"/>
           <a:stretch>
             <a:fillRect/>
           </a:stretch>
@@ -20068,7 +20601,7 @@
           <p:nvPr/>
         </p:nvPicPr>
         <p:blipFill>
-          <a:blip r:embed="rId1"/>
+          <a:blip r:embed="rId3"/>
           <a:stretch>
             <a:fillRect/>
           </a:stretch>
@@ -20092,7 +20625,7 @@
           <p:nvPr/>
         </p:nvPicPr>
         <p:blipFill>
-          <a:blip r:embed="rId2"/>
+          <a:blip r:embed="rId4"/>
           <a:stretch>
             <a:fillRect/>
           </a:stretch>
@@ -20147,7 +20680,6 @@
               <a:rPr lang="en-US" dirty="0"/>
               <a:t>Detección</a:t>
             </a:r>
-            <a:endParaRPr lang="en-US" dirty="0"/>
           </a:p>
         </p:txBody>
       </p:sp>
@@ -20201,7 +20733,6 @@
               <a:rPr lang="en-GB" sz="1200" dirty="0"/>
               <a:t> ID)</a:t>
             </a:r>
-            <a:endParaRPr lang="en-GB" sz="1200" dirty="0"/>
           </a:p>
           <a:p>
             <a:r>
@@ -20212,11 +20743,6 @@
               </a:rPr>
               <a:t>Test MCAR</a:t>
             </a:r>
-            <a:endParaRPr lang="en-GB" sz="1200" b="1" dirty="0">
-              <a:highlight>
-                <a:srgbClr val="FFFF00"/>
-              </a:highlight>
-            </a:endParaRPr>
           </a:p>
           <a:p>
             <a:r>
@@ -20231,7 +20757,6 @@
               <a:rPr lang="en-GB" sz="1200" b="1" dirty="0"/>
               <a:t> = 0.39</a:t>
             </a:r>
-            <a:endParaRPr lang="en-GB" sz="1200" b="1" dirty="0"/>
           </a:p>
           <a:p>
             <a:r>
@@ -20351,13 +20876,6 @@
               </a:rPr>
               <a:t> </a:t>
             </a:r>
-            <a:endParaRPr lang="en-GB" sz="1100" b="1" i="0" dirty="0">
-              <a:solidFill>
-                <a:srgbClr val="030712"/>
-              </a:solidFill>
-              <a:effectLst/>
-              <a:latin typeface="ui-sans-serif"/>
-            </a:endParaRPr>
           </a:p>
           <a:p>
             <a:pPr algn="l">
@@ -20393,13 +20911,6 @@
               </a:rPr>
               <a:t> Simple</a:t>
             </a:r>
-            <a:endParaRPr lang="en-GB" sz="1100" b="1" i="0" dirty="0">
-              <a:solidFill>
-                <a:srgbClr val="7F1D1D"/>
-              </a:solidFill>
-              <a:effectLst/>
-              <a:latin typeface="ui-sans-serif"/>
-            </a:endParaRPr>
           </a:p>
           <a:p>
             <a:pPr algn="l">
@@ -20662,15 +21173,6 @@
               </a:rPr>
               <a:t>)</a:t>
             </a:r>
-            <a:endParaRPr lang="en-GB" sz="1100" b="1" dirty="0">
-              <a:solidFill>
-                <a:srgbClr val="14532D"/>
-              </a:solidFill>
-              <a:highlight>
-                <a:srgbClr val="FFFF00"/>
-              </a:highlight>
-              <a:latin typeface="ui-sans-serif"/>
-            </a:endParaRPr>
           </a:p>
           <a:p>
             <a:pPr>
@@ -20727,12 +21229,6 @@
               </a:rPr>
               <a:t>✓ MÉTODO SELECCIONADO</a:t>
             </a:r>
-            <a:endParaRPr lang="en-GB" sz="1100" b="1" dirty="0">
-              <a:solidFill>
-                <a:srgbClr val="166534"/>
-              </a:solidFill>
-              <a:latin typeface="ui-sans-serif"/>
-            </a:endParaRPr>
           </a:p>
           <a:p>
             <a:endParaRPr lang="en-US" dirty="0"/>
@@ -20834,7 +21330,6 @@
               <a:rPr lang="es-ES" sz="1100" i="1" dirty="0"/>
               <a:t> (multivariante), llegamos a unos resultados muy buenos, encontrando un ajuste prácticamente perfecto de las distribuciones. </a:t>
             </a:r>
-            <a:endParaRPr lang="es-ES" sz="1100" i="1" dirty="0"/>
           </a:p>
           <a:p>
             <a:pPr algn="just"/>
@@ -20846,7 +21341,6 @@
               <a:rPr lang="es-ES" sz="1100" i="1" dirty="0"/>
               <a:t>Se decidió validar el método y la base de datos imputada por MICE.</a:t>
             </a:r>
-            <a:endParaRPr lang="es-ES" sz="1100" i="1" dirty="0"/>
           </a:p>
         </p:txBody>
       </p:sp>
@@ -20972,11 +21466,6 @@
               </a:rPr>
               <a:t> previo y posterior a la imputación, obteniendo los mismos resultados tanto a nivel univariante como multivariante.</a:t>
             </a:r>
-            <a:endParaRPr lang="es-ES" sz="1100" dirty="0">
-              <a:solidFill>
-                <a:schemeClr val="tx1"/>
-              </a:solidFill>
-            </a:endParaRPr>
           </a:p>
           <a:p>
             <a:endParaRPr lang="es-ES" sz="1100" dirty="0">
@@ -21029,10 +21518,34 @@
                 <a:tableStyleId>{7FD54D1E-A07F-487E-B709-6B33F1453160}</a:tableStyleId>
               </a:tblPr>
               <a:tblGrid>
-                <a:gridCol w="1080507"/>
-                <a:gridCol w="1439370"/>
-                <a:gridCol w="1439370"/>
-                <a:gridCol w="1439370"/>
+                <a:gridCol w="1080507">
+                  <a:extLst>
+                    <a:ext uri="{9D8B030D-6E8A-4147-A177-3AD203B41FA5}">
+                      <a16:colId xmlns:a16="http://schemas.microsoft.com/office/drawing/2014/main" val="20000"/>
+                    </a:ext>
+                  </a:extLst>
+                </a:gridCol>
+                <a:gridCol w="1439370">
+                  <a:extLst>
+                    <a:ext uri="{9D8B030D-6E8A-4147-A177-3AD203B41FA5}">
+                      <a16:colId xmlns:a16="http://schemas.microsoft.com/office/drawing/2014/main" val="20001"/>
+                    </a:ext>
+                  </a:extLst>
+                </a:gridCol>
+                <a:gridCol w="1439370">
+                  <a:extLst>
+                    <a:ext uri="{9D8B030D-6E8A-4147-A177-3AD203B41FA5}">
+                      <a16:colId xmlns:a16="http://schemas.microsoft.com/office/drawing/2014/main" val="20002"/>
+                    </a:ext>
+                  </a:extLst>
+                </a:gridCol>
+                <a:gridCol w="1439370">
+                  <a:extLst>
+                    <a:ext uri="{9D8B030D-6E8A-4147-A177-3AD203B41FA5}">
+                      <a16:colId xmlns:a16="http://schemas.microsoft.com/office/drawing/2014/main" val="20003"/>
+                    </a:ext>
+                  </a:extLst>
+                </a:gridCol>
               </a:tblGrid>
               <a:tr h="251459">
                 <a:tc>
@@ -21044,7 +21557,6 @@
                         <a:rPr lang="en-US" sz="1100" b="1" dirty="0"/>
                         <a:t>Nivel</a:t>
                       </a:r>
-                      <a:endParaRPr lang="en-US" sz="1100" b="1" dirty="0"/>
                     </a:p>
                   </a:txBody>
                   <a:tcPr>
@@ -21062,7 +21574,6 @@
                         <a:rPr lang="en-US" sz="1100" b="1" dirty="0"/>
                         <a:t>Tipo de Variable </a:t>
                       </a:r>
-                      <a:endParaRPr lang="en-US" sz="1100" b="1" dirty="0"/>
                     </a:p>
                   </a:txBody>
                   <a:tcPr>
@@ -21080,7 +21591,6 @@
                         <a:rPr lang="en-US" sz="1100" b="1" dirty="0"/>
                         <a:t>Método</a:t>
                       </a:r>
-                      <a:endParaRPr lang="en-US" sz="1100" b="1" dirty="0"/>
                     </a:p>
                   </a:txBody>
                   <a:tcPr>
@@ -21098,7 +21608,6 @@
                         <a:rPr lang="en-US" sz="1100" b="1" dirty="0"/>
                         <a:t>Criterio</a:t>
                       </a:r>
-                      <a:endParaRPr lang="en-US" sz="1100" b="1" dirty="0"/>
                     </a:p>
                   </a:txBody>
                   <a:tcPr>
@@ -21107,6 +21616,11 @@
                     </a:solidFill>
                   </a:tcPr>
                 </a:tc>
+                <a:extLst>
+                  <a:ext uri="{0D108BD9-81ED-4DB2-BD59-A6C34878D82A}">
+                    <a16:rowId xmlns:a16="http://schemas.microsoft.com/office/drawing/2014/main" val="10000"/>
+                  </a:ext>
+                </a:extLst>
               </a:tr>
               <a:tr h="251459">
                 <a:tc>
@@ -21118,7 +21632,6 @@
                         <a:rPr lang="en-US" sz="1100" dirty="0"/>
                         <a:t>Univariante</a:t>
                       </a:r>
-                      <a:endParaRPr lang="en-US" sz="1100" dirty="0"/>
                     </a:p>
                   </a:txBody>
                   <a:tcPr/>
@@ -21146,7 +21659,6 @@
                         <a:rPr lang="en-US" sz="1100" dirty="0"/>
                         <a:t>IQR</a:t>
                       </a:r>
-                      <a:endParaRPr lang="en-US" sz="1100" dirty="0"/>
                     </a:p>
                   </a:txBody>
                   <a:tcPr/>
@@ -21165,6 +21677,11 @@
                   </a:txBody>
                   <a:tcPr/>
                 </a:tc>
+                <a:extLst>
+                  <a:ext uri="{0D108BD9-81ED-4DB2-BD59-A6C34878D82A}">
+                    <a16:rowId xmlns:a16="http://schemas.microsoft.com/office/drawing/2014/main" val="10001"/>
+                  </a:ext>
+                </a:extLst>
               </a:tr>
               <a:tr h="251459">
                 <a:tc>
@@ -21176,7 +21693,6 @@
                         <a:rPr lang="en-US" sz="1100" dirty="0"/>
                         <a:t>Univariante </a:t>
                       </a:r>
-                      <a:endParaRPr lang="en-US" sz="1100" dirty="0"/>
                     </a:p>
                   </a:txBody>
                   <a:tcPr/>
@@ -21208,7 +21724,6 @@
                         <a:rPr lang="en-US" sz="1100" dirty="0"/>
                         <a:t>Hampel</a:t>
                       </a:r>
-                      <a:endParaRPr lang="en-US" sz="1100" dirty="0"/>
                     </a:p>
                   </a:txBody>
                   <a:tcPr/>
@@ -21227,6 +21742,11 @@
                   </a:txBody>
                   <a:tcPr/>
                 </a:tc>
+                <a:extLst>
+                  <a:ext uri="{0D108BD9-81ED-4DB2-BD59-A6C34878D82A}">
+                    <a16:rowId xmlns:a16="http://schemas.microsoft.com/office/drawing/2014/main" val="10002"/>
+                  </a:ext>
+                </a:extLst>
               </a:tr>
               <a:tr h="251459">
                 <a:tc>
@@ -21238,7 +21758,6 @@
                         <a:rPr lang="en-US" sz="1100" dirty="0"/>
                         <a:t>Univariante </a:t>
                       </a:r>
-                      <a:endParaRPr lang="en-US" sz="1100" dirty="0"/>
                     </a:p>
                   </a:txBody>
                   <a:tcPr/>
@@ -21293,6 +21812,11 @@
                   </a:txBody>
                   <a:tcPr/>
                 </a:tc>
+                <a:extLst>
+                  <a:ext uri="{0D108BD9-81ED-4DB2-BD59-A6C34878D82A}">
+                    <a16:rowId xmlns:a16="http://schemas.microsoft.com/office/drawing/2014/main" val="10003"/>
+                  </a:ext>
+                </a:extLst>
               </a:tr>
               <a:tr h="306609">
                 <a:tc>
@@ -21304,7 +21828,6 @@
                         <a:rPr lang="en-US" sz="1100" dirty="0"/>
                         <a:t>Multivariante</a:t>
                       </a:r>
-                      <a:endParaRPr lang="en-US" sz="1100" dirty="0"/>
                     </a:p>
                   </a:txBody>
                   <a:tcPr/>
@@ -21318,7 +21841,6 @@
                         <a:rPr lang="en-US" sz="1100" dirty="0"/>
                         <a:t>Númericas</a:t>
                       </a:r>
-                      <a:endParaRPr lang="en-US" sz="1100" dirty="0"/>
                     </a:p>
                   </a:txBody>
                   <a:tcPr/>
@@ -21354,11 +21876,15 @@
                         <a:rPr lang="en-US" sz="1100" dirty="0"/>
                         <a:t>Gràficos </a:t>
                       </a:r>
-                      <a:endParaRPr lang="en-US" sz="1100" dirty="0"/>
                     </a:p>
                   </a:txBody>
                   <a:tcPr/>
                 </a:tc>
+                <a:extLst>
+                  <a:ext uri="{0D108BD9-81ED-4DB2-BD59-A6C34878D82A}">
+                    <a16:rowId xmlns:a16="http://schemas.microsoft.com/office/drawing/2014/main" val="10004"/>
+                  </a:ext>
+                </a:extLst>
               </a:tr>
             </a:tbl>
           </a:graphicData>
@@ -21404,7 +21930,6 @@
               <a:rPr lang="en-US" dirty="0"/>
               <a:t>Métodos</a:t>
             </a:r>
-            <a:endParaRPr lang="en-US" dirty="0"/>
           </a:p>
         </p:txBody>
       </p:sp>
@@ -21417,7 +21942,7 @@
           <p:nvPr/>
         </p:nvPicPr>
         <p:blipFill>
-          <a:blip r:embed="rId1"/>
+          <a:blip r:embed="rId3"/>
           <a:stretch>
             <a:fillRect/>
           </a:stretch>
@@ -21451,10 +21976,34 @@
                 <a:tableStyleId>{7FD54D1E-A07F-487E-B709-6B33F1453160}</a:tableStyleId>
               </a:tblPr>
               <a:tblGrid>
-                <a:gridCol w="2054794"/>
-                <a:gridCol w="2054794"/>
-                <a:gridCol w="2054794"/>
-                <a:gridCol w="2054794"/>
+                <a:gridCol w="2054794">
+                  <a:extLst>
+                    <a:ext uri="{9D8B030D-6E8A-4147-A177-3AD203B41FA5}">
+                      <a16:colId xmlns:a16="http://schemas.microsoft.com/office/drawing/2014/main" val="20000"/>
+                    </a:ext>
+                  </a:extLst>
+                </a:gridCol>
+                <a:gridCol w="2054794">
+                  <a:extLst>
+                    <a:ext uri="{9D8B030D-6E8A-4147-A177-3AD203B41FA5}">
+                      <a16:colId xmlns:a16="http://schemas.microsoft.com/office/drawing/2014/main" val="20001"/>
+                    </a:ext>
+                  </a:extLst>
+                </a:gridCol>
+                <a:gridCol w="2054794">
+                  <a:extLst>
+                    <a:ext uri="{9D8B030D-6E8A-4147-A177-3AD203B41FA5}">
+                      <a16:colId xmlns:a16="http://schemas.microsoft.com/office/drawing/2014/main" val="20002"/>
+                    </a:ext>
+                  </a:extLst>
+                </a:gridCol>
+                <a:gridCol w="2054794">
+                  <a:extLst>
+                    <a:ext uri="{9D8B030D-6E8A-4147-A177-3AD203B41FA5}">
+                      <a16:colId xmlns:a16="http://schemas.microsoft.com/office/drawing/2014/main" val="20003"/>
+                    </a:ext>
+                  </a:extLst>
+                </a:gridCol>
               </a:tblGrid>
               <a:tr h="305003">
                 <a:tc>
@@ -21466,7 +22015,6 @@
                         <a:rPr lang="en-US" dirty="0"/>
                         <a:t>Variable </a:t>
                       </a:r>
-                      <a:endParaRPr lang="en-US" dirty="0"/>
                     </a:p>
                   </a:txBody>
                   <a:tcPr/>
@@ -21480,7 +22028,6 @@
                         <a:rPr lang="en-US" dirty="0"/>
                         <a:t>Outliers detected</a:t>
                       </a:r>
-                      <a:endParaRPr lang="en-US" dirty="0"/>
                     </a:p>
                   </a:txBody>
                   <a:tcPr/>
@@ -21494,7 +22041,6 @@
                         <a:rPr lang="en-US" dirty="0"/>
                         <a:t>Ubicación</a:t>
                       </a:r>
-                      <a:endParaRPr lang="en-US" dirty="0"/>
                     </a:p>
                   </a:txBody>
                   <a:tcPr/>
@@ -21508,11 +22054,15 @@
                         <a:rPr lang="en-US" dirty="0"/>
                         <a:t>Características</a:t>
                       </a:r>
-                      <a:endParaRPr lang="en-US" dirty="0"/>
                     </a:p>
                   </a:txBody>
                   <a:tcPr/>
                 </a:tc>
+                <a:extLst>
+                  <a:ext uri="{0D108BD9-81ED-4DB2-BD59-A6C34878D82A}">
+                    <a16:rowId xmlns:a16="http://schemas.microsoft.com/office/drawing/2014/main" val="10000"/>
+                  </a:ext>
+                </a:extLst>
               </a:tr>
               <a:tr h="305003">
                 <a:tc>
@@ -21524,7 +22074,6 @@
                         <a:rPr lang="en-US" dirty="0"/>
                         <a:t>Age</a:t>
                       </a:r>
-                      <a:endParaRPr lang="en-US" dirty="0"/>
                     </a:p>
                   </a:txBody>
                   <a:tcPr/>
@@ -21548,7 +22097,6 @@
                         <a:rPr lang="en-US" dirty="0"/>
                         <a:t>Cola Derecha</a:t>
                       </a:r>
-                      <a:endParaRPr lang="en-US" dirty="0"/>
                     </a:p>
                   </a:txBody>
                   <a:tcPr/>
@@ -21575,6 +22123,11 @@
                   </a:txBody>
                   <a:tcPr/>
                 </a:tc>
+                <a:extLst>
+                  <a:ext uri="{0D108BD9-81ED-4DB2-BD59-A6C34878D82A}">
+                    <a16:rowId xmlns:a16="http://schemas.microsoft.com/office/drawing/2014/main" val="10001"/>
+                  </a:ext>
+                </a:extLst>
               </a:tr>
               <a:tr h="305003">
                 <a:tc>
@@ -21586,7 +22139,6 @@
                         <a:rPr lang="en-US" dirty="0"/>
                         <a:t>Estimated Salary</a:t>
                       </a:r>
-                      <a:endParaRPr lang="en-US" dirty="0"/>
                     </a:p>
                   </a:txBody>
                   <a:tcPr/>
@@ -21610,7 +22162,6 @@
                         <a:rPr lang="en-US" dirty="0"/>
                         <a:t>Cola Derecha</a:t>
                       </a:r>
-                      <a:endParaRPr lang="en-US" dirty="0"/>
                     </a:p>
                   </a:txBody>
                   <a:tcPr/>
@@ -21645,6 +22196,11 @@
                   </a:txBody>
                   <a:tcPr/>
                 </a:tc>
+                <a:extLst>
+                  <a:ext uri="{0D108BD9-81ED-4DB2-BD59-A6C34878D82A}">
+                    <a16:rowId xmlns:a16="http://schemas.microsoft.com/office/drawing/2014/main" val="10002"/>
+                  </a:ext>
+                </a:extLst>
               </a:tr>
               <a:tr h="305003">
                 <a:tc>
@@ -21656,7 +22212,6 @@
                         <a:rPr lang="en-US" dirty="0"/>
                         <a:t>Balance</a:t>
                       </a:r>
-                      <a:endParaRPr lang="en-US" dirty="0"/>
                     </a:p>
                   </a:txBody>
                   <a:tcPr/>
@@ -21680,7 +22235,6 @@
                         <a:rPr lang="en-US" dirty="0"/>
                         <a:t>Cola Derecha</a:t>
                       </a:r>
-                      <a:endParaRPr lang="en-US" dirty="0"/>
                     </a:p>
                   </a:txBody>
                   <a:tcPr/>
@@ -21703,6 +22257,11 @@
                   </a:txBody>
                   <a:tcPr/>
                 </a:tc>
+                <a:extLst>
+                  <a:ext uri="{0D108BD9-81ED-4DB2-BD59-A6C34878D82A}">
+                    <a16:rowId xmlns:a16="http://schemas.microsoft.com/office/drawing/2014/main" val="10003"/>
+                  </a:ext>
+                </a:extLst>
               </a:tr>
             </a:tbl>
           </a:graphicData>
@@ -21717,10 +22276,10 @@
           <p:nvPr/>
         </p:nvPicPr>
         <p:blipFill>
-          <a:blip r:embed="rId2">
+          <a:blip r:embed="rId4">
             <a:extLst>
               <a:ext uri="{96DAC541-7B7A-43D3-8B79-37D633B846F1}">
-                <asvg:svgBlip xmlns:asvg="http://schemas.microsoft.com/office/drawing/2016/SVG/main" r:embed="rId3"/>
+                <asvg:svgBlip xmlns:asvg="http://schemas.microsoft.com/office/drawing/2016/SVG/main" r:embed="rId5"/>
               </a:ext>
             </a:extLst>
           </a:blip>
@@ -21747,10 +22306,10 @@
           <p:nvPr/>
         </p:nvPicPr>
         <p:blipFill>
-          <a:blip r:embed="rId2">
+          <a:blip r:embed="rId4">
             <a:extLst>
               <a:ext uri="{96DAC541-7B7A-43D3-8B79-37D633B846F1}">
-                <asvg:svgBlip xmlns:asvg="http://schemas.microsoft.com/office/drawing/2016/SVG/main" r:embed="rId3"/>
+                <asvg:svgBlip xmlns:asvg="http://schemas.microsoft.com/office/drawing/2016/SVG/main" r:embed="rId5"/>
               </a:ext>
             </a:extLst>
           </a:blip>
@@ -21777,10 +22336,10 @@
           <p:nvPr/>
         </p:nvPicPr>
         <p:blipFill>
-          <a:blip r:embed="rId2">
+          <a:blip r:embed="rId4">
             <a:extLst>
               <a:ext uri="{96DAC541-7B7A-43D3-8B79-37D633B846F1}">
-                <asvg:svgBlip xmlns:asvg="http://schemas.microsoft.com/office/drawing/2016/SVG/main" r:embed="rId3"/>
+                <asvg:svgBlip xmlns:asvg="http://schemas.microsoft.com/office/drawing/2016/SVG/main" r:embed="rId5"/>
               </a:ext>
             </a:extLst>
           </a:blip>
@@ -21851,7 +22410,7 @@
             <a:pPr lvl="0"/>
             <a:r>
               <a:rPr lang="es-ES" sz="2400" dirty="0"/>
-              <a:t>Ingeniería de Variables ½: transformación</a:t>
+              <a:t>Ingeniería de variables 1/2: transformación</a:t>
             </a:r>
             <a:endParaRPr sz="2400" dirty="0"/>
           </a:p>
@@ -21865,8 +22424,8 @@
         </p:nvSpPr>
         <p:spPr>
           <a:xfrm>
-            <a:off x="349607" y="1114861"/>
-            <a:ext cx="3948057" cy="1600438"/>
+            <a:off x="320002" y="947012"/>
+            <a:ext cx="3948057" cy="307777"/>
           </a:xfrm>
           <a:prstGeom prst="rect">
             <a:avLst/>
@@ -21881,148 +22440,25 @@
           <a:p>
             <a:pPr algn="just"/>
             <a:r>
+              <a:rPr lang="es-ES" b="1" dirty="0"/>
+              <a:t> </a:t>
+            </a:r>
+            <a:r>
               <a:rPr lang="es-ES" b="1" dirty="0" err="1"/>
               <a:t>ComplaintsCount</a:t>
             </a:r>
-            <a:endParaRPr lang="es-ES" b="1" dirty="0"/>
-          </a:p>
-          <a:p>
-            <a:pPr lvl="0" eaLnBrk="0" fontAlgn="base" hangingPunct="0">
-              <a:spcBef>
-                <a:spcPct val="0"/>
-              </a:spcBef>
-              <a:spcAft>
-                <a:spcPct val="0"/>
-              </a:spcAft>
-              <a:buClrTx/>
-              <a:buFontTx/>
-              <a:buChar char="•"/>
-            </a:pPr>
-            <a:r>
-              <a:rPr lang="en-US" altLang="en-US" dirty="0">
-                <a:solidFill>
-                  <a:schemeClr val="tx1"/>
-                </a:solidFill>
-                <a:latin typeface="Arial" panose="020B0604020202020204" pitchFamily="34" charset="0"/>
-              </a:rPr>
-              <a:t>Se decidió </a:t>
-            </a:r>
-            <a:r>
-              <a:rPr lang="en-US" altLang="en-US" b="1" dirty="0">
-                <a:solidFill>
-                  <a:schemeClr val="tx1"/>
-                </a:solidFill>
-                <a:latin typeface="Arial" panose="020B0604020202020204" pitchFamily="34" charset="0"/>
-              </a:rPr>
-              <a:t>dummyficar la variable</a:t>
-            </a:r>
-            <a:endParaRPr lang="en-US" altLang="en-US" b="1" dirty="0">
-              <a:solidFill>
-                <a:schemeClr val="tx1"/>
-              </a:solidFill>
-              <a:latin typeface="Arial" panose="020B0604020202020204" pitchFamily="34" charset="0"/>
-            </a:endParaRPr>
-          </a:p>
-          <a:p>
-            <a:pPr lvl="0" eaLnBrk="0" fontAlgn="base" hangingPunct="0">
-              <a:spcBef>
-                <a:spcPct val="0"/>
-              </a:spcBef>
-              <a:spcAft>
-                <a:spcPct val="0"/>
-              </a:spcAft>
-              <a:buClrTx/>
-              <a:buFontTx/>
-              <a:buChar char="•"/>
-            </a:pPr>
-            <a:r>
-              <a:rPr lang="en-US" altLang="en-US" dirty="0">
-                <a:solidFill>
-                  <a:schemeClr val="tx1"/>
-                </a:solidFill>
-                <a:latin typeface="Arial" panose="020B0604020202020204" pitchFamily="34" charset="0"/>
-              </a:rPr>
-              <a:t>. La información se simplifica para indicar </a:t>
-            </a:r>
-            <a:endParaRPr lang="en-US" altLang="en-US" dirty="0">
-              <a:solidFill>
-                <a:schemeClr val="tx1"/>
-              </a:solidFill>
-              <a:latin typeface="Arial" panose="020B0604020202020204" pitchFamily="34" charset="0"/>
-            </a:endParaRPr>
-          </a:p>
-          <a:p>
-            <a:pPr lvl="0" eaLnBrk="0" fontAlgn="base" hangingPunct="0">
-              <a:spcBef>
-                <a:spcPct val="0"/>
-              </a:spcBef>
-              <a:spcAft>
-                <a:spcPct val="0"/>
-              </a:spcAft>
-              <a:buClrTx/>
-            </a:pPr>
-            <a:r>
-              <a:rPr lang="en-US" altLang="en-US" b="1" dirty="0">
-                <a:solidFill>
-                  <a:schemeClr val="tx1"/>
-                </a:solidFill>
-                <a:latin typeface="Arial" panose="020B0604020202020204" pitchFamily="34" charset="0"/>
-              </a:rPr>
-              <a:t>si el cliente ha emitido alguna queja o no</a:t>
-            </a:r>
-            <a:endParaRPr lang="en-US" altLang="en-US" b="1" dirty="0">
-              <a:solidFill>
-                <a:schemeClr val="tx1"/>
-              </a:solidFill>
-              <a:latin typeface="Arial" panose="020B0604020202020204" pitchFamily="34" charset="0"/>
-            </a:endParaRPr>
-          </a:p>
-          <a:p>
-            <a:pPr marL="285750" lvl="0" indent="-285750" eaLnBrk="0" fontAlgn="base" hangingPunct="0">
-              <a:spcBef>
-                <a:spcPct val="0"/>
-              </a:spcBef>
-              <a:spcAft>
-                <a:spcPct val="0"/>
-              </a:spcAft>
-              <a:buClrTx/>
-              <a:buFont typeface="Arial" panose="020B0604020202020204" pitchFamily="34" charset="0"/>
-              <a:buChar char="•"/>
-            </a:pPr>
-            <a:r>
-              <a:rPr lang="en-US" altLang="en-US" dirty="0">
-                <a:solidFill>
-                  <a:schemeClr val="tx1"/>
-                </a:solidFill>
-                <a:latin typeface="Arial" panose="020B0604020202020204" pitchFamily="34" charset="0"/>
-              </a:rPr>
-              <a:t>Variable: Númerica            Factor binario</a:t>
-            </a:r>
-            <a:endParaRPr lang="en-US" altLang="en-US" dirty="0">
-              <a:solidFill>
-                <a:schemeClr val="tx1"/>
-              </a:solidFill>
-              <a:latin typeface="Arial" panose="020B0604020202020204" pitchFamily="34" charset="0"/>
-            </a:endParaRPr>
-          </a:p>
-          <a:p>
-            <a:pPr lvl="0" eaLnBrk="0" fontAlgn="base" hangingPunct="0">
-              <a:spcBef>
-                <a:spcPct val="0"/>
-              </a:spcBef>
-              <a:spcAft>
-                <a:spcPct val="0"/>
-              </a:spcAft>
-              <a:buClrTx/>
-            </a:pPr>
-            <a:endParaRPr lang="es-ES" b="1" dirty="0"/>
-          </a:p>
-          <a:p>
-            <a:pPr marL="285750" indent="-285750" algn="just">
-              <a:buFont typeface="Arial" panose="020B0604020202020204" pitchFamily="34" charset="0"/>
-              <a:buChar char="•"/>
-            </a:pPr>
-            <a:endParaRPr lang="es-ES" b="1" dirty="0"/>
+            <a:r>
+              <a:rPr lang="es-ES" b="1" dirty="0"/>
+              <a:t> -&gt; </a:t>
+            </a:r>
+            <a:r>
+              <a:rPr lang="es-ES" b="1" dirty="0" err="1"/>
+              <a:t>Dummy</a:t>
+            </a:r>
+            <a:r>
+              <a:rPr lang="es-ES" b="1" dirty="0"/>
+              <a:t> binaria</a:t>
+            </a:r>
           </a:p>
         </p:txBody>
       </p:sp>
@@ -22035,15 +22471,15 @@
           <p:nvPr/>
         </p:nvPicPr>
         <p:blipFill>
-          <a:blip r:embed="rId1"/>
+          <a:blip r:embed="rId3"/>
           <a:stretch>
             <a:fillRect/>
           </a:stretch>
         </p:blipFill>
         <p:spPr>
           <a:xfrm>
-            <a:off x="164468" y="2467226"/>
-            <a:ext cx="1794612" cy="2110462"/>
+            <a:off x="230457" y="1254790"/>
+            <a:ext cx="1302102" cy="1531270"/>
           </a:xfrm>
           <a:prstGeom prst="rect">
             <a:avLst/>
@@ -22059,15 +22495,15 @@
           <p:nvPr/>
         </p:nvPicPr>
         <p:blipFill>
-          <a:blip r:embed="rId2"/>
+          <a:blip r:embed="rId4"/>
           <a:stretch>
             <a:fillRect/>
           </a:stretch>
         </p:blipFill>
         <p:spPr>
           <a:xfrm>
-            <a:off x="2615049" y="2364902"/>
-            <a:ext cx="1776956" cy="2315110"/>
+            <a:off x="2587701" y="1207348"/>
+            <a:ext cx="1234592" cy="1608490"/>
           </a:xfrm>
           <a:prstGeom prst="rect">
             <a:avLst/>
@@ -22082,7 +22518,7 @@
         </p:nvSpPr>
         <p:spPr>
           <a:xfrm>
-            <a:off x="2091624" y="3195186"/>
+            <a:off x="1767528" y="1824884"/>
             <a:ext cx="445766" cy="290456"/>
           </a:xfrm>
           <a:prstGeom prst="rightArrow">
@@ -22122,8 +22558,8 @@
         </p:nvSpPr>
         <p:spPr>
           <a:xfrm>
-            <a:off x="5030976" y="1086939"/>
-            <a:ext cx="3948057" cy="1169551"/>
+            <a:off x="139087" y="2924171"/>
+            <a:ext cx="3948057" cy="307777"/>
           </a:xfrm>
           <a:prstGeom prst="rect">
             <a:avLst/>
@@ -22141,56 +22577,10 @@
               <a:rPr lang="es-ES" b="1" dirty="0" err="1"/>
               <a:t>NumOfProducts</a:t>
             </a:r>
-            <a:endParaRPr lang="es-ES" b="1" dirty="0"/>
-          </a:p>
-          <a:p>
-            <a:pPr marL="285750" indent="-285750" algn="just">
-              <a:buFont typeface="Arial" panose="020B0604020202020204" pitchFamily="34" charset="0"/>
-              <a:buChar char="•"/>
-            </a:pPr>
-            <a:r>
-              <a:rPr lang="es-ES" dirty="0" err="1"/>
-              <a:t>Mayoria</a:t>
-            </a:r>
-            <a:r>
-              <a:rPr lang="es-ES" dirty="0"/>
-              <a:t> de clientes tienes </a:t>
-            </a:r>
             <a:r>
               <a:rPr lang="es-ES" b="1" dirty="0"/>
-              <a:t>1 | 2 productos </a:t>
-            </a:r>
-            <a:endParaRPr lang="es-ES" b="1" dirty="0"/>
-          </a:p>
-          <a:p>
-            <a:pPr marL="285750" indent="-285750" algn="just">
-              <a:buFont typeface="Arial" panose="020B0604020202020204" pitchFamily="34" charset="0"/>
-              <a:buChar char="•"/>
-            </a:pPr>
-            <a:r>
-              <a:rPr lang="es-ES" b="1" dirty="0" err="1"/>
-              <a:t>Minoria</a:t>
-            </a:r>
-            <a:r>
-              <a:rPr lang="es-ES" b="1" dirty="0"/>
-              <a:t>         </a:t>
-            </a:r>
-            <a:r>
-              <a:rPr lang="es-ES" dirty="0"/>
-              <a:t>3 o más productos</a:t>
-            </a:r>
-            <a:endParaRPr lang="es-ES" dirty="0"/>
-          </a:p>
-          <a:p>
-            <a:pPr marL="285750" indent="-285750" algn="just">
-              <a:buFont typeface="Arial" panose="020B0604020202020204" pitchFamily="34" charset="0"/>
-              <a:buChar char="•"/>
-            </a:pPr>
-            <a:r>
-              <a:rPr lang="es-ES" dirty="0"/>
-              <a:t>Categorización de la variable (1, 2, +3 productos)</a:t>
-            </a:r>
-            <a:endParaRPr lang="es-ES" dirty="0"/>
+              <a:t> -&gt; categórica con 3 niveles</a:t>
+            </a:r>
           </a:p>
         </p:txBody>
       </p:sp>
@@ -22241,15 +22631,15 @@
           <p:nvPr/>
         </p:nvPicPr>
         <p:blipFill>
-          <a:blip r:embed="rId3"/>
+          <a:blip r:embed="rId5"/>
           <a:stretch>
             <a:fillRect/>
           </a:stretch>
         </p:blipFill>
         <p:spPr>
           <a:xfrm>
-            <a:off x="7052376" y="2182859"/>
-            <a:ext cx="2022543" cy="2315110"/>
+            <a:off x="2387879" y="3208151"/>
+            <a:ext cx="1479323" cy="1693312"/>
           </a:xfrm>
           <a:prstGeom prst="rect">
             <a:avLst/>
@@ -22265,15 +22655,15 @@
           <p:nvPr/>
         </p:nvPicPr>
         <p:blipFill>
-          <a:blip r:embed="rId4"/>
+          <a:blip r:embed="rId6"/>
           <a:stretch>
             <a:fillRect/>
           </a:stretch>
         </p:blipFill>
         <p:spPr>
           <a:xfrm>
-            <a:off x="4799666" y="2256490"/>
-            <a:ext cx="1878076" cy="2280143"/>
+            <a:off x="201218" y="3231948"/>
+            <a:ext cx="1315866" cy="1597572"/>
           </a:xfrm>
           <a:prstGeom prst="rect">
             <a:avLst/>
@@ -22288,7 +22678,7 @@
         </p:nvSpPr>
         <p:spPr>
           <a:xfrm>
-            <a:off x="6604147" y="3232001"/>
+            <a:off x="1752053" y="3662116"/>
             <a:ext cx="400857" cy="290456"/>
           </a:xfrm>
           <a:prstGeom prst="rightArrow">
@@ -22353,39 +22743,49 @@
           </a:fontRef>
         </p:style>
       </p:cxnSp>
-      <p:cxnSp>
-        <p:nvCxnSpPr>
-          <p:cNvPr id="17" name="Straight Arrow Connector 16"/>
-          <p:cNvCxnSpPr/>
+      <p:sp>
+        <p:nvSpPr>
+          <p:cNvPr id="3" name="Rectangle 2">
+            <a:extLst>
+              <a:ext uri="{FF2B5EF4-FFF2-40B4-BE49-F238E27FC236}">
+                <a16:creationId xmlns:a16="http://schemas.microsoft.com/office/drawing/2014/main" id="{B19AB981-661B-416E-B940-B0ECE0502DE7}"/>
+              </a:ext>
+            </a:extLst>
+          </p:cNvPr>
+          <p:cNvSpPr/>
           <p:nvPr/>
-        </p:nvCxnSpPr>
+        </p:nvSpPr>
         <p:spPr>
           <a:xfrm>
-            <a:off x="6117579" y="1658867"/>
-            <a:ext cx="323681" cy="0"/>
+            <a:off x="5466748" y="1016976"/>
+            <a:ext cx="2478564" cy="307777"/>
           </a:xfrm>
-          <a:prstGeom prst="straightConnector1">
+          <a:prstGeom prst="rect">
             <a:avLst/>
           </a:prstGeom>
-          <a:ln>
-            <a:tailEnd type="triangle"/>
-          </a:ln>
         </p:spPr>
-        <p:style>
-          <a:lnRef idx="1">
-            <a:schemeClr val="accent1"/>
-          </a:lnRef>
-          <a:fillRef idx="0">
-            <a:schemeClr val="accent1"/>
-          </a:fillRef>
-          <a:effectRef idx="0">
-            <a:schemeClr val="accent1"/>
-          </a:effectRef>
-          <a:fontRef idx="minor">
-            <a:schemeClr val="tx1"/>
-          </a:fontRef>
-        </p:style>
-      </p:cxnSp>
+        <p:txBody>
+          <a:bodyPr wrap="none">
+            <a:spAutoFit/>
+          </a:bodyPr>
+          <a:lstStyle/>
+          <a:p>
+            <a:pPr algn="just"/>
+            <a:r>
+              <a:rPr lang="es-ES" b="1" dirty="0"/>
+              <a:t> Balance -&gt; </a:t>
+            </a:r>
+            <a:r>
+              <a:rPr lang="es-ES" b="1" dirty="0" err="1"/>
+              <a:t>Dummy</a:t>
+            </a:r>
+            <a:r>
+              <a:rPr lang="es-ES" b="1" dirty="0"/>
+              <a:t> binaria</a:t>
+            </a:r>
+          </a:p>
+        </p:txBody>
+      </p:sp>
     </p:spTree>
   </p:cSld>
   <p:clrMapOvr>
@@ -22481,7 +22881,6 @@
               <a:rPr lang="es-ES" sz="1200" dirty="0"/>
               <a:t>Variables numéricas: Test de mediana</a:t>
             </a:r>
-            <a:endParaRPr lang="es-ES" sz="1200" dirty="0"/>
           </a:p>
           <a:p>
             <a:pPr marL="171450" indent="-171450">
@@ -22492,7 +22891,6 @@
               <a:rPr lang="es-ES" sz="1200" dirty="0"/>
               <a:t>Variables categóricas: Test de Chi-cuadrado</a:t>
             </a:r>
-            <a:endParaRPr lang="es-ES" sz="1200" dirty="0"/>
           </a:p>
           <a:p>
             <a:endParaRPr lang="es-ES" sz="1200" dirty="0"/>
@@ -22502,7 +22900,6 @@
               <a:rPr lang="es-ES" sz="1200" dirty="0"/>
               <a:t>Las variables con un p-valor inferior a 0.05 han sido las siguientes:</a:t>
             </a:r>
-            <a:endParaRPr lang="es-ES" sz="1200" dirty="0"/>
           </a:p>
           <a:p>
             <a:endParaRPr lang="es-ES" sz="1200" dirty="0"/>
@@ -22518,7 +22915,7 @@
           <p:nvPr/>
         </p:nvPicPr>
         <p:blipFill>
-          <a:blip r:embed="rId1"/>
+          <a:blip r:embed="rId3"/>
           <a:stretch>
             <a:fillRect/>
           </a:stretch>
@@ -22610,7 +23007,6 @@
               <a:rPr lang="en-GB" sz="1200" dirty="0"/>
               <a:t> de NA.</a:t>
             </a:r>
-            <a:endParaRPr lang="en-GB" sz="1200" dirty="0"/>
           </a:p>
           <a:p>
             <a:pPr marL="171450" indent="-171450">
@@ -22696,7 +23092,6 @@
               <a:rPr lang="en-GB" sz="1200" b="1" dirty="0"/>
               <a:t>.</a:t>
             </a:r>
-            <a:endParaRPr lang="en-GB" sz="1200" b="1" dirty="0"/>
           </a:p>
         </p:txBody>
       </p:sp>
@@ -22886,7 +23281,6 @@
               <a:rPr lang="es-ES" b="1" dirty="0"/>
               <a:t>Sobre la preparación de los datos: </a:t>
             </a:r>
-            <a:endParaRPr lang="es-ES" b="1" dirty="0"/>
           </a:p>
           <a:p>
             <a:pPr marL="285750" indent="-285750">
@@ -22897,7 +23291,6 @@
               <a:rPr lang="es-ES" dirty="0"/>
               <a:t>Se categorizó las variables numéricas aplicando cortes lógicos ajustados a cada variable.</a:t>
             </a:r>
-            <a:endParaRPr lang="es-ES" dirty="0"/>
           </a:p>
           <a:p>
             <a:pPr marL="285750" indent="-285750">
@@ -22916,7 +23309,6 @@
               <a:rPr lang="es-ES" dirty="0"/>
               <a:t> en los datos test.</a:t>
             </a:r>
-            <a:endParaRPr lang="es-ES" dirty="0"/>
           </a:p>
           <a:p>
             <a:pPr marL="285750" indent="-285750">
@@ -22927,7 +23319,6 @@
               <a:rPr lang="es-ES" dirty="0"/>
               <a:t>La base de datos transaccional se compuso de 7000 filas y 73 ítems.</a:t>
             </a:r>
-            <a:endParaRPr lang="es-ES" dirty="0"/>
           </a:p>
           <a:p>
             <a:pPr marL="285750" indent="-285750">
@@ -22941,7 +23332,6 @@
               <a:rPr lang="es-ES" b="1" dirty="0"/>
               <a:t>Sobre la parametrización</a:t>
             </a:r>
-            <a:endParaRPr lang="es-ES" b="1" dirty="0"/>
           </a:p>
           <a:p>
             <a:r>
@@ -22980,7 +23370,6 @@
               <a:rPr lang="es-ES" dirty="0"/>
               <a:t>=0).</a:t>
             </a:r>
-            <a:endParaRPr lang="es-ES" dirty="0"/>
           </a:p>
           <a:p>
             <a:endParaRPr lang="es-ES" dirty="0"/>
@@ -23019,7 +23408,6 @@
               <a:rPr lang="es-ES" dirty="0"/>
               <a:t>, lo que significa que cuando se da la condición del antecedente, en el 60% de los casos se cumple el consecuente.</a:t>
             </a:r>
-            <a:endParaRPr lang="es-ES" dirty="0"/>
           </a:p>
         </p:txBody>
       </p:sp>
@@ -23196,6 +23584,7 @@
                 </a:spcAft>
                 <a:buNone/>
               </a:pPr>
+              <a:endParaRPr/>
             </a:p>
           </p:txBody>
         </p:sp>
@@ -23287,6 +23676,7 @@
                 </a:spcAft>
                 <a:buNone/>
               </a:pPr>
+              <a:endParaRPr/>
             </a:p>
           </p:txBody>
         </p:sp>
@@ -23383,6 +23773,7 @@
                 </a:spcAft>
                 <a:buNone/>
               </a:pPr>
+              <a:endParaRPr/>
             </a:p>
           </p:txBody>
         </p:sp>
@@ -23615,6 +24006,7 @@
                 </a:spcAft>
                 <a:buNone/>
               </a:pPr>
+              <a:endParaRPr/>
             </a:p>
           </p:txBody>
         </p:sp>
@@ -23628,7 +24020,7 @@
           <p:nvPr/>
         </p:nvPicPr>
         <p:blipFill>
-          <a:blip r:embed="rId1"/>
+          <a:blip r:embed="rId3"/>
           <a:stretch>
             <a:fillRect/>
           </a:stretch>
@@ -23776,7 +24168,7 @@
           <p:nvPr/>
         </p:nvPicPr>
         <p:blipFill>
-          <a:blip r:embed="rId2"/>
+          <a:blip r:embed="rId4"/>
           <a:stretch>
             <a:fillRect/>
           </a:stretch>
@@ -23831,7 +24223,6 @@
               <a:rPr lang="es-ES" sz="1100" dirty="0"/>
               <a:t>Diversas reglas refuerzan la tesis de que clientes de entre 18-35 años, con 2 productos y casados o con solvencia para pedir préstamos es prácticamente seguro que se quedarán en el banco</a:t>
             </a:r>
-            <a:endParaRPr lang="es-ES" sz="1100" dirty="0"/>
           </a:p>
         </p:txBody>
       </p:sp>
@@ -23874,7 +24265,6 @@
               <a:rPr lang="es-ES" sz="1100" dirty="0"/>
               <a:t> que si fueran independientes</a:t>
             </a:r>
-            <a:endParaRPr lang="es-ES" sz="1100" dirty="0"/>
           </a:p>
           <a:p>
             <a:pPr algn="just"/>
@@ -23886,7 +24276,6 @@
               <a:rPr lang="es-ES" sz="1100" dirty="0"/>
               <a:t>Preocupante segmento de edad 46-55 años en mujeres y nacionalidad alemana.</a:t>
             </a:r>
-            <a:endParaRPr lang="es-ES" sz="1100" dirty="0"/>
           </a:p>
           <a:p>
             <a:pPr algn="just"/>
@@ -23894,7 +24283,6 @@
               <a:rPr lang="es-ES" sz="1100" dirty="0"/>
               <a:t>Revisar las condiciones que ofrece el banco a clientes con 3 productos o más.</a:t>
             </a:r>
-            <a:endParaRPr lang="es-ES" sz="1100" dirty="0"/>
           </a:p>
         </p:txBody>
       </p:sp>
@@ -23940,6 +24328,7 @@
               </a:spcAft>
               <a:buNone/>
             </a:pPr>
+            <a:endParaRPr/>
           </a:p>
         </p:txBody>
       </p:sp>
@@ -24003,9 +24392,6 @@
               </a:rPr>
               <a:t>=1 (el cliente se va)</a:t>
             </a:r>
-            <a:endParaRPr lang="es-ES" dirty="0">
-              <a:latin typeface="Arial Rounded MT Bold" panose="020F0704030504030204" pitchFamily="34" charset="0"/>
-            </a:endParaRPr>
           </a:p>
         </p:txBody>
       </p:sp>
@@ -24060,11 +24446,6 @@
               </a:rPr>
               <a:t>Validación de la significancia</a:t>
             </a:r>
-            <a:endParaRPr lang="es-ES" sz="1200" b="1" i="1" u="sng" dirty="0">
-              <a:solidFill>
-                <a:schemeClr val="tx1"/>
-              </a:solidFill>
-            </a:endParaRPr>
           </a:p>
         </p:txBody>
       </p:sp>
@@ -24352,6 +24733,8 @@
       </a:bgFillStyleLst>
     </a:fmtScheme>
   </a:themeElements>
+  <a:objectDefaults/>
+  <a:extraClrSchemeLst/>
   <a:extLst>
     <a:ext uri="{05A4C25C-085E-4340-85A3-A5531E510DB2}">
       <thm15:themeFamily xmlns:thm15="http://schemas.microsoft.com/office/thememl/2012/main" name="Office Theme" id="{62F939B6-93AF-4DB8-9C6B-D6C7DFDC589F}" vid="{4A3C46E8-61CC-4603-A589-7422A47A8E4A}"/>
@@ -24636,6 +25019,8 @@
       </a:bgFillStyleLst>
     </a:fmtScheme>
   </a:themeElements>
+  <a:objectDefaults/>
+  <a:extraClrSchemeLst/>
   <a:extLst>
     <a:ext uri="{05A4C25C-085E-4340-85A3-A5531E510DB2}">
       <thm15:themeFamily xmlns:thm15="http://schemas.microsoft.com/office/thememl/2012/main" name="Office Theme" id="{62F939B6-93AF-4DB8-9C6B-D6C7DFDC589F}" vid="{4A3C46E8-61CC-4603-A589-7422A47A8E4A}"/>

--- a/Entrega_2/00.REPORTE/Reporte_Grupo5.pptx
+++ b/Entrega_2/00.REPORTE/Reporte_Grupo5.pptx
@@ -5,7 +5,7 @@
     <p:sldMasterId id="2147483648" r:id="rId1"/>
   </p:sldMasterIdLst>
   <p:notesMasterIdLst>
-    <p:notesMasterId r:id="rId20"/>
+    <p:notesMasterId r:id="rId21"/>
   </p:notesMasterIdLst>
   <p:sldIdLst>
     <p:sldId id="285" r:id="rId2"/>
@@ -23,32 +23,46 @@
     <p:sldId id="299" r:id="rId14"/>
     <p:sldId id="294" r:id="rId15"/>
     <p:sldId id="296" r:id="rId16"/>
-    <p:sldId id="295" r:id="rId17"/>
-    <p:sldId id="297" r:id="rId18"/>
-    <p:sldId id="298" r:id="rId19"/>
+    <p:sldId id="300" r:id="rId17"/>
+    <p:sldId id="295" r:id="rId18"/>
+    <p:sldId id="297" r:id="rId19"/>
+    <p:sldId id="298" r:id="rId20"/>
   </p:sldIdLst>
   <p:sldSz cx="9144000" cy="5143500" type="screen16x9"/>
   <p:notesSz cx="6858000" cy="9144000"/>
   <p:embeddedFontLst>
     <p:embeddedFont>
-      <p:font typeface="Arial Black" panose="020B0A04020102020204" pitchFamily="34" charset="0"/>
-      <p:bold r:id="rId21"/>
+      <p:font typeface="Arial Black" panose="020B0604020202020204" pitchFamily="34" charset="0"/>
+      <p:bold r:id="rId22"/>
     </p:embeddedFont>
     <p:embeddedFont>
-      <p:font typeface="Arial Rounded MT Bold" panose="020F0704030504030204" pitchFamily="34" charset="0"/>
-      <p:regular r:id="rId22"/>
-    </p:embeddedFont>
-    <p:embeddedFont>
-      <p:font typeface="Didact Gothic" panose="020B0604020202020204" charset="0"/>
+      <p:font typeface="Arial Rounded MT Bold" panose="020F0704030504030204" pitchFamily="34" charset="77"/>
       <p:regular r:id="rId23"/>
     </p:embeddedFont>
     <p:embeddedFont>
-      <p:font typeface="Poppins" panose="020B0604020202020204" charset="0"/>
+      <p:font typeface="Didact Gothic" pitchFamily="2" charset="0"/>
       <p:regular r:id="rId24"/>
     </p:embeddedFont>
     <p:embeddedFont>
-      <p:font typeface="Raleway" panose="020B0604020202020204" charset="0"/>
+      <p:font typeface="Libre Franklin" pitchFamily="2" charset="77"/>
       <p:regular r:id="rId25"/>
+      <p:bold r:id="rId26"/>
+      <p:italic r:id="rId27"/>
+      <p:boldItalic r:id="rId28"/>
+    </p:embeddedFont>
+    <p:embeddedFont>
+      <p:font typeface="Poppins" pitchFamily="2" charset="77"/>
+      <p:regular r:id="rId29"/>
+      <p:bold r:id="rId30"/>
+      <p:italic r:id="rId31"/>
+      <p:boldItalic r:id="rId32"/>
+    </p:embeddedFont>
+    <p:embeddedFont>
+      <p:font typeface="Raleway" pitchFamily="2" charset="77"/>
+      <p:regular r:id="rId33"/>
+      <p:bold r:id="rId34"/>
+      <p:italic r:id="rId35"/>
+      <p:boldItalic r:id="rId36"/>
     </p:embeddedFont>
   </p:embeddedFontLst>
   <p:defaultTextStyle>
@@ -4600,7 +4614,7 @@
       <dsp:spPr bwMode="white">
         <a:xfrm>
           <a:off x="0" y="0"/>
-          <a:ext cx="1617045" cy="572700"/>
+          <a:ext cx="1615465" cy="572700"/>
         </a:xfrm>
         <a:prstGeom prst="chevron">
           <a:avLst/>
@@ -4628,10 +4642,10 @@
       </dsp:spPr>
       <dsp:style>
         <a:lnRef idx="2">
-          <a:schemeClr val="lt1"/>
+          <a:scrgbClr r="0" g="0" b="0"/>
         </a:lnRef>
         <a:fillRef idx="1">
-          <a:schemeClr val="accent1"/>
+          <a:scrgbClr r="0" g="0" b="0"/>
         </a:fillRef>
         <a:effectRef idx="0">
           <a:scrgbClr r="0" g="0" b="0"/>
@@ -4641,12 +4655,12 @@
         </a:fontRef>
       </dsp:style>
       <dsp:txBody>
-        <a:bodyPr spcFirstLastPara="0" vert="horz" wrap="square" lIns="124015" tIns="41338" rIns="41338" bIns="41338" numCol="1" spcCol="1270" anchor="ctr" anchorCtr="0">
+        <a:bodyPr spcFirstLastPara="0" vert="horz" wrap="square" lIns="124016" tIns="41339" rIns="41339" bIns="41339" numCol="1" spcCol="1270" anchor="ctr" anchorCtr="0">
           <a:noAutofit/>
         </a:bodyPr>
         <a:lstStyle/>
         <a:p>
-          <a:pPr marL="0" lvl="0" indent="0" algn="ctr" defTabSz="1600200">
+          <a:pPr marL="0" lvl="0" indent="0" algn="ctr" defTabSz="1377950">
             <a:lnSpc>
               <a:spcPct val="90000"/>
             </a:lnSpc>
@@ -4659,15 +4673,15 @@
             <a:buNone/>
           </a:pPr>
           <a:r>
-            <a:rPr lang="es-ES" sz="3600" b="1" i="0" kern="1200" dirty="0"/>
+            <a:rPr lang="es-ES" sz="3100" b="1" i="0" kern="1200" dirty="0"/>
             <a:t>9NN</a:t>
           </a:r>
-          <a:endParaRPr lang="en-US" sz="3600" kern="1200" dirty="0"/>
+          <a:endParaRPr lang="en-US" sz="3100" kern="1200" dirty="0"/>
         </a:p>
       </dsp:txBody>
       <dsp:txXfrm>
-        <a:off x="0" y="0"/>
-        <a:ext cx="1617045" cy="572700"/>
+        <a:off x="286350" y="0"/>
+        <a:ext cx="1042765" cy="572700"/>
       </dsp:txXfrm>
     </dsp:sp>
   </dsp:spTree>
@@ -4689,8 +4703,8 @@
       </dsp:nvSpPr>
       <dsp:spPr bwMode="white">
         <a:xfrm>
-          <a:off x="789111" y="0"/>
-          <a:ext cx="1327175" cy="530870"/>
+          <a:off x="626215" y="327"/>
+          <a:ext cx="1822240" cy="530542"/>
         </a:xfrm>
         <a:prstGeom prst="chevron">
           <a:avLst/>
@@ -4718,10 +4732,10 @@
       </dsp:spPr>
       <dsp:style>
         <a:lnRef idx="2">
-          <a:schemeClr val="lt1"/>
+          <a:scrgbClr r="0" g="0" b="0"/>
         </a:lnRef>
         <a:fillRef idx="1">
-          <a:schemeClr val="accent1"/>
+          <a:scrgbClr r="0" g="0" b="0"/>
         </a:fillRef>
         <a:effectRef idx="0">
           <a:scrgbClr r="0" g="0" b="0"/>
@@ -4731,12 +4745,12 @@
         </a:fontRef>
       </dsp:style>
       <dsp:txBody>
-        <a:bodyPr spcFirstLastPara="0" vert="horz" wrap="square" lIns="20320" tIns="10160" rIns="0" bIns="10160" numCol="1" spcCol="1270" anchor="ctr" anchorCtr="0">
+        <a:bodyPr spcFirstLastPara="0" vert="horz" wrap="square" lIns="24130" tIns="12065" rIns="0" bIns="12065" numCol="1" spcCol="1270" anchor="ctr" anchorCtr="0">
           <a:noAutofit/>
         </a:bodyPr>
         <a:lstStyle/>
         <a:p>
-          <a:pPr marL="0" lvl="0" indent="0" algn="ctr" defTabSz="1600200">
+          <a:pPr marL="0" lvl="0" indent="0" algn="ctr" defTabSz="844550">
             <a:lnSpc>
               <a:spcPct val="90000"/>
             </a:lnSpc>
@@ -4749,19 +4763,19 @@
             <a:buNone/>
           </a:pPr>
           <a:r>
-            <a:rPr lang="es-ES" sz="3600" b="1" i="0" kern="1200" dirty="0" err="1"/>
+            <a:rPr lang="es-ES" sz="1900" b="1" i="0" kern="1200" dirty="0" err="1"/>
             <a:t>Naive</a:t>
           </a:r>
           <a:r>
-            <a:rPr lang="es-ES" sz="3600" b="1" i="0" kern="1200" dirty="0"/>
+            <a:rPr lang="es-ES" sz="1900" b="1" i="0" kern="1200" dirty="0"/>
             <a:t> Bayes</a:t>
           </a:r>
-          <a:endParaRPr lang="en-US" sz="3600" kern="1200" dirty="0"/>
+          <a:endParaRPr lang="en-US" sz="1900" kern="1200" dirty="0"/>
         </a:p>
       </dsp:txBody>
       <dsp:txXfrm>
-        <a:off x="789111" y="0"/>
-        <a:ext cx="1327175" cy="530870"/>
+        <a:off x="891486" y="327"/>
+        <a:ext cx="1291698" cy="530542"/>
       </dsp:txXfrm>
     </dsp:sp>
   </dsp:spTree>
@@ -9694,7 +9708,11 @@
               </a:spcAft>
               <a:buNone/>
             </a:pPr>
-            <a:endParaRPr/>
+            <a:r>
+              <a:rPr lang="es-ES" dirty="0"/>
+              <a:t>Comentar que no había duplicados</a:t>
+            </a:r>
+            <a:endParaRPr dirty="0"/>
           </a:p>
         </p:txBody>
       </p:sp>
@@ -18118,7 +18136,12 @@
             <p:ph type="title"/>
           </p:nvPr>
         </p:nvSpPr>
-        <p:spPr/>
+        <p:spPr>
+          <a:xfrm>
+            <a:off x="720000" y="508144"/>
+            <a:ext cx="7704000" cy="572700"/>
+          </a:xfrm>
+        </p:spPr>
         <p:txBody>
           <a:bodyPr/>
           <a:lstStyle/>
@@ -18141,10 +18164,16 @@
           <p:cNvGraphicFramePr>
             <a:graphicFrameLocks noGrp="1"/>
           </p:cNvGraphicFramePr>
-          <p:nvPr/>
+          <p:nvPr>
+            <p:extLst>
+              <p:ext uri="{D42A27DB-BD31-4B8C-83A1-F6EECF244321}">
+                <p14:modId xmlns:p14="http://schemas.microsoft.com/office/powerpoint/2010/main" val="3616029438"/>
+              </p:ext>
+            </p:extLst>
+          </p:nvPr>
         </p:nvGraphicFramePr>
         <p:xfrm>
-          <a:off x="720000" y="1590563"/>
+          <a:off x="369480" y="1499123"/>
           <a:ext cx="4427034" cy="2758440"/>
         </p:xfrm>
         <a:graphic>
@@ -18651,10 +18680,16 @@
           <p:cNvGraphicFramePr>
             <a:graphicFrameLocks noGrp="1"/>
           </p:cNvGraphicFramePr>
-          <p:nvPr/>
+          <p:nvPr>
+            <p:extLst>
+              <p:ext uri="{D42A27DB-BD31-4B8C-83A1-F6EECF244321}">
+                <p14:modId xmlns:p14="http://schemas.microsoft.com/office/powerpoint/2010/main" val="1333039329"/>
+              </p:ext>
+            </p:extLst>
+          </p:nvPr>
         </p:nvGraphicFramePr>
         <p:xfrm>
-          <a:off x="5293793" y="1590562"/>
+          <a:off x="5221678" y="1499119"/>
           <a:ext cx="3552842" cy="2758444"/>
         </p:xfrm>
         <a:graphic>
@@ -19043,7 +19078,7 @@
       </p:grpSpPr>
       <p:pic>
         <p:nvPicPr>
-          <p:cNvPr id="4" name="Imagen 3" descr="Diagrama"/>
+          <p:cNvPr id="10" name="Imagen 9" descr="Tabla&#10;&#10;El contenido generado por IA puede ser incorrecto."/>
           <p:cNvPicPr>
             <a:picLocks noChangeAspect="1"/>
           </p:cNvPicPr>
@@ -19057,17 +19092,95 @@
         </p:blipFill>
         <p:spPr>
           <a:xfrm>
-            <a:off x="0" y="745295"/>
-            <a:ext cx="7289822" cy="4103648"/>
+            <a:off x="746161" y="1673485"/>
+            <a:ext cx="2683327" cy="2732123"/>
           </a:xfrm>
           <a:prstGeom prst="rect">
             <a:avLst/>
           </a:prstGeom>
         </p:spPr>
       </p:pic>
+      <p:sp>
+        <p:nvSpPr>
+          <p:cNvPr id="2" name="TextBox 1">
+            <a:extLst>
+              <a:ext uri="{FF2B5EF4-FFF2-40B4-BE49-F238E27FC236}">
+                <a16:creationId xmlns:a16="http://schemas.microsoft.com/office/drawing/2014/main" id="{7B9C6DA5-3145-B0ED-C9C6-3EEBA06235C6}"/>
+              </a:ext>
+            </a:extLst>
+          </p:cNvPr>
+          <p:cNvSpPr txBox="1"/>
+          <p:nvPr/>
+        </p:nvSpPr>
+        <p:spPr>
+          <a:xfrm>
+            <a:off x="746161" y="798852"/>
+            <a:ext cx="2918460" cy="677108"/>
+          </a:xfrm>
+          <a:prstGeom prst="rect">
+            <a:avLst/>
+          </a:prstGeom>
+          <a:noFill/>
+        </p:spPr>
+        <p:txBody>
+          <a:bodyPr wrap="square" rtlCol="0">
+            <a:spAutoFit/>
+          </a:bodyPr>
+          <a:lstStyle/>
+          <a:p>
+            <a:r>
+              <a:rPr lang="en-ES" b="1" dirty="0"/>
+              <a:t>Las variables más importantes </a:t>
+            </a:r>
+          </a:p>
+          <a:p>
+            <a:pPr marL="285750" indent="-285750">
+              <a:buFont typeface="Arial" panose="020B0604020202020204" pitchFamily="34" charset="0"/>
+              <a:buChar char="•"/>
+            </a:pPr>
+            <a:r>
+              <a:rPr lang="en-GB" sz="1200" dirty="0" err="1"/>
+              <a:t>demográficas</a:t>
+            </a:r>
+            <a:r>
+              <a:rPr lang="en-GB" sz="1200" dirty="0"/>
+              <a:t>  </a:t>
+            </a:r>
+          </a:p>
+          <a:p>
+            <a:pPr marL="285750" indent="-285750">
+              <a:buFont typeface="Arial" panose="020B0604020202020204" pitchFamily="34" charset="0"/>
+              <a:buChar char="•"/>
+            </a:pPr>
+            <a:r>
+              <a:rPr lang="en-GB" sz="1200" dirty="0" err="1"/>
+              <a:t>relación</a:t>
+            </a:r>
+            <a:r>
+              <a:rPr lang="en-GB" sz="1200" dirty="0"/>
+              <a:t> con </a:t>
+            </a:r>
+            <a:r>
+              <a:rPr lang="en-GB" sz="1200" dirty="0" err="1"/>
+              <a:t>el</a:t>
+            </a:r>
+            <a:r>
+              <a:rPr lang="en-GB" sz="1200" dirty="0"/>
+              <a:t> banco</a:t>
+            </a:r>
+            <a:endParaRPr lang="en-ES" sz="1200" dirty="0"/>
+          </a:p>
+        </p:txBody>
+      </p:sp>
       <p:pic>
         <p:nvPicPr>
-          <p:cNvPr id="10" name="Imagen 9" descr="Tabla&#10;&#10;El contenido generado por IA puede ser incorrecto."/>
+          <p:cNvPr id="5" name="Picture 4" descr="A graph with red dots and blue lines&#10;&#10;AI-generated content may be incorrect.">
+            <a:extLst>
+              <a:ext uri="{FF2B5EF4-FFF2-40B4-BE49-F238E27FC236}">
+                <a16:creationId xmlns:a16="http://schemas.microsoft.com/office/drawing/2014/main" id="{DC1FC1D7-9B3C-12AD-0C86-48078DF9D2C4}"/>
+              </a:ext>
+            </a:extLst>
+          </p:cNvPr>
           <p:cNvPicPr>
             <a:picLocks noChangeAspect="1"/>
           </p:cNvPicPr>
@@ -19081,12 +19194,72 @@
         </p:blipFill>
         <p:spPr>
           <a:xfrm>
-            <a:off x="7078382" y="2152297"/>
-            <a:ext cx="2065618" cy="2103181"/>
+            <a:off x="4001770" y="1216660"/>
+            <a:ext cx="4691896" cy="3188948"/>
           </a:xfrm>
           <a:prstGeom prst="rect">
             <a:avLst/>
           </a:prstGeom>
+        </p:spPr>
+      </p:pic>
+      <p:pic>
+        <p:nvPicPr>
+          <p:cNvPr id="7" name="Picture 6" descr="A diagram of a family tree&#10;&#10;AI-generated content may be incorrect.">
+            <a:extLst>
+              <a:ext uri="{FF2B5EF4-FFF2-40B4-BE49-F238E27FC236}">
+                <a16:creationId xmlns:a16="http://schemas.microsoft.com/office/drawing/2014/main" id="{A3E3CB3F-4865-6CA8-52D6-66CA6A623D08}"/>
+              </a:ext>
+            </a:extLst>
+          </p:cNvPr>
+          <p:cNvPicPr>
+            <a:picLocks noChangeAspect="1"/>
+          </p:cNvPicPr>
+          <p:nvPr/>
+        </p:nvPicPr>
+        <p:blipFill>
+          <a:blip r:embed="rId4"/>
+          <a:stretch>
+            <a:fillRect/>
+          </a:stretch>
+        </p:blipFill>
+        <p:spPr>
+          <a:xfrm>
+            <a:off x="560263" y="363493"/>
+            <a:ext cx="8023474" cy="4559181"/>
+          </a:xfrm>
+          <a:prstGeom prst="rect">
+            <a:avLst/>
+          </a:prstGeom>
+          <a:solidFill>
+            <a:srgbClr val="FFFFFF">
+              <a:shade val="85000"/>
+            </a:srgbClr>
+          </a:solidFill>
+          <a:ln w="88900" cap="sq">
+            <a:solidFill>
+              <a:srgbClr val="FFFFFF"/>
+            </a:solidFill>
+            <a:miter lim="800000"/>
+          </a:ln>
+          <a:effectLst>
+            <a:outerShdw blurRad="55000" dist="18000" dir="5400000" algn="tl" rotWithShape="0">
+              <a:srgbClr val="000000">
+                <a:alpha val="40000"/>
+              </a:srgbClr>
+            </a:outerShdw>
+          </a:effectLst>
+          <a:scene3d>
+            <a:camera prst="orthographicFront"/>
+            <a:lightRig rig="twoPt" dir="t">
+              <a:rot lat="0" lon="0" rev="7200000"/>
+            </a:lightRig>
+          </a:scene3d>
+          <a:sp3d>
+            <a:bevelT w="25400" h="19050"/>
+            <a:contourClr>
+              <a:srgbClr val="FFFFFF"/>
+            </a:contourClr>
+          </a:sp3d>
         </p:spPr>
       </p:pic>
     </p:spTree>
@@ -19094,6 +19267,174 @@
   <p:clrMapOvr>
     <a:masterClrMapping/>
   </p:clrMapOvr>
+  <p:timing>
+    <p:tnLst>
+      <p:par>
+        <p:cTn id="1" dur="indefinite" restart="never" nodeType="tmRoot">
+          <p:childTnLst>
+            <p:seq concurrent="1" nextAc="seek">
+              <p:cTn id="2" dur="indefinite" nodeType="mainSeq">
+                <p:childTnLst>
+                  <p:par>
+                    <p:cTn id="3" fill="hold">
+                      <p:stCondLst>
+                        <p:cond delay="indefinite"/>
+                      </p:stCondLst>
+                      <p:childTnLst>
+                        <p:par>
+                          <p:cTn id="4" fill="hold">
+                            <p:stCondLst>
+                              <p:cond delay="0"/>
+                            </p:stCondLst>
+                            <p:childTnLst>
+                              <p:par>
+                                <p:cTn id="5" presetID="1" presetClass="exit" presetSubtype="0" fill="hold" grpId="0" nodeType="clickEffect">
+                                  <p:stCondLst>
+                                    <p:cond delay="0"/>
+                                  </p:stCondLst>
+                                  <p:childTnLst>
+                                    <p:set>
+                                      <p:cBhvr>
+                                        <p:cTn id="6" dur="1" fill="hold">
+                                          <p:stCondLst>
+                                            <p:cond delay="0"/>
+                                          </p:stCondLst>
+                                        </p:cTn>
+                                        <p:tgtEl>
+                                          <p:spTgt spid="2"/>
+                                        </p:tgtEl>
+                                        <p:attrNameLst>
+                                          <p:attrName>style.visibility</p:attrName>
+                                        </p:attrNameLst>
+                                      </p:cBhvr>
+                                      <p:to>
+                                        <p:strVal val="hidden"/>
+                                      </p:to>
+                                    </p:set>
+                                  </p:childTnLst>
+                                </p:cTn>
+                              </p:par>
+                            </p:childTnLst>
+                          </p:cTn>
+                        </p:par>
+                      </p:childTnLst>
+                    </p:cTn>
+                  </p:par>
+                  <p:par>
+                    <p:cTn id="7" fill="hold">
+                      <p:stCondLst>
+                        <p:cond delay="indefinite"/>
+                      </p:stCondLst>
+                      <p:childTnLst>
+                        <p:par>
+                          <p:cTn id="8" fill="hold">
+                            <p:stCondLst>
+                              <p:cond delay="0"/>
+                            </p:stCondLst>
+                            <p:childTnLst>
+                              <p:par>
+                                <p:cTn id="9" presetID="1" presetClass="exit" presetSubtype="0" fill="hold" nodeType="clickEffect">
+                                  <p:stCondLst>
+                                    <p:cond delay="0"/>
+                                  </p:stCondLst>
+                                  <p:childTnLst>
+                                    <p:set>
+                                      <p:cBhvr>
+                                        <p:cTn id="10" dur="1" fill="hold">
+                                          <p:stCondLst>
+                                            <p:cond delay="0"/>
+                                          </p:stCondLst>
+                                        </p:cTn>
+                                        <p:tgtEl>
+                                          <p:spTgt spid="10"/>
+                                        </p:tgtEl>
+                                        <p:attrNameLst>
+                                          <p:attrName>style.visibility</p:attrName>
+                                        </p:attrNameLst>
+                                      </p:cBhvr>
+                                      <p:to>
+                                        <p:strVal val="hidden"/>
+                                      </p:to>
+                                    </p:set>
+                                  </p:childTnLst>
+                                </p:cTn>
+                              </p:par>
+                            </p:childTnLst>
+                          </p:cTn>
+                        </p:par>
+                      </p:childTnLst>
+                    </p:cTn>
+                  </p:par>
+                  <p:par>
+                    <p:cTn id="11" fill="hold">
+                      <p:stCondLst>
+                        <p:cond delay="indefinite"/>
+                      </p:stCondLst>
+                      <p:childTnLst>
+                        <p:par>
+                          <p:cTn id="12" fill="hold">
+                            <p:stCondLst>
+                              <p:cond delay="0"/>
+                            </p:stCondLst>
+                            <p:childTnLst>
+                              <p:par>
+                                <p:cTn id="13" presetID="1" presetClass="entr" presetSubtype="0" fill="hold" nodeType="clickEffect">
+                                  <p:stCondLst>
+                                    <p:cond delay="0"/>
+                                  </p:stCondLst>
+                                  <p:childTnLst>
+                                    <p:set>
+                                      <p:cBhvr>
+                                        <p:cTn id="14" dur="1" fill="hold">
+                                          <p:stCondLst>
+                                            <p:cond delay="0"/>
+                                          </p:stCondLst>
+                                        </p:cTn>
+                                        <p:tgtEl>
+                                          <p:spTgt spid="7"/>
+                                        </p:tgtEl>
+                                        <p:attrNameLst>
+                                          <p:attrName>style.visibility</p:attrName>
+                                        </p:attrNameLst>
+                                      </p:cBhvr>
+                                      <p:to>
+                                        <p:strVal val="visible"/>
+                                      </p:to>
+                                    </p:set>
+                                  </p:childTnLst>
+                                </p:cTn>
+                              </p:par>
+                            </p:childTnLst>
+                          </p:cTn>
+                        </p:par>
+                      </p:childTnLst>
+                    </p:cTn>
+                  </p:par>
+                </p:childTnLst>
+              </p:cTn>
+              <p:prevCondLst>
+                <p:cond evt="onPrev" delay="0">
+                  <p:tgtEl>
+                    <p:sldTgt/>
+                  </p:tgtEl>
+                </p:cond>
+              </p:prevCondLst>
+              <p:nextCondLst>
+                <p:cond evt="onNext" delay="0">
+                  <p:tgtEl>
+                    <p:sldTgt/>
+                  </p:tgtEl>
+                </p:cond>
+              </p:nextCondLst>
+            </p:seq>
+          </p:childTnLst>
+        </p:cTn>
+      </p:par>
+    </p:tnLst>
+    <p:bldLst>
+      <p:bldP spid="2" grpId="0"/>
+    </p:bldLst>
+  </p:timing>
 </p:sld>
 </file>
 
@@ -19201,7 +19542,13 @@
   <p:cSld>
     <p:spTree>
       <p:nvGrpSpPr>
-        <p:cNvPr id="1" name=""/>
+        <p:cNvPr id="1" name="">
+          <a:extLst>
+            <a:ext uri="{FF2B5EF4-FFF2-40B4-BE49-F238E27FC236}">
+              <a16:creationId xmlns:a16="http://schemas.microsoft.com/office/drawing/2014/main" id="{3DE8223F-DC0A-7F09-D656-8C62A51F2329}"/>
+            </a:ext>
+          </a:extLst>
+        </p:cNvPr>
         <p:cNvGrpSpPr/>
         <p:nvPr/>
       </p:nvGrpSpPr>
@@ -19215,7 +19562,13 @@
       </p:grpSpPr>
       <p:sp>
         <p:nvSpPr>
-          <p:cNvPr id="2" name="Título 1"/>
+          <p:cNvPr id="2" name="Título 1">
+            <a:extLst>
+              <a:ext uri="{FF2B5EF4-FFF2-40B4-BE49-F238E27FC236}">
+                <a16:creationId xmlns:a16="http://schemas.microsoft.com/office/drawing/2014/main" id="{DDF9EDE1-D675-2BCD-9A9A-27D97C1F6889}"/>
+              </a:ext>
+            </a:extLst>
+          </p:cNvPr>
           <p:cNvSpPr>
             <a:spLocks noGrp="1"/>
           </p:cNvSpPr>
@@ -19225,7 +19578,7 @@
         </p:nvSpPr>
         <p:spPr>
           <a:xfrm>
-            <a:off x="720000" y="431777"/>
+            <a:off x="720000" y="508144"/>
             <a:ext cx="7704000" cy="572700"/>
           </a:xfrm>
         </p:spPr>
@@ -19234,12 +19587,941 @@
           <a:lstStyle/>
           <a:p>
             <a:r>
-              <a:rPr lang="es-ES" dirty="0"/>
+              <a:rPr lang="es-ES" noProof="0" dirty="0"/>
               <a:t>GLM</a:t>
             </a:r>
           </a:p>
         </p:txBody>
       </p:sp>
+      <p:graphicFrame>
+        <p:nvGraphicFramePr>
+          <p:cNvPr id="5" name="Tabla 4">
+            <a:extLst>
+              <a:ext uri="{FF2B5EF4-FFF2-40B4-BE49-F238E27FC236}">
+                <a16:creationId xmlns:a16="http://schemas.microsoft.com/office/drawing/2014/main" id="{CC3D65DF-32A4-E8C8-4876-F2BBAB77A87D}"/>
+              </a:ext>
+            </a:extLst>
+          </p:cNvPr>
+          <p:cNvGraphicFramePr>
+            <a:graphicFrameLocks noGrp="1"/>
+          </p:cNvGraphicFramePr>
+          <p:nvPr/>
+        </p:nvGraphicFramePr>
+        <p:xfrm>
+          <a:off x="369480" y="1499123"/>
+          <a:ext cx="4427034" cy="2758440"/>
+        </p:xfrm>
+        <a:graphic>
+          <a:graphicData uri="http://schemas.openxmlformats.org/drawingml/2006/table">
+            <a:tbl>
+              <a:tblPr firstRow="1" bandRow="1">
+                <a:tableStyleId>{69012ECD-51FC-41F1-AA8D-1B2483CD663E}</a:tableStyleId>
+              </a:tblPr>
+              <a:tblGrid>
+                <a:gridCol w="2213517">
+                  <a:extLst>
+                    <a:ext uri="{9D8B030D-6E8A-4147-A177-3AD203B41FA5}">
+                      <a16:colId xmlns:a16="http://schemas.microsoft.com/office/drawing/2014/main" val="20000"/>
+                    </a:ext>
+                  </a:extLst>
+                </a:gridCol>
+                <a:gridCol w="2213517">
+                  <a:extLst>
+                    <a:ext uri="{9D8B030D-6E8A-4147-A177-3AD203B41FA5}">
+                      <a16:colId xmlns:a16="http://schemas.microsoft.com/office/drawing/2014/main" val="20001"/>
+                    </a:ext>
+                  </a:extLst>
+                </a:gridCol>
+              </a:tblGrid>
+              <a:tr h="212904">
+                <a:tc>
+                  <a:txBody>
+                    <a:bodyPr/>
+                    <a:lstStyle/>
+                    <a:p>
+                      <a:r>
+                        <a:rPr lang="ca-ES" sz="1100" dirty="0"/>
+                        <a:t>Característica</a:t>
+                      </a:r>
+                    </a:p>
+                  </a:txBody>
+                  <a:tcPr/>
+                </a:tc>
+                <a:tc>
+                  <a:txBody>
+                    <a:bodyPr/>
+                    <a:lstStyle/>
+                    <a:p>
+                      <a:r>
+                        <a:rPr lang="ca-ES" sz="1100" dirty="0"/>
+                        <a:t>Valor</a:t>
+                      </a:r>
+                    </a:p>
+                  </a:txBody>
+                  <a:tcPr/>
+                </a:tc>
+                <a:extLst>
+                  <a:ext uri="{0D108BD9-81ED-4DB2-BD59-A6C34878D82A}">
+                    <a16:rowId xmlns:a16="http://schemas.microsoft.com/office/drawing/2014/main" val="10000"/>
+                  </a:ext>
+                </a:extLst>
+              </a:tr>
+              <a:tr h="212904">
+                <a:tc>
+                  <a:txBody>
+                    <a:bodyPr/>
+                    <a:lstStyle/>
+                    <a:p>
+                      <a:r>
+                        <a:rPr lang="ca-ES" sz="1100" dirty="0" err="1"/>
+                        <a:t>Balanceo</a:t>
+                      </a:r>
+                      <a:endParaRPr lang="ca-ES" sz="1100" dirty="0"/>
+                    </a:p>
+                  </a:txBody>
+                  <a:tcPr/>
+                </a:tc>
+                <a:tc>
+                  <a:txBody>
+                    <a:bodyPr/>
+                    <a:lstStyle/>
+                    <a:p>
+                      <a:r>
+                        <a:rPr lang="ca-ES" sz="1100" dirty="0"/>
+                        <a:t>Sí (ROSE: 43-57)</a:t>
+                      </a:r>
+                    </a:p>
+                  </a:txBody>
+                  <a:tcPr/>
+                </a:tc>
+                <a:extLst>
+                  <a:ext uri="{0D108BD9-81ED-4DB2-BD59-A6C34878D82A}">
+                    <a16:rowId xmlns:a16="http://schemas.microsoft.com/office/drawing/2014/main" val="10001"/>
+                  </a:ext>
+                </a:extLst>
+              </a:tr>
+              <a:tr h="212904">
+                <a:tc>
+                  <a:txBody>
+                    <a:bodyPr/>
+                    <a:lstStyle/>
+                    <a:p>
+                      <a:r>
+                        <a:rPr lang="ca-ES" sz="1100" dirty="0"/>
+                        <a:t>Umbral de </a:t>
+                      </a:r>
+                      <a:r>
+                        <a:rPr lang="ca-ES" sz="1100" dirty="0" err="1"/>
+                        <a:t>discriminación</a:t>
+                      </a:r>
+                      <a:endParaRPr lang="ca-ES" sz="1100" dirty="0"/>
+                    </a:p>
+                  </a:txBody>
+                  <a:tcPr/>
+                </a:tc>
+                <a:tc>
+                  <a:txBody>
+                    <a:bodyPr/>
+                    <a:lstStyle/>
+                    <a:p>
+                      <a:r>
+                        <a:rPr lang="ca-ES" sz="1100" dirty="0"/>
+                        <a:t>0.43</a:t>
+                      </a:r>
+                    </a:p>
+                  </a:txBody>
+                  <a:tcPr/>
+                </a:tc>
+                <a:extLst>
+                  <a:ext uri="{0D108BD9-81ED-4DB2-BD59-A6C34878D82A}">
+                    <a16:rowId xmlns:a16="http://schemas.microsoft.com/office/drawing/2014/main" val="10002"/>
+                  </a:ext>
+                </a:extLst>
+              </a:tr>
+              <a:tr h="212904">
+                <a:tc>
+                  <a:txBody>
+                    <a:bodyPr/>
+                    <a:lstStyle/>
+                    <a:p>
+                      <a:r>
+                        <a:rPr lang="ca-ES" sz="1100" dirty="0" err="1"/>
+                        <a:t>Escalado</a:t>
+                      </a:r>
+                      <a:r>
+                        <a:rPr lang="ca-ES" sz="1100" dirty="0"/>
+                        <a:t> de </a:t>
+                      </a:r>
+                      <a:r>
+                        <a:rPr lang="ca-ES" sz="1100" dirty="0" err="1"/>
+                        <a:t>numéricas</a:t>
+                      </a:r>
+                      <a:endParaRPr lang="ca-ES" sz="1100" dirty="0"/>
+                    </a:p>
+                  </a:txBody>
+                  <a:tcPr/>
+                </a:tc>
+                <a:tc>
+                  <a:txBody>
+                    <a:bodyPr/>
+                    <a:lstStyle/>
+                    <a:p>
+                      <a:r>
+                        <a:rPr lang="ca-ES" sz="1100" dirty="0"/>
+                        <a:t>Sí</a:t>
+                      </a:r>
+                    </a:p>
+                  </a:txBody>
+                  <a:tcPr/>
+                </a:tc>
+                <a:extLst>
+                  <a:ext uri="{0D108BD9-81ED-4DB2-BD59-A6C34878D82A}">
+                    <a16:rowId xmlns:a16="http://schemas.microsoft.com/office/drawing/2014/main" val="10003"/>
+                  </a:ext>
+                </a:extLst>
+              </a:tr>
+              <a:tr h="212904">
+                <a:tc>
+                  <a:txBody>
+                    <a:bodyPr/>
+                    <a:lstStyle/>
+                    <a:p>
+                      <a:r>
+                        <a:rPr lang="ca-ES" sz="1100" dirty="0"/>
+                        <a:t>Cross </a:t>
+                      </a:r>
+                      <a:r>
+                        <a:rPr lang="ca-ES" sz="1100" dirty="0" err="1"/>
+                        <a:t>Validation</a:t>
+                      </a:r>
+                      <a:endParaRPr lang="ca-ES" sz="1100" dirty="0"/>
+                    </a:p>
+                  </a:txBody>
+                  <a:tcPr/>
+                </a:tc>
+                <a:tc>
+                  <a:txBody>
+                    <a:bodyPr/>
+                    <a:lstStyle/>
+                    <a:p>
+                      <a:r>
+                        <a:rPr lang="ca-ES" sz="1100" dirty="0"/>
+                        <a:t>Sí (10 </a:t>
+                      </a:r>
+                      <a:r>
+                        <a:rPr lang="ca-ES" sz="1100" dirty="0" err="1"/>
+                        <a:t>folds</a:t>
+                      </a:r>
+                      <a:r>
+                        <a:rPr lang="ca-ES" sz="1100" dirty="0"/>
+                        <a:t>)</a:t>
+                      </a:r>
+                    </a:p>
+                  </a:txBody>
+                  <a:tcPr/>
+                </a:tc>
+                <a:extLst>
+                  <a:ext uri="{0D108BD9-81ED-4DB2-BD59-A6C34878D82A}">
+                    <a16:rowId xmlns:a16="http://schemas.microsoft.com/office/drawing/2014/main" val="10004"/>
+                  </a:ext>
+                </a:extLst>
+              </a:tr>
+              <a:tr h="212904">
+                <a:tc>
+                  <a:txBody>
+                    <a:bodyPr/>
+                    <a:lstStyle/>
+                    <a:p>
+                      <a:r>
+                        <a:rPr lang="ca-ES" sz="1100" dirty="0" err="1"/>
+                        <a:t>Criterio</a:t>
+                      </a:r>
+                      <a:r>
+                        <a:rPr lang="ca-ES" sz="1100" dirty="0"/>
+                        <a:t> para dividir </a:t>
+                      </a:r>
+                      <a:r>
+                        <a:rPr lang="ca-ES" sz="1100" dirty="0" err="1"/>
+                        <a:t>nodos</a:t>
+                      </a:r>
+                      <a:endParaRPr lang="ca-ES" sz="1100" dirty="0"/>
+                    </a:p>
+                  </a:txBody>
+                  <a:tcPr/>
+                </a:tc>
+                <a:tc>
+                  <a:txBody>
+                    <a:bodyPr/>
+                    <a:lstStyle/>
+                    <a:p>
+                      <a:r>
+                        <a:rPr lang="ca-ES" sz="1100" dirty="0" err="1"/>
+                        <a:t>Índice</a:t>
+                      </a:r>
+                      <a:r>
+                        <a:rPr lang="ca-ES" sz="1100" dirty="0"/>
+                        <a:t> de </a:t>
+                      </a:r>
+                      <a:r>
+                        <a:rPr lang="ca-ES" sz="1100" dirty="0" err="1"/>
+                        <a:t>Gini</a:t>
+                      </a:r>
+                      <a:endParaRPr lang="ca-ES" sz="1100" dirty="0"/>
+                    </a:p>
+                  </a:txBody>
+                  <a:tcPr/>
+                </a:tc>
+                <a:extLst>
+                  <a:ext uri="{0D108BD9-81ED-4DB2-BD59-A6C34878D82A}">
+                    <a16:rowId xmlns:a16="http://schemas.microsoft.com/office/drawing/2014/main" val="10005"/>
+                  </a:ext>
+                </a:extLst>
+              </a:tr>
+              <a:tr h="361936">
+                <a:tc>
+                  <a:txBody>
+                    <a:bodyPr/>
+                    <a:lstStyle/>
+                    <a:p>
+                      <a:r>
+                        <a:rPr lang="ca-ES" sz="1100" dirty="0" err="1"/>
+                        <a:t>Parámetro</a:t>
+                      </a:r>
+                      <a:r>
+                        <a:rPr lang="ca-ES" sz="1100" dirty="0"/>
+                        <a:t> de </a:t>
+                      </a:r>
+                      <a:r>
+                        <a:rPr lang="ca-ES" sz="1100" dirty="0" err="1"/>
+                        <a:t>complejidad</a:t>
+                      </a:r>
+                      <a:r>
+                        <a:rPr lang="ca-ES" sz="1100" dirty="0"/>
+                        <a:t> </a:t>
+                      </a:r>
+                      <a:r>
+                        <a:rPr lang="ca-ES" sz="1100" dirty="0" err="1"/>
+                        <a:t>Cp</a:t>
+                      </a:r>
+                      <a:endParaRPr lang="ca-ES" sz="1100" dirty="0"/>
+                    </a:p>
+                  </a:txBody>
+                  <a:tcPr/>
+                </a:tc>
+                <a:tc>
+                  <a:txBody>
+                    <a:bodyPr/>
+                    <a:lstStyle/>
+                    <a:p>
+                      <a:r>
+                        <a:rPr lang="ca-ES" sz="1100" dirty="0" err="1"/>
+                        <a:t>Optimizado</a:t>
+                      </a:r>
+                      <a:r>
+                        <a:rPr lang="ca-ES" sz="1100" dirty="0"/>
+                        <a:t> </a:t>
+                      </a:r>
+                      <a:r>
+                        <a:rPr lang="ca-ES" sz="1100" dirty="0" err="1"/>
+                        <a:t>vía</a:t>
+                      </a:r>
+                      <a:r>
+                        <a:rPr lang="ca-ES" sz="1100" dirty="0"/>
+                        <a:t> CV=&gt; </a:t>
+                      </a:r>
+                      <a:r>
+                        <a:rPr lang="es-ES" sz="1100" dirty="0"/>
+                        <a:t>0.004039924</a:t>
+                      </a:r>
+                      <a:endParaRPr lang="ca-ES" sz="1100" dirty="0"/>
+                    </a:p>
+                  </a:txBody>
+                  <a:tcPr/>
+                </a:tc>
+                <a:extLst>
+                  <a:ext uri="{0D108BD9-81ED-4DB2-BD59-A6C34878D82A}">
+                    <a16:rowId xmlns:a16="http://schemas.microsoft.com/office/drawing/2014/main" val="10006"/>
+                  </a:ext>
+                </a:extLst>
+              </a:tr>
+              <a:tr h="212904">
+                <a:tc>
+                  <a:txBody>
+                    <a:bodyPr/>
+                    <a:lstStyle/>
+                    <a:p>
+                      <a:r>
+                        <a:rPr lang="ca-ES" sz="1100" dirty="0"/>
+                        <a:t>Número total de </a:t>
+                      </a:r>
+                      <a:r>
+                        <a:rPr lang="ca-ES" sz="1100" dirty="0" err="1"/>
+                        <a:t>nodos</a:t>
+                      </a:r>
+                      <a:endParaRPr lang="ca-ES" sz="1100" dirty="0"/>
+                    </a:p>
+                  </a:txBody>
+                  <a:tcPr/>
+                </a:tc>
+                <a:tc>
+                  <a:txBody>
+                    <a:bodyPr/>
+                    <a:lstStyle/>
+                    <a:p>
+                      <a:r>
+                        <a:rPr lang="ca-ES" sz="1100" dirty="0"/>
+                        <a:t>27</a:t>
+                      </a:r>
+                    </a:p>
+                  </a:txBody>
+                  <a:tcPr/>
+                </a:tc>
+                <a:extLst>
+                  <a:ext uri="{0D108BD9-81ED-4DB2-BD59-A6C34878D82A}">
+                    <a16:rowId xmlns:a16="http://schemas.microsoft.com/office/drawing/2014/main" val="10007"/>
+                  </a:ext>
+                </a:extLst>
+              </a:tr>
+              <a:tr h="212904">
+                <a:tc>
+                  <a:txBody>
+                    <a:bodyPr/>
+                    <a:lstStyle/>
+                    <a:p>
+                      <a:r>
+                        <a:rPr lang="ca-ES" sz="1100" dirty="0"/>
+                        <a:t>Número de </a:t>
+                      </a:r>
+                      <a:r>
+                        <a:rPr lang="ca-ES" sz="1100" dirty="0" err="1"/>
+                        <a:t>hojas</a:t>
+                      </a:r>
+                      <a:endParaRPr lang="ca-ES" sz="1100" dirty="0"/>
+                    </a:p>
+                  </a:txBody>
+                  <a:tcPr/>
+                </a:tc>
+                <a:tc>
+                  <a:txBody>
+                    <a:bodyPr/>
+                    <a:lstStyle/>
+                    <a:p>
+                      <a:r>
+                        <a:rPr lang="ca-ES" sz="1100" dirty="0"/>
+                        <a:t>14</a:t>
+                      </a:r>
+                    </a:p>
+                  </a:txBody>
+                  <a:tcPr/>
+                </a:tc>
+                <a:extLst>
+                  <a:ext uri="{0D108BD9-81ED-4DB2-BD59-A6C34878D82A}">
+                    <a16:rowId xmlns:a16="http://schemas.microsoft.com/office/drawing/2014/main" val="10008"/>
+                  </a:ext>
+                </a:extLst>
+              </a:tr>
+              <a:tr h="212904">
+                <a:tc>
+                  <a:txBody>
+                    <a:bodyPr/>
+                    <a:lstStyle/>
+                    <a:p>
+                      <a:r>
+                        <a:rPr lang="ca-ES" sz="1100" dirty="0" err="1"/>
+                        <a:t>Tamáño</a:t>
+                      </a:r>
+                      <a:r>
+                        <a:rPr lang="ca-ES" sz="1100" dirty="0"/>
+                        <a:t> </a:t>
+                      </a:r>
+                      <a:r>
+                        <a:rPr lang="ca-ES" sz="1100" dirty="0" err="1"/>
+                        <a:t>mínimo</a:t>
+                      </a:r>
+                      <a:r>
+                        <a:rPr lang="ca-ES" sz="1100" dirty="0"/>
+                        <a:t> de </a:t>
+                      </a:r>
+                      <a:r>
+                        <a:rPr lang="ca-ES" sz="1100" dirty="0" err="1"/>
+                        <a:t>hoja</a:t>
+                      </a:r>
+                      <a:endParaRPr lang="ca-ES" sz="1100" dirty="0"/>
+                    </a:p>
+                  </a:txBody>
+                  <a:tcPr/>
+                </a:tc>
+                <a:tc>
+                  <a:txBody>
+                    <a:bodyPr/>
+                    <a:lstStyle/>
+                    <a:p>
+                      <a:r>
+                        <a:rPr lang="ca-ES" sz="1100" dirty="0"/>
+                        <a:t>15</a:t>
+                      </a:r>
+                    </a:p>
+                  </a:txBody>
+                  <a:tcPr/>
+                </a:tc>
+                <a:extLst>
+                  <a:ext uri="{0D108BD9-81ED-4DB2-BD59-A6C34878D82A}">
+                    <a16:rowId xmlns:a16="http://schemas.microsoft.com/office/drawing/2014/main" val="10009"/>
+                  </a:ext>
+                </a:extLst>
+              </a:tr>
+            </a:tbl>
+          </a:graphicData>
+        </a:graphic>
+      </p:graphicFrame>
+      <p:sp>
+        <p:nvSpPr>
+          <p:cNvPr id="6" name="AutoShape 2">
+            <a:extLst>
+              <a:ext uri="{FF2B5EF4-FFF2-40B4-BE49-F238E27FC236}">
+                <a16:creationId xmlns:a16="http://schemas.microsoft.com/office/drawing/2014/main" id="{9C10D6D8-36E3-BD23-3379-2C50A976A5C4}"/>
+              </a:ext>
+            </a:extLst>
+          </p:cNvPr>
+          <p:cNvSpPr>
+            <a:spLocks noChangeAspect="1" noChangeArrowheads="1"/>
+          </p:cNvSpPr>
+          <p:nvPr/>
+        </p:nvSpPr>
+        <p:spPr bwMode="auto">
+          <a:xfrm>
+            <a:off x="4419600" y="2419350"/>
+            <a:ext cx="304800" cy="304800"/>
+          </a:xfrm>
+          <a:prstGeom prst="rect">
+            <a:avLst/>
+          </a:prstGeom>
+          <a:noFill/>
+          <a:extLst>
+            <a:ext uri="{909E8E84-426E-40DD-AFC4-6F175D3DCCD1}">
+              <a14:hiddenFill xmlns:a14="http://schemas.microsoft.com/office/drawing/2010/main">
+                <a:solidFill>
+                  <a:srgbClr val="FFFFFF"/>
+                </a:solidFill>
+              </a14:hiddenFill>
+            </a:ext>
+          </a:extLst>
+        </p:spPr>
+        <p:txBody>
+          <a:bodyPr vert="horz" wrap="square" lIns="91440" tIns="45720" rIns="91440" bIns="45720" numCol="1" anchor="t" anchorCtr="0" compatLnSpc="1"/>
+          <a:lstStyle/>
+          <a:p>
+            <a:endParaRPr lang="ca-ES"/>
+          </a:p>
+        </p:txBody>
+      </p:sp>
+      <p:graphicFrame>
+        <p:nvGraphicFramePr>
+          <p:cNvPr id="7" name="Tabla 6">
+            <a:extLst>
+              <a:ext uri="{FF2B5EF4-FFF2-40B4-BE49-F238E27FC236}">
+                <a16:creationId xmlns:a16="http://schemas.microsoft.com/office/drawing/2014/main" id="{B0F3E520-D0E8-57E8-92EE-03E667D854C6}"/>
+              </a:ext>
+            </a:extLst>
+          </p:cNvPr>
+          <p:cNvGraphicFramePr>
+            <a:graphicFrameLocks noGrp="1"/>
+          </p:cNvGraphicFramePr>
+          <p:nvPr/>
+        </p:nvGraphicFramePr>
+        <p:xfrm>
+          <a:off x="5221678" y="1499119"/>
+          <a:ext cx="3552842" cy="2758444"/>
+        </p:xfrm>
+        <a:graphic>
+          <a:graphicData uri="http://schemas.openxmlformats.org/drawingml/2006/table">
+            <a:tbl>
+              <a:tblPr firstRow="1" bandRow="1">
+                <a:tableStyleId>{69012ECD-51FC-41F1-AA8D-1B2483CD663E}</a:tableStyleId>
+              </a:tblPr>
+              <a:tblGrid>
+                <a:gridCol w="1776421">
+                  <a:extLst>
+                    <a:ext uri="{9D8B030D-6E8A-4147-A177-3AD203B41FA5}">
+                      <a16:colId xmlns:a16="http://schemas.microsoft.com/office/drawing/2014/main" val="20000"/>
+                    </a:ext>
+                  </a:extLst>
+                </a:gridCol>
+                <a:gridCol w="1776421">
+                  <a:extLst>
+                    <a:ext uri="{9D8B030D-6E8A-4147-A177-3AD203B41FA5}">
+                      <a16:colId xmlns:a16="http://schemas.microsoft.com/office/drawing/2014/main" val="20001"/>
+                    </a:ext>
+                  </a:extLst>
+                </a:gridCol>
+              </a:tblGrid>
+              <a:tr h="293545">
+                <a:tc>
+                  <a:txBody>
+                    <a:bodyPr/>
+                    <a:lstStyle/>
+                    <a:p>
+                      <a:r>
+                        <a:rPr lang="ca-ES" sz="1100" dirty="0"/>
+                        <a:t>KPI</a:t>
+                      </a:r>
+                    </a:p>
+                  </a:txBody>
+                  <a:tcPr/>
+                </a:tc>
+                <a:tc>
+                  <a:txBody>
+                    <a:bodyPr/>
+                    <a:lstStyle/>
+                    <a:p>
+                      <a:r>
+                        <a:rPr lang="ca-ES" sz="1100" dirty="0"/>
+                        <a:t>Valor</a:t>
+                      </a:r>
+                    </a:p>
+                  </a:txBody>
+                  <a:tcPr/>
+                </a:tc>
+                <a:extLst>
+                  <a:ext uri="{0D108BD9-81ED-4DB2-BD59-A6C34878D82A}">
+                    <a16:rowId xmlns:a16="http://schemas.microsoft.com/office/drawing/2014/main" val="10000"/>
+                  </a:ext>
+                </a:extLst>
+              </a:tr>
+              <a:tr h="293545">
+                <a:tc>
+                  <a:txBody>
+                    <a:bodyPr/>
+                    <a:lstStyle/>
+                    <a:p>
+                      <a:r>
+                        <a:rPr lang="ca-ES" sz="1100" dirty="0"/>
+                        <a:t>F1 </a:t>
+                      </a:r>
+                      <a:r>
+                        <a:rPr lang="ca-ES" sz="1100" dirty="0" err="1"/>
+                        <a:t>train</a:t>
+                      </a:r>
+                      <a:endParaRPr lang="ca-ES" sz="1100" dirty="0"/>
+                    </a:p>
+                  </a:txBody>
+                  <a:tcPr/>
+                </a:tc>
+                <a:tc>
+                  <a:txBody>
+                    <a:bodyPr/>
+                    <a:lstStyle/>
+                    <a:p>
+                      <a:r>
+                        <a:rPr lang="ca-ES" sz="1100" dirty="0"/>
+                        <a:t>0.4870878</a:t>
+                      </a:r>
+                    </a:p>
+                  </a:txBody>
+                  <a:tcPr/>
+                </a:tc>
+                <a:extLst>
+                  <a:ext uri="{0D108BD9-81ED-4DB2-BD59-A6C34878D82A}">
+                    <a16:rowId xmlns:a16="http://schemas.microsoft.com/office/drawing/2014/main" val="10001"/>
+                  </a:ext>
+                </a:extLst>
+              </a:tr>
+              <a:tr h="293545">
+                <a:tc>
+                  <a:txBody>
+                    <a:bodyPr/>
+                    <a:lstStyle/>
+                    <a:p>
+                      <a:r>
+                        <a:rPr lang="ca-ES" sz="1100" dirty="0"/>
+                        <a:t>F1 test</a:t>
+                      </a:r>
+                    </a:p>
+                  </a:txBody>
+                  <a:tcPr/>
+                </a:tc>
+                <a:tc>
+                  <a:txBody>
+                    <a:bodyPr/>
+                    <a:lstStyle/>
+                    <a:p>
+                      <a:r>
+                        <a:rPr lang="ca-ES" sz="1100" dirty="0"/>
+                        <a:t>0.4990826</a:t>
+                      </a:r>
+                    </a:p>
+                  </a:txBody>
+                  <a:tcPr/>
+                </a:tc>
+                <a:extLst>
+                  <a:ext uri="{0D108BD9-81ED-4DB2-BD59-A6C34878D82A}">
+                    <a16:rowId xmlns:a16="http://schemas.microsoft.com/office/drawing/2014/main" val="10002"/>
+                  </a:ext>
+                </a:extLst>
+              </a:tr>
+              <a:tr h="293545">
+                <a:tc>
+                  <a:txBody>
+                    <a:bodyPr/>
+                    <a:lstStyle/>
+                    <a:p>
+                      <a:r>
+                        <a:rPr lang="ca-ES" sz="1100" dirty="0" err="1"/>
+                        <a:t>Recall</a:t>
+                      </a:r>
+                      <a:r>
+                        <a:rPr lang="ca-ES" sz="1100" dirty="0"/>
+                        <a:t> </a:t>
+                      </a:r>
+                      <a:r>
+                        <a:rPr lang="ca-ES" sz="1100" dirty="0" err="1"/>
+                        <a:t>train</a:t>
+                      </a:r>
+                      <a:endParaRPr lang="ca-ES" sz="1100" dirty="0"/>
+                    </a:p>
+                  </a:txBody>
+                  <a:tcPr/>
+                </a:tc>
+                <a:tc>
+                  <a:txBody>
+                    <a:bodyPr/>
+                    <a:lstStyle/>
+                    <a:p>
+                      <a:r>
+                        <a:rPr lang="ca-ES" sz="1100" dirty="0"/>
+                        <a:t>0.607</a:t>
+                      </a:r>
+                    </a:p>
+                  </a:txBody>
+                  <a:tcPr/>
+                </a:tc>
+                <a:extLst>
+                  <a:ext uri="{0D108BD9-81ED-4DB2-BD59-A6C34878D82A}">
+                    <a16:rowId xmlns:a16="http://schemas.microsoft.com/office/drawing/2014/main" val="10003"/>
+                  </a:ext>
+                </a:extLst>
+              </a:tr>
+              <a:tr h="293545">
+                <a:tc>
+                  <a:txBody>
+                    <a:bodyPr/>
+                    <a:lstStyle/>
+                    <a:p>
+                      <a:r>
+                        <a:rPr lang="ca-ES" sz="1100" dirty="0" err="1"/>
+                        <a:t>Recall</a:t>
+                      </a:r>
+                      <a:r>
+                        <a:rPr lang="ca-ES" sz="1100" dirty="0"/>
+                        <a:t> test</a:t>
+                      </a:r>
+                    </a:p>
+                  </a:txBody>
+                  <a:tcPr/>
+                </a:tc>
+                <a:tc>
+                  <a:txBody>
+                    <a:bodyPr/>
+                    <a:lstStyle/>
+                    <a:p>
+                      <a:r>
+                        <a:rPr lang="ca-ES" sz="1100" dirty="0"/>
+                        <a:t>0.61678</a:t>
+                      </a:r>
+                    </a:p>
+                  </a:txBody>
+                  <a:tcPr/>
+                </a:tc>
+                <a:extLst>
+                  <a:ext uri="{0D108BD9-81ED-4DB2-BD59-A6C34878D82A}">
+                    <a16:rowId xmlns:a16="http://schemas.microsoft.com/office/drawing/2014/main" val="10004"/>
+                  </a:ext>
+                </a:extLst>
+              </a:tr>
+              <a:tr h="293545">
+                <a:tc>
+                  <a:txBody>
+                    <a:bodyPr/>
+                    <a:lstStyle/>
+                    <a:p>
+                      <a:r>
+                        <a:rPr lang="ca-ES" sz="1100" dirty="0" err="1"/>
+                        <a:t>Sprecificity_train</a:t>
+                      </a:r>
+                      <a:endParaRPr lang="ca-ES" sz="1100" dirty="0"/>
+                    </a:p>
+                  </a:txBody>
+                  <a:tcPr/>
+                </a:tc>
+                <a:tc>
+                  <a:txBody>
+                    <a:bodyPr/>
+                    <a:lstStyle/>
+                    <a:p>
+                      <a:r>
+                        <a:rPr lang="ca-ES" sz="1100" dirty="0"/>
+                        <a:t>0.769982</a:t>
+                      </a:r>
+                    </a:p>
+                  </a:txBody>
+                  <a:tcPr/>
+                </a:tc>
+                <a:extLst>
+                  <a:ext uri="{0D108BD9-81ED-4DB2-BD59-A6C34878D82A}">
+                    <a16:rowId xmlns:a16="http://schemas.microsoft.com/office/drawing/2014/main" val="10005"/>
+                  </a:ext>
+                </a:extLst>
+              </a:tr>
+              <a:tr h="410084">
+                <a:tc>
+                  <a:txBody>
+                    <a:bodyPr/>
+                    <a:lstStyle/>
+                    <a:p>
+                      <a:r>
+                        <a:rPr lang="ca-ES" sz="1100" dirty="0" err="1"/>
+                        <a:t>Specificity</a:t>
+                      </a:r>
+                      <a:r>
+                        <a:rPr lang="ca-ES" sz="1100" dirty="0"/>
+                        <a:t> test</a:t>
+                      </a:r>
+                    </a:p>
+                  </a:txBody>
+                  <a:tcPr/>
+                </a:tc>
+                <a:tc>
+                  <a:txBody>
+                    <a:bodyPr/>
+                    <a:lstStyle/>
+                    <a:p>
+                      <a:r>
+                        <a:rPr lang="ca-ES" sz="1100" dirty="0"/>
+                        <a:t>0.7727</a:t>
+                      </a:r>
+                    </a:p>
+                  </a:txBody>
+                  <a:tcPr/>
+                </a:tc>
+                <a:extLst>
+                  <a:ext uri="{0D108BD9-81ED-4DB2-BD59-A6C34878D82A}">
+                    <a16:rowId xmlns:a16="http://schemas.microsoft.com/office/drawing/2014/main" val="10006"/>
+                  </a:ext>
+                </a:extLst>
+              </a:tr>
+              <a:tr h="293545">
+                <a:tc>
+                  <a:txBody>
+                    <a:bodyPr/>
+                    <a:lstStyle/>
+                    <a:p>
+                      <a:r>
+                        <a:rPr lang="ca-ES" sz="1100" dirty="0" err="1"/>
+                        <a:t>Accuracy</a:t>
+                      </a:r>
+                      <a:r>
+                        <a:rPr lang="ca-ES" sz="1100" dirty="0"/>
+                        <a:t> </a:t>
+                      </a:r>
+                      <a:r>
+                        <a:rPr lang="ca-ES" sz="1100" dirty="0" err="1"/>
+                        <a:t>train</a:t>
+                      </a:r>
+                      <a:endParaRPr lang="ca-ES" sz="1100" dirty="0"/>
+                    </a:p>
+                  </a:txBody>
+                  <a:tcPr/>
+                </a:tc>
+                <a:tc>
+                  <a:txBody>
+                    <a:bodyPr/>
+                    <a:lstStyle/>
+                    <a:p>
+                      <a:r>
+                        <a:rPr lang="ca-ES" sz="1100" dirty="0"/>
+                        <a:t>0.7365306</a:t>
+                      </a:r>
+                    </a:p>
+                  </a:txBody>
+                  <a:tcPr/>
+                </a:tc>
+                <a:extLst>
+                  <a:ext uri="{0D108BD9-81ED-4DB2-BD59-A6C34878D82A}">
+                    <a16:rowId xmlns:a16="http://schemas.microsoft.com/office/drawing/2014/main" val="10007"/>
+                  </a:ext>
+                </a:extLst>
+              </a:tr>
+              <a:tr h="293545">
+                <a:tc>
+                  <a:txBody>
+                    <a:bodyPr/>
+                    <a:lstStyle/>
+                    <a:p>
+                      <a:r>
+                        <a:rPr lang="ca-ES" sz="1100" dirty="0" err="1"/>
+                        <a:t>Accuracy</a:t>
+                      </a:r>
+                      <a:r>
+                        <a:rPr lang="ca-ES" sz="1100" dirty="0"/>
+                        <a:t> test</a:t>
+                      </a:r>
+                    </a:p>
+                  </a:txBody>
+                  <a:tcPr/>
+                </a:tc>
+                <a:tc>
+                  <a:txBody>
+                    <a:bodyPr/>
+                    <a:lstStyle/>
+                    <a:p>
+                      <a:r>
+                        <a:rPr lang="ca-ES" sz="1100" dirty="0"/>
+                        <a:t>0.74</a:t>
+                      </a:r>
+                    </a:p>
+                  </a:txBody>
+                  <a:tcPr/>
+                </a:tc>
+                <a:extLst>
+                  <a:ext uri="{0D108BD9-81ED-4DB2-BD59-A6C34878D82A}">
+                    <a16:rowId xmlns:a16="http://schemas.microsoft.com/office/drawing/2014/main" val="10008"/>
+                  </a:ext>
+                </a:extLst>
+              </a:tr>
+            </a:tbl>
+          </a:graphicData>
+        </a:graphic>
+      </p:graphicFrame>
+    </p:spTree>
+    <p:extLst>
+      <p:ext uri="{BB962C8B-B14F-4D97-AF65-F5344CB8AC3E}">
+        <p14:creationId xmlns:p14="http://schemas.microsoft.com/office/powerpoint/2010/main" val="2694522043"/>
+      </p:ext>
+    </p:extLst>
+  </p:cSld>
+  <p:clrMapOvr>
+    <a:masterClrMapping/>
+  </p:clrMapOvr>
+</p:sld>
+</file>
+
+<file path=ppt/slides/slide17.xml><?xml version="1.0" encoding="utf-8"?>
+<p:sld xmlns:a="http://schemas.openxmlformats.org/drawingml/2006/main" xmlns:r="http://schemas.openxmlformats.org/officeDocument/2006/relationships" xmlns:p="http://schemas.openxmlformats.org/presentationml/2006/main">
+  <p:cSld>
+    <p:spTree>
+      <p:nvGrpSpPr>
+        <p:cNvPr id="1" name=""/>
+        <p:cNvGrpSpPr/>
+        <p:nvPr/>
+      </p:nvGrpSpPr>
+      <p:grpSpPr>
+        <a:xfrm>
+          <a:off x="0" y="0"/>
+          <a:ext cx="0" cy="0"/>
+          <a:chOff x="0" y="0"/>
+          <a:chExt cx="0" cy="0"/>
+        </a:xfrm>
+      </p:grpSpPr>
       <p:pic>
         <p:nvPicPr>
           <p:cNvPr id="4" name="Imatge 3">
@@ -19262,8 +20544,8 @@
         </p:blipFill>
         <p:spPr>
           <a:xfrm>
-            <a:off x="1149530" y="1945191"/>
-            <a:ext cx="2664823" cy="1253117"/>
+            <a:off x="628245" y="2331145"/>
+            <a:ext cx="3942525" cy="1853949"/>
           </a:xfrm>
           <a:prstGeom prst="rect">
             <a:avLst/>
@@ -19284,7 +20566,7 @@
         </p:nvSpPr>
         <p:spPr>
           <a:xfrm>
-            <a:off x="6537922" y="1066032"/>
+            <a:off x="6487122" y="816165"/>
             <a:ext cx="1404295" cy="307777"/>
           </a:xfrm>
           <a:prstGeom prst="rect">
@@ -19325,8 +20607,8 @@
         </p:nvSpPr>
         <p:spPr>
           <a:xfrm>
-            <a:off x="113211" y="1004477"/>
-            <a:ext cx="4737463" cy="738664"/>
+            <a:off x="230777" y="816166"/>
+            <a:ext cx="4737463" cy="307777"/>
           </a:xfrm>
           <a:prstGeom prst="rect">
             <a:avLst/>
@@ -19361,8 +20643,88 @@
               <a:t>:</a:t>
             </a:r>
           </a:p>
+        </p:txBody>
+      </p:sp>
+      <p:cxnSp>
+        <p:nvCxnSpPr>
+          <p:cNvPr id="9" name="Straight Connector 8">
+            <a:extLst>
+              <a:ext uri="{FF2B5EF4-FFF2-40B4-BE49-F238E27FC236}">
+                <a16:creationId xmlns:a16="http://schemas.microsoft.com/office/drawing/2014/main" id="{8263F184-9316-D009-6877-F53CDBF24F55}"/>
+              </a:ext>
+            </a:extLst>
+          </p:cNvPr>
+          <p:cNvCxnSpPr>
+            <a:cxnSpLocks/>
+          </p:cNvCxnSpPr>
+          <p:nvPr/>
+        </p:nvCxnSpPr>
+        <p:spPr>
+          <a:xfrm>
+            <a:off x="4968240" y="365760"/>
+            <a:ext cx="0" cy="4777740"/>
+          </a:xfrm>
+          <a:prstGeom prst="line">
+            <a:avLst/>
+          </a:prstGeom>
+        </p:spPr>
+        <p:style>
+          <a:lnRef idx="1">
+            <a:schemeClr val="accent1"/>
+          </a:lnRef>
+          <a:fillRef idx="0">
+            <a:schemeClr val="accent1"/>
+          </a:fillRef>
+          <a:effectRef idx="0">
+            <a:schemeClr val="accent1"/>
+          </a:effectRef>
+          <a:fontRef idx="minor">
+            <a:schemeClr val="tx1"/>
+          </a:fontRef>
+        </p:style>
+      </p:cxnSp>
+      <p:sp>
+        <p:nvSpPr>
+          <p:cNvPr id="13" name="Rounded Rectangle 12">
+            <a:extLst>
+              <a:ext uri="{FF2B5EF4-FFF2-40B4-BE49-F238E27FC236}">
+                <a16:creationId xmlns:a16="http://schemas.microsoft.com/office/drawing/2014/main" id="{B2617394-827B-86A0-0A29-8DC6DD1BDA78}"/>
+              </a:ext>
+            </a:extLst>
+          </p:cNvPr>
+          <p:cNvSpPr/>
+          <p:nvPr/>
+        </p:nvSpPr>
+        <p:spPr>
+          <a:xfrm>
+            <a:off x="230777" y="1300824"/>
+            <a:ext cx="4511018" cy="853440"/>
+          </a:xfrm>
+          <a:prstGeom prst="roundRect">
+            <a:avLst/>
+          </a:prstGeom>
+        </p:spPr>
+        <p:style>
+          <a:lnRef idx="2">
+            <a:schemeClr val="accent1">
+              <a:shade val="15000"/>
+            </a:schemeClr>
+          </a:lnRef>
+          <a:fillRef idx="1">
+            <a:schemeClr val="accent1"/>
+          </a:fillRef>
+          <a:effectRef idx="0">
+            <a:schemeClr val="accent1"/>
+          </a:effectRef>
+          <a:fontRef idx="minor">
+            <a:schemeClr val="lt1"/>
+          </a:fontRef>
+        </p:style>
+        <p:txBody>
+          <a:bodyPr rtlCol="0" anchor="ctr"/>
+          <a:lstStyle/>
           <a:p>
-            <a:pPr algn="just"/>
+            <a:pPr algn="ctr"/>
             <a:r>
               <a:rPr lang="es-ES" dirty="0" err="1"/>
               <a:t>Exited</a:t>
@@ -19377,7 +20739,15 @@
             </a:r>
             <a:r>
               <a:rPr lang="es-ES" dirty="0"/>
-              <a:t> + Age^2 + Balance + </a:t>
+              <a:t> + Age</a:t>
+            </a:r>
+            <a:r>
+              <a:rPr lang="es-ES" baseline="30000" dirty="0"/>
+              <a:t>2</a:t>
+            </a:r>
+            <a:r>
+              <a:rPr lang="es-ES" dirty="0"/>
+              <a:t> + Balance + </a:t>
             </a:r>
             <a:r>
               <a:rPr lang="es-ES" dirty="0" err="1"/>
@@ -19400,6 +20770,10 @@
               <a:t>Geography:Gender</a:t>
             </a:r>
             <a:endParaRPr lang="es-ES" dirty="0"/>
+          </a:p>
+          <a:p>
+            <a:pPr algn="ctr"/>
+            <a:endParaRPr lang="en-ES" dirty="0"/>
           </a:p>
         </p:txBody>
       </p:sp>
@@ -19411,7 +20785,7 @@
 </p:sld>
 </file>
 
-<file path=ppt/slides/slide17.xml><?xml version="1.0" encoding="utf-8"?>
+<file path=ppt/slides/slide18.xml><?xml version="1.0" encoding="utf-8"?>
 <p:sld xmlns:a="http://schemas.openxmlformats.org/drawingml/2006/main" xmlns:r="http://schemas.openxmlformats.org/officeDocument/2006/relationships" xmlns:p="http://schemas.openxmlformats.org/presentationml/2006/main">
   <p:cSld>
     <p:spTree>
@@ -19458,7 +20832,7 @@
 </p:sld>
 </file>
 
-<file path=ppt/slides/slide18.xml><?xml version="1.0" encoding="utf-8"?>
+<file path=ppt/slides/slide19.xml><?xml version="1.0" encoding="utf-8"?>
 <p:sld xmlns:a="http://schemas.openxmlformats.org/drawingml/2006/main" xmlns:r="http://schemas.openxmlformats.org/officeDocument/2006/relationships" xmlns:p="http://schemas.openxmlformats.org/presentationml/2006/main">
   <p:cSld>
     <p:spTree>
@@ -20632,7 +22006,7 @@
         </p:blipFill>
         <p:spPr>
           <a:xfrm>
-            <a:off x="4402244" y="2240217"/>
+            <a:off x="4572000" y="2251639"/>
             <a:ext cx="4626707" cy="2872676"/>
           </a:xfrm>
           <a:prstGeom prst="rect">
@@ -21415,7 +22789,7 @@
         </p:nvSpPr>
         <p:spPr>
           <a:xfrm>
-            <a:off x="299922" y="4096818"/>
+            <a:off x="256412" y="4096818"/>
             <a:ext cx="8306195" cy="938719"/>
           </a:xfrm>
           <a:prstGeom prst="rect">
@@ -21481,21 +22855,8 @@
                   <a:schemeClr val="tx1"/>
                 </a:solidFill>
               </a:rPr>
-              <a:t>Se decidió mantenerlos en la base de datos, ya que suponían una proporción que se puede entender como normal (~4-5%) y no se observaron valores extremos </a:t>
-            </a:r>
-            <a:r>
-              <a:rPr lang="es-ES" sz="1100">
-                <a:solidFill>
-                  <a:schemeClr val="tx1"/>
-                </a:solidFill>
-              </a:rPr>
-              <a:t>o imposibles.</a:t>
-            </a:r>
-            <a:endParaRPr lang="es-ES" sz="1100" dirty="0">
-              <a:solidFill>
-                <a:schemeClr val="tx1"/>
-              </a:solidFill>
-            </a:endParaRPr>
+              <a:t>Se decidió mantenerlos en la base de datos, ya que suponían una proporción que se puede entender como normal (~4-5%) y no se observaron valores extremos o imposibles.</a:t>
+            </a:r>
           </a:p>
         </p:txBody>
       </p:sp>
@@ -21963,10 +23324,16 @@
           <p:cNvGraphicFramePr>
             <a:graphicFrameLocks noGrp="1"/>
           </p:cNvGraphicFramePr>
-          <p:nvPr/>
+          <p:nvPr>
+            <p:extLst>
+              <p:ext uri="{D42A27DB-BD31-4B8C-83A1-F6EECF244321}">
+                <p14:modId xmlns:p14="http://schemas.microsoft.com/office/powerpoint/2010/main" val="2083712892"/>
+              </p:ext>
+            </p:extLst>
+          </p:nvPr>
         </p:nvGraphicFramePr>
         <p:xfrm>
-          <a:off x="204824" y="2795066"/>
+          <a:off x="204824" y="2786279"/>
           <a:ext cx="8219176" cy="1220012"/>
         </p:xfrm>
         <a:graphic>
@@ -22394,7 +23761,7 @@
         </p:nvSpPr>
         <p:spPr>
           <a:xfrm>
-            <a:off x="139087" y="514239"/>
+            <a:off x="0" y="398517"/>
             <a:ext cx="9004913" cy="572700"/>
           </a:xfrm>
           <a:prstGeom prst="rect">
@@ -22416,16 +23783,136 @@
           </a:p>
         </p:txBody>
       </p:sp>
+      <p:cxnSp>
+        <p:nvCxnSpPr>
+          <p:cNvPr id="5" name="Straight Connector 4">
+            <a:extLst>
+              <a:ext uri="{FF2B5EF4-FFF2-40B4-BE49-F238E27FC236}">
+                <a16:creationId xmlns:a16="http://schemas.microsoft.com/office/drawing/2014/main" id="{0B77C555-2991-906F-3AAB-CC0936277AAC}"/>
+              </a:ext>
+            </a:extLst>
+          </p:cNvPr>
+          <p:cNvCxnSpPr>
+            <a:cxnSpLocks/>
+          </p:cNvCxnSpPr>
+          <p:nvPr/>
+        </p:nvCxnSpPr>
+        <p:spPr>
+          <a:xfrm>
+            <a:off x="4502456" y="1083778"/>
+            <a:ext cx="0" cy="1657351"/>
+          </a:xfrm>
+          <a:prstGeom prst="line">
+            <a:avLst/>
+          </a:prstGeom>
+        </p:spPr>
+        <p:style>
+          <a:lnRef idx="1">
+            <a:schemeClr val="accent1"/>
+          </a:lnRef>
+          <a:fillRef idx="0">
+            <a:schemeClr val="accent1"/>
+          </a:fillRef>
+          <a:effectRef idx="0">
+            <a:schemeClr val="accent1"/>
+          </a:effectRef>
+          <a:fontRef idx="minor">
+            <a:schemeClr val="tx1"/>
+          </a:fontRef>
+        </p:style>
+      </p:cxnSp>
+      <p:cxnSp>
+        <p:nvCxnSpPr>
+          <p:cNvPr id="7" name="Straight Connector 6">
+            <a:extLst>
+              <a:ext uri="{FF2B5EF4-FFF2-40B4-BE49-F238E27FC236}">
+                <a16:creationId xmlns:a16="http://schemas.microsoft.com/office/drawing/2014/main" id="{4579B8F9-8F3D-B404-74CE-72EEB3B4A68A}"/>
+              </a:ext>
+            </a:extLst>
+          </p:cNvPr>
+          <p:cNvCxnSpPr>
+            <a:cxnSpLocks/>
+          </p:cNvCxnSpPr>
+          <p:nvPr/>
+        </p:nvCxnSpPr>
+        <p:spPr>
+          <a:xfrm flipH="1">
+            <a:off x="-69544" y="2720772"/>
+            <a:ext cx="4572000" cy="2402371"/>
+          </a:xfrm>
+          <a:prstGeom prst="line">
+            <a:avLst/>
+          </a:prstGeom>
+        </p:spPr>
+        <p:style>
+          <a:lnRef idx="1">
+            <a:schemeClr val="accent1"/>
+          </a:lnRef>
+          <a:fillRef idx="0">
+            <a:schemeClr val="accent1"/>
+          </a:fillRef>
+          <a:effectRef idx="0">
+            <a:schemeClr val="accent1"/>
+          </a:effectRef>
+          <a:fontRef idx="minor">
+            <a:schemeClr val="tx1"/>
+          </a:fontRef>
+        </p:style>
+      </p:cxnSp>
+      <p:cxnSp>
+        <p:nvCxnSpPr>
+          <p:cNvPr id="17" name="Straight Connector 16">
+            <a:extLst>
+              <a:ext uri="{FF2B5EF4-FFF2-40B4-BE49-F238E27FC236}">
+                <a16:creationId xmlns:a16="http://schemas.microsoft.com/office/drawing/2014/main" id="{D751AC01-62C7-8AB4-F21A-1DB2D2D2E369}"/>
+              </a:ext>
+            </a:extLst>
+          </p:cNvPr>
+          <p:cNvCxnSpPr>
+            <a:cxnSpLocks/>
+          </p:cNvCxnSpPr>
+          <p:nvPr/>
+        </p:nvCxnSpPr>
+        <p:spPr>
+          <a:xfrm>
+            <a:off x="4502456" y="2735149"/>
+            <a:ext cx="4631996" cy="2369388"/>
+          </a:xfrm>
+          <a:prstGeom prst="line">
+            <a:avLst/>
+          </a:prstGeom>
+        </p:spPr>
+        <p:style>
+          <a:lnRef idx="1">
+            <a:schemeClr val="accent1"/>
+          </a:lnRef>
+          <a:fillRef idx="0">
+            <a:schemeClr val="accent1"/>
+          </a:fillRef>
+          <a:effectRef idx="0">
+            <a:schemeClr val="accent1"/>
+          </a:effectRef>
+          <a:fontRef idx="minor">
+            <a:schemeClr val="tx1"/>
+          </a:fontRef>
+        </p:style>
+      </p:cxnSp>
       <p:sp>
         <p:nvSpPr>
-          <p:cNvPr id="2" name="CuadroTexto 1"/>
+          <p:cNvPr id="27" name="CuadroTexto 1">
+            <a:extLst>
+              <a:ext uri="{FF2B5EF4-FFF2-40B4-BE49-F238E27FC236}">
+                <a16:creationId xmlns:a16="http://schemas.microsoft.com/office/drawing/2014/main" id="{9792A6BF-D3C9-1DCD-FB9A-10296D882659}"/>
+              </a:ext>
+            </a:extLst>
+          </p:cNvPr>
           <p:cNvSpPr txBox="1"/>
           <p:nvPr/>
         </p:nvSpPr>
         <p:spPr>
           <a:xfrm>
-            <a:off x="320002" y="947012"/>
-            <a:ext cx="3948057" cy="307777"/>
+            <a:off x="289112" y="902637"/>
+            <a:ext cx="3779968" cy="1369606"/>
           </a:xfrm>
           <a:prstGeom prst="rect">
             <a:avLst/>
@@ -22440,31 +23927,177 @@
           <a:p>
             <a:pPr algn="just"/>
             <a:r>
-              <a:rPr lang="es-ES" b="1" dirty="0"/>
-              <a:t> </a:t>
-            </a:r>
-            <a:r>
-              <a:rPr lang="es-ES" b="1" dirty="0" err="1"/>
+              <a:rPr lang="es-ES" sz="1100" b="1" dirty="0" err="1"/>
               <a:t>ComplaintsCount</a:t>
             </a:r>
-            <a:r>
-              <a:rPr lang="es-ES" b="1" dirty="0"/>
-              <a:t> -&gt; </a:t>
-            </a:r>
-            <a:r>
-              <a:rPr lang="es-ES" b="1" dirty="0" err="1"/>
-              <a:t>Dummy</a:t>
-            </a:r>
-            <a:r>
-              <a:rPr lang="es-ES" b="1" dirty="0"/>
-              <a:t> binaria</a:t>
-            </a:r>
+            <a:endParaRPr lang="es-ES" sz="1100" b="1" dirty="0"/>
+          </a:p>
+          <a:p>
+            <a:pPr lvl="0" eaLnBrk="0" fontAlgn="base" hangingPunct="0">
+              <a:spcBef>
+                <a:spcPct val="0"/>
+              </a:spcBef>
+              <a:spcAft>
+                <a:spcPct val="0"/>
+              </a:spcAft>
+              <a:buClrTx/>
+              <a:buFontTx/>
+              <a:buChar char="•"/>
+            </a:pPr>
+            <a:r>
+              <a:rPr lang="en-ES" altLang="en-ES" sz="1100" dirty="0">
+                <a:solidFill>
+                  <a:schemeClr val="tx1"/>
+                </a:solidFill>
+                <a:latin typeface="Arial" panose="020B0604020202020204" pitchFamily="34" charset="0"/>
+              </a:rPr>
+              <a:t>Se decidió </a:t>
+            </a:r>
+            <a:r>
+              <a:rPr lang="en-ES" altLang="en-ES" sz="1100" b="1" dirty="0">
+                <a:solidFill>
+                  <a:schemeClr val="tx1"/>
+                </a:solidFill>
+                <a:latin typeface="Arial" panose="020B0604020202020204" pitchFamily="34" charset="0"/>
+              </a:rPr>
+              <a:t>dummyficar la variable</a:t>
+            </a:r>
+          </a:p>
+          <a:p>
+            <a:pPr lvl="0" eaLnBrk="0" fontAlgn="base" hangingPunct="0">
+              <a:spcBef>
+                <a:spcPct val="0"/>
+              </a:spcBef>
+              <a:spcAft>
+                <a:spcPct val="0"/>
+              </a:spcAft>
+              <a:buClrTx/>
+              <a:buFontTx/>
+              <a:buChar char="•"/>
+            </a:pPr>
+            <a:r>
+              <a:rPr lang="en-ES" altLang="en-ES" sz="1100" dirty="0">
+                <a:solidFill>
+                  <a:schemeClr val="tx1"/>
+                </a:solidFill>
+                <a:latin typeface="Arial" panose="020B0604020202020204" pitchFamily="34" charset="0"/>
+              </a:rPr>
+              <a:t>. La información se simplifica para indicar </a:t>
+            </a:r>
+          </a:p>
+          <a:p>
+            <a:pPr lvl="0" eaLnBrk="0" fontAlgn="base" hangingPunct="0">
+              <a:spcBef>
+                <a:spcPct val="0"/>
+              </a:spcBef>
+              <a:spcAft>
+                <a:spcPct val="0"/>
+              </a:spcAft>
+              <a:buClrTx/>
+            </a:pPr>
+            <a:r>
+              <a:rPr lang="en-ES" altLang="en-ES" sz="1100" b="1" dirty="0">
+                <a:solidFill>
+                  <a:schemeClr val="tx1"/>
+                </a:solidFill>
+                <a:latin typeface="Arial" panose="020B0604020202020204" pitchFamily="34" charset="0"/>
+              </a:rPr>
+              <a:t>si el cliente ha emitido alguna queja o no</a:t>
+            </a:r>
+          </a:p>
+          <a:p>
+            <a:pPr marL="285750" lvl="0" indent="-285750" eaLnBrk="0" fontAlgn="base" hangingPunct="0">
+              <a:spcBef>
+                <a:spcPct val="0"/>
+              </a:spcBef>
+              <a:spcAft>
+                <a:spcPct val="0"/>
+              </a:spcAft>
+              <a:buClrTx/>
+              <a:buFont typeface="Arial" panose="020B0604020202020204" pitchFamily="34" charset="0"/>
+              <a:buChar char="•"/>
+            </a:pPr>
+            <a:r>
+              <a:rPr lang="en-ES" altLang="en-ES" sz="1100" dirty="0">
+                <a:solidFill>
+                  <a:schemeClr val="tx1"/>
+                </a:solidFill>
+                <a:latin typeface="Arial" panose="020B0604020202020204" pitchFamily="34" charset="0"/>
+              </a:rPr>
+              <a:t>Variable: Númerica            Factor binario</a:t>
+            </a:r>
+          </a:p>
+          <a:p>
+            <a:pPr lvl="0" eaLnBrk="0" fontAlgn="base" hangingPunct="0">
+              <a:spcBef>
+                <a:spcPct val="0"/>
+              </a:spcBef>
+              <a:spcAft>
+                <a:spcPct val="0"/>
+              </a:spcAft>
+              <a:buClrTx/>
+            </a:pPr>
+            <a:endParaRPr lang="es-ES" b="1" dirty="0"/>
+          </a:p>
+          <a:p>
+            <a:pPr marL="285750" indent="-285750" algn="just">
+              <a:buFont typeface="Arial" panose="020B0604020202020204" pitchFamily="34" charset="0"/>
+              <a:buChar char="•"/>
+            </a:pPr>
+            <a:endParaRPr lang="es-ES" b="1" dirty="0"/>
           </a:p>
         </p:txBody>
       </p:sp>
+      <p:cxnSp>
+        <p:nvCxnSpPr>
+          <p:cNvPr id="28" name="Straight Arrow Connector 27">
+            <a:extLst>
+              <a:ext uri="{FF2B5EF4-FFF2-40B4-BE49-F238E27FC236}">
+                <a16:creationId xmlns:a16="http://schemas.microsoft.com/office/drawing/2014/main" id="{D63D8225-BE49-E574-F7AD-586AF271CAC0}"/>
+              </a:ext>
+            </a:extLst>
+          </p:cNvPr>
+          <p:cNvCxnSpPr>
+            <a:cxnSpLocks/>
+          </p:cNvCxnSpPr>
+          <p:nvPr/>
+        </p:nvCxnSpPr>
+        <p:spPr>
+          <a:xfrm>
+            <a:off x="1979003" y="1725659"/>
+            <a:ext cx="200093" cy="0"/>
+          </a:xfrm>
+          <a:prstGeom prst="straightConnector1">
+            <a:avLst/>
+          </a:prstGeom>
+          <a:ln>
+            <a:tailEnd type="triangle"/>
+          </a:ln>
+        </p:spPr>
+        <p:style>
+          <a:lnRef idx="1">
+            <a:schemeClr val="accent1"/>
+          </a:lnRef>
+          <a:fillRef idx="0">
+            <a:schemeClr val="accent1"/>
+          </a:fillRef>
+          <a:effectRef idx="0">
+            <a:schemeClr val="accent1"/>
+          </a:effectRef>
+          <a:fontRef idx="minor">
+            <a:schemeClr val="tx1"/>
+          </a:fontRef>
+        </p:style>
+      </p:cxnSp>
       <p:pic>
         <p:nvPicPr>
-          <p:cNvPr id="6" name="Imagen 5"/>
+          <p:cNvPr id="30" name="Imagen 5">
+            <a:extLst>
+              <a:ext uri="{FF2B5EF4-FFF2-40B4-BE49-F238E27FC236}">
+                <a16:creationId xmlns:a16="http://schemas.microsoft.com/office/drawing/2014/main" id="{2473D714-7AFD-5B6A-7337-D8E77EDAF5C4}"/>
+              </a:ext>
+            </a:extLst>
+          </p:cNvPr>
           <p:cNvPicPr>
             <a:picLocks noChangeAspect="1"/>
           </p:cNvPicPr>
@@ -22478,32 +24111,8 @@
         </p:blipFill>
         <p:spPr>
           <a:xfrm>
-            <a:off x="230457" y="1254790"/>
-            <a:ext cx="1302102" cy="1531270"/>
-          </a:xfrm>
-          <a:prstGeom prst="rect">
-            <a:avLst/>
-          </a:prstGeom>
-        </p:spPr>
-      </p:pic>
-      <p:pic>
-        <p:nvPicPr>
-          <p:cNvPr id="8" name="Imagen 7"/>
-          <p:cNvPicPr>
-            <a:picLocks noChangeAspect="1"/>
-          </p:cNvPicPr>
-          <p:nvPr/>
-        </p:nvPicPr>
-        <p:blipFill>
-          <a:blip r:embed="rId4"/>
-          <a:stretch>
-            <a:fillRect/>
-          </a:stretch>
-        </p:blipFill>
-        <p:spPr>
-          <a:xfrm>
-            <a:off x="2587701" y="1207348"/>
-            <a:ext cx="1234592" cy="1608490"/>
+            <a:off x="92951" y="2130401"/>
+            <a:ext cx="1625642" cy="1911754"/>
           </a:xfrm>
           <a:prstGeom prst="rect">
             <a:avLst/>
@@ -22512,13 +24121,19 @@
       </p:pic>
       <p:sp>
         <p:nvSpPr>
-          <p:cNvPr id="9" name="Flecha: a la derecha 8"/>
+          <p:cNvPr id="31" name="Flecha: a la derecha 8">
+            <a:extLst>
+              <a:ext uri="{FF2B5EF4-FFF2-40B4-BE49-F238E27FC236}">
+                <a16:creationId xmlns:a16="http://schemas.microsoft.com/office/drawing/2014/main" id="{30F0B31A-26C7-9855-91A6-C2461B77F3AA}"/>
+              </a:ext>
+            </a:extLst>
+          </p:cNvPr>
           <p:cNvSpPr/>
           <p:nvPr/>
         </p:nvSpPr>
         <p:spPr>
           <a:xfrm>
-            <a:off x="1767528" y="1824884"/>
+            <a:off x="1856166" y="2882971"/>
             <a:ext cx="445766" cy="290456"/>
           </a:xfrm>
           <a:prstGeom prst="rightArrow">
@@ -22550,16 +24165,52 @@
           </a:p>
         </p:txBody>
       </p:sp>
+      <p:pic>
+        <p:nvPicPr>
+          <p:cNvPr id="32" name="Imagen 7">
+            <a:extLst>
+              <a:ext uri="{FF2B5EF4-FFF2-40B4-BE49-F238E27FC236}">
+                <a16:creationId xmlns:a16="http://schemas.microsoft.com/office/drawing/2014/main" id="{B6086ABC-6B96-0101-76AA-A415BE9723C9}"/>
+              </a:ext>
+            </a:extLst>
+          </p:cNvPr>
+          <p:cNvPicPr>
+            <a:picLocks noChangeAspect="1"/>
+          </p:cNvPicPr>
+          <p:nvPr/>
+        </p:nvPicPr>
+        <p:blipFill>
+          <a:blip r:embed="rId4"/>
+          <a:stretch>
+            <a:fillRect/>
+          </a:stretch>
+        </p:blipFill>
+        <p:spPr>
+          <a:xfrm>
+            <a:off x="2371476" y="2066017"/>
+            <a:ext cx="1313795" cy="1711680"/>
+          </a:xfrm>
+          <a:prstGeom prst="rect">
+            <a:avLst/>
+          </a:prstGeom>
+        </p:spPr>
+      </p:pic>
       <p:sp>
         <p:nvSpPr>
-          <p:cNvPr id="10" name="CuadroTexto 9"/>
+          <p:cNvPr id="34" name="CuadroTexto 9">
+            <a:extLst>
+              <a:ext uri="{FF2B5EF4-FFF2-40B4-BE49-F238E27FC236}">
+                <a16:creationId xmlns:a16="http://schemas.microsoft.com/office/drawing/2014/main" id="{20BEEFED-2A6B-33EF-B1CA-CBD837A43B1D}"/>
+              </a:ext>
+            </a:extLst>
+          </p:cNvPr>
           <p:cNvSpPr txBox="1"/>
           <p:nvPr/>
         </p:nvSpPr>
         <p:spPr>
           <a:xfrm>
-            <a:off x="139087" y="2924171"/>
-            <a:ext cx="3948057" cy="307777"/>
+            <a:off x="4844426" y="1002664"/>
+            <a:ext cx="3948057" cy="769441"/>
           </a:xfrm>
           <a:prstGeom prst="rect">
             <a:avLst/>
@@ -22574,57 +24225,109 @@
           <a:p>
             <a:pPr algn="just"/>
             <a:r>
-              <a:rPr lang="es-ES" b="1" dirty="0" err="1"/>
+              <a:rPr lang="es-ES" sz="1100" b="1" dirty="0" err="1"/>
               <a:t>NumOfProducts</a:t>
             </a:r>
-            <a:r>
-              <a:rPr lang="es-ES" b="1" dirty="0"/>
-              <a:t> -&gt; categórica con 3 niveles</a:t>
+            <a:endParaRPr lang="es-ES" sz="1100" b="1" dirty="0"/>
+          </a:p>
+          <a:p>
+            <a:pPr marL="285750" indent="-285750" algn="just">
+              <a:buFont typeface="Arial" panose="020B0604020202020204" pitchFamily="34" charset="0"/>
+              <a:buChar char="•"/>
+            </a:pPr>
+            <a:r>
+              <a:rPr lang="es-ES" sz="1100" dirty="0" err="1"/>
+              <a:t>Mayoria</a:t>
+            </a:r>
+            <a:r>
+              <a:rPr lang="es-ES" sz="1100" dirty="0"/>
+              <a:t> de clientes tienes </a:t>
+            </a:r>
+            <a:r>
+              <a:rPr lang="es-ES" sz="1100" b="1" dirty="0"/>
+              <a:t>1 | 2 productos </a:t>
+            </a:r>
+          </a:p>
+          <a:p>
+            <a:pPr marL="285750" indent="-285750" algn="just">
+              <a:buFont typeface="Arial" panose="020B0604020202020204" pitchFamily="34" charset="0"/>
+              <a:buChar char="•"/>
+            </a:pPr>
+            <a:r>
+              <a:rPr lang="es-ES" sz="1100" b="1" dirty="0" err="1"/>
+              <a:t>Minoria</a:t>
+            </a:r>
+            <a:r>
+              <a:rPr lang="es-ES" sz="1100" b="1" dirty="0"/>
+              <a:t>         </a:t>
+            </a:r>
+            <a:r>
+              <a:rPr lang="es-ES" sz="1100" dirty="0"/>
+              <a:t>3 o más productos</a:t>
+            </a:r>
+          </a:p>
+          <a:p>
+            <a:pPr marL="285750" indent="-285750" algn="just">
+              <a:buFont typeface="Arial" panose="020B0604020202020204" pitchFamily="34" charset="0"/>
+              <a:buChar char="•"/>
+            </a:pPr>
+            <a:r>
+              <a:rPr lang="es-ES" sz="1100" dirty="0"/>
+              <a:t>Categorización de la variable (1, 2, +3 productos)</a:t>
             </a:r>
           </a:p>
         </p:txBody>
       </p:sp>
-      <p:sp>
-        <p:nvSpPr>
-          <p:cNvPr id="11" name="Elipse 10"/>
-          <p:cNvSpPr/>
+      <p:cxnSp>
+        <p:nvCxnSpPr>
+          <p:cNvPr id="35" name="Straight Arrow Connector 34">
+            <a:extLst>
+              <a:ext uri="{FF2B5EF4-FFF2-40B4-BE49-F238E27FC236}">
+                <a16:creationId xmlns:a16="http://schemas.microsoft.com/office/drawing/2014/main" id="{3834C496-A928-10D0-48C6-CE8CEF9BC974}"/>
+              </a:ext>
+            </a:extLst>
+          </p:cNvPr>
+          <p:cNvCxnSpPr>
+            <a:cxnSpLocks/>
+          </p:cNvCxnSpPr>
           <p:nvPr/>
-        </p:nvSpPr>
+        </p:nvCxnSpPr>
         <p:spPr>
           <a:xfrm>
-            <a:off x="4503028" y="1114861"/>
-            <a:ext cx="91823" cy="3683050"/>
+            <a:off x="5789919" y="1483607"/>
+            <a:ext cx="252741" cy="0"/>
           </a:xfrm>
-          <a:prstGeom prst="ellipse">
+          <a:prstGeom prst="straightConnector1">
             <a:avLst/>
           </a:prstGeom>
+          <a:ln>
+            <a:tailEnd type="triangle"/>
+          </a:ln>
         </p:spPr>
         <p:style>
           <a:lnRef idx="1">
-            <a:schemeClr val="accent3"/>
+            <a:schemeClr val="accent1"/>
           </a:lnRef>
-          <a:fillRef idx="2">
-            <a:schemeClr val="accent3"/>
+          <a:fillRef idx="0">
+            <a:schemeClr val="accent1"/>
           </a:fillRef>
-          <a:effectRef idx="1">
-            <a:schemeClr val="accent3"/>
+          <a:effectRef idx="0">
+            <a:schemeClr val="accent1"/>
           </a:effectRef>
           <a:fontRef idx="minor">
-            <a:schemeClr val="dk1"/>
+            <a:schemeClr val="tx1"/>
           </a:fontRef>
         </p:style>
-        <p:txBody>
-          <a:bodyPr rtlCol="0" anchor="ctr"/>
-          <a:lstStyle/>
-          <a:p>
-            <a:pPr algn="ctr"/>
-            <a:endParaRPr lang="es-ES"/>
-          </a:p>
-        </p:txBody>
-      </p:sp>
+      </p:cxnSp>
       <p:pic>
         <p:nvPicPr>
-          <p:cNvPr id="13" name="Imagen 12"/>
+          <p:cNvPr id="37" name="Imagen 14">
+            <a:extLst>
+              <a:ext uri="{FF2B5EF4-FFF2-40B4-BE49-F238E27FC236}">
+                <a16:creationId xmlns:a16="http://schemas.microsoft.com/office/drawing/2014/main" id="{B6FD0232-66CA-722F-FE7D-46333FFF578A}"/>
+              </a:ext>
+            </a:extLst>
+          </p:cNvPr>
           <p:cNvPicPr>
             <a:picLocks noChangeAspect="1"/>
           </p:cNvPicPr>
@@ -22638,32 +24341,8 @@
         </p:blipFill>
         <p:spPr>
           <a:xfrm>
-            <a:off x="2387879" y="3208151"/>
-            <a:ext cx="1479323" cy="1693312"/>
-          </a:xfrm>
-          <a:prstGeom prst="rect">
-            <a:avLst/>
-          </a:prstGeom>
-        </p:spPr>
-      </p:pic>
-      <p:pic>
-        <p:nvPicPr>
-          <p:cNvPr id="15" name="Imagen 14"/>
-          <p:cNvPicPr>
-            <a:picLocks noChangeAspect="1"/>
-          </p:cNvPicPr>
-          <p:nvPr/>
-        </p:nvPicPr>
-        <p:blipFill>
-          <a:blip r:embed="rId6"/>
-          <a:stretch>
-            <a:fillRect/>
-          </a:stretch>
-        </p:blipFill>
-        <p:spPr>
-          <a:xfrm>
-            <a:off x="201218" y="3231948"/>
-            <a:ext cx="1315866" cy="1597572"/>
+            <a:off x="4978143" y="1806569"/>
+            <a:ext cx="1490982" cy="1810178"/>
           </a:xfrm>
           <a:prstGeom prst="rect">
             <a:avLst/>
@@ -22672,13 +24351,19 @@
       </p:pic>
       <p:sp>
         <p:nvSpPr>
-          <p:cNvPr id="16" name="Flecha: a la derecha 15"/>
+          <p:cNvPr id="38" name="Flecha: a la derecha 15">
+            <a:extLst>
+              <a:ext uri="{FF2B5EF4-FFF2-40B4-BE49-F238E27FC236}">
+                <a16:creationId xmlns:a16="http://schemas.microsoft.com/office/drawing/2014/main" id="{97FDFF4E-DB65-0A9D-AD32-A48F44DCCB2C}"/>
+              </a:ext>
+            </a:extLst>
+          </p:cNvPr>
           <p:cNvSpPr/>
           <p:nvPr/>
         </p:nvSpPr>
         <p:spPr>
           <a:xfrm>
-            <a:off x="1752053" y="3662116"/>
+            <a:off x="6584820" y="2631401"/>
             <a:ext cx="400857" cy="290456"/>
           </a:xfrm>
           <a:prstGeom prst="rightArrow">
@@ -22710,78 +24395,67 @@
           </a:p>
         </p:txBody>
       </p:sp>
-      <p:cxnSp>
-        <p:nvCxnSpPr>
-          <p:cNvPr id="12" name="Straight Arrow Connector 11"/>
-          <p:cNvCxnSpPr/>
-          <p:nvPr/>
-        </p:nvCxnSpPr>
-        <p:spPr>
-          <a:xfrm>
-            <a:off x="2314507" y="2182859"/>
-            <a:ext cx="493429" cy="0"/>
-          </a:xfrm>
-          <a:prstGeom prst="straightConnector1">
-            <a:avLst/>
-          </a:prstGeom>
-          <a:ln>
-            <a:tailEnd type="triangle"/>
-          </a:ln>
-        </p:spPr>
-        <p:style>
-          <a:lnRef idx="1">
-            <a:schemeClr val="accent1"/>
-          </a:lnRef>
-          <a:fillRef idx="0">
-            <a:schemeClr val="accent1"/>
-          </a:fillRef>
-          <a:effectRef idx="0">
-            <a:schemeClr val="accent1"/>
-          </a:effectRef>
-          <a:fontRef idx="minor">
-            <a:schemeClr val="tx1"/>
-          </a:fontRef>
-        </p:style>
-      </p:cxnSp>
-      <p:sp>
-        <p:nvSpPr>
-          <p:cNvPr id="3" name="Rectangle 2">
+      <p:pic>
+        <p:nvPicPr>
+          <p:cNvPr id="39" name="Imagen 12">
             <a:extLst>
               <a:ext uri="{FF2B5EF4-FFF2-40B4-BE49-F238E27FC236}">
-                <a16:creationId xmlns:a16="http://schemas.microsoft.com/office/drawing/2014/main" id="{B19AB981-661B-416E-B940-B0ECE0502DE7}"/>
+                <a16:creationId xmlns:a16="http://schemas.microsoft.com/office/drawing/2014/main" id="{1630429D-38A6-5D5E-B15C-26CDC195A904}"/>
               </a:ext>
             </a:extLst>
           </p:cNvPr>
-          <p:cNvSpPr/>
+          <p:cNvPicPr>
+            <a:picLocks noChangeAspect="1"/>
+          </p:cNvPicPr>
           <p:nvPr/>
-        </p:nvSpPr>
+        </p:nvPicPr>
+        <p:blipFill>
+          <a:blip r:embed="rId6"/>
+          <a:stretch>
+            <a:fillRect/>
+          </a:stretch>
+        </p:blipFill>
         <p:spPr>
           <a:xfrm>
-            <a:off x="5466748" y="1016976"/>
-            <a:ext cx="2478564" cy="307777"/>
+            <a:off x="7121457" y="1764302"/>
+            <a:ext cx="2022543" cy="2315110"/>
           </a:xfrm>
           <a:prstGeom prst="rect">
             <a:avLst/>
           </a:prstGeom>
         </p:spPr>
+      </p:pic>
+      <p:sp>
+        <p:nvSpPr>
+          <p:cNvPr id="41" name="TextBox 40">
+            <a:extLst>
+              <a:ext uri="{FF2B5EF4-FFF2-40B4-BE49-F238E27FC236}">
+                <a16:creationId xmlns:a16="http://schemas.microsoft.com/office/drawing/2014/main" id="{81B73DF3-889B-919D-3428-CF6CB6CA8160}"/>
+              </a:ext>
+            </a:extLst>
+          </p:cNvPr>
+          <p:cNvSpPr txBox="1"/>
+          <p:nvPr/>
+        </p:nvSpPr>
+        <p:spPr>
+          <a:xfrm>
+            <a:off x="1097992" y="4586981"/>
+            <a:ext cx="1842171" cy="307777"/>
+          </a:xfrm>
+          <a:prstGeom prst="rect">
+            <a:avLst/>
+          </a:prstGeom>
+          <a:noFill/>
+        </p:spPr>
         <p:txBody>
-          <a:bodyPr wrap="none">
+          <a:bodyPr wrap="none" rtlCol="0">
             <a:spAutoFit/>
           </a:bodyPr>
           <a:lstStyle/>
           <a:p>
-            <a:pPr algn="just"/>
-            <a:r>
-              <a:rPr lang="es-ES" b="1" dirty="0"/>
-              <a:t> Balance -&gt; </a:t>
-            </a:r>
-            <a:r>
-              <a:rPr lang="es-ES" b="1" dirty="0" err="1"/>
-              <a:t>Dummy</a:t>
-            </a:r>
-            <a:r>
-              <a:rPr lang="es-ES" b="1" dirty="0"/>
-              <a:t> binaria</a:t>
+            <a:r>
+              <a:rPr lang="en-ES" b="1" dirty="0"/>
+              <a:t>Balance -&gt; Dummy </a:t>
             </a:r>
           </a:p>
         </p:txBody>

--- a/Entrega_2/00.REPORTE/Reporte_Grupo5.pptx
+++ b/Entrega_2/00.REPORTE/Reporte_Grupo5.pptx
@@ -7363,10 +7363,10 @@
       </p:sp>
       <p:sp>
         <p:nvSpPr>
-          <p:cNvPr id="4" name="CuadroTexto 3">
+          <p:cNvPr id="6" name="CuadroTexto 5">
             <a:extLst>
               <a:ext uri="{FF2B5EF4-FFF2-40B4-BE49-F238E27FC236}">
-                <a16:creationId xmlns:a16="http://schemas.microsoft.com/office/drawing/2014/main" id="{EA951853-7897-AE10-A0F0-9FD8A51EE050}"/>
+                <a16:creationId xmlns:a16="http://schemas.microsoft.com/office/drawing/2014/main" id="{7F872B8B-55D2-42B7-CD9B-7BCC543EDA08}"/>
               </a:ext>
             </a:extLst>
           </p:cNvPr>
@@ -7375,8 +7375,8 @@
         </p:nvSpPr>
         <p:spPr>
           <a:xfrm>
-            <a:off x="2286000" y="1446821"/>
-            <a:ext cx="4572000" cy="2246769"/>
+            <a:off x="1258229" y="1154252"/>
+            <a:ext cx="6627541" cy="3139321"/>
           </a:xfrm>
           <a:prstGeom prst="rect">
             <a:avLst/>
@@ -7389,89 +7389,271 @@
           </a:bodyPr>
           <a:lstStyle/>
           <a:p>
+            <a:pPr marL="285750" lvl="3" indent="-285750">
+              <a:buClr>
+                <a:srgbClr val="FF0000"/>
+              </a:buClr>
+              <a:buSzPct val="150000"/>
+              <a:buFont typeface="Arial" panose="020B0604020202020204" pitchFamily="34" charset="0"/>
+              <a:buChar char="×"/>
+            </a:pPr>
+            <a:r>
+              <a:rPr lang="es-ES" dirty="0"/>
+              <a:t>Data completo.               </a:t>
+            </a:r>
+          </a:p>
+          <a:p>
+            <a:pPr marL="285750" lvl="3" indent="-285750">
+              <a:buClr>
+                <a:srgbClr val="FF0000"/>
+              </a:buClr>
+              <a:buSzPct val="150000"/>
+              <a:buFont typeface="Arial" panose="020B0604020202020204" pitchFamily="34" charset="0"/>
+              <a:buChar char="×"/>
+            </a:pPr>
+            <a:r>
+              <a:rPr lang="en-US" altLang="zh-CN" dirty="0" err="1">
+                <a:sym typeface="+mn-ea"/>
+              </a:rPr>
+              <a:t>Reducción</a:t>
+            </a:r>
+            <a:r>
+              <a:rPr lang="en-US" altLang="zh-CN" dirty="0">
+                <a:sym typeface="+mn-ea"/>
+              </a:rPr>
+              <a:t> 1: </a:t>
+            </a:r>
+            <a:r>
+              <a:rPr lang="en-US" altLang="zh-CN" dirty="0" err="1">
+                <a:sym typeface="+mn-ea"/>
+              </a:rPr>
+              <a:t>varImp</a:t>
+            </a:r>
+            <a:r>
+              <a:rPr lang="en-US" altLang="zh-CN" dirty="0">
+                <a:sym typeface="+mn-ea"/>
+              </a:rPr>
+              <a:t> + variables </a:t>
+            </a:r>
+            <a:r>
+              <a:rPr lang="en-US" altLang="zh-CN" dirty="0" err="1">
+                <a:sym typeface="+mn-ea"/>
+              </a:rPr>
+              <a:t>significativas</a:t>
+            </a:r>
+            <a:r>
+              <a:rPr lang="en-US" altLang="zh-CN" dirty="0">
+                <a:sym typeface="+mn-ea"/>
+              </a:rPr>
+              <a:t> (</a:t>
+            </a:r>
+            <a:r>
+              <a:rPr lang="en-US" altLang="zh-CN" dirty="0" err="1">
+                <a:sym typeface="+mn-ea"/>
+              </a:rPr>
+              <a:t>estadisticamente</a:t>
+            </a:r>
+            <a:r>
+              <a:rPr lang="en-US" altLang="zh-CN" dirty="0">
+                <a:sym typeface="+mn-ea"/>
+              </a:rPr>
+              <a:t>).            </a:t>
+            </a:r>
+          </a:p>
+          <a:p>
             <a:pPr marL="285750" indent="-285750">
+              <a:buClr>
+                <a:srgbClr val="00B050"/>
+              </a:buClr>
+              <a:buSzPct val="150000"/>
               <a:buFont typeface="Wingdings" panose="05000000000000000000" pitchFamily="2" charset="2"/>
               <a:buChar char="ü"/>
             </a:pPr>
             <a:r>
+              <a:rPr lang="es-ES" dirty="0" err="1"/>
+              <a:t>Reduccción</a:t>
+            </a:r>
+            <a:r>
               <a:rPr lang="es-ES" dirty="0"/>
-              <a:t>En mi caso, p del mejor f1 se encontró en el </a:t>
+              <a:t> 2: </a:t>
             </a:r>
             <a:r>
               <a:rPr lang="es-ES" dirty="0" err="1"/>
-              <a:t>search</a:t>
+              <a:t>Dataset</a:t>
             </a:r>
             <a:r>
               <a:rPr lang="es-ES" dirty="0"/>
-              <a:t> del </a:t>
-            </a:r>
-            <a:r>
-              <a:rPr lang="es-ES" dirty="0" err="1"/>
-              <a:t>best</a:t>
-            </a:r>
-            <a:r>
-              <a:rPr lang="es-ES" dirty="0"/>
-              <a:t> p.</a:t>
+              <a:t> reducido.</a:t>
             </a:r>
           </a:p>
           <a:p>
             <a:pPr marL="285750" indent="-285750">
+              <a:buClr>
+                <a:srgbClr val="00B050"/>
+              </a:buClr>
+              <a:buSzPct val="150000"/>
               <a:buFont typeface="Wingdings" panose="05000000000000000000" pitchFamily="2" charset="2"/>
               <a:buChar char="ü"/>
             </a:pPr>
             <a:r>
               <a:rPr lang="es-ES" dirty="0"/>
-              <a:t>Para mayor </a:t>
+              <a:t>Variable </a:t>
             </a:r>
             <a:r>
               <a:rPr lang="es-ES" dirty="0" err="1"/>
-              <a:t>recall</a:t>
-            </a:r>
-            <a:r>
-              <a:rPr lang="es-ES" dirty="0"/>
-              <a:t> ( mas interesante para el proyecto) la p original 0.2071429.</a:t>
-            </a:r>
+              <a:t>HasBalace</a:t>
+            </a:r>
+            <a:endParaRPr lang="es-ES" dirty="0"/>
           </a:p>
           <a:p>
             <a:pPr marL="285750" indent="-285750">
+              <a:buClr>
+                <a:srgbClr val="00B050"/>
+              </a:buClr>
+              <a:buSzPct val="150000"/>
               <a:buFont typeface="Wingdings" panose="05000000000000000000" pitchFamily="2" charset="2"/>
               <a:buChar char="ü"/>
             </a:pPr>
             <a:r>
-              <a:rPr lang="es-ES" dirty="0"/>
-              <a:t>Se creó la variable </a:t>
-            </a:r>
-            <a:r>
               <a:rPr lang="es-ES" dirty="0" err="1"/>
-              <a:t>hasBalance</a:t>
-            </a:r>
-            <a:r>
-              <a:rPr lang="es-ES" dirty="0"/>
-              <a:t> y se suprimió el original.</a:t>
-            </a:r>
+              <a:t>ClassWeights</a:t>
+            </a:r>
+            <a:endParaRPr lang="es-ES" dirty="0"/>
+          </a:p>
+          <a:p>
+            <a:endParaRPr lang="es-ES" dirty="0"/>
+          </a:p>
+          <a:p>
+            <a:r>
+              <a:rPr lang="es-ES" sz="1600" b="1" dirty="0" err="1"/>
+              <a:t>Caracteristicas</a:t>
+            </a:r>
+            <a:r>
+              <a:rPr lang="es-ES" sz="1600" b="1" dirty="0"/>
+              <a:t> del mejor: </a:t>
+            </a:r>
+          </a:p>
+          <a:p>
+            <a:endParaRPr lang="es-ES" b="1" dirty="0"/>
           </a:p>
           <a:p>
             <a:pPr marL="285750" indent="-285750">
+              <a:buClr>
+                <a:srgbClr val="00B050"/>
+              </a:buClr>
+              <a:buSzPct val="150000"/>
               <a:buFont typeface="Wingdings" panose="05000000000000000000" pitchFamily="2" charset="2"/>
               <a:buChar char="ü"/>
             </a:pPr>
             <a:r>
               <a:rPr lang="es-ES" dirty="0"/>
-              <a:t>Se ha llevado a cabo </a:t>
+              <a:t>No hay </a:t>
             </a:r>
             <a:r>
               <a:rPr lang="es-ES" dirty="0" err="1"/>
-              <a:t>biperparamtre</a:t>
+              <a:t>overfitting</a:t>
             </a:r>
             <a:r>
               <a:rPr lang="es-ES" dirty="0"/>
-              <a:t> </a:t>
-            </a:r>
+              <a:t> y es estable.</a:t>
+            </a:r>
+          </a:p>
+          <a:p>
+            <a:pPr marL="285750" indent="-285750">
+              <a:buClr>
+                <a:srgbClr val="00B050"/>
+              </a:buClr>
+              <a:buSzPct val="150000"/>
+              <a:buFont typeface="Wingdings" panose="05000000000000000000" pitchFamily="2" charset="2"/>
+              <a:buChar char="ü"/>
+            </a:pPr>
             <a:r>
               <a:rPr lang="es-ES" dirty="0" err="1"/>
-              <a:t>tuning</a:t>
+              <a:t>Tuning</a:t>
+            </a:r>
+            <a:r>
+              <a:rPr lang="es-ES" dirty="0"/>
+              <a:t> de </a:t>
+            </a:r>
+            <a:r>
+              <a:rPr lang="es-ES" dirty="0" err="1"/>
+              <a:t>hiperparémetros</a:t>
+            </a:r>
+            <a:r>
+              <a:rPr lang="es-ES" dirty="0"/>
+              <a:t>.</a:t>
+            </a:r>
+          </a:p>
+          <a:p>
+            <a:pPr marL="285750" indent="-285750">
+              <a:buClr>
+                <a:srgbClr val="00B050"/>
+              </a:buClr>
+              <a:buSzPct val="150000"/>
+              <a:buFont typeface="Wingdings" panose="05000000000000000000" pitchFamily="2" charset="2"/>
+              <a:buChar char="ü"/>
+            </a:pPr>
+            <a:r>
+              <a:rPr lang="es-ES" dirty="0" err="1"/>
+              <a:t>Hiperparémetros</a:t>
+            </a:r>
+            <a:r>
+              <a:rPr lang="es-ES" dirty="0"/>
+              <a:t>: </a:t>
+            </a:r>
+            <a:r>
+              <a:rPr lang="es-ES" dirty="0" err="1"/>
+              <a:t>maxnode</a:t>
+            </a:r>
+            <a:r>
+              <a:rPr lang="es-ES" dirty="0"/>
+              <a:t>=45 ; nodesize:20 ; </a:t>
+            </a:r>
+            <a:r>
+              <a:rPr lang="es-ES" dirty="0" err="1"/>
+              <a:t>mtry</a:t>
+            </a:r>
+            <a:r>
+              <a:rPr lang="es-ES" dirty="0"/>
+              <a:t>=5.</a:t>
+            </a:r>
+          </a:p>
+          <a:p>
+            <a:pPr marL="285750" indent="-285750">
+              <a:buClr>
+                <a:srgbClr val="00B050"/>
+              </a:buClr>
+              <a:buSzPct val="150000"/>
+              <a:buFont typeface="Wingdings" panose="05000000000000000000" pitchFamily="2" charset="2"/>
+              <a:buChar char="ü"/>
+            </a:pPr>
+            <a:r>
+              <a:rPr lang="en-US" dirty="0"/>
+              <a:t>Number of trees: 500 </a:t>
+            </a:r>
+            <a:r>
+              <a:rPr lang="en-US" dirty="0" err="1"/>
+              <a:t>i</a:t>
+            </a:r>
+            <a:r>
+              <a:rPr lang="en-US" dirty="0"/>
+              <a:t> No. of variables tried at each split: 5.</a:t>
             </a:r>
             <a:endParaRPr lang="es-ES" dirty="0"/>
+          </a:p>
+          <a:p>
+            <a:pPr marL="285750" indent="-285750">
+              <a:buClr>
+                <a:srgbClr val="00B050"/>
+              </a:buClr>
+              <a:buSzPct val="150000"/>
+              <a:buFont typeface="Wingdings" panose="05000000000000000000" pitchFamily="2" charset="2"/>
+              <a:buChar char="ü"/>
+            </a:pPr>
+            <a:r>
+              <a:rPr lang="es-ES" dirty="0"/>
+              <a:t>Métricas obtenidas con p=0,06.</a:t>
+            </a:r>
           </a:p>
           <a:p>
             <a:pPr marL="285750" indent="-285750">
@@ -7479,26 +7661,6 @@
               <a:buChar char="ü"/>
             </a:pPr>
             <a:endParaRPr lang="es-ES" dirty="0"/>
-          </a:p>
-          <a:p>
-            <a:pPr marL="285750" indent="-285750">
-              <a:buFont typeface="Wingdings" panose="05000000000000000000" pitchFamily="2" charset="2"/>
-              <a:buChar char="ü"/>
-            </a:pPr>
-            <a:r>
-              <a:rPr lang="es-ES" dirty="0"/>
-              <a:t>Caso Melissa. </a:t>
-            </a:r>
-          </a:p>
-          <a:p>
-            <a:pPr marL="285750" indent="-285750">
-              <a:buFont typeface="Wingdings" panose="05000000000000000000" pitchFamily="2" charset="2"/>
-              <a:buChar char="ü"/>
-            </a:pPr>
-            <a:r>
-              <a:rPr lang="es-ES" dirty="0"/>
-              <a:t>No se</a:t>
-            </a:r>
           </a:p>
         </p:txBody>
       </p:sp>

--- a/Entrega_2/00.REPORTE/Reporte_Grupo5.pptx
+++ b/Entrega_2/00.REPORTE/Reporte_Grupo5.pptx
@@ -289,6 +289,35 @@
 <p:cmAuthorLst xmlns:a="http://schemas.openxmlformats.org/drawingml/2006/main" xmlns:r="http://schemas.openxmlformats.org/officeDocument/2006/relationships" xmlns:p="http://schemas.openxmlformats.org/presentationml/2006/main">
   <p:cmAuthor id="1" name="Mario Aragón Valderrama" initials="MA" lastIdx="1" clrIdx="0"/>
 </p:cmAuthorLst>
+</file>
+
+<file path=ppt/changesInfos/changesInfo1.xml><?xml version="1.0" encoding="utf-8"?>
+<pc:chgInfo xmlns:a="http://schemas.openxmlformats.org/drawingml/2006/main" xmlns:r="http://schemas.openxmlformats.org/officeDocument/2006/relationships" xmlns:ac="http://schemas.microsoft.com/office/drawing/2013/main/command" xmlns:pc="http://schemas.microsoft.com/office/powerpoint/2013/main/command">
+  <pc:docChgLst>
+    <pc:chgData name="Mario Aragón Valderrama" userId="ab42593c9091a3c7" providerId="LiveId" clId="{A94EC9C8-FC2E-45B4-829C-AEB6B286F687}"/>
+    <pc:docChg chg="modSld">
+      <pc:chgData name="Mario Aragón Valderrama" userId="ab42593c9091a3c7" providerId="LiveId" clId="{A94EC9C8-FC2E-45B4-829C-AEB6B286F687}" dt="2025-12-17T10:37:10.383" v="227" actId="20577"/>
+      <pc:docMkLst>
+        <pc:docMk/>
+      </pc:docMkLst>
+      <pc:sldChg chg="modSp mod">
+        <pc:chgData name="Mario Aragón Valderrama" userId="ab42593c9091a3c7" providerId="LiveId" clId="{A94EC9C8-FC2E-45B4-829C-AEB6B286F687}" dt="2025-12-17T10:37:10.383" v="227" actId="20577"/>
+        <pc:sldMkLst>
+          <pc:docMk/>
+          <pc:sldMk cId="193844949" sldId="304"/>
+        </pc:sldMkLst>
+        <pc:spChg chg="mod">
+          <ac:chgData name="Mario Aragón Valderrama" userId="ab42593c9091a3c7" providerId="LiveId" clId="{A94EC9C8-FC2E-45B4-829C-AEB6B286F687}" dt="2025-12-17T10:37:10.383" v="227" actId="20577"/>
+          <ac:spMkLst>
+            <pc:docMk/>
+            <pc:sldMk cId="193844949" sldId="304"/>
+            <ac:spMk id="4" creationId="{35AAD5D2-DF63-EE2F-79C1-F0CAB2917DB1}"/>
+          </ac:spMkLst>
+        </pc:spChg>
+      </pc:sldChg>
+    </pc:docChg>
+  </pc:docChgLst>
+</pc:chgInfo>
 </file>
 
 <file path=ppt/notesMasters/notesMaster1.xml><?xml version="1.0" encoding="utf-8"?>
@@ -8916,8 +8945,8 @@
         </p:nvSpPr>
         <p:spPr>
           <a:xfrm>
-            <a:off x="823312" y="1880582"/>
-            <a:ext cx="7704000" cy="738664"/>
+            <a:off x="629675" y="1456445"/>
+            <a:ext cx="7704000" cy="2031325"/>
           </a:xfrm>
           <a:prstGeom prst="rect">
             <a:avLst/>
@@ -8981,7 +9010,7 @@
                 <a:effectLst/>
                 <a:latin typeface="Lucida Console" panose="020B0609040504020204" pitchFamily="49" charset="0"/>
               </a:rPr>
-              <a:t> la </a:t>
+              <a:t> las </a:t>
             </a:r>
             <a:r>
               <a:rPr lang="en-US" b="0" i="0" dirty="0" err="1">
@@ -8991,7 +9020,7 @@
                 <a:effectLst/>
                 <a:latin typeface="Lucida Console" panose="020B0609040504020204" pitchFamily="49" charset="0"/>
               </a:rPr>
-              <a:t>regla</a:t>
+              <a:t>reglas</a:t>
             </a:r>
             <a:r>
               <a:rPr lang="en-US" b="0" i="0" dirty="0">
@@ -9001,60 +9030,8 @@
                 <a:effectLst/>
                 <a:latin typeface="Lucida Console" panose="020B0609040504020204" pitchFamily="49" charset="0"/>
               </a:rPr>
-              <a:t> para Exited=1</a:t>
-            </a:r>
-          </a:p>
-          <a:p>
-            <a:pPr algn="l" latinLnBrk="1">
-              <a:buNone/>
-            </a:pPr>
-            <a:r>
-              <a:rPr lang="en-US" dirty="0">
-                <a:latin typeface="Lucida Console" panose="020B0609040504020204" pitchFamily="49" charset="0"/>
-              </a:rPr>
-              <a:t>Los </a:t>
-            </a:r>
-            <a:r>
-              <a:rPr lang="en-US" dirty="0" err="1">
-                <a:latin typeface="Lucida Console" panose="020B0609040504020204" pitchFamily="49" charset="0"/>
-              </a:rPr>
-              <a:t>resultados</a:t>
-            </a:r>
-            <a:r>
-              <a:rPr lang="en-US" dirty="0">
-                <a:latin typeface="Lucida Console" panose="020B0609040504020204" pitchFamily="49" charset="0"/>
-              </a:rPr>
-              <a:t> </a:t>
-            </a:r>
-            <a:r>
-              <a:rPr lang="en-US" dirty="0" err="1">
-                <a:latin typeface="Lucida Console" panose="020B0609040504020204" pitchFamily="49" charset="0"/>
-              </a:rPr>
-              <a:t>fueron</a:t>
-            </a:r>
-            <a:r>
-              <a:rPr lang="en-US" dirty="0">
-                <a:latin typeface="Lucida Console" panose="020B0609040504020204" pitchFamily="49" charset="0"/>
-              </a:rPr>
-              <a:t> bueno/</a:t>
-            </a:r>
-            <a:r>
-              <a:rPr lang="en-US" dirty="0" err="1">
-                <a:latin typeface="Lucida Console" panose="020B0609040504020204" pitchFamily="49" charset="0"/>
-              </a:rPr>
-              <a:t>malo</a:t>
-            </a:r>
-            <a:r>
-              <a:rPr lang="en-US" dirty="0">
-                <a:latin typeface="Lucida Console" panose="020B0609040504020204" pitchFamily="49" charset="0"/>
-              </a:rPr>
-              <a:t>.</a:t>
-            </a:r>
-          </a:p>
-          <a:p>
-            <a:pPr algn="l" latinLnBrk="1">
-              <a:buNone/>
-            </a:pPr>
+              <a:t> para Exited=1 con </a:t>
+            </a:r>
             <a:r>
               <a:rPr lang="en-US" b="0" i="0" dirty="0" err="1">
                 <a:solidFill>
@@ -9063,7 +9040,7 @@
                 <a:effectLst/>
                 <a:latin typeface="Lucida Console" panose="020B0609040504020204" pitchFamily="49" charset="0"/>
               </a:rPr>
-              <a:t>Métricas</a:t>
+              <a:t>confianza</a:t>
             </a:r>
             <a:r>
               <a:rPr lang="en-US" b="0" i="0" dirty="0">
@@ -9073,8 +9050,270 @@
                 <a:effectLst/>
                 <a:latin typeface="Lucida Console" panose="020B0609040504020204" pitchFamily="49" charset="0"/>
               </a:rPr>
-              <a:t>:</a:t>
-            </a:r>
+              <a:t> minima de 0.5</a:t>
+            </a:r>
+          </a:p>
+          <a:p>
+            <a:pPr algn="l" latinLnBrk="1">
+              <a:buNone/>
+            </a:pPr>
+            <a:r>
+              <a:rPr lang="en-US" dirty="0">
+                <a:latin typeface="Lucida Console" panose="020B0609040504020204" pitchFamily="49" charset="0"/>
+              </a:rPr>
+              <a:t>Los </a:t>
+            </a:r>
+            <a:r>
+              <a:rPr lang="en-US" dirty="0" err="1">
+                <a:latin typeface="Lucida Console" panose="020B0609040504020204" pitchFamily="49" charset="0"/>
+              </a:rPr>
+              <a:t>resultados</a:t>
+            </a:r>
+            <a:r>
+              <a:rPr lang="en-US" dirty="0">
+                <a:latin typeface="Lucida Console" panose="020B0609040504020204" pitchFamily="49" charset="0"/>
+              </a:rPr>
+              <a:t> no </a:t>
+            </a:r>
+            <a:r>
+              <a:rPr lang="en-US" dirty="0" err="1">
+                <a:latin typeface="Lucida Console" panose="020B0609040504020204" pitchFamily="49" charset="0"/>
+              </a:rPr>
+              <a:t>mejoraban</a:t>
+            </a:r>
+            <a:r>
+              <a:rPr lang="en-US" dirty="0">
+                <a:latin typeface="Lucida Console" panose="020B0609040504020204" pitchFamily="49" charset="0"/>
+              </a:rPr>
+              <a:t> </a:t>
+            </a:r>
+            <a:r>
+              <a:rPr lang="en-US" dirty="0" err="1">
+                <a:latin typeface="Lucida Console" panose="020B0609040504020204" pitchFamily="49" charset="0"/>
+              </a:rPr>
+              <a:t>el</a:t>
+            </a:r>
+            <a:r>
+              <a:rPr lang="en-US" dirty="0">
+                <a:latin typeface="Lucida Console" panose="020B0609040504020204" pitchFamily="49" charset="0"/>
+              </a:rPr>
+              <a:t> </a:t>
+            </a:r>
+            <a:r>
+              <a:rPr lang="en-US" dirty="0" err="1">
+                <a:latin typeface="Lucida Console" panose="020B0609040504020204" pitchFamily="49" charset="0"/>
+              </a:rPr>
+              <a:t>modelo</a:t>
+            </a:r>
+            <a:r>
+              <a:rPr lang="en-US" dirty="0">
+                <a:latin typeface="Lucida Console" panose="020B0609040504020204" pitchFamily="49" charset="0"/>
+              </a:rPr>
+              <a:t> sin </a:t>
+            </a:r>
+            <a:r>
+              <a:rPr lang="en-US" dirty="0" err="1">
+                <a:latin typeface="Lucida Console" panose="020B0609040504020204" pitchFamily="49" charset="0"/>
+              </a:rPr>
+              <a:t>forzar</a:t>
+            </a:r>
+            <a:endParaRPr lang="en-US" dirty="0">
+              <a:latin typeface="Lucida Console" panose="020B0609040504020204" pitchFamily="49" charset="0"/>
+            </a:endParaRPr>
+          </a:p>
+          <a:p>
+            <a:pPr algn="l" latinLnBrk="1">
+              <a:buNone/>
+            </a:pPr>
+            <a:endParaRPr lang="en-US" dirty="0">
+              <a:latin typeface="Lucida Console" panose="020B0609040504020204" pitchFamily="49" charset="0"/>
+            </a:endParaRPr>
+          </a:p>
+          <a:p>
+            <a:pPr latinLnBrk="1"/>
+            <a:r>
+              <a:rPr lang="en-US" dirty="0">
+                <a:latin typeface="Lucida Console" panose="020B0609040504020204" pitchFamily="49" charset="0"/>
+              </a:rPr>
+              <a:t>Se </a:t>
+            </a:r>
+            <a:r>
+              <a:rPr lang="en-US" dirty="0" err="1">
+                <a:latin typeface="Lucida Console" panose="020B0609040504020204" pitchFamily="49" charset="0"/>
+              </a:rPr>
+              <a:t>intentó</a:t>
+            </a:r>
+            <a:r>
+              <a:rPr lang="en-US" dirty="0">
+                <a:latin typeface="Lucida Console" panose="020B0609040504020204" pitchFamily="49" charset="0"/>
+              </a:rPr>
+              <a:t> </a:t>
+            </a:r>
+            <a:r>
+              <a:rPr lang="en-US" dirty="0" err="1">
+                <a:latin typeface="Lucida Console" panose="020B0609040504020204" pitchFamily="49" charset="0"/>
+              </a:rPr>
+              <a:t>forzar</a:t>
+            </a:r>
+            <a:r>
+              <a:rPr lang="en-US" dirty="0">
+                <a:latin typeface="Lucida Console" panose="020B0609040504020204" pitchFamily="49" charset="0"/>
+              </a:rPr>
+              <a:t> las </a:t>
+            </a:r>
+            <a:r>
+              <a:rPr lang="en-US" dirty="0" err="1">
+                <a:latin typeface="Lucida Console" panose="020B0609040504020204" pitchFamily="49" charset="0"/>
+              </a:rPr>
+              <a:t>reglas</a:t>
+            </a:r>
+            <a:r>
+              <a:rPr lang="en-US" dirty="0">
+                <a:latin typeface="Lucida Console" panose="020B0609040504020204" pitchFamily="49" charset="0"/>
+              </a:rPr>
+              <a:t> para Exited=0 con </a:t>
+            </a:r>
+            <a:r>
+              <a:rPr lang="en-US" dirty="0" err="1">
+                <a:latin typeface="Lucida Console" panose="020B0609040504020204" pitchFamily="49" charset="0"/>
+              </a:rPr>
+              <a:t>confianza</a:t>
+            </a:r>
+            <a:r>
+              <a:rPr lang="en-US" dirty="0">
+                <a:latin typeface="Lucida Console" panose="020B0609040504020204" pitchFamily="49" charset="0"/>
+              </a:rPr>
+              <a:t> de 1</a:t>
+            </a:r>
+          </a:p>
+          <a:p>
+            <a:pPr latinLnBrk="1"/>
+            <a:r>
+              <a:rPr lang="en-US" dirty="0">
+                <a:latin typeface="Lucida Console" panose="020B0609040504020204" pitchFamily="49" charset="0"/>
+              </a:rPr>
+              <a:t>Los </a:t>
+            </a:r>
+            <a:r>
+              <a:rPr lang="en-US" dirty="0" err="1">
+                <a:latin typeface="Lucida Console" panose="020B0609040504020204" pitchFamily="49" charset="0"/>
+              </a:rPr>
+              <a:t>resultados</a:t>
+            </a:r>
+            <a:r>
+              <a:rPr lang="en-US" dirty="0">
+                <a:latin typeface="Lucida Console" panose="020B0609040504020204" pitchFamily="49" charset="0"/>
+              </a:rPr>
+              <a:t> no </a:t>
+            </a:r>
+            <a:r>
+              <a:rPr lang="en-US" dirty="0" err="1">
+                <a:latin typeface="Lucida Console" panose="020B0609040504020204" pitchFamily="49" charset="0"/>
+              </a:rPr>
+              <a:t>mejoraban</a:t>
+            </a:r>
+            <a:r>
+              <a:rPr lang="en-US" dirty="0">
+                <a:latin typeface="Lucida Console" panose="020B0609040504020204" pitchFamily="49" charset="0"/>
+              </a:rPr>
+              <a:t> </a:t>
+            </a:r>
+            <a:r>
+              <a:rPr lang="en-US" dirty="0" err="1">
+                <a:latin typeface="Lucida Console" panose="020B0609040504020204" pitchFamily="49" charset="0"/>
+              </a:rPr>
+              <a:t>el</a:t>
+            </a:r>
+            <a:r>
+              <a:rPr lang="en-US" dirty="0">
+                <a:latin typeface="Lucida Console" panose="020B0609040504020204" pitchFamily="49" charset="0"/>
+              </a:rPr>
+              <a:t> </a:t>
+            </a:r>
+            <a:r>
+              <a:rPr lang="en-US" dirty="0" err="1">
+                <a:latin typeface="Lucida Console" panose="020B0609040504020204" pitchFamily="49" charset="0"/>
+              </a:rPr>
+              <a:t>modelo</a:t>
+            </a:r>
+            <a:r>
+              <a:rPr lang="en-US" dirty="0">
+                <a:latin typeface="Lucida Console" panose="020B0609040504020204" pitchFamily="49" charset="0"/>
+              </a:rPr>
+              <a:t> sin </a:t>
+            </a:r>
+            <a:r>
+              <a:rPr lang="en-US" dirty="0" err="1">
+                <a:latin typeface="Lucida Console" panose="020B0609040504020204" pitchFamily="49" charset="0"/>
+              </a:rPr>
+              <a:t>forzar</a:t>
+            </a:r>
+            <a:endParaRPr lang="en-US" dirty="0">
+              <a:latin typeface="Lucida Console" panose="020B0609040504020204" pitchFamily="49" charset="0"/>
+            </a:endParaRPr>
+          </a:p>
+          <a:p>
+            <a:pPr algn="l" latinLnBrk="1">
+              <a:buNone/>
+            </a:pPr>
+            <a:endParaRPr lang="en-US" dirty="0">
+              <a:latin typeface="Lucida Console" panose="020B0609040504020204" pitchFamily="49" charset="0"/>
+            </a:endParaRPr>
+          </a:p>
+          <a:p>
+            <a:pPr latinLnBrk="1"/>
+            <a:r>
+              <a:rPr lang="es-ES" b="0" i="0" dirty="0">
+                <a:solidFill>
+                  <a:srgbClr val="000000"/>
+                </a:solidFill>
+                <a:effectLst/>
+                <a:latin typeface="Lucida Console" panose="020B0609040504020204" pitchFamily="49" charset="0"/>
+              </a:rPr>
+              <a:t>Se intentó forzar las reglas para ambos </a:t>
+            </a:r>
+            <a:r>
+              <a:rPr lang="es-ES" b="0" i="0" dirty="0" err="1">
+                <a:solidFill>
+                  <a:srgbClr val="000000"/>
+                </a:solidFill>
+                <a:effectLst/>
+                <a:latin typeface="Lucida Console" panose="020B0609040504020204" pitchFamily="49" charset="0"/>
+              </a:rPr>
+              <a:t>Exited</a:t>
+            </a:r>
+            <a:r>
+              <a:rPr lang="es-ES" b="0" i="0" dirty="0">
+                <a:solidFill>
+                  <a:srgbClr val="000000"/>
+                </a:solidFill>
+                <a:effectLst/>
+                <a:latin typeface="Lucida Console" panose="020B0609040504020204" pitchFamily="49" charset="0"/>
+              </a:rPr>
+              <a:t> a la vez</a:t>
+            </a:r>
+          </a:p>
+          <a:p>
+            <a:pPr latinLnBrk="1"/>
+            <a:r>
+              <a:rPr lang="es-ES" dirty="0">
+                <a:latin typeface="Lucida Console" panose="020B0609040504020204" pitchFamily="49" charset="0"/>
+              </a:rPr>
+              <a:t>Los resultados no mejoraban el modelo sin forzar</a:t>
+            </a:r>
+            <a:endParaRPr lang="es-ES" dirty="0"/>
+          </a:p>
+          <a:p>
+            <a:pPr algn="l" latinLnBrk="1">
+              <a:buNone/>
+            </a:pPr>
+            <a:endParaRPr lang="en-US" b="0" i="0" dirty="0">
+              <a:solidFill>
+                <a:srgbClr val="000000"/>
+              </a:solidFill>
+              <a:effectLst/>
+              <a:latin typeface="Lucida Console" panose="020B0609040504020204" pitchFamily="49" charset="0"/>
+            </a:endParaRPr>
           </a:p>
         </p:txBody>
       </p:sp>
